--- a/LplcSimulator/LplcSimulator/卒論/数理モデルv5.pptx
+++ b/LplcSimulator/LplcSimulator/卒論/数理モデルv5.pptx
@@ -118,6 +118,11 @@
       </a:defRPr>
     </a:lvl9pPr>
   </p:defaultTextStyle>
+  <p:extLst>
+    <p:ext uri="{EFAFB233-063F-42B5-8137-9DF3F51BA10A}">
+      <p15:sldGuideLst xmlns:p15="http://schemas.microsoft.com/office/powerpoint/2012/main"/>
+    </p:ext>
+  </p:extLst>
 </p:presentation>
 </file>
 
@@ -252,7 +257,7 @@
           <a:p>
             <a:fld id="{04B62EDD-4951-463E-92DE-B5FB06F7687D}" type="datetimeFigureOut">
               <a:rPr kumimoji="1" lang="ja-JP" altLang="en-US" smtClean="0"/>
-              <a:t>2019/2/14</a:t>
+              <a:t>2019/2/18</a:t>
             </a:fld>
             <a:endParaRPr kumimoji="1" lang="ja-JP" altLang="en-US"/>
           </a:p>
@@ -454,7 +459,7 @@
           <a:p>
             <a:fld id="{04B62EDD-4951-463E-92DE-B5FB06F7687D}" type="datetimeFigureOut">
               <a:rPr kumimoji="1" lang="ja-JP" altLang="en-US" smtClean="0"/>
-              <a:t>2019/2/14</a:t>
+              <a:t>2019/2/18</a:t>
             </a:fld>
             <a:endParaRPr kumimoji="1" lang="ja-JP" altLang="en-US"/>
           </a:p>
@@ -666,7 +671,7 @@
           <a:p>
             <a:fld id="{04B62EDD-4951-463E-92DE-B5FB06F7687D}" type="datetimeFigureOut">
               <a:rPr kumimoji="1" lang="ja-JP" altLang="en-US" smtClean="0"/>
-              <a:t>2019/2/14</a:t>
+              <a:t>2019/2/18</a:t>
             </a:fld>
             <a:endParaRPr kumimoji="1" lang="ja-JP" altLang="en-US"/>
           </a:p>
@@ -868,7 +873,7 @@
           <a:p>
             <a:fld id="{04B62EDD-4951-463E-92DE-B5FB06F7687D}" type="datetimeFigureOut">
               <a:rPr kumimoji="1" lang="ja-JP" altLang="en-US" smtClean="0"/>
-              <a:t>2019/2/14</a:t>
+              <a:t>2019/2/18</a:t>
             </a:fld>
             <a:endParaRPr kumimoji="1" lang="ja-JP" altLang="en-US"/>
           </a:p>
@@ -1114,7 +1119,7 @@
           <a:p>
             <a:fld id="{04B62EDD-4951-463E-92DE-B5FB06F7687D}" type="datetimeFigureOut">
               <a:rPr kumimoji="1" lang="ja-JP" altLang="en-US" smtClean="0"/>
-              <a:t>2019/2/14</a:t>
+              <a:t>2019/2/18</a:t>
             </a:fld>
             <a:endParaRPr kumimoji="1" lang="ja-JP" altLang="en-US"/>
           </a:p>
@@ -1410,7 +1415,7 @@
           <a:p>
             <a:fld id="{04B62EDD-4951-463E-92DE-B5FB06F7687D}" type="datetimeFigureOut">
               <a:rPr kumimoji="1" lang="ja-JP" altLang="en-US" smtClean="0"/>
-              <a:t>2019/2/14</a:t>
+              <a:t>2019/2/18</a:t>
             </a:fld>
             <a:endParaRPr kumimoji="1" lang="ja-JP" altLang="en-US"/>
           </a:p>
@@ -1841,7 +1846,7 @@
           <a:p>
             <a:fld id="{04B62EDD-4951-463E-92DE-B5FB06F7687D}" type="datetimeFigureOut">
               <a:rPr kumimoji="1" lang="ja-JP" altLang="en-US" smtClean="0"/>
-              <a:t>2019/2/14</a:t>
+              <a:t>2019/2/18</a:t>
             </a:fld>
             <a:endParaRPr kumimoji="1" lang="ja-JP" altLang="en-US"/>
           </a:p>
@@ -1959,7 +1964,7 @@
           <a:p>
             <a:fld id="{04B62EDD-4951-463E-92DE-B5FB06F7687D}" type="datetimeFigureOut">
               <a:rPr kumimoji="1" lang="ja-JP" altLang="en-US" smtClean="0"/>
-              <a:t>2019/2/14</a:t>
+              <a:t>2019/2/18</a:t>
             </a:fld>
             <a:endParaRPr kumimoji="1" lang="ja-JP" altLang="en-US"/>
           </a:p>
@@ -2054,7 +2059,7 @@
           <a:p>
             <a:fld id="{04B62EDD-4951-463E-92DE-B5FB06F7687D}" type="datetimeFigureOut">
               <a:rPr kumimoji="1" lang="ja-JP" altLang="en-US" smtClean="0"/>
-              <a:t>2019/2/14</a:t>
+              <a:t>2019/2/18</a:t>
             </a:fld>
             <a:endParaRPr kumimoji="1" lang="ja-JP" altLang="en-US"/>
           </a:p>
@@ -2363,7 +2368,7 @@
           <a:p>
             <a:fld id="{04B62EDD-4951-463E-92DE-B5FB06F7687D}" type="datetimeFigureOut">
               <a:rPr kumimoji="1" lang="ja-JP" altLang="en-US" smtClean="0"/>
-              <a:t>2019/2/14</a:t>
+              <a:t>2019/2/18</a:t>
             </a:fld>
             <a:endParaRPr kumimoji="1" lang="ja-JP" altLang="en-US"/>
           </a:p>
@@ -2616,7 +2621,7 @@
           <a:p>
             <a:fld id="{04B62EDD-4951-463E-92DE-B5FB06F7687D}" type="datetimeFigureOut">
               <a:rPr kumimoji="1" lang="ja-JP" altLang="en-US" smtClean="0"/>
-              <a:t>2019/2/14</a:t>
+              <a:t>2019/2/18</a:t>
             </a:fld>
             <a:endParaRPr kumimoji="1" lang="ja-JP" altLang="en-US"/>
           </a:p>
@@ -2861,7 +2866,7 @@
           <a:p>
             <a:fld id="{04B62EDD-4951-463E-92DE-B5FB06F7687D}" type="datetimeFigureOut">
               <a:rPr kumimoji="1" lang="ja-JP" altLang="en-US" smtClean="0"/>
-              <a:t>2019/2/14</a:t>
+              <a:t>2019/2/18</a:t>
             </a:fld>
             <a:endParaRPr kumimoji="1" lang="ja-JP" altLang="en-US"/>
           </a:p>
@@ -3521,8 +3526,8 @@
             <a:chExt cx="7084754" cy="1780368"/>
           </a:xfrm>
         </p:grpSpPr>
-        <mc:AlternateContent xmlns:mc="http://schemas.openxmlformats.org/markup-compatibility/2006">
-          <mc:Choice xmlns:a14="http://schemas.microsoft.com/office/drawing/2010/main" Requires="a14">
+        <mc:AlternateContent xmlns:mc="http://schemas.openxmlformats.org/markup-compatibility/2006" xmlns:a14="http://schemas.microsoft.com/office/drawing/2010/main">
+          <mc:Choice Requires="a14">
             <p:sp>
               <p:nvSpPr>
                 <p:cNvPr id="7" name="テキスト ボックス 6"/>
@@ -3625,7 +3630,7 @@
               </p:txBody>
             </p:sp>
           </mc:Choice>
-          <mc:Fallback>
+          <mc:Fallback xmlns="">
             <p:sp>
               <p:nvSpPr>
                 <p:cNvPr id="7" name="テキスト ボックス 6"/>
@@ -4270,49 +4275,49 @@
                     <a:gridCol w="720000">
                       <a:extLst>
                         <a:ext uri="{9D8B030D-6E8A-4147-A177-3AD203B41FA5}">
-                          <a16:colId xmlns:a16="http://schemas.microsoft.com/office/drawing/2014/main" val="849826274"/>
+                          <a16:colId xmlns:a16="http://schemas.microsoft.com/office/drawing/2014/main" xmlns="" val="849826274"/>
                         </a:ext>
                       </a:extLst>
                     </a:gridCol>
                     <a:gridCol w="720000">
                       <a:extLst>
                         <a:ext uri="{9D8B030D-6E8A-4147-A177-3AD203B41FA5}">
-                          <a16:colId xmlns:a16="http://schemas.microsoft.com/office/drawing/2014/main" val="3122597115"/>
+                          <a16:colId xmlns:a16="http://schemas.microsoft.com/office/drawing/2014/main" xmlns="" val="3122597115"/>
                         </a:ext>
                       </a:extLst>
                     </a:gridCol>
                     <a:gridCol w="720000">
                       <a:extLst>
                         <a:ext uri="{9D8B030D-6E8A-4147-A177-3AD203B41FA5}">
-                          <a16:colId xmlns:a16="http://schemas.microsoft.com/office/drawing/2014/main" val="2119792792"/>
+                          <a16:colId xmlns:a16="http://schemas.microsoft.com/office/drawing/2014/main" xmlns="" val="2119792792"/>
                         </a:ext>
                       </a:extLst>
                     </a:gridCol>
                     <a:gridCol w="720000">
                       <a:extLst>
                         <a:ext uri="{9D8B030D-6E8A-4147-A177-3AD203B41FA5}">
-                          <a16:colId xmlns:a16="http://schemas.microsoft.com/office/drawing/2014/main" val="3054159046"/>
+                          <a16:colId xmlns:a16="http://schemas.microsoft.com/office/drawing/2014/main" xmlns="" val="3054159046"/>
                         </a:ext>
                       </a:extLst>
                     </a:gridCol>
                     <a:gridCol w="720000">
                       <a:extLst>
                         <a:ext uri="{9D8B030D-6E8A-4147-A177-3AD203B41FA5}">
-                          <a16:colId xmlns:a16="http://schemas.microsoft.com/office/drawing/2014/main" val="1335098707"/>
+                          <a16:colId xmlns:a16="http://schemas.microsoft.com/office/drawing/2014/main" xmlns="" val="1335098707"/>
                         </a:ext>
                       </a:extLst>
                     </a:gridCol>
                     <a:gridCol w="720000">
                       <a:extLst>
                         <a:ext uri="{9D8B030D-6E8A-4147-A177-3AD203B41FA5}">
-                          <a16:colId xmlns:a16="http://schemas.microsoft.com/office/drawing/2014/main" val="2189793948"/>
+                          <a16:colId xmlns:a16="http://schemas.microsoft.com/office/drawing/2014/main" xmlns="" val="2189793948"/>
                         </a:ext>
                       </a:extLst>
                     </a:gridCol>
                     <a:gridCol w="720000">
                       <a:extLst>
                         <a:ext uri="{9D8B030D-6E8A-4147-A177-3AD203B41FA5}">
-                          <a16:colId xmlns:a16="http://schemas.microsoft.com/office/drawing/2014/main" val="4073850615"/>
+                          <a16:colId xmlns:a16="http://schemas.microsoft.com/office/drawing/2014/main" xmlns="" val="4073850615"/>
                         </a:ext>
                       </a:extLst>
                     </a:gridCol>
@@ -5277,7 +5282,7 @@
                     </a:tc>
                     <a:extLst>
                       <a:ext uri="{0D108BD9-81ED-4DB2-BD59-A6C34878D82A}">
-                        <a16:rowId xmlns:a16="http://schemas.microsoft.com/office/drawing/2014/main" val="2282192497"/>
+                        <a16:rowId xmlns:a16="http://schemas.microsoft.com/office/drawing/2014/main" xmlns="" val="2282192497"/>
                       </a:ext>
                     </a:extLst>
                   </a:tr>
@@ -6320,7 +6325,7 @@
                     </a:tc>
                     <a:extLst>
                       <a:ext uri="{0D108BD9-81ED-4DB2-BD59-A6C34878D82A}">
-                        <a16:rowId xmlns:a16="http://schemas.microsoft.com/office/drawing/2014/main" val="285879134"/>
+                        <a16:rowId xmlns:a16="http://schemas.microsoft.com/office/drawing/2014/main" xmlns="" val="285879134"/>
                       </a:ext>
                     </a:extLst>
                   </a:tr>
@@ -6908,7 +6913,7 @@
                     </a:tc>
                     <a:extLst>
                       <a:ext uri="{0D108BD9-81ED-4DB2-BD59-A6C34878D82A}">
-                        <a16:rowId xmlns:a16="http://schemas.microsoft.com/office/drawing/2014/main" val="1414773290"/>
+                        <a16:rowId xmlns:a16="http://schemas.microsoft.com/office/drawing/2014/main" xmlns="" val="1414773290"/>
                       </a:ext>
                     </a:extLst>
                   </a:tr>
@@ -7496,7 +7501,7 @@
                     </a:tc>
                     <a:extLst>
                       <a:ext uri="{0D108BD9-81ED-4DB2-BD59-A6C34878D82A}">
-                        <a16:rowId xmlns:a16="http://schemas.microsoft.com/office/drawing/2014/main" val="3029169098"/>
+                        <a16:rowId xmlns:a16="http://schemas.microsoft.com/office/drawing/2014/main" xmlns="" val="3029169098"/>
                       </a:ext>
                     </a:extLst>
                   </a:tr>
@@ -8084,7 +8089,7 @@
                     </a:tc>
                     <a:extLst>
                       <a:ext uri="{0D108BD9-81ED-4DB2-BD59-A6C34878D82A}">
-                        <a16:rowId xmlns:a16="http://schemas.microsoft.com/office/drawing/2014/main" val="1551467127"/>
+                        <a16:rowId xmlns:a16="http://schemas.microsoft.com/office/drawing/2014/main" xmlns="" val="1551467127"/>
                       </a:ext>
                     </a:extLst>
                   </a:tr>
@@ -8672,7 +8677,7 @@
                     </a:tc>
                     <a:extLst>
                       <a:ext uri="{0D108BD9-81ED-4DB2-BD59-A6C34878D82A}">
-                        <a16:rowId xmlns:a16="http://schemas.microsoft.com/office/drawing/2014/main" val="1957575383"/>
+                        <a16:rowId xmlns:a16="http://schemas.microsoft.com/office/drawing/2014/main" xmlns="" val="1957575383"/>
                       </a:ext>
                     </a:extLst>
                   </a:tr>
@@ -10676,8 +10681,8 @@
             <a:chExt cx="9574712" cy="1499953"/>
           </a:xfrm>
         </p:grpSpPr>
-        <mc:AlternateContent xmlns:mc="http://schemas.openxmlformats.org/markup-compatibility/2006">
-          <mc:Choice xmlns:a14="http://schemas.microsoft.com/office/drawing/2010/main" Requires="a14">
+        <mc:AlternateContent xmlns:mc="http://schemas.openxmlformats.org/markup-compatibility/2006" xmlns:a14="http://schemas.microsoft.com/office/drawing/2010/main">
+          <mc:Choice Requires="a14">
             <p:sp>
               <p:nvSpPr>
                 <p:cNvPr id="6" name="テキスト ボックス 5"/>
@@ -10812,7 +10817,7 @@
               </p:txBody>
             </p:sp>
           </mc:Choice>
-          <mc:Fallback>
+          <mc:Fallback xmlns="">
             <p:sp>
               <p:nvSpPr>
                 <p:cNvPr id="6" name="テキスト ボックス 5"/>
@@ -10893,8 +10898,8 @@
             </a:p>
           </p:txBody>
         </p:sp>
-        <mc:AlternateContent xmlns:mc="http://schemas.openxmlformats.org/markup-compatibility/2006">
-          <mc:Choice xmlns:a14="http://schemas.microsoft.com/office/drawing/2010/main" Requires="a14">
+        <mc:AlternateContent xmlns:mc="http://schemas.openxmlformats.org/markup-compatibility/2006" xmlns:a14="http://schemas.microsoft.com/office/drawing/2010/main">
+          <mc:Choice Requires="a14">
             <p:sp>
               <p:nvSpPr>
                 <p:cNvPr id="11" name="テキスト ボックス 10"/>
@@ -11272,7 +11277,7 @@
               </p:txBody>
             </p:sp>
           </mc:Choice>
-          <mc:Fallback>
+          <mc:Fallback xmlns="">
             <p:sp>
               <p:nvSpPr>
                 <p:cNvPr id="11" name="テキスト ボックス 10"/>
@@ -14312,8 +14317,8 @@
             <a:chExt cx="7211814" cy="1421086"/>
           </a:xfrm>
         </p:grpSpPr>
-        <mc:AlternateContent xmlns:mc="http://schemas.openxmlformats.org/markup-compatibility/2006" xmlns:a14="http://schemas.microsoft.com/office/drawing/2010/main">
-          <mc:Choice Requires="a14">
+        <mc:AlternateContent xmlns:mc="http://schemas.openxmlformats.org/markup-compatibility/2006">
+          <mc:Choice xmlns:a14="http://schemas.microsoft.com/office/drawing/2010/main" Requires="a14">
             <p:sp>
               <p:nvSpPr>
                 <p:cNvPr id="23" name="正方形/長方形 22"/>
@@ -14323,7 +14328,7 @@
               <p:spPr>
                 <a:xfrm>
                   <a:off x="4183835" y="5252857"/>
-                  <a:ext cx="2771430" cy="646331"/>
+                  <a:ext cx="2309021" cy="646331"/>
                 </a:xfrm>
                 <a:prstGeom prst="rect">
                   <a:avLst/>
@@ -14390,7 +14395,7 @@
                               <a:rPr lang="en-US" altLang="ja-JP" sz="3600" i="1">
                                 <a:latin typeface="Cambria Math" panose="02040503050406030204" pitchFamily="18" charset="0"/>
                               </a:rPr>
-                              <m:t>𝐴𝑅𝑇𝑛</m:t>
+                              <m:t>𝐴𝑛</m:t>
                             </m:r>
                           </m:e>
                         </m:d>
@@ -14411,7 +14416,7 @@
               </p:txBody>
             </p:sp>
           </mc:Choice>
-          <mc:Fallback xmlns="">
+          <mc:Fallback>
             <p:sp>
               <p:nvSpPr>
                 <p:cNvPr id="23" name="正方形/長方形 22"/>
@@ -14423,7 +14428,7 @@
               <p:spPr>
                 <a:xfrm>
                   <a:off x="4183835" y="5252857"/>
-                  <a:ext cx="2771430" cy="646331"/>
+                  <a:ext cx="2309021" cy="646331"/>
                 </a:xfrm>
                 <a:prstGeom prst="rect">
                   <a:avLst/>
@@ -14492,8 +14497,8 @@
             </a:p>
           </p:txBody>
         </p:sp>
-        <mc:AlternateContent xmlns:mc="http://schemas.openxmlformats.org/markup-compatibility/2006" xmlns:a14="http://schemas.microsoft.com/office/drawing/2010/main">
-          <mc:Choice Requires="a14">
+        <mc:AlternateContent xmlns:mc="http://schemas.openxmlformats.org/markup-compatibility/2006">
+          <mc:Choice xmlns:a14="http://schemas.microsoft.com/office/drawing/2010/main" Requires="a14">
             <p:sp>
               <p:nvSpPr>
                 <p:cNvPr id="28" name="テキスト ボックス 27"/>
@@ -14566,8 +14571,9 @@
                           <m:r>
                             <a:rPr kumimoji="1" lang="en-US" altLang="ja-JP" sz="2800" b="0" i="1" smtClean="0">
                               <a:latin typeface="Cambria Math" panose="02040503050406030204" pitchFamily="18" charset="0"/>
+                              <a:ea typeface="Cambria Math" panose="02040503050406030204" pitchFamily="18" charset="0"/>
                             </a:rPr>
-                            <m:t>×</m:t>
+                            <m:t>∙</m:t>
                           </m:r>
                           <m:sPre>
                             <m:sPrePr>
@@ -14592,7 +14598,7 @@
                                 <a:rPr lang="en-US" altLang="ja-JP" sz="2800" b="0" i="1" smtClean="0">
                                   <a:latin typeface="Cambria Math" panose="02040503050406030204" pitchFamily="18" charset="0"/>
                                 </a:rPr>
-                                <m:t>𝐴𝑅𝑇𝑛</m:t>
+                                <m:t>𝐴𝑛</m:t>
                               </m:r>
                             </m:e>
                           </m:sPre>
@@ -14615,7 +14621,7 @@
               </p:txBody>
             </p:sp>
           </mc:Choice>
-          <mc:Fallback xmlns="">
+          <mc:Fallback>
             <p:sp>
               <p:nvSpPr>
                 <p:cNvPr id="28" name="テキスト ボックス 27"/>
@@ -14635,7 +14641,7 @@
                 <a:blipFill rotWithShape="0">
                   <a:blip r:embed="rId6"/>
                   <a:stretch>
-                    <a:fillRect l="-2450" t="-10526" b="-18947"/>
+                    <a:fillRect l="-2450" t="-6316" b="-23158"/>
                   </a:stretch>
                 </a:blipFill>
               </p:spPr>
@@ -14691,8 +14697,8 @@
           </p:txBody>
         </p:sp>
       </p:grpSp>
-      <mc:AlternateContent xmlns:mc="http://schemas.openxmlformats.org/markup-compatibility/2006">
-        <mc:Choice xmlns:a14="http://schemas.microsoft.com/office/drawing/2010/main" Requires="a14">
+      <mc:AlternateContent xmlns:mc="http://schemas.openxmlformats.org/markup-compatibility/2006" xmlns:a14="http://schemas.microsoft.com/office/drawing/2010/main">
+        <mc:Choice Requires="a14">
           <p:sp>
             <p:nvSpPr>
               <p:cNvPr id="22" name="テキスト ボックス 21"/>
@@ -15205,7 +15211,7 @@
             </p:txBody>
           </p:sp>
         </mc:Choice>
-        <mc:Fallback>
+        <mc:Fallback xmlns="">
           <p:sp>
             <p:nvSpPr>
               <p:cNvPr id="22" name="テキスト ボックス 21"/>
@@ -15244,8 +15250,8 @@
           </p:sp>
         </mc:Fallback>
       </mc:AlternateContent>
-      <mc:AlternateContent xmlns:mc="http://schemas.openxmlformats.org/markup-compatibility/2006">
-        <mc:Choice xmlns:a14="http://schemas.microsoft.com/office/drawing/2010/main" Requires="a14">
+      <mc:AlternateContent xmlns:mc="http://schemas.openxmlformats.org/markup-compatibility/2006" xmlns:a14="http://schemas.microsoft.com/office/drawing/2010/main">
+        <mc:Choice Requires="a14">
           <p:sp>
             <p:nvSpPr>
               <p:cNvPr id="30" name="正方形/長方形 29"/>
@@ -15660,7 +15666,7 @@
             </p:txBody>
           </p:sp>
         </mc:Choice>
-        <mc:Fallback>
+        <mc:Fallback xmlns="">
           <p:sp>
             <p:nvSpPr>
               <p:cNvPr id="30" name="正方形/長方形 29"/>
@@ -15750,8 +15756,8 @@
             <a:chExt cx="7768566" cy="1780368"/>
           </a:xfrm>
         </p:grpSpPr>
-        <mc:AlternateContent xmlns:mc="http://schemas.openxmlformats.org/markup-compatibility/2006" xmlns:a14="http://schemas.microsoft.com/office/drawing/2010/main">
-          <mc:Choice Requires="a14">
+        <mc:AlternateContent xmlns:mc="http://schemas.openxmlformats.org/markup-compatibility/2006">
+          <mc:Choice xmlns:a14="http://schemas.microsoft.com/office/drawing/2010/main" Requires="a14">
             <p:sp>
               <p:nvSpPr>
                 <p:cNvPr id="3" name="テキスト ボックス 2"/>
@@ -15761,7 +15767,7 @@
               <p:spPr>
                 <a:xfrm>
                   <a:off x="1597967" y="4212701"/>
-                  <a:ext cx="2263504" cy="598562"/>
+                  <a:ext cx="1694438" cy="598562"/>
                 </a:xfrm>
                 <a:prstGeom prst="rect">
                   <a:avLst/>
@@ -15800,7 +15806,7 @@
                               <a:rPr kumimoji="1" lang="en-US" altLang="ja-JP" sz="3600" b="0" i="1" smtClean="0">
                                 <a:latin typeface="Cambria Math" panose="02040503050406030204" pitchFamily="18" charset="0"/>
                               </a:rPr>
-                              <m:t>𝐴𝑅𝑇𝑛</m:t>
+                              <m:t>𝐴𝑛</m:t>
                             </m:r>
                             <m:r>
                               <a:rPr kumimoji="1" lang="en-US" altLang="ja-JP" sz="3600" b="0" i="1" smtClean="0">
@@ -15835,10 +15841,10 @@
               </p:txBody>
             </p:sp>
           </mc:Choice>
-          <mc:Fallback xmlns="">
+          <mc:Fallback>
             <p:sp>
               <p:nvSpPr>
-                <p:cNvPr id="32" name="テキスト ボックス 31"/>
+                <p:cNvPr id="3" name="テキスト ボックス 2"/>
                 <p:cNvSpPr txBox="1">
                   <a:spLocks noRot="1" noChangeAspect="1" noMove="1" noResize="1" noEditPoints="1" noAdjustHandles="1" noChangeArrowheads="1" noChangeShapeType="1" noTextEdit="1"/>
                 </p:cNvSpPr>
@@ -15847,13 +15853,13 @@
               <p:spPr>
                 <a:xfrm>
                   <a:off x="1597967" y="4212701"/>
-                  <a:ext cx="2263504" cy="598562"/>
+                  <a:ext cx="1694438" cy="598562"/>
                 </a:xfrm>
                 <a:prstGeom prst="rect">
                   <a:avLst/>
                 </a:prstGeom>
                 <a:blipFill rotWithShape="0">
-                  <a:blip r:embed="rId9"/>
+                  <a:blip r:embed="rId2"/>
                   <a:stretch>
                     <a:fillRect b="-1020"/>
                   </a:stretch>
@@ -23596,49 +23602,49 @@
                 <a:gridCol w="720000">
                   <a:extLst>
                     <a:ext uri="{9D8B030D-6E8A-4147-A177-3AD203B41FA5}">
-                      <a16:colId xmlns:a16="http://schemas.microsoft.com/office/drawing/2014/main" val="2385125368"/>
+                      <a16:colId xmlns:a16="http://schemas.microsoft.com/office/drawing/2014/main" xmlns="" val="2385125368"/>
                     </a:ext>
                   </a:extLst>
                 </a:gridCol>
                 <a:gridCol w="720000">
                   <a:extLst>
                     <a:ext uri="{9D8B030D-6E8A-4147-A177-3AD203B41FA5}">
-                      <a16:colId xmlns:a16="http://schemas.microsoft.com/office/drawing/2014/main" val="2599857777"/>
+                      <a16:colId xmlns:a16="http://schemas.microsoft.com/office/drawing/2014/main" xmlns="" val="2599857777"/>
                     </a:ext>
                   </a:extLst>
                 </a:gridCol>
                 <a:gridCol w="720000">
                   <a:extLst>
                     <a:ext uri="{9D8B030D-6E8A-4147-A177-3AD203B41FA5}">
-                      <a16:colId xmlns:a16="http://schemas.microsoft.com/office/drawing/2014/main" val="4293876959"/>
+                      <a16:colId xmlns:a16="http://schemas.microsoft.com/office/drawing/2014/main" xmlns="" val="4293876959"/>
                     </a:ext>
                   </a:extLst>
                 </a:gridCol>
                 <a:gridCol w="720000">
                   <a:extLst>
                     <a:ext uri="{9D8B030D-6E8A-4147-A177-3AD203B41FA5}">
-                      <a16:colId xmlns:a16="http://schemas.microsoft.com/office/drawing/2014/main" val="185903597"/>
+                      <a16:colId xmlns:a16="http://schemas.microsoft.com/office/drawing/2014/main" xmlns="" val="185903597"/>
                     </a:ext>
                   </a:extLst>
                 </a:gridCol>
                 <a:gridCol w="720000">
                   <a:extLst>
                     <a:ext uri="{9D8B030D-6E8A-4147-A177-3AD203B41FA5}">
-                      <a16:colId xmlns:a16="http://schemas.microsoft.com/office/drawing/2014/main" val="967980824"/>
+                      <a16:colId xmlns:a16="http://schemas.microsoft.com/office/drawing/2014/main" xmlns="" val="967980824"/>
                     </a:ext>
                   </a:extLst>
                 </a:gridCol>
                 <a:gridCol w="720000">
                   <a:extLst>
                     <a:ext uri="{9D8B030D-6E8A-4147-A177-3AD203B41FA5}">
-                      <a16:colId xmlns:a16="http://schemas.microsoft.com/office/drawing/2014/main" val="3107065488"/>
+                      <a16:colId xmlns:a16="http://schemas.microsoft.com/office/drawing/2014/main" xmlns="" val="3107065488"/>
                     </a:ext>
                   </a:extLst>
                 </a:gridCol>
                 <a:gridCol w="720000">
                   <a:extLst>
                     <a:ext uri="{9D8B030D-6E8A-4147-A177-3AD203B41FA5}">
-                      <a16:colId xmlns:a16="http://schemas.microsoft.com/office/drawing/2014/main" val="1277420439"/>
+                      <a16:colId xmlns:a16="http://schemas.microsoft.com/office/drawing/2014/main" xmlns="" val="1277420439"/>
                     </a:ext>
                   </a:extLst>
                 </a:gridCol>
@@ -24164,7 +24170,7 @@
                 </a:tc>
                 <a:extLst>
                   <a:ext uri="{0D108BD9-81ED-4DB2-BD59-A6C34878D82A}">
-                    <a16:rowId xmlns:a16="http://schemas.microsoft.com/office/drawing/2014/main" val="584487917"/>
+                    <a16:rowId xmlns:a16="http://schemas.microsoft.com/office/drawing/2014/main" xmlns="" val="584487917"/>
                   </a:ext>
                 </a:extLst>
               </a:tr>
@@ -24689,7 +24695,7 @@
                 </a:tc>
                 <a:extLst>
                   <a:ext uri="{0D108BD9-81ED-4DB2-BD59-A6C34878D82A}">
-                    <a16:rowId xmlns:a16="http://schemas.microsoft.com/office/drawing/2014/main" val="1863994553"/>
+                    <a16:rowId xmlns:a16="http://schemas.microsoft.com/office/drawing/2014/main" xmlns="" val="1863994553"/>
                   </a:ext>
                 </a:extLst>
               </a:tr>
@@ -25192,7 +25198,7 @@
                 </a:tc>
                 <a:extLst>
                   <a:ext uri="{0D108BD9-81ED-4DB2-BD59-A6C34878D82A}">
-                    <a16:rowId xmlns:a16="http://schemas.microsoft.com/office/drawing/2014/main" val="2813642046"/>
+                    <a16:rowId xmlns:a16="http://schemas.microsoft.com/office/drawing/2014/main" xmlns="" val="2813642046"/>
                   </a:ext>
                 </a:extLst>
               </a:tr>
@@ -25684,7 +25690,7 @@
                 </a:tc>
                 <a:extLst>
                   <a:ext uri="{0D108BD9-81ED-4DB2-BD59-A6C34878D82A}">
-                    <a16:rowId xmlns:a16="http://schemas.microsoft.com/office/drawing/2014/main" val="2056728271"/>
+                    <a16:rowId xmlns:a16="http://schemas.microsoft.com/office/drawing/2014/main" xmlns="" val="2056728271"/>
                   </a:ext>
                 </a:extLst>
               </a:tr>
@@ -26198,7 +26204,7 @@
                 </a:tc>
                 <a:extLst>
                   <a:ext uri="{0D108BD9-81ED-4DB2-BD59-A6C34878D82A}">
-                    <a16:rowId xmlns:a16="http://schemas.microsoft.com/office/drawing/2014/main" val="2613689561"/>
+                    <a16:rowId xmlns:a16="http://schemas.microsoft.com/office/drawing/2014/main" xmlns="" val="2613689561"/>
                   </a:ext>
                 </a:extLst>
               </a:tr>
@@ -26723,7 +26729,7 @@
                 </a:tc>
                 <a:extLst>
                   <a:ext uri="{0D108BD9-81ED-4DB2-BD59-A6C34878D82A}">
-                    <a16:rowId xmlns:a16="http://schemas.microsoft.com/office/drawing/2014/main" val="1320574715"/>
+                    <a16:rowId xmlns:a16="http://schemas.microsoft.com/office/drawing/2014/main" xmlns="" val="1320574715"/>
                   </a:ext>
                 </a:extLst>
               </a:tr>
@@ -26851,49 +26857,49 @@
                     <a:gridCol w="720000">
                       <a:extLst>
                         <a:ext uri="{9D8B030D-6E8A-4147-A177-3AD203B41FA5}">
-                          <a16:colId xmlns:a16="http://schemas.microsoft.com/office/drawing/2014/main" val="849826274"/>
+                          <a16:colId xmlns:a16="http://schemas.microsoft.com/office/drawing/2014/main" xmlns="" val="849826274"/>
                         </a:ext>
                       </a:extLst>
                     </a:gridCol>
                     <a:gridCol w="720000">
                       <a:extLst>
                         <a:ext uri="{9D8B030D-6E8A-4147-A177-3AD203B41FA5}">
-                          <a16:colId xmlns:a16="http://schemas.microsoft.com/office/drawing/2014/main" val="3122597115"/>
+                          <a16:colId xmlns:a16="http://schemas.microsoft.com/office/drawing/2014/main" xmlns="" val="3122597115"/>
                         </a:ext>
                       </a:extLst>
                     </a:gridCol>
                     <a:gridCol w="720000">
                       <a:extLst>
                         <a:ext uri="{9D8B030D-6E8A-4147-A177-3AD203B41FA5}">
-                          <a16:colId xmlns:a16="http://schemas.microsoft.com/office/drawing/2014/main" val="2119792792"/>
+                          <a16:colId xmlns:a16="http://schemas.microsoft.com/office/drawing/2014/main" xmlns="" val="2119792792"/>
                         </a:ext>
                       </a:extLst>
                     </a:gridCol>
                     <a:gridCol w="720000">
                       <a:extLst>
                         <a:ext uri="{9D8B030D-6E8A-4147-A177-3AD203B41FA5}">
-                          <a16:colId xmlns:a16="http://schemas.microsoft.com/office/drawing/2014/main" val="3054159046"/>
+                          <a16:colId xmlns:a16="http://schemas.microsoft.com/office/drawing/2014/main" xmlns="" val="3054159046"/>
                         </a:ext>
                       </a:extLst>
                     </a:gridCol>
                     <a:gridCol w="720000">
                       <a:extLst>
                         <a:ext uri="{9D8B030D-6E8A-4147-A177-3AD203B41FA5}">
-                          <a16:colId xmlns:a16="http://schemas.microsoft.com/office/drawing/2014/main" val="1335098707"/>
+                          <a16:colId xmlns:a16="http://schemas.microsoft.com/office/drawing/2014/main" xmlns="" val="1335098707"/>
                         </a:ext>
                       </a:extLst>
                     </a:gridCol>
                     <a:gridCol w="720000">
                       <a:extLst>
                         <a:ext uri="{9D8B030D-6E8A-4147-A177-3AD203B41FA5}">
-                          <a16:colId xmlns:a16="http://schemas.microsoft.com/office/drawing/2014/main" val="2189793948"/>
+                          <a16:colId xmlns:a16="http://schemas.microsoft.com/office/drawing/2014/main" xmlns="" val="2189793948"/>
                         </a:ext>
                       </a:extLst>
                     </a:gridCol>
                     <a:gridCol w="720000">
                       <a:extLst>
                         <a:ext uri="{9D8B030D-6E8A-4147-A177-3AD203B41FA5}">
-                          <a16:colId xmlns:a16="http://schemas.microsoft.com/office/drawing/2014/main" val="4073850615"/>
+                          <a16:colId xmlns:a16="http://schemas.microsoft.com/office/drawing/2014/main" xmlns="" val="4073850615"/>
                         </a:ext>
                       </a:extLst>
                     </a:gridCol>
@@ -27978,7 +27984,7 @@
                     </a:tc>
                     <a:extLst>
                       <a:ext uri="{0D108BD9-81ED-4DB2-BD59-A6C34878D82A}">
-                        <a16:rowId xmlns:a16="http://schemas.microsoft.com/office/drawing/2014/main" val="2282192497"/>
+                        <a16:rowId xmlns:a16="http://schemas.microsoft.com/office/drawing/2014/main" xmlns="" val="2282192497"/>
                       </a:ext>
                     </a:extLst>
                   </a:tr>
@@ -29161,7 +29167,7 @@
                     </a:tc>
                     <a:extLst>
                       <a:ext uri="{0D108BD9-81ED-4DB2-BD59-A6C34878D82A}">
-                        <a16:rowId xmlns:a16="http://schemas.microsoft.com/office/drawing/2014/main" val="285879134"/>
+                        <a16:rowId xmlns:a16="http://schemas.microsoft.com/office/drawing/2014/main" xmlns="" val="285879134"/>
                       </a:ext>
                     </a:extLst>
                   </a:tr>
@@ -29789,7 +29795,7 @@
                     </a:tc>
                     <a:extLst>
                       <a:ext uri="{0D108BD9-81ED-4DB2-BD59-A6C34878D82A}">
-                        <a16:rowId xmlns:a16="http://schemas.microsoft.com/office/drawing/2014/main" val="1414773290"/>
+                        <a16:rowId xmlns:a16="http://schemas.microsoft.com/office/drawing/2014/main" xmlns="" val="1414773290"/>
                       </a:ext>
                     </a:extLst>
                   </a:tr>
@@ -30417,7 +30423,7 @@
                     </a:tc>
                     <a:extLst>
                       <a:ext uri="{0D108BD9-81ED-4DB2-BD59-A6C34878D82A}">
-                        <a16:rowId xmlns:a16="http://schemas.microsoft.com/office/drawing/2014/main" val="3029169098"/>
+                        <a16:rowId xmlns:a16="http://schemas.microsoft.com/office/drawing/2014/main" xmlns="" val="3029169098"/>
                       </a:ext>
                     </a:extLst>
                   </a:tr>
@@ -31045,7 +31051,7 @@
                     </a:tc>
                     <a:extLst>
                       <a:ext uri="{0D108BD9-81ED-4DB2-BD59-A6C34878D82A}">
-                        <a16:rowId xmlns:a16="http://schemas.microsoft.com/office/drawing/2014/main" val="1551467127"/>
+                        <a16:rowId xmlns:a16="http://schemas.microsoft.com/office/drawing/2014/main" xmlns="" val="1551467127"/>
                       </a:ext>
                     </a:extLst>
                   </a:tr>
@@ -31673,7 +31679,7 @@
                     </a:tc>
                     <a:extLst>
                       <a:ext uri="{0D108BD9-81ED-4DB2-BD59-A6C34878D82A}">
-                        <a16:rowId xmlns:a16="http://schemas.microsoft.com/office/drawing/2014/main" val="1957575383"/>
+                        <a16:rowId xmlns:a16="http://schemas.microsoft.com/office/drawing/2014/main" xmlns="" val="1957575383"/>
                       </a:ext>
                     </a:extLst>
                   </a:tr>
@@ -33690,15 +33696,7 @@
                   <a:srgbClr val="FF0000"/>
                 </a:solidFill>
               </a:rPr>
-              <a:t>(t</a:t>
-            </a:r>
-            <a:r>
-              <a:rPr lang="en-US" altLang="ja-JP" dirty="0" smtClean="0">
-                <a:solidFill>
-                  <a:srgbClr val="FF0000"/>
-                </a:solidFill>
-              </a:rPr>
-              <a:t>)</a:t>
+              <a:t>(t)</a:t>
             </a:r>
             <a:r>
               <a:rPr kumimoji="1" lang="ja-JP" altLang="en-US" dirty="0" smtClean="0">
@@ -33831,18 +33829,14 @@
             </a:r>
             <a:r>
               <a:rPr kumimoji="1" lang="ja-JP" altLang="en-US" dirty="0" smtClean="0"/>
-              <a:t>の</a:t>
-            </a:r>
-            <a:r>
-              <a:rPr kumimoji="1" lang="ja-JP" altLang="en-US" dirty="0" smtClean="0"/>
-              <a:t>モデル化</a:t>
+              <a:t>のモデル化</a:t>
             </a:r>
             <a:endParaRPr kumimoji="1" lang="ja-JP" altLang="en-US" dirty="0"/>
           </a:p>
         </p:txBody>
       </p:sp>
-      <mc:AlternateContent xmlns:mc="http://schemas.openxmlformats.org/markup-compatibility/2006">
-        <mc:Choice xmlns:a14="http://schemas.microsoft.com/office/drawing/2010/main" Requires="a14">
+      <mc:AlternateContent xmlns:mc="http://schemas.openxmlformats.org/markup-compatibility/2006" xmlns:a14="http://schemas.microsoft.com/office/drawing/2010/main">
+        <mc:Choice Requires="a14">
           <p:sp>
             <p:nvSpPr>
               <p:cNvPr id="4" name="テキスト ボックス 3"/>
@@ -34024,7 +34018,7 @@
             </p:txBody>
           </p:sp>
         </mc:Choice>
-        <mc:Fallback>
+        <mc:Fallback xmlns="">
           <p:sp>
             <p:nvSpPr>
               <p:cNvPr id="4" name="テキスト ボックス 3"/>

--- a/LplcSimulator/LplcSimulator/卒論/数理モデルv5.pptx
+++ b/LplcSimulator/LplcSimulator/卒論/数理モデルv5.pptx
@@ -257,7 +257,7 @@
           <a:p>
             <a:fld id="{04B62EDD-4951-463E-92DE-B5FB06F7687D}" type="datetimeFigureOut">
               <a:rPr kumimoji="1" lang="ja-JP" altLang="en-US" smtClean="0"/>
-              <a:t>2019/2/18</a:t>
+              <a:t>2019/2/19</a:t>
             </a:fld>
             <a:endParaRPr kumimoji="1" lang="ja-JP" altLang="en-US"/>
           </a:p>
@@ -459,7 +459,7 @@
           <a:p>
             <a:fld id="{04B62EDD-4951-463E-92DE-B5FB06F7687D}" type="datetimeFigureOut">
               <a:rPr kumimoji="1" lang="ja-JP" altLang="en-US" smtClean="0"/>
-              <a:t>2019/2/18</a:t>
+              <a:t>2019/2/19</a:t>
             </a:fld>
             <a:endParaRPr kumimoji="1" lang="ja-JP" altLang="en-US"/>
           </a:p>
@@ -671,7 +671,7 @@
           <a:p>
             <a:fld id="{04B62EDD-4951-463E-92DE-B5FB06F7687D}" type="datetimeFigureOut">
               <a:rPr kumimoji="1" lang="ja-JP" altLang="en-US" smtClean="0"/>
-              <a:t>2019/2/18</a:t>
+              <a:t>2019/2/19</a:t>
             </a:fld>
             <a:endParaRPr kumimoji="1" lang="ja-JP" altLang="en-US"/>
           </a:p>
@@ -873,7 +873,7 @@
           <a:p>
             <a:fld id="{04B62EDD-4951-463E-92DE-B5FB06F7687D}" type="datetimeFigureOut">
               <a:rPr kumimoji="1" lang="ja-JP" altLang="en-US" smtClean="0"/>
-              <a:t>2019/2/18</a:t>
+              <a:t>2019/2/19</a:t>
             </a:fld>
             <a:endParaRPr kumimoji="1" lang="ja-JP" altLang="en-US"/>
           </a:p>
@@ -1119,7 +1119,7 @@
           <a:p>
             <a:fld id="{04B62EDD-4951-463E-92DE-B5FB06F7687D}" type="datetimeFigureOut">
               <a:rPr kumimoji="1" lang="ja-JP" altLang="en-US" smtClean="0"/>
-              <a:t>2019/2/18</a:t>
+              <a:t>2019/2/19</a:t>
             </a:fld>
             <a:endParaRPr kumimoji="1" lang="ja-JP" altLang="en-US"/>
           </a:p>
@@ -1415,7 +1415,7 @@
           <a:p>
             <a:fld id="{04B62EDD-4951-463E-92DE-B5FB06F7687D}" type="datetimeFigureOut">
               <a:rPr kumimoji="1" lang="ja-JP" altLang="en-US" smtClean="0"/>
-              <a:t>2019/2/18</a:t>
+              <a:t>2019/2/19</a:t>
             </a:fld>
             <a:endParaRPr kumimoji="1" lang="ja-JP" altLang="en-US"/>
           </a:p>
@@ -1846,7 +1846,7 @@
           <a:p>
             <a:fld id="{04B62EDD-4951-463E-92DE-B5FB06F7687D}" type="datetimeFigureOut">
               <a:rPr kumimoji="1" lang="ja-JP" altLang="en-US" smtClean="0"/>
-              <a:t>2019/2/18</a:t>
+              <a:t>2019/2/19</a:t>
             </a:fld>
             <a:endParaRPr kumimoji="1" lang="ja-JP" altLang="en-US"/>
           </a:p>
@@ -1964,7 +1964,7 @@
           <a:p>
             <a:fld id="{04B62EDD-4951-463E-92DE-B5FB06F7687D}" type="datetimeFigureOut">
               <a:rPr kumimoji="1" lang="ja-JP" altLang="en-US" smtClean="0"/>
-              <a:t>2019/2/18</a:t>
+              <a:t>2019/2/19</a:t>
             </a:fld>
             <a:endParaRPr kumimoji="1" lang="ja-JP" altLang="en-US"/>
           </a:p>
@@ -2059,7 +2059,7 @@
           <a:p>
             <a:fld id="{04B62EDD-4951-463E-92DE-B5FB06F7687D}" type="datetimeFigureOut">
               <a:rPr kumimoji="1" lang="ja-JP" altLang="en-US" smtClean="0"/>
-              <a:t>2019/2/18</a:t>
+              <a:t>2019/2/19</a:t>
             </a:fld>
             <a:endParaRPr kumimoji="1" lang="ja-JP" altLang="en-US"/>
           </a:p>
@@ -2368,7 +2368,7 @@
           <a:p>
             <a:fld id="{04B62EDD-4951-463E-92DE-B5FB06F7687D}" type="datetimeFigureOut">
               <a:rPr kumimoji="1" lang="ja-JP" altLang="en-US" smtClean="0"/>
-              <a:t>2019/2/18</a:t>
+              <a:t>2019/2/19</a:t>
             </a:fld>
             <a:endParaRPr kumimoji="1" lang="ja-JP" altLang="en-US"/>
           </a:p>
@@ -2621,7 +2621,7 @@
           <a:p>
             <a:fld id="{04B62EDD-4951-463E-92DE-B5FB06F7687D}" type="datetimeFigureOut">
               <a:rPr kumimoji="1" lang="ja-JP" altLang="en-US" smtClean="0"/>
-              <a:t>2019/2/18</a:t>
+              <a:t>2019/2/19</a:t>
             </a:fld>
             <a:endParaRPr kumimoji="1" lang="ja-JP" altLang="en-US"/>
           </a:p>
@@ -2866,7 +2866,7 @@
           <a:p>
             <a:fld id="{04B62EDD-4951-463E-92DE-B5FB06F7687D}" type="datetimeFigureOut">
               <a:rPr kumimoji="1" lang="ja-JP" altLang="en-US" smtClean="0"/>
-              <a:t>2019/2/18</a:t>
+              <a:t>2019/2/19</a:t>
             </a:fld>
             <a:endParaRPr kumimoji="1" lang="ja-JP" altLang="en-US"/>
           </a:p>
@@ -4275,49 +4275,49 @@
                     <a:gridCol w="720000">
                       <a:extLst>
                         <a:ext uri="{9D8B030D-6E8A-4147-A177-3AD203B41FA5}">
-                          <a16:colId xmlns:a16="http://schemas.microsoft.com/office/drawing/2014/main" xmlns="" val="849826274"/>
+                          <a16:colId xmlns:a16="http://schemas.microsoft.com/office/drawing/2014/main" val="849826274"/>
                         </a:ext>
                       </a:extLst>
                     </a:gridCol>
                     <a:gridCol w="720000">
                       <a:extLst>
                         <a:ext uri="{9D8B030D-6E8A-4147-A177-3AD203B41FA5}">
-                          <a16:colId xmlns:a16="http://schemas.microsoft.com/office/drawing/2014/main" xmlns="" val="3122597115"/>
+                          <a16:colId xmlns:a16="http://schemas.microsoft.com/office/drawing/2014/main" val="3122597115"/>
                         </a:ext>
                       </a:extLst>
                     </a:gridCol>
                     <a:gridCol w="720000">
                       <a:extLst>
                         <a:ext uri="{9D8B030D-6E8A-4147-A177-3AD203B41FA5}">
-                          <a16:colId xmlns:a16="http://schemas.microsoft.com/office/drawing/2014/main" xmlns="" val="2119792792"/>
+                          <a16:colId xmlns:a16="http://schemas.microsoft.com/office/drawing/2014/main" val="2119792792"/>
                         </a:ext>
                       </a:extLst>
                     </a:gridCol>
                     <a:gridCol w="720000">
                       <a:extLst>
                         <a:ext uri="{9D8B030D-6E8A-4147-A177-3AD203B41FA5}">
-                          <a16:colId xmlns:a16="http://schemas.microsoft.com/office/drawing/2014/main" xmlns="" val="3054159046"/>
+                          <a16:colId xmlns:a16="http://schemas.microsoft.com/office/drawing/2014/main" val="3054159046"/>
                         </a:ext>
                       </a:extLst>
                     </a:gridCol>
                     <a:gridCol w="720000">
                       <a:extLst>
                         <a:ext uri="{9D8B030D-6E8A-4147-A177-3AD203B41FA5}">
-                          <a16:colId xmlns:a16="http://schemas.microsoft.com/office/drawing/2014/main" xmlns="" val="1335098707"/>
+                          <a16:colId xmlns:a16="http://schemas.microsoft.com/office/drawing/2014/main" val="1335098707"/>
                         </a:ext>
                       </a:extLst>
                     </a:gridCol>
                     <a:gridCol w="720000">
                       <a:extLst>
                         <a:ext uri="{9D8B030D-6E8A-4147-A177-3AD203B41FA5}">
-                          <a16:colId xmlns:a16="http://schemas.microsoft.com/office/drawing/2014/main" xmlns="" val="2189793948"/>
+                          <a16:colId xmlns:a16="http://schemas.microsoft.com/office/drawing/2014/main" val="2189793948"/>
                         </a:ext>
                       </a:extLst>
                     </a:gridCol>
                     <a:gridCol w="720000">
                       <a:extLst>
                         <a:ext uri="{9D8B030D-6E8A-4147-A177-3AD203B41FA5}">
-                          <a16:colId xmlns:a16="http://schemas.microsoft.com/office/drawing/2014/main" xmlns="" val="4073850615"/>
+                          <a16:colId xmlns:a16="http://schemas.microsoft.com/office/drawing/2014/main" val="4073850615"/>
                         </a:ext>
                       </a:extLst>
                     </a:gridCol>
@@ -5282,7 +5282,7 @@
                     </a:tc>
                     <a:extLst>
                       <a:ext uri="{0D108BD9-81ED-4DB2-BD59-A6C34878D82A}">
-                        <a16:rowId xmlns:a16="http://schemas.microsoft.com/office/drawing/2014/main" xmlns="" val="2282192497"/>
+                        <a16:rowId xmlns:a16="http://schemas.microsoft.com/office/drawing/2014/main" val="2282192497"/>
                       </a:ext>
                     </a:extLst>
                   </a:tr>
@@ -6325,7 +6325,7 @@
                     </a:tc>
                     <a:extLst>
                       <a:ext uri="{0D108BD9-81ED-4DB2-BD59-A6C34878D82A}">
-                        <a16:rowId xmlns:a16="http://schemas.microsoft.com/office/drawing/2014/main" xmlns="" val="285879134"/>
+                        <a16:rowId xmlns:a16="http://schemas.microsoft.com/office/drawing/2014/main" val="285879134"/>
                       </a:ext>
                     </a:extLst>
                   </a:tr>
@@ -6913,7 +6913,7 @@
                     </a:tc>
                     <a:extLst>
                       <a:ext uri="{0D108BD9-81ED-4DB2-BD59-A6C34878D82A}">
-                        <a16:rowId xmlns:a16="http://schemas.microsoft.com/office/drawing/2014/main" xmlns="" val="1414773290"/>
+                        <a16:rowId xmlns:a16="http://schemas.microsoft.com/office/drawing/2014/main" val="1414773290"/>
                       </a:ext>
                     </a:extLst>
                   </a:tr>
@@ -7501,7 +7501,7 @@
                     </a:tc>
                     <a:extLst>
                       <a:ext uri="{0D108BD9-81ED-4DB2-BD59-A6C34878D82A}">
-                        <a16:rowId xmlns:a16="http://schemas.microsoft.com/office/drawing/2014/main" xmlns="" val="3029169098"/>
+                        <a16:rowId xmlns:a16="http://schemas.microsoft.com/office/drawing/2014/main" val="3029169098"/>
                       </a:ext>
                     </a:extLst>
                   </a:tr>
@@ -8089,7 +8089,7 @@
                     </a:tc>
                     <a:extLst>
                       <a:ext uri="{0D108BD9-81ED-4DB2-BD59-A6C34878D82A}">
-                        <a16:rowId xmlns:a16="http://schemas.microsoft.com/office/drawing/2014/main" xmlns="" val="1551467127"/>
+                        <a16:rowId xmlns:a16="http://schemas.microsoft.com/office/drawing/2014/main" val="1551467127"/>
                       </a:ext>
                     </a:extLst>
                   </a:tr>
@@ -8677,7 +8677,7 @@
                     </a:tc>
                     <a:extLst>
                       <a:ext uri="{0D108BD9-81ED-4DB2-BD59-A6C34878D82A}">
-                        <a16:rowId xmlns:a16="http://schemas.microsoft.com/office/drawing/2014/main" xmlns="" val="1957575383"/>
+                        <a16:rowId xmlns:a16="http://schemas.microsoft.com/office/drawing/2014/main" val="1957575383"/>
                       </a:ext>
                     </a:extLst>
                   </a:tr>
@@ -10675,14 +10675,14 @@
         </p:nvGrpSpPr>
         <p:grpSpPr>
           <a:xfrm>
-            <a:off x="1308644" y="4542224"/>
-            <a:ext cx="9574712" cy="1499953"/>
-            <a:chOff x="651467" y="1663040"/>
-            <a:chExt cx="9574712" cy="1499953"/>
+            <a:off x="2234008" y="4542224"/>
+            <a:ext cx="8649348" cy="1499953"/>
+            <a:chOff x="1576831" y="1663040"/>
+            <a:chExt cx="8649348" cy="1499953"/>
           </a:xfrm>
         </p:grpSpPr>
-        <mc:AlternateContent xmlns:mc="http://schemas.openxmlformats.org/markup-compatibility/2006" xmlns:a14="http://schemas.microsoft.com/office/drawing/2010/main">
-          <mc:Choice Requires="a14">
+        <mc:AlternateContent xmlns:mc="http://schemas.openxmlformats.org/markup-compatibility/2006">
+          <mc:Choice xmlns:a14="http://schemas.microsoft.com/office/drawing/2010/main" Requires="a14">
             <p:sp>
               <p:nvSpPr>
                 <p:cNvPr id="6" name="テキスト ボックス 5"/>
@@ -10691,8 +10691,8 @@
               </p:nvSpPr>
               <p:spPr>
                 <a:xfrm>
-                  <a:off x="651467" y="1958152"/>
-                  <a:ext cx="3603368" cy="1071191"/>
+                  <a:off x="1576831" y="2090639"/>
+                  <a:ext cx="3603368" cy="787331"/>
                 </a:xfrm>
                 <a:prstGeom prst="rect">
                   <a:avLst/>
@@ -10710,7 +10710,7 @@
                       <m:sSub>
                         <m:sSubPr>
                           <m:ctrlPr>
-                            <a:rPr kumimoji="1" lang="en-US" altLang="ja-JP" sz="4400" i="1" smtClean="0">
+                            <a:rPr kumimoji="1" lang="en-US" altLang="ja-JP" sz="3200" i="1" smtClean="0">
                               <a:latin typeface="Cambria Math" panose="02040503050406030204" pitchFamily="18" charset="0"/>
                             </a:rPr>
                           </m:ctrlPr>
@@ -10721,7 +10721,7 @@
                               <m:begChr m:val="["/>
                               <m:endChr m:val="]"/>
                               <m:ctrlPr>
-                                <a:rPr lang="en-US" altLang="ja-JP" sz="4400" i="1">
+                                <a:rPr lang="en-US" altLang="ja-JP" sz="3200" i="1">
                                   <a:latin typeface="Cambria Math" panose="02040503050406030204" pitchFamily="18" charset="0"/>
                                 </a:rPr>
                               </m:ctrlPr>
@@ -10730,14 +10730,14 @@
                               <m:sSub>
                                 <m:sSubPr>
                                   <m:ctrlPr>
-                                    <a:rPr lang="en-US" altLang="ja-JP" sz="4400" i="1" smtClean="0">
+                                    <a:rPr lang="en-US" altLang="ja-JP" sz="3200" i="1" smtClean="0">
                                       <a:latin typeface="Cambria Math" panose="02040503050406030204" pitchFamily="18" charset="0"/>
                                     </a:rPr>
                                   </m:ctrlPr>
                                 </m:sSubPr>
                                 <m:e>
                                   <m:r>
-                                    <a:rPr lang="en-US" altLang="ja-JP" sz="4400" b="0" i="1" smtClean="0">
+                                    <a:rPr lang="en-US" altLang="ja-JP" sz="3200" b="0" i="1" smtClean="0">
                                       <a:latin typeface="Cambria Math" panose="02040503050406030204" pitchFamily="18" charset="0"/>
                                     </a:rPr>
                                     <m:t>𝑃</m:t>
@@ -10747,14 +10747,14 @@
                                   <m:sSub>
                                     <m:sSubPr>
                                       <m:ctrlPr>
-                                        <a:rPr lang="en-US" altLang="ja-JP" sz="4400" i="1" smtClean="0">
+                                        <a:rPr lang="en-US" altLang="ja-JP" sz="3200" i="1" smtClean="0">
                                           <a:latin typeface="Cambria Math" panose="02040503050406030204" pitchFamily="18" charset="0"/>
                                         </a:rPr>
                                       </m:ctrlPr>
                                     </m:sSubPr>
                                     <m:e>
                                       <m:r>
-                                        <a:rPr lang="en-US" altLang="ja-JP" sz="4400" b="0" i="1" smtClean="0">
+                                        <a:rPr lang="en-US" altLang="ja-JP" sz="3200" b="0" i="1" smtClean="0">
                                           <a:latin typeface="Cambria Math" panose="02040503050406030204" pitchFamily="18" charset="0"/>
                                         </a:rPr>
                                         <m:t>𝑢𝑝</m:t>
@@ -10762,7 +10762,7 @@
                                     </m:e>
                                     <m:sub>
                                       <m:r>
-                                        <a:rPr lang="en-US" altLang="ja-JP" sz="4400" b="0" i="1" smtClean="0">
+                                        <a:rPr lang="en-US" altLang="ja-JP" sz="3200" b="0" i="1" smtClean="0">
                                           <a:latin typeface="Cambria Math" panose="02040503050406030204" pitchFamily="18" charset="0"/>
                                         </a:rPr>
                                         <m:t>𝑛</m:t>
@@ -10774,14 +10774,14 @@
                               <m:d>
                                 <m:dPr>
                                   <m:ctrlPr>
-                                    <a:rPr lang="en-US" altLang="ja-JP" sz="4400" i="1">
+                                    <a:rPr lang="en-US" altLang="ja-JP" sz="3200" i="1">
                                       <a:latin typeface="Cambria Math" panose="02040503050406030204" pitchFamily="18" charset="0"/>
                                     </a:rPr>
                                   </m:ctrlPr>
                                 </m:dPr>
                                 <m:e>
                                   <m:r>
-                                    <a:rPr lang="en-US" altLang="ja-JP" sz="4400" i="1">
+                                    <a:rPr lang="en-US" altLang="ja-JP" sz="3200" i="1">
                                       <a:latin typeface="Cambria Math" panose="02040503050406030204" pitchFamily="18" charset="0"/>
                                     </a:rPr>
                                     <m:t>𝑡</m:t>
@@ -10793,7 +10793,7 @@
                         </m:e>
                         <m:sub>
                           <m:r>
-                            <a:rPr kumimoji="1" lang="en-US" altLang="ja-JP" sz="4400" b="0" i="1" smtClean="0">
+                            <a:rPr kumimoji="1" lang="en-US" altLang="ja-JP" sz="3200" b="0" i="1" smtClean="0">
                               <a:latin typeface="Cambria Math" panose="02040503050406030204" pitchFamily="18" charset="0"/>
                             </a:rPr>
                             <m:t>𝑖𝑗</m:t>
@@ -10803,13 +10803,13 @@
                     </m:oMath>
                   </a14:m>
                   <a:r>
-                    <a:rPr kumimoji="1" lang="en-US" altLang="ja-JP" sz="4400" i="1" dirty="0" smtClean="0">
+                    <a:rPr kumimoji="1" lang="en-US" altLang="ja-JP" sz="3200" i="1" dirty="0" smtClean="0">
                       <a:latin typeface="Times New Roman" panose="02020603050405020304" pitchFamily="18" charset="0"/>
                       <a:ea typeface="HGPｺﾞｼｯｸM" panose="020B0600000000000000" pitchFamily="50" charset="-128"/>
                     </a:rPr>
                     <a:t>=</a:t>
                   </a:r>
-                  <a:endParaRPr kumimoji="1" lang="ja-JP" altLang="en-US" sz="4400" i="1" dirty="0">
+                  <a:endParaRPr kumimoji="1" lang="ja-JP" altLang="en-US" sz="3200" i="1" dirty="0">
                     <a:latin typeface="Times New Roman" panose="02020603050405020304" pitchFamily="18" charset="0"/>
                     <a:ea typeface="HGPｺﾞｼｯｸM" panose="020B0600000000000000" pitchFamily="50" charset="-128"/>
                   </a:endParaRPr>
@@ -10817,7 +10817,7 @@
               </p:txBody>
             </p:sp>
           </mc:Choice>
-          <mc:Fallback xmlns="">
+          <mc:Fallback>
             <p:sp>
               <p:nvSpPr>
                 <p:cNvPr id="6" name="テキスト ボックス 5"/>
@@ -10828,8 +10828,8 @@
               </p:nvSpPr>
               <p:spPr>
                 <a:xfrm>
-                  <a:off x="651467" y="1958152"/>
-                  <a:ext cx="3603368" cy="1071191"/>
+                  <a:off x="1576831" y="2090639"/>
+                  <a:ext cx="3603368" cy="787331"/>
                 </a:xfrm>
                 <a:prstGeom prst="rect">
                   <a:avLst/>
@@ -10837,7 +10837,7 @@
                 <a:blipFill>
                   <a:blip r:embed="rId2"/>
                   <a:stretch>
-                    <a:fillRect t="-8000" b="-2857"/>
+                    <a:fillRect t="-6977" b="-2326"/>
                   </a:stretch>
                 </a:blipFill>
               </p:spPr>
@@ -14311,10 +14311,10 @@
         </p:nvGrpSpPr>
         <p:grpSpPr>
           <a:xfrm>
-            <a:off x="1878531" y="4905641"/>
-            <a:ext cx="9475267" cy="1421086"/>
-            <a:chOff x="4183835" y="4905641"/>
-            <a:chExt cx="7211814" cy="1421086"/>
+            <a:off x="2837657" y="4905641"/>
+            <a:ext cx="8516150" cy="1421086"/>
+            <a:chOff x="4913841" y="4905641"/>
+            <a:chExt cx="6481808" cy="1421086"/>
           </a:xfrm>
         </p:grpSpPr>
         <mc:AlternateContent xmlns:mc="http://schemas.openxmlformats.org/markup-compatibility/2006">
@@ -14327,8 +14327,8 @@
               </p:nvSpPr>
               <p:spPr>
                 <a:xfrm>
-                  <a:off x="4183835" y="5252857"/>
-                  <a:ext cx="2309021" cy="646331"/>
+                  <a:off x="4913841" y="5301507"/>
+                  <a:ext cx="2069008" cy="584775"/>
                 </a:xfrm>
                 <a:prstGeom prst="rect">
                   <a:avLst/>
@@ -14348,7 +14348,7 @@
                       </m:oMathParaPr>
                       <m:oMath xmlns:m="http://schemas.openxmlformats.org/officeDocument/2006/math">
                         <m:r>
-                          <a:rPr lang="ja-JP" altLang="en-US" sz="3600" i="1" smtClean="0">
+                          <a:rPr lang="ja-JP" altLang="en-US" sz="3200" i="1" smtClean="0">
                             <a:latin typeface="Cambria Math" panose="02040503050406030204" pitchFamily="18" charset="0"/>
                           </a:rPr>
                           <m:t>𝛿</m:t>
@@ -14356,14 +14356,14 @@
                         <m:d>
                           <m:dPr>
                             <m:ctrlPr>
-                              <a:rPr lang="en-US" altLang="ja-JP" sz="3600" i="1">
+                              <a:rPr lang="en-US" altLang="ja-JP" sz="3200" i="1">
                                 <a:latin typeface="Cambria Math" panose="02040503050406030204" pitchFamily="18" charset="0"/>
                               </a:rPr>
                             </m:ctrlPr>
                           </m:dPr>
                           <m:e>
                             <m:r>
-                              <a:rPr lang="en-US" altLang="ja-JP" sz="3600" i="1">
+                              <a:rPr lang="en-US" altLang="ja-JP" sz="3200" i="1">
                                 <a:latin typeface="Cambria Math" panose="02040503050406030204" pitchFamily="18" charset="0"/>
                               </a:rPr>
                               <m:t>𝑃</m:t>
@@ -14371,14 +14371,14 @@
                             <m:d>
                               <m:dPr>
                                 <m:ctrlPr>
-                                  <a:rPr lang="en-US" altLang="ja-JP" sz="3600" i="1">
+                                  <a:rPr lang="en-US" altLang="ja-JP" sz="3200" i="1">
                                     <a:latin typeface="Cambria Math" panose="02040503050406030204" pitchFamily="18" charset="0"/>
                                   </a:rPr>
                                 </m:ctrlPr>
                               </m:dPr>
                               <m:e>
                                 <m:r>
-                                  <a:rPr lang="en-US" altLang="ja-JP" sz="3600" i="1">
+                                  <a:rPr lang="en-US" altLang="ja-JP" sz="3200" i="1">
                                     <a:latin typeface="Cambria Math" panose="02040503050406030204" pitchFamily="18" charset="0"/>
                                   </a:rPr>
                                   <m:t>𝑡</m:t>
@@ -14386,13 +14386,13 @@
                               </m:e>
                             </m:d>
                             <m:r>
-                              <a:rPr lang="en-US" altLang="ja-JP" sz="3600" i="1">
+                              <a:rPr lang="en-US" altLang="ja-JP" sz="3200" i="1">
                                 <a:latin typeface="Cambria Math" panose="02040503050406030204" pitchFamily="18" charset="0"/>
                               </a:rPr>
                               <m:t>,</m:t>
                             </m:r>
                             <m:r>
-                              <a:rPr lang="en-US" altLang="ja-JP" sz="3600" i="1">
+                              <a:rPr lang="en-US" altLang="ja-JP" sz="3200" i="1">
                                 <a:latin typeface="Cambria Math" panose="02040503050406030204" pitchFamily="18" charset="0"/>
                               </a:rPr>
                               <m:t>𝐴𝑛</m:t>
@@ -14400,7 +14400,7 @@
                           </m:e>
                         </m:d>
                         <m:r>
-                          <a:rPr lang="en-US" altLang="ja-JP" sz="3600" b="0" i="1" smtClean="0">
+                          <a:rPr lang="en-US" altLang="ja-JP" sz="3200" b="0" i="1" smtClean="0">
                             <a:latin typeface="Cambria Math" panose="02040503050406030204" pitchFamily="18" charset="0"/>
                           </a:rPr>
                           <m:t>=</m:t>
@@ -14408,7 +14408,7 @@
                       </m:oMath>
                     </m:oMathPara>
                   </a14:m>
-                  <a:endParaRPr lang="ja-JP" altLang="en-US" sz="3600" i="1" dirty="0">
+                  <a:endParaRPr lang="ja-JP" altLang="en-US" sz="3200" i="1" dirty="0">
                     <a:latin typeface="Times New Roman" panose="02020603050405020304" pitchFamily="18" charset="0"/>
                     <a:ea typeface="HGPｺﾞｼｯｸM" panose="020B0600000000000000" pitchFamily="50" charset="-128"/>
                   </a:endParaRPr>
@@ -14427,13 +14427,13 @@
               </p:nvSpPr>
               <p:spPr>
                 <a:xfrm>
-                  <a:off x="4183835" y="5252857"/>
-                  <a:ext cx="2309021" cy="646331"/>
+                  <a:off x="4913841" y="5301507"/>
+                  <a:ext cx="2069008" cy="584775"/>
                 </a:xfrm>
                 <a:prstGeom prst="rect">
                   <a:avLst/>
                 </a:prstGeom>
-                <a:blipFill rotWithShape="0">
+                <a:blipFill>
                   <a:blip r:embed="rId5"/>
                   <a:stretch>
                     <a:fillRect/>
@@ -14497,8 +14497,8 @@
             </a:p>
           </p:txBody>
         </p:sp>
-        <mc:AlternateContent xmlns:mc="http://schemas.openxmlformats.org/markup-compatibility/2006">
-          <mc:Choice xmlns:a14="http://schemas.microsoft.com/office/drawing/2010/main" Requires="a14">
+        <mc:AlternateContent xmlns:mc="http://schemas.openxmlformats.org/markup-compatibility/2006" xmlns:a14="http://schemas.microsoft.com/office/drawing/2010/main">
+          <mc:Choice Requires="a14">
             <p:sp>
               <p:nvSpPr>
                 <p:cNvPr id="28" name="テキスト ボックス 27"/>
@@ -14621,7 +14621,7 @@
               </p:txBody>
             </p:sp>
           </mc:Choice>
-          <mc:Fallback>
+          <mc:Fallback xmlns="">
             <p:sp>
               <p:nvSpPr>
                 <p:cNvPr id="28" name="テキスト ボックス 27"/>
@@ -15756,8 +15756,8 @@
             <a:chExt cx="7768566" cy="1780368"/>
           </a:xfrm>
         </p:grpSpPr>
-        <mc:AlternateContent xmlns:mc="http://schemas.openxmlformats.org/markup-compatibility/2006">
-          <mc:Choice xmlns:a14="http://schemas.microsoft.com/office/drawing/2010/main" Requires="a14">
+        <mc:AlternateContent xmlns:mc="http://schemas.openxmlformats.org/markup-compatibility/2006" xmlns:a14="http://schemas.microsoft.com/office/drawing/2010/main">
+          <mc:Choice Requires="a14">
             <p:sp>
               <p:nvSpPr>
                 <p:cNvPr id="3" name="テキスト ボックス 2"/>
@@ -15841,7 +15841,7 @@
               </p:txBody>
             </p:sp>
           </mc:Choice>
-          <mc:Fallback>
+          <mc:Fallback xmlns="">
             <p:sp>
               <p:nvSpPr>
                 <p:cNvPr id="3" name="テキスト ボックス 2"/>
@@ -23602,49 +23602,49 @@
                 <a:gridCol w="720000">
                   <a:extLst>
                     <a:ext uri="{9D8B030D-6E8A-4147-A177-3AD203B41FA5}">
-                      <a16:colId xmlns:a16="http://schemas.microsoft.com/office/drawing/2014/main" xmlns="" val="2385125368"/>
+                      <a16:colId xmlns:a16="http://schemas.microsoft.com/office/drawing/2014/main" val="2385125368"/>
                     </a:ext>
                   </a:extLst>
                 </a:gridCol>
                 <a:gridCol w="720000">
                   <a:extLst>
                     <a:ext uri="{9D8B030D-6E8A-4147-A177-3AD203B41FA5}">
-                      <a16:colId xmlns:a16="http://schemas.microsoft.com/office/drawing/2014/main" xmlns="" val="2599857777"/>
+                      <a16:colId xmlns:a16="http://schemas.microsoft.com/office/drawing/2014/main" val="2599857777"/>
                     </a:ext>
                   </a:extLst>
                 </a:gridCol>
                 <a:gridCol w="720000">
                   <a:extLst>
                     <a:ext uri="{9D8B030D-6E8A-4147-A177-3AD203B41FA5}">
-                      <a16:colId xmlns:a16="http://schemas.microsoft.com/office/drawing/2014/main" xmlns="" val="4293876959"/>
+                      <a16:colId xmlns:a16="http://schemas.microsoft.com/office/drawing/2014/main" val="4293876959"/>
                     </a:ext>
                   </a:extLst>
                 </a:gridCol>
                 <a:gridCol w="720000">
                   <a:extLst>
                     <a:ext uri="{9D8B030D-6E8A-4147-A177-3AD203B41FA5}">
-                      <a16:colId xmlns:a16="http://schemas.microsoft.com/office/drawing/2014/main" xmlns="" val="185903597"/>
+                      <a16:colId xmlns:a16="http://schemas.microsoft.com/office/drawing/2014/main" val="185903597"/>
                     </a:ext>
                   </a:extLst>
                 </a:gridCol>
                 <a:gridCol w="720000">
                   <a:extLst>
                     <a:ext uri="{9D8B030D-6E8A-4147-A177-3AD203B41FA5}">
-                      <a16:colId xmlns:a16="http://schemas.microsoft.com/office/drawing/2014/main" xmlns="" val="967980824"/>
+                      <a16:colId xmlns:a16="http://schemas.microsoft.com/office/drawing/2014/main" val="967980824"/>
                     </a:ext>
                   </a:extLst>
                 </a:gridCol>
                 <a:gridCol w="720000">
                   <a:extLst>
                     <a:ext uri="{9D8B030D-6E8A-4147-A177-3AD203B41FA5}">
-                      <a16:colId xmlns:a16="http://schemas.microsoft.com/office/drawing/2014/main" xmlns="" val="3107065488"/>
+                      <a16:colId xmlns:a16="http://schemas.microsoft.com/office/drawing/2014/main" val="3107065488"/>
                     </a:ext>
                   </a:extLst>
                 </a:gridCol>
                 <a:gridCol w="720000">
                   <a:extLst>
                     <a:ext uri="{9D8B030D-6E8A-4147-A177-3AD203B41FA5}">
-                      <a16:colId xmlns:a16="http://schemas.microsoft.com/office/drawing/2014/main" xmlns="" val="1277420439"/>
+                      <a16:colId xmlns:a16="http://schemas.microsoft.com/office/drawing/2014/main" val="1277420439"/>
                     </a:ext>
                   </a:extLst>
                 </a:gridCol>
@@ -24170,7 +24170,7 @@
                 </a:tc>
                 <a:extLst>
                   <a:ext uri="{0D108BD9-81ED-4DB2-BD59-A6C34878D82A}">
-                    <a16:rowId xmlns:a16="http://schemas.microsoft.com/office/drawing/2014/main" xmlns="" val="584487917"/>
+                    <a16:rowId xmlns:a16="http://schemas.microsoft.com/office/drawing/2014/main" val="584487917"/>
                   </a:ext>
                 </a:extLst>
               </a:tr>
@@ -24695,7 +24695,7 @@
                 </a:tc>
                 <a:extLst>
                   <a:ext uri="{0D108BD9-81ED-4DB2-BD59-A6C34878D82A}">
-                    <a16:rowId xmlns:a16="http://schemas.microsoft.com/office/drawing/2014/main" xmlns="" val="1863994553"/>
+                    <a16:rowId xmlns:a16="http://schemas.microsoft.com/office/drawing/2014/main" val="1863994553"/>
                   </a:ext>
                 </a:extLst>
               </a:tr>
@@ -25198,7 +25198,7 @@
                 </a:tc>
                 <a:extLst>
                   <a:ext uri="{0D108BD9-81ED-4DB2-BD59-A6C34878D82A}">
-                    <a16:rowId xmlns:a16="http://schemas.microsoft.com/office/drawing/2014/main" xmlns="" val="2813642046"/>
+                    <a16:rowId xmlns:a16="http://schemas.microsoft.com/office/drawing/2014/main" val="2813642046"/>
                   </a:ext>
                 </a:extLst>
               </a:tr>
@@ -25690,7 +25690,7 @@
                 </a:tc>
                 <a:extLst>
                   <a:ext uri="{0D108BD9-81ED-4DB2-BD59-A6C34878D82A}">
-                    <a16:rowId xmlns:a16="http://schemas.microsoft.com/office/drawing/2014/main" xmlns="" val="2056728271"/>
+                    <a16:rowId xmlns:a16="http://schemas.microsoft.com/office/drawing/2014/main" val="2056728271"/>
                   </a:ext>
                 </a:extLst>
               </a:tr>
@@ -26204,7 +26204,7 @@
                 </a:tc>
                 <a:extLst>
                   <a:ext uri="{0D108BD9-81ED-4DB2-BD59-A6C34878D82A}">
-                    <a16:rowId xmlns:a16="http://schemas.microsoft.com/office/drawing/2014/main" xmlns="" val="2613689561"/>
+                    <a16:rowId xmlns:a16="http://schemas.microsoft.com/office/drawing/2014/main" val="2613689561"/>
                   </a:ext>
                 </a:extLst>
               </a:tr>
@@ -26729,7 +26729,7 @@
                 </a:tc>
                 <a:extLst>
                   <a:ext uri="{0D108BD9-81ED-4DB2-BD59-A6C34878D82A}">
-                    <a16:rowId xmlns:a16="http://schemas.microsoft.com/office/drawing/2014/main" xmlns="" val="1320574715"/>
+                    <a16:rowId xmlns:a16="http://schemas.microsoft.com/office/drawing/2014/main" val="1320574715"/>
                   </a:ext>
                 </a:extLst>
               </a:tr>
@@ -26857,49 +26857,49 @@
                     <a:gridCol w="720000">
                       <a:extLst>
                         <a:ext uri="{9D8B030D-6E8A-4147-A177-3AD203B41FA5}">
-                          <a16:colId xmlns:a16="http://schemas.microsoft.com/office/drawing/2014/main" xmlns="" val="849826274"/>
+                          <a16:colId xmlns:a16="http://schemas.microsoft.com/office/drawing/2014/main" val="849826274"/>
                         </a:ext>
                       </a:extLst>
                     </a:gridCol>
                     <a:gridCol w="720000">
                       <a:extLst>
                         <a:ext uri="{9D8B030D-6E8A-4147-A177-3AD203B41FA5}">
-                          <a16:colId xmlns:a16="http://schemas.microsoft.com/office/drawing/2014/main" xmlns="" val="3122597115"/>
+                          <a16:colId xmlns:a16="http://schemas.microsoft.com/office/drawing/2014/main" val="3122597115"/>
                         </a:ext>
                       </a:extLst>
                     </a:gridCol>
                     <a:gridCol w="720000">
                       <a:extLst>
                         <a:ext uri="{9D8B030D-6E8A-4147-A177-3AD203B41FA5}">
-                          <a16:colId xmlns:a16="http://schemas.microsoft.com/office/drawing/2014/main" xmlns="" val="2119792792"/>
+                          <a16:colId xmlns:a16="http://schemas.microsoft.com/office/drawing/2014/main" val="2119792792"/>
                         </a:ext>
                       </a:extLst>
                     </a:gridCol>
                     <a:gridCol w="720000">
                       <a:extLst>
                         <a:ext uri="{9D8B030D-6E8A-4147-A177-3AD203B41FA5}">
-                          <a16:colId xmlns:a16="http://schemas.microsoft.com/office/drawing/2014/main" xmlns="" val="3054159046"/>
+                          <a16:colId xmlns:a16="http://schemas.microsoft.com/office/drawing/2014/main" val="3054159046"/>
                         </a:ext>
                       </a:extLst>
                     </a:gridCol>
                     <a:gridCol w="720000">
                       <a:extLst>
                         <a:ext uri="{9D8B030D-6E8A-4147-A177-3AD203B41FA5}">
-                          <a16:colId xmlns:a16="http://schemas.microsoft.com/office/drawing/2014/main" xmlns="" val="1335098707"/>
+                          <a16:colId xmlns:a16="http://schemas.microsoft.com/office/drawing/2014/main" val="1335098707"/>
                         </a:ext>
                       </a:extLst>
                     </a:gridCol>
                     <a:gridCol w="720000">
                       <a:extLst>
                         <a:ext uri="{9D8B030D-6E8A-4147-A177-3AD203B41FA5}">
-                          <a16:colId xmlns:a16="http://schemas.microsoft.com/office/drawing/2014/main" xmlns="" val="2189793948"/>
+                          <a16:colId xmlns:a16="http://schemas.microsoft.com/office/drawing/2014/main" val="2189793948"/>
                         </a:ext>
                       </a:extLst>
                     </a:gridCol>
                     <a:gridCol w="720000">
                       <a:extLst>
                         <a:ext uri="{9D8B030D-6E8A-4147-A177-3AD203B41FA5}">
-                          <a16:colId xmlns:a16="http://schemas.microsoft.com/office/drawing/2014/main" xmlns="" val="4073850615"/>
+                          <a16:colId xmlns:a16="http://schemas.microsoft.com/office/drawing/2014/main" val="4073850615"/>
                         </a:ext>
                       </a:extLst>
                     </a:gridCol>
@@ -27984,7 +27984,7 @@
                     </a:tc>
                     <a:extLst>
                       <a:ext uri="{0D108BD9-81ED-4DB2-BD59-A6C34878D82A}">
-                        <a16:rowId xmlns:a16="http://schemas.microsoft.com/office/drawing/2014/main" xmlns="" val="2282192497"/>
+                        <a16:rowId xmlns:a16="http://schemas.microsoft.com/office/drawing/2014/main" val="2282192497"/>
                       </a:ext>
                     </a:extLst>
                   </a:tr>
@@ -29167,7 +29167,7 @@
                     </a:tc>
                     <a:extLst>
                       <a:ext uri="{0D108BD9-81ED-4DB2-BD59-A6C34878D82A}">
-                        <a16:rowId xmlns:a16="http://schemas.microsoft.com/office/drawing/2014/main" xmlns="" val="285879134"/>
+                        <a16:rowId xmlns:a16="http://schemas.microsoft.com/office/drawing/2014/main" val="285879134"/>
                       </a:ext>
                     </a:extLst>
                   </a:tr>
@@ -29795,7 +29795,7 @@
                     </a:tc>
                     <a:extLst>
                       <a:ext uri="{0D108BD9-81ED-4DB2-BD59-A6C34878D82A}">
-                        <a16:rowId xmlns:a16="http://schemas.microsoft.com/office/drawing/2014/main" xmlns="" val="1414773290"/>
+                        <a16:rowId xmlns:a16="http://schemas.microsoft.com/office/drawing/2014/main" val="1414773290"/>
                       </a:ext>
                     </a:extLst>
                   </a:tr>
@@ -30423,7 +30423,7 @@
                     </a:tc>
                     <a:extLst>
                       <a:ext uri="{0D108BD9-81ED-4DB2-BD59-A6C34878D82A}">
-                        <a16:rowId xmlns:a16="http://schemas.microsoft.com/office/drawing/2014/main" xmlns="" val="3029169098"/>
+                        <a16:rowId xmlns:a16="http://schemas.microsoft.com/office/drawing/2014/main" val="3029169098"/>
                       </a:ext>
                     </a:extLst>
                   </a:tr>
@@ -31051,7 +31051,7 @@
                     </a:tc>
                     <a:extLst>
                       <a:ext uri="{0D108BD9-81ED-4DB2-BD59-A6C34878D82A}">
-                        <a16:rowId xmlns:a16="http://schemas.microsoft.com/office/drawing/2014/main" xmlns="" val="1551467127"/>
+                        <a16:rowId xmlns:a16="http://schemas.microsoft.com/office/drawing/2014/main" val="1551467127"/>
                       </a:ext>
                     </a:extLst>
                   </a:tr>
@@ -31679,7 +31679,7 @@
                     </a:tc>
                     <a:extLst>
                       <a:ext uri="{0D108BD9-81ED-4DB2-BD59-A6C34878D82A}">
-                        <a16:rowId xmlns:a16="http://schemas.microsoft.com/office/drawing/2014/main" xmlns="" val="1957575383"/>
+                        <a16:rowId xmlns:a16="http://schemas.microsoft.com/office/drawing/2014/main" val="1957575383"/>
                       </a:ext>
                     </a:extLst>
                   </a:tr>

--- a/LplcSimulator/LplcSimulator/卒論/数理モデルv5.pptx
+++ b/LplcSimulator/LplcSimulator/卒論/数理モデルv5.pptx
@@ -257,7 +257,7 @@
           <a:p>
             <a:fld id="{04B62EDD-4951-463E-92DE-B5FB06F7687D}" type="datetimeFigureOut">
               <a:rPr kumimoji="1" lang="ja-JP" altLang="en-US" smtClean="0"/>
-              <a:t>2019/2/19</a:t>
+              <a:t>2019/2/21</a:t>
             </a:fld>
             <a:endParaRPr kumimoji="1" lang="ja-JP" altLang="en-US"/>
           </a:p>
@@ -459,7 +459,7 @@
           <a:p>
             <a:fld id="{04B62EDD-4951-463E-92DE-B5FB06F7687D}" type="datetimeFigureOut">
               <a:rPr kumimoji="1" lang="ja-JP" altLang="en-US" smtClean="0"/>
-              <a:t>2019/2/19</a:t>
+              <a:t>2019/2/21</a:t>
             </a:fld>
             <a:endParaRPr kumimoji="1" lang="ja-JP" altLang="en-US"/>
           </a:p>
@@ -671,7 +671,7 @@
           <a:p>
             <a:fld id="{04B62EDD-4951-463E-92DE-B5FB06F7687D}" type="datetimeFigureOut">
               <a:rPr kumimoji="1" lang="ja-JP" altLang="en-US" smtClean="0"/>
-              <a:t>2019/2/19</a:t>
+              <a:t>2019/2/21</a:t>
             </a:fld>
             <a:endParaRPr kumimoji="1" lang="ja-JP" altLang="en-US"/>
           </a:p>
@@ -873,7 +873,7 @@
           <a:p>
             <a:fld id="{04B62EDD-4951-463E-92DE-B5FB06F7687D}" type="datetimeFigureOut">
               <a:rPr kumimoji="1" lang="ja-JP" altLang="en-US" smtClean="0"/>
-              <a:t>2019/2/19</a:t>
+              <a:t>2019/2/21</a:t>
             </a:fld>
             <a:endParaRPr kumimoji="1" lang="ja-JP" altLang="en-US"/>
           </a:p>
@@ -1119,7 +1119,7 @@
           <a:p>
             <a:fld id="{04B62EDD-4951-463E-92DE-B5FB06F7687D}" type="datetimeFigureOut">
               <a:rPr kumimoji="1" lang="ja-JP" altLang="en-US" smtClean="0"/>
-              <a:t>2019/2/19</a:t>
+              <a:t>2019/2/21</a:t>
             </a:fld>
             <a:endParaRPr kumimoji="1" lang="ja-JP" altLang="en-US"/>
           </a:p>
@@ -1415,7 +1415,7 @@
           <a:p>
             <a:fld id="{04B62EDD-4951-463E-92DE-B5FB06F7687D}" type="datetimeFigureOut">
               <a:rPr kumimoji="1" lang="ja-JP" altLang="en-US" smtClean="0"/>
-              <a:t>2019/2/19</a:t>
+              <a:t>2019/2/21</a:t>
             </a:fld>
             <a:endParaRPr kumimoji="1" lang="ja-JP" altLang="en-US"/>
           </a:p>
@@ -1846,7 +1846,7 @@
           <a:p>
             <a:fld id="{04B62EDD-4951-463E-92DE-B5FB06F7687D}" type="datetimeFigureOut">
               <a:rPr kumimoji="1" lang="ja-JP" altLang="en-US" smtClean="0"/>
-              <a:t>2019/2/19</a:t>
+              <a:t>2019/2/21</a:t>
             </a:fld>
             <a:endParaRPr kumimoji="1" lang="ja-JP" altLang="en-US"/>
           </a:p>
@@ -1964,7 +1964,7 @@
           <a:p>
             <a:fld id="{04B62EDD-4951-463E-92DE-B5FB06F7687D}" type="datetimeFigureOut">
               <a:rPr kumimoji="1" lang="ja-JP" altLang="en-US" smtClean="0"/>
-              <a:t>2019/2/19</a:t>
+              <a:t>2019/2/21</a:t>
             </a:fld>
             <a:endParaRPr kumimoji="1" lang="ja-JP" altLang="en-US"/>
           </a:p>
@@ -2059,7 +2059,7 @@
           <a:p>
             <a:fld id="{04B62EDD-4951-463E-92DE-B5FB06F7687D}" type="datetimeFigureOut">
               <a:rPr kumimoji="1" lang="ja-JP" altLang="en-US" smtClean="0"/>
-              <a:t>2019/2/19</a:t>
+              <a:t>2019/2/21</a:t>
             </a:fld>
             <a:endParaRPr kumimoji="1" lang="ja-JP" altLang="en-US"/>
           </a:p>
@@ -2368,7 +2368,7 @@
           <a:p>
             <a:fld id="{04B62EDD-4951-463E-92DE-B5FB06F7687D}" type="datetimeFigureOut">
               <a:rPr kumimoji="1" lang="ja-JP" altLang="en-US" smtClean="0"/>
-              <a:t>2019/2/19</a:t>
+              <a:t>2019/2/21</a:t>
             </a:fld>
             <a:endParaRPr kumimoji="1" lang="ja-JP" altLang="en-US"/>
           </a:p>
@@ -2621,7 +2621,7 @@
           <a:p>
             <a:fld id="{04B62EDD-4951-463E-92DE-B5FB06F7687D}" type="datetimeFigureOut">
               <a:rPr kumimoji="1" lang="ja-JP" altLang="en-US" smtClean="0"/>
-              <a:t>2019/2/19</a:t>
+              <a:t>2019/2/21</a:t>
             </a:fld>
             <a:endParaRPr kumimoji="1" lang="ja-JP" altLang="en-US"/>
           </a:p>
@@ -2866,7 +2866,7 @@
           <a:p>
             <a:fld id="{04B62EDD-4951-463E-92DE-B5FB06F7687D}" type="datetimeFigureOut">
               <a:rPr kumimoji="1" lang="ja-JP" altLang="en-US" smtClean="0"/>
-              <a:t>2019/2/19</a:t>
+              <a:t>2019/2/21</a:t>
             </a:fld>
             <a:endParaRPr kumimoji="1" lang="ja-JP" altLang="en-US"/>
           </a:p>
@@ -4275,49 +4275,49 @@
                     <a:gridCol w="720000">
                       <a:extLst>
                         <a:ext uri="{9D8B030D-6E8A-4147-A177-3AD203B41FA5}">
-                          <a16:colId xmlns:a16="http://schemas.microsoft.com/office/drawing/2014/main" val="849826274"/>
+                          <a16:colId xmlns:a16="http://schemas.microsoft.com/office/drawing/2014/main" xmlns="" val="849826274"/>
                         </a:ext>
                       </a:extLst>
                     </a:gridCol>
                     <a:gridCol w="720000">
                       <a:extLst>
                         <a:ext uri="{9D8B030D-6E8A-4147-A177-3AD203B41FA5}">
-                          <a16:colId xmlns:a16="http://schemas.microsoft.com/office/drawing/2014/main" val="3122597115"/>
+                          <a16:colId xmlns:a16="http://schemas.microsoft.com/office/drawing/2014/main" xmlns="" val="3122597115"/>
                         </a:ext>
                       </a:extLst>
                     </a:gridCol>
                     <a:gridCol w="720000">
                       <a:extLst>
                         <a:ext uri="{9D8B030D-6E8A-4147-A177-3AD203B41FA5}">
-                          <a16:colId xmlns:a16="http://schemas.microsoft.com/office/drawing/2014/main" val="2119792792"/>
+                          <a16:colId xmlns:a16="http://schemas.microsoft.com/office/drawing/2014/main" xmlns="" val="2119792792"/>
                         </a:ext>
                       </a:extLst>
                     </a:gridCol>
                     <a:gridCol w="720000">
                       <a:extLst>
                         <a:ext uri="{9D8B030D-6E8A-4147-A177-3AD203B41FA5}">
-                          <a16:colId xmlns:a16="http://schemas.microsoft.com/office/drawing/2014/main" val="3054159046"/>
+                          <a16:colId xmlns:a16="http://schemas.microsoft.com/office/drawing/2014/main" xmlns="" val="3054159046"/>
                         </a:ext>
                       </a:extLst>
                     </a:gridCol>
                     <a:gridCol w="720000">
                       <a:extLst>
                         <a:ext uri="{9D8B030D-6E8A-4147-A177-3AD203B41FA5}">
-                          <a16:colId xmlns:a16="http://schemas.microsoft.com/office/drawing/2014/main" val="1335098707"/>
+                          <a16:colId xmlns:a16="http://schemas.microsoft.com/office/drawing/2014/main" xmlns="" val="1335098707"/>
                         </a:ext>
                       </a:extLst>
                     </a:gridCol>
                     <a:gridCol w="720000">
                       <a:extLst>
                         <a:ext uri="{9D8B030D-6E8A-4147-A177-3AD203B41FA5}">
-                          <a16:colId xmlns:a16="http://schemas.microsoft.com/office/drawing/2014/main" val="2189793948"/>
+                          <a16:colId xmlns:a16="http://schemas.microsoft.com/office/drawing/2014/main" xmlns="" val="2189793948"/>
                         </a:ext>
                       </a:extLst>
                     </a:gridCol>
                     <a:gridCol w="720000">
                       <a:extLst>
                         <a:ext uri="{9D8B030D-6E8A-4147-A177-3AD203B41FA5}">
-                          <a16:colId xmlns:a16="http://schemas.microsoft.com/office/drawing/2014/main" val="4073850615"/>
+                          <a16:colId xmlns:a16="http://schemas.microsoft.com/office/drawing/2014/main" xmlns="" val="4073850615"/>
                         </a:ext>
                       </a:extLst>
                     </a:gridCol>
@@ -5282,7 +5282,7 @@
                     </a:tc>
                     <a:extLst>
                       <a:ext uri="{0D108BD9-81ED-4DB2-BD59-A6C34878D82A}">
-                        <a16:rowId xmlns:a16="http://schemas.microsoft.com/office/drawing/2014/main" val="2282192497"/>
+                        <a16:rowId xmlns:a16="http://schemas.microsoft.com/office/drawing/2014/main" xmlns="" val="2282192497"/>
                       </a:ext>
                     </a:extLst>
                   </a:tr>
@@ -6325,7 +6325,7 @@
                     </a:tc>
                     <a:extLst>
                       <a:ext uri="{0D108BD9-81ED-4DB2-BD59-A6C34878D82A}">
-                        <a16:rowId xmlns:a16="http://schemas.microsoft.com/office/drawing/2014/main" val="285879134"/>
+                        <a16:rowId xmlns:a16="http://schemas.microsoft.com/office/drawing/2014/main" xmlns="" val="285879134"/>
                       </a:ext>
                     </a:extLst>
                   </a:tr>
@@ -6913,7 +6913,7 @@
                     </a:tc>
                     <a:extLst>
                       <a:ext uri="{0D108BD9-81ED-4DB2-BD59-A6C34878D82A}">
-                        <a16:rowId xmlns:a16="http://schemas.microsoft.com/office/drawing/2014/main" val="1414773290"/>
+                        <a16:rowId xmlns:a16="http://schemas.microsoft.com/office/drawing/2014/main" xmlns="" val="1414773290"/>
                       </a:ext>
                     </a:extLst>
                   </a:tr>
@@ -7501,7 +7501,7 @@
                     </a:tc>
                     <a:extLst>
                       <a:ext uri="{0D108BD9-81ED-4DB2-BD59-A6C34878D82A}">
-                        <a16:rowId xmlns:a16="http://schemas.microsoft.com/office/drawing/2014/main" val="3029169098"/>
+                        <a16:rowId xmlns:a16="http://schemas.microsoft.com/office/drawing/2014/main" xmlns="" val="3029169098"/>
                       </a:ext>
                     </a:extLst>
                   </a:tr>
@@ -8089,7 +8089,7 @@
                     </a:tc>
                     <a:extLst>
                       <a:ext uri="{0D108BD9-81ED-4DB2-BD59-A6C34878D82A}">
-                        <a16:rowId xmlns:a16="http://schemas.microsoft.com/office/drawing/2014/main" val="1551467127"/>
+                        <a16:rowId xmlns:a16="http://schemas.microsoft.com/office/drawing/2014/main" xmlns="" val="1551467127"/>
                       </a:ext>
                     </a:extLst>
                   </a:tr>
@@ -8677,7 +8677,7 @@
                     </a:tc>
                     <a:extLst>
                       <a:ext uri="{0D108BD9-81ED-4DB2-BD59-A6C34878D82A}">
-                        <a16:rowId xmlns:a16="http://schemas.microsoft.com/office/drawing/2014/main" val="1957575383"/>
+                        <a16:rowId xmlns:a16="http://schemas.microsoft.com/office/drawing/2014/main" xmlns="" val="1957575383"/>
                       </a:ext>
                     </a:extLst>
                   </a:tr>
@@ -10681,8 +10681,8 @@
             <a:chExt cx="8649348" cy="1499953"/>
           </a:xfrm>
         </p:grpSpPr>
-        <mc:AlternateContent xmlns:mc="http://schemas.openxmlformats.org/markup-compatibility/2006">
-          <mc:Choice xmlns:a14="http://schemas.microsoft.com/office/drawing/2010/main" Requires="a14">
+        <mc:AlternateContent xmlns:mc="http://schemas.openxmlformats.org/markup-compatibility/2006" xmlns:a14="http://schemas.microsoft.com/office/drawing/2010/main">
+          <mc:Choice Requires="a14">
             <p:sp>
               <p:nvSpPr>
                 <p:cNvPr id="6" name="テキスト ボックス 5"/>
@@ -10817,7 +10817,7 @@
               </p:txBody>
             </p:sp>
           </mc:Choice>
-          <mc:Fallback>
+          <mc:Fallback xmlns="">
             <p:sp>
               <p:nvSpPr>
                 <p:cNvPr id="6" name="テキスト ボックス 5"/>
@@ -14317,8 +14317,8 @@
             <a:chExt cx="6481808" cy="1421086"/>
           </a:xfrm>
         </p:grpSpPr>
-        <mc:AlternateContent xmlns:mc="http://schemas.openxmlformats.org/markup-compatibility/2006">
-          <mc:Choice xmlns:a14="http://schemas.microsoft.com/office/drawing/2010/main" Requires="a14">
+        <mc:AlternateContent xmlns:mc="http://schemas.openxmlformats.org/markup-compatibility/2006" xmlns:a14="http://schemas.microsoft.com/office/drawing/2010/main">
+          <mc:Choice Requires="a14">
             <p:sp>
               <p:nvSpPr>
                 <p:cNvPr id="23" name="正方形/長方形 22"/>
@@ -14416,7 +14416,7 @@
               </p:txBody>
             </p:sp>
           </mc:Choice>
-          <mc:Fallback>
+          <mc:Fallback xmlns="">
             <p:sp>
               <p:nvSpPr>
                 <p:cNvPr id="23" name="正方形/長方形 22"/>
@@ -16232,150 +16232,1716 @@
           <a:chExt cx="0" cy="0"/>
         </a:xfrm>
       </p:grpSpPr>
-      <p:cxnSp>
-        <p:nvCxnSpPr>
-          <p:cNvPr id="3" name="直線コネクタ 2"/>
-          <p:cNvCxnSpPr/>
-          <p:nvPr/>
-        </p:nvCxnSpPr>
-        <p:spPr>
-          <a:xfrm>
-            <a:off x="414528" y="1207008"/>
-            <a:ext cx="11119104" cy="0"/>
-          </a:xfrm>
-          <a:prstGeom prst="line">
-            <a:avLst/>
-          </a:prstGeom>
-        </p:spPr>
-        <p:style>
-          <a:lnRef idx="1">
-            <a:schemeClr val="dk1"/>
-          </a:lnRef>
-          <a:fillRef idx="0">
-            <a:schemeClr val="dk1"/>
-          </a:fillRef>
-          <a:effectRef idx="0">
-            <a:schemeClr val="dk1"/>
-          </a:effectRef>
-          <a:fontRef idx="minor">
-            <a:schemeClr val="tx1"/>
-          </a:fontRef>
-        </p:style>
-      </p:cxnSp>
-      <p:cxnSp>
-        <p:nvCxnSpPr>
-          <p:cNvPr id="4" name="直線コネクタ 3"/>
-          <p:cNvCxnSpPr/>
-          <p:nvPr/>
-        </p:nvCxnSpPr>
-        <p:spPr>
-          <a:xfrm>
-            <a:off x="438912" y="2718816"/>
-            <a:ext cx="11253216" cy="0"/>
-          </a:xfrm>
-          <a:prstGeom prst="line">
-            <a:avLst/>
-          </a:prstGeom>
-        </p:spPr>
-        <p:style>
-          <a:lnRef idx="1">
-            <a:schemeClr val="dk1"/>
-          </a:lnRef>
-          <a:fillRef idx="0">
-            <a:schemeClr val="dk1"/>
-          </a:fillRef>
-          <a:effectRef idx="0">
-            <a:schemeClr val="dk1"/>
-          </a:effectRef>
-          <a:fontRef idx="minor">
-            <a:schemeClr val="tx1"/>
-          </a:fontRef>
-        </p:style>
-      </p:cxnSp>
-      <p:sp>
-        <p:nvSpPr>
-          <p:cNvPr id="39" name="テキスト ボックス 38"/>
-          <p:cNvSpPr txBox="1"/>
-          <p:nvPr/>
-        </p:nvSpPr>
-        <p:spPr>
-          <a:xfrm>
-            <a:off x="316992" y="837676"/>
-            <a:ext cx="2596896" cy="369332"/>
-          </a:xfrm>
-          <a:prstGeom prst="rect">
-            <a:avLst/>
-          </a:prstGeom>
-          <a:noFill/>
-        </p:spPr>
-        <p:txBody>
-          <a:bodyPr wrap="square" rtlCol="0">
-            <a:spAutoFit/>
-          </a:bodyPr>
-          <a:lstStyle/>
-          <a:p>
-            <a:r>
-              <a:rPr kumimoji="1" lang="ja-JP" altLang="en-US" dirty="0" smtClean="0"/>
-              <a:t>パブリックネット</a:t>
-            </a:r>
-            <a:endParaRPr kumimoji="1" lang="ja-JP" altLang="en-US" dirty="0"/>
-          </a:p>
-        </p:txBody>
-      </p:sp>
-      <p:sp>
-        <p:nvSpPr>
-          <p:cNvPr id="40" name="テキスト ボックス 39"/>
-          <p:cNvSpPr txBox="1"/>
-          <p:nvPr/>
-        </p:nvSpPr>
-        <p:spPr>
-          <a:xfrm>
-            <a:off x="316992" y="2349483"/>
-            <a:ext cx="2596896" cy="369332"/>
-          </a:xfrm>
-          <a:prstGeom prst="rect">
-            <a:avLst/>
-          </a:prstGeom>
-          <a:noFill/>
-        </p:spPr>
-        <p:txBody>
-          <a:bodyPr wrap="square" rtlCol="0">
-            <a:spAutoFit/>
-          </a:bodyPr>
-          <a:lstStyle/>
-          <a:p>
-            <a:r>
-              <a:rPr kumimoji="1" lang="ja-JP" altLang="en-US" dirty="0" smtClean="0"/>
-              <a:t>エッジ</a:t>
-            </a:r>
-            <a:endParaRPr kumimoji="1" lang="ja-JP" altLang="en-US" dirty="0"/>
-          </a:p>
-        </p:txBody>
-      </p:sp>
       <p:grpSp>
         <p:nvGrpSpPr>
-          <p:cNvPr id="44" name="グループ化 43"/>
+          <p:cNvPr id="2" name="グループ化 1"/>
           <p:cNvGrpSpPr/>
           <p:nvPr/>
         </p:nvGrpSpPr>
         <p:grpSpPr>
           <a:xfrm>
-            <a:off x="5280115" y="335684"/>
-            <a:ext cx="1387930" cy="833278"/>
-            <a:chOff x="5712354" y="2150072"/>
-            <a:chExt cx="4050771" cy="2431980"/>
+            <a:off x="316992" y="335684"/>
+            <a:ext cx="11460892" cy="5497136"/>
+            <a:chOff x="316992" y="335684"/>
+            <a:chExt cx="11460892" cy="5497136"/>
           </a:xfrm>
         </p:grpSpPr>
+        <p:cxnSp>
+          <p:nvCxnSpPr>
+            <p:cNvPr id="3" name="直線コネクタ 2"/>
+            <p:cNvCxnSpPr/>
+            <p:nvPr/>
+          </p:nvCxnSpPr>
+          <p:spPr>
+            <a:xfrm>
+              <a:off x="414528" y="1207008"/>
+              <a:ext cx="11119104" cy="0"/>
+            </a:xfrm>
+            <a:prstGeom prst="line">
+              <a:avLst/>
+            </a:prstGeom>
+          </p:spPr>
+          <p:style>
+            <a:lnRef idx="1">
+              <a:schemeClr val="dk1"/>
+            </a:lnRef>
+            <a:fillRef idx="0">
+              <a:schemeClr val="dk1"/>
+            </a:fillRef>
+            <a:effectRef idx="0">
+              <a:schemeClr val="dk1"/>
+            </a:effectRef>
+            <a:fontRef idx="minor">
+              <a:schemeClr val="tx1"/>
+            </a:fontRef>
+          </p:style>
+        </p:cxnSp>
+        <p:cxnSp>
+          <p:nvCxnSpPr>
+            <p:cNvPr id="4" name="直線コネクタ 3"/>
+            <p:cNvCxnSpPr/>
+            <p:nvPr/>
+          </p:nvCxnSpPr>
+          <p:spPr>
+            <a:xfrm>
+              <a:off x="438912" y="2718816"/>
+              <a:ext cx="11253216" cy="0"/>
+            </a:xfrm>
+            <a:prstGeom prst="line">
+              <a:avLst/>
+            </a:prstGeom>
+          </p:spPr>
+          <p:style>
+            <a:lnRef idx="1">
+              <a:schemeClr val="dk1"/>
+            </a:lnRef>
+            <a:fillRef idx="0">
+              <a:schemeClr val="dk1"/>
+            </a:fillRef>
+            <a:effectRef idx="0">
+              <a:schemeClr val="dk1"/>
+            </a:effectRef>
+            <a:fontRef idx="minor">
+              <a:schemeClr val="tx1"/>
+            </a:fontRef>
+          </p:style>
+        </p:cxnSp>
+        <p:sp>
+          <p:nvSpPr>
+            <p:cNvPr id="39" name="テキスト ボックス 38"/>
+            <p:cNvSpPr txBox="1"/>
+            <p:nvPr/>
+          </p:nvSpPr>
+          <p:spPr>
+            <a:xfrm>
+              <a:off x="316992" y="837676"/>
+              <a:ext cx="2596896" cy="369332"/>
+            </a:xfrm>
+            <a:prstGeom prst="rect">
+              <a:avLst/>
+            </a:prstGeom>
+            <a:noFill/>
+          </p:spPr>
+          <p:txBody>
+            <a:bodyPr wrap="square" rtlCol="0">
+              <a:spAutoFit/>
+            </a:bodyPr>
+            <a:lstStyle/>
+            <a:p>
+              <a:r>
+                <a:rPr kumimoji="1" lang="ja-JP" altLang="en-US" dirty="0" smtClean="0"/>
+                <a:t>パブリックネット</a:t>
+              </a:r>
+              <a:endParaRPr kumimoji="1" lang="ja-JP" altLang="en-US" dirty="0"/>
+            </a:p>
+          </p:txBody>
+        </p:sp>
+        <p:sp>
+          <p:nvSpPr>
+            <p:cNvPr id="40" name="テキスト ボックス 39"/>
+            <p:cNvSpPr txBox="1"/>
+            <p:nvPr/>
+          </p:nvSpPr>
+          <p:spPr>
+            <a:xfrm>
+              <a:off x="316992" y="2349483"/>
+              <a:ext cx="2596896" cy="369332"/>
+            </a:xfrm>
+            <a:prstGeom prst="rect">
+              <a:avLst/>
+            </a:prstGeom>
+            <a:noFill/>
+          </p:spPr>
+          <p:txBody>
+            <a:bodyPr wrap="square" rtlCol="0">
+              <a:spAutoFit/>
+            </a:bodyPr>
+            <a:lstStyle/>
+            <a:p>
+              <a:r>
+                <a:rPr kumimoji="1" lang="ja-JP" altLang="en-US" dirty="0" smtClean="0"/>
+                <a:t>エッジ</a:t>
+              </a:r>
+              <a:endParaRPr kumimoji="1" lang="ja-JP" altLang="en-US" dirty="0"/>
+            </a:p>
+          </p:txBody>
+        </p:sp>
+        <p:grpSp>
+          <p:nvGrpSpPr>
+            <p:cNvPr id="44" name="グループ化 43"/>
+            <p:cNvGrpSpPr/>
+            <p:nvPr/>
+          </p:nvGrpSpPr>
+          <p:grpSpPr>
+            <a:xfrm>
+              <a:off x="5280115" y="335684"/>
+              <a:ext cx="1387930" cy="833278"/>
+              <a:chOff x="5712354" y="2150072"/>
+              <a:chExt cx="4050771" cy="2431980"/>
+            </a:xfrm>
+          </p:grpSpPr>
+          <p:pic>
+            <p:nvPicPr>
+              <p:cNvPr id="45" name="Picture 8" descr="サーバのイラスト（1台）"/>
+              <p:cNvPicPr>
+                <a:picLocks noChangeAspect="1" noChangeArrowheads="1"/>
+              </p:cNvPicPr>
+              <p:nvPr/>
+            </p:nvPicPr>
+            <p:blipFill>
+              <a:blip r:embed="rId2" cstate="print">
+                <a:extLst>
+                  <a:ext uri="{28A0092B-C50C-407E-A947-70E740481C1C}">
+                    <a14:useLocalDpi xmlns:a14="http://schemas.microsoft.com/office/drawing/2010/main" val="0"/>
+                  </a:ext>
+                </a:extLst>
+              </a:blip>
+              <a:srcRect/>
+              <a:stretch>
+                <a:fillRect/>
+              </a:stretch>
+            </p:blipFill>
+            <p:spPr bwMode="auto">
+              <a:xfrm>
+                <a:off x="6387042" y="2150072"/>
+                <a:ext cx="1714500" cy="1714500"/>
+              </a:xfrm>
+              <a:prstGeom prst="rect">
+                <a:avLst/>
+              </a:prstGeom>
+              <a:noFill/>
+              <a:extLst>
+                <a:ext uri="{909E8E84-426E-40DD-AFC4-6F175D3DCCD1}">
+                  <a14:hiddenFill xmlns:a14="http://schemas.microsoft.com/office/drawing/2010/main">
+                    <a:solidFill>
+                      <a:srgbClr val="FFFFFF"/>
+                    </a:solidFill>
+                  </a14:hiddenFill>
+                </a:ext>
+              </a:extLst>
+            </p:spPr>
+          </p:pic>
+          <p:pic>
+            <p:nvPicPr>
+              <p:cNvPr id="46" name="Picture 6" descr="雲のイラスト"/>
+              <p:cNvPicPr>
+                <a:picLocks noChangeAspect="1" noChangeArrowheads="1"/>
+              </p:cNvPicPr>
+              <p:nvPr/>
+            </p:nvPicPr>
+            <p:blipFill rotWithShape="1">
+              <a:blip r:embed="rId3">
+                <a:extLst>
+                  <a:ext uri="{28A0092B-C50C-407E-A947-70E740481C1C}">
+                    <a14:useLocalDpi xmlns:a14="http://schemas.microsoft.com/office/drawing/2010/main" val="0"/>
+                  </a:ext>
+                </a:extLst>
+              </a:blip>
+              <a:srcRect b="57768"/>
+              <a:stretch/>
+            </p:blipFill>
+            <p:spPr bwMode="auto">
+              <a:xfrm>
+                <a:off x="5712354" y="2871327"/>
+                <a:ext cx="4050771" cy="1710725"/>
+              </a:xfrm>
+              <a:prstGeom prst="rect">
+                <a:avLst/>
+              </a:prstGeom>
+              <a:noFill/>
+              <a:extLst>
+                <a:ext uri="{909E8E84-426E-40DD-AFC4-6F175D3DCCD1}">
+                  <a14:hiddenFill xmlns:a14="http://schemas.microsoft.com/office/drawing/2010/main">
+                    <a:solidFill>
+                      <a:srgbClr val="FFFFFF"/>
+                    </a:solidFill>
+                  </a14:hiddenFill>
+                </a:ext>
+              </a:extLst>
+            </p:spPr>
+          </p:pic>
+        </p:grpSp>
+        <p:cxnSp>
+          <p:nvCxnSpPr>
+            <p:cNvPr id="95" name="直線矢印コネクタ 94"/>
+            <p:cNvCxnSpPr/>
+            <p:nvPr/>
+          </p:nvCxnSpPr>
+          <p:spPr>
+            <a:xfrm flipH="1" flipV="1">
+              <a:off x="6373668" y="1022342"/>
+              <a:ext cx="4962355" cy="2627646"/>
+            </a:xfrm>
+            <a:prstGeom prst="straightConnector1">
+              <a:avLst/>
+            </a:prstGeom>
+            <a:ln w="76200" cmpd="sng">
+              <a:tailEnd type="triangle" w="lg" len="lg"/>
+            </a:ln>
+          </p:spPr>
+          <p:style>
+            <a:lnRef idx="1">
+              <a:schemeClr val="dk1"/>
+            </a:lnRef>
+            <a:fillRef idx="0">
+              <a:schemeClr val="dk1"/>
+            </a:fillRef>
+            <a:effectRef idx="0">
+              <a:schemeClr val="dk1"/>
+            </a:effectRef>
+            <a:fontRef idx="minor">
+              <a:schemeClr val="tx1"/>
+            </a:fontRef>
+          </p:style>
+        </p:cxnSp>
+        <p:cxnSp>
+          <p:nvCxnSpPr>
+            <p:cNvPr id="98" name="直線矢印コネクタ 97"/>
+            <p:cNvCxnSpPr/>
+            <p:nvPr/>
+          </p:nvCxnSpPr>
+          <p:spPr>
+            <a:xfrm flipH="1" flipV="1">
+              <a:off x="6337807" y="1170255"/>
+              <a:ext cx="2983731" cy="2479733"/>
+            </a:xfrm>
+            <a:prstGeom prst="straightConnector1">
+              <a:avLst/>
+            </a:prstGeom>
+            <a:ln w="76200" cmpd="sng">
+              <a:tailEnd type="triangle" w="lg" len="lg"/>
+            </a:ln>
+          </p:spPr>
+          <p:style>
+            <a:lnRef idx="1">
+              <a:schemeClr val="dk1"/>
+            </a:lnRef>
+            <a:fillRef idx="0">
+              <a:schemeClr val="dk1"/>
+            </a:fillRef>
+            <a:effectRef idx="0">
+              <a:schemeClr val="dk1"/>
+            </a:effectRef>
+            <a:fontRef idx="minor">
+              <a:schemeClr val="tx1"/>
+            </a:fontRef>
+          </p:style>
+        </p:cxnSp>
+        <p:cxnSp>
+          <p:nvCxnSpPr>
+            <p:cNvPr id="99" name="直線矢印コネクタ 98"/>
+            <p:cNvCxnSpPr/>
+            <p:nvPr/>
+          </p:nvCxnSpPr>
+          <p:spPr>
+            <a:xfrm flipH="1" flipV="1">
+              <a:off x="6159621" y="1022342"/>
+              <a:ext cx="1826558" cy="2627646"/>
+            </a:xfrm>
+            <a:prstGeom prst="straightConnector1">
+              <a:avLst/>
+            </a:prstGeom>
+            <a:ln w="76200" cmpd="sng">
+              <a:tailEnd type="triangle" w="lg" len="lg"/>
+            </a:ln>
+          </p:spPr>
+          <p:style>
+            <a:lnRef idx="1">
+              <a:schemeClr val="dk1"/>
+            </a:lnRef>
+            <a:fillRef idx="0">
+              <a:schemeClr val="dk1"/>
+            </a:fillRef>
+            <a:effectRef idx="0">
+              <a:schemeClr val="dk1"/>
+            </a:effectRef>
+            <a:fontRef idx="minor">
+              <a:schemeClr val="tx1"/>
+            </a:fontRef>
+          </p:style>
+        </p:cxnSp>
+        <p:cxnSp>
+          <p:nvCxnSpPr>
+            <p:cNvPr id="101" name="直線矢印コネクタ 100"/>
+            <p:cNvCxnSpPr/>
+            <p:nvPr/>
+          </p:nvCxnSpPr>
+          <p:spPr>
+            <a:xfrm flipV="1">
+              <a:off x="5663923" y="1022342"/>
+              <a:ext cx="226811" cy="2627646"/>
+            </a:xfrm>
+            <a:prstGeom prst="straightConnector1">
+              <a:avLst/>
+            </a:prstGeom>
+            <a:ln w="76200" cmpd="sng">
+              <a:tailEnd type="triangle" w="lg" len="lg"/>
+            </a:ln>
+          </p:spPr>
+          <p:style>
+            <a:lnRef idx="1">
+              <a:schemeClr val="dk1"/>
+            </a:lnRef>
+            <a:fillRef idx="0">
+              <a:schemeClr val="dk1"/>
+            </a:fillRef>
+            <a:effectRef idx="0">
+              <a:schemeClr val="dk1"/>
+            </a:effectRef>
+            <a:fontRef idx="minor">
+              <a:schemeClr val="tx1"/>
+            </a:fontRef>
+          </p:style>
+        </p:cxnSp>
+        <p:cxnSp>
+          <p:nvCxnSpPr>
+            <p:cNvPr id="103" name="直線矢印コネクタ 102"/>
+            <p:cNvCxnSpPr/>
+            <p:nvPr/>
+          </p:nvCxnSpPr>
+          <p:spPr>
+            <a:xfrm flipV="1">
+              <a:off x="2921006" y="923129"/>
+              <a:ext cx="2583994" cy="2726859"/>
+            </a:xfrm>
+            <a:prstGeom prst="straightConnector1">
+              <a:avLst/>
+            </a:prstGeom>
+            <a:ln w="76200" cmpd="sng">
+              <a:tailEnd type="triangle" w="lg" len="lg"/>
+            </a:ln>
+          </p:spPr>
+          <p:style>
+            <a:lnRef idx="1">
+              <a:schemeClr val="dk1"/>
+            </a:lnRef>
+            <a:fillRef idx="0">
+              <a:schemeClr val="dk1"/>
+            </a:fillRef>
+            <a:effectRef idx="0">
+              <a:schemeClr val="dk1"/>
+            </a:effectRef>
+            <a:fontRef idx="minor">
+              <a:schemeClr val="tx1"/>
+            </a:fontRef>
+          </p:style>
+        </p:cxnSp>
+        <p:sp>
+          <p:nvSpPr>
+            <p:cNvPr id="110" name="楕円 109"/>
+            <p:cNvSpPr/>
+            <p:nvPr/>
+          </p:nvSpPr>
+          <p:spPr>
+            <a:xfrm>
+              <a:off x="6259475" y="337634"/>
+              <a:ext cx="1068997" cy="615677"/>
+            </a:xfrm>
+            <a:prstGeom prst="ellipse">
+              <a:avLst/>
+            </a:prstGeom>
+          </p:spPr>
+          <p:style>
+            <a:lnRef idx="1">
+              <a:schemeClr val="accent2"/>
+            </a:lnRef>
+            <a:fillRef idx="2">
+              <a:schemeClr val="accent2"/>
+            </a:fillRef>
+            <a:effectRef idx="1">
+              <a:schemeClr val="accent2"/>
+            </a:effectRef>
+            <a:fontRef idx="minor">
+              <a:schemeClr val="dk1"/>
+            </a:fontRef>
+          </p:style>
+          <p:txBody>
+            <a:bodyPr rtlCol="0" anchor="ctr"/>
+            <a:lstStyle/>
+            <a:p>
+              <a:pPr algn="ctr"/>
+              <a:r>
+                <a:rPr kumimoji="1" lang="ja-JP" altLang="en-US" dirty="0" smtClean="0">
+                  <a:ln w="0"/>
+                  <a:solidFill>
+                    <a:schemeClr val="tx1"/>
+                  </a:solidFill>
+                  <a:effectLst>
+                    <a:outerShdw blurRad="38100" dist="19050" dir="2700000" algn="tl" rotWithShape="0">
+                      <a:schemeClr val="dk1">
+                        <a:alpha val="40000"/>
+                      </a:schemeClr>
+                    </a:outerShdw>
+                  </a:effectLst>
+                </a:rPr>
+                <a:t>計算</a:t>
+              </a:r>
+              <a:endParaRPr kumimoji="1" lang="ja-JP" altLang="en-US" dirty="0">
+                <a:ln w="0"/>
+                <a:solidFill>
+                  <a:schemeClr val="tx1"/>
+                </a:solidFill>
+                <a:effectLst>
+                  <a:outerShdw blurRad="38100" dist="19050" dir="2700000" algn="tl" rotWithShape="0">
+                    <a:schemeClr val="dk1">
+                      <a:alpha val="40000"/>
+                    </a:schemeClr>
+                  </a:outerShdw>
+                </a:effectLst>
+              </a:endParaRPr>
+            </a:p>
+          </p:txBody>
+        </p:sp>
+        <p:cxnSp>
+          <p:nvCxnSpPr>
+            <p:cNvPr id="112" name="直線コネクタ 111"/>
+            <p:cNvCxnSpPr/>
+            <p:nvPr/>
+          </p:nvCxnSpPr>
+          <p:spPr>
+            <a:xfrm>
+              <a:off x="316992" y="4303776"/>
+              <a:ext cx="11362944" cy="0"/>
+            </a:xfrm>
+            <a:prstGeom prst="line">
+              <a:avLst/>
+            </a:prstGeom>
+          </p:spPr>
+          <p:style>
+            <a:lnRef idx="1">
+              <a:schemeClr val="dk1"/>
+            </a:lnRef>
+            <a:fillRef idx="0">
+              <a:schemeClr val="dk1"/>
+            </a:fillRef>
+            <a:effectRef idx="0">
+              <a:schemeClr val="dk1"/>
+            </a:effectRef>
+            <a:fontRef idx="minor">
+              <a:schemeClr val="tx1"/>
+            </a:fontRef>
+          </p:style>
+        </p:cxnSp>
+        <p:cxnSp>
+          <p:nvCxnSpPr>
+            <p:cNvPr id="113" name="直線コネクタ 112"/>
+            <p:cNvCxnSpPr/>
+            <p:nvPr/>
+          </p:nvCxnSpPr>
+          <p:spPr>
+            <a:xfrm>
+              <a:off x="609600" y="5815584"/>
+              <a:ext cx="10984992" cy="0"/>
+            </a:xfrm>
+            <a:prstGeom prst="line">
+              <a:avLst/>
+            </a:prstGeom>
+          </p:spPr>
+          <p:style>
+            <a:lnRef idx="1">
+              <a:schemeClr val="dk1"/>
+            </a:lnRef>
+            <a:fillRef idx="0">
+              <a:schemeClr val="dk1"/>
+            </a:fillRef>
+            <a:effectRef idx="0">
+              <a:schemeClr val="dk1"/>
+            </a:effectRef>
+            <a:fontRef idx="minor">
+              <a:schemeClr val="tx1"/>
+            </a:fontRef>
+          </p:style>
+        </p:cxnSp>
+        <p:sp>
+          <p:nvSpPr>
+            <p:cNvPr id="114" name="テキスト ボックス 113"/>
+            <p:cNvSpPr txBox="1"/>
+            <p:nvPr/>
+          </p:nvSpPr>
+          <p:spPr>
+            <a:xfrm>
+              <a:off x="316992" y="3979638"/>
+              <a:ext cx="2596896" cy="369332"/>
+            </a:xfrm>
+            <a:prstGeom prst="rect">
+              <a:avLst/>
+            </a:prstGeom>
+            <a:noFill/>
+          </p:spPr>
+          <p:txBody>
+            <a:bodyPr wrap="square" rtlCol="0">
+              <a:spAutoFit/>
+            </a:bodyPr>
+            <a:lstStyle/>
+            <a:p>
+              <a:r>
+                <a:rPr lang="ja-JP" altLang="en-US" dirty="0" smtClean="0"/>
+                <a:t>サービス有効</a:t>
+              </a:r>
+              <a:r>
+                <a:rPr lang="ja-JP" altLang="en-US" dirty="0"/>
+                <a:t>範囲</a:t>
+              </a:r>
+              <a:endParaRPr kumimoji="1" lang="ja-JP" altLang="en-US" dirty="0"/>
+            </a:p>
+          </p:txBody>
+        </p:sp>
+        <p:sp>
+          <p:nvSpPr>
+            <p:cNvPr id="115" name="テキスト ボックス 114"/>
+            <p:cNvSpPr txBox="1"/>
+            <p:nvPr/>
+          </p:nvSpPr>
+          <p:spPr>
+            <a:xfrm>
+              <a:off x="316992" y="5463488"/>
+              <a:ext cx="2596896" cy="369332"/>
+            </a:xfrm>
+            <a:prstGeom prst="rect">
+              <a:avLst/>
+            </a:prstGeom>
+            <a:noFill/>
+          </p:spPr>
+          <p:txBody>
+            <a:bodyPr wrap="square" rtlCol="0">
+              <a:spAutoFit/>
+            </a:bodyPr>
+            <a:lstStyle/>
+            <a:p>
+              <a:r>
+                <a:rPr lang="ja-JP" altLang="en-US" dirty="0" smtClean="0"/>
+                <a:t>サービス有効</a:t>
+              </a:r>
+              <a:r>
+                <a:rPr lang="ja-JP" altLang="en-US" dirty="0"/>
+                <a:t>範囲</a:t>
+              </a:r>
+              <a:endParaRPr kumimoji="1" lang="ja-JP" altLang="en-US" dirty="0"/>
+            </a:p>
+          </p:txBody>
+        </p:sp>
+        <p:grpSp>
+          <p:nvGrpSpPr>
+            <p:cNvPr id="116" name="グループ化 115"/>
+            <p:cNvGrpSpPr/>
+            <p:nvPr/>
+          </p:nvGrpSpPr>
+          <p:grpSpPr>
+            <a:xfrm>
+              <a:off x="2466845" y="4960375"/>
+              <a:ext cx="894086" cy="810016"/>
+              <a:chOff x="1332577" y="3645685"/>
+              <a:chExt cx="1670364" cy="1513301"/>
+            </a:xfrm>
+          </p:grpSpPr>
+          <p:pic>
+            <p:nvPicPr>
+              <p:cNvPr id="117" name="Picture 2" descr="サーバのイラスト（1台）"/>
+              <p:cNvPicPr>
+                <a:picLocks noChangeAspect="1" noChangeArrowheads="1"/>
+              </p:cNvPicPr>
+              <p:nvPr/>
+            </p:nvPicPr>
+            <p:blipFill>
+              <a:blip r:embed="rId4" cstate="print">
+                <a:extLst>
+                  <a:ext uri="{28A0092B-C50C-407E-A947-70E740481C1C}">
+                    <a14:useLocalDpi xmlns:a14="http://schemas.microsoft.com/office/drawing/2010/main" val="0"/>
+                  </a:ext>
+                </a:extLst>
+              </a:blip>
+              <a:srcRect/>
+              <a:stretch>
+                <a:fillRect/>
+              </a:stretch>
+            </p:blipFill>
+            <p:spPr bwMode="auto">
+              <a:xfrm>
+                <a:off x="1696870" y="3645685"/>
+                <a:ext cx="973178" cy="973178"/>
+              </a:xfrm>
+              <a:prstGeom prst="rect">
+                <a:avLst/>
+              </a:prstGeom>
+              <a:noFill/>
+              <a:extLst>
+                <a:ext uri="{909E8E84-426E-40DD-AFC4-6F175D3DCCD1}">
+                  <a14:hiddenFill xmlns:a14="http://schemas.microsoft.com/office/drawing/2010/main">
+                    <a:solidFill>
+                      <a:srgbClr val="FFFFFF"/>
+                    </a:solidFill>
+                  </a14:hiddenFill>
+                </a:ext>
+              </a:extLst>
+            </p:spPr>
+          </p:pic>
+          <p:pic>
+            <p:nvPicPr>
+              <p:cNvPr id="118" name="Picture 4" descr="ドーム形の防犯カメラのイラスト"/>
+              <p:cNvPicPr>
+                <a:picLocks noChangeAspect="1" noChangeArrowheads="1"/>
+              </p:cNvPicPr>
+              <p:nvPr/>
+            </p:nvPicPr>
+            <p:blipFill>
+              <a:blip r:embed="rId5" cstate="print">
+                <a:extLst>
+                  <a:ext uri="{28A0092B-C50C-407E-A947-70E740481C1C}">
+                    <a14:useLocalDpi xmlns:a14="http://schemas.microsoft.com/office/drawing/2010/main" val="0"/>
+                  </a:ext>
+                </a:extLst>
+              </a:blip>
+              <a:srcRect/>
+              <a:stretch>
+                <a:fillRect/>
+              </a:stretch>
+            </p:blipFill>
+            <p:spPr bwMode="auto">
+              <a:xfrm>
+                <a:off x="1332577" y="4222658"/>
+                <a:ext cx="936328" cy="936328"/>
+              </a:xfrm>
+              <a:prstGeom prst="rect">
+                <a:avLst/>
+              </a:prstGeom>
+              <a:noFill/>
+              <a:extLst>
+                <a:ext uri="{909E8E84-426E-40DD-AFC4-6F175D3DCCD1}">
+                  <a14:hiddenFill xmlns:a14="http://schemas.microsoft.com/office/drawing/2010/main">
+                    <a:solidFill>
+                      <a:srgbClr val="FFFFFF"/>
+                    </a:solidFill>
+                  </a14:hiddenFill>
+                </a:ext>
+              </a:extLst>
+            </p:spPr>
+          </p:pic>
+          <p:sp>
+            <p:nvSpPr>
+              <p:cNvPr id="119" name="楕円 118"/>
+              <p:cNvSpPr/>
+              <p:nvPr/>
+            </p:nvSpPr>
+            <p:spPr>
+              <a:xfrm>
+                <a:off x="1909726" y="4094046"/>
+                <a:ext cx="1093215" cy="628370"/>
+              </a:xfrm>
+              <a:prstGeom prst="ellipse">
+                <a:avLst/>
+              </a:prstGeom>
+            </p:spPr>
+            <p:style>
+              <a:lnRef idx="1">
+                <a:schemeClr val="accent4"/>
+              </a:lnRef>
+              <a:fillRef idx="2">
+                <a:schemeClr val="accent4"/>
+              </a:fillRef>
+              <a:effectRef idx="1">
+                <a:schemeClr val="accent4"/>
+              </a:effectRef>
+              <a:fontRef idx="minor">
+                <a:schemeClr val="dk1"/>
+              </a:fontRef>
+            </p:style>
+            <p:txBody>
+              <a:bodyPr rtlCol="0" anchor="ctr"/>
+              <a:lstStyle/>
+              <a:p>
+                <a:pPr algn="ctr"/>
+                <a:r>
+                  <a:rPr lang="en-US" altLang="ja-JP" sz="900" dirty="0"/>
+                  <a:t>VSS</a:t>
+                </a:r>
+                <a:endParaRPr kumimoji="1" lang="ja-JP" altLang="en-US" sz="2400" dirty="0"/>
+              </a:p>
+            </p:txBody>
+          </p:sp>
+        </p:grpSp>
+        <p:grpSp>
+          <p:nvGrpSpPr>
+            <p:cNvPr id="120" name="グループ化 119"/>
+            <p:cNvGrpSpPr/>
+            <p:nvPr/>
+          </p:nvGrpSpPr>
+          <p:grpSpPr>
+            <a:xfrm>
+              <a:off x="3917693" y="4960375"/>
+              <a:ext cx="894086" cy="810016"/>
+              <a:chOff x="1332577" y="3645685"/>
+              <a:chExt cx="1670364" cy="1513301"/>
+            </a:xfrm>
+          </p:grpSpPr>
+          <p:pic>
+            <p:nvPicPr>
+              <p:cNvPr id="121" name="Picture 2" descr="サーバのイラスト（1台）"/>
+              <p:cNvPicPr>
+                <a:picLocks noChangeAspect="1" noChangeArrowheads="1"/>
+              </p:cNvPicPr>
+              <p:nvPr/>
+            </p:nvPicPr>
+            <p:blipFill>
+              <a:blip r:embed="rId4" cstate="print">
+                <a:extLst>
+                  <a:ext uri="{28A0092B-C50C-407E-A947-70E740481C1C}">
+                    <a14:useLocalDpi xmlns:a14="http://schemas.microsoft.com/office/drawing/2010/main" val="0"/>
+                  </a:ext>
+                </a:extLst>
+              </a:blip>
+              <a:srcRect/>
+              <a:stretch>
+                <a:fillRect/>
+              </a:stretch>
+            </p:blipFill>
+            <p:spPr bwMode="auto">
+              <a:xfrm>
+                <a:off x="1696870" y="3645685"/>
+                <a:ext cx="973178" cy="973178"/>
+              </a:xfrm>
+              <a:prstGeom prst="rect">
+                <a:avLst/>
+              </a:prstGeom>
+              <a:noFill/>
+              <a:extLst>
+                <a:ext uri="{909E8E84-426E-40DD-AFC4-6F175D3DCCD1}">
+                  <a14:hiddenFill xmlns:a14="http://schemas.microsoft.com/office/drawing/2010/main">
+                    <a:solidFill>
+                      <a:srgbClr val="FFFFFF"/>
+                    </a:solidFill>
+                  </a14:hiddenFill>
+                </a:ext>
+              </a:extLst>
+            </p:spPr>
+          </p:pic>
+          <p:pic>
+            <p:nvPicPr>
+              <p:cNvPr id="122" name="Picture 4" descr="ドーム形の防犯カメラのイラスト"/>
+              <p:cNvPicPr>
+                <a:picLocks noChangeAspect="1" noChangeArrowheads="1"/>
+              </p:cNvPicPr>
+              <p:nvPr/>
+            </p:nvPicPr>
+            <p:blipFill>
+              <a:blip r:embed="rId5" cstate="print">
+                <a:extLst>
+                  <a:ext uri="{28A0092B-C50C-407E-A947-70E740481C1C}">
+                    <a14:useLocalDpi xmlns:a14="http://schemas.microsoft.com/office/drawing/2010/main" val="0"/>
+                  </a:ext>
+                </a:extLst>
+              </a:blip>
+              <a:srcRect/>
+              <a:stretch>
+                <a:fillRect/>
+              </a:stretch>
+            </p:blipFill>
+            <p:spPr bwMode="auto">
+              <a:xfrm>
+                <a:off x="1332577" y="4222658"/>
+                <a:ext cx="936328" cy="936328"/>
+              </a:xfrm>
+              <a:prstGeom prst="rect">
+                <a:avLst/>
+              </a:prstGeom>
+              <a:noFill/>
+              <a:extLst>
+                <a:ext uri="{909E8E84-426E-40DD-AFC4-6F175D3DCCD1}">
+                  <a14:hiddenFill xmlns:a14="http://schemas.microsoft.com/office/drawing/2010/main">
+                    <a:solidFill>
+                      <a:srgbClr val="FFFFFF"/>
+                    </a:solidFill>
+                  </a14:hiddenFill>
+                </a:ext>
+              </a:extLst>
+            </p:spPr>
+          </p:pic>
+          <p:sp>
+            <p:nvSpPr>
+              <p:cNvPr id="123" name="楕円 122"/>
+              <p:cNvSpPr/>
+              <p:nvPr/>
+            </p:nvSpPr>
+            <p:spPr>
+              <a:xfrm>
+                <a:off x="1909726" y="4094046"/>
+                <a:ext cx="1093215" cy="628370"/>
+              </a:xfrm>
+              <a:prstGeom prst="ellipse">
+                <a:avLst/>
+              </a:prstGeom>
+            </p:spPr>
+            <p:style>
+              <a:lnRef idx="1">
+                <a:schemeClr val="accent4"/>
+              </a:lnRef>
+              <a:fillRef idx="2">
+                <a:schemeClr val="accent4"/>
+              </a:fillRef>
+              <a:effectRef idx="1">
+                <a:schemeClr val="accent4"/>
+              </a:effectRef>
+              <a:fontRef idx="minor">
+                <a:schemeClr val="dk1"/>
+              </a:fontRef>
+            </p:style>
+            <p:txBody>
+              <a:bodyPr rtlCol="0" anchor="ctr"/>
+              <a:lstStyle/>
+              <a:p>
+                <a:pPr algn="ctr"/>
+                <a:r>
+                  <a:rPr lang="en-US" altLang="ja-JP" sz="900" dirty="0"/>
+                  <a:t>VSS</a:t>
+                </a:r>
+                <a:endParaRPr kumimoji="1" lang="ja-JP" altLang="en-US" sz="2400" dirty="0"/>
+              </a:p>
+            </p:txBody>
+          </p:sp>
+        </p:grpSp>
+        <p:grpSp>
+          <p:nvGrpSpPr>
+            <p:cNvPr id="124" name="グループ化 123"/>
+            <p:cNvGrpSpPr/>
+            <p:nvPr/>
+          </p:nvGrpSpPr>
+          <p:grpSpPr>
+            <a:xfrm>
+              <a:off x="5443721" y="4960375"/>
+              <a:ext cx="894086" cy="810016"/>
+              <a:chOff x="1332577" y="3645685"/>
+              <a:chExt cx="1670364" cy="1513301"/>
+            </a:xfrm>
+          </p:grpSpPr>
+          <p:pic>
+            <p:nvPicPr>
+              <p:cNvPr id="125" name="Picture 2" descr="サーバのイラスト（1台）"/>
+              <p:cNvPicPr>
+                <a:picLocks noChangeAspect="1" noChangeArrowheads="1"/>
+              </p:cNvPicPr>
+              <p:nvPr/>
+            </p:nvPicPr>
+            <p:blipFill>
+              <a:blip r:embed="rId4" cstate="print">
+                <a:extLst>
+                  <a:ext uri="{28A0092B-C50C-407E-A947-70E740481C1C}">
+                    <a14:useLocalDpi xmlns:a14="http://schemas.microsoft.com/office/drawing/2010/main" val="0"/>
+                  </a:ext>
+                </a:extLst>
+              </a:blip>
+              <a:srcRect/>
+              <a:stretch>
+                <a:fillRect/>
+              </a:stretch>
+            </p:blipFill>
+            <p:spPr bwMode="auto">
+              <a:xfrm>
+                <a:off x="1696870" y="3645685"/>
+                <a:ext cx="973178" cy="973178"/>
+              </a:xfrm>
+              <a:prstGeom prst="rect">
+                <a:avLst/>
+              </a:prstGeom>
+              <a:noFill/>
+              <a:extLst>
+                <a:ext uri="{909E8E84-426E-40DD-AFC4-6F175D3DCCD1}">
+                  <a14:hiddenFill xmlns:a14="http://schemas.microsoft.com/office/drawing/2010/main">
+                    <a:solidFill>
+                      <a:srgbClr val="FFFFFF"/>
+                    </a:solidFill>
+                  </a14:hiddenFill>
+                </a:ext>
+              </a:extLst>
+            </p:spPr>
+          </p:pic>
+          <p:pic>
+            <p:nvPicPr>
+              <p:cNvPr id="126" name="Picture 4" descr="ドーム形の防犯カメラのイラスト"/>
+              <p:cNvPicPr>
+                <a:picLocks noChangeAspect="1" noChangeArrowheads="1"/>
+              </p:cNvPicPr>
+              <p:nvPr/>
+            </p:nvPicPr>
+            <p:blipFill>
+              <a:blip r:embed="rId5" cstate="print">
+                <a:extLst>
+                  <a:ext uri="{28A0092B-C50C-407E-A947-70E740481C1C}">
+                    <a14:useLocalDpi xmlns:a14="http://schemas.microsoft.com/office/drawing/2010/main" val="0"/>
+                  </a:ext>
+                </a:extLst>
+              </a:blip>
+              <a:srcRect/>
+              <a:stretch>
+                <a:fillRect/>
+              </a:stretch>
+            </p:blipFill>
+            <p:spPr bwMode="auto">
+              <a:xfrm>
+                <a:off x="1332577" y="4222658"/>
+                <a:ext cx="936328" cy="936328"/>
+              </a:xfrm>
+              <a:prstGeom prst="rect">
+                <a:avLst/>
+              </a:prstGeom>
+              <a:noFill/>
+              <a:extLst>
+                <a:ext uri="{909E8E84-426E-40DD-AFC4-6F175D3DCCD1}">
+                  <a14:hiddenFill xmlns:a14="http://schemas.microsoft.com/office/drawing/2010/main">
+                    <a:solidFill>
+                      <a:srgbClr val="FFFFFF"/>
+                    </a:solidFill>
+                  </a14:hiddenFill>
+                </a:ext>
+              </a:extLst>
+            </p:spPr>
+          </p:pic>
+          <p:sp>
+            <p:nvSpPr>
+              <p:cNvPr id="127" name="楕円 126"/>
+              <p:cNvSpPr/>
+              <p:nvPr/>
+            </p:nvSpPr>
+            <p:spPr>
+              <a:xfrm>
+                <a:off x="1909726" y="4094046"/>
+                <a:ext cx="1093215" cy="628370"/>
+              </a:xfrm>
+              <a:prstGeom prst="ellipse">
+                <a:avLst/>
+              </a:prstGeom>
+            </p:spPr>
+            <p:style>
+              <a:lnRef idx="1">
+                <a:schemeClr val="accent4"/>
+              </a:lnRef>
+              <a:fillRef idx="2">
+                <a:schemeClr val="accent4"/>
+              </a:fillRef>
+              <a:effectRef idx="1">
+                <a:schemeClr val="accent4"/>
+              </a:effectRef>
+              <a:fontRef idx="minor">
+                <a:schemeClr val="dk1"/>
+              </a:fontRef>
+            </p:style>
+            <p:txBody>
+              <a:bodyPr rtlCol="0" anchor="ctr"/>
+              <a:lstStyle/>
+              <a:p>
+                <a:pPr algn="ctr"/>
+                <a:r>
+                  <a:rPr lang="en-US" altLang="ja-JP" sz="900" dirty="0"/>
+                  <a:t>VSS</a:t>
+                </a:r>
+                <a:endParaRPr kumimoji="1" lang="ja-JP" altLang="en-US" sz="2400" dirty="0"/>
+              </a:p>
+            </p:txBody>
+          </p:sp>
+        </p:grpSp>
+        <p:grpSp>
+          <p:nvGrpSpPr>
+            <p:cNvPr id="128" name="グループ化 127"/>
+            <p:cNvGrpSpPr/>
+            <p:nvPr/>
+          </p:nvGrpSpPr>
+          <p:grpSpPr>
+            <a:xfrm>
+              <a:off x="6589769" y="4960375"/>
+              <a:ext cx="894086" cy="810016"/>
+              <a:chOff x="1332577" y="3645685"/>
+              <a:chExt cx="1670364" cy="1513301"/>
+            </a:xfrm>
+          </p:grpSpPr>
+          <p:pic>
+            <p:nvPicPr>
+              <p:cNvPr id="129" name="Picture 2" descr="サーバのイラスト（1台）"/>
+              <p:cNvPicPr>
+                <a:picLocks noChangeAspect="1" noChangeArrowheads="1"/>
+              </p:cNvPicPr>
+              <p:nvPr/>
+            </p:nvPicPr>
+            <p:blipFill>
+              <a:blip r:embed="rId4" cstate="print">
+                <a:extLst>
+                  <a:ext uri="{28A0092B-C50C-407E-A947-70E740481C1C}">
+                    <a14:useLocalDpi xmlns:a14="http://schemas.microsoft.com/office/drawing/2010/main" val="0"/>
+                  </a:ext>
+                </a:extLst>
+              </a:blip>
+              <a:srcRect/>
+              <a:stretch>
+                <a:fillRect/>
+              </a:stretch>
+            </p:blipFill>
+            <p:spPr bwMode="auto">
+              <a:xfrm>
+                <a:off x="1696870" y="3645685"/>
+                <a:ext cx="973178" cy="973178"/>
+              </a:xfrm>
+              <a:prstGeom prst="rect">
+                <a:avLst/>
+              </a:prstGeom>
+              <a:noFill/>
+              <a:extLst>
+                <a:ext uri="{909E8E84-426E-40DD-AFC4-6F175D3DCCD1}">
+                  <a14:hiddenFill xmlns:a14="http://schemas.microsoft.com/office/drawing/2010/main">
+                    <a:solidFill>
+                      <a:srgbClr val="FFFFFF"/>
+                    </a:solidFill>
+                  </a14:hiddenFill>
+                </a:ext>
+              </a:extLst>
+            </p:spPr>
+          </p:pic>
+          <p:pic>
+            <p:nvPicPr>
+              <p:cNvPr id="130" name="Picture 4" descr="ドーム形の防犯カメラのイラスト"/>
+              <p:cNvPicPr>
+                <a:picLocks noChangeAspect="1" noChangeArrowheads="1"/>
+              </p:cNvPicPr>
+              <p:nvPr/>
+            </p:nvPicPr>
+            <p:blipFill>
+              <a:blip r:embed="rId5" cstate="print">
+                <a:extLst>
+                  <a:ext uri="{28A0092B-C50C-407E-A947-70E740481C1C}">
+                    <a14:useLocalDpi xmlns:a14="http://schemas.microsoft.com/office/drawing/2010/main" val="0"/>
+                  </a:ext>
+                </a:extLst>
+              </a:blip>
+              <a:srcRect/>
+              <a:stretch>
+                <a:fillRect/>
+              </a:stretch>
+            </p:blipFill>
+            <p:spPr bwMode="auto">
+              <a:xfrm>
+                <a:off x="1332577" y="4222658"/>
+                <a:ext cx="936328" cy="936328"/>
+              </a:xfrm>
+              <a:prstGeom prst="rect">
+                <a:avLst/>
+              </a:prstGeom>
+              <a:noFill/>
+              <a:extLst>
+                <a:ext uri="{909E8E84-426E-40DD-AFC4-6F175D3DCCD1}">
+                  <a14:hiddenFill xmlns:a14="http://schemas.microsoft.com/office/drawing/2010/main">
+                    <a:solidFill>
+                      <a:srgbClr val="FFFFFF"/>
+                    </a:solidFill>
+                  </a14:hiddenFill>
+                </a:ext>
+              </a:extLst>
+            </p:spPr>
+          </p:pic>
+          <p:sp>
+            <p:nvSpPr>
+              <p:cNvPr id="131" name="楕円 130"/>
+              <p:cNvSpPr/>
+              <p:nvPr/>
+            </p:nvSpPr>
+            <p:spPr>
+              <a:xfrm>
+                <a:off x="1909726" y="4094046"/>
+                <a:ext cx="1093215" cy="628370"/>
+              </a:xfrm>
+              <a:prstGeom prst="ellipse">
+                <a:avLst/>
+              </a:prstGeom>
+            </p:spPr>
+            <p:style>
+              <a:lnRef idx="1">
+                <a:schemeClr val="accent4"/>
+              </a:lnRef>
+              <a:fillRef idx="2">
+                <a:schemeClr val="accent4"/>
+              </a:fillRef>
+              <a:effectRef idx="1">
+                <a:schemeClr val="accent4"/>
+              </a:effectRef>
+              <a:fontRef idx="minor">
+                <a:schemeClr val="dk1"/>
+              </a:fontRef>
+            </p:style>
+            <p:txBody>
+              <a:bodyPr rtlCol="0" anchor="ctr"/>
+              <a:lstStyle/>
+              <a:p>
+                <a:pPr algn="ctr"/>
+                <a:r>
+                  <a:rPr lang="en-US" altLang="ja-JP" sz="900" dirty="0"/>
+                  <a:t>VSS</a:t>
+                </a:r>
+                <a:endParaRPr kumimoji="1" lang="ja-JP" altLang="en-US" sz="2400" dirty="0"/>
+              </a:p>
+            </p:txBody>
+          </p:sp>
+        </p:grpSp>
+        <p:grpSp>
+          <p:nvGrpSpPr>
+            <p:cNvPr id="132" name="グループ化 131"/>
+            <p:cNvGrpSpPr/>
+            <p:nvPr/>
+          </p:nvGrpSpPr>
+          <p:grpSpPr>
+            <a:xfrm>
+              <a:off x="7773157" y="4960375"/>
+              <a:ext cx="894086" cy="810016"/>
+              <a:chOff x="1332577" y="3645685"/>
+              <a:chExt cx="1670364" cy="1513301"/>
+            </a:xfrm>
+          </p:grpSpPr>
+          <p:pic>
+            <p:nvPicPr>
+              <p:cNvPr id="133" name="Picture 2" descr="サーバのイラスト（1台）"/>
+              <p:cNvPicPr>
+                <a:picLocks noChangeAspect="1" noChangeArrowheads="1"/>
+              </p:cNvPicPr>
+              <p:nvPr/>
+            </p:nvPicPr>
+            <p:blipFill>
+              <a:blip r:embed="rId4" cstate="print">
+                <a:extLst>
+                  <a:ext uri="{28A0092B-C50C-407E-A947-70E740481C1C}">
+                    <a14:useLocalDpi xmlns:a14="http://schemas.microsoft.com/office/drawing/2010/main" val="0"/>
+                  </a:ext>
+                </a:extLst>
+              </a:blip>
+              <a:srcRect/>
+              <a:stretch>
+                <a:fillRect/>
+              </a:stretch>
+            </p:blipFill>
+            <p:spPr bwMode="auto">
+              <a:xfrm>
+                <a:off x="1696870" y="3645685"/>
+                <a:ext cx="973178" cy="973178"/>
+              </a:xfrm>
+              <a:prstGeom prst="rect">
+                <a:avLst/>
+              </a:prstGeom>
+              <a:noFill/>
+              <a:extLst>
+                <a:ext uri="{909E8E84-426E-40DD-AFC4-6F175D3DCCD1}">
+                  <a14:hiddenFill xmlns:a14="http://schemas.microsoft.com/office/drawing/2010/main">
+                    <a:solidFill>
+                      <a:srgbClr val="FFFFFF"/>
+                    </a:solidFill>
+                  </a14:hiddenFill>
+                </a:ext>
+              </a:extLst>
+            </p:spPr>
+          </p:pic>
+          <p:pic>
+            <p:nvPicPr>
+              <p:cNvPr id="134" name="Picture 4" descr="ドーム形の防犯カメラのイラスト"/>
+              <p:cNvPicPr>
+                <a:picLocks noChangeAspect="1" noChangeArrowheads="1"/>
+              </p:cNvPicPr>
+              <p:nvPr/>
+            </p:nvPicPr>
+            <p:blipFill>
+              <a:blip r:embed="rId5" cstate="print">
+                <a:extLst>
+                  <a:ext uri="{28A0092B-C50C-407E-A947-70E740481C1C}">
+                    <a14:useLocalDpi xmlns:a14="http://schemas.microsoft.com/office/drawing/2010/main" val="0"/>
+                  </a:ext>
+                </a:extLst>
+              </a:blip>
+              <a:srcRect/>
+              <a:stretch>
+                <a:fillRect/>
+              </a:stretch>
+            </p:blipFill>
+            <p:spPr bwMode="auto">
+              <a:xfrm>
+                <a:off x="1332577" y="4222658"/>
+                <a:ext cx="936328" cy="936328"/>
+              </a:xfrm>
+              <a:prstGeom prst="rect">
+                <a:avLst/>
+              </a:prstGeom>
+              <a:noFill/>
+              <a:extLst>
+                <a:ext uri="{909E8E84-426E-40DD-AFC4-6F175D3DCCD1}">
+                  <a14:hiddenFill xmlns:a14="http://schemas.microsoft.com/office/drawing/2010/main">
+                    <a:solidFill>
+                      <a:srgbClr val="FFFFFF"/>
+                    </a:solidFill>
+                  </a14:hiddenFill>
+                </a:ext>
+              </a:extLst>
+            </p:spPr>
+          </p:pic>
+          <p:sp>
+            <p:nvSpPr>
+              <p:cNvPr id="135" name="楕円 134"/>
+              <p:cNvSpPr/>
+              <p:nvPr/>
+            </p:nvSpPr>
+            <p:spPr>
+              <a:xfrm>
+                <a:off x="1909726" y="4094046"/>
+                <a:ext cx="1093215" cy="628370"/>
+              </a:xfrm>
+              <a:prstGeom prst="ellipse">
+                <a:avLst/>
+              </a:prstGeom>
+            </p:spPr>
+            <p:style>
+              <a:lnRef idx="1">
+                <a:schemeClr val="accent4"/>
+              </a:lnRef>
+              <a:fillRef idx="2">
+                <a:schemeClr val="accent4"/>
+              </a:fillRef>
+              <a:effectRef idx="1">
+                <a:schemeClr val="accent4"/>
+              </a:effectRef>
+              <a:fontRef idx="minor">
+                <a:schemeClr val="dk1"/>
+              </a:fontRef>
+            </p:style>
+            <p:txBody>
+              <a:bodyPr rtlCol="0" anchor="ctr"/>
+              <a:lstStyle/>
+              <a:p>
+                <a:pPr algn="ctr"/>
+                <a:r>
+                  <a:rPr lang="en-US" altLang="ja-JP" sz="900" dirty="0"/>
+                  <a:t>VSS</a:t>
+                </a:r>
+                <a:endParaRPr kumimoji="1" lang="ja-JP" altLang="en-US" sz="2400" dirty="0"/>
+              </a:p>
+            </p:txBody>
+          </p:sp>
+        </p:grpSp>
+        <p:grpSp>
+          <p:nvGrpSpPr>
+            <p:cNvPr id="136" name="グループ化 135"/>
+            <p:cNvGrpSpPr/>
+            <p:nvPr/>
+          </p:nvGrpSpPr>
+          <p:grpSpPr>
+            <a:xfrm>
+              <a:off x="9028169" y="4960375"/>
+              <a:ext cx="894086" cy="810016"/>
+              <a:chOff x="1332577" y="3645685"/>
+              <a:chExt cx="1670364" cy="1513301"/>
+            </a:xfrm>
+          </p:grpSpPr>
+          <p:pic>
+            <p:nvPicPr>
+              <p:cNvPr id="137" name="Picture 2" descr="サーバのイラスト（1台）"/>
+              <p:cNvPicPr>
+                <a:picLocks noChangeAspect="1" noChangeArrowheads="1"/>
+              </p:cNvPicPr>
+              <p:nvPr/>
+            </p:nvPicPr>
+            <p:blipFill>
+              <a:blip r:embed="rId4" cstate="print">
+                <a:extLst>
+                  <a:ext uri="{28A0092B-C50C-407E-A947-70E740481C1C}">
+                    <a14:useLocalDpi xmlns:a14="http://schemas.microsoft.com/office/drawing/2010/main" val="0"/>
+                  </a:ext>
+                </a:extLst>
+              </a:blip>
+              <a:srcRect/>
+              <a:stretch>
+                <a:fillRect/>
+              </a:stretch>
+            </p:blipFill>
+            <p:spPr bwMode="auto">
+              <a:xfrm>
+                <a:off x="1696870" y="3645685"/>
+                <a:ext cx="973178" cy="973178"/>
+              </a:xfrm>
+              <a:prstGeom prst="rect">
+                <a:avLst/>
+              </a:prstGeom>
+              <a:noFill/>
+              <a:extLst>
+                <a:ext uri="{909E8E84-426E-40DD-AFC4-6F175D3DCCD1}">
+                  <a14:hiddenFill xmlns:a14="http://schemas.microsoft.com/office/drawing/2010/main">
+                    <a:solidFill>
+                      <a:srgbClr val="FFFFFF"/>
+                    </a:solidFill>
+                  </a14:hiddenFill>
+                </a:ext>
+              </a:extLst>
+            </p:spPr>
+          </p:pic>
+          <p:pic>
+            <p:nvPicPr>
+              <p:cNvPr id="138" name="Picture 4" descr="ドーム形の防犯カメラのイラスト"/>
+              <p:cNvPicPr>
+                <a:picLocks noChangeAspect="1" noChangeArrowheads="1"/>
+              </p:cNvPicPr>
+              <p:nvPr/>
+            </p:nvPicPr>
+            <p:blipFill>
+              <a:blip r:embed="rId5" cstate="print">
+                <a:extLst>
+                  <a:ext uri="{28A0092B-C50C-407E-A947-70E740481C1C}">
+                    <a14:useLocalDpi xmlns:a14="http://schemas.microsoft.com/office/drawing/2010/main" val="0"/>
+                  </a:ext>
+                </a:extLst>
+              </a:blip>
+              <a:srcRect/>
+              <a:stretch>
+                <a:fillRect/>
+              </a:stretch>
+            </p:blipFill>
+            <p:spPr bwMode="auto">
+              <a:xfrm>
+                <a:off x="1332577" y="4222658"/>
+                <a:ext cx="936328" cy="936328"/>
+              </a:xfrm>
+              <a:prstGeom prst="rect">
+                <a:avLst/>
+              </a:prstGeom>
+              <a:noFill/>
+              <a:extLst>
+                <a:ext uri="{909E8E84-426E-40DD-AFC4-6F175D3DCCD1}">
+                  <a14:hiddenFill xmlns:a14="http://schemas.microsoft.com/office/drawing/2010/main">
+                    <a:solidFill>
+                      <a:srgbClr val="FFFFFF"/>
+                    </a:solidFill>
+                  </a14:hiddenFill>
+                </a:ext>
+              </a:extLst>
+            </p:spPr>
+          </p:pic>
+          <p:sp>
+            <p:nvSpPr>
+              <p:cNvPr id="139" name="楕円 138"/>
+              <p:cNvSpPr/>
+              <p:nvPr/>
+            </p:nvSpPr>
+            <p:spPr>
+              <a:xfrm>
+                <a:off x="1909726" y="4094046"/>
+                <a:ext cx="1093215" cy="628370"/>
+              </a:xfrm>
+              <a:prstGeom prst="ellipse">
+                <a:avLst/>
+              </a:prstGeom>
+            </p:spPr>
+            <p:style>
+              <a:lnRef idx="1">
+                <a:schemeClr val="accent4"/>
+              </a:lnRef>
+              <a:fillRef idx="2">
+                <a:schemeClr val="accent4"/>
+              </a:fillRef>
+              <a:effectRef idx="1">
+                <a:schemeClr val="accent4"/>
+              </a:effectRef>
+              <a:fontRef idx="minor">
+                <a:schemeClr val="dk1"/>
+              </a:fontRef>
+            </p:style>
+            <p:txBody>
+              <a:bodyPr rtlCol="0" anchor="ctr"/>
+              <a:lstStyle/>
+              <a:p>
+                <a:pPr algn="ctr"/>
+                <a:r>
+                  <a:rPr lang="en-US" altLang="ja-JP" sz="900" dirty="0"/>
+                  <a:t>VSS</a:t>
+                </a:r>
+                <a:endParaRPr kumimoji="1" lang="ja-JP" altLang="en-US" sz="2400" dirty="0"/>
+              </a:p>
+            </p:txBody>
+          </p:sp>
+        </p:grpSp>
+        <p:grpSp>
+          <p:nvGrpSpPr>
+            <p:cNvPr id="140" name="グループ化 139"/>
+            <p:cNvGrpSpPr/>
+            <p:nvPr/>
+          </p:nvGrpSpPr>
+          <p:grpSpPr>
+            <a:xfrm>
+              <a:off x="9966953" y="4960375"/>
+              <a:ext cx="894086" cy="810016"/>
+              <a:chOff x="1332577" y="3645685"/>
+              <a:chExt cx="1670364" cy="1513301"/>
+            </a:xfrm>
+          </p:grpSpPr>
+          <p:pic>
+            <p:nvPicPr>
+              <p:cNvPr id="141" name="Picture 2" descr="サーバのイラスト（1台）"/>
+              <p:cNvPicPr>
+                <a:picLocks noChangeAspect="1" noChangeArrowheads="1"/>
+              </p:cNvPicPr>
+              <p:nvPr/>
+            </p:nvPicPr>
+            <p:blipFill>
+              <a:blip r:embed="rId4" cstate="print">
+                <a:extLst>
+                  <a:ext uri="{28A0092B-C50C-407E-A947-70E740481C1C}">
+                    <a14:useLocalDpi xmlns:a14="http://schemas.microsoft.com/office/drawing/2010/main" val="0"/>
+                  </a:ext>
+                </a:extLst>
+              </a:blip>
+              <a:srcRect/>
+              <a:stretch>
+                <a:fillRect/>
+              </a:stretch>
+            </p:blipFill>
+            <p:spPr bwMode="auto">
+              <a:xfrm>
+                <a:off x="1696870" y="3645685"/>
+                <a:ext cx="973178" cy="973178"/>
+              </a:xfrm>
+              <a:prstGeom prst="rect">
+                <a:avLst/>
+              </a:prstGeom>
+              <a:noFill/>
+              <a:extLst>
+                <a:ext uri="{909E8E84-426E-40DD-AFC4-6F175D3DCCD1}">
+                  <a14:hiddenFill xmlns:a14="http://schemas.microsoft.com/office/drawing/2010/main">
+                    <a:solidFill>
+                      <a:srgbClr val="FFFFFF"/>
+                    </a:solidFill>
+                  </a14:hiddenFill>
+                </a:ext>
+              </a:extLst>
+            </p:spPr>
+          </p:pic>
+          <p:pic>
+            <p:nvPicPr>
+              <p:cNvPr id="142" name="Picture 4" descr="ドーム形の防犯カメラのイラスト"/>
+              <p:cNvPicPr>
+                <a:picLocks noChangeAspect="1" noChangeArrowheads="1"/>
+              </p:cNvPicPr>
+              <p:nvPr/>
+            </p:nvPicPr>
+            <p:blipFill>
+              <a:blip r:embed="rId5" cstate="print">
+                <a:extLst>
+                  <a:ext uri="{28A0092B-C50C-407E-A947-70E740481C1C}">
+                    <a14:useLocalDpi xmlns:a14="http://schemas.microsoft.com/office/drawing/2010/main" val="0"/>
+                  </a:ext>
+                </a:extLst>
+              </a:blip>
+              <a:srcRect/>
+              <a:stretch>
+                <a:fillRect/>
+              </a:stretch>
+            </p:blipFill>
+            <p:spPr bwMode="auto">
+              <a:xfrm>
+                <a:off x="1332577" y="4222658"/>
+                <a:ext cx="936328" cy="936328"/>
+              </a:xfrm>
+              <a:prstGeom prst="rect">
+                <a:avLst/>
+              </a:prstGeom>
+              <a:noFill/>
+              <a:extLst>
+                <a:ext uri="{909E8E84-426E-40DD-AFC4-6F175D3DCCD1}">
+                  <a14:hiddenFill xmlns:a14="http://schemas.microsoft.com/office/drawing/2010/main">
+                    <a:solidFill>
+                      <a:srgbClr val="FFFFFF"/>
+                    </a:solidFill>
+                  </a14:hiddenFill>
+                </a:ext>
+              </a:extLst>
+            </p:spPr>
+          </p:pic>
+          <p:sp>
+            <p:nvSpPr>
+              <p:cNvPr id="143" name="楕円 142"/>
+              <p:cNvSpPr/>
+              <p:nvPr/>
+            </p:nvSpPr>
+            <p:spPr>
+              <a:xfrm>
+                <a:off x="1909726" y="4094046"/>
+                <a:ext cx="1093215" cy="628370"/>
+              </a:xfrm>
+              <a:prstGeom prst="ellipse">
+                <a:avLst/>
+              </a:prstGeom>
+            </p:spPr>
+            <p:style>
+              <a:lnRef idx="1">
+                <a:schemeClr val="accent4"/>
+              </a:lnRef>
+              <a:fillRef idx="2">
+                <a:schemeClr val="accent4"/>
+              </a:fillRef>
+              <a:effectRef idx="1">
+                <a:schemeClr val="accent4"/>
+              </a:effectRef>
+              <a:fontRef idx="minor">
+                <a:schemeClr val="dk1"/>
+              </a:fontRef>
+            </p:style>
+            <p:txBody>
+              <a:bodyPr rtlCol="0" anchor="ctr"/>
+              <a:lstStyle/>
+              <a:p>
+                <a:pPr algn="ctr"/>
+                <a:r>
+                  <a:rPr lang="en-US" altLang="ja-JP" sz="900" dirty="0"/>
+                  <a:t>VSS</a:t>
+                </a:r>
+                <a:endParaRPr kumimoji="1" lang="ja-JP" altLang="en-US" sz="2400" dirty="0"/>
+              </a:p>
+            </p:txBody>
+          </p:sp>
+        </p:grpSp>
+        <p:grpSp>
+          <p:nvGrpSpPr>
+            <p:cNvPr id="144" name="グループ化 143"/>
+            <p:cNvGrpSpPr/>
+            <p:nvPr/>
+          </p:nvGrpSpPr>
+          <p:grpSpPr>
+            <a:xfrm>
+              <a:off x="10883798" y="4960375"/>
+              <a:ext cx="894086" cy="810016"/>
+              <a:chOff x="1332577" y="3645685"/>
+              <a:chExt cx="1670364" cy="1513301"/>
+            </a:xfrm>
+          </p:grpSpPr>
+          <p:pic>
+            <p:nvPicPr>
+              <p:cNvPr id="145" name="Picture 2" descr="サーバのイラスト（1台）"/>
+              <p:cNvPicPr>
+                <a:picLocks noChangeAspect="1" noChangeArrowheads="1"/>
+              </p:cNvPicPr>
+              <p:nvPr/>
+            </p:nvPicPr>
+            <p:blipFill>
+              <a:blip r:embed="rId4" cstate="print">
+                <a:extLst>
+                  <a:ext uri="{28A0092B-C50C-407E-A947-70E740481C1C}">
+                    <a14:useLocalDpi xmlns:a14="http://schemas.microsoft.com/office/drawing/2010/main" val="0"/>
+                  </a:ext>
+                </a:extLst>
+              </a:blip>
+              <a:srcRect/>
+              <a:stretch>
+                <a:fillRect/>
+              </a:stretch>
+            </p:blipFill>
+            <p:spPr bwMode="auto">
+              <a:xfrm>
+                <a:off x="1696870" y="3645685"/>
+                <a:ext cx="973178" cy="973178"/>
+              </a:xfrm>
+              <a:prstGeom prst="rect">
+                <a:avLst/>
+              </a:prstGeom>
+              <a:noFill/>
+              <a:extLst>
+                <a:ext uri="{909E8E84-426E-40DD-AFC4-6F175D3DCCD1}">
+                  <a14:hiddenFill xmlns:a14="http://schemas.microsoft.com/office/drawing/2010/main">
+                    <a:solidFill>
+                      <a:srgbClr val="FFFFFF"/>
+                    </a:solidFill>
+                  </a14:hiddenFill>
+                </a:ext>
+              </a:extLst>
+            </p:spPr>
+          </p:pic>
+          <p:pic>
+            <p:nvPicPr>
+              <p:cNvPr id="146" name="Picture 4" descr="ドーム形の防犯カメラのイラスト"/>
+              <p:cNvPicPr>
+                <a:picLocks noChangeAspect="1" noChangeArrowheads="1"/>
+              </p:cNvPicPr>
+              <p:nvPr/>
+            </p:nvPicPr>
+            <p:blipFill>
+              <a:blip r:embed="rId5" cstate="print">
+                <a:extLst>
+                  <a:ext uri="{28A0092B-C50C-407E-A947-70E740481C1C}">
+                    <a14:useLocalDpi xmlns:a14="http://schemas.microsoft.com/office/drawing/2010/main" val="0"/>
+                  </a:ext>
+                </a:extLst>
+              </a:blip>
+              <a:srcRect/>
+              <a:stretch>
+                <a:fillRect/>
+              </a:stretch>
+            </p:blipFill>
+            <p:spPr bwMode="auto">
+              <a:xfrm>
+                <a:off x="1332577" y="4222658"/>
+                <a:ext cx="936328" cy="936328"/>
+              </a:xfrm>
+              <a:prstGeom prst="rect">
+                <a:avLst/>
+              </a:prstGeom>
+              <a:noFill/>
+              <a:extLst>
+                <a:ext uri="{909E8E84-426E-40DD-AFC4-6F175D3DCCD1}">
+                  <a14:hiddenFill xmlns:a14="http://schemas.microsoft.com/office/drawing/2010/main">
+                    <a:solidFill>
+                      <a:srgbClr val="FFFFFF"/>
+                    </a:solidFill>
+                  </a14:hiddenFill>
+                </a:ext>
+              </a:extLst>
+            </p:spPr>
+          </p:pic>
+          <p:sp>
+            <p:nvSpPr>
+              <p:cNvPr id="147" name="楕円 146"/>
+              <p:cNvSpPr/>
+              <p:nvPr/>
+            </p:nvSpPr>
+            <p:spPr>
+              <a:xfrm>
+                <a:off x="1909726" y="4094046"/>
+                <a:ext cx="1093215" cy="628370"/>
+              </a:xfrm>
+              <a:prstGeom prst="ellipse">
+                <a:avLst/>
+              </a:prstGeom>
+            </p:spPr>
+            <p:style>
+              <a:lnRef idx="1">
+                <a:schemeClr val="accent4"/>
+              </a:lnRef>
+              <a:fillRef idx="2">
+                <a:schemeClr val="accent4"/>
+              </a:fillRef>
+              <a:effectRef idx="1">
+                <a:schemeClr val="accent4"/>
+              </a:effectRef>
+              <a:fontRef idx="minor">
+                <a:schemeClr val="dk1"/>
+              </a:fontRef>
+            </p:style>
+            <p:txBody>
+              <a:bodyPr rtlCol="0" anchor="ctr"/>
+              <a:lstStyle/>
+              <a:p>
+                <a:pPr algn="ctr"/>
+                <a:r>
+                  <a:rPr lang="en-US" altLang="ja-JP" sz="900" dirty="0"/>
+                  <a:t>VSS</a:t>
+                </a:r>
+                <a:endParaRPr kumimoji="1" lang="ja-JP" altLang="en-US" sz="2400" dirty="0"/>
+              </a:p>
+            </p:txBody>
+          </p:sp>
+        </p:grpSp>
         <p:pic>
           <p:nvPicPr>
-            <p:cNvPr id="45" name="Picture 8" descr="サーバのイラスト（1台）"/>
+            <p:cNvPr id="148" name="Picture 2" descr="Wi-Fi無線ルーターのイラスト"/>
             <p:cNvPicPr>
               <a:picLocks noChangeAspect="1" noChangeArrowheads="1"/>
             </p:cNvPicPr>
             <p:nvPr/>
           </p:nvPicPr>
           <p:blipFill>
-            <a:blip r:embed="rId2" cstate="print">
+            <a:blip r:embed="rId6" cstate="print">
               <a:extLst>
                 <a:ext uri="{28A0092B-C50C-407E-A947-70E740481C1C}">
                   <a14:useLocalDpi xmlns:a14="http://schemas.microsoft.com/office/drawing/2010/main" val="0"/>
@@ -16389,8 +17955,8 @@
           </p:blipFill>
           <p:spPr bwMode="auto">
             <a:xfrm>
-              <a:off x="6387042" y="2150072"/>
-              <a:ext cx="1714500" cy="1714500"/>
+              <a:off x="2483652" y="3574662"/>
+              <a:ext cx="699093" cy="699093"/>
             </a:xfrm>
             <a:prstGeom prst="rect">
               <a:avLst/>
@@ -16409,427 +17975,14 @@
         </p:pic>
         <p:pic>
           <p:nvPicPr>
-            <p:cNvPr id="46" name="Picture 6" descr="雲のイラスト"/>
-            <p:cNvPicPr>
-              <a:picLocks noChangeAspect="1" noChangeArrowheads="1"/>
-            </p:cNvPicPr>
-            <p:nvPr/>
-          </p:nvPicPr>
-          <p:blipFill rotWithShape="1">
-            <a:blip r:embed="rId3">
-              <a:extLst>
-                <a:ext uri="{28A0092B-C50C-407E-A947-70E740481C1C}">
-                  <a14:useLocalDpi xmlns:a14="http://schemas.microsoft.com/office/drawing/2010/main" val="0"/>
-                </a:ext>
-              </a:extLst>
-            </a:blip>
-            <a:srcRect b="57768"/>
-            <a:stretch/>
-          </p:blipFill>
-          <p:spPr bwMode="auto">
-            <a:xfrm>
-              <a:off x="5712354" y="2871327"/>
-              <a:ext cx="4050771" cy="1710725"/>
-            </a:xfrm>
-            <a:prstGeom prst="rect">
-              <a:avLst/>
-            </a:prstGeom>
-            <a:noFill/>
-            <a:extLst>
-              <a:ext uri="{909E8E84-426E-40DD-AFC4-6F175D3DCCD1}">
-                <a14:hiddenFill xmlns:a14="http://schemas.microsoft.com/office/drawing/2010/main">
-                  <a:solidFill>
-                    <a:srgbClr val="FFFFFF"/>
-                  </a:solidFill>
-                </a14:hiddenFill>
-              </a:ext>
-            </a:extLst>
-          </p:spPr>
-        </p:pic>
-      </p:grpSp>
-      <p:cxnSp>
-        <p:nvCxnSpPr>
-          <p:cNvPr id="95" name="直線矢印コネクタ 94"/>
-          <p:cNvCxnSpPr/>
-          <p:nvPr/>
-        </p:nvCxnSpPr>
-        <p:spPr>
-          <a:xfrm flipH="1" flipV="1">
-            <a:off x="6373668" y="1022342"/>
-            <a:ext cx="4962355" cy="2627646"/>
-          </a:xfrm>
-          <a:prstGeom prst="straightConnector1">
-            <a:avLst/>
-          </a:prstGeom>
-          <a:ln w="76200" cmpd="sng">
-            <a:tailEnd type="triangle" w="lg" len="lg"/>
-          </a:ln>
-        </p:spPr>
-        <p:style>
-          <a:lnRef idx="1">
-            <a:schemeClr val="dk1"/>
-          </a:lnRef>
-          <a:fillRef idx="0">
-            <a:schemeClr val="dk1"/>
-          </a:fillRef>
-          <a:effectRef idx="0">
-            <a:schemeClr val="dk1"/>
-          </a:effectRef>
-          <a:fontRef idx="minor">
-            <a:schemeClr val="tx1"/>
-          </a:fontRef>
-        </p:style>
-      </p:cxnSp>
-      <p:cxnSp>
-        <p:nvCxnSpPr>
-          <p:cNvPr id="98" name="直線矢印コネクタ 97"/>
-          <p:cNvCxnSpPr/>
-          <p:nvPr/>
-        </p:nvCxnSpPr>
-        <p:spPr>
-          <a:xfrm flipH="1" flipV="1">
-            <a:off x="6337807" y="1170255"/>
-            <a:ext cx="2983731" cy="2479733"/>
-          </a:xfrm>
-          <a:prstGeom prst="straightConnector1">
-            <a:avLst/>
-          </a:prstGeom>
-          <a:ln w="76200" cmpd="sng">
-            <a:tailEnd type="triangle" w="lg" len="lg"/>
-          </a:ln>
-        </p:spPr>
-        <p:style>
-          <a:lnRef idx="1">
-            <a:schemeClr val="dk1"/>
-          </a:lnRef>
-          <a:fillRef idx="0">
-            <a:schemeClr val="dk1"/>
-          </a:fillRef>
-          <a:effectRef idx="0">
-            <a:schemeClr val="dk1"/>
-          </a:effectRef>
-          <a:fontRef idx="minor">
-            <a:schemeClr val="tx1"/>
-          </a:fontRef>
-        </p:style>
-      </p:cxnSp>
-      <p:cxnSp>
-        <p:nvCxnSpPr>
-          <p:cNvPr id="99" name="直線矢印コネクタ 98"/>
-          <p:cNvCxnSpPr/>
-          <p:nvPr/>
-        </p:nvCxnSpPr>
-        <p:spPr>
-          <a:xfrm flipH="1" flipV="1">
-            <a:off x="6159621" y="1022342"/>
-            <a:ext cx="1826558" cy="2627646"/>
-          </a:xfrm>
-          <a:prstGeom prst="straightConnector1">
-            <a:avLst/>
-          </a:prstGeom>
-          <a:ln w="76200" cmpd="sng">
-            <a:tailEnd type="triangle" w="lg" len="lg"/>
-          </a:ln>
-        </p:spPr>
-        <p:style>
-          <a:lnRef idx="1">
-            <a:schemeClr val="dk1"/>
-          </a:lnRef>
-          <a:fillRef idx="0">
-            <a:schemeClr val="dk1"/>
-          </a:fillRef>
-          <a:effectRef idx="0">
-            <a:schemeClr val="dk1"/>
-          </a:effectRef>
-          <a:fontRef idx="minor">
-            <a:schemeClr val="tx1"/>
-          </a:fontRef>
-        </p:style>
-      </p:cxnSp>
-      <p:cxnSp>
-        <p:nvCxnSpPr>
-          <p:cNvPr id="101" name="直線矢印コネクタ 100"/>
-          <p:cNvCxnSpPr/>
-          <p:nvPr/>
-        </p:nvCxnSpPr>
-        <p:spPr>
-          <a:xfrm flipV="1">
-            <a:off x="5663923" y="1022342"/>
-            <a:ext cx="226811" cy="2627646"/>
-          </a:xfrm>
-          <a:prstGeom prst="straightConnector1">
-            <a:avLst/>
-          </a:prstGeom>
-          <a:ln w="76200" cmpd="sng">
-            <a:tailEnd type="triangle" w="lg" len="lg"/>
-          </a:ln>
-        </p:spPr>
-        <p:style>
-          <a:lnRef idx="1">
-            <a:schemeClr val="dk1"/>
-          </a:lnRef>
-          <a:fillRef idx="0">
-            <a:schemeClr val="dk1"/>
-          </a:fillRef>
-          <a:effectRef idx="0">
-            <a:schemeClr val="dk1"/>
-          </a:effectRef>
-          <a:fontRef idx="minor">
-            <a:schemeClr val="tx1"/>
-          </a:fontRef>
-        </p:style>
-      </p:cxnSp>
-      <p:cxnSp>
-        <p:nvCxnSpPr>
-          <p:cNvPr id="103" name="直線矢印コネクタ 102"/>
-          <p:cNvCxnSpPr/>
-          <p:nvPr/>
-        </p:nvCxnSpPr>
-        <p:spPr>
-          <a:xfrm flipV="1">
-            <a:off x="2921006" y="923129"/>
-            <a:ext cx="2583994" cy="2726859"/>
-          </a:xfrm>
-          <a:prstGeom prst="straightConnector1">
-            <a:avLst/>
-          </a:prstGeom>
-          <a:ln w="76200" cmpd="sng">
-            <a:tailEnd type="triangle" w="lg" len="lg"/>
-          </a:ln>
-        </p:spPr>
-        <p:style>
-          <a:lnRef idx="1">
-            <a:schemeClr val="dk1"/>
-          </a:lnRef>
-          <a:fillRef idx="0">
-            <a:schemeClr val="dk1"/>
-          </a:fillRef>
-          <a:effectRef idx="0">
-            <a:schemeClr val="dk1"/>
-          </a:effectRef>
-          <a:fontRef idx="minor">
-            <a:schemeClr val="tx1"/>
-          </a:fontRef>
-        </p:style>
-      </p:cxnSp>
-      <p:sp>
-        <p:nvSpPr>
-          <p:cNvPr id="110" name="楕円 109"/>
-          <p:cNvSpPr/>
-          <p:nvPr/>
-        </p:nvSpPr>
-        <p:spPr>
-          <a:xfrm>
-            <a:off x="6259475" y="337634"/>
-            <a:ext cx="1068997" cy="615677"/>
-          </a:xfrm>
-          <a:prstGeom prst="ellipse">
-            <a:avLst/>
-          </a:prstGeom>
-        </p:spPr>
-        <p:style>
-          <a:lnRef idx="1">
-            <a:schemeClr val="accent2"/>
-          </a:lnRef>
-          <a:fillRef idx="2">
-            <a:schemeClr val="accent2"/>
-          </a:fillRef>
-          <a:effectRef idx="1">
-            <a:schemeClr val="accent2"/>
-          </a:effectRef>
-          <a:fontRef idx="minor">
-            <a:schemeClr val="dk1"/>
-          </a:fontRef>
-        </p:style>
-        <p:txBody>
-          <a:bodyPr rtlCol="0" anchor="ctr"/>
-          <a:lstStyle/>
-          <a:p>
-            <a:pPr algn="ctr"/>
-            <a:r>
-              <a:rPr kumimoji="1" lang="ja-JP" altLang="en-US" dirty="0" smtClean="0">
-                <a:ln w="0"/>
-                <a:solidFill>
-                  <a:schemeClr val="tx1"/>
-                </a:solidFill>
-                <a:effectLst>
-                  <a:outerShdw blurRad="38100" dist="19050" dir="2700000" algn="tl" rotWithShape="0">
-                    <a:schemeClr val="dk1">
-                      <a:alpha val="40000"/>
-                    </a:schemeClr>
-                  </a:outerShdw>
-                </a:effectLst>
-              </a:rPr>
-              <a:t>計算</a:t>
-            </a:r>
-            <a:endParaRPr kumimoji="1" lang="ja-JP" altLang="en-US" dirty="0">
-              <a:ln w="0"/>
-              <a:solidFill>
-                <a:schemeClr val="tx1"/>
-              </a:solidFill>
-              <a:effectLst>
-                <a:outerShdw blurRad="38100" dist="19050" dir="2700000" algn="tl" rotWithShape="0">
-                  <a:schemeClr val="dk1">
-                    <a:alpha val="40000"/>
-                  </a:schemeClr>
-                </a:outerShdw>
-              </a:effectLst>
-            </a:endParaRPr>
-          </a:p>
-        </p:txBody>
-      </p:sp>
-      <p:cxnSp>
-        <p:nvCxnSpPr>
-          <p:cNvPr id="112" name="直線コネクタ 111"/>
-          <p:cNvCxnSpPr/>
-          <p:nvPr/>
-        </p:nvCxnSpPr>
-        <p:spPr>
-          <a:xfrm>
-            <a:off x="316992" y="4303776"/>
-            <a:ext cx="11362944" cy="0"/>
-          </a:xfrm>
-          <a:prstGeom prst="line">
-            <a:avLst/>
-          </a:prstGeom>
-        </p:spPr>
-        <p:style>
-          <a:lnRef idx="1">
-            <a:schemeClr val="dk1"/>
-          </a:lnRef>
-          <a:fillRef idx="0">
-            <a:schemeClr val="dk1"/>
-          </a:fillRef>
-          <a:effectRef idx="0">
-            <a:schemeClr val="dk1"/>
-          </a:effectRef>
-          <a:fontRef idx="minor">
-            <a:schemeClr val="tx1"/>
-          </a:fontRef>
-        </p:style>
-      </p:cxnSp>
-      <p:cxnSp>
-        <p:nvCxnSpPr>
-          <p:cNvPr id="113" name="直線コネクタ 112"/>
-          <p:cNvCxnSpPr/>
-          <p:nvPr/>
-        </p:nvCxnSpPr>
-        <p:spPr>
-          <a:xfrm>
-            <a:off x="609600" y="5815584"/>
-            <a:ext cx="10984992" cy="0"/>
-          </a:xfrm>
-          <a:prstGeom prst="line">
-            <a:avLst/>
-          </a:prstGeom>
-        </p:spPr>
-        <p:style>
-          <a:lnRef idx="1">
-            <a:schemeClr val="dk1"/>
-          </a:lnRef>
-          <a:fillRef idx="0">
-            <a:schemeClr val="dk1"/>
-          </a:fillRef>
-          <a:effectRef idx="0">
-            <a:schemeClr val="dk1"/>
-          </a:effectRef>
-          <a:fontRef idx="minor">
-            <a:schemeClr val="tx1"/>
-          </a:fontRef>
-        </p:style>
-      </p:cxnSp>
-      <p:sp>
-        <p:nvSpPr>
-          <p:cNvPr id="114" name="テキスト ボックス 113"/>
-          <p:cNvSpPr txBox="1"/>
-          <p:nvPr/>
-        </p:nvSpPr>
-        <p:spPr>
-          <a:xfrm>
-            <a:off x="316992" y="3979638"/>
-            <a:ext cx="2596896" cy="369332"/>
-          </a:xfrm>
-          <a:prstGeom prst="rect">
-            <a:avLst/>
-          </a:prstGeom>
-          <a:noFill/>
-        </p:spPr>
-        <p:txBody>
-          <a:bodyPr wrap="square" rtlCol="0">
-            <a:spAutoFit/>
-          </a:bodyPr>
-          <a:lstStyle/>
-          <a:p>
-            <a:r>
-              <a:rPr lang="ja-JP" altLang="en-US" dirty="0" smtClean="0"/>
-              <a:t>サービス有効</a:t>
-            </a:r>
-            <a:r>
-              <a:rPr lang="ja-JP" altLang="en-US" dirty="0"/>
-              <a:t>範囲</a:t>
-            </a:r>
-            <a:endParaRPr kumimoji="1" lang="ja-JP" altLang="en-US" dirty="0"/>
-          </a:p>
-        </p:txBody>
-      </p:sp>
-      <p:sp>
-        <p:nvSpPr>
-          <p:cNvPr id="115" name="テキスト ボックス 114"/>
-          <p:cNvSpPr txBox="1"/>
-          <p:nvPr/>
-        </p:nvSpPr>
-        <p:spPr>
-          <a:xfrm>
-            <a:off x="316992" y="5463488"/>
-            <a:ext cx="2596896" cy="369332"/>
-          </a:xfrm>
-          <a:prstGeom prst="rect">
-            <a:avLst/>
-          </a:prstGeom>
-          <a:noFill/>
-        </p:spPr>
-        <p:txBody>
-          <a:bodyPr wrap="square" rtlCol="0">
-            <a:spAutoFit/>
-          </a:bodyPr>
-          <a:lstStyle/>
-          <a:p>
-            <a:r>
-              <a:rPr lang="ja-JP" altLang="en-US" dirty="0" smtClean="0"/>
-              <a:t>サービス有効</a:t>
-            </a:r>
-            <a:r>
-              <a:rPr lang="ja-JP" altLang="en-US" dirty="0"/>
-              <a:t>範囲</a:t>
-            </a:r>
-            <a:endParaRPr kumimoji="1" lang="ja-JP" altLang="en-US" dirty="0"/>
-          </a:p>
-        </p:txBody>
-      </p:sp>
-      <p:grpSp>
-        <p:nvGrpSpPr>
-          <p:cNvPr id="116" name="グループ化 115"/>
-          <p:cNvGrpSpPr/>
-          <p:nvPr/>
-        </p:nvGrpSpPr>
-        <p:grpSpPr>
-          <a:xfrm>
-            <a:off x="2466845" y="4960375"/>
-            <a:ext cx="894086" cy="810016"/>
-            <a:chOff x="1332577" y="3645685"/>
-            <a:chExt cx="1670364" cy="1513301"/>
-          </a:xfrm>
-        </p:grpSpPr>
-        <p:pic>
-          <p:nvPicPr>
-            <p:cNvPr id="117" name="Picture 2" descr="サーバのイラスト（1台）"/>
+            <p:cNvPr id="149" name="Picture 2" descr="Wi-Fi無線ルーターのイラスト"/>
             <p:cNvPicPr>
               <a:picLocks noChangeAspect="1" noChangeArrowheads="1"/>
             </p:cNvPicPr>
             <p:nvPr/>
           </p:nvPicPr>
           <p:blipFill>
-            <a:blip r:embed="rId4" cstate="print">
+            <a:blip r:embed="rId6" cstate="print">
               <a:extLst>
                 <a:ext uri="{28A0092B-C50C-407E-A947-70E740481C1C}">
                   <a14:useLocalDpi xmlns:a14="http://schemas.microsoft.com/office/drawing/2010/main" val="0"/>
@@ -16843,8 +17996,8 @@
           </p:blipFill>
           <p:spPr bwMode="auto">
             <a:xfrm>
-              <a:off x="1696870" y="3645685"/>
-              <a:ext cx="973178" cy="973178"/>
+              <a:off x="5399638" y="3574662"/>
+              <a:ext cx="699093" cy="699093"/>
             </a:xfrm>
             <a:prstGeom prst="rect">
               <a:avLst/>
@@ -16863,14 +18016,14 @@
         </p:pic>
         <p:pic>
           <p:nvPicPr>
-            <p:cNvPr id="118" name="Picture 4" descr="ドーム形の防犯カメラのイラスト"/>
+            <p:cNvPr id="150" name="Picture 2" descr="Wi-Fi無線ルーターのイラスト"/>
             <p:cNvPicPr>
               <a:picLocks noChangeAspect="1" noChangeArrowheads="1"/>
             </p:cNvPicPr>
             <p:nvPr/>
           </p:nvPicPr>
           <p:blipFill>
-            <a:blip r:embed="rId5" cstate="print">
+            <a:blip r:embed="rId6" cstate="print">
               <a:extLst>
                 <a:ext uri="{28A0092B-C50C-407E-A947-70E740481C1C}">
                   <a14:useLocalDpi xmlns:a14="http://schemas.microsoft.com/office/drawing/2010/main" val="0"/>
@@ -16884,8 +18037,90 @@
           </p:blipFill>
           <p:spPr bwMode="auto">
             <a:xfrm>
-              <a:off x="1332577" y="4222658"/>
-              <a:ext cx="936328" cy="936328"/>
+              <a:off x="7676218" y="3574662"/>
+              <a:ext cx="699093" cy="699093"/>
+            </a:xfrm>
+            <a:prstGeom prst="rect">
+              <a:avLst/>
+            </a:prstGeom>
+            <a:noFill/>
+            <a:extLst>
+              <a:ext uri="{909E8E84-426E-40DD-AFC4-6F175D3DCCD1}">
+                <a14:hiddenFill xmlns:a14="http://schemas.microsoft.com/office/drawing/2010/main">
+                  <a:solidFill>
+                    <a:srgbClr val="FFFFFF"/>
+                  </a:solidFill>
+                </a14:hiddenFill>
+              </a:ext>
+            </a:extLst>
+          </p:spPr>
+        </p:pic>
+        <p:pic>
+          <p:nvPicPr>
+            <p:cNvPr id="151" name="Picture 2" descr="Wi-Fi無線ルーターのイラスト"/>
+            <p:cNvPicPr>
+              <a:picLocks noChangeAspect="1" noChangeArrowheads="1"/>
+            </p:cNvPicPr>
+            <p:nvPr/>
+          </p:nvPicPr>
+          <p:blipFill>
+            <a:blip r:embed="rId6" cstate="print">
+              <a:extLst>
+                <a:ext uri="{28A0092B-C50C-407E-A947-70E740481C1C}">
+                  <a14:useLocalDpi xmlns:a14="http://schemas.microsoft.com/office/drawing/2010/main" val="0"/>
+                </a:ext>
+              </a:extLst>
+            </a:blip>
+            <a:srcRect/>
+            <a:stretch>
+              <a:fillRect/>
+            </a:stretch>
+          </p:blipFill>
+          <p:spPr bwMode="auto">
+            <a:xfrm>
+              <a:off x="9044976" y="3574662"/>
+              <a:ext cx="699093" cy="699093"/>
+            </a:xfrm>
+            <a:prstGeom prst="rect">
+              <a:avLst/>
+            </a:prstGeom>
+            <a:noFill/>
+            <a:extLst>
+              <a:ext uri="{909E8E84-426E-40DD-AFC4-6F175D3DCCD1}">
+                <a14:hiddenFill xmlns:a14="http://schemas.microsoft.com/office/drawing/2010/main">
+                  <a:solidFill>
+                    <a:srgbClr val="FFFFFF"/>
+                  </a:solidFill>
+                </a14:hiddenFill>
+              </a:ext>
+            </a:extLst>
+          </p:spPr>
+        </p:pic>
+        <p:pic>
+          <p:nvPicPr>
+            <p:cNvPr id="152" name="Picture 2" descr="Wi-Fi無線ルーターのイラスト"/>
+            <p:cNvPicPr>
+              <a:picLocks noChangeAspect="1" noChangeArrowheads="1"/>
+            </p:cNvPicPr>
+            <p:nvPr/>
+          </p:nvPicPr>
+          <p:blipFill>
+            <a:blip r:embed="rId6" cstate="print">
+              <a:extLst>
+                <a:ext uri="{28A0092B-C50C-407E-A947-70E740481C1C}">
+                  <a14:useLocalDpi xmlns:a14="http://schemas.microsoft.com/office/drawing/2010/main" val="0"/>
+                </a:ext>
+              </a:extLst>
+            </a:blip>
+            <a:srcRect/>
+            <a:stretch>
+              <a:fillRect/>
+            </a:stretch>
+          </p:blipFill>
+          <p:spPr bwMode="auto">
+            <a:xfrm>
+              <a:off x="10993035" y="3574662"/>
+              <a:ext cx="699093" cy="699093"/>
             </a:xfrm>
             <a:prstGeom prst="rect">
               <a:avLst/>
@@ -16904,1527 +18139,307 @@
         </p:pic>
         <p:sp>
           <p:nvSpPr>
-            <p:cNvPr id="119" name="楕円 118"/>
-            <p:cNvSpPr/>
+            <p:cNvPr id="153" name="テキスト ボックス 152"/>
+            <p:cNvSpPr txBox="1"/>
             <p:nvPr/>
           </p:nvSpPr>
           <p:spPr>
             <a:xfrm>
-              <a:off x="1909726" y="4094046"/>
-              <a:ext cx="1093215" cy="628370"/>
-            </a:xfrm>
-            <a:prstGeom prst="ellipse">
-              <a:avLst/>
-            </a:prstGeom>
-          </p:spPr>
-          <p:style>
-            <a:lnRef idx="1">
-              <a:schemeClr val="accent4"/>
-            </a:lnRef>
-            <a:fillRef idx="2">
-              <a:schemeClr val="accent4"/>
-            </a:fillRef>
-            <a:effectRef idx="1">
-              <a:schemeClr val="accent4"/>
-            </a:effectRef>
-            <a:fontRef idx="minor">
-              <a:schemeClr val="dk1"/>
-            </a:fontRef>
-          </p:style>
-          <p:txBody>
-            <a:bodyPr rtlCol="0" anchor="ctr"/>
-            <a:lstStyle/>
-            <a:p>
-              <a:pPr algn="ctr"/>
-              <a:r>
-                <a:rPr lang="en-US" altLang="ja-JP" sz="900" dirty="0"/>
-                <a:t>VSS</a:t>
-              </a:r>
-              <a:endParaRPr kumimoji="1" lang="ja-JP" altLang="en-US" sz="2400" dirty="0"/>
-            </a:p>
-          </p:txBody>
-        </p:sp>
-      </p:grpSp>
-      <p:grpSp>
-        <p:nvGrpSpPr>
-          <p:cNvPr id="120" name="グループ化 119"/>
-          <p:cNvGrpSpPr/>
-          <p:nvPr/>
-        </p:nvGrpSpPr>
-        <p:grpSpPr>
-          <a:xfrm>
-            <a:off x="3917693" y="4960375"/>
-            <a:ext cx="894086" cy="810016"/>
-            <a:chOff x="1332577" y="3645685"/>
-            <a:chExt cx="1670364" cy="1513301"/>
-          </a:xfrm>
-        </p:grpSpPr>
-        <p:pic>
-          <p:nvPicPr>
-            <p:cNvPr id="121" name="Picture 2" descr="サーバのイラスト（1台）"/>
-            <p:cNvPicPr>
-              <a:picLocks noChangeAspect="1" noChangeArrowheads="1"/>
-            </p:cNvPicPr>
-            <p:nvPr/>
-          </p:nvPicPr>
-          <p:blipFill>
-            <a:blip r:embed="rId4" cstate="print">
-              <a:extLst>
-                <a:ext uri="{28A0092B-C50C-407E-A947-70E740481C1C}">
-                  <a14:useLocalDpi xmlns:a14="http://schemas.microsoft.com/office/drawing/2010/main" val="0"/>
-                </a:ext>
-              </a:extLst>
-            </a:blip>
-            <a:srcRect/>
-            <a:stretch>
-              <a:fillRect/>
-            </a:stretch>
-          </p:blipFill>
-          <p:spPr bwMode="auto">
-            <a:xfrm>
-              <a:off x="1696870" y="3645685"/>
-              <a:ext cx="973178" cy="973178"/>
+              <a:off x="757031" y="3292856"/>
+              <a:ext cx="2596896" cy="369332"/>
             </a:xfrm>
             <a:prstGeom prst="rect">
               <a:avLst/>
             </a:prstGeom>
             <a:noFill/>
-            <a:extLst>
-              <a:ext uri="{909E8E84-426E-40DD-AFC4-6F175D3DCCD1}">
-                <a14:hiddenFill xmlns:a14="http://schemas.microsoft.com/office/drawing/2010/main">
-                  <a:solidFill>
-                    <a:srgbClr val="FFFFFF"/>
-                  </a:solidFill>
-                </a14:hiddenFill>
-              </a:ext>
-            </a:extLst>
           </p:spPr>
-        </p:pic>
-        <p:pic>
-          <p:nvPicPr>
-            <p:cNvPr id="122" name="Picture 4" descr="ドーム形の防犯カメラのイラスト"/>
-            <p:cNvPicPr>
-              <a:picLocks noChangeAspect="1" noChangeArrowheads="1"/>
-            </p:cNvPicPr>
+          <p:txBody>
+            <a:bodyPr wrap="square" rtlCol="0">
+              <a:spAutoFit/>
+            </a:bodyPr>
+            <a:lstStyle/>
+            <a:p>
+              <a:r>
+                <a:rPr lang="en-US" altLang="ja-JP" dirty="0" smtClean="0"/>
+                <a:t>VSS</a:t>
+              </a:r>
+              <a:r>
+                <a:rPr lang="ja-JP" altLang="en-US" dirty="0" smtClean="0"/>
+                <a:t>情報提供サーバ</a:t>
+              </a:r>
+              <a:endParaRPr kumimoji="1" lang="ja-JP" altLang="en-US" dirty="0"/>
+            </a:p>
+          </p:txBody>
+        </p:sp>
+        <p:cxnSp>
+          <p:nvCxnSpPr>
+            <p:cNvPr id="154" name="直線矢印コネクタ 153"/>
+            <p:cNvCxnSpPr>
+              <a:endCxn id="148" idx="2"/>
+            </p:cNvCxnSpPr>
             <p:nvPr/>
-          </p:nvPicPr>
-          <p:blipFill>
-            <a:blip r:embed="rId5" cstate="print">
-              <a:extLst>
-                <a:ext uri="{28A0092B-C50C-407E-A947-70E740481C1C}">
-                  <a14:useLocalDpi xmlns:a14="http://schemas.microsoft.com/office/drawing/2010/main" val="0"/>
-                </a:ext>
-              </a:extLst>
-            </a:blip>
-            <a:srcRect/>
-            <a:stretch>
-              <a:fillRect/>
-            </a:stretch>
-          </p:blipFill>
-          <p:spPr bwMode="auto">
-            <a:xfrm>
-              <a:off x="1332577" y="4222658"/>
-              <a:ext cx="936328" cy="936328"/>
+          </p:nvCxnSpPr>
+          <p:spPr>
+            <a:xfrm flipH="1" flipV="1">
+              <a:off x="2833199" y="4273755"/>
+              <a:ext cx="80803" cy="889433"/>
             </a:xfrm>
-            <a:prstGeom prst="rect">
+            <a:prstGeom prst="straightConnector1">
               <a:avLst/>
             </a:prstGeom>
-            <a:noFill/>
-            <a:extLst>
-              <a:ext uri="{909E8E84-426E-40DD-AFC4-6F175D3DCCD1}">
-                <a14:hiddenFill xmlns:a14="http://schemas.microsoft.com/office/drawing/2010/main">
-                  <a:solidFill>
-                    <a:srgbClr val="FFFFFF"/>
-                  </a:solidFill>
-                </a14:hiddenFill>
-              </a:ext>
-            </a:extLst>
-          </p:spPr>
-        </p:pic>
-        <p:sp>
-          <p:nvSpPr>
-            <p:cNvPr id="123" name="楕円 122"/>
-            <p:cNvSpPr/>
-            <p:nvPr/>
-          </p:nvSpPr>
-          <p:spPr>
-            <a:xfrm>
-              <a:off x="1909726" y="4094046"/>
-              <a:ext cx="1093215" cy="628370"/>
-            </a:xfrm>
-            <a:prstGeom prst="ellipse">
-              <a:avLst/>
-            </a:prstGeom>
+            <a:ln w="76200" cmpd="sng">
+              <a:tailEnd type="triangle" w="lg" len="lg"/>
+            </a:ln>
           </p:spPr>
           <p:style>
             <a:lnRef idx="1">
-              <a:schemeClr val="accent4"/>
+              <a:schemeClr val="dk1"/>
             </a:lnRef>
-            <a:fillRef idx="2">
-              <a:schemeClr val="accent4"/>
+            <a:fillRef idx="0">
+              <a:schemeClr val="dk1"/>
             </a:fillRef>
-            <a:effectRef idx="1">
-              <a:schemeClr val="accent4"/>
+            <a:effectRef idx="0">
+              <a:schemeClr val="dk1"/>
             </a:effectRef>
             <a:fontRef idx="minor">
-              <a:schemeClr val="dk1"/>
+              <a:schemeClr val="tx1"/>
             </a:fontRef>
           </p:style>
-          <p:txBody>
-            <a:bodyPr rtlCol="0" anchor="ctr"/>
-            <a:lstStyle/>
-            <a:p>
-              <a:pPr algn="ctr"/>
-              <a:r>
-                <a:rPr lang="en-US" altLang="ja-JP" sz="900" dirty="0"/>
-                <a:t>VSS</a:t>
-              </a:r>
-              <a:endParaRPr kumimoji="1" lang="ja-JP" altLang="en-US" sz="2400" dirty="0"/>
-            </a:p>
-          </p:txBody>
-        </p:sp>
-      </p:grpSp>
-      <p:grpSp>
-        <p:nvGrpSpPr>
-          <p:cNvPr id="124" name="グループ化 123"/>
-          <p:cNvGrpSpPr/>
-          <p:nvPr/>
-        </p:nvGrpSpPr>
-        <p:grpSpPr>
-          <a:xfrm>
-            <a:off x="5443721" y="4960375"/>
-            <a:ext cx="894086" cy="810016"/>
-            <a:chOff x="1332577" y="3645685"/>
-            <a:chExt cx="1670364" cy="1513301"/>
-          </a:xfrm>
-        </p:grpSpPr>
-        <p:pic>
-          <p:nvPicPr>
-            <p:cNvPr id="125" name="Picture 2" descr="サーバのイラスト（1台）"/>
-            <p:cNvPicPr>
-              <a:picLocks noChangeAspect="1" noChangeArrowheads="1"/>
-            </p:cNvPicPr>
+        </p:cxnSp>
+        <p:cxnSp>
+          <p:nvCxnSpPr>
+            <p:cNvPr id="155" name="直線矢印コネクタ 154"/>
+            <p:cNvCxnSpPr/>
             <p:nvPr/>
-          </p:nvPicPr>
-          <p:blipFill>
-            <a:blip r:embed="rId4" cstate="print">
-              <a:extLst>
-                <a:ext uri="{28A0092B-C50C-407E-A947-70E740481C1C}">
-                  <a14:useLocalDpi xmlns:a14="http://schemas.microsoft.com/office/drawing/2010/main" val="0"/>
-                </a:ext>
-              </a:extLst>
-            </a:blip>
-            <a:srcRect/>
-            <a:stretch>
-              <a:fillRect/>
-            </a:stretch>
-          </p:blipFill>
-          <p:spPr bwMode="auto">
-            <a:xfrm>
-              <a:off x="1696870" y="3645685"/>
-              <a:ext cx="973178" cy="973178"/>
+          </p:nvCxnSpPr>
+          <p:spPr>
+            <a:xfrm flipH="1" flipV="1">
+              <a:off x="3149313" y="4303776"/>
+              <a:ext cx="1223827" cy="847033"/>
             </a:xfrm>
-            <a:prstGeom prst="rect">
+            <a:prstGeom prst="straightConnector1">
               <a:avLst/>
             </a:prstGeom>
-            <a:noFill/>
-            <a:extLst>
-              <a:ext uri="{909E8E84-426E-40DD-AFC4-6F175D3DCCD1}">
-                <a14:hiddenFill xmlns:a14="http://schemas.microsoft.com/office/drawing/2010/main">
-                  <a:solidFill>
-                    <a:srgbClr val="FFFFFF"/>
-                  </a:solidFill>
-                </a14:hiddenFill>
-              </a:ext>
-            </a:extLst>
-          </p:spPr>
-        </p:pic>
-        <p:pic>
-          <p:nvPicPr>
-            <p:cNvPr id="126" name="Picture 4" descr="ドーム形の防犯カメラのイラスト"/>
-            <p:cNvPicPr>
-              <a:picLocks noChangeAspect="1" noChangeArrowheads="1"/>
-            </p:cNvPicPr>
-            <p:nvPr/>
-          </p:nvPicPr>
-          <p:blipFill>
-            <a:blip r:embed="rId5" cstate="print">
-              <a:extLst>
-                <a:ext uri="{28A0092B-C50C-407E-A947-70E740481C1C}">
-                  <a14:useLocalDpi xmlns:a14="http://schemas.microsoft.com/office/drawing/2010/main" val="0"/>
-                </a:ext>
-              </a:extLst>
-            </a:blip>
-            <a:srcRect/>
-            <a:stretch>
-              <a:fillRect/>
-            </a:stretch>
-          </p:blipFill>
-          <p:spPr bwMode="auto">
-            <a:xfrm>
-              <a:off x="1332577" y="4222658"/>
-              <a:ext cx="936328" cy="936328"/>
-            </a:xfrm>
-            <a:prstGeom prst="rect">
-              <a:avLst/>
-            </a:prstGeom>
-            <a:noFill/>
-            <a:extLst>
-              <a:ext uri="{909E8E84-426E-40DD-AFC4-6F175D3DCCD1}">
-                <a14:hiddenFill xmlns:a14="http://schemas.microsoft.com/office/drawing/2010/main">
-                  <a:solidFill>
-                    <a:srgbClr val="FFFFFF"/>
-                  </a:solidFill>
-                </a14:hiddenFill>
-              </a:ext>
-            </a:extLst>
-          </p:spPr>
-        </p:pic>
-        <p:sp>
-          <p:nvSpPr>
-            <p:cNvPr id="127" name="楕円 126"/>
-            <p:cNvSpPr/>
-            <p:nvPr/>
-          </p:nvSpPr>
-          <p:spPr>
-            <a:xfrm>
-              <a:off x="1909726" y="4094046"/>
-              <a:ext cx="1093215" cy="628370"/>
-            </a:xfrm>
-            <a:prstGeom prst="ellipse">
-              <a:avLst/>
-            </a:prstGeom>
+            <a:ln w="76200" cmpd="sng">
+              <a:tailEnd type="triangle" w="lg" len="lg"/>
+            </a:ln>
           </p:spPr>
           <p:style>
             <a:lnRef idx="1">
-              <a:schemeClr val="accent4"/>
+              <a:schemeClr val="dk1"/>
             </a:lnRef>
-            <a:fillRef idx="2">
-              <a:schemeClr val="accent4"/>
+            <a:fillRef idx="0">
+              <a:schemeClr val="dk1"/>
             </a:fillRef>
-            <a:effectRef idx="1">
-              <a:schemeClr val="accent4"/>
+            <a:effectRef idx="0">
+              <a:schemeClr val="dk1"/>
             </a:effectRef>
             <a:fontRef idx="minor">
-              <a:schemeClr val="dk1"/>
+              <a:schemeClr val="tx1"/>
             </a:fontRef>
           </p:style>
-          <p:txBody>
-            <a:bodyPr rtlCol="0" anchor="ctr"/>
-            <a:lstStyle/>
-            <a:p>
-              <a:pPr algn="ctr"/>
-              <a:r>
-                <a:rPr lang="en-US" altLang="ja-JP" sz="900" dirty="0"/>
-                <a:t>VSS</a:t>
-              </a:r>
-              <a:endParaRPr kumimoji="1" lang="ja-JP" altLang="en-US" sz="2400" dirty="0"/>
-            </a:p>
-          </p:txBody>
-        </p:sp>
-      </p:grpSp>
-      <p:grpSp>
-        <p:nvGrpSpPr>
-          <p:cNvPr id="128" name="グループ化 127"/>
-          <p:cNvGrpSpPr/>
-          <p:nvPr/>
-        </p:nvGrpSpPr>
-        <p:grpSpPr>
-          <a:xfrm>
-            <a:off x="6589769" y="4960375"/>
-            <a:ext cx="894086" cy="810016"/>
-            <a:chOff x="1332577" y="3645685"/>
-            <a:chExt cx="1670364" cy="1513301"/>
-          </a:xfrm>
-        </p:grpSpPr>
-        <p:pic>
-          <p:nvPicPr>
-            <p:cNvPr id="129" name="Picture 2" descr="サーバのイラスト（1台）"/>
-            <p:cNvPicPr>
-              <a:picLocks noChangeAspect="1" noChangeArrowheads="1"/>
-            </p:cNvPicPr>
+        </p:cxnSp>
+        <p:cxnSp>
+          <p:nvCxnSpPr>
+            <p:cNvPr id="156" name="直線矢印コネクタ 155"/>
+            <p:cNvCxnSpPr>
+              <a:endCxn id="149" idx="2"/>
+            </p:cNvCxnSpPr>
             <p:nvPr/>
-          </p:nvPicPr>
-          <p:blipFill>
-            <a:blip r:embed="rId4" cstate="print">
-              <a:extLst>
-                <a:ext uri="{28A0092B-C50C-407E-A947-70E740481C1C}">
-                  <a14:useLocalDpi xmlns:a14="http://schemas.microsoft.com/office/drawing/2010/main" val="0"/>
-                </a:ext>
-              </a:extLst>
-            </a:blip>
-            <a:srcRect/>
-            <a:stretch>
-              <a:fillRect/>
-            </a:stretch>
-          </p:blipFill>
-          <p:spPr bwMode="auto">
-            <a:xfrm>
-              <a:off x="1696870" y="3645685"/>
-              <a:ext cx="973178" cy="973178"/>
+          </p:nvCxnSpPr>
+          <p:spPr>
+            <a:xfrm flipH="1" flipV="1">
+              <a:off x="5749185" y="4273755"/>
+              <a:ext cx="72769" cy="765812"/>
             </a:xfrm>
-            <a:prstGeom prst="rect">
+            <a:prstGeom prst="straightConnector1">
               <a:avLst/>
             </a:prstGeom>
-            <a:noFill/>
-            <a:extLst>
-              <a:ext uri="{909E8E84-426E-40DD-AFC4-6F175D3DCCD1}">
-                <a14:hiddenFill xmlns:a14="http://schemas.microsoft.com/office/drawing/2010/main">
-                  <a:solidFill>
-                    <a:srgbClr val="FFFFFF"/>
-                  </a:solidFill>
-                </a14:hiddenFill>
-              </a:ext>
-            </a:extLst>
-          </p:spPr>
-        </p:pic>
-        <p:pic>
-          <p:nvPicPr>
-            <p:cNvPr id="130" name="Picture 4" descr="ドーム形の防犯カメラのイラスト"/>
-            <p:cNvPicPr>
-              <a:picLocks noChangeAspect="1" noChangeArrowheads="1"/>
-            </p:cNvPicPr>
-            <p:nvPr/>
-          </p:nvPicPr>
-          <p:blipFill>
-            <a:blip r:embed="rId5" cstate="print">
-              <a:extLst>
-                <a:ext uri="{28A0092B-C50C-407E-A947-70E740481C1C}">
-                  <a14:useLocalDpi xmlns:a14="http://schemas.microsoft.com/office/drawing/2010/main" val="0"/>
-                </a:ext>
-              </a:extLst>
-            </a:blip>
-            <a:srcRect/>
-            <a:stretch>
-              <a:fillRect/>
-            </a:stretch>
-          </p:blipFill>
-          <p:spPr bwMode="auto">
-            <a:xfrm>
-              <a:off x="1332577" y="4222658"/>
-              <a:ext cx="936328" cy="936328"/>
-            </a:xfrm>
-            <a:prstGeom prst="rect">
-              <a:avLst/>
-            </a:prstGeom>
-            <a:noFill/>
-            <a:extLst>
-              <a:ext uri="{909E8E84-426E-40DD-AFC4-6F175D3DCCD1}">
-                <a14:hiddenFill xmlns:a14="http://schemas.microsoft.com/office/drawing/2010/main">
-                  <a:solidFill>
-                    <a:srgbClr val="FFFFFF"/>
-                  </a:solidFill>
-                </a14:hiddenFill>
-              </a:ext>
-            </a:extLst>
-          </p:spPr>
-        </p:pic>
-        <p:sp>
-          <p:nvSpPr>
-            <p:cNvPr id="131" name="楕円 130"/>
-            <p:cNvSpPr/>
-            <p:nvPr/>
-          </p:nvSpPr>
-          <p:spPr>
-            <a:xfrm>
-              <a:off x="1909726" y="4094046"/>
-              <a:ext cx="1093215" cy="628370"/>
-            </a:xfrm>
-            <a:prstGeom prst="ellipse">
-              <a:avLst/>
-            </a:prstGeom>
+            <a:ln w="76200" cmpd="sng">
+              <a:tailEnd type="triangle" w="lg" len="lg"/>
+            </a:ln>
           </p:spPr>
           <p:style>
             <a:lnRef idx="1">
-              <a:schemeClr val="accent4"/>
+              <a:schemeClr val="dk1"/>
             </a:lnRef>
-            <a:fillRef idx="2">
-              <a:schemeClr val="accent4"/>
+            <a:fillRef idx="0">
+              <a:schemeClr val="dk1"/>
             </a:fillRef>
-            <a:effectRef idx="1">
-              <a:schemeClr val="accent4"/>
+            <a:effectRef idx="0">
+              <a:schemeClr val="dk1"/>
             </a:effectRef>
             <a:fontRef idx="minor">
-              <a:schemeClr val="dk1"/>
+              <a:schemeClr val="tx1"/>
             </a:fontRef>
           </p:style>
-          <p:txBody>
-            <a:bodyPr rtlCol="0" anchor="ctr"/>
-            <a:lstStyle/>
-            <a:p>
-              <a:pPr algn="ctr"/>
-              <a:r>
-                <a:rPr lang="en-US" altLang="ja-JP" sz="900" dirty="0"/>
-                <a:t>VSS</a:t>
-              </a:r>
-              <a:endParaRPr kumimoji="1" lang="ja-JP" altLang="en-US" sz="2400" dirty="0"/>
-            </a:p>
-          </p:txBody>
-        </p:sp>
-      </p:grpSp>
-      <p:grpSp>
-        <p:nvGrpSpPr>
-          <p:cNvPr id="132" name="グループ化 131"/>
-          <p:cNvGrpSpPr/>
-          <p:nvPr/>
-        </p:nvGrpSpPr>
-        <p:grpSpPr>
-          <a:xfrm>
-            <a:off x="7773157" y="4960375"/>
-            <a:ext cx="894086" cy="810016"/>
-            <a:chOff x="1332577" y="3645685"/>
-            <a:chExt cx="1670364" cy="1513301"/>
-          </a:xfrm>
-        </p:grpSpPr>
-        <p:pic>
-          <p:nvPicPr>
-            <p:cNvPr id="133" name="Picture 2" descr="サーバのイラスト（1台）"/>
-            <p:cNvPicPr>
-              <a:picLocks noChangeAspect="1" noChangeArrowheads="1"/>
-            </p:cNvPicPr>
+        </p:cxnSp>
+        <p:cxnSp>
+          <p:nvCxnSpPr>
+            <p:cNvPr id="157" name="直線矢印コネクタ 156"/>
+            <p:cNvCxnSpPr/>
             <p:nvPr/>
-          </p:nvPicPr>
-          <p:blipFill>
-            <a:blip r:embed="rId4" cstate="print">
-              <a:extLst>
-                <a:ext uri="{28A0092B-C50C-407E-A947-70E740481C1C}">
-                  <a14:useLocalDpi xmlns:a14="http://schemas.microsoft.com/office/drawing/2010/main" val="0"/>
-                </a:ext>
-              </a:extLst>
-            </a:blip>
-            <a:srcRect/>
-            <a:stretch>
-              <a:fillRect/>
-            </a:stretch>
-          </p:blipFill>
-          <p:spPr bwMode="auto">
-            <a:xfrm>
-              <a:off x="1696870" y="3645685"/>
-              <a:ext cx="973178" cy="973178"/>
+          </p:nvCxnSpPr>
+          <p:spPr>
+            <a:xfrm flipH="1" flipV="1">
+              <a:off x="5914029" y="4376222"/>
+              <a:ext cx="1101143" cy="716939"/>
             </a:xfrm>
-            <a:prstGeom prst="rect">
+            <a:prstGeom prst="straightConnector1">
               <a:avLst/>
             </a:prstGeom>
-            <a:noFill/>
-            <a:extLst>
-              <a:ext uri="{909E8E84-426E-40DD-AFC4-6F175D3DCCD1}">
-                <a14:hiddenFill xmlns:a14="http://schemas.microsoft.com/office/drawing/2010/main">
-                  <a:solidFill>
-                    <a:srgbClr val="FFFFFF"/>
-                  </a:solidFill>
-                </a14:hiddenFill>
-              </a:ext>
-            </a:extLst>
-          </p:spPr>
-        </p:pic>
-        <p:pic>
-          <p:nvPicPr>
-            <p:cNvPr id="134" name="Picture 4" descr="ドーム形の防犯カメラのイラスト"/>
-            <p:cNvPicPr>
-              <a:picLocks noChangeAspect="1" noChangeArrowheads="1"/>
-            </p:cNvPicPr>
-            <p:nvPr/>
-          </p:nvPicPr>
-          <p:blipFill>
-            <a:blip r:embed="rId5" cstate="print">
-              <a:extLst>
-                <a:ext uri="{28A0092B-C50C-407E-A947-70E740481C1C}">
-                  <a14:useLocalDpi xmlns:a14="http://schemas.microsoft.com/office/drawing/2010/main" val="0"/>
-                </a:ext>
-              </a:extLst>
-            </a:blip>
-            <a:srcRect/>
-            <a:stretch>
-              <a:fillRect/>
-            </a:stretch>
-          </p:blipFill>
-          <p:spPr bwMode="auto">
-            <a:xfrm>
-              <a:off x="1332577" y="4222658"/>
-              <a:ext cx="936328" cy="936328"/>
-            </a:xfrm>
-            <a:prstGeom prst="rect">
-              <a:avLst/>
-            </a:prstGeom>
-            <a:noFill/>
-            <a:extLst>
-              <a:ext uri="{909E8E84-426E-40DD-AFC4-6F175D3DCCD1}">
-                <a14:hiddenFill xmlns:a14="http://schemas.microsoft.com/office/drawing/2010/main">
-                  <a:solidFill>
-                    <a:srgbClr val="FFFFFF"/>
-                  </a:solidFill>
-                </a14:hiddenFill>
-              </a:ext>
-            </a:extLst>
-          </p:spPr>
-        </p:pic>
-        <p:sp>
-          <p:nvSpPr>
-            <p:cNvPr id="135" name="楕円 134"/>
-            <p:cNvSpPr/>
-            <p:nvPr/>
-          </p:nvSpPr>
-          <p:spPr>
-            <a:xfrm>
-              <a:off x="1909726" y="4094046"/>
-              <a:ext cx="1093215" cy="628370"/>
-            </a:xfrm>
-            <a:prstGeom prst="ellipse">
-              <a:avLst/>
-            </a:prstGeom>
+            <a:ln w="76200" cmpd="sng">
+              <a:tailEnd type="triangle" w="lg" len="lg"/>
+            </a:ln>
           </p:spPr>
           <p:style>
             <a:lnRef idx="1">
-              <a:schemeClr val="accent4"/>
+              <a:schemeClr val="dk1"/>
             </a:lnRef>
-            <a:fillRef idx="2">
-              <a:schemeClr val="accent4"/>
+            <a:fillRef idx="0">
+              <a:schemeClr val="dk1"/>
             </a:fillRef>
-            <a:effectRef idx="1">
-              <a:schemeClr val="accent4"/>
+            <a:effectRef idx="0">
+              <a:schemeClr val="dk1"/>
             </a:effectRef>
             <a:fontRef idx="minor">
-              <a:schemeClr val="dk1"/>
+              <a:schemeClr val="tx1"/>
             </a:fontRef>
           </p:style>
-          <p:txBody>
-            <a:bodyPr rtlCol="0" anchor="ctr"/>
-            <a:lstStyle/>
-            <a:p>
-              <a:pPr algn="ctr"/>
-              <a:r>
-                <a:rPr lang="en-US" altLang="ja-JP" sz="900" dirty="0"/>
-                <a:t>VSS</a:t>
-              </a:r>
-              <a:endParaRPr kumimoji="1" lang="ja-JP" altLang="en-US" sz="2400" dirty="0"/>
-            </a:p>
-          </p:txBody>
-        </p:sp>
-      </p:grpSp>
-      <p:grpSp>
-        <p:nvGrpSpPr>
-          <p:cNvPr id="136" name="グループ化 135"/>
-          <p:cNvGrpSpPr/>
-          <p:nvPr/>
-        </p:nvGrpSpPr>
-        <p:grpSpPr>
-          <a:xfrm>
-            <a:off x="9028169" y="4960375"/>
-            <a:ext cx="894086" cy="810016"/>
-            <a:chOff x="1332577" y="3645685"/>
-            <a:chExt cx="1670364" cy="1513301"/>
-          </a:xfrm>
-        </p:grpSpPr>
-        <p:pic>
-          <p:nvPicPr>
-            <p:cNvPr id="137" name="Picture 2" descr="サーバのイラスト（1台）"/>
-            <p:cNvPicPr>
-              <a:picLocks noChangeAspect="1" noChangeArrowheads="1"/>
-            </p:cNvPicPr>
+        </p:cxnSp>
+        <p:cxnSp>
+          <p:nvCxnSpPr>
+            <p:cNvPr id="158" name="直線矢印コネクタ 157"/>
+            <p:cNvCxnSpPr/>
             <p:nvPr/>
-          </p:nvPicPr>
-          <p:blipFill>
-            <a:blip r:embed="rId4" cstate="print">
-              <a:extLst>
-                <a:ext uri="{28A0092B-C50C-407E-A947-70E740481C1C}">
-                  <a14:useLocalDpi xmlns:a14="http://schemas.microsoft.com/office/drawing/2010/main" val="0"/>
-                </a:ext>
-              </a:extLst>
-            </a:blip>
-            <a:srcRect/>
-            <a:stretch>
-              <a:fillRect/>
-            </a:stretch>
-          </p:blipFill>
-          <p:spPr bwMode="auto">
-            <a:xfrm>
-              <a:off x="1696870" y="3645685"/>
-              <a:ext cx="973178" cy="973178"/>
+          </p:nvCxnSpPr>
+          <p:spPr>
+            <a:xfrm flipH="1" flipV="1">
+              <a:off x="7975334" y="4423263"/>
+              <a:ext cx="334073" cy="669898"/>
             </a:xfrm>
-            <a:prstGeom prst="rect">
+            <a:prstGeom prst="straightConnector1">
               <a:avLst/>
             </a:prstGeom>
-            <a:noFill/>
-            <a:extLst>
-              <a:ext uri="{909E8E84-426E-40DD-AFC4-6F175D3DCCD1}">
-                <a14:hiddenFill xmlns:a14="http://schemas.microsoft.com/office/drawing/2010/main">
-                  <a:solidFill>
-                    <a:srgbClr val="FFFFFF"/>
-                  </a:solidFill>
-                </a14:hiddenFill>
-              </a:ext>
-            </a:extLst>
-          </p:spPr>
-        </p:pic>
-        <p:pic>
-          <p:nvPicPr>
-            <p:cNvPr id="138" name="Picture 4" descr="ドーム形の防犯カメラのイラスト"/>
-            <p:cNvPicPr>
-              <a:picLocks noChangeAspect="1" noChangeArrowheads="1"/>
-            </p:cNvPicPr>
-            <p:nvPr/>
-          </p:nvPicPr>
-          <p:blipFill>
-            <a:blip r:embed="rId5" cstate="print">
-              <a:extLst>
-                <a:ext uri="{28A0092B-C50C-407E-A947-70E740481C1C}">
-                  <a14:useLocalDpi xmlns:a14="http://schemas.microsoft.com/office/drawing/2010/main" val="0"/>
-                </a:ext>
-              </a:extLst>
-            </a:blip>
-            <a:srcRect/>
-            <a:stretch>
-              <a:fillRect/>
-            </a:stretch>
-          </p:blipFill>
-          <p:spPr bwMode="auto">
-            <a:xfrm>
-              <a:off x="1332577" y="4222658"/>
-              <a:ext cx="936328" cy="936328"/>
-            </a:xfrm>
-            <a:prstGeom prst="rect">
-              <a:avLst/>
-            </a:prstGeom>
-            <a:noFill/>
-            <a:extLst>
-              <a:ext uri="{909E8E84-426E-40DD-AFC4-6F175D3DCCD1}">
-                <a14:hiddenFill xmlns:a14="http://schemas.microsoft.com/office/drawing/2010/main">
-                  <a:solidFill>
-                    <a:srgbClr val="FFFFFF"/>
-                  </a:solidFill>
-                </a14:hiddenFill>
-              </a:ext>
-            </a:extLst>
-          </p:spPr>
-        </p:pic>
-        <p:sp>
-          <p:nvSpPr>
-            <p:cNvPr id="139" name="楕円 138"/>
-            <p:cNvSpPr/>
-            <p:nvPr/>
-          </p:nvSpPr>
-          <p:spPr>
-            <a:xfrm>
-              <a:off x="1909726" y="4094046"/>
-              <a:ext cx="1093215" cy="628370"/>
-            </a:xfrm>
-            <a:prstGeom prst="ellipse">
-              <a:avLst/>
-            </a:prstGeom>
+            <a:ln w="76200" cmpd="sng">
+              <a:tailEnd type="triangle" w="lg" len="lg"/>
+            </a:ln>
           </p:spPr>
           <p:style>
             <a:lnRef idx="1">
-              <a:schemeClr val="accent4"/>
+              <a:schemeClr val="dk1"/>
             </a:lnRef>
-            <a:fillRef idx="2">
-              <a:schemeClr val="accent4"/>
+            <a:fillRef idx="0">
+              <a:schemeClr val="dk1"/>
             </a:fillRef>
-            <a:effectRef idx="1">
-              <a:schemeClr val="accent4"/>
+            <a:effectRef idx="0">
+              <a:schemeClr val="dk1"/>
             </a:effectRef>
             <a:fontRef idx="minor">
-              <a:schemeClr val="dk1"/>
+              <a:schemeClr val="tx1"/>
             </a:fontRef>
           </p:style>
-          <p:txBody>
-            <a:bodyPr rtlCol="0" anchor="ctr"/>
-            <a:lstStyle/>
-            <a:p>
-              <a:pPr algn="ctr"/>
-              <a:r>
-                <a:rPr lang="en-US" altLang="ja-JP" sz="900" dirty="0"/>
-                <a:t>VSS</a:t>
-              </a:r>
-              <a:endParaRPr kumimoji="1" lang="ja-JP" altLang="en-US" sz="2400" dirty="0"/>
-            </a:p>
-          </p:txBody>
-        </p:sp>
-      </p:grpSp>
-      <p:grpSp>
-        <p:nvGrpSpPr>
-          <p:cNvPr id="140" name="グループ化 139"/>
-          <p:cNvGrpSpPr/>
-          <p:nvPr/>
-        </p:nvGrpSpPr>
-        <p:grpSpPr>
-          <a:xfrm>
-            <a:off x="9966953" y="4960375"/>
-            <a:ext cx="894086" cy="810016"/>
-            <a:chOff x="1332577" y="3645685"/>
-            <a:chExt cx="1670364" cy="1513301"/>
-          </a:xfrm>
-        </p:grpSpPr>
-        <p:pic>
-          <p:nvPicPr>
-            <p:cNvPr id="141" name="Picture 2" descr="サーバのイラスト（1台）"/>
-            <p:cNvPicPr>
-              <a:picLocks noChangeAspect="1" noChangeArrowheads="1"/>
-            </p:cNvPicPr>
+        </p:cxnSp>
+        <p:cxnSp>
+          <p:nvCxnSpPr>
+            <p:cNvPr id="159" name="直線矢印コネクタ 158"/>
+            <p:cNvCxnSpPr/>
             <p:nvPr/>
-          </p:nvPicPr>
-          <p:blipFill>
-            <a:blip r:embed="rId4" cstate="print">
-              <a:extLst>
-                <a:ext uri="{28A0092B-C50C-407E-A947-70E740481C1C}">
-                  <a14:useLocalDpi xmlns:a14="http://schemas.microsoft.com/office/drawing/2010/main" val="0"/>
-                </a:ext>
-              </a:extLst>
-            </a:blip>
-            <a:srcRect/>
-            <a:stretch>
-              <a:fillRect/>
-            </a:stretch>
-          </p:blipFill>
-          <p:spPr bwMode="auto">
-            <a:xfrm>
-              <a:off x="1696870" y="3645685"/>
-              <a:ext cx="973178" cy="973178"/>
+          </p:nvCxnSpPr>
+          <p:spPr>
+            <a:xfrm flipH="1" flipV="1">
+              <a:off x="9449219" y="4376222"/>
+              <a:ext cx="29898" cy="743836"/>
             </a:xfrm>
-            <a:prstGeom prst="rect">
+            <a:prstGeom prst="straightConnector1">
               <a:avLst/>
             </a:prstGeom>
-            <a:noFill/>
-            <a:extLst>
-              <a:ext uri="{909E8E84-426E-40DD-AFC4-6F175D3DCCD1}">
-                <a14:hiddenFill xmlns:a14="http://schemas.microsoft.com/office/drawing/2010/main">
-                  <a:solidFill>
-                    <a:srgbClr val="FFFFFF"/>
-                  </a:solidFill>
-                </a14:hiddenFill>
-              </a:ext>
-            </a:extLst>
-          </p:spPr>
-        </p:pic>
-        <p:pic>
-          <p:nvPicPr>
-            <p:cNvPr id="142" name="Picture 4" descr="ドーム形の防犯カメラのイラスト"/>
-            <p:cNvPicPr>
-              <a:picLocks noChangeAspect="1" noChangeArrowheads="1"/>
-            </p:cNvPicPr>
-            <p:nvPr/>
-          </p:nvPicPr>
-          <p:blipFill>
-            <a:blip r:embed="rId5" cstate="print">
-              <a:extLst>
-                <a:ext uri="{28A0092B-C50C-407E-A947-70E740481C1C}">
-                  <a14:useLocalDpi xmlns:a14="http://schemas.microsoft.com/office/drawing/2010/main" val="0"/>
-                </a:ext>
-              </a:extLst>
-            </a:blip>
-            <a:srcRect/>
-            <a:stretch>
-              <a:fillRect/>
-            </a:stretch>
-          </p:blipFill>
-          <p:spPr bwMode="auto">
-            <a:xfrm>
-              <a:off x="1332577" y="4222658"/>
-              <a:ext cx="936328" cy="936328"/>
-            </a:xfrm>
-            <a:prstGeom prst="rect">
-              <a:avLst/>
-            </a:prstGeom>
-            <a:noFill/>
-            <a:extLst>
-              <a:ext uri="{909E8E84-426E-40DD-AFC4-6F175D3DCCD1}">
-                <a14:hiddenFill xmlns:a14="http://schemas.microsoft.com/office/drawing/2010/main">
-                  <a:solidFill>
-                    <a:srgbClr val="FFFFFF"/>
-                  </a:solidFill>
-                </a14:hiddenFill>
-              </a:ext>
-            </a:extLst>
-          </p:spPr>
-        </p:pic>
-        <p:sp>
-          <p:nvSpPr>
-            <p:cNvPr id="143" name="楕円 142"/>
-            <p:cNvSpPr/>
-            <p:nvPr/>
-          </p:nvSpPr>
-          <p:spPr>
-            <a:xfrm>
-              <a:off x="1909726" y="4094046"/>
-              <a:ext cx="1093215" cy="628370"/>
-            </a:xfrm>
-            <a:prstGeom prst="ellipse">
-              <a:avLst/>
-            </a:prstGeom>
+            <a:ln w="76200" cmpd="sng">
+              <a:tailEnd type="triangle" w="lg" len="lg"/>
+            </a:ln>
           </p:spPr>
           <p:style>
             <a:lnRef idx="1">
-              <a:schemeClr val="accent4"/>
+              <a:schemeClr val="dk1"/>
             </a:lnRef>
-            <a:fillRef idx="2">
-              <a:schemeClr val="accent4"/>
+            <a:fillRef idx="0">
+              <a:schemeClr val="dk1"/>
             </a:fillRef>
-            <a:effectRef idx="1">
-              <a:schemeClr val="accent4"/>
+            <a:effectRef idx="0">
+              <a:schemeClr val="dk1"/>
             </a:effectRef>
             <a:fontRef idx="minor">
-              <a:schemeClr val="dk1"/>
+              <a:schemeClr val="tx1"/>
             </a:fontRef>
           </p:style>
-          <p:txBody>
-            <a:bodyPr rtlCol="0" anchor="ctr"/>
-            <a:lstStyle/>
-            <a:p>
-              <a:pPr algn="ctr"/>
-              <a:r>
-                <a:rPr lang="en-US" altLang="ja-JP" sz="900" dirty="0"/>
-                <a:t>VSS</a:t>
-              </a:r>
-              <a:endParaRPr kumimoji="1" lang="ja-JP" altLang="en-US" sz="2400" dirty="0"/>
-            </a:p>
-          </p:txBody>
-        </p:sp>
-      </p:grpSp>
-      <p:grpSp>
-        <p:nvGrpSpPr>
-          <p:cNvPr id="144" name="グループ化 143"/>
-          <p:cNvGrpSpPr/>
-          <p:nvPr/>
-        </p:nvGrpSpPr>
-        <p:grpSpPr>
-          <a:xfrm>
-            <a:off x="10883798" y="4960375"/>
-            <a:ext cx="894086" cy="810016"/>
-            <a:chOff x="1332577" y="3645685"/>
-            <a:chExt cx="1670364" cy="1513301"/>
-          </a:xfrm>
-        </p:grpSpPr>
-        <p:pic>
-          <p:nvPicPr>
-            <p:cNvPr id="145" name="Picture 2" descr="サーバのイラスト（1台）"/>
-            <p:cNvPicPr>
-              <a:picLocks noChangeAspect="1" noChangeArrowheads="1"/>
-            </p:cNvPicPr>
+        </p:cxnSp>
+        <p:cxnSp>
+          <p:nvCxnSpPr>
+            <p:cNvPr id="160" name="直線矢印コネクタ 159"/>
+            <p:cNvCxnSpPr/>
             <p:nvPr/>
-          </p:nvPicPr>
-          <p:blipFill>
-            <a:blip r:embed="rId4" cstate="print">
-              <a:extLst>
-                <a:ext uri="{28A0092B-C50C-407E-A947-70E740481C1C}">
-                  <a14:useLocalDpi xmlns:a14="http://schemas.microsoft.com/office/drawing/2010/main" val="0"/>
-                </a:ext>
-              </a:extLst>
-            </a:blip>
-            <a:srcRect/>
-            <a:stretch>
-              <a:fillRect/>
-            </a:stretch>
-          </p:blipFill>
-          <p:spPr bwMode="auto">
-            <a:xfrm>
-              <a:off x="1696870" y="3645685"/>
-              <a:ext cx="973178" cy="973178"/>
+          </p:nvCxnSpPr>
+          <p:spPr>
+            <a:xfrm flipV="1">
+              <a:off x="10478175" y="4348970"/>
+              <a:ext cx="600616" cy="771088"/>
             </a:xfrm>
-            <a:prstGeom prst="rect">
+            <a:prstGeom prst="straightConnector1">
               <a:avLst/>
             </a:prstGeom>
-            <a:noFill/>
-            <a:extLst>
-              <a:ext uri="{909E8E84-426E-40DD-AFC4-6F175D3DCCD1}">
-                <a14:hiddenFill xmlns:a14="http://schemas.microsoft.com/office/drawing/2010/main">
-                  <a:solidFill>
-                    <a:srgbClr val="FFFFFF"/>
-                  </a:solidFill>
-                </a14:hiddenFill>
-              </a:ext>
-            </a:extLst>
-          </p:spPr>
-        </p:pic>
-        <p:pic>
-          <p:nvPicPr>
-            <p:cNvPr id="146" name="Picture 4" descr="ドーム形の防犯カメラのイラスト"/>
-            <p:cNvPicPr>
-              <a:picLocks noChangeAspect="1" noChangeArrowheads="1"/>
-            </p:cNvPicPr>
-            <p:nvPr/>
-          </p:nvPicPr>
-          <p:blipFill>
-            <a:blip r:embed="rId5" cstate="print">
-              <a:extLst>
-                <a:ext uri="{28A0092B-C50C-407E-A947-70E740481C1C}">
-                  <a14:useLocalDpi xmlns:a14="http://schemas.microsoft.com/office/drawing/2010/main" val="0"/>
-                </a:ext>
-              </a:extLst>
-            </a:blip>
-            <a:srcRect/>
-            <a:stretch>
-              <a:fillRect/>
-            </a:stretch>
-          </p:blipFill>
-          <p:spPr bwMode="auto">
-            <a:xfrm>
-              <a:off x="1332577" y="4222658"/>
-              <a:ext cx="936328" cy="936328"/>
-            </a:xfrm>
-            <a:prstGeom prst="rect">
-              <a:avLst/>
-            </a:prstGeom>
-            <a:noFill/>
-            <a:extLst>
-              <a:ext uri="{909E8E84-426E-40DD-AFC4-6F175D3DCCD1}">
-                <a14:hiddenFill xmlns:a14="http://schemas.microsoft.com/office/drawing/2010/main">
-                  <a:solidFill>
-                    <a:srgbClr val="FFFFFF"/>
-                  </a:solidFill>
-                </a14:hiddenFill>
-              </a:ext>
-            </a:extLst>
-          </p:spPr>
-        </p:pic>
-        <p:sp>
-          <p:nvSpPr>
-            <p:cNvPr id="147" name="楕円 146"/>
-            <p:cNvSpPr/>
-            <p:nvPr/>
-          </p:nvSpPr>
-          <p:spPr>
-            <a:xfrm>
-              <a:off x="1909726" y="4094046"/>
-              <a:ext cx="1093215" cy="628370"/>
-            </a:xfrm>
-            <a:prstGeom prst="ellipse">
-              <a:avLst/>
-            </a:prstGeom>
+            <a:ln w="76200" cmpd="sng">
+              <a:tailEnd type="triangle" w="lg" len="lg"/>
+            </a:ln>
           </p:spPr>
           <p:style>
             <a:lnRef idx="1">
-              <a:schemeClr val="accent4"/>
+              <a:schemeClr val="dk1"/>
             </a:lnRef>
-            <a:fillRef idx="2">
-              <a:schemeClr val="accent4"/>
+            <a:fillRef idx="0">
+              <a:schemeClr val="dk1"/>
             </a:fillRef>
-            <a:effectRef idx="1">
-              <a:schemeClr val="accent4"/>
+            <a:effectRef idx="0">
+              <a:schemeClr val="dk1"/>
             </a:effectRef>
             <a:fontRef idx="minor">
-              <a:schemeClr val="dk1"/>
+              <a:schemeClr val="tx1"/>
             </a:fontRef>
           </p:style>
-          <p:txBody>
-            <a:bodyPr rtlCol="0" anchor="ctr"/>
-            <a:lstStyle/>
-            <a:p>
-              <a:pPr algn="ctr"/>
-              <a:r>
-                <a:rPr lang="en-US" altLang="ja-JP" sz="900" dirty="0"/>
-                <a:t>VSS</a:t>
-              </a:r>
-              <a:endParaRPr kumimoji="1" lang="ja-JP" altLang="en-US" sz="2400" dirty="0"/>
-            </a:p>
-          </p:txBody>
-        </p:sp>
+        </p:cxnSp>
+        <p:cxnSp>
+          <p:nvCxnSpPr>
+            <p:cNvPr id="161" name="直線矢印コネクタ 160"/>
+            <p:cNvCxnSpPr/>
+            <p:nvPr/>
+          </p:nvCxnSpPr>
+          <p:spPr>
+            <a:xfrm flipH="1" flipV="1">
+              <a:off x="11250159" y="4230624"/>
+              <a:ext cx="80803" cy="889433"/>
+            </a:xfrm>
+            <a:prstGeom prst="straightConnector1">
+              <a:avLst/>
+            </a:prstGeom>
+            <a:ln w="76200" cmpd="sng">
+              <a:tailEnd type="triangle" w="lg" len="lg"/>
+            </a:ln>
+          </p:spPr>
+          <p:style>
+            <a:lnRef idx="1">
+              <a:schemeClr val="dk1"/>
+            </a:lnRef>
+            <a:fillRef idx="0">
+              <a:schemeClr val="dk1"/>
+            </a:fillRef>
+            <a:effectRef idx="0">
+              <a:schemeClr val="dk1"/>
+            </a:effectRef>
+            <a:fontRef idx="minor">
+              <a:schemeClr val="tx1"/>
+            </a:fontRef>
+          </p:style>
+        </p:cxnSp>
       </p:grpSp>
-      <p:pic>
-        <p:nvPicPr>
-          <p:cNvPr id="148" name="Picture 2" descr="Wi-Fi無線ルーターのイラスト"/>
-          <p:cNvPicPr>
-            <a:picLocks noChangeAspect="1" noChangeArrowheads="1"/>
-          </p:cNvPicPr>
-          <p:nvPr/>
-        </p:nvPicPr>
-        <p:blipFill>
-          <a:blip r:embed="rId6" cstate="print">
-            <a:extLst>
-              <a:ext uri="{28A0092B-C50C-407E-A947-70E740481C1C}">
-                <a14:useLocalDpi xmlns:a14="http://schemas.microsoft.com/office/drawing/2010/main" val="0"/>
-              </a:ext>
-            </a:extLst>
-          </a:blip>
-          <a:srcRect/>
-          <a:stretch>
-            <a:fillRect/>
-          </a:stretch>
-        </p:blipFill>
-        <p:spPr bwMode="auto">
-          <a:xfrm>
-            <a:off x="2483652" y="3574662"/>
-            <a:ext cx="699093" cy="699093"/>
-          </a:xfrm>
-          <a:prstGeom prst="rect">
-            <a:avLst/>
-          </a:prstGeom>
-          <a:noFill/>
-          <a:extLst>
-            <a:ext uri="{909E8E84-426E-40DD-AFC4-6F175D3DCCD1}">
-              <a14:hiddenFill xmlns:a14="http://schemas.microsoft.com/office/drawing/2010/main">
-                <a:solidFill>
-                  <a:srgbClr val="FFFFFF"/>
-                </a:solidFill>
-              </a14:hiddenFill>
-            </a:ext>
-          </a:extLst>
-        </p:spPr>
-      </p:pic>
-      <p:pic>
-        <p:nvPicPr>
-          <p:cNvPr id="149" name="Picture 2" descr="Wi-Fi無線ルーターのイラスト"/>
-          <p:cNvPicPr>
-            <a:picLocks noChangeAspect="1" noChangeArrowheads="1"/>
-          </p:cNvPicPr>
-          <p:nvPr/>
-        </p:nvPicPr>
-        <p:blipFill>
-          <a:blip r:embed="rId6" cstate="print">
-            <a:extLst>
-              <a:ext uri="{28A0092B-C50C-407E-A947-70E740481C1C}">
-                <a14:useLocalDpi xmlns:a14="http://schemas.microsoft.com/office/drawing/2010/main" val="0"/>
-              </a:ext>
-            </a:extLst>
-          </a:blip>
-          <a:srcRect/>
-          <a:stretch>
-            <a:fillRect/>
-          </a:stretch>
-        </p:blipFill>
-        <p:spPr bwMode="auto">
-          <a:xfrm>
-            <a:off x="5399638" y="3574662"/>
-            <a:ext cx="699093" cy="699093"/>
-          </a:xfrm>
-          <a:prstGeom prst="rect">
-            <a:avLst/>
-          </a:prstGeom>
-          <a:noFill/>
-          <a:extLst>
-            <a:ext uri="{909E8E84-426E-40DD-AFC4-6F175D3DCCD1}">
-              <a14:hiddenFill xmlns:a14="http://schemas.microsoft.com/office/drawing/2010/main">
-                <a:solidFill>
-                  <a:srgbClr val="FFFFFF"/>
-                </a:solidFill>
-              </a14:hiddenFill>
-            </a:ext>
-          </a:extLst>
-        </p:spPr>
-      </p:pic>
-      <p:pic>
-        <p:nvPicPr>
-          <p:cNvPr id="150" name="Picture 2" descr="Wi-Fi無線ルーターのイラスト"/>
-          <p:cNvPicPr>
-            <a:picLocks noChangeAspect="1" noChangeArrowheads="1"/>
-          </p:cNvPicPr>
-          <p:nvPr/>
-        </p:nvPicPr>
-        <p:blipFill>
-          <a:blip r:embed="rId6" cstate="print">
-            <a:extLst>
-              <a:ext uri="{28A0092B-C50C-407E-A947-70E740481C1C}">
-                <a14:useLocalDpi xmlns:a14="http://schemas.microsoft.com/office/drawing/2010/main" val="0"/>
-              </a:ext>
-            </a:extLst>
-          </a:blip>
-          <a:srcRect/>
-          <a:stretch>
-            <a:fillRect/>
-          </a:stretch>
-        </p:blipFill>
-        <p:spPr bwMode="auto">
-          <a:xfrm>
-            <a:off x="7676218" y="3574662"/>
-            <a:ext cx="699093" cy="699093"/>
-          </a:xfrm>
-          <a:prstGeom prst="rect">
-            <a:avLst/>
-          </a:prstGeom>
-          <a:noFill/>
-          <a:extLst>
-            <a:ext uri="{909E8E84-426E-40DD-AFC4-6F175D3DCCD1}">
-              <a14:hiddenFill xmlns:a14="http://schemas.microsoft.com/office/drawing/2010/main">
-                <a:solidFill>
-                  <a:srgbClr val="FFFFFF"/>
-                </a:solidFill>
-              </a14:hiddenFill>
-            </a:ext>
-          </a:extLst>
-        </p:spPr>
-      </p:pic>
-      <p:pic>
-        <p:nvPicPr>
-          <p:cNvPr id="151" name="Picture 2" descr="Wi-Fi無線ルーターのイラスト"/>
-          <p:cNvPicPr>
-            <a:picLocks noChangeAspect="1" noChangeArrowheads="1"/>
-          </p:cNvPicPr>
-          <p:nvPr/>
-        </p:nvPicPr>
-        <p:blipFill>
-          <a:blip r:embed="rId6" cstate="print">
-            <a:extLst>
-              <a:ext uri="{28A0092B-C50C-407E-A947-70E740481C1C}">
-                <a14:useLocalDpi xmlns:a14="http://schemas.microsoft.com/office/drawing/2010/main" val="0"/>
-              </a:ext>
-            </a:extLst>
-          </a:blip>
-          <a:srcRect/>
-          <a:stretch>
-            <a:fillRect/>
-          </a:stretch>
-        </p:blipFill>
-        <p:spPr bwMode="auto">
-          <a:xfrm>
-            <a:off x="9044976" y="3574662"/>
-            <a:ext cx="699093" cy="699093"/>
-          </a:xfrm>
-          <a:prstGeom prst="rect">
-            <a:avLst/>
-          </a:prstGeom>
-          <a:noFill/>
-          <a:extLst>
-            <a:ext uri="{909E8E84-426E-40DD-AFC4-6F175D3DCCD1}">
-              <a14:hiddenFill xmlns:a14="http://schemas.microsoft.com/office/drawing/2010/main">
-                <a:solidFill>
-                  <a:srgbClr val="FFFFFF"/>
-                </a:solidFill>
-              </a14:hiddenFill>
-            </a:ext>
-          </a:extLst>
-        </p:spPr>
-      </p:pic>
-      <p:pic>
-        <p:nvPicPr>
-          <p:cNvPr id="152" name="Picture 2" descr="Wi-Fi無線ルーターのイラスト"/>
-          <p:cNvPicPr>
-            <a:picLocks noChangeAspect="1" noChangeArrowheads="1"/>
-          </p:cNvPicPr>
-          <p:nvPr/>
-        </p:nvPicPr>
-        <p:blipFill>
-          <a:blip r:embed="rId6" cstate="print">
-            <a:extLst>
-              <a:ext uri="{28A0092B-C50C-407E-A947-70E740481C1C}">
-                <a14:useLocalDpi xmlns:a14="http://schemas.microsoft.com/office/drawing/2010/main" val="0"/>
-              </a:ext>
-            </a:extLst>
-          </a:blip>
-          <a:srcRect/>
-          <a:stretch>
-            <a:fillRect/>
-          </a:stretch>
-        </p:blipFill>
-        <p:spPr bwMode="auto">
-          <a:xfrm>
-            <a:off x="10993035" y="3574662"/>
-            <a:ext cx="699093" cy="699093"/>
-          </a:xfrm>
-          <a:prstGeom prst="rect">
-            <a:avLst/>
-          </a:prstGeom>
-          <a:noFill/>
-          <a:extLst>
-            <a:ext uri="{909E8E84-426E-40DD-AFC4-6F175D3DCCD1}">
-              <a14:hiddenFill xmlns:a14="http://schemas.microsoft.com/office/drawing/2010/main">
-                <a:solidFill>
-                  <a:srgbClr val="FFFFFF"/>
-                </a:solidFill>
-              </a14:hiddenFill>
-            </a:ext>
-          </a:extLst>
-        </p:spPr>
-      </p:pic>
-      <p:sp>
-        <p:nvSpPr>
-          <p:cNvPr id="153" name="テキスト ボックス 152"/>
-          <p:cNvSpPr txBox="1"/>
-          <p:nvPr/>
-        </p:nvSpPr>
-        <p:spPr>
-          <a:xfrm>
-            <a:off x="757031" y="3292856"/>
-            <a:ext cx="2596896" cy="369332"/>
-          </a:xfrm>
-          <a:prstGeom prst="rect">
-            <a:avLst/>
-          </a:prstGeom>
-          <a:noFill/>
-        </p:spPr>
-        <p:txBody>
-          <a:bodyPr wrap="square" rtlCol="0">
-            <a:spAutoFit/>
-          </a:bodyPr>
-          <a:lstStyle/>
-          <a:p>
-            <a:r>
-              <a:rPr lang="en-US" altLang="ja-JP" dirty="0" smtClean="0"/>
-              <a:t>VSS</a:t>
-            </a:r>
-            <a:r>
-              <a:rPr lang="ja-JP" altLang="en-US" dirty="0" smtClean="0"/>
-              <a:t>情報提供サーバ</a:t>
-            </a:r>
-            <a:endParaRPr kumimoji="1" lang="ja-JP" altLang="en-US" dirty="0"/>
-          </a:p>
-        </p:txBody>
-      </p:sp>
-      <p:cxnSp>
-        <p:nvCxnSpPr>
-          <p:cNvPr id="154" name="直線矢印コネクタ 153"/>
-          <p:cNvCxnSpPr>
-            <a:endCxn id="148" idx="2"/>
-          </p:cNvCxnSpPr>
-          <p:nvPr/>
-        </p:nvCxnSpPr>
-        <p:spPr>
-          <a:xfrm flipH="1" flipV="1">
-            <a:off x="2833199" y="4273755"/>
-            <a:ext cx="80803" cy="889433"/>
-          </a:xfrm>
-          <a:prstGeom prst="straightConnector1">
-            <a:avLst/>
-          </a:prstGeom>
-          <a:ln w="76200" cmpd="sng">
-            <a:tailEnd type="triangle" w="lg" len="lg"/>
-          </a:ln>
-        </p:spPr>
-        <p:style>
-          <a:lnRef idx="1">
-            <a:schemeClr val="dk1"/>
-          </a:lnRef>
-          <a:fillRef idx="0">
-            <a:schemeClr val="dk1"/>
-          </a:fillRef>
-          <a:effectRef idx="0">
-            <a:schemeClr val="dk1"/>
-          </a:effectRef>
-          <a:fontRef idx="minor">
-            <a:schemeClr val="tx1"/>
-          </a:fontRef>
-        </p:style>
-      </p:cxnSp>
-      <p:cxnSp>
-        <p:nvCxnSpPr>
-          <p:cNvPr id="155" name="直線矢印コネクタ 154"/>
-          <p:cNvCxnSpPr/>
-          <p:nvPr/>
-        </p:nvCxnSpPr>
-        <p:spPr>
-          <a:xfrm flipH="1" flipV="1">
-            <a:off x="3149313" y="4303776"/>
-            <a:ext cx="1223827" cy="847033"/>
-          </a:xfrm>
-          <a:prstGeom prst="straightConnector1">
-            <a:avLst/>
-          </a:prstGeom>
-          <a:ln w="76200" cmpd="sng">
-            <a:tailEnd type="triangle" w="lg" len="lg"/>
-          </a:ln>
-        </p:spPr>
-        <p:style>
-          <a:lnRef idx="1">
-            <a:schemeClr val="dk1"/>
-          </a:lnRef>
-          <a:fillRef idx="0">
-            <a:schemeClr val="dk1"/>
-          </a:fillRef>
-          <a:effectRef idx="0">
-            <a:schemeClr val="dk1"/>
-          </a:effectRef>
-          <a:fontRef idx="minor">
-            <a:schemeClr val="tx1"/>
-          </a:fontRef>
-        </p:style>
-      </p:cxnSp>
-      <p:cxnSp>
-        <p:nvCxnSpPr>
-          <p:cNvPr id="156" name="直線矢印コネクタ 155"/>
-          <p:cNvCxnSpPr>
-            <a:endCxn id="149" idx="2"/>
-          </p:cNvCxnSpPr>
-          <p:nvPr/>
-        </p:nvCxnSpPr>
-        <p:spPr>
-          <a:xfrm flipH="1" flipV="1">
-            <a:off x="5749185" y="4273755"/>
-            <a:ext cx="72769" cy="765812"/>
-          </a:xfrm>
-          <a:prstGeom prst="straightConnector1">
-            <a:avLst/>
-          </a:prstGeom>
-          <a:ln w="76200" cmpd="sng">
-            <a:tailEnd type="triangle" w="lg" len="lg"/>
-          </a:ln>
-        </p:spPr>
-        <p:style>
-          <a:lnRef idx="1">
-            <a:schemeClr val="dk1"/>
-          </a:lnRef>
-          <a:fillRef idx="0">
-            <a:schemeClr val="dk1"/>
-          </a:fillRef>
-          <a:effectRef idx="0">
-            <a:schemeClr val="dk1"/>
-          </a:effectRef>
-          <a:fontRef idx="minor">
-            <a:schemeClr val="tx1"/>
-          </a:fontRef>
-        </p:style>
-      </p:cxnSp>
-      <p:cxnSp>
-        <p:nvCxnSpPr>
-          <p:cNvPr id="157" name="直線矢印コネクタ 156"/>
-          <p:cNvCxnSpPr/>
-          <p:nvPr/>
-        </p:nvCxnSpPr>
-        <p:spPr>
-          <a:xfrm flipH="1" flipV="1">
-            <a:off x="5914029" y="4376222"/>
-            <a:ext cx="1101143" cy="716939"/>
-          </a:xfrm>
-          <a:prstGeom prst="straightConnector1">
-            <a:avLst/>
-          </a:prstGeom>
-          <a:ln w="76200" cmpd="sng">
-            <a:tailEnd type="triangle" w="lg" len="lg"/>
-          </a:ln>
-        </p:spPr>
-        <p:style>
-          <a:lnRef idx="1">
-            <a:schemeClr val="dk1"/>
-          </a:lnRef>
-          <a:fillRef idx="0">
-            <a:schemeClr val="dk1"/>
-          </a:fillRef>
-          <a:effectRef idx="0">
-            <a:schemeClr val="dk1"/>
-          </a:effectRef>
-          <a:fontRef idx="minor">
-            <a:schemeClr val="tx1"/>
-          </a:fontRef>
-        </p:style>
-      </p:cxnSp>
-      <p:cxnSp>
-        <p:nvCxnSpPr>
-          <p:cNvPr id="158" name="直線矢印コネクタ 157"/>
-          <p:cNvCxnSpPr/>
-          <p:nvPr/>
-        </p:nvCxnSpPr>
-        <p:spPr>
-          <a:xfrm flipH="1" flipV="1">
-            <a:off x="7975334" y="4423263"/>
-            <a:ext cx="334073" cy="669898"/>
-          </a:xfrm>
-          <a:prstGeom prst="straightConnector1">
-            <a:avLst/>
-          </a:prstGeom>
-          <a:ln w="76200" cmpd="sng">
-            <a:tailEnd type="triangle" w="lg" len="lg"/>
-          </a:ln>
-        </p:spPr>
-        <p:style>
-          <a:lnRef idx="1">
-            <a:schemeClr val="dk1"/>
-          </a:lnRef>
-          <a:fillRef idx="0">
-            <a:schemeClr val="dk1"/>
-          </a:fillRef>
-          <a:effectRef idx="0">
-            <a:schemeClr val="dk1"/>
-          </a:effectRef>
-          <a:fontRef idx="minor">
-            <a:schemeClr val="tx1"/>
-          </a:fontRef>
-        </p:style>
-      </p:cxnSp>
-      <p:cxnSp>
-        <p:nvCxnSpPr>
-          <p:cNvPr id="159" name="直線矢印コネクタ 158"/>
-          <p:cNvCxnSpPr/>
-          <p:nvPr/>
-        </p:nvCxnSpPr>
-        <p:spPr>
-          <a:xfrm flipH="1" flipV="1">
-            <a:off x="9449219" y="4376222"/>
-            <a:ext cx="29898" cy="743836"/>
-          </a:xfrm>
-          <a:prstGeom prst="straightConnector1">
-            <a:avLst/>
-          </a:prstGeom>
-          <a:ln w="76200" cmpd="sng">
-            <a:tailEnd type="triangle" w="lg" len="lg"/>
-          </a:ln>
-        </p:spPr>
-        <p:style>
-          <a:lnRef idx="1">
-            <a:schemeClr val="dk1"/>
-          </a:lnRef>
-          <a:fillRef idx="0">
-            <a:schemeClr val="dk1"/>
-          </a:fillRef>
-          <a:effectRef idx="0">
-            <a:schemeClr val="dk1"/>
-          </a:effectRef>
-          <a:fontRef idx="minor">
-            <a:schemeClr val="tx1"/>
-          </a:fontRef>
-        </p:style>
-      </p:cxnSp>
-      <p:cxnSp>
-        <p:nvCxnSpPr>
-          <p:cNvPr id="160" name="直線矢印コネクタ 159"/>
-          <p:cNvCxnSpPr/>
-          <p:nvPr/>
-        </p:nvCxnSpPr>
-        <p:spPr>
-          <a:xfrm flipV="1">
-            <a:off x="10478175" y="4348970"/>
-            <a:ext cx="600616" cy="771088"/>
-          </a:xfrm>
-          <a:prstGeom prst="straightConnector1">
-            <a:avLst/>
-          </a:prstGeom>
-          <a:ln w="76200" cmpd="sng">
-            <a:tailEnd type="triangle" w="lg" len="lg"/>
-          </a:ln>
-        </p:spPr>
-        <p:style>
-          <a:lnRef idx="1">
-            <a:schemeClr val="dk1"/>
-          </a:lnRef>
-          <a:fillRef idx="0">
-            <a:schemeClr val="dk1"/>
-          </a:fillRef>
-          <a:effectRef idx="0">
-            <a:schemeClr val="dk1"/>
-          </a:effectRef>
-          <a:fontRef idx="minor">
-            <a:schemeClr val="tx1"/>
-          </a:fontRef>
-        </p:style>
-      </p:cxnSp>
-      <p:cxnSp>
-        <p:nvCxnSpPr>
-          <p:cNvPr id="161" name="直線矢印コネクタ 160"/>
-          <p:cNvCxnSpPr/>
-          <p:nvPr/>
-        </p:nvCxnSpPr>
-        <p:spPr>
-          <a:xfrm flipH="1" flipV="1">
-            <a:off x="11250159" y="4230624"/>
-            <a:ext cx="80803" cy="889433"/>
-          </a:xfrm>
-          <a:prstGeom prst="straightConnector1">
-            <a:avLst/>
-          </a:prstGeom>
-          <a:ln w="76200" cmpd="sng">
-            <a:tailEnd type="triangle" w="lg" len="lg"/>
-          </a:ln>
-        </p:spPr>
-        <p:style>
-          <a:lnRef idx="1">
-            <a:schemeClr val="dk1"/>
-          </a:lnRef>
-          <a:fillRef idx="0">
-            <a:schemeClr val="dk1"/>
-          </a:fillRef>
-          <a:effectRef idx="0">
-            <a:schemeClr val="dk1"/>
-          </a:effectRef>
-          <a:fontRef idx="minor">
-            <a:schemeClr val="tx1"/>
-          </a:fontRef>
-        </p:style>
-      </p:cxnSp>
     </p:spTree>
     <p:extLst>
       <p:ext uri="{BB962C8B-B14F-4D97-AF65-F5344CB8AC3E}">
@@ -21048,278 +21063,1485 @@
           <a:chExt cx="0" cy="0"/>
         </a:xfrm>
       </p:grpSpPr>
-      <p:cxnSp>
-        <p:nvCxnSpPr>
-          <p:cNvPr id="3" name="直線コネクタ 2"/>
-          <p:cNvCxnSpPr/>
-          <p:nvPr/>
-        </p:nvCxnSpPr>
-        <p:spPr>
-          <a:xfrm>
-            <a:off x="414528" y="1207008"/>
-            <a:ext cx="11119104" cy="0"/>
-          </a:xfrm>
-          <a:prstGeom prst="line">
-            <a:avLst/>
-          </a:prstGeom>
-        </p:spPr>
-        <p:style>
-          <a:lnRef idx="1">
-            <a:schemeClr val="dk1"/>
-          </a:lnRef>
-          <a:fillRef idx="0">
-            <a:schemeClr val="dk1"/>
-          </a:fillRef>
-          <a:effectRef idx="0">
-            <a:schemeClr val="dk1"/>
-          </a:effectRef>
-          <a:fontRef idx="minor">
-            <a:schemeClr val="tx1"/>
-          </a:fontRef>
-        </p:style>
-      </p:cxnSp>
-      <p:cxnSp>
-        <p:nvCxnSpPr>
-          <p:cNvPr id="4" name="直線コネクタ 3"/>
-          <p:cNvCxnSpPr/>
-          <p:nvPr/>
-        </p:nvCxnSpPr>
-        <p:spPr>
-          <a:xfrm>
-            <a:off x="438912" y="2718816"/>
-            <a:ext cx="11253216" cy="0"/>
-          </a:xfrm>
-          <a:prstGeom prst="line">
-            <a:avLst/>
-          </a:prstGeom>
-        </p:spPr>
-        <p:style>
-          <a:lnRef idx="1">
-            <a:schemeClr val="dk1"/>
-          </a:lnRef>
-          <a:fillRef idx="0">
-            <a:schemeClr val="dk1"/>
-          </a:fillRef>
-          <a:effectRef idx="0">
-            <a:schemeClr val="dk1"/>
-          </a:effectRef>
-          <a:fontRef idx="minor">
-            <a:schemeClr val="tx1"/>
-          </a:fontRef>
-        </p:style>
-      </p:cxnSp>
-      <p:cxnSp>
-        <p:nvCxnSpPr>
-          <p:cNvPr id="5" name="直線コネクタ 4"/>
-          <p:cNvCxnSpPr/>
-          <p:nvPr/>
-        </p:nvCxnSpPr>
-        <p:spPr>
-          <a:xfrm>
-            <a:off x="316992" y="4303776"/>
-            <a:ext cx="11362944" cy="0"/>
-          </a:xfrm>
-          <a:prstGeom prst="line">
-            <a:avLst/>
-          </a:prstGeom>
-        </p:spPr>
-        <p:style>
-          <a:lnRef idx="1">
-            <a:schemeClr val="dk1"/>
-          </a:lnRef>
-          <a:fillRef idx="0">
-            <a:schemeClr val="dk1"/>
-          </a:fillRef>
-          <a:effectRef idx="0">
-            <a:schemeClr val="dk1"/>
-          </a:effectRef>
-          <a:fontRef idx="minor">
-            <a:schemeClr val="tx1"/>
-          </a:fontRef>
-        </p:style>
-      </p:cxnSp>
-      <p:cxnSp>
-        <p:nvCxnSpPr>
-          <p:cNvPr id="6" name="直線コネクタ 5"/>
-          <p:cNvCxnSpPr/>
-          <p:nvPr/>
-        </p:nvCxnSpPr>
-        <p:spPr>
-          <a:xfrm>
-            <a:off x="609600" y="5815584"/>
-            <a:ext cx="10984992" cy="0"/>
-          </a:xfrm>
-          <a:prstGeom prst="line">
-            <a:avLst/>
-          </a:prstGeom>
-        </p:spPr>
-        <p:style>
-          <a:lnRef idx="1">
-            <a:schemeClr val="dk1"/>
-          </a:lnRef>
-          <a:fillRef idx="0">
-            <a:schemeClr val="dk1"/>
-          </a:fillRef>
-          <a:effectRef idx="0">
-            <a:schemeClr val="dk1"/>
-          </a:effectRef>
-          <a:fontRef idx="minor">
-            <a:schemeClr val="tx1"/>
-          </a:fontRef>
-        </p:style>
-      </p:cxnSp>
-      <p:sp>
-        <p:nvSpPr>
-          <p:cNvPr id="39" name="テキスト ボックス 38"/>
-          <p:cNvSpPr txBox="1"/>
-          <p:nvPr/>
-        </p:nvSpPr>
-        <p:spPr>
-          <a:xfrm>
-            <a:off x="316992" y="837676"/>
-            <a:ext cx="2596896" cy="369332"/>
-          </a:xfrm>
-          <a:prstGeom prst="rect">
-            <a:avLst/>
-          </a:prstGeom>
-          <a:noFill/>
-        </p:spPr>
-        <p:txBody>
-          <a:bodyPr wrap="square" rtlCol="0">
-            <a:spAutoFit/>
-          </a:bodyPr>
-          <a:lstStyle/>
-          <a:p>
-            <a:r>
-              <a:rPr kumimoji="1" lang="ja-JP" altLang="en-US" dirty="0" smtClean="0"/>
-              <a:t>パブリックネット</a:t>
-            </a:r>
-            <a:endParaRPr kumimoji="1" lang="ja-JP" altLang="en-US" dirty="0"/>
-          </a:p>
-        </p:txBody>
-      </p:sp>
-      <p:sp>
-        <p:nvSpPr>
-          <p:cNvPr id="40" name="テキスト ボックス 39"/>
-          <p:cNvSpPr txBox="1"/>
-          <p:nvPr/>
-        </p:nvSpPr>
-        <p:spPr>
-          <a:xfrm>
-            <a:off x="316992" y="2349483"/>
-            <a:ext cx="2596896" cy="369332"/>
-          </a:xfrm>
-          <a:prstGeom prst="rect">
-            <a:avLst/>
-          </a:prstGeom>
-          <a:noFill/>
-        </p:spPr>
-        <p:txBody>
-          <a:bodyPr wrap="square" rtlCol="0">
-            <a:spAutoFit/>
-          </a:bodyPr>
-          <a:lstStyle/>
-          <a:p>
-            <a:r>
-              <a:rPr kumimoji="1" lang="ja-JP" altLang="en-US" dirty="0" smtClean="0"/>
-              <a:t>エッジ</a:t>
-            </a:r>
-            <a:endParaRPr kumimoji="1" lang="ja-JP" altLang="en-US" dirty="0"/>
-          </a:p>
-        </p:txBody>
-      </p:sp>
-      <p:sp>
-        <p:nvSpPr>
-          <p:cNvPr id="41" name="テキスト ボックス 40"/>
-          <p:cNvSpPr txBox="1"/>
-          <p:nvPr/>
-        </p:nvSpPr>
-        <p:spPr>
-          <a:xfrm>
-            <a:off x="316992" y="3979638"/>
-            <a:ext cx="2596896" cy="369332"/>
-          </a:xfrm>
-          <a:prstGeom prst="rect">
-            <a:avLst/>
-          </a:prstGeom>
-          <a:noFill/>
-        </p:spPr>
-        <p:txBody>
-          <a:bodyPr wrap="square" rtlCol="0">
-            <a:spAutoFit/>
-          </a:bodyPr>
-          <a:lstStyle/>
-          <a:p>
-            <a:r>
-              <a:rPr lang="ja-JP" altLang="en-US" dirty="0" smtClean="0"/>
-              <a:t>サービス有効</a:t>
-            </a:r>
-            <a:r>
-              <a:rPr lang="ja-JP" altLang="en-US" dirty="0"/>
-              <a:t>範囲</a:t>
-            </a:r>
-            <a:endParaRPr kumimoji="1" lang="ja-JP" altLang="en-US" dirty="0"/>
-          </a:p>
-        </p:txBody>
-      </p:sp>
-      <p:sp>
-        <p:nvSpPr>
-          <p:cNvPr id="43" name="テキスト ボックス 42"/>
-          <p:cNvSpPr txBox="1"/>
-          <p:nvPr/>
-        </p:nvSpPr>
-        <p:spPr>
-          <a:xfrm>
-            <a:off x="316992" y="5463488"/>
-            <a:ext cx="2596896" cy="369332"/>
-          </a:xfrm>
-          <a:prstGeom prst="rect">
-            <a:avLst/>
-          </a:prstGeom>
-          <a:noFill/>
-        </p:spPr>
-        <p:txBody>
-          <a:bodyPr wrap="square" rtlCol="0">
-            <a:spAutoFit/>
-          </a:bodyPr>
-          <a:lstStyle/>
-          <a:p>
-            <a:r>
-              <a:rPr lang="ja-JP" altLang="en-US" dirty="0" smtClean="0"/>
-              <a:t>サービス有効</a:t>
-            </a:r>
-            <a:r>
-              <a:rPr lang="ja-JP" altLang="en-US" dirty="0"/>
-              <a:t>範囲</a:t>
-            </a:r>
-            <a:endParaRPr kumimoji="1" lang="ja-JP" altLang="en-US" dirty="0"/>
-          </a:p>
-        </p:txBody>
-      </p:sp>
       <p:grpSp>
         <p:nvGrpSpPr>
-          <p:cNvPr id="44" name="グループ化 43"/>
+          <p:cNvPr id="2" name="グループ化 1"/>
           <p:cNvGrpSpPr/>
           <p:nvPr/>
         </p:nvGrpSpPr>
         <p:grpSpPr>
           <a:xfrm>
-            <a:off x="5280115" y="335684"/>
-            <a:ext cx="1387930" cy="833278"/>
-            <a:chOff x="5712354" y="2150072"/>
-            <a:chExt cx="4050771" cy="2431980"/>
+            <a:off x="316992" y="335684"/>
+            <a:ext cx="11460892" cy="5497136"/>
+            <a:chOff x="316992" y="335684"/>
+            <a:chExt cx="11460892" cy="5497136"/>
           </a:xfrm>
         </p:grpSpPr>
+        <p:cxnSp>
+          <p:nvCxnSpPr>
+            <p:cNvPr id="3" name="直線コネクタ 2"/>
+            <p:cNvCxnSpPr/>
+            <p:nvPr/>
+          </p:nvCxnSpPr>
+          <p:spPr>
+            <a:xfrm>
+              <a:off x="414528" y="1207008"/>
+              <a:ext cx="11119104" cy="0"/>
+            </a:xfrm>
+            <a:prstGeom prst="line">
+              <a:avLst/>
+            </a:prstGeom>
+          </p:spPr>
+          <p:style>
+            <a:lnRef idx="1">
+              <a:schemeClr val="dk1"/>
+            </a:lnRef>
+            <a:fillRef idx="0">
+              <a:schemeClr val="dk1"/>
+            </a:fillRef>
+            <a:effectRef idx="0">
+              <a:schemeClr val="dk1"/>
+            </a:effectRef>
+            <a:fontRef idx="minor">
+              <a:schemeClr val="tx1"/>
+            </a:fontRef>
+          </p:style>
+        </p:cxnSp>
+        <p:cxnSp>
+          <p:nvCxnSpPr>
+            <p:cNvPr id="4" name="直線コネクタ 3"/>
+            <p:cNvCxnSpPr/>
+            <p:nvPr/>
+          </p:nvCxnSpPr>
+          <p:spPr>
+            <a:xfrm>
+              <a:off x="438912" y="2718816"/>
+              <a:ext cx="11253216" cy="0"/>
+            </a:xfrm>
+            <a:prstGeom prst="line">
+              <a:avLst/>
+            </a:prstGeom>
+          </p:spPr>
+          <p:style>
+            <a:lnRef idx="1">
+              <a:schemeClr val="dk1"/>
+            </a:lnRef>
+            <a:fillRef idx="0">
+              <a:schemeClr val="dk1"/>
+            </a:fillRef>
+            <a:effectRef idx="0">
+              <a:schemeClr val="dk1"/>
+            </a:effectRef>
+            <a:fontRef idx="minor">
+              <a:schemeClr val="tx1"/>
+            </a:fontRef>
+          </p:style>
+        </p:cxnSp>
+        <p:cxnSp>
+          <p:nvCxnSpPr>
+            <p:cNvPr id="5" name="直線コネクタ 4"/>
+            <p:cNvCxnSpPr/>
+            <p:nvPr/>
+          </p:nvCxnSpPr>
+          <p:spPr>
+            <a:xfrm>
+              <a:off x="316992" y="4303776"/>
+              <a:ext cx="11362944" cy="0"/>
+            </a:xfrm>
+            <a:prstGeom prst="line">
+              <a:avLst/>
+            </a:prstGeom>
+          </p:spPr>
+          <p:style>
+            <a:lnRef idx="1">
+              <a:schemeClr val="dk1"/>
+            </a:lnRef>
+            <a:fillRef idx="0">
+              <a:schemeClr val="dk1"/>
+            </a:fillRef>
+            <a:effectRef idx="0">
+              <a:schemeClr val="dk1"/>
+            </a:effectRef>
+            <a:fontRef idx="minor">
+              <a:schemeClr val="tx1"/>
+            </a:fontRef>
+          </p:style>
+        </p:cxnSp>
+        <p:cxnSp>
+          <p:nvCxnSpPr>
+            <p:cNvPr id="6" name="直線コネクタ 5"/>
+            <p:cNvCxnSpPr/>
+            <p:nvPr/>
+          </p:nvCxnSpPr>
+          <p:spPr>
+            <a:xfrm>
+              <a:off x="609600" y="5815584"/>
+              <a:ext cx="10984992" cy="0"/>
+            </a:xfrm>
+            <a:prstGeom prst="line">
+              <a:avLst/>
+            </a:prstGeom>
+          </p:spPr>
+          <p:style>
+            <a:lnRef idx="1">
+              <a:schemeClr val="dk1"/>
+            </a:lnRef>
+            <a:fillRef idx="0">
+              <a:schemeClr val="dk1"/>
+            </a:fillRef>
+            <a:effectRef idx="0">
+              <a:schemeClr val="dk1"/>
+            </a:effectRef>
+            <a:fontRef idx="minor">
+              <a:schemeClr val="tx1"/>
+            </a:fontRef>
+          </p:style>
+        </p:cxnSp>
+        <p:sp>
+          <p:nvSpPr>
+            <p:cNvPr id="39" name="テキスト ボックス 38"/>
+            <p:cNvSpPr txBox="1"/>
+            <p:nvPr/>
+          </p:nvSpPr>
+          <p:spPr>
+            <a:xfrm>
+              <a:off x="316992" y="837676"/>
+              <a:ext cx="2596896" cy="369332"/>
+            </a:xfrm>
+            <a:prstGeom prst="rect">
+              <a:avLst/>
+            </a:prstGeom>
+            <a:noFill/>
+          </p:spPr>
+          <p:txBody>
+            <a:bodyPr wrap="square" rtlCol="0">
+              <a:spAutoFit/>
+            </a:bodyPr>
+            <a:lstStyle/>
+            <a:p>
+              <a:r>
+                <a:rPr kumimoji="1" lang="ja-JP" altLang="en-US" dirty="0" smtClean="0"/>
+                <a:t>パブリックネット</a:t>
+              </a:r>
+              <a:endParaRPr kumimoji="1" lang="ja-JP" altLang="en-US" dirty="0"/>
+            </a:p>
+          </p:txBody>
+        </p:sp>
+        <p:sp>
+          <p:nvSpPr>
+            <p:cNvPr id="40" name="テキスト ボックス 39"/>
+            <p:cNvSpPr txBox="1"/>
+            <p:nvPr/>
+          </p:nvSpPr>
+          <p:spPr>
+            <a:xfrm>
+              <a:off x="316992" y="2349483"/>
+              <a:ext cx="2596896" cy="369332"/>
+            </a:xfrm>
+            <a:prstGeom prst="rect">
+              <a:avLst/>
+            </a:prstGeom>
+            <a:noFill/>
+          </p:spPr>
+          <p:txBody>
+            <a:bodyPr wrap="square" rtlCol="0">
+              <a:spAutoFit/>
+            </a:bodyPr>
+            <a:lstStyle/>
+            <a:p>
+              <a:r>
+                <a:rPr kumimoji="1" lang="ja-JP" altLang="en-US" dirty="0" smtClean="0"/>
+                <a:t>エッジ</a:t>
+              </a:r>
+              <a:endParaRPr kumimoji="1" lang="ja-JP" altLang="en-US" dirty="0"/>
+            </a:p>
+          </p:txBody>
+        </p:sp>
+        <p:sp>
+          <p:nvSpPr>
+            <p:cNvPr id="41" name="テキスト ボックス 40"/>
+            <p:cNvSpPr txBox="1"/>
+            <p:nvPr/>
+          </p:nvSpPr>
+          <p:spPr>
+            <a:xfrm>
+              <a:off x="316992" y="3979638"/>
+              <a:ext cx="2596896" cy="369332"/>
+            </a:xfrm>
+            <a:prstGeom prst="rect">
+              <a:avLst/>
+            </a:prstGeom>
+            <a:noFill/>
+          </p:spPr>
+          <p:txBody>
+            <a:bodyPr wrap="square" rtlCol="0">
+              <a:spAutoFit/>
+            </a:bodyPr>
+            <a:lstStyle/>
+            <a:p>
+              <a:r>
+                <a:rPr lang="ja-JP" altLang="en-US" dirty="0" smtClean="0"/>
+                <a:t>サービス有効</a:t>
+              </a:r>
+              <a:r>
+                <a:rPr lang="ja-JP" altLang="en-US" dirty="0"/>
+                <a:t>範囲</a:t>
+              </a:r>
+              <a:endParaRPr kumimoji="1" lang="ja-JP" altLang="en-US" dirty="0"/>
+            </a:p>
+          </p:txBody>
+        </p:sp>
+        <p:sp>
+          <p:nvSpPr>
+            <p:cNvPr id="43" name="テキスト ボックス 42"/>
+            <p:cNvSpPr txBox="1"/>
+            <p:nvPr/>
+          </p:nvSpPr>
+          <p:spPr>
+            <a:xfrm>
+              <a:off x="316992" y="5463488"/>
+              <a:ext cx="2596896" cy="369332"/>
+            </a:xfrm>
+            <a:prstGeom prst="rect">
+              <a:avLst/>
+            </a:prstGeom>
+            <a:noFill/>
+          </p:spPr>
+          <p:txBody>
+            <a:bodyPr wrap="square" rtlCol="0">
+              <a:spAutoFit/>
+            </a:bodyPr>
+            <a:lstStyle/>
+            <a:p>
+              <a:r>
+                <a:rPr lang="ja-JP" altLang="en-US" dirty="0" smtClean="0"/>
+                <a:t>サービス有効</a:t>
+              </a:r>
+              <a:r>
+                <a:rPr lang="ja-JP" altLang="en-US" dirty="0"/>
+                <a:t>範囲</a:t>
+              </a:r>
+              <a:endParaRPr kumimoji="1" lang="ja-JP" altLang="en-US" dirty="0"/>
+            </a:p>
+          </p:txBody>
+        </p:sp>
+        <p:grpSp>
+          <p:nvGrpSpPr>
+            <p:cNvPr id="44" name="グループ化 43"/>
+            <p:cNvGrpSpPr/>
+            <p:nvPr/>
+          </p:nvGrpSpPr>
+          <p:grpSpPr>
+            <a:xfrm>
+              <a:off x="5280115" y="335684"/>
+              <a:ext cx="1387930" cy="833278"/>
+              <a:chOff x="5712354" y="2150072"/>
+              <a:chExt cx="4050771" cy="2431980"/>
+            </a:xfrm>
+          </p:grpSpPr>
+          <p:pic>
+            <p:nvPicPr>
+              <p:cNvPr id="45" name="Picture 8" descr="サーバのイラスト（1台）"/>
+              <p:cNvPicPr>
+                <a:picLocks noChangeAspect="1" noChangeArrowheads="1"/>
+              </p:cNvPicPr>
+              <p:nvPr/>
+            </p:nvPicPr>
+            <p:blipFill>
+              <a:blip r:embed="rId2" cstate="print">
+                <a:extLst>
+                  <a:ext uri="{28A0092B-C50C-407E-A947-70E740481C1C}">
+                    <a14:useLocalDpi xmlns:a14="http://schemas.microsoft.com/office/drawing/2010/main" val="0"/>
+                  </a:ext>
+                </a:extLst>
+              </a:blip>
+              <a:srcRect/>
+              <a:stretch>
+                <a:fillRect/>
+              </a:stretch>
+            </p:blipFill>
+            <p:spPr bwMode="auto">
+              <a:xfrm>
+                <a:off x="6387042" y="2150072"/>
+                <a:ext cx="1714500" cy="1714500"/>
+              </a:xfrm>
+              <a:prstGeom prst="rect">
+                <a:avLst/>
+              </a:prstGeom>
+              <a:noFill/>
+              <a:extLst>
+                <a:ext uri="{909E8E84-426E-40DD-AFC4-6F175D3DCCD1}">
+                  <a14:hiddenFill xmlns:a14="http://schemas.microsoft.com/office/drawing/2010/main">
+                    <a:solidFill>
+                      <a:srgbClr val="FFFFFF"/>
+                    </a:solidFill>
+                  </a14:hiddenFill>
+                </a:ext>
+              </a:extLst>
+            </p:spPr>
+          </p:pic>
+          <p:pic>
+            <p:nvPicPr>
+              <p:cNvPr id="46" name="Picture 6" descr="雲のイラスト"/>
+              <p:cNvPicPr>
+                <a:picLocks noChangeAspect="1" noChangeArrowheads="1"/>
+              </p:cNvPicPr>
+              <p:nvPr/>
+            </p:nvPicPr>
+            <p:blipFill rotWithShape="1">
+              <a:blip r:embed="rId3">
+                <a:extLst>
+                  <a:ext uri="{28A0092B-C50C-407E-A947-70E740481C1C}">
+                    <a14:useLocalDpi xmlns:a14="http://schemas.microsoft.com/office/drawing/2010/main" val="0"/>
+                  </a:ext>
+                </a:extLst>
+              </a:blip>
+              <a:srcRect b="57768"/>
+              <a:stretch/>
+            </p:blipFill>
+            <p:spPr bwMode="auto">
+              <a:xfrm>
+                <a:off x="5712354" y="2871327"/>
+                <a:ext cx="4050771" cy="1710725"/>
+              </a:xfrm>
+              <a:prstGeom prst="rect">
+                <a:avLst/>
+              </a:prstGeom>
+              <a:noFill/>
+              <a:extLst>
+                <a:ext uri="{909E8E84-426E-40DD-AFC4-6F175D3DCCD1}">
+                  <a14:hiddenFill xmlns:a14="http://schemas.microsoft.com/office/drawing/2010/main">
+                    <a:solidFill>
+                      <a:srgbClr val="FFFFFF"/>
+                    </a:solidFill>
+                  </a14:hiddenFill>
+                </a:ext>
+              </a:extLst>
+            </p:spPr>
+          </p:pic>
+        </p:grpSp>
+        <p:grpSp>
+          <p:nvGrpSpPr>
+            <p:cNvPr id="47" name="グループ化 46"/>
+            <p:cNvGrpSpPr/>
+            <p:nvPr/>
+          </p:nvGrpSpPr>
+          <p:grpSpPr>
+            <a:xfrm>
+              <a:off x="2466845" y="4960375"/>
+              <a:ext cx="894086" cy="810016"/>
+              <a:chOff x="1332577" y="3645685"/>
+              <a:chExt cx="1670364" cy="1513301"/>
+            </a:xfrm>
+          </p:grpSpPr>
+          <p:pic>
+            <p:nvPicPr>
+              <p:cNvPr id="48" name="Picture 2" descr="サーバのイラスト（1台）"/>
+              <p:cNvPicPr>
+                <a:picLocks noChangeAspect="1" noChangeArrowheads="1"/>
+              </p:cNvPicPr>
+              <p:nvPr/>
+            </p:nvPicPr>
+            <p:blipFill>
+              <a:blip r:embed="rId4" cstate="print">
+                <a:extLst>
+                  <a:ext uri="{28A0092B-C50C-407E-A947-70E740481C1C}">
+                    <a14:useLocalDpi xmlns:a14="http://schemas.microsoft.com/office/drawing/2010/main" val="0"/>
+                  </a:ext>
+                </a:extLst>
+              </a:blip>
+              <a:srcRect/>
+              <a:stretch>
+                <a:fillRect/>
+              </a:stretch>
+            </p:blipFill>
+            <p:spPr bwMode="auto">
+              <a:xfrm>
+                <a:off x="1696870" y="3645685"/>
+                <a:ext cx="973178" cy="973178"/>
+              </a:xfrm>
+              <a:prstGeom prst="rect">
+                <a:avLst/>
+              </a:prstGeom>
+              <a:noFill/>
+              <a:extLst>
+                <a:ext uri="{909E8E84-426E-40DD-AFC4-6F175D3DCCD1}">
+                  <a14:hiddenFill xmlns:a14="http://schemas.microsoft.com/office/drawing/2010/main">
+                    <a:solidFill>
+                      <a:srgbClr val="FFFFFF"/>
+                    </a:solidFill>
+                  </a14:hiddenFill>
+                </a:ext>
+              </a:extLst>
+            </p:spPr>
+          </p:pic>
+          <p:pic>
+            <p:nvPicPr>
+              <p:cNvPr id="49" name="Picture 4" descr="ドーム形の防犯カメラのイラスト"/>
+              <p:cNvPicPr>
+                <a:picLocks noChangeAspect="1" noChangeArrowheads="1"/>
+              </p:cNvPicPr>
+              <p:nvPr/>
+            </p:nvPicPr>
+            <p:blipFill>
+              <a:blip r:embed="rId5" cstate="print">
+                <a:extLst>
+                  <a:ext uri="{28A0092B-C50C-407E-A947-70E740481C1C}">
+                    <a14:useLocalDpi xmlns:a14="http://schemas.microsoft.com/office/drawing/2010/main" val="0"/>
+                  </a:ext>
+                </a:extLst>
+              </a:blip>
+              <a:srcRect/>
+              <a:stretch>
+                <a:fillRect/>
+              </a:stretch>
+            </p:blipFill>
+            <p:spPr bwMode="auto">
+              <a:xfrm>
+                <a:off x="1332577" y="4222658"/>
+                <a:ext cx="936328" cy="936328"/>
+              </a:xfrm>
+              <a:prstGeom prst="rect">
+                <a:avLst/>
+              </a:prstGeom>
+              <a:noFill/>
+              <a:extLst>
+                <a:ext uri="{909E8E84-426E-40DD-AFC4-6F175D3DCCD1}">
+                  <a14:hiddenFill xmlns:a14="http://schemas.microsoft.com/office/drawing/2010/main">
+                    <a:solidFill>
+                      <a:srgbClr val="FFFFFF"/>
+                    </a:solidFill>
+                  </a14:hiddenFill>
+                </a:ext>
+              </a:extLst>
+            </p:spPr>
+          </p:pic>
+          <p:sp>
+            <p:nvSpPr>
+              <p:cNvPr id="50" name="楕円 49"/>
+              <p:cNvSpPr/>
+              <p:nvPr/>
+            </p:nvSpPr>
+            <p:spPr>
+              <a:xfrm>
+                <a:off x="1909726" y="4094046"/>
+                <a:ext cx="1093215" cy="628370"/>
+              </a:xfrm>
+              <a:prstGeom prst="ellipse">
+                <a:avLst/>
+              </a:prstGeom>
+            </p:spPr>
+            <p:style>
+              <a:lnRef idx="1">
+                <a:schemeClr val="accent4"/>
+              </a:lnRef>
+              <a:fillRef idx="2">
+                <a:schemeClr val="accent4"/>
+              </a:fillRef>
+              <a:effectRef idx="1">
+                <a:schemeClr val="accent4"/>
+              </a:effectRef>
+              <a:fontRef idx="minor">
+                <a:schemeClr val="dk1"/>
+              </a:fontRef>
+            </p:style>
+            <p:txBody>
+              <a:bodyPr rtlCol="0" anchor="ctr"/>
+              <a:lstStyle/>
+              <a:p>
+                <a:pPr algn="ctr"/>
+                <a:r>
+                  <a:rPr lang="en-US" altLang="ja-JP" sz="900" dirty="0"/>
+                  <a:t>VSS</a:t>
+                </a:r>
+                <a:endParaRPr kumimoji="1" lang="ja-JP" altLang="en-US" sz="2400" dirty="0"/>
+              </a:p>
+            </p:txBody>
+          </p:sp>
+        </p:grpSp>
+        <p:grpSp>
+          <p:nvGrpSpPr>
+            <p:cNvPr id="51" name="グループ化 50"/>
+            <p:cNvGrpSpPr/>
+            <p:nvPr/>
+          </p:nvGrpSpPr>
+          <p:grpSpPr>
+            <a:xfrm>
+              <a:off x="3917693" y="4960375"/>
+              <a:ext cx="894086" cy="810016"/>
+              <a:chOff x="1332577" y="3645685"/>
+              <a:chExt cx="1670364" cy="1513301"/>
+            </a:xfrm>
+          </p:grpSpPr>
+          <p:pic>
+            <p:nvPicPr>
+              <p:cNvPr id="52" name="Picture 2" descr="サーバのイラスト（1台）"/>
+              <p:cNvPicPr>
+                <a:picLocks noChangeAspect="1" noChangeArrowheads="1"/>
+              </p:cNvPicPr>
+              <p:nvPr/>
+            </p:nvPicPr>
+            <p:blipFill>
+              <a:blip r:embed="rId4" cstate="print">
+                <a:extLst>
+                  <a:ext uri="{28A0092B-C50C-407E-A947-70E740481C1C}">
+                    <a14:useLocalDpi xmlns:a14="http://schemas.microsoft.com/office/drawing/2010/main" val="0"/>
+                  </a:ext>
+                </a:extLst>
+              </a:blip>
+              <a:srcRect/>
+              <a:stretch>
+                <a:fillRect/>
+              </a:stretch>
+            </p:blipFill>
+            <p:spPr bwMode="auto">
+              <a:xfrm>
+                <a:off x="1696870" y="3645685"/>
+                <a:ext cx="973178" cy="973178"/>
+              </a:xfrm>
+              <a:prstGeom prst="rect">
+                <a:avLst/>
+              </a:prstGeom>
+              <a:noFill/>
+              <a:extLst>
+                <a:ext uri="{909E8E84-426E-40DD-AFC4-6F175D3DCCD1}">
+                  <a14:hiddenFill xmlns:a14="http://schemas.microsoft.com/office/drawing/2010/main">
+                    <a:solidFill>
+                      <a:srgbClr val="FFFFFF"/>
+                    </a:solidFill>
+                  </a14:hiddenFill>
+                </a:ext>
+              </a:extLst>
+            </p:spPr>
+          </p:pic>
+          <p:pic>
+            <p:nvPicPr>
+              <p:cNvPr id="53" name="Picture 4" descr="ドーム形の防犯カメラのイラスト"/>
+              <p:cNvPicPr>
+                <a:picLocks noChangeAspect="1" noChangeArrowheads="1"/>
+              </p:cNvPicPr>
+              <p:nvPr/>
+            </p:nvPicPr>
+            <p:blipFill>
+              <a:blip r:embed="rId5" cstate="print">
+                <a:extLst>
+                  <a:ext uri="{28A0092B-C50C-407E-A947-70E740481C1C}">
+                    <a14:useLocalDpi xmlns:a14="http://schemas.microsoft.com/office/drawing/2010/main" val="0"/>
+                  </a:ext>
+                </a:extLst>
+              </a:blip>
+              <a:srcRect/>
+              <a:stretch>
+                <a:fillRect/>
+              </a:stretch>
+            </p:blipFill>
+            <p:spPr bwMode="auto">
+              <a:xfrm>
+                <a:off x="1332577" y="4222658"/>
+                <a:ext cx="936328" cy="936328"/>
+              </a:xfrm>
+              <a:prstGeom prst="rect">
+                <a:avLst/>
+              </a:prstGeom>
+              <a:noFill/>
+              <a:extLst>
+                <a:ext uri="{909E8E84-426E-40DD-AFC4-6F175D3DCCD1}">
+                  <a14:hiddenFill xmlns:a14="http://schemas.microsoft.com/office/drawing/2010/main">
+                    <a:solidFill>
+                      <a:srgbClr val="FFFFFF"/>
+                    </a:solidFill>
+                  </a14:hiddenFill>
+                </a:ext>
+              </a:extLst>
+            </p:spPr>
+          </p:pic>
+          <p:sp>
+            <p:nvSpPr>
+              <p:cNvPr id="54" name="楕円 53"/>
+              <p:cNvSpPr/>
+              <p:nvPr/>
+            </p:nvSpPr>
+            <p:spPr>
+              <a:xfrm>
+                <a:off x="1909726" y="4094046"/>
+                <a:ext cx="1093215" cy="628370"/>
+              </a:xfrm>
+              <a:prstGeom prst="ellipse">
+                <a:avLst/>
+              </a:prstGeom>
+            </p:spPr>
+            <p:style>
+              <a:lnRef idx="1">
+                <a:schemeClr val="accent4"/>
+              </a:lnRef>
+              <a:fillRef idx="2">
+                <a:schemeClr val="accent4"/>
+              </a:fillRef>
+              <a:effectRef idx="1">
+                <a:schemeClr val="accent4"/>
+              </a:effectRef>
+              <a:fontRef idx="minor">
+                <a:schemeClr val="dk1"/>
+              </a:fontRef>
+            </p:style>
+            <p:txBody>
+              <a:bodyPr rtlCol="0" anchor="ctr"/>
+              <a:lstStyle/>
+              <a:p>
+                <a:pPr algn="ctr"/>
+                <a:r>
+                  <a:rPr lang="en-US" altLang="ja-JP" sz="900" dirty="0"/>
+                  <a:t>VSS</a:t>
+                </a:r>
+                <a:endParaRPr kumimoji="1" lang="ja-JP" altLang="en-US" sz="2400" dirty="0"/>
+              </a:p>
+            </p:txBody>
+          </p:sp>
+        </p:grpSp>
+        <p:grpSp>
+          <p:nvGrpSpPr>
+            <p:cNvPr id="55" name="グループ化 54"/>
+            <p:cNvGrpSpPr/>
+            <p:nvPr/>
+          </p:nvGrpSpPr>
+          <p:grpSpPr>
+            <a:xfrm>
+              <a:off x="5443721" y="4960375"/>
+              <a:ext cx="894086" cy="810016"/>
+              <a:chOff x="1332577" y="3645685"/>
+              <a:chExt cx="1670364" cy="1513301"/>
+            </a:xfrm>
+          </p:grpSpPr>
+          <p:pic>
+            <p:nvPicPr>
+              <p:cNvPr id="56" name="Picture 2" descr="サーバのイラスト（1台）"/>
+              <p:cNvPicPr>
+                <a:picLocks noChangeAspect="1" noChangeArrowheads="1"/>
+              </p:cNvPicPr>
+              <p:nvPr/>
+            </p:nvPicPr>
+            <p:blipFill>
+              <a:blip r:embed="rId4" cstate="print">
+                <a:extLst>
+                  <a:ext uri="{28A0092B-C50C-407E-A947-70E740481C1C}">
+                    <a14:useLocalDpi xmlns:a14="http://schemas.microsoft.com/office/drawing/2010/main" val="0"/>
+                  </a:ext>
+                </a:extLst>
+              </a:blip>
+              <a:srcRect/>
+              <a:stretch>
+                <a:fillRect/>
+              </a:stretch>
+            </p:blipFill>
+            <p:spPr bwMode="auto">
+              <a:xfrm>
+                <a:off x="1696870" y="3645685"/>
+                <a:ext cx="973178" cy="973178"/>
+              </a:xfrm>
+              <a:prstGeom prst="rect">
+                <a:avLst/>
+              </a:prstGeom>
+              <a:noFill/>
+              <a:extLst>
+                <a:ext uri="{909E8E84-426E-40DD-AFC4-6F175D3DCCD1}">
+                  <a14:hiddenFill xmlns:a14="http://schemas.microsoft.com/office/drawing/2010/main">
+                    <a:solidFill>
+                      <a:srgbClr val="FFFFFF"/>
+                    </a:solidFill>
+                  </a14:hiddenFill>
+                </a:ext>
+              </a:extLst>
+            </p:spPr>
+          </p:pic>
+          <p:pic>
+            <p:nvPicPr>
+              <p:cNvPr id="57" name="Picture 4" descr="ドーム形の防犯カメラのイラスト"/>
+              <p:cNvPicPr>
+                <a:picLocks noChangeAspect="1" noChangeArrowheads="1"/>
+              </p:cNvPicPr>
+              <p:nvPr/>
+            </p:nvPicPr>
+            <p:blipFill>
+              <a:blip r:embed="rId5" cstate="print">
+                <a:extLst>
+                  <a:ext uri="{28A0092B-C50C-407E-A947-70E740481C1C}">
+                    <a14:useLocalDpi xmlns:a14="http://schemas.microsoft.com/office/drawing/2010/main" val="0"/>
+                  </a:ext>
+                </a:extLst>
+              </a:blip>
+              <a:srcRect/>
+              <a:stretch>
+                <a:fillRect/>
+              </a:stretch>
+            </p:blipFill>
+            <p:spPr bwMode="auto">
+              <a:xfrm>
+                <a:off x="1332577" y="4222658"/>
+                <a:ext cx="936328" cy="936328"/>
+              </a:xfrm>
+              <a:prstGeom prst="rect">
+                <a:avLst/>
+              </a:prstGeom>
+              <a:noFill/>
+              <a:extLst>
+                <a:ext uri="{909E8E84-426E-40DD-AFC4-6F175D3DCCD1}">
+                  <a14:hiddenFill xmlns:a14="http://schemas.microsoft.com/office/drawing/2010/main">
+                    <a:solidFill>
+                      <a:srgbClr val="FFFFFF"/>
+                    </a:solidFill>
+                  </a14:hiddenFill>
+                </a:ext>
+              </a:extLst>
+            </p:spPr>
+          </p:pic>
+          <p:sp>
+            <p:nvSpPr>
+              <p:cNvPr id="58" name="楕円 57"/>
+              <p:cNvSpPr/>
+              <p:nvPr/>
+            </p:nvSpPr>
+            <p:spPr>
+              <a:xfrm>
+                <a:off x="1909726" y="4094046"/>
+                <a:ext cx="1093215" cy="628370"/>
+              </a:xfrm>
+              <a:prstGeom prst="ellipse">
+                <a:avLst/>
+              </a:prstGeom>
+            </p:spPr>
+            <p:style>
+              <a:lnRef idx="1">
+                <a:schemeClr val="accent4"/>
+              </a:lnRef>
+              <a:fillRef idx="2">
+                <a:schemeClr val="accent4"/>
+              </a:fillRef>
+              <a:effectRef idx="1">
+                <a:schemeClr val="accent4"/>
+              </a:effectRef>
+              <a:fontRef idx="minor">
+                <a:schemeClr val="dk1"/>
+              </a:fontRef>
+            </p:style>
+            <p:txBody>
+              <a:bodyPr rtlCol="0" anchor="ctr"/>
+              <a:lstStyle/>
+              <a:p>
+                <a:pPr algn="ctr"/>
+                <a:r>
+                  <a:rPr lang="en-US" altLang="ja-JP" sz="900" dirty="0"/>
+                  <a:t>VSS</a:t>
+                </a:r>
+                <a:endParaRPr kumimoji="1" lang="ja-JP" altLang="en-US" sz="2400" dirty="0"/>
+              </a:p>
+            </p:txBody>
+          </p:sp>
+        </p:grpSp>
+        <p:grpSp>
+          <p:nvGrpSpPr>
+            <p:cNvPr id="59" name="グループ化 58"/>
+            <p:cNvGrpSpPr/>
+            <p:nvPr/>
+          </p:nvGrpSpPr>
+          <p:grpSpPr>
+            <a:xfrm>
+              <a:off x="6589769" y="4960375"/>
+              <a:ext cx="894086" cy="810016"/>
+              <a:chOff x="1332577" y="3645685"/>
+              <a:chExt cx="1670364" cy="1513301"/>
+            </a:xfrm>
+          </p:grpSpPr>
+          <p:pic>
+            <p:nvPicPr>
+              <p:cNvPr id="60" name="Picture 2" descr="サーバのイラスト（1台）"/>
+              <p:cNvPicPr>
+                <a:picLocks noChangeAspect="1" noChangeArrowheads="1"/>
+              </p:cNvPicPr>
+              <p:nvPr/>
+            </p:nvPicPr>
+            <p:blipFill>
+              <a:blip r:embed="rId4" cstate="print">
+                <a:extLst>
+                  <a:ext uri="{28A0092B-C50C-407E-A947-70E740481C1C}">
+                    <a14:useLocalDpi xmlns:a14="http://schemas.microsoft.com/office/drawing/2010/main" val="0"/>
+                  </a:ext>
+                </a:extLst>
+              </a:blip>
+              <a:srcRect/>
+              <a:stretch>
+                <a:fillRect/>
+              </a:stretch>
+            </p:blipFill>
+            <p:spPr bwMode="auto">
+              <a:xfrm>
+                <a:off x="1696870" y="3645685"/>
+                <a:ext cx="973178" cy="973178"/>
+              </a:xfrm>
+              <a:prstGeom prst="rect">
+                <a:avLst/>
+              </a:prstGeom>
+              <a:noFill/>
+              <a:extLst>
+                <a:ext uri="{909E8E84-426E-40DD-AFC4-6F175D3DCCD1}">
+                  <a14:hiddenFill xmlns:a14="http://schemas.microsoft.com/office/drawing/2010/main">
+                    <a:solidFill>
+                      <a:srgbClr val="FFFFFF"/>
+                    </a:solidFill>
+                  </a14:hiddenFill>
+                </a:ext>
+              </a:extLst>
+            </p:spPr>
+          </p:pic>
+          <p:pic>
+            <p:nvPicPr>
+              <p:cNvPr id="61" name="Picture 4" descr="ドーム形の防犯カメラのイラスト"/>
+              <p:cNvPicPr>
+                <a:picLocks noChangeAspect="1" noChangeArrowheads="1"/>
+              </p:cNvPicPr>
+              <p:nvPr/>
+            </p:nvPicPr>
+            <p:blipFill>
+              <a:blip r:embed="rId5" cstate="print">
+                <a:extLst>
+                  <a:ext uri="{28A0092B-C50C-407E-A947-70E740481C1C}">
+                    <a14:useLocalDpi xmlns:a14="http://schemas.microsoft.com/office/drawing/2010/main" val="0"/>
+                  </a:ext>
+                </a:extLst>
+              </a:blip>
+              <a:srcRect/>
+              <a:stretch>
+                <a:fillRect/>
+              </a:stretch>
+            </p:blipFill>
+            <p:spPr bwMode="auto">
+              <a:xfrm>
+                <a:off x="1332577" y="4222658"/>
+                <a:ext cx="936328" cy="936328"/>
+              </a:xfrm>
+              <a:prstGeom prst="rect">
+                <a:avLst/>
+              </a:prstGeom>
+              <a:noFill/>
+              <a:extLst>
+                <a:ext uri="{909E8E84-426E-40DD-AFC4-6F175D3DCCD1}">
+                  <a14:hiddenFill xmlns:a14="http://schemas.microsoft.com/office/drawing/2010/main">
+                    <a:solidFill>
+                      <a:srgbClr val="FFFFFF"/>
+                    </a:solidFill>
+                  </a14:hiddenFill>
+                </a:ext>
+              </a:extLst>
+            </p:spPr>
+          </p:pic>
+          <p:sp>
+            <p:nvSpPr>
+              <p:cNvPr id="62" name="楕円 61"/>
+              <p:cNvSpPr/>
+              <p:nvPr/>
+            </p:nvSpPr>
+            <p:spPr>
+              <a:xfrm>
+                <a:off x="1909726" y="4094046"/>
+                <a:ext cx="1093215" cy="628370"/>
+              </a:xfrm>
+              <a:prstGeom prst="ellipse">
+                <a:avLst/>
+              </a:prstGeom>
+            </p:spPr>
+            <p:style>
+              <a:lnRef idx="1">
+                <a:schemeClr val="accent4"/>
+              </a:lnRef>
+              <a:fillRef idx="2">
+                <a:schemeClr val="accent4"/>
+              </a:fillRef>
+              <a:effectRef idx="1">
+                <a:schemeClr val="accent4"/>
+              </a:effectRef>
+              <a:fontRef idx="minor">
+                <a:schemeClr val="dk1"/>
+              </a:fontRef>
+            </p:style>
+            <p:txBody>
+              <a:bodyPr rtlCol="0" anchor="ctr"/>
+              <a:lstStyle/>
+              <a:p>
+                <a:pPr algn="ctr"/>
+                <a:r>
+                  <a:rPr lang="en-US" altLang="ja-JP" sz="900" dirty="0"/>
+                  <a:t>VSS</a:t>
+                </a:r>
+                <a:endParaRPr kumimoji="1" lang="ja-JP" altLang="en-US" sz="2400" dirty="0"/>
+              </a:p>
+            </p:txBody>
+          </p:sp>
+        </p:grpSp>
+        <p:grpSp>
+          <p:nvGrpSpPr>
+            <p:cNvPr id="63" name="グループ化 62"/>
+            <p:cNvGrpSpPr/>
+            <p:nvPr/>
+          </p:nvGrpSpPr>
+          <p:grpSpPr>
+            <a:xfrm>
+              <a:off x="7773157" y="4960375"/>
+              <a:ext cx="894086" cy="810016"/>
+              <a:chOff x="1332577" y="3645685"/>
+              <a:chExt cx="1670364" cy="1513301"/>
+            </a:xfrm>
+          </p:grpSpPr>
+          <p:pic>
+            <p:nvPicPr>
+              <p:cNvPr id="64" name="Picture 2" descr="サーバのイラスト（1台）"/>
+              <p:cNvPicPr>
+                <a:picLocks noChangeAspect="1" noChangeArrowheads="1"/>
+              </p:cNvPicPr>
+              <p:nvPr/>
+            </p:nvPicPr>
+            <p:blipFill>
+              <a:blip r:embed="rId4" cstate="print">
+                <a:extLst>
+                  <a:ext uri="{28A0092B-C50C-407E-A947-70E740481C1C}">
+                    <a14:useLocalDpi xmlns:a14="http://schemas.microsoft.com/office/drawing/2010/main" val="0"/>
+                  </a:ext>
+                </a:extLst>
+              </a:blip>
+              <a:srcRect/>
+              <a:stretch>
+                <a:fillRect/>
+              </a:stretch>
+            </p:blipFill>
+            <p:spPr bwMode="auto">
+              <a:xfrm>
+                <a:off x="1696870" y="3645685"/>
+                <a:ext cx="973178" cy="973178"/>
+              </a:xfrm>
+              <a:prstGeom prst="rect">
+                <a:avLst/>
+              </a:prstGeom>
+              <a:noFill/>
+              <a:extLst>
+                <a:ext uri="{909E8E84-426E-40DD-AFC4-6F175D3DCCD1}">
+                  <a14:hiddenFill xmlns:a14="http://schemas.microsoft.com/office/drawing/2010/main">
+                    <a:solidFill>
+                      <a:srgbClr val="FFFFFF"/>
+                    </a:solidFill>
+                  </a14:hiddenFill>
+                </a:ext>
+              </a:extLst>
+            </p:spPr>
+          </p:pic>
+          <p:pic>
+            <p:nvPicPr>
+              <p:cNvPr id="65" name="Picture 4" descr="ドーム形の防犯カメラのイラスト"/>
+              <p:cNvPicPr>
+                <a:picLocks noChangeAspect="1" noChangeArrowheads="1"/>
+              </p:cNvPicPr>
+              <p:nvPr/>
+            </p:nvPicPr>
+            <p:blipFill>
+              <a:blip r:embed="rId5" cstate="print">
+                <a:extLst>
+                  <a:ext uri="{28A0092B-C50C-407E-A947-70E740481C1C}">
+                    <a14:useLocalDpi xmlns:a14="http://schemas.microsoft.com/office/drawing/2010/main" val="0"/>
+                  </a:ext>
+                </a:extLst>
+              </a:blip>
+              <a:srcRect/>
+              <a:stretch>
+                <a:fillRect/>
+              </a:stretch>
+            </p:blipFill>
+            <p:spPr bwMode="auto">
+              <a:xfrm>
+                <a:off x="1332577" y="4222658"/>
+                <a:ext cx="936328" cy="936328"/>
+              </a:xfrm>
+              <a:prstGeom prst="rect">
+                <a:avLst/>
+              </a:prstGeom>
+              <a:noFill/>
+              <a:extLst>
+                <a:ext uri="{909E8E84-426E-40DD-AFC4-6F175D3DCCD1}">
+                  <a14:hiddenFill xmlns:a14="http://schemas.microsoft.com/office/drawing/2010/main">
+                    <a:solidFill>
+                      <a:srgbClr val="FFFFFF"/>
+                    </a:solidFill>
+                  </a14:hiddenFill>
+                </a:ext>
+              </a:extLst>
+            </p:spPr>
+          </p:pic>
+          <p:sp>
+            <p:nvSpPr>
+              <p:cNvPr id="66" name="楕円 65"/>
+              <p:cNvSpPr/>
+              <p:nvPr/>
+            </p:nvSpPr>
+            <p:spPr>
+              <a:xfrm>
+                <a:off x="1909726" y="4094046"/>
+                <a:ext cx="1093215" cy="628370"/>
+              </a:xfrm>
+              <a:prstGeom prst="ellipse">
+                <a:avLst/>
+              </a:prstGeom>
+            </p:spPr>
+            <p:style>
+              <a:lnRef idx="1">
+                <a:schemeClr val="accent4"/>
+              </a:lnRef>
+              <a:fillRef idx="2">
+                <a:schemeClr val="accent4"/>
+              </a:fillRef>
+              <a:effectRef idx="1">
+                <a:schemeClr val="accent4"/>
+              </a:effectRef>
+              <a:fontRef idx="minor">
+                <a:schemeClr val="dk1"/>
+              </a:fontRef>
+            </p:style>
+            <p:txBody>
+              <a:bodyPr rtlCol="0" anchor="ctr"/>
+              <a:lstStyle/>
+              <a:p>
+                <a:pPr algn="ctr"/>
+                <a:r>
+                  <a:rPr lang="en-US" altLang="ja-JP" sz="900" dirty="0"/>
+                  <a:t>VSS</a:t>
+                </a:r>
+                <a:endParaRPr kumimoji="1" lang="ja-JP" altLang="en-US" sz="2400" dirty="0"/>
+              </a:p>
+            </p:txBody>
+          </p:sp>
+        </p:grpSp>
+        <p:grpSp>
+          <p:nvGrpSpPr>
+            <p:cNvPr id="67" name="グループ化 66"/>
+            <p:cNvGrpSpPr/>
+            <p:nvPr/>
+          </p:nvGrpSpPr>
+          <p:grpSpPr>
+            <a:xfrm>
+              <a:off x="9028169" y="4960375"/>
+              <a:ext cx="894086" cy="810016"/>
+              <a:chOff x="1332577" y="3645685"/>
+              <a:chExt cx="1670364" cy="1513301"/>
+            </a:xfrm>
+          </p:grpSpPr>
+          <p:pic>
+            <p:nvPicPr>
+              <p:cNvPr id="68" name="Picture 2" descr="サーバのイラスト（1台）"/>
+              <p:cNvPicPr>
+                <a:picLocks noChangeAspect="1" noChangeArrowheads="1"/>
+              </p:cNvPicPr>
+              <p:nvPr/>
+            </p:nvPicPr>
+            <p:blipFill>
+              <a:blip r:embed="rId4" cstate="print">
+                <a:extLst>
+                  <a:ext uri="{28A0092B-C50C-407E-A947-70E740481C1C}">
+                    <a14:useLocalDpi xmlns:a14="http://schemas.microsoft.com/office/drawing/2010/main" val="0"/>
+                  </a:ext>
+                </a:extLst>
+              </a:blip>
+              <a:srcRect/>
+              <a:stretch>
+                <a:fillRect/>
+              </a:stretch>
+            </p:blipFill>
+            <p:spPr bwMode="auto">
+              <a:xfrm>
+                <a:off x="1696870" y="3645685"/>
+                <a:ext cx="973178" cy="973178"/>
+              </a:xfrm>
+              <a:prstGeom prst="rect">
+                <a:avLst/>
+              </a:prstGeom>
+              <a:noFill/>
+              <a:extLst>
+                <a:ext uri="{909E8E84-426E-40DD-AFC4-6F175D3DCCD1}">
+                  <a14:hiddenFill xmlns:a14="http://schemas.microsoft.com/office/drawing/2010/main">
+                    <a:solidFill>
+                      <a:srgbClr val="FFFFFF"/>
+                    </a:solidFill>
+                  </a14:hiddenFill>
+                </a:ext>
+              </a:extLst>
+            </p:spPr>
+          </p:pic>
+          <p:pic>
+            <p:nvPicPr>
+              <p:cNvPr id="69" name="Picture 4" descr="ドーム形の防犯カメラのイラスト"/>
+              <p:cNvPicPr>
+                <a:picLocks noChangeAspect="1" noChangeArrowheads="1"/>
+              </p:cNvPicPr>
+              <p:nvPr/>
+            </p:nvPicPr>
+            <p:blipFill>
+              <a:blip r:embed="rId5" cstate="print">
+                <a:extLst>
+                  <a:ext uri="{28A0092B-C50C-407E-A947-70E740481C1C}">
+                    <a14:useLocalDpi xmlns:a14="http://schemas.microsoft.com/office/drawing/2010/main" val="0"/>
+                  </a:ext>
+                </a:extLst>
+              </a:blip>
+              <a:srcRect/>
+              <a:stretch>
+                <a:fillRect/>
+              </a:stretch>
+            </p:blipFill>
+            <p:spPr bwMode="auto">
+              <a:xfrm>
+                <a:off x="1332577" y="4222658"/>
+                <a:ext cx="936328" cy="936328"/>
+              </a:xfrm>
+              <a:prstGeom prst="rect">
+                <a:avLst/>
+              </a:prstGeom>
+              <a:noFill/>
+              <a:extLst>
+                <a:ext uri="{909E8E84-426E-40DD-AFC4-6F175D3DCCD1}">
+                  <a14:hiddenFill xmlns:a14="http://schemas.microsoft.com/office/drawing/2010/main">
+                    <a:solidFill>
+                      <a:srgbClr val="FFFFFF"/>
+                    </a:solidFill>
+                  </a14:hiddenFill>
+                </a:ext>
+              </a:extLst>
+            </p:spPr>
+          </p:pic>
+          <p:sp>
+            <p:nvSpPr>
+              <p:cNvPr id="70" name="楕円 69"/>
+              <p:cNvSpPr/>
+              <p:nvPr/>
+            </p:nvSpPr>
+            <p:spPr>
+              <a:xfrm>
+                <a:off x="1909726" y="4094046"/>
+                <a:ext cx="1093215" cy="628370"/>
+              </a:xfrm>
+              <a:prstGeom prst="ellipse">
+                <a:avLst/>
+              </a:prstGeom>
+            </p:spPr>
+            <p:style>
+              <a:lnRef idx="1">
+                <a:schemeClr val="accent4"/>
+              </a:lnRef>
+              <a:fillRef idx="2">
+                <a:schemeClr val="accent4"/>
+              </a:fillRef>
+              <a:effectRef idx="1">
+                <a:schemeClr val="accent4"/>
+              </a:effectRef>
+              <a:fontRef idx="minor">
+                <a:schemeClr val="dk1"/>
+              </a:fontRef>
+            </p:style>
+            <p:txBody>
+              <a:bodyPr rtlCol="0" anchor="ctr"/>
+              <a:lstStyle/>
+              <a:p>
+                <a:pPr algn="ctr"/>
+                <a:r>
+                  <a:rPr lang="en-US" altLang="ja-JP" sz="900" dirty="0"/>
+                  <a:t>VSS</a:t>
+                </a:r>
+                <a:endParaRPr kumimoji="1" lang="ja-JP" altLang="en-US" sz="2400" dirty="0"/>
+              </a:p>
+            </p:txBody>
+          </p:sp>
+        </p:grpSp>
+        <p:grpSp>
+          <p:nvGrpSpPr>
+            <p:cNvPr id="71" name="グループ化 70"/>
+            <p:cNvGrpSpPr/>
+            <p:nvPr/>
+          </p:nvGrpSpPr>
+          <p:grpSpPr>
+            <a:xfrm>
+              <a:off x="9966953" y="4960375"/>
+              <a:ext cx="894086" cy="810016"/>
+              <a:chOff x="1332577" y="3645685"/>
+              <a:chExt cx="1670364" cy="1513301"/>
+            </a:xfrm>
+          </p:grpSpPr>
+          <p:pic>
+            <p:nvPicPr>
+              <p:cNvPr id="72" name="Picture 2" descr="サーバのイラスト（1台）"/>
+              <p:cNvPicPr>
+                <a:picLocks noChangeAspect="1" noChangeArrowheads="1"/>
+              </p:cNvPicPr>
+              <p:nvPr/>
+            </p:nvPicPr>
+            <p:blipFill>
+              <a:blip r:embed="rId4" cstate="print">
+                <a:extLst>
+                  <a:ext uri="{28A0092B-C50C-407E-A947-70E740481C1C}">
+                    <a14:useLocalDpi xmlns:a14="http://schemas.microsoft.com/office/drawing/2010/main" val="0"/>
+                  </a:ext>
+                </a:extLst>
+              </a:blip>
+              <a:srcRect/>
+              <a:stretch>
+                <a:fillRect/>
+              </a:stretch>
+            </p:blipFill>
+            <p:spPr bwMode="auto">
+              <a:xfrm>
+                <a:off x="1696870" y="3645685"/>
+                <a:ext cx="973178" cy="973178"/>
+              </a:xfrm>
+              <a:prstGeom prst="rect">
+                <a:avLst/>
+              </a:prstGeom>
+              <a:noFill/>
+              <a:extLst>
+                <a:ext uri="{909E8E84-426E-40DD-AFC4-6F175D3DCCD1}">
+                  <a14:hiddenFill xmlns:a14="http://schemas.microsoft.com/office/drawing/2010/main">
+                    <a:solidFill>
+                      <a:srgbClr val="FFFFFF"/>
+                    </a:solidFill>
+                  </a14:hiddenFill>
+                </a:ext>
+              </a:extLst>
+            </p:spPr>
+          </p:pic>
+          <p:pic>
+            <p:nvPicPr>
+              <p:cNvPr id="73" name="Picture 4" descr="ドーム形の防犯カメラのイラスト"/>
+              <p:cNvPicPr>
+                <a:picLocks noChangeAspect="1" noChangeArrowheads="1"/>
+              </p:cNvPicPr>
+              <p:nvPr/>
+            </p:nvPicPr>
+            <p:blipFill>
+              <a:blip r:embed="rId5" cstate="print">
+                <a:extLst>
+                  <a:ext uri="{28A0092B-C50C-407E-A947-70E740481C1C}">
+                    <a14:useLocalDpi xmlns:a14="http://schemas.microsoft.com/office/drawing/2010/main" val="0"/>
+                  </a:ext>
+                </a:extLst>
+              </a:blip>
+              <a:srcRect/>
+              <a:stretch>
+                <a:fillRect/>
+              </a:stretch>
+            </p:blipFill>
+            <p:spPr bwMode="auto">
+              <a:xfrm>
+                <a:off x="1332577" y="4222658"/>
+                <a:ext cx="936328" cy="936328"/>
+              </a:xfrm>
+              <a:prstGeom prst="rect">
+                <a:avLst/>
+              </a:prstGeom>
+              <a:noFill/>
+              <a:extLst>
+                <a:ext uri="{909E8E84-426E-40DD-AFC4-6F175D3DCCD1}">
+                  <a14:hiddenFill xmlns:a14="http://schemas.microsoft.com/office/drawing/2010/main">
+                    <a:solidFill>
+                      <a:srgbClr val="FFFFFF"/>
+                    </a:solidFill>
+                  </a14:hiddenFill>
+                </a:ext>
+              </a:extLst>
+            </p:spPr>
+          </p:pic>
+          <p:sp>
+            <p:nvSpPr>
+              <p:cNvPr id="74" name="楕円 73"/>
+              <p:cNvSpPr/>
+              <p:nvPr/>
+            </p:nvSpPr>
+            <p:spPr>
+              <a:xfrm>
+                <a:off x="1909726" y="4094046"/>
+                <a:ext cx="1093215" cy="628370"/>
+              </a:xfrm>
+              <a:prstGeom prst="ellipse">
+                <a:avLst/>
+              </a:prstGeom>
+            </p:spPr>
+            <p:style>
+              <a:lnRef idx="1">
+                <a:schemeClr val="accent4"/>
+              </a:lnRef>
+              <a:fillRef idx="2">
+                <a:schemeClr val="accent4"/>
+              </a:fillRef>
+              <a:effectRef idx="1">
+                <a:schemeClr val="accent4"/>
+              </a:effectRef>
+              <a:fontRef idx="minor">
+                <a:schemeClr val="dk1"/>
+              </a:fontRef>
+            </p:style>
+            <p:txBody>
+              <a:bodyPr rtlCol="0" anchor="ctr"/>
+              <a:lstStyle/>
+              <a:p>
+                <a:pPr algn="ctr"/>
+                <a:r>
+                  <a:rPr lang="en-US" altLang="ja-JP" sz="900" dirty="0"/>
+                  <a:t>VSS</a:t>
+                </a:r>
+                <a:endParaRPr kumimoji="1" lang="ja-JP" altLang="en-US" sz="2400" dirty="0"/>
+              </a:p>
+            </p:txBody>
+          </p:sp>
+        </p:grpSp>
+        <p:grpSp>
+          <p:nvGrpSpPr>
+            <p:cNvPr id="75" name="グループ化 74"/>
+            <p:cNvGrpSpPr/>
+            <p:nvPr/>
+          </p:nvGrpSpPr>
+          <p:grpSpPr>
+            <a:xfrm>
+              <a:off x="10883798" y="4960375"/>
+              <a:ext cx="894086" cy="810016"/>
+              <a:chOff x="1332577" y="3645685"/>
+              <a:chExt cx="1670364" cy="1513301"/>
+            </a:xfrm>
+          </p:grpSpPr>
+          <p:pic>
+            <p:nvPicPr>
+              <p:cNvPr id="76" name="Picture 2" descr="サーバのイラスト（1台）"/>
+              <p:cNvPicPr>
+                <a:picLocks noChangeAspect="1" noChangeArrowheads="1"/>
+              </p:cNvPicPr>
+              <p:nvPr/>
+            </p:nvPicPr>
+            <p:blipFill>
+              <a:blip r:embed="rId4" cstate="print">
+                <a:extLst>
+                  <a:ext uri="{28A0092B-C50C-407E-A947-70E740481C1C}">
+                    <a14:useLocalDpi xmlns:a14="http://schemas.microsoft.com/office/drawing/2010/main" val="0"/>
+                  </a:ext>
+                </a:extLst>
+              </a:blip>
+              <a:srcRect/>
+              <a:stretch>
+                <a:fillRect/>
+              </a:stretch>
+            </p:blipFill>
+            <p:spPr bwMode="auto">
+              <a:xfrm>
+                <a:off x="1696870" y="3645685"/>
+                <a:ext cx="973178" cy="973178"/>
+              </a:xfrm>
+              <a:prstGeom prst="rect">
+                <a:avLst/>
+              </a:prstGeom>
+              <a:noFill/>
+              <a:extLst>
+                <a:ext uri="{909E8E84-426E-40DD-AFC4-6F175D3DCCD1}">
+                  <a14:hiddenFill xmlns:a14="http://schemas.microsoft.com/office/drawing/2010/main">
+                    <a:solidFill>
+                      <a:srgbClr val="FFFFFF"/>
+                    </a:solidFill>
+                  </a14:hiddenFill>
+                </a:ext>
+              </a:extLst>
+            </p:spPr>
+          </p:pic>
+          <p:pic>
+            <p:nvPicPr>
+              <p:cNvPr id="77" name="Picture 4" descr="ドーム形の防犯カメラのイラスト"/>
+              <p:cNvPicPr>
+                <a:picLocks noChangeAspect="1" noChangeArrowheads="1"/>
+              </p:cNvPicPr>
+              <p:nvPr/>
+            </p:nvPicPr>
+            <p:blipFill>
+              <a:blip r:embed="rId5" cstate="print">
+                <a:extLst>
+                  <a:ext uri="{28A0092B-C50C-407E-A947-70E740481C1C}">
+                    <a14:useLocalDpi xmlns:a14="http://schemas.microsoft.com/office/drawing/2010/main" val="0"/>
+                  </a:ext>
+                </a:extLst>
+              </a:blip>
+              <a:srcRect/>
+              <a:stretch>
+                <a:fillRect/>
+              </a:stretch>
+            </p:blipFill>
+            <p:spPr bwMode="auto">
+              <a:xfrm>
+                <a:off x="1332577" y="4222658"/>
+                <a:ext cx="936328" cy="936328"/>
+              </a:xfrm>
+              <a:prstGeom prst="rect">
+                <a:avLst/>
+              </a:prstGeom>
+              <a:noFill/>
+              <a:extLst>
+                <a:ext uri="{909E8E84-426E-40DD-AFC4-6F175D3DCCD1}">
+                  <a14:hiddenFill xmlns:a14="http://schemas.microsoft.com/office/drawing/2010/main">
+                    <a:solidFill>
+                      <a:srgbClr val="FFFFFF"/>
+                    </a:solidFill>
+                  </a14:hiddenFill>
+                </a:ext>
+              </a:extLst>
+            </p:spPr>
+          </p:pic>
+          <p:sp>
+            <p:nvSpPr>
+              <p:cNvPr id="78" name="楕円 77"/>
+              <p:cNvSpPr/>
+              <p:nvPr/>
+            </p:nvSpPr>
+            <p:spPr>
+              <a:xfrm>
+                <a:off x="1909726" y="4094046"/>
+                <a:ext cx="1093215" cy="628370"/>
+              </a:xfrm>
+              <a:prstGeom prst="ellipse">
+                <a:avLst/>
+              </a:prstGeom>
+            </p:spPr>
+            <p:style>
+              <a:lnRef idx="1">
+                <a:schemeClr val="accent4"/>
+              </a:lnRef>
+              <a:fillRef idx="2">
+                <a:schemeClr val="accent4"/>
+              </a:fillRef>
+              <a:effectRef idx="1">
+                <a:schemeClr val="accent4"/>
+              </a:effectRef>
+              <a:fontRef idx="minor">
+                <a:schemeClr val="dk1"/>
+              </a:fontRef>
+            </p:style>
+            <p:txBody>
+              <a:bodyPr rtlCol="0" anchor="ctr"/>
+              <a:lstStyle/>
+              <a:p>
+                <a:pPr algn="ctr"/>
+                <a:r>
+                  <a:rPr lang="en-US" altLang="ja-JP" sz="900" dirty="0"/>
+                  <a:t>VSS</a:t>
+                </a:r>
+                <a:endParaRPr kumimoji="1" lang="ja-JP" altLang="en-US" sz="2400" dirty="0"/>
+              </a:p>
+            </p:txBody>
+          </p:sp>
+        </p:grpSp>
         <p:pic>
           <p:nvPicPr>
-            <p:cNvPr id="45" name="Picture 8" descr="サーバのイラスト（1台）"/>
+            <p:cNvPr id="1026" name="Picture 2" descr="Wi-Fi無線ルーターのイラスト"/>
             <p:cNvPicPr>
               <a:picLocks noChangeAspect="1" noChangeArrowheads="1"/>
             </p:cNvPicPr>
             <p:nvPr/>
           </p:nvPicPr>
           <p:blipFill>
-            <a:blip r:embed="rId2" cstate="print">
+            <a:blip r:embed="rId6" cstate="print">
               <a:extLst>
                 <a:ext uri="{28A0092B-C50C-407E-A947-70E740481C1C}">
                   <a14:useLocalDpi xmlns:a14="http://schemas.microsoft.com/office/drawing/2010/main" val="0"/>
@@ -21333,8 +22555,8 @@
           </p:blipFill>
           <p:spPr bwMode="auto">
             <a:xfrm>
-              <a:off x="6387042" y="2150072"/>
-              <a:ext cx="1714500" cy="1714500"/>
+              <a:off x="2483652" y="3574662"/>
+              <a:ext cx="699093" cy="699093"/>
             </a:xfrm>
             <a:prstGeom prst="rect">
               <a:avLst/>
@@ -21353,68 +22575,14 @@
         </p:pic>
         <p:pic>
           <p:nvPicPr>
-            <p:cNvPr id="46" name="Picture 6" descr="雲のイラスト"/>
-            <p:cNvPicPr>
-              <a:picLocks noChangeAspect="1" noChangeArrowheads="1"/>
-            </p:cNvPicPr>
-            <p:nvPr/>
-          </p:nvPicPr>
-          <p:blipFill rotWithShape="1">
-            <a:blip r:embed="rId3">
-              <a:extLst>
-                <a:ext uri="{28A0092B-C50C-407E-A947-70E740481C1C}">
-                  <a14:useLocalDpi xmlns:a14="http://schemas.microsoft.com/office/drawing/2010/main" val="0"/>
-                </a:ext>
-              </a:extLst>
-            </a:blip>
-            <a:srcRect b="57768"/>
-            <a:stretch/>
-          </p:blipFill>
-          <p:spPr bwMode="auto">
-            <a:xfrm>
-              <a:off x="5712354" y="2871327"/>
-              <a:ext cx="4050771" cy="1710725"/>
-            </a:xfrm>
-            <a:prstGeom prst="rect">
-              <a:avLst/>
-            </a:prstGeom>
-            <a:noFill/>
-            <a:extLst>
-              <a:ext uri="{909E8E84-426E-40DD-AFC4-6F175D3DCCD1}">
-                <a14:hiddenFill xmlns:a14="http://schemas.microsoft.com/office/drawing/2010/main">
-                  <a:solidFill>
-                    <a:srgbClr val="FFFFFF"/>
-                  </a:solidFill>
-                </a14:hiddenFill>
-              </a:ext>
-            </a:extLst>
-          </p:spPr>
-        </p:pic>
-      </p:grpSp>
-      <p:grpSp>
-        <p:nvGrpSpPr>
-          <p:cNvPr id="47" name="グループ化 46"/>
-          <p:cNvGrpSpPr/>
-          <p:nvPr/>
-        </p:nvGrpSpPr>
-        <p:grpSpPr>
-          <a:xfrm>
-            <a:off x="2466845" y="4960375"/>
-            <a:ext cx="894086" cy="810016"/>
-            <a:chOff x="1332577" y="3645685"/>
-            <a:chExt cx="1670364" cy="1513301"/>
-          </a:xfrm>
-        </p:grpSpPr>
-        <p:pic>
-          <p:nvPicPr>
-            <p:cNvPr id="48" name="Picture 2" descr="サーバのイラスト（1台）"/>
+            <p:cNvPr id="85" name="Picture 2" descr="Wi-Fi無線ルーターのイラスト"/>
             <p:cNvPicPr>
               <a:picLocks noChangeAspect="1" noChangeArrowheads="1"/>
             </p:cNvPicPr>
             <p:nvPr/>
           </p:nvPicPr>
           <p:blipFill>
-            <a:blip r:embed="rId4" cstate="print">
+            <a:blip r:embed="rId6" cstate="print">
               <a:extLst>
                 <a:ext uri="{28A0092B-C50C-407E-A947-70E740481C1C}">
                   <a14:useLocalDpi xmlns:a14="http://schemas.microsoft.com/office/drawing/2010/main" val="0"/>
@@ -21428,8 +22596,8 @@
           </p:blipFill>
           <p:spPr bwMode="auto">
             <a:xfrm>
-              <a:off x="1696870" y="3645685"/>
-              <a:ext cx="973178" cy="973178"/>
+              <a:off x="5399638" y="3574662"/>
+              <a:ext cx="699093" cy="699093"/>
             </a:xfrm>
             <a:prstGeom prst="rect">
               <a:avLst/>
@@ -21448,14 +22616,14 @@
         </p:pic>
         <p:pic>
           <p:nvPicPr>
-            <p:cNvPr id="49" name="Picture 4" descr="ドーム形の防犯カメラのイラスト"/>
+            <p:cNvPr id="87" name="Picture 2" descr="Wi-Fi無線ルーターのイラスト"/>
             <p:cNvPicPr>
               <a:picLocks noChangeAspect="1" noChangeArrowheads="1"/>
             </p:cNvPicPr>
             <p:nvPr/>
           </p:nvPicPr>
           <p:blipFill>
-            <a:blip r:embed="rId5" cstate="print">
+            <a:blip r:embed="rId6" cstate="print">
               <a:extLst>
                 <a:ext uri="{28A0092B-C50C-407E-A947-70E740481C1C}">
                   <a14:useLocalDpi xmlns:a14="http://schemas.microsoft.com/office/drawing/2010/main" val="0"/>
@@ -21469,106 +22637,8 @@
           </p:blipFill>
           <p:spPr bwMode="auto">
             <a:xfrm>
-              <a:off x="1332577" y="4222658"/>
-              <a:ext cx="936328" cy="936328"/>
-            </a:xfrm>
-            <a:prstGeom prst="rect">
-              <a:avLst/>
-            </a:prstGeom>
-            <a:noFill/>
-            <a:extLst>
-              <a:ext uri="{909E8E84-426E-40DD-AFC4-6F175D3DCCD1}">
-                <a14:hiddenFill xmlns:a14="http://schemas.microsoft.com/office/drawing/2010/main">
-                  <a:solidFill>
-                    <a:srgbClr val="FFFFFF"/>
-                  </a:solidFill>
-                </a14:hiddenFill>
-              </a:ext>
-            </a:extLst>
-          </p:spPr>
-        </p:pic>
-        <p:sp>
-          <p:nvSpPr>
-            <p:cNvPr id="50" name="楕円 49"/>
-            <p:cNvSpPr/>
-            <p:nvPr/>
-          </p:nvSpPr>
-          <p:spPr>
-            <a:xfrm>
-              <a:off x="1909726" y="4094046"/>
-              <a:ext cx="1093215" cy="628370"/>
-            </a:xfrm>
-            <a:prstGeom prst="ellipse">
-              <a:avLst/>
-            </a:prstGeom>
-          </p:spPr>
-          <p:style>
-            <a:lnRef idx="1">
-              <a:schemeClr val="accent4"/>
-            </a:lnRef>
-            <a:fillRef idx="2">
-              <a:schemeClr val="accent4"/>
-            </a:fillRef>
-            <a:effectRef idx="1">
-              <a:schemeClr val="accent4"/>
-            </a:effectRef>
-            <a:fontRef idx="minor">
-              <a:schemeClr val="dk1"/>
-            </a:fontRef>
-          </p:style>
-          <p:txBody>
-            <a:bodyPr rtlCol="0" anchor="ctr"/>
-            <a:lstStyle/>
-            <a:p>
-              <a:pPr algn="ctr"/>
-              <a:r>
-                <a:rPr lang="en-US" altLang="ja-JP" sz="900" dirty="0"/>
-                <a:t>VSS</a:t>
-              </a:r>
-              <a:endParaRPr kumimoji="1" lang="ja-JP" altLang="en-US" sz="2400" dirty="0"/>
-            </a:p>
-          </p:txBody>
-        </p:sp>
-      </p:grpSp>
-      <p:grpSp>
-        <p:nvGrpSpPr>
-          <p:cNvPr id="51" name="グループ化 50"/>
-          <p:cNvGrpSpPr/>
-          <p:nvPr/>
-        </p:nvGrpSpPr>
-        <p:grpSpPr>
-          <a:xfrm>
-            <a:off x="3917693" y="4960375"/>
-            <a:ext cx="894086" cy="810016"/>
-            <a:chOff x="1332577" y="3645685"/>
-            <a:chExt cx="1670364" cy="1513301"/>
-          </a:xfrm>
-        </p:grpSpPr>
-        <p:pic>
-          <p:nvPicPr>
-            <p:cNvPr id="52" name="Picture 2" descr="サーバのイラスト（1台）"/>
-            <p:cNvPicPr>
-              <a:picLocks noChangeAspect="1" noChangeArrowheads="1"/>
-            </p:cNvPicPr>
-            <p:nvPr/>
-          </p:nvPicPr>
-          <p:blipFill>
-            <a:blip r:embed="rId4" cstate="print">
-              <a:extLst>
-                <a:ext uri="{28A0092B-C50C-407E-A947-70E740481C1C}">
-                  <a14:useLocalDpi xmlns:a14="http://schemas.microsoft.com/office/drawing/2010/main" val="0"/>
-                </a:ext>
-              </a:extLst>
-            </a:blip>
-            <a:srcRect/>
-            <a:stretch>
-              <a:fillRect/>
-            </a:stretch>
-          </p:blipFill>
-          <p:spPr bwMode="auto">
-            <a:xfrm>
-              <a:off x="1696870" y="3645685"/>
-              <a:ext cx="973178" cy="973178"/>
+              <a:off x="7676218" y="3574662"/>
+              <a:ext cx="699093" cy="699093"/>
             </a:xfrm>
             <a:prstGeom prst="rect">
               <a:avLst/>
@@ -21587,14 +22657,14 @@
         </p:pic>
         <p:pic>
           <p:nvPicPr>
-            <p:cNvPr id="53" name="Picture 4" descr="ドーム形の防犯カメラのイラスト"/>
+            <p:cNvPr id="88" name="Picture 2" descr="Wi-Fi無線ルーターのイラスト"/>
             <p:cNvPicPr>
               <a:picLocks noChangeAspect="1" noChangeArrowheads="1"/>
             </p:cNvPicPr>
             <p:nvPr/>
           </p:nvPicPr>
           <p:blipFill>
-            <a:blip r:embed="rId5" cstate="print">
+            <a:blip r:embed="rId6" cstate="print">
               <a:extLst>
                 <a:ext uri="{28A0092B-C50C-407E-A947-70E740481C1C}">
                   <a14:useLocalDpi xmlns:a14="http://schemas.microsoft.com/office/drawing/2010/main" val="0"/>
@@ -21608,106 +22678,8 @@
           </p:blipFill>
           <p:spPr bwMode="auto">
             <a:xfrm>
-              <a:off x="1332577" y="4222658"/>
-              <a:ext cx="936328" cy="936328"/>
-            </a:xfrm>
-            <a:prstGeom prst="rect">
-              <a:avLst/>
-            </a:prstGeom>
-            <a:noFill/>
-            <a:extLst>
-              <a:ext uri="{909E8E84-426E-40DD-AFC4-6F175D3DCCD1}">
-                <a14:hiddenFill xmlns:a14="http://schemas.microsoft.com/office/drawing/2010/main">
-                  <a:solidFill>
-                    <a:srgbClr val="FFFFFF"/>
-                  </a:solidFill>
-                </a14:hiddenFill>
-              </a:ext>
-            </a:extLst>
-          </p:spPr>
-        </p:pic>
-        <p:sp>
-          <p:nvSpPr>
-            <p:cNvPr id="54" name="楕円 53"/>
-            <p:cNvSpPr/>
-            <p:nvPr/>
-          </p:nvSpPr>
-          <p:spPr>
-            <a:xfrm>
-              <a:off x="1909726" y="4094046"/>
-              <a:ext cx="1093215" cy="628370"/>
-            </a:xfrm>
-            <a:prstGeom prst="ellipse">
-              <a:avLst/>
-            </a:prstGeom>
-          </p:spPr>
-          <p:style>
-            <a:lnRef idx="1">
-              <a:schemeClr val="accent4"/>
-            </a:lnRef>
-            <a:fillRef idx="2">
-              <a:schemeClr val="accent4"/>
-            </a:fillRef>
-            <a:effectRef idx="1">
-              <a:schemeClr val="accent4"/>
-            </a:effectRef>
-            <a:fontRef idx="minor">
-              <a:schemeClr val="dk1"/>
-            </a:fontRef>
-          </p:style>
-          <p:txBody>
-            <a:bodyPr rtlCol="0" anchor="ctr"/>
-            <a:lstStyle/>
-            <a:p>
-              <a:pPr algn="ctr"/>
-              <a:r>
-                <a:rPr lang="en-US" altLang="ja-JP" sz="900" dirty="0"/>
-                <a:t>VSS</a:t>
-              </a:r>
-              <a:endParaRPr kumimoji="1" lang="ja-JP" altLang="en-US" sz="2400" dirty="0"/>
-            </a:p>
-          </p:txBody>
-        </p:sp>
-      </p:grpSp>
-      <p:grpSp>
-        <p:nvGrpSpPr>
-          <p:cNvPr id="55" name="グループ化 54"/>
-          <p:cNvGrpSpPr/>
-          <p:nvPr/>
-        </p:nvGrpSpPr>
-        <p:grpSpPr>
-          <a:xfrm>
-            <a:off x="5443721" y="4960375"/>
-            <a:ext cx="894086" cy="810016"/>
-            <a:chOff x="1332577" y="3645685"/>
-            <a:chExt cx="1670364" cy="1513301"/>
-          </a:xfrm>
-        </p:grpSpPr>
-        <p:pic>
-          <p:nvPicPr>
-            <p:cNvPr id="56" name="Picture 2" descr="サーバのイラスト（1台）"/>
-            <p:cNvPicPr>
-              <a:picLocks noChangeAspect="1" noChangeArrowheads="1"/>
-            </p:cNvPicPr>
-            <p:nvPr/>
-          </p:nvPicPr>
-          <p:blipFill>
-            <a:blip r:embed="rId4" cstate="print">
-              <a:extLst>
-                <a:ext uri="{28A0092B-C50C-407E-A947-70E740481C1C}">
-                  <a14:useLocalDpi xmlns:a14="http://schemas.microsoft.com/office/drawing/2010/main" val="0"/>
-                </a:ext>
-              </a:extLst>
-            </a:blip>
-            <a:srcRect/>
-            <a:stretch>
-              <a:fillRect/>
-            </a:stretch>
-          </p:blipFill>
-          <p:spPr bwMode="auto">
-            <a:xfrm>
-              <a:off x="1696870" y="3645685"/>
-              <a:ext cx="973178" cy="973178"/>
+              <a:off x="9044976" y="3574662"/>
+              <a:ext cx="699093" cy="699093"/>
             </a:xfrm>
             <a:prstGeom prst="rect">
               <a:avLst/>
@@ -21726,14 +22698,14 @@
         </p:pic>
         <p:pic>
           <p:nvPicPr>
-            <p:cNvPr id="57" name="Picture 4" descr="ドーム形の防犯カメラのイラスト"/>
+            <p:cNvPr id="90" name="Picture 2" descr="Wi-Fi無線ルーターのイラスト"/>
             <p:cNvPicPr>
               <a:picLocks noChangeAspect="1" noChangeArrowheads="1"/>
             </p:cNvPicPr>
             <p:nvPr/>
           </p:nvPicPr>
           <p:blipFill>
-            <a:blip r:embed="rId5" cstate="print">
+            <a:blip r:embed="rId6" cstate="print">
               <a:extLst>
                 <a:ext uri="{28A0092B-C50C-407E-A947-70E740481C1C}">
                   <a14:useLocalDpi xmlns:a14="http://schemas.microsoft.com/office/drawing/2010/main" val="0"/>
@@ -21747,106 +22719,8 @@
           </p:blipFill>
           <p:spPr bwMode="auto">
             <a:xfrm>
-              <a:off x="1332577" y="4222658"/>
-              <a:ext cx="936328" cy="936328"/>
-            </a:xfrm>
-            <a:prstGeom prst="rect">
-              <a:avLst/>
-            </a:prstGeom>
-            <a:noFill/>
-            <a:extLst>
-              <a:ext uri="{909E8E84-426E-40DD-AFC4-6F175D3DCCD1}">
-                <a14:hiddenFill xmlns:a14="http://schemas.microsoft.com/office/drawing/2010/main">
-                  <a:solidFill>
-                    <a:srgbClr val="FFFFFF"/>
-                  </a:solidFill>
-                </a14:hiddenFill>
-              </a:ext>
-            </a:extLst>
-          </p:spPr>
-        </p:pic>
-        <p:sp>
-          <p:nvSpPr>
-            <p:cNvPr id="58" name="楕円 57"/>
-            <p:cNvSpPr/>
-            <p:nvPr/>
-          </p:nvSpPr>
-          <p:spPr>
-            <a:xfrm>
-              <a:off x="1909726" y="4094046"/>
-              <a:ext cx="1093215" cy="628370"/>
-            </a:xfrm>
-            <a:prstGeom prst="ellipse">
-              <a:avLst/>
-            </a:prstGeom>
-          </p:spPr>
-          <p:style>
-            <a:lnRef idx="1">
-              <a:schemeClr val="accent4"/>
-            </a:lnRef>
-            <a:fillRef idx="2">
-              <a:schemeClr val="accent4"/>
-            </a:fillRef>
-            <a:effectRef idx="1">
-              <a:schemeClr val="accent4"/>
-            </a:effectRef>
-            <a:fontRef idx="minor">
-              <a:schemeClr val="dk1"/>
-            </a:fontRef>
-          </p:style>
-          <p:txBody>
-            <a:bodyPr rtlCol="0" anchor="ctr"/>
-            <a:lstStyle/>
-            <a:p>
-              <a:pPr algn="ctr"/>
-              <a:r>
-                <a:rPr lang="en-US" altLang="ja-JP" sz="900" dirty="0"/>
-                <a:t>VSS</a:t>
-              </a:r>
-              <a:endParaRPr kumimoji="1" lang="ja-JP" altLang="en-US" sz="2400" dirty="0"/>
-            </a:p>
-          </p:txBody>
-        </p:sp>
-      </p:grpSp>
-      <p:grpSp>
-        <p:nvGrpSpPr>
-          <p:cNvPr id="59" name="グループ化 58"/>
-          <p:cNvGrpSpPr/>
-          <p:nvPr/>
-        </p:nvGrpSpPr>
-        <p:grpSpPr>
-          <a:xfrm>
-            <a:off x="6589769" y="4960375"/>
-            <a:ext cx="894086" cy="810016"/>
-            <a:chOff x="1332577" y="3645685"/>
-            <a:chExt cx="1670364" cy="1513301"/>
-          </a:xfrm>
-        </p:grpSpPr>
-        <p:pic>
-          <p:nvPicPr>
-            <p:cNvPr id="60" name="Picture 2" descr="サーバのイラスト（1台）"/>
-            <p:cNvPicPr>
-              <a:picLocks noChangeAspect="1" noChangeArrowheads="1"/>
-            </p:cNvPicPr>
-            <p:nvPr/>
-          </p:nvPicPr>
-          <p:blipFill>
-            <a:blip r:embed="rId4" cstate="print">
-              <a:extLst>
-                <a:ext uri="{28A0092B-C50C-407E-A947-70E740481C1C}">
-                  <a14:useLocalDpi xmlns:a14="http://schemas.microsoft.com/office/drawing/2010/main" val="0"/>
-                </a:ext>
-              </a:extLst>
-            </a:blip>
-            <a:srcRect/>
-            <a:stretch>
-              <a:fillRect/>
-            </a:stretch>
-          </p:blipFill>
-          <p:spPr bwMode="auto">
-            <a:xfrm>
-              <a:off x="1696870" y="3645685"/>
-              <a:ext cx="973178" cy="973178"/>
+              <a:off x="10993035" y="3574662"/>
+              <a:ext cx="699093" cy="699093"/>
             </a:xfrm>
             <a:prstGeom prst="rect">
               <a:avLst/>
@@ -21865,14 +22739,14 @@
         </p:pic>
         <p:pic>
           <p:nvPicPr>
-            <p:cNvPr id="61" name="Picture 4" descr="ドーム形の防犯カメラのイラスト"/>
+            <p:cNvPr id="79" name="Picture 2" descr="スマホの二台持ちのイラスト（男性）"/>
             <p:cNvPicPr>
               <a:picLocks noChangeAspect="1" noChangeArrowheads="1"/>
             </p:cNvPicPr>
             <p:nvPr/>
           </p:nvPicPr>
           <p:blipFill>
-            <a:blip r:embed="rId5" cstate="print">
+            <a:blip r:embed="rId7">
               <a:extLst>
                 <a:ext uri="{28A0092B-C50C-407E-A947-70E740481C1C}">
                   <a14:useLocalDpi xmlns:a14="http://schemas.microsoft.com/office/drawing/2010/main" val="0"/>
@@ -21886,8 +22760,8 @@
           </p:blipFill>
           <p:spPr bwMode="auto">
             <a:xfrm>
-              <a:off x="1332577" y="4222658"/>
-              <a:ext cx="936328" cy="936328"/>
+              <a:off x="9723942" y="1820212"/>
+              <a:ext cx="876008" cy="876008"/>
             </a:xfrm>
             <a:prstGeom prst="rect">
               <a:avLst/>
@@ -21904,16 +22778,82 @@
             </a:extLst>
           </p:spPr>
         </p:pic>
+        <p:cxnSp>
+          <p:nvCxnSpPr>
+            <p:cNvPr id="81" name="直線矢印コネクタ 80"/>
+            <p:cNvCxnSpPr/>
+            <p:nvPr/>
+          </p:nvCxnSpPr>
+          <p:spPr>
+            <a:xfrm flipV="1">
+              <a:off x="9366511" y="2696220"/>
+              <a:ext cx="439925" cy="1017029"/>
+            </a:xfrm>
+            <a:prstGeom prst="straightConnector1">
+              <a:avLst/>
+            </a:prstGeom>
+            <a:ln w="76200" cmpd="sng">
+              <a:tailEnd type="triangle" w="lg" len="lg"/>
+            </a:ln>
+          </p:spPr>
+          <p:style>
+            <a:lnRef idx="1">
+              <a:schemeClr val="dk1"/>
+            </a:lnRef>
+            <a:fillRef idx="0">
+              <a:schemeClr val="dk1"/>
+            </a:fillRef>
+            <a:effectRef idx="0">
+              <a:schemeClr val="dk1"/>
+            </a:effectRef>
+            <a:fontRef idx="minor">
+              <a:schemeClr val="tx1"/>
+            </a:fontRef>
+          </p:style>
+        </p:cxnSp>
+        <p:cxnSp>
+          <p:nvCxnSpPr>
+            <p:cNvPr id="82" name="直線矢印コネクタ 81"/>
+            <p:cNvCxnSpPr/>
+            <p:nvPr/>
+          </p:nvCxnSpPr>
+          <p:spPr>
+            <a:xfrm flipH="1" flipV="1">
+              <a:off x="10275880" y="2707519"/>
+              <a:ext cx="1014681" cy="1028326"/>
+            </a:xfrm>
+            <a:prstGeom prst="straightConnector1">
+              <a:avLst/>
+            </a:prstGeom>
+            <a:ln w="76200" cmpd="sng">
+              <a:tailEnd type="triangle" w="lg" len="lg"/>
+            </a:ln>
+          </p:spPr>
+          <p:style>
+            <a:lnRef idx="1">
+              <a:schemeClr val="dk1"/>
+            </a:lnRef>
+            <a:fillRef idx="0">
+              <a:schemeClr val="dk1"/>
+            </a:fillRef>
+            <a:effectRef idx="0">
+              <a:schemeClr val="dk1"/>
+            </a:effectRef>
+            <a:fontRef idx="minor">
+              <a:schemeClr val="tx1"/>
+            </a:fontRef>
+          </p:style>
+        </p:cxnSp>
         <p:sp>
           <p:nvSpPr>
-            <p:cNvPr id="62" name="楕円 61"/>
+            <p:cNvPr id="83" name="楕円 82"/>
             <p:cNvSpPr/>
             <p:nvPr/>
           </p:nvSpPr>
           <p:spPr>
             <a:xfrm>
-              <a:off x="1909726" y="4094046"/>
-              <a:ext cx="1093215" cy="628370"/>
+              <a:off x="10443306" y="2080543"/>
+              <a:ext cx="1068997" cy="615677"/>
             </a:xfrm>
             <a:prstGeom prst="ellipse">
               <a:avLst/>
@@ -21921,13 +22861,13 @@
           </p:spPr>
           <p:style>
             <a:lnRef idx="1">
-              <a:schemeClr val="accent4"/>
+              <a:schemeClr val="accent2"/>
             </a:lnRef>
             <a:fillRef idx="2">
-              <a:schemeClr val="accent4"/>
+              <a:schemeClr val="accent2"/>
             </a:fillRef>
             <a:effectRef idx="1">
-              <a:schemeClr val="accent4"/>
+              <a:schemeClr val="accent2"/>
             </a:effectRef>
             <a:fontRef idx="minor">
               <a:schemeClr val="dk1"/>
@@ -21939,918 +22879,22 @@
             <a:p>
               <a:pPr algn="ctr"/>
               <a:r>
-                <a:rPr lang="en-US" altLang="ja-JP" sz="900" dirty="0"/>
-                <a:t>VSS</a:t>
+                <a:rPr kumimoji="1" lang="ja-JP" altLang="en-US" dirty="0" smtClean="0">
+                  <a:ln w="0"/>
+                  <a:solidFill>
+                    <a:schemeClr val="tx1"/>
+                  </a:solidFill>
+                  <a:effectLst>
+                    <a:outerShdw blurRad="38100" dist="19050" dir="2700000" algn="tl" rotWithShape="0">
+                      <a:schemeClr val="dk1">
+                        <a:alpha val="40000"/>
+                      </a:schemeClr>
+                    </a:outerShdw>
+                  </a:effectLst>
+                </a:rPr>
+                <a:t>計算</a:t>
               </a:r>
-              <a:endParaRPr kumimoji="1" lang="ja-JP" altLang="en-US" sz="2400" dirty="0"/>
-            </a:p>
-          </p:txBody>
-        </p:sp>
-      </p:grpSp>
-      <p:grpSp>
-        <p:nvGrpSpPr>
-          <p:cNvPr id="63" name="グループ化 62"/>
-          <p:cNvGrpSpPr/>
-          <p:nvPr/>
-        </p:nvGrpSpPr>
-        <p:grpSpPr>
-          <a:xfrm>
-            <a:off x="7773157" y="4960375"/>
-            <a:ext cx="894086" cy="810016"/>
-            <a:chOff x="1332577" y="3645685"/>
-            <a:chExt cx="1670364" cy="1513301"/>
-          </a:xfrm>
-        </p:grpSpPr>
-        <p:pic>
-          <p:nvPicPr>
-            <p:cNvPr id="64" name="Picture 2" descr="サーバのイラスト（1台）"/>
-            <p:cNvPicPr>
-              <a:picLocks noChangeAspect="1" noChangeArrowheads="1"/>
-            </p:cNvPicPr>
-            <p:nvPr/>
-          </p:nvPicPr>
-          <p:blipFill>
-            <a:blip r:embed="rId4" cstate="print">
-              <a:extLst>
-                <a:ext uri="{28A0092B-C50C-407E-A947-70E740481C1C}">
-                  <a14:useLocalDpi xmlns:a14="http://schemas.microsoft.com/office/drawing/2010/main" val="0"/>
-                </a:ext>
-              </a:extLst>
-            </a:blip>
-            <a:srcRect/>
-            <a:stretch>
-              <a:fillRect/>
-            </a:stretch>
-          </p:blipFill>
-          <p:spPr bwMode="auto">
-            <a:xfrm>
-              <a:off x="1696870" y="3645685"/>
-              <a:ext cx="973178" cy="973178"/>
-            </a:xfrm>
-            <a:prstGeom prst="rect">
-              <a:avLst/>
-            </a:prstGeom>
-            <a:noFill/>
-            <a:extLst>
-              <a:ext uri="{909E8E84-426E-40DD-AFC4-6F175D3DCCD1}">
-                <a14:hiddenFill xmlns:a14="http://schemas.microsoft.com/office/drawing/2010/main">
-                  <a:solidFill>
-                    <a:srgbClr val="FFFFFF"/>
-                  </a:solidFill>
-                </a14:hiddenFill>
-              </a:ext>
-            </a:extLst>
-          </p:spPr>
-        </p:pic>
-        <p:pic>
-          <p:nvPicPr>
-            <p:cNvPr id="65" name="Picture 4" descr="ドーム形の防犯カメラのイラスト"/>
-            <p:cNvPicPr>
-              <a:picLocks noChangeAspect="1" noChangeArrowheads="1"/>
-            </p:cNvPicPr>
-            <p:nvPr/>
-          </p:nvPicPr>
-          <p:blipFill>
-            <a:blip r:embed="rId5" cstate="print">
-              <a:extLst>
-                <a:ext uri="{28A0092B-C50C-407E-A947-70E740481C1C}">
-                  <a14:useLocalDpi xmlns:a14="http://schemas.microsoft.com/office/drawing/2010/main" val="0"/>
-                </a:ext>
-              </a:extLst>
-            </a:blip>
-            <a:srcRect/>
-            <a:stretch>
-              <a:fillRect/>
-            </a:stretch>
-          </p:blipFill>
-          <p:spPr bwMode="auto">
-            <a:xfrm>
-              <a:off x="1332577" y="4222658"/>
-              <a:ext cx="936328" cy="936328"/>
-            </a:xfrm>
-            <a:prstGeom prst="rect">
-              <a:avLst/>
-            </a:prstGeom>
-            <a:noFill/>
-            <a:extLst>
-              <a:ext uri="{909E8E84-426E-40DD-AFC4-6F175D3DCCD1}">
-                <a14:hiddenFill xmlns:a14="http://schemas.microsoft.com/office/drawing/2010/main">
-                  <a:solidFill>
-                    <a:srgbClr val="FFFFFF"/>
-                  </a:solidFill>
-                </a14:hiddenFill>
-              </a:ext>
-            </a:extLst>
-          </p:spPr>
-        </p:pic>
-        <p:sp>
-          <p:nvSpPr>
-            <p:cNvPr id="66" name="楕円 65"/>
-            <p:cNvSpPr/>
-            <p:nvPr/>
-          </p:nvSpPr>
-          <p:spPr>
-            <a:xfrm>
-              <a:off x="1909726" y="4094046"/>
-              <a:ext cx="1093215" cy="628370"/>
-            </a:xfrm>
-            <a:prstGeom prst="ellipse">
-              <a:avLst/>
-            </a:prstGeom>
-          </p:spPr>
-          <p:style>
-            <a:lnRef idx="1">
-              <a:schemeClr val="accent4"/>
-            </a:lnRef>
-            <a:fillRef idx="2">
-              <a:schemeClr val="accent4"/>
-            </a:fillRef>
-            <a:effectRef idx="1">
-              <a:schemeClr val="accent4"/>
-            </a:effectRef>
-            <a:fontRef idx="minor">
-              <a:schemeClr val="dk1"/>
-            </a:fontRef>
-          </p:style>
-          <p:txBody>
-            <a:bodyPr rtlCol="0" anchor="ctr"/>
-            <a:lstStyle/>
-            <a:p>
-              <a:pPr algn="ctr"/>
-              <a:r>
-                <a:rPr lang="en-US" altLang="ja-JP" sz="900" dirty="0"/>
-                <a:t>VSS</a:t>
-              </a:r>
-              <a:endParaRPr kumimoji="1" lang="ja-JP" altLang="en-US" sz="2400" dirty="0"/>
-            </a:p>
-          </p:txBody>
-        </p:sp>
-      </p:grpSp>
-      <p:grpSp>
-        <p:nvGrpSpPr>
-          <p:cNvPr id="67" name="グループ化 66"/>
-          <p:cNvGrpSpPr/>
-          <p:nvPr/>
-        </p:nvGrpSpPr>
-        <p:grpSpPr>
-          <a:xfrm>
-            <a:off x="9028169" y="4960375"/>
-            <a:ext cx="894086" cy="810016"/>
-            <a:chOff x="1332577" y="3645685"/>
-            <a:chExt cx="1670364" cy="1513301"/>
-          </a:xfrm>
-        </p:grpSpPr>
-        <p:pic>
-          <p:nvPicPr>
-            <p:cNvPr id="68" name="Picture 2" descr="サーバのイラスト（1台）"/>
-            <p:cNvPicPr>
-              <a:picLocks noChangeAspect="1" noChangeArrowheads="1"/>
-            </p:cNvPicPr>
-            <p:nvPr/>
-          </p:nvPicPr>
-          <p:blipFill>
-            <a:blip r:embed="rId4" cstate="print">
-              <a:extLst>
-                <a:ext uri="{28A0092B-C50C-407E-A947-70E740481C1C}">
-                  <a14:useLocalDpi xmlns:a14="http://schemas.microsoft.com/office/drawing/2010/main" val="0"/>
-                </a:ext>
-              </a:extLst>
-            </a:blip>
-            <a:srcRect/>
-            <a:stretch>
-              <a:fillRect/>
-            </a:stretch>
-          </p:blipFill>
-          <p:spPr bwMode="auto">
-            <a:xfrm>
-              <a:off x="1696870" y="3645685"/>
-              <a:ext cx="973178" cy="973178"/>
-            </a:xfrm>
-            <a:prstGeom prst="rect">
-              <a:avLst/>
-            </a:prstGeom>
-            <a:noFill/>
-            <a:extLst>
-              <a:ext uri="{909E8E84-426E-40DD-AFC4-6F175D3DCCD1}">
-                <a14:hiddenFill xmlns:a14="http://schemas.microsoft.com/office/drawing/2010/main">
-                  <a:solidFill>
-                    <a:srgbClr val="FFFFFF"/>
-                  </a:solidFill>
-                </a14:hiddenFill>
-              </a:ext>
-            </a:extLst>
-          </p:spPr>
-        </p:pic>
-        <p:pic>
-          <p:nvPicPr>
-            <p:cNvPr id="69" name="Picture 4" descr="ドーム形の防犯カメラのイラスト"/>
-            <p:cNvPicPr>
-              <a:picLocks noChangeAspect="1" noChangeArrowheads="1"/>
-            </p:cNvPicPr>
-            <p:nvPr/>
-          </p:nvPicPr>
-          <p:blipFill>
-            <a:blip r:embed="rId5" cstate="print">
-              <a:extLst>
-                <a:ext uri="{28A0092B-C50C-407E-A947-70E740481C1C}">
-                  <a14:useLocalDpi xmlns:a14="http://schemas.microsoft.com/office/drawing/2010/main" val="0"/>
-                </a:ext>
-              </a:extLst>
-            </a:blip>
-            <a:srcRect/>
-            <a:stretch>
-              <a:fillRect/>
-            </a:stretch>
-          </p:blipFill>
-          <p:spPr bwMode="auto">
-            <a:xfrm>
-              <a:off x="1332577" y="4222658"/>
-              <a:ext cx="936328" cy="936328"/>
-            </a:xfrm>
-            <a:prstGeom prst="rect">
-              <a:avLst/>
-            </a:prstGeom>
-            <a:noFill/>
-            <a:extLst>
-              <a:ext uri="{909E8E84-426E-40DD-AFC4-6F175D3DCCD1}">
-                <a14:hiddenFill xmlns:a14="http://schemas.microsoft.com/office/drawing/2010/main">
-                  <a:solidFill>
-                    <a:srgbClr val="FFFFFF"/>
-                  </a:solidFill>
-                </a14:hiddenFill>
-              </a:ext>
-            </a:extLst>
-          </p:spPr>
-        </p:pic>
-        <p:sp>
-          <p:nvSpPr>
-            <p:cNvPr id="70" name="楕円 69"/>
-            <p:cNvSpPr/>
-            <p:nvPr/>
-          </p:nvSpPr>
-          <p:spPr>
-            <a:xfrm>
-              <a:off x="1909726" y="4094046"/>
-              <a:ext cx="1093215" cy="628370"/>
-            </a:xfrm>
-            <a:prstGeom prst="ellipse">
-              <a:avLst/>
-            </a:prstGeom>
-          </p:spPr>
-          <p:style>
-            <a:lnRef idx="1">
-              <a:schemeClr val="accent4"/>
-            </a:lnRef>
-            <a:fillRef idx="2">
-              <a:schemeClr val="accent4"/>
-            </a:fillRef>
-            <a:effectRef idx="1">
-              <a:schemeClr val="accent4"/>
-            </a:effectRef>
-            <a:fontRef idx="minor">
-              <a:schemeClr val="dk1"/>
-            </a:fontRef>
-          </p:style>
-          <p:txBody>
-            <a:bodyPr rtlCol="0" anchor="ctr"/>
-            <a:lstStyle/>
-            <a:p>
-              <a:pPr algn="ctr"/>
-              <a:r>
-                <a:rPr lang="en-US" altLang="ja-JP" sz="900" dirty="0"/>
-                <a:t>VSS</a:t>
-              </a:r>
-              <a:endParaRPr kumimoji="1" lang="ja-JP" altLang="en-US" sz="2400" dirty="0"/>
-            </a:p>
-          </p:txBody>
-        </p:sp>
-      </p:grpSp>
-      <p:grpSp>
-        <p:nvGrpSpPr>
-          <p:cNvPr id="71" name="グループ化 70"/>
-          <p:cNvGrpSpPr/>
-          <p:nvPr/>
-        </p:nvGrpSpPr>
-        <p:grpSpPr>
-          <a:xfrm>
-            <a:off x="9966953" y="4960375"/>
-            <a:ext cx="894086" cy="810016"/>
-            <a:chOff x="1332577" y="3645685"/>
-            <a:chExt cx="1670364" cy="1513301"/>
-          </a:xfrm>
-        </p:grpSpPr>
-        <p:pic>
-          <p:nvPicPr>
-            <p:cNvPr id="72" name="Picture 2" descr="サーバのイラスト（1台）"/>
-            <p:cNvPicPr>
-              <a:picLocks noChangeAspect="1" noChangeArrowheads="1"/>
-            </p:cNvPicPr>
-            <p:nvPr/>
-          </p:nvPicPr>
-          <p:blipFill>
-            <a:blip r:embed="rId4" cstate="print">
-              <a:extLst>
-                <a:ext uri="{28A0092B-C50C-407E-A947-70E740481C1C}">
-                  <a14:useLocalDpi xmlns:a14="http://schemas.microsoft.com/office/drawing/2010/main" val="0"/>
-                </a:ext>
-              </a:extLst>
-            </a:blip>
-            <a:srcRect/>
-            <a:stretch>
-              <a:fillRect/>
-            </a:stretch>
-          </p:blipFill>
-          <p:spPr bwMode="auto">
-            <a:xfrm>
-              <a:off x="1696870" y="3645685"/>
-              <a:ext cx="973178" cy="973178"/>
-            </a:xfrm>
-            <a:prstGeom prst="rect">
-              <a:avLst/>
-            </a:prstGeom>
-            <a:noFill/>
-            <a:extLst>
-              <a:ext uri="{909E8E84-426E-40DD-AFC4-6F175D3DCCD1}">
-                <a14:hiddenFill xmlns:a14="http://schemas.microsoft.com/office/drawing/2010/main">
-                  <a:solidFill>
-                    <a:srgbClr val="FFFFFF"/>
-                  </a:solidFill>
-                </a14:hiddenFill>
-              </a:ext>
-            </a:extLst>
-          </p:spPr>
-        </p:pic>
-        <p:pic>
-          <p:nvPicPr>
-            <p:cNvPr id="73" name="Picture 4" descr="ドーム形の防犯カメラのイラスト"/>
-            <p:cNvPicPr>
-              <a:picLocks noChangeAspect="1" noChangeArrowheads="1"/>
-            </p:cNvPicPr>
-            <p:nvPr/>
-          </p:nvPicPr>
-          <p:blipFill>
-            <a:blip r:embed="rId5" cstate="print">
-              <a:extLst>
-                <a:ext uri="{28A0092B-C50C-407E-A947-70E740481C1C}">
-                  <a14:useLocalDpi xmlns:a14="http://schemas.microsoft.com/office/drawing/2010/main" val="0"/>
-                </a:ext>
-              </a:extLst>
-            </a:blip>
-            <a:srcRect/>
-            <a:stretch>
-              <a:fillRect/>
-            </a:stretch>
-          </p:blipFill>
-          <p:spPr bwMode="auto">
-            <a:xfrm>
-              <a:off x="1332577" y="4222658"/>
-              <a:ext cx="936328" cy="936328"/>
-            </a:xfrm>
-            <a:prstGeom prst="rect">
-              <a:avLst/>
-            </a:prstGeom>
-            <a:noFill/>
-            <a:extLst>
-              <a:ext uri="{909E8E84-426E-40DD-AFC4-6F175D3DCCD1}">
-                <a14:hiddenFill xmlns:a14="http://schemas.microsoft.com/office/drawing/2010/main">
-                  <a:solidFill>
-                    <a:srgbClr val="FFFFFF"/>
-                  </a:solidFill>
-                </a14:hiddenFill>
-              </a:ext>
-            </a:extLst>
-          </p:spPr>
-        </p:pic>
-        <p:sp>
-          <p:nvSpPr>
-            <p:cNvPr id="74" name="楕円 73"/>
-            <p:cNvSpPr/>
-            <p:nvPr/>
-          </p:nvSpPr>
-          <p:spPr>
-            <a:xfrm>
-              <a:off x="1909726" y="4094046"/>
-              <a:ext cx="1093215" cy="628370"/>
-            </a:xfrm>
-            <a:prstGeom prst="ellipse">
-              <a:avLst/>
-            </a:prstGeom>
-          </p:spPr>
-          <p:style>
-            <a:lnRef idx="1">
-              <a:schemeClr val="accent4"/>
-            </a:lnRef>
-            <a:fillRef idx="2">
-              <a:schemeClr val="accent4"/>
-            </a:fillRef>
-            <a:effectRef idx="1">
-              <a:schemeClr val="accent4"/>
-            </a:effectRef>
-            <a:fontRef idx="minor">
-              <a:schemeClr val="dk1"/>
-            </a:fontRef>
-          </p:style>
-          <p:txBody>
-            <a:bodyPr rtlCol="0" anchor="ctr"/>
-            <a:lstStyle/>
-            <a:p>
-              <a:pPr algn="ctr"/>
-              <a:r>
-                <a:rPr lang="en-US" altLang="ja-JP" sz="900" dirty="0"/>
-                <a:t>VSS</a:t>
-              </a:r>
-              <a:endParaRPr kumimoji="1" lang="ja-JP" altLang="en-US" sz="2400" dirty="0"/>
-            </a:p>
-          </p:txBody>
-        </p:sp>
-      </p:grpSp>
-      <p:grpSp>
-        <p:nvGrpSpPr>
-          <p:cNvPr id="75" name="グループ化 74"/>
-          <p:cNvGrpSpPr/>
-          <p:nvPr/>
-        </p:nvGrpSpPr>
-        <p:grpSpPr>
-          <a:xfrm>
-            <a:off x="10883798" y="4960375"/>
-            <a:ext cx="894086" cy="810016"/>
-            <a:chOff x="1332577" y="3645685"/>
-            <a:chExt cx="1670364" cy="1513301"/>
-          </a:xfrm>
-        </p:grpSpPr>
-        <p:pic>
-          <p:nvPicPr>
-            <p:cNvPr id="76" name="Picture 2" descr="サーバのイラスト（1台）"/>
-            <p:cNvPicPr>
-              <a:picLocks noChangeAspect="1" noChangeArrowheads="1"/>
-            </p:cNvPicPr>
-            <p:nvPr/>
-          </p:nvPicPr>
-          <p:blipFill>
-            <a:blip r:embed="rId4" cstate="print">
-              <a:extLst>
-                <a:ext uri="{28A0092B-C50C-407E-A947-70E740481C1C}">
-                  <a14:useLocalDpi xmlns:a14="http://schemas.microsoft.com/office/drawing/2010/main" val="0"/>
-                </a:ext>
-              </a:extLst>
-            </a:blip>
-            <a:srcRect/>
-            <a:stretch>
-              <a:fillRect/>
-            </a:stretch>
-          </p:blipFill>
-          <p:spPr bwMode="auto">
-            <a:xfrm>
-              <a:off x="1696870" y="3645685"/>
-              <a:ext cx="973178" cy="973178"/>
-            </a:xfrm>
-            <a:prstGeom prst="rect">
-              <a:avLst/>
-            </a:prstGeom>
-            <a:noFill/>
-            <a:extLst>
-              <a:ext uri="{909E8E84-426E-40DD-AFC4-6F175D3DCCD1}">
-                <a14:hiddenFill xmlns:a14="http://schemas.microsoft.com/office/drawing/2010/main">
-                  <a:solidFill>
-                    <a:srgbClr val="FFFFFF"/>
-                  </a:solidFill>
-                </a14:hiddenFill>
-              </a:ext>
-            </a:extLst>
-          </p:spPr>
-        </p:pic>
-        <p:pic>
-          <p:nvPicPr>
-            <p:cNvPr id="77" name="Picture 4" descr="ドーム形の防犯カメラのイラスト"/>
-            <p:cNvPicPr>
-              <a:picLocks noChangeAspect="1" noChangeArrowheads="1"/>
-            </p:cNvPicPr>
-            <p:nvPr/>
-          </p:nvPicPr>
-          <p:blipFill>
-            <a:blip r:embed="rId5" cstate="print">
-              <a:extLst>
-                <a:ext uri="{28A0092B-C50C-407E-A947-70E740481C1C}">
-                  <a14:useLocalDpi xmlns:a14="http://schemas.microsoft.com/office/drawing/2010/main" val="0"/>
-                </a:ext>
-              </a:extLst>
-            </a:blip>
-            <a:srcRect/>
-            <a:stretch>
-              <a:fillRect/>
-            </a:stretch>
-          </p:blipFill>
-          <p:spPr bwMode="auto">
-            <a:xfrm>
-              <a:off x="1332577" y="4222658"/>
-              <a:ext cx="936328" cy="936328"/>
-            </a:xfrm>
-            <a:prstGeom prst="rect">
-              <a:avLst/>
-            </a:prstGeom>
-            <a:noFill/>
-            <a:extLst>
-              <a:ext uri="{909E8E84-426E-40DD-AFC4-6F175D3DCCD1}">
-                <a14:hiddenFill xmlns:a14="http://schemas.microsoft.com/office/drawing/2010/main">
-                  <a:solidFill>
-                    <a:srgbClr val="FFFFFF"/>
-                  </a:solidFill>
-                </a14:hiddenFill>
-              </a:ext>
-            </a:extLst>
-          </p:spPr>
-        </p:pic>
-        <p:sp>
-          <p:nvSpPr>
-            <p:cNvPr id="78" name="楕円 77"/>
-            <p:cNvSpPr/>
-            <p:nvPr/>
-          </p:nvSpPr>
-          <p:spPr>
-            <a:xfrm>
-              <a:off x="1909726" y="4094046"/>
-              <a:ext cx="1093215" cy="628370"/>
-            </a:xfrm>
-            <a:prstGeom prst="ellipse">
-              <a:avLst/>
-            </a:prstGeom>
-          </p:spPr>
-          <p:style>
-            <a:lnRef idx="1">
-              <a:schemeClr val="accent4"/>
-            </a:lnRef>
-            <a:fillRef idx="2">
-              <a:schemeClr val="accent4"/>
-            </a:fillRef>
-            <a:effectRef idx="1">
-              <a:schemeClr val="accent4"/>
-            </a:effectRef>
-            <a:fontRef idx="minor">
-              <a:schemeClr val="dk1"/>
-            </a:fontRef>
-          </p:style>
-          <p:txBody>
-            <a:bodyPr rtlCol="0" anchor="ctr"/>
-            <a:lstStyle/>
-            <a:p>
-              <a:pPr algn="ctr"/>
-              <a:r>
-                <a:rPr lang="en-US" altLang="ja-JP" sz="900" dirty="0"/>
-                <a:t>VSS</a:t>
-              </a:r>
-              <a:endParaRPr kumimoji="1" lang="ja-JP" altLang="en-US" sz="2400" dirty="0"/>
-            </a:p>
-          </p:txBody>
-        </p:sp>
-      </p:grpSp>
-      <p:pic>
-        <p:nvPicPr>
-          <p:cNvPr id="1026" name="Picture 2" descr="Wi-Fi無線ルーターのイラスト"/>
-          <p:cNvPicPr>
-            <a:picLocks noChangeAspect="1" noChangeArrowheads="1"/>
-          </p:cNvPicPr>
-          <p:nvPr/>
-        </p:nvPicPr>
-        <p:blipFill>
-          <a:blip r:embed="rId6" cstate="print">
-            <a:extLst>
-              <a:ext uri="{28A0092B-C50C-407E-A947-70E740481C1C}">
-                <a14:useLocalDpi xmlns:a14="http://schemas.microsoft.com/office/drawing/2010/main" val="0"/>
-              </a:ext>
-            </a:extLst>
-          </a:blip>
-          <a:srcRect/>
-          <a:stretch>
-            <a:fillRect/>
-          </a:stretch>
-        </p:blipFill>
-        <p:spPr bwMode="auto">
-          <a:xfrm>
-            <a:off x="2483652" y="3574662"/>
-            <a:ext cx="699093" cy="699093"/>
-          </a:xfrm>
-          <a:prstGeom prst="rect">
-            <a:avLst/>
-          </a:prstGeom>
-          <a:noFill/>
-          <a:extLst>
-            <a:ext uri="{909E8E84-426E-40DD-AFC4-6F175D3DCCD1}">
-              <a14:hiddenFill xmlns:a14="http://schemas.microsoft.com/office/drawing/2010/main">
-                <a:solidFill>
-                  <a:srgbClr val="FFFFFF"/>
-                </a:solidFill>
-              </a14:hiddenFill>
-            </a:ext>
-          </a:extLst>
-        </p:spPr>
-      </p:pic>
-      <p:pic>
-        <p:nvPicPr>
-          <p:cNvPr id="85" name="Picture 2" descr="Wi-Fi無線ルーターのイラスト"/>
-          <p:cNvPicPr>
-            <a:picLocks noChangeAspect="1" noChangeArrowheads="1"/>
-          </p:cNvPicPr>
-          <p:nvPr/>
-        </p:nvPicPr>
-        <p:blipFill>
-          <a:blip r:embed="rId6" cstate="print">
-            <a:extLst>
-              <a:ext uri="{28A0092B-C50C-407E-A947-70E740481C1C}">
-                <a14:useLocalDpi xmlns:a14="http://schemas.microsoft.com/office/drawing/2010/main" val="0"/>
-              </a:ext>
-            </a:extLst>
-          </a:blip>
-          <a:srcRect/>
-          <a:stretch>
-            <a:fillRect/>
-          </a:stretch>
-        </p:blipFill>
-        <p:spPr bwMode="auto">
-          <a:xfrm>
-            <a:off x="5399638" y="3574662"/>
-            <a:ext cx="699093" cy="699093"/>
-          </a:xfrm>
-          <a:prstGeom prst="rect">
-            <a:avLst/>
-          </a:prstGeom>
-          <a:noFill/>
-          <a:extLst>
-            <a:ext uri="{909E8E84-426E-40DD-AFC4-6F175D3DCCD1}">
-              <a14:hiddenFill xmlns:a14="http://schemas.microsoft.com/office/drawing/2010/main">
-                <a:solidFill>
-                  <a:srgbClr val="FFFFFF"/>
-                </a:solidFill>
-              </a14:hiddenFill>
-            </a:ext>
-          </a:extLst>
-        </p:spPr>
-      </p:pic>
-      <p:pic>
-        <p:nvPicPr>
-          <p:cNvPr id="87" name="Picture 2" descr="Wi-Fi無線ルーターのイラスト"/>
-          <p:cNvPicPr>
-            <a:picLocks noChangeAspect="1" noChangeArrowheads="1"/>
-          </p:cNvPicPr>
-          <p:nvPr/>
-        </p:nvPicPr>
-        <p:blipFill>
-          <a:blip r:embed="rId6" cstate="print">
-            <a:extLst>
-              <a:ext uri="{28A0092B-C50C-407E-A947-70E740481C1C}">
-                <a14:useLocalDpi xmlns:a14="http://schemas.microsoft.com/office/drawing/2010/main" val="0"/>
-              </a:ext>
-            </a:extLst>
-          </a:blip>
-          <a:srcRect/>
-          <a:stretch>
-            <a:fillRect/>
-          </a:stretch>
-        </p:blipFill>
-        <p:spPr bwMode="auto">
-          <a:xfrm>
-            <a:off x="7676218" y="3574662"/>
-            <a:ext cx="699093" cy="699093"/>
-          </a:xfrm>
-          <a:prstGeom prst="rect">
-            <a:avLst/>
-          </a:prstGeom>
-          <a:noFill/>
-          <a:extLst>
-            <a:ext uri="{909E8E84-426E-40DD-AFC4-6F175D3DCCD1}">
-              <a14:hiddenFill xmlns:a14="http://schemas.microsoft.com/office/drawing/2010/main">
-                <a:solidFill>
-                  <a:srgbClr val="FFFFFF"/>
-                </a:solidFill>
-              </a14:hiddenFill>
-            </a:ext>
-          </a:extLst>
-        </p:spPr>
-      </p:pic>
-      <p:pic>
-        <p:nvPicPr>
-          <p:cNvPr id="88" name="Picture 2" descr="Wi-Fi無線ルーターのイラスト"/>
-          <p:cNvPicPr>
-            <a:picLocks noChangeAspect="1" noChangeArrowheads="1"/>
-          </p:cNvPicPr>
-          <p:nvPr/>
-        </p:nvPicPr>
-        <p:blipFill>
-          <a:blip r:embed="rId6" cstate="print">
-            <a:extLst>
-              <a:ext uri="{28A0092B-C50C-407E-A947-70E740481C1C}">
-                <a14:useLocalDpi xmlns:a14="http://schemas.microsoft.com/office/drawing/2010/main" val="0"/>
-              </a:ext>
-            </a:extLst>
-          </a:blip>
-          <a:srcRect/>
-          <a:stretch>
-            <a:fillRect/>
-          </a:stretch>
-        </p:blipFill>
-        <p:spPr bwMode="auto">
-          <a:xfrm>
-            <a:off x="9044976" y="3574662"/>
-            <a:ext cx="699093" cy="699093"/>
-          </a:xfrm>
-          <a:prstGeom prst="rect">
-            <a:avLst/>
-          </a:prstGeom>
-          <a:noFill/>
-          <a:extLst>
-            <a:ext uri="{909E8E84-426E-40DD-AFC4-6F175D3DCCD1}">
-              <a14:hiddenFill xmlns:a14="http://schemas.microsoft.com/office/drawing/2010/main">
-                <a:solidFill>
-                  <a:srgbClr val="FFFFFF"/>
-                </a:solidFill>
-              </a14:hiddenFill>
-            </a:ext>
-          </a:extLst>
-        </p:spPr>
-      </p:pic>
-      <p:pic>
-        <p:nvPicPr>
-          <p:cNvPr id="90" name="Picture 2" descr="Wi-Fi無線ルーターのイラスト"/>
-          <p:cNvPicPr>
-            <a:picLocks noChangeAspect="1" noChangeArrowheads="1"/>
-          </p:cNvPicPr>
-          <p:nvPr/>
-        </p:nvPicPr>
-        <p:blipFill>
-          <a:blip r:embed="rId6" cstate="print">
-            <a:extLst>
-              <a:ext uri="{28A0092B-C50C-407E-A947-70E740481C1C}">
-                <a14:useLocalDpi xmlns:a14="http://schemas.microsoft.com/office/drawing/2010/main" val="0"/>
-              </a:ext>
-            </a:extLst>
-          </a:blip>
-          <a:srcRect/>
-          <a:stretch>
-            <a:fillRect/>
-          </a:stretch>
-        </p:blipFill>
-        <p:spPr bwMode="auto">
-          <a:xfrm>
-            <a:off x="10993035" y="3574662"/>
-            <a:ext cx="699093" cy="699093"/>
-          </a:xfrm>
-          <a:prstGeom prst="rect">
-            <a:avLst/>
-          </a:prstGeom>
-          <a:noFill/>
-          <a:extLst>
-            <a:ext uri="{909E8E84-426E-40DD-AFC4-6F175D3DCCD1}">
-              <a14:hiddenFill xmlns:a14="http://schemas.microsoft.com/office/drawing/2010/main">
-                <a:solidFill>
-                  <a:srgbClr val="FFFFFF"/>
-                </a:solidFill>
-              </a14:hiddenFill>
-            </a:ext>
-          </a:extLst>
-        </p:spPr>
-      </p:pic>
-      <p:pic>
-        <p:nvPicPr>
-          <p:cNvPr id="79" name="Picture 2" descr="スマホの二台持ちのイラスト（男性）"/>
-          <p:cNvPicPr>
-            <a:picLocks noChangeAspect="1" noChangeArrowheads="1"/>
-          </p:cNvPicPr>
-          <p:nvPr/>
-        </p:nvPicPr>
-        <p:blipFill>
-          <a:blip r:embed="rId7">
-            <a:extLst>
-              <a:ext uri="{28A0092B-C50C-407E-A947-70E740481C1C}">
-                <a14:useLocalDpi xmlns:a14="http://schemas.microsoft.com/office/drawing/2010/main" val="0"/>
-              </a:ext>
-            </a:extLst>
-          </a:blip>
-          <a:srcRect/>
-          <a:stretch>
-            <a:fillRect/>
-          </a:stretch>
-        </p:blipFill>
-        <p:spPr bwMode="auto">
-          <a:xfrm>
-            <a:off x="9723942" y="1820212"/>
-            <a:ext cx="876008" cy="876008"/>
-          </a:xfrm>
-          <a:prstGeom prst="rect">
-            <a:avLst/>
-          </a:prstGeom>
-          <a:noFill/>
-          <a:extLst>
-            <a:ext uri="{909E8E84-426E-40DD-AFC4-6F175D3DCCD1}">
-              <a14:hiddenFill xmlns:a14="http://schemas.microsoft.com/office/drawing/2010/main">
-                <a:solidFill>
-                  <a:srgbClr val="FFFFFF"/>
-                </a:solidFill>
-              </a14:hiddenFill>
-            </a:ext>
-          </a:extLst>
-        </p:spPr>
-      </p:pic>
-      <p:cxnSp>
-        <p:nvCxnSpPr>
-          <p:cNvPr id="81" name="直線矢印コネクタ 80"/>
-          <p:cNvCxnSpPr/>
-          <p:nvPr/>
-        </p:nvCxnSpPr>
-        <p:spPr>
-          <a:xfrm flipV="1">
-            <a:off x="9366511" y="2696220"/>
-            <a:ext cx="439925" cy="1017029"/>
-          </a:xfrm>
-          <a:prstGeom prst="straightConnector1">
-            <a:avLst/>
-          </a:prstGeom>
-          <a:ln w="76200" cmpd="sng">
-            <a:tailEnd type="triangle" w="lg" len="lg"/>
-          </a:ln>
-        </p:spPr>
-        <p:style>
-          <a:lnRef idx="1">
-            <a:schemeClr val="dk1"/>
-          </a:lnRef>
-          <a:fillRef idx="0">
-            <a:schemeClr val="dk1"/>
-          </a:fillRef>
-          <a:effectRef idx="0">
-            <a:schemeClr val="dk1"/>
-          </a:effectRef>
-          <a:fontRef idx="minor">
-            <a:schemeClr val="tx1"/>
-          </a:fontRef>
-        </p:style>
-      </p:cxnSp>
-      <p:cxnSp>
-        <p:nvCxnSpPr>
-          <p:cNvPr id="82" name="直線矢印コネクタ 81"/>
-          <p:cNvCxnSpPr/>
-          <p:nvPr/>
-        </p:nvCxnSpPr>
-        <p:spPr>
-          <a:xfrm flipH="1" flipV="1">
-            <a:off x="10275880" y="2707519"/>
-            <a:ext cx="1014681" cy="1028326"/>
-          </a:xfrm>
-          <a:prstGeom prst="straightConnector1">
-            <a:avLst/>
-          </a:prstGeom>
-          <a:ln w="76200" cmpd="sng">
-            <a:tailEnd type="triangle" w="lg" len="lg"/>
-          </a:ln>
-        </p:spPr>
-        <p:style>
-          <a:lnRef idx="1">
-            <a:schemeClr val="dk1"/>
-          </a:lnRef>
-          <a:fillRef idx="0">
-            <a:schemeClr val="dk1"/>
-          </a:fillRef>
-          <a:effectRef idx="0">
-            <a:schemeClr val="dk1"/>
-          </a:effectRef>
-          <a:fontRef idx="minor">
-            <a:schemeClr val="tx1"/>
-          </a:fontRef>
-        </p:style>
-      </p:cxnSp>
-      <p:sp>
-        <p:nvSpPr>
-          <p:cNvPr id="83" name="楕円 82"/>
-          <p:cNvSpPr/>
-          <p:nvPr/>
-        </p:nvSpPr>
-        <p:spPr>
-          <a:xfrm>
-            <a:off x="10443306" y="2080543"/>
-            <a:ext cx="1068997" cy="615677"/>
-          </a:xfrm>
-          <a:prstGeom prst="ellipse">
-            <a:avLst/>
-          </a:prstGeom>
-        </p:spPr>
-        <p:style>
-          <a:lnRef idx="1">
-            <a:schemeClr val="accent2"/>
-          </a:lnRef>
-          <a:fillRef idx="2">
-            <a:schemeClr val="accent2"/>
-          </a:fillRef>
-          <a:effectRef idx="1">
-            <a:schemeClr val="accent2"/>
-          </a:effectRef>
-          <a:fontRef idx="minor">
-            <a:schemeClr val="dk1"/>
-          </a:fontRef>
-        </p:style>
-        <p:txBody>
-          <a:bodyPr rtlCol="0" anchor="ctr"/>
-          <a:lstStyle/>
-          <a:p>
-            <a:pPr algn="ctr"/>
-            <a:r>
-              <a:rPr kumimoji="1" lang="ja-JP" altLang="en-US" dirty="0" smtClean="0">
+              <a:endParaRPr kumimoji="1" lang="ja-JP" altLang="en-US" dirty="0">
                 <a:ln w="0"/>
                 <a:solidFill>
                   <a:schemeClr val="tx1"/>
@@ -22862,360 +22906,346 @@
                     </a:schemeClr>
                   </a:outerShdw>
                 </a:effectLst>
-              </a:rPr>
-              <a:t>計算</a:t>
-            </a:r>
-            <a:endParaRPr kumimoji="1" lang="ja-JP" altLang="en-US" dirty="0">
-              <a:ln w="0"/>
-              <a:solidFill>
-                <a:schemeClr val="tx1"/>
-              </a:solidFill>
-              <a:effectLst>
-                <a:outerShdw blurRad="38100" dist="19050" dir="2700000" algn="tl" rotWithShape="0">
-                  <a:schemeClr val="dk1">
-                    <a:alpha val="40000"/>
-                  </a:schemeClr>
-                </a:outerShdw>
-              </a:effectLst>
-            </a:endParaRPr>
-          </a:p>
-        </p:txBody>
-      </p:sp>
-      <p:cxnSp>
-        <p:nvCxnSpPr>
-          <p:cNvPr id="92" name="直線矢印コネクタ 91"/>
-          <p:cNvCxnSpPr/>
-          <p:nvPr/>
-        </p:nvCxnSpPr>
-        <p:spPr>
-          <a:xfrm flipH="1" flipV="1">
-            <a:off x="6337807" y="1069957"/>
-            <a:ext cx="3639334" cy="1176675"/>
-          </a:xfrm>
-          <a:prstGeom prst="straightConnector1">
-            <a:avLst/>
-          </a:prstGeom>
-          <a:ln w="76200" cmpd="sng">
-            <a:tailEnd type="triangle" w="lg" len="lg"/>
-          </a:ln>
-        </p:spPr>
-        <p:style>
-          <a:lnRef idx="1">
-            <a:schemeClr val="dk1"/>
-          </a:lnRef>
-          <a:fillRef idx="0">
-            <a:schemeClr val="dk1"/>
-          </a:fillRef>
-          <a:effectRef idx="0">
-            <a:schemeClr val="dk1"/>
-          </a:effectRef>
-          <a:fontRef idx="minor">
-            <a:schemeClr val="tx1"/>
-          </a:fontRef>
-        </p:style>
-      </p:cxnSp>
-      <p:sp>
-        <p:nvSpPr>
-          <p:cNvPr id="95" name="テキスト ボックス 94"/>
-          <p:cNvSpPr txBox="1"/>
-          <p:nvPr/>
-        </p:nvSpPr>
-        <p:spPr>
-          <a:xfrm>
-            <a:off x="757031" y="3292856"/>
-            <a:ext cx="2596896" cy="369332"/>
-          </a:xfrm>
-          <a:prstGeom prst="rect">
-            <a:avLst/>
-          </a:prstGeom>
-          <a:noFill/>
-        </p:spPr>
-        <p:txBody>
-          <a:bodyPr wrap="square" rtlCol="0">
-            <a:spAutoFit/>
-          </a:bodyPr>
-          <a:lstStyle/>
-          <a:p>
-            <a:r>
-              <a:rPr lang="en-US" altLang="ja-JP" dirty="0" smtClean="0"/>
-              <a:t>VSS</a:t>
-            </a:r>
-            <a:r>
-              <a:rPr lang="ja-JP" altLang="en-US" dirty="0" smtClean="0"/>
-              <a:t>情報提供サーバ</a:t>
-            </a:r>
-            <a:endParaRPr kumimoji="1" lang="ja-JP" altLang="en-US" dirty="0"/>
-          </a:p>
-        </p:txBody>
-      </p:sp>
-      <p:cxnSp>
-        <p:nvCxnSpPr>
-          <p:cNvPr id="96" name="直線矢印コネクタ 95"/>
-          <p:cNvCxnSpPr>
-            <a:endCxn id="1026" idx="2"/>
-          </p:cNvCxnSpPr>
-          <p:nvPr/>
-        </p:nvCxnSpPr>
-        <p:spPr>
-          <a:xfrm flipH="1" flipV="1">
-            <a:off x="2833199" y="4273755"/>
-            <a:ext cx="80803" cy="889433"/>
-          </a:xfrm>
-          <a:prstGeom prst="straightConnector1">
-            <a:avLst/>
-          </a:prstGeom>
-          <a:ln w="76200" cmpd="sng">
-            <a:tailEnd type="triangle" w="lg" len="lg"/>
-          </a:ln>
-        </p:spPr>
-        <p:style>
-          <a:lnRef idx="1">
-            <a:schemeClr val="dk1"/>
-          </a:lnRef>
-          <a:fillRef idx="0">
-            <a:schemeClr val="dk1"/>
-          </a:fillRef>
-          <a:effectRef idx="0">
-            <a:schemeClr val="dk1"/>
-          </a:effectRef>
-          <a:fontRef idx="minor">
-            <a:schemeClr val="tx1"/>
-          </a:fontRef>
-        </p:style>
-      </p:cxnSp>
-      <p:cxnSp>
-        <p:nvCxnSpPr>
-          <p:cNvPr id="97" name="直線矢印コネクタ 96"/>
-          <p:cNvCxnSpPr/>
-          <p:nvPr/>
-        </p:nvCxnSpPr>
-        <p:spPr>
-          <a:xfrm flipH="1" flipV="1">
-            <a:off x="3149313" y="4303776"/>
-            <a:ext cx="1223827" cy="847033"/>
-          </a:xfrm>
-          <a:prstGeom prst="straightConnector1">
-            <a:avLst/>
-          </a:prstGeom>
-          <a:ln w="76200" cmpd="sng">
-            <a:tailEnd type="triangle" w="lg" len="lg"/>
-          </a:ln>
-        </p:spPr>
-        <p:style>
-          <a:lnRef idx="1">
-            <a:schemeClr val="dk1"/>
-          </a:lnRef>
-          <a:fillRef idx="0">
-            <a:schemeClr val="dk1"/>
-          </a:fillRef>
-          <a:effectRef idx="0">
-            <a:schemeClr val="dk1"/>
-          </a:effectRef>
-          <a:fontRef idx="minor">
-            <a:schemeClr val="tx1"/>
-          </a:fontRef>
-        </p:style>
-      </p:cxnSp>
-      <p:cxnSp>
-        <p:nvCxnSpPr>
-          <p:cNvPr id="98" name="直線矢印コネクタ 97"/>
-          <p:cNvCxnSpPr>
-            <a:endCxn id="85" idx="2"/>
-          </p:cNvCxnSpPr>
-          <p:nvPr/>
-        </p:nvCxnSpPr>
-        <p:spPr>
-          <a:xfrm flipH="1" flipV="1">
-            <a:off x="5749185" y="4273755"/>
-            <a:ext cx="72769" cy="765812"/>
-          </a:xfrm>
-          <a:prstGeom prst="straightConnector1">
-            <a:avLst/>
-          </a:prstGeom>
-          <a:ln w="76200" cmpd="sng">
-            <a:tailEnd type="triangle" w="lg" len="lg"/>
-          </a:ln>
-        </p:spPr>
-        <p:style>
-          <a:lnRef idx="1">
-            <a:schemeClr val="dk1"/>
-          </a:lnRef>
-          <a:fillRef idx="0">
-            <a:schemeClr val="dk1"/>
-          </a:fillRef>
-          <a:effectRef idx="0">
-            <a:schemeClr val="dk1"/>
-          </a:effectRef>
-          <a:fontRef idx="minor">
-            <a:schemeClr val="tx1"/>
-          </a:fontRef>
-        </p:style>
-      </p:cxnSp>
-      <p:cxnSp>
-        <p:nvCxnSpPr>
-          <p:cNvPr id="99" name="直線矢印コネクタ 98"/>
-          <p:cNvCxnSpPr/>
-          <p:nvPr/>
-        </p:nvCxnSpPr>
-        <p:spPr>
-          <a:xfrm flipH="1" flipV="1">
-            <a:off x="5914029" y="4376222"/>
-            <a:ext cx="1101143" cy="716939"/>
-          </a:xfrm>
-          <a:prstGeom prst="straightConnector1">
-            <a:avLst/>
-          </a:prstGeom>
-          <a:ln w="76200" cmpd="sng">
-            <a:tailEnd type="triangle" w="lg" len="lg"/>
-          </a:ln>
-        </p:spPr>
-        <p:style>
-          <a:lnRef idx="1">
-            <a:schemeClr val="dk1"/>
-          </a:lnRef>
-          <a:fillRef idx="0">
-            <a:schemeClr val="dk1"/>
-          </a:fillRef>
-          <a:effectRef idx="0">
-            <a:schemeClr val="dk1"/>
-          </a:effectRef>
-          <a:fontRef idx="minor">
-            <a:schemeClr val="tx1"/>
-          </a:fontRef>
-        </p:style>
-      </p:cxnSp>
-      <p:cxnSp>
-        <p:nvCxnSpPr>
-          <p:cNvPr id="100" name="直線矢印コネクタ 99"/>
-          <p:cNvCxnSpPr/>
-          <p:nvPr/>
-        </p:nvCxnSpPr>
-        <p:spPr>
-          <a:xfrm flipH="1" flipV="1">
-            <a:off x="7975334" y="4423263"/>
-            <a:ext cx="334073" cy="669898"/>
-          </a:xfrm>
-          <a:prstGeom prst="straightConnector1">
-            <a:avLst/>
-          </a:prstGeom>
-          <a:ln w="76200" cmpd="sng">
-            <a:tailEnd type="triangle" w="lg" len="lg"/>
-          </a:ln>
-        </p:spPr>
-        <p:style>
-          <a:lnRef idx="1">
-            <a:schemeClr val="dk1"/>
-          </a:lnRef>
-          <a:fillRef idx="0">
-            <a:schemeClr val="dk1"/>
-          </a:fillRef>
-          <a:effectRef idx="0">
-            <a:schemeClr val="dk1"/>
-          </a:effectRef>
-          <a:fontRef idx="minor">
-            <a:schemeClr val="tx1"/>
-          </a:fontRef>
-        </p:style>
-      </p:cxnSp>
-      <p:cxnSp>
-        <p:nvCxnSpPr>
-          <p:cNvPr id="101" name="直線矢印コネクタ 100"/>
-          <p:cNvCxnSpPr/>
-          <p:nvPr/>
-        </p:nvCxnSpPr>
-        <p:spPr>
-          <a:xfrm flipH="1" flipV="1">
-            <a:off x="9449219" y="4376222"/>
-            <a:ext cx="29898" cy="743836"/>
-          </a:xfrm>
-          <a:prstGeom prst="straightConnector1">
-            <a:avLst/>
-          </a:prstGeom>
-          <a:ln w="76200" cmpd="sng">
-            <a:tailEnd type="triangle" w="lg" len="lg"/>
-          </a:ln>
-        </p:spPr>
-        <p:style>
-          <a:lnRef idx="1">
-            <a:schemeClr val="dk1"/>
-          </a:lnRef>
-          <a:fillRef idx="0">
-            <a:schemeClr val="dk1"/>
-          </a:fillRef>
-          <a:effectRef idx="0">
-            <a:schemeClr val="dk1"/>
-          </a:effectRef>
-          <a:fontRef idx="minor">
-            <a:schemeClr val="tx1"/>
-          </a:fontRef>
-        </p:style>
-      </p:cxnSp>
-      <p:cxnSp>
-        <p:nvCxnSpPr>
-          <p:cNvPr id="102" name="直線矢印コネクタ 101"/>
-          <p:cNvCxnSpPr/>
-          <p:nvPr/>
-        </p:nvCxnSpPr>
-        <p:spPr>
-          <a:xfrm flipV="1">
-            <a:off x="10478175" y="4348970"/>
-            <a:ext cx="600616" cy="771088"/>
-          </a:xfrm>
-          <a:prstGeom prst="straightConnector1">
-            <a:avLst/>
-          </a:prstGeom>
-          <a:ln w="76200" cmpd="sng">
-            <a:tailEnd type="triangle" w="lg" len="lg"/>
-          </a:ln>
-        </p:spPr>
-        <p:style>
-          <a:lnRef idx="1">
-            <a:schemeClr val="dk1"/>
-          </a:lnRef>
-          <a:fillRef idx="0">
-            <a:schemeClr val="dk1"/>
-          </a:fillRef>
-          <a:effectRef idx="0">
-            <a:schemeClr val="dk1"/>
-          </a:effectRef>
-          <a:fontRef idx="minor">
-            <a:schemeClr val="tx1"/>
-          </a:fontRef>
-        </p:style>
-      </p:cxnSp>
-      <p:cxnSp>
-        <p:nvCxnSpPr>
-          <p:cNvPr id="103" name="直線矢印コネクタ 102"/>
-          <p:cNvCxnSpPr/>
-          <p:nvPr/>
-        </p:nvCxnSpPr>
-        <p:spPr>
-          <a:xfrm flipH="1" flipV="1">
-            <a:off x="11250159" y="4230624"/>
-            <a:ext cx="80803" cy="889433"/>
-          </a:xfrm>
-          <a:prstGeom prst="straightConnector1">
-            <a:avLst/>
-          </a:prstGeom>
-          <a:ln w="76200" cmpd="sng">
-            <a:tailEnd type="triangle" w="lg" len="lg"/>
-          </a:ln>
-        </p:spPr>
-        <p:style>
-          <a:lnRef idx="1">
-            <a:schemeClr val="dk1"/>
-          </a:lnRef>
-          <a:fillRef idx="0">
-            <a:schemeClr val="dk1"/>
-          </a:fillRef>
-          <a:effectRef idx="0">
-            <a:schemeClr val="dk1"/>
-          </a:effectRef>
-          <a:fontRef idx="minor">
-            <a:schemeClr val="tx1"/>
-          </a:fontRef>
-        </p:style>
-      </p:cxnSp>
+              </a:endParaRPr>
+            </a:p>
+          </p:txBody>
+        </p:sp>
+        <p:cxnSp>
+          <p:nvCxnSpPr>
+            <p:cNvPr id="92" name="直線矢印コネクタ 91"/>
+            <p:cNvCxnSpPr/>
+            <p:nvPr/>
+          </p:nvCxnSpPr>
+          <p:spPr>
+            <a:xfrm flipH="1" flipV="1">
+              <a:off x="6337807" y="1069957"/>
+              <a:ext cx="3639334" cy="1176675"/>
+            </a:xfrm>
+            <a:prstGeom prst="straightConnector1">
+              <a:avLst/>
+            </a:prstGeom>
+            <a:ln w="76200" cmpd="sng">
+              <a:tailEnd type="triangle" w="lg" len="lg"/>
+            </a:ln>
+          </p:spPr>
+          <p:style>
+            <a:lnRef idx="1">
+              <a:schemeClr val="dk1"/>
+            </a:lnRef>
+            <a:fillRef idx="0">
+              <a:schemeClr val="dk1"/>
+            </a:fillRef>
+            <a:effectRef idx="0">
+              <a:schemeClr val="dk1"/>
+            </a:effectRef>
+            <a:fontRef idx="minor">
+              <a:schemeClr val="tx1"/>
+            </a:fontRef>
+          </p:style>
+        </p:cxnSp>
+        <p:sp>
+          <p:nvSpPr>
+            <p:cNvPr id="95" name="テキスト ボックス 94"/>
+            <p:cNvSpPr txBox="1"/>
+            <p:nvPr/>
+          </p:nvSpPr>
+          <p:spPr>
+            <a:xfrm>
+              <a:off x="757031" y="3292856"/>
+              <a:ext cx="2596896" cy="369332"/>
+            </a:xfrm>
+            <a:prstGeom prst="rect">
+              <a:avLst/>
+            </a:prstGeom>
+            <a:noFill/>
+          </p:spPr>
+          <p:txBody>
+            <a:bodyPr wrap="square" rtlCol="0">
+              <a:spAutoFit/>
+            </a:bodyPr>
+            <a:lstStyle/>
+            <a:p>
+              <a:r>
+                <a:rPr lang="en-US" altLang="ja-JP" dirty="0" smtClean="0"/>
+                <a:t>VSS</a:t>
+              </a:r>
+              <a:r>
+                <a:rPr lang="ja-JP" altLang="en-US" dirty="0" smtClean="0"/>
+                <a:t>情報提供サーバ</a:t>
+              </a:r>
+              <a:endParaRPr kumimoji="1" lang="ja-JP" altLang="en-US" dirty="0"/>
+            </a:p>
+          </p:txBody>
+        </p:sp>
+        <p:cxnSp>
+          <p:nvCxnSpPr>
+            <p:cNvPr id="96" name="直線矢印コネクタ 95"/>
+            <p:cNvCxnSpPr>
+              <a:endCxn id="1026" idx="2"/>
+            </p:cNvCxnSpPr>
+            <p:nvPr/>
+          </p:nvCxnSpPr>
+          <p:spPr>
+            <a:xfrm flipH="1" flipV="1">
+              <a:off x="2833199" y="4273755"/>
+              <a:ext cx="80803" cy="889433"/>
+            </a:xfrm>
+            <a:prstGeom prst="straightConnector1">
+              <a:avLst/>
+            </a:prstGeom>
+            <a:ln w="76200" cmpd="sng">
+              <a:tailEnd type="triangle" w="lg" len="lg"/>
+            </a:ln>
+          </p:spPr>
+          <p:style>
+            <a:lnRef idx="1">
+              <a:schemeClr val="dk1"/>
+            </a:lnRef>
+            <a:fillRef idx="0">
+              <a:schemeClr val="dk1"/>
+            </a:fillRef>
+            <a:effectRef idx="0">
+              <a:schemeClr val="dk1"/>
+            </a:effectRef>
+            <a:fontRef idx="minor">
+              <a:schemeClr val="tx1"/>
+            </a:fontRef>
+          </p:style>
+        </p:cxnSp>
+        <p:cxnSp>
+          <p:nvCxnSpPr>
+            <p:cNvPr id="97" name="直線矢印コネクタ 96"/>
+            <p:cNvCxnSpPr/>
+            <p:nvPr/>
+          </p:nvCxnSpPr>
+          <p:spPr>
+            <a:xfrm flipH="1" flipV="1">
+              <a:off x="3149313" y="4303776"/>
+              <a:ext cx="1223827" cy="847033"/>
+            </a:xfrm>
+            <a:prstGeom prst="straightConnector1">
+              <a:avLst/>
+            </a:prstGeom>
+            <a:ln w="76200" cmpd="sng">
+              <a:tailEnd type="triangle" w="lg" len="lg"/>
+            </a:ln>
+          </p:spPr>
+          <p:style>
+            <a:lnRef idx="1">
+              <a:schemeClr val="dk1"/>
+            </a:lnRef>
+            <a:fillRef idx="0">
+              <a:schemeClr val="dk1"/>
+            </a:fillRef>
+            <a:effectRef idx="0">
+              <a:schemeClr val="dk1"/>
+            </a:effectRef>
+            <a:fontRef idx="minor">
+              <a:schemeClr val="tx1"/>
+            </a:fontRef>
+          </p:style>
+        </p:cxnSp>
+        <p:cxnSp>
+          <p:nvCxnSpPr>
+            <p:cNvPr id="98" name="直線矢印コネクタ 97"/>
+            <p:cNvCxnSpPr>
+              <a:endCxn id="85" idx="2"/>
+            </p:cNvCxnSpPr>
+            <p:nvPr/>
+          </p:nvCxnSpPr>
+          <p:spPr>
+            <a:xfrm flipH="1" flipV="1">
+              <a:off x="5749185" y="4273755"/>
+              <a:ext cx="72769" cy="765812"/>
+            </a:xfrm>
+            <a:prstGeom prst="straightConnector1">
+              <a:avLst/>
+            </a:prstGeom>
+            <a:ln w="76200" cmpd="sng">
+              <a:tailEnd type="triangle" w="lg" len="lg"/>
+            </a:ln>
+          </p:spPr>
+          <p:style>
+            <a:lnRef idx="1">
+              <a:schemeClr val="dk1"/>
+            </a:lnRef>
+            <a:fillRef idx="0">
+              <a:schemeClr val="dk1"/>
+            </a:fillRef>
+            <a:effectRef idx="0">
+              <a:schemeClr val="dk1"/>
+            </a:effectRef>
+            <a:fontRef idx="minor">
+              <a:schemeClr val="tx1"/>
+            </a:fontRef>
+          </p:style>
+        </p:cxnSp>
+        <p:cxnSp>
+          <p:nvCxnSpPr>
+            <p:cNvPr id="99" name="直線矢印コネクタ 98"/>
+            <p:cNvCxnSpPr/>
+            <p:nvPr/>
+          </p:nvCxnSpPr>
+          <p:spPr>
+            <a:xfrm flipH="1" flipV="1">
+              <a:off x="5914029" y="4376222"/>
+              <a:ext cx="1101143" cy="716939"/>
+            </a:xfrm>
+            <a:prstGeom prst="straightConnector1">
+              <a:avLst/>
+            </a:prstGeom>
+            <a:ln w="76200" cmpd="sng">
+              <a:tailEnd type="triangle" w="lg" len="lg"/>
+            </a:ln>
+          </p:spPr>
+          <p:style>
+            <a:lnRef idx="1">
+              <a:schemeClr val="dk1"/>
+            </a:lnRef>
+            <a:fillRef idx="0">
+              <a:schemeClr val="dk1"/>
+            </a:fillRef>
+            <a:effectRef idx="0">
+              <a:schemeClr val="dk1"/>
+            </a:effectRef>
+            <a:fontRef idx="minor">
+              <a:schemeClr val="tx1"/>
+            </a:fontRef>
+          </p:style>
+        </p:cxnSp>
+        <p:cxnSp>
+          <p:nvCxnSpPr>
+            <p:cNvPr id="100" name="直線矢印コネクタ 99"/>
+            <p:cNvCxnSpPr/>
+            <p:nvPr/>
+          </p:nvCxnSpPr>
+          <p:spPr>
+            <a:xfrm flipH="1" flipV="1">
+              <a:off x="7975334" y="4423263"/>
+              <a:ext cx="334073" cy="669898"/>
+            </a:xfrm>
+            <a:prstGeom prst="straightConnector1">
+              <a:avLst/>
+            </a:prstGeom>
+            <a:ln w="76200" cmpd="sng">
+              <a:tailEnd type="triangle" w="lg" len="lg"/>
+            </a:ln>
+          </p:spPr>
+          <p:style>
+            <a:lnRef idx="1">
+              <a:schemeClr val="dk1"/>
+            </a:lnRef>
+            <a:fillRef idx="0">
+              <a:schemeClr val="dk1"/>
+            </a:fillRef>
+            <a:effectRef idx="0">
+              <a:schemeClr val="dk1"/>
+            </a:effectRef>
+            <a:fontRef idx="minor">
+              <a:schemeClr val="tx1"/>
+            </a:fontRef>
+          </p:style>
+        </p:cxnSp>
+        <p:cxnSp>
+          <p:nvCxnSpPr>
+            <p:cNvPr id="101" name="直線矢印コネクタ 100"/>
+            <p:cNvCxnSpPr/>
+            <p:nvPr/>
+          </p:nvCxnSpPr>
+          <p:spPr>
+            <a:xfrm flipH="1" flipV="1">
+              <a:off x="9449219" y="4376222"/>
+              <a:ext cx="29898" cy="743836"/>
+            </a:xfrm>
+            <a:prstGeom prst="straightConnector1">
+              <a:avLst/>
+            </a:prstGeom>
+            <a:ln w="76200" cmpd="sng">
+              <a:tailEnd type="triangle" w="lg" len="lg"/>
+            </a:ln>
+          </p:spPr>
+          <p:style>
+            <a:lnRef idx="1">
+              <a:schemeClr val="dk1"/>
+            </a:lnRef>
+            <a:fillRef idx="0">
+              <a:schemeClr val="dk1"/>
+            </a:fillRef>
+            <a:effectRef idx="0">
+              <a:schemeClr val="dk1"/>
+            </a:effectRef>
+            <a:fontRef idx="minor">
+              <a:schemeClr val="tx1"/>
+            </a:fontRef>
+          </p:style>
+        </p:cxnSp>
+        <p:cxnSp>
+          <p:nvCxnSpPr>
+            <p:cNvPr id="102" name="直線矢印コネクタ 101"/>
+            <p:cNvCxnSpPr/>
+            <p:nvPr/>
+          </p:nvCxnSpPr>
+          <p:spPr>
+            <a:xfrm flipV="1">
+              <a:off x="10478175" y="4348970"/>
+              <a:ext cx="600616" cy="771088"/>
+            </a:xfrm>
+            <a:prstGeom prst="straightConnector1">
+              <a:avLst/>
+            </a:prstGeom>
+            <a:ln w="76200" cmpd="sng">
+              <a:tailEnd type="triangle" w="lg" len="lg"/>
+            </a:ln>
+          </p:spPr>
+          <p:style>
+            <a:lnRef idx="1">
+              <a:schemeClr val="dk1"/>
+            </a:lnRef>
+            <a:fillRef idx="0">
+              <a:schemeClr val="dk1"/>
+            </a:fillRef>
+            <a:effectRef idx="0">
+              <a:schemeClr val="dk1"/>
+            </a:effectRef>
+            <a:fontRef idx="minor">
+              <a:schemeClr val="tx1"/>
+            </a:fontRef>
+          </p:style>
+        </p:cxnSp>
+        <p:cxnSp>
+          <p:nvCxnSpPr>
+            <p:cNvPr id="103" name="直線矢印コネクタ 102"/>
+            <p:cNvCxnSpPr/>
+            <p:nvPr/>
+          </p:nvCxnSpPr>
+          <p:spPr>
+            <a:xfrm flipH="1" flipV="1">
+              <a:off x="11250159" y="4230624"/>
+              <a:ext cx="80803" cy="889433"/>
+            </a:xfrm>
+            <a:prstGeom prst="straightConnector1">
+              <a:avLst/>
+            </a:prstGeom>
+            <a:ln w="76200" cmpd="sng">
+              <a:tailEnd type="triangle" w="lg" len="lg"/>
+            </a:ln>
+          </p:spPr>
+          <p:style>
+            <a:lnRef idx="1">
+              <a:schemeClr val="dk1"/>
+            </a:lnRef>
+            <a:fillRef idx="0">
+              <a:schemeClr val="dk1"/>
+            </a:fillRef>
+            <a:effectRef idx="0">
+              <a:schemeClr val="dk1"/>
+            </a:effectRef>
+            <a:fontRef idx="minor">
+              <a:schemeClr val="tx1"/>
+            </a:fontRef>
+          </p:style>
+        </p:cxnSp>
+      </p:grpSp>
     </p:spTree>
     <p:extLst>
       <p:ext uri="{BB962C8B-B14F-4D97-AF65-F5344CB8AC3E}">
@@ -23602,49 +23632,49 @@
                 <a:gridCol w="720000">
                   <a:extLst>
                     <a:ext uri="{9D8B030D-6E8A-4147-A177-3AD203B41FA5}">
-                      <a16:colId xmlns:a16="http://schemas.microsoft.com/office/drawing/2014/main" val="2385125368"/>
+                      <a16:colId xmlns:a16="http://schemas.microsoft.com/office/drawing/2014/main" xmlns="" val="2385125368"/>
                     </a:ext>
                   </a:extLst>
                 </a:gridCol>
                 <a:gridCol w="720000">
                   <a:extLst>
                     <a:ext uri="{9D8B030D-6E8A-4147-A177-3AD203B41FA5}">
-                      <a16:colId xmlns:a16="http://schemas.microsoft.com/office/drawing/2014/main" val="2599857777"/>
+                      <a16:colId xmlns:a16="http://schemas.microsoft.com/office/drawing/2014/main" xmlns="" val="2599857777"/>
                     </a:ext>
                   </a:extLst>
                 </a:gridCol>
                 <a:gridCol w="720000">
                   <a:extLst>
                     <a:ext uri="{9D8B030D-6E8A-4147-A177-3AD203B41FA5}">
-                      <a16:colId xmlns:a16="http://schemas.microsoft.com/office/drawing/2014/main" val="4293876959"/>
+                      <a16:colId xmlns:a16="http://schemas.microsoft.com/office/drawing/2014/main" xmlns="" val="4293876959"/>
                     </a:ext>
                   </a:extLst>
                 </a:gridCol>
                 <a:gridCol w="720000">
                   <a:extLst>
                     <a:ext uri="{9D8B030D-6E8A-4147-A177-3AD203B41FA5}">
-                      <a16:colId xmlns:a16="http://schemas.microsoft.com/office/drawing/2014/main" val="185903597"/>
+                      <a16:colId xmlns:a16="http://schemas.microsoft.com/office/drawing/2014/main" xmlns="" val="185903597"/>
                     </a:ext>
                   </a:extLst>
                 </a:gridCol>
                 <a:gridCol w="720000">
                   <a:extLst>
                     <a:ext uri="{9D8B030D-6E8A-4147-A177-3AD203B41FA5}">
-                      <a16:colId xmlns:a16="http://schemas.microsoft.com/office/drawing/2014/main" val="967980824"/>
+                      <a16:colId xmlns:a16="http://schemas.microsoft.com/office/drawing/2014/main" xmlns="" val="967980824"/>
                     </a:ext>
                   </a:extLst>
                 </a:gridCol>
                 <a:gridCol w="720000">
                   <a:extLst>
                     <a:ext uri="{9D8B030D-6E8A-4147-A177-3AD203B41FA5}">
-                      <a16:colId xmlns:a16="http://schemas.microsoft.com/office/drawing/2014/main" val="3107065488"/>
+                      <a16:colId xmlns:a16="http://schemas.microsoft.com/office/drawing/2014/main" xmlns="" val="3107065488"/>
                     </a:ext>
                   </a:extLst>
                 </a:gridCol>
                 <a:gridCol w="720000">
                   <a:extLst>
                     <a:ext uri="{9D8B030D-6E8A-4147-A177-3AD203B41FA5}">
-                      <a16:colId xmlns:a16="http://schemas.microsoft.com/office/drawing/2014/main" val="1277420439"/>
+                      <a16:colId xmlns:a16="http://schemas.microsoft.com/office/drawing/2014/main" xmlns="" val="1277420439"/>
                     </a:ext>
                   </a:extLst>
                 </a:gridCol>
@@ -24170,7 +24200,7 @@
                 </a:tc>
                 <a:extLst>
                   <a:ext uri="{0D108BD9-81ED-4DB2-BD59-A6C34878D82A}">
-                    <a16:rowId xmlns:a16="http://schemas.microsoft.com/office/drawing/2014/main" val="584487917"/>
+                    <a16:rowId xmlns:a16="http://schemas.microsoft.com/office/drawing/2014/main" xmlns="" val="584487917"/>
                   </a:ext>
                 </a:extLst>
               </a:tr>
@@ -24695,7 +24725,7 @@
                 </a:tc>
                 <a:extLst>
                   <a:ext uri="{0D108BD9-81ED-4DB2-BD59-A6C34878D82A}">
-                    <a16:rowId xmlns:a16="http://schemas.microsoft.com/office/drawing/2014/main" val="1863994553"/>
+                    <a16:rowId xmlns:a16="http://schemas.microsoft.com/office/drawing/2014/main" xmlns="" val="1863994553"/>
                   </a:ext>
                 </a:extLst>
               </a:tr>
@@ -25198,7 +25228,7 @@
                 </a:tc>
                 <a:extLst>
                   <a:ext uri="{0D108BD9-81ED-4DB2-BD59-A6C34878D82A}">
-                    <a16:rowId xmlns:a16="http://schemas.microsoft.com/office/drawing/2014/main" val="2813642046"/>
+                    <a16:rowId xmlns:a16="http://schemas.microsoft.com/office/drawing/2014/main" xmlns="" val="2813642046"/>
                   </a:ext>
                 </a:extLst>
               </a:tr>
@@ -25690,7 +25720,7 @@
                 </a:tc>
                 <a:extLst>
                   <a:ext uri="{0D108BD9-81ED-4DB2-BD59-A6C34878D82A}">
-                    <a16:rowId xmlns:a16="http://schemas.microsoft.com/office/drawing/2014/main" val="2056728271"/>
+                    <a16:rowId xmlns:a16="http://schemas.microsoft.com/office/drawing/2014/main" xmlns="" val="2056728271"/>
                   </a:ext>
                 </a:extLst>
               </a:tr>
@@ -26204,7 +26234,7 @@
                 </a:tc>
                 <a:extLst>
                   <a:ext uri="{0D108BD9-81ED-4DB2-BD59-A6C34878D82A}">
-                    <a16:rowId xmlns:a16="http://schemas.microsoft.com/office/drawing/2014/main" val="2613689561"/>
+                    <a16:rowId xmlns:a16="http://schemas.microsoft.com/office/drawing/2014/main" xmlns="" val="2613689561"/>
                   </a:ext>
                 </a:extLst>
               </a:tr>
@@ -26729,7 +26759,7 @@
                 </a:tc>
                 <a:extLst>
                   <a:ext uri="{0D108BD9-81ED-4DB2-BD59-A6C34878D82A}">
-                    <a16:rowId xmlns:a16="http://schemas.microsoft.com/office/drawing/2014/main" val="1320574715"/>
+                    <a16:rowId xmlns:a16="http://schemas.microsoft.com/office/drawing/2014/main" xmlns="" val="1320574715"/>
                   </a:ext>
                 </a:extLst>
               </a:tr>
@@ -26857,49 +26887,49 @@
                     <a:gridCol w="720000">
                       <a:extLst>
                         <a:ext uri="{9D8B030D-6E8A-4147-A177-3AD203B41FA5}">
-                          <a16:colId xmlns:a16="http://schemas.microsoft.com/office/drawing/2014/main" val="849826274"/>
+                          <a16:colId xmlns:a16="http://schemas.microsoft.com/office/drawing/2014/main" xmlns="" val="849826274"/>
                         </a:ext>
                       </a:extLst>
                     </a:gridCol>
                     <a:gridCol w="720000">
                       <a:extLst>
                         <a:ext uri="{9D8B030D-6E8A-4147-A177-3AD203B41FA5}">
-                          <a16:colId xmlns:a16="http://schemas.microsoft.com/office/drawing/2014/main" val="3122597115"/>
+                          <a16:colId xmlns:a16="http://schemas.microsoft.com/office/drawing/2014/main" xmlns="" val="3122597115"/>
                         </a:ext>
                       </a:extLst>
                     </a:gridCol>
                     <a:gridCol w="720000">
                       <a:extLst>
                         <a:ext uri="{9D8B030D-6E8A-4147-A177-3AD203B41FA5}">
-                          <a16:colId xmlns:a16="http://schemas.microsoft.com/office/drawing/2014/main" val="2119792792"/>
+                          <a16:colId xmlns:a16="http://schemas.microsoft.com/office/drawing/2014/main" xmlns="" val="2119792792"/>
                         </a:ext>
                       </a:extLst>
                     </a:gridCol>
                     <a:gridCol w="720000">
                       <a:extLst>
                         <a:ext uri="{9D8B030D-6E8A-4147-A177-3AD203B41FA5}">
-                          <a16:colId xmlns:a16="http://schemas.microsoft.com/office/drawing/2014/main" val="3054159046"/>
+                          <a16:colId xmlns:a16="http://schemas.microsoft.com/office/drawing/2014/main" xmlns="" val="3054159046"/>
                         </a:ext>
                       </a:extLst>
                     </a:gridCol>
                     <a:gridCol w="720000">
                       <a:extLst>
                         <a:ext uri="{9D8B030D-6E8A-4147-A177-3AD203B41FA5}">
-                          <a16:colId xmlns:a16="http://schemas.microsoft.com/office/drawing/2014/main" val="1335098707"/>
+                          <a16:colId xmlns:a16="http://schemas.microsoft.com/office/drawing/2014/main" xmlns="" val="1335098707"/>
                         </a:ext>
                       </a:extLst>
                     </a:gridCol>
                     <a:gridCol w="720000">
                       <a:extLst>
                         <a:ext uri="{9D8B030D-6E8A-4147-A177-3AD203B41FA5}">
-                          <a16:colId xmlns:a16="http://schemas.microsoft.com/office/drawing/2014/main" val="2189793948"/>
+                          <a16:colId xmlns:a16="http://schemas.microsoft.com/office/drawing/2014/main" xmlns="" val="2189793948"/>
                         </a:ext>
                       </a:extLst>
                     </a:gridCol>
                     <a:gridCol w="720000">
                       <a:extLst>
                         <a:ext uri="{9D8B030D-6E8A-4147-A177-3AD203B41FA5}">
-                          <a16:colId xmlns:a16="http://schemas.microsoft.com/office/drawing/2014/main" val="4073850615"/>
+                          <a16:colId xmlns:a16="http://schemas.microsoft.com/office/drawing/2014/main" xmlns="" val="4073850615"/>
                         </a:ext>
                       </a:extLst>
                     </a:gridCol>
@@ -27984,7 +28014,7 @@
                     </a:tc>
                     <a:extLst>
                       <a:ext uri="{0D108BD9-81ED-4DB2-BD59-A6C34878D82A}">
-                        <a16:rowId xmlns:a16="http://schemas.microsoft.com/office/drawing/2014/main" val="2282192497"/>
+                        <a16:rowId xmlns:a16="http://schemas.microsoft.com/office/drawing/2014/main" xmlns="" val="2282192497"/>
                       </a:ext>
                     </a:extLst>
                   </a:tr>
@@ -29167,7 +29197,7 @@
                     </a:tc>
                     <a:extLst>
                       <a:ext uri="{0D108BD9-81ED-4DB2-BD59-A6C34878D82A}">
-                        <a16:rowId xmlns:a16="http://schemas.microsoft.com/office/drawing/2014/main" val="285879134"/>
+                        <a16:rowId xmlns:a16="http://schemas.microsoft.com/office/drawing/2014/main" xmlns="" val="285879134"/>
                       </a:ext>
                     </a:extLst>
                   </a:tr>
@@ -29795,7 +29825,7 @@
                     </a:tc>
                     <a:extLst>
                       <a:ext uri="{0D108BD9-81ED-4DB2-BD59-A6C34878D82A}">
-                        <a16:rowId xmlns:a16="http://schemas.microsoft.com/office/drawing/2014/main" val="1414773290"/>
+                        <a16:rowId xmlns:a16="http://schemas.microsoft.com/office/drawing/2014/main" xmlns="" val="1414773290"/>
                       </a:ext>
                     </a:extLst>
                   </a:tr>
@@ -30423,7 +30453,7 @@
                     </a:tc>
                     <a:extLst>
                       <a:ext uri="{0D108BD9-81ED-4DB2-BD59-A6C34878D82A}">
-                        <a16:rowId xmlns:a16="http://schemas.microsoft.com/office/drawing/2014/main" val="3029169098"/>
+                        <a16:rowId xmlns:a16="http://schemas.microsoft.com/office/drawing/2014/main" xmlns="" val="3029169098"/>
                       </a:ext>
                     </a:extLst>
                   </a:tr>
@@ -31051,7 +31081,7 @@
                     </a:tc>
                     <a:extLst>
                       <a:ext uri="{0D108BD9-81ED-4DB2-BD59-A6C34878D82A}">
-                        <a16:rowId xmlns:a16="http://schemas.microsoft.com/office/drawing/2014/main" val="1551467127"/>
+                        <a16:rowId xmlns:a16="http://schemas.microsoft.com/office/drawing/2014/main" xmlns="" val="1551467127"/>
                       </a:ext>
                     </a:extLst>
                   </a:tr>
@@ -31679,7 +31709,7 @@
                     </a:tc>
                     <a:extLst>
                       <a:ext uri="{0D108BD9-81ED-4DB2-BD59-A6C34878D82A}">
-                        <a16:rowId xmlns:a16="http://schemas.microsoft.com/office/drawing/2014/main" val="1957575383"/>
+                        <a16:rowId xmlns:a16="http://schemas.microsoft.com/office/drawing/2014/main" xmlns="" val="1957575383"/>
                       </a:ext>
                     </a:extLst>
                   </a:tr>

--- a/LplcSimulator/LplcSimulator/卒論/数理モデルv5.pptx
+++ b/LplcSimulator/LplcSimulator/卒論/数理モデルv5.pptx
@@ -17,9 +17,10 @@
     <p:sldId id="265" r:id="rId11"/>
     <p:sldId id="266" r:id="rId12"/>
     <p:sldId id="267" r:id="rId13"/>
-    <p:sldId id="268" r:id="rId14"/>
-    <p:sldId id="269" r:id="rId15"/>
-    <p:sldId id="270" r:id="rId16"/>
+    <p:sldId id="271" r:id="rId14"/>
+    <p:sldId id="268" r:id="rId15"/>
+    <p:sldId id="269" r:id="rId16"/>
+    <p:sldId id="270" r:id="rId17"/>
   </p:sldIdLst>
   <p:sldSz cx="12192000" cy="6858000"/>
   <p:notesSz cx="6858000" cy="9144000"/>
@@ -4275,49 +4276,49 @@
                     <a:gridCol w="720000">
                       <a:extLst>
                         <a:ext uri="{9D8B030D-6E8A-4147-A177-3AD203B41FA5}">
-                          <a16:colId xmlns:a16="http://schemas.microsoft.com/office/drawing/2014/main" xmlns="" val="849826274"/>
+                          <a16:colId xmlns:a16="http://schemas.microsoft.com/office/drawing/2014/main" val="849826274"/>
                         </a:ext>
                       </a:extLst>
                     </a:gridCol>
                     <a:gridCol w="720000">
                       <a:extLst>
                         <a:ext uri="{9D8B030D-6E8A-4147-A177-3AD203B41FA5}">
-                          <a16:colId xmlns:a16="http://schemas.microsoft.com/office/drawing/2014/main" xmlns="" val="3122597115"/>
+                          <a16:colId xmlns:a16="http://schemas.microsoft.com/office/drawing/2014/main" val="3122597115"/>
                         </a:ext>
                       </a:extLst>
                     </a:gridCol>
                     <a:gridCol w="720000">
                       <a:extLst>
                         <a:ext uri="{9D8B030D-6E8A-4147-A177-3AD203B41FA5}">
-                          <a16:colId xmlns:a16="http://schemas.microsoft.com/office/drawing/2014/main" xmlns="" val="2119792792"/>
+                          <a16:colId xmlns:a16="http://schemas.microsoft.com/office/drawing/2014/main" val="2119792792"/>
                         </a:ext>
                       </a:extLst>
                     </a:gridCol>
                     <a:gridCol w="720000">
                       <a:extLst>
                         <a:ext uri="{9D8B030D-6E8A-4147-A177-3AD203B41FA5}">
-                          <a16:colId xmlns:a16="http://schemas.microsoft.com/office/drawing/2014/main" xmlns="" val="3054159046"/>
+                          <a16:colId xmlns:a16="http://schemas.microsoft.com/office/drawing/2014/main" val="3054159046"/>
                         </a:ext>
                       </a:extLst>
                     </a:gridCol>
                     <a:gridCol w="720000">
                       <a:extLst>
                         <a:ext uri="{9D8B030D-6E8A-4147-A177-3AD203B41FA5}">
-                          <a16:colId xmlns:a16="http://schemas.microsoft.com/office/drawing/2014/main" xmlns="" val="1335098707"/>
+                          <a16:colId xmlns:a16="http://schemas.microsoft.com/office/drawing/2014/main" val="1335098707"/>
                         </a:ext>
                       </a:extLst>
                     </a:gridCol>
                     <a:gridCol w="720000">
                       <a:extLst>
                         <a:ext uri="{9D8B030D-6E8A-4147-A177-3AD203B41FA5}">
-                          <a16:colId xmlns:a16="http://schemas.microsoft.com/office/drawing/2014/main" xmlns="" val="2189793948"/>
+                          <a16:colId xmlns:a16="http://schemas.microsoft.com/office/drawing/2014/main" val="2189793948"/>
                         </a:ext>
                       </a:extLst>
                     </a:gridCol>
                     <a:gridCol w="720000">
                       <a:extLst>
                         <a:ext uri="{9D8B030D-6E8A-4147-A177-3AD203B41FA5}">
-                          <a16:colId xmlns:a16="http://schemas.microsoft.com/office/drawing/2014/main" xmlns="" val="4073850615"/>
+                          <a16:colId xmlns:a16="http://schemas.microsoft.com/office/drawing/2014/main" val="4073850615"/>
                         </a:ext>
                       </a:extLst>
                     </a:gridCol>
@@ -5282,7 +5283,7 @@
                     </a:tc>
                     <a:extLst>
                       <a:ext uri="{0D108BD9-81ED-4DB2-BD59-A6C34878D82A}">
-                        <a16:rowId xmlns:a16="http://schemas.microsoft.com/office/drawing/2014/main" xmlns="" val="2282192497"/>
+                        <a16:rowId xmlns:a16="http://schemas.microsoft.com/office/drawing/2014/main" val="2282192497"/>
                       </a:ext>
                     </a:extLst>
                   </a:tr>
@@ -6325,7 +6326,7 @@
                     </a:tc>
                     <a:extLst>
                       <a:ext uri="{0D108BD9-81ED-4DB2-BD59-A6C34878D82A}">
-                        <a16:rowId xmlns:a16="http://schemas.microsoft.com/office/drawing/2014/main" xmlns="" val="285879134"/>
+                        <a16:rowId xmlns:a16="http://schemas.microsoft.com/office/drawing/2014/main" val="285879134"/>
                       </a:ext>
                     </a:extLst>
                   </a:tr>
@@ -6913,7 +6914,7 @@
                     </a:tc>
                     <a:extLst>
                       <a:ext uri="{0D108BD9-81ED-4DB2-BD59-A6C34878D82A}">
-                        <a16:rowId xmlns:a16="http://schemas.microsoft.com/office/drawing/2014/main" xmlns="" val="1414773290"/>
+                        <a16:rowId xmlns:a16="http://schemas.microsoft.com/office/drawing/2014/main" val="1414773290"/>
                       </a:ext>
                     </a:extLst>
                   </a:tr>
@@ -7501,7 +7502,7 @@
                     </a:tc>
                     <a:extLst>
                       <a:ext uri="{0D108BD9-81ED-4DB2-BD59-A6C34878D82A}">
-                        <a16:rowId xmlns:a16="http://schemas.microsoft.com/office/drawing/2014/main" xmlns="" val="3029169098"/>
+                        <a16:rowId xmlns:a16="http://schemas.microsoft.com/office/drawing/2014/main" val="3029169098"/>
                       </a:ext>
                     </a:extLst>
                   </a:tr>
@@ -8089,7 +8090,7 @@
                     </a:tc>
                     <a:extLst>
                       <a:ext uri="{0D108BD9-81ED-4DB2-BD59-A6C34878D82A}">
-                        <a16:rowId xmlns:a16="http://schemas.microsoft.com/office/drawing/2014/main" xmlns="" val="1551467127"/>
+                        <a16:rowId xmlns:a16="http://schemas.microsoft.com/office/drawing/2014/main" val="1551467127"/>
                       </a:ext>
                     </a:extLst>
                   </a:tr>
@@ -8677,7 +8678,7 @@
                     </a:tc>
                     <a:extLst>
                       <a:ext uri="{0D108BD9-81ED-4DB2-BD59-A6C34878D82A}">
-                        <a16:rowId xmlns:a16="http://schemas.microsoft.com/office/drawing/2014/main" xmlns="" val="1957575383"/>
+                        <a16:rowId xmlns:a16="http://schemas.microsoft.com/office/drawing/2014/main" val="1957575383"/>
                       </a:ext>
                     </a:extLst>
                   </a:tr>
@@ -10675,7 +10676,7 @@
         </p:nvGrpSpPr>
         <p:grpSpPr>
           <a:xfrm>
-            <a:off x="2234008" y="4542224"/>
+            <a:off x="1771326" y="4437048"/>
             <a:ext cx="8649348" cy="1499953"/>
             <a:chOff x="1576831" y="1663040"/>
             <a:chExt cx="8649348" cy="1499953"/>
@@ -11429,7 +11430,7 @@
         </p:nvGrpSpPr>
         <p:grpSpPr>
           <a:xfrm>
-            <a:off x="4109206" y="1902195"/>
+            <a:off x="2961840" y="3183317"/>
             <a:ext cx="8835082" cy="1499953"/>
             <a:chOff x="334305" y="1663040"/>
             <a:chExt cx="8835082" cy="1499953"/>
@@ -11849,7 +11850,7 @@
         </p:nvGrpSpPr>
         <p:grpSpPr>
           <a:xfrm>
-            <a:off x="510949" y="1407875"/>
+            <a:off x="-562903" y="2443041"/>
             <a:ext cx="8359085" cy="1499953"/>
             <a:chOff x="810302" y="1663040"/>
             <a:chExt cx="8359085" cy="1499953"/>
@@ -12269,7 +12270,7 @@
         </p:nvGrpSpPr>
         <p:grpSpPr>
           <a:xfrm>
-            <a:off x="-695914" y="1308344"/>
+            <a:off x="-242760" y="1303747"/>
             <a:ext cx="8686632" cy="1499953"/>
             <a:chOff x="482755" y="1663040"/>
             <a:chExt cx="8686632" cy="1499953"/>
@@ -12718,6 +12719,2830 @@
           <a:chExt cx="0" cy="0"/>
         </a:xfrm>
       </p:grpSpPr>
+      <p:grpSp>
+        <p:nvGrpSpPr>
+          <p:cNvPr id="2" name="グループ化 1"/>
+          <p:cNvGrpSpPr/>
+          <p:nvPr/>
+        </p:nvGrpSpPr>
+        <p:grpSpPr>
+          <a:xfrm>
+            <a:off x="1707716" y="284669"/>
+            <a:ext cx="8649348" cy="1455840"/>
+            <a:chOff x="1576831" y="1663040"/>
+            <a:chExt cx="8649348" cy="1499953"/>
+          </a:xfrm>
+        </p:grpSpPr>
+        <mc:AlternateContent xmlns:mc="http://schemas.openxmlformats.org/markup-compatibility/2006" xmlns:a14="http://schemas.microsoft.com/office/drawing/2010/main">
+          <mc:Choice Requires="a14">
+            <p:sp>
+              <p:nvSpPr>
+                <p:cNvPr id="3" name="テキスト ボックス 2"/>
+                <p:cNvSpPr txBox="1"/>
+                <p:nvPr/>
+              </p:nvSpPr>
+              <p:spPr>
+                <a:xfrm>
+                  <a:off x="1576831" y="2090639"/>
+                  <a:ext cx="3603368" cy="787331"/>
+                </a:xfrm>
+                <a:prstGeom prst="rect">
+                  <a:avLst/>
+                </a:prstGeom>
+                <a:noFill/>
+              </p:spPr>
+              <p:txBody>
+                <a:bodyPr wrap="square" rtlCol="0">
+                  <a:spAutoFit/>
+                </a:bodyPr>
+                <a:lstStyle/>
+                <a:p>
+                  <a14:m>
+                    <m:oMath xmlns:m="http://schemas.openxmlformats.org/officeDocument/2006/math">
+                      <m:sSub>
+                        <m:sSubPr>
+                          <m:ctrlPr>
+                            <a:rPr kumimoji="1" lang="en-US" altLang="ja-JP" sz="3200" i="1" smtClean="0">
+                              <a:latin typeface="Cambria Math" panose="02040503050406030204" pitchFamily="18" charset="0"/>
+                            </a:rPr>
+                          </m:ctrlPr>
+                        </m:sSubPr>
+                        <m:e>
+                          <m:d>
+                            <m:dPr>
+                              <m:begChr m:val="["/>
+                              <m:endChr m:val="]"/>
+                              <m:ctrlPr>
+                                <a:rPr lang="en-US" altLang="ja-JP" sz="3200" i="1">
+                                  <a:latin typeface="Cambria Math" panose="02040503050406030204" pitchFamily="18" charset="0"/>
+                                </a:rPr>
+                              </m:ctrlPr>
+                            </m:dPr>
+                            <m:e>
+                              <m:sSub>
+                                <m:sSubPr>
+                                  <m:ctrlPr>
+                                    <a:rPr lang="en-US" altLang="ja-JP" sz="3200" i="1" smtClean="0">
+                                      <a:latin typeface="Cambria Math" panose="02040503050406030204" pitchFamily="18" charset="0"/>
+                                    </a:rPr>
+                                  </m:ctrlPr>
+                                </m:sSubPr>
+                                <m:e>
+                                  <m:r>
+                                    <a:rPr lang="en-US" altLang="ja-JP" sz="3200" b="0" i="1" smtClean="0">
+                                      <a:latin typeface="Cambria Math" panose="02040503050406030204" pitchFamily="18" charset="0"/>
+                                    </a:rPr>
+                                    <m:t>𝑃</m:t>
+                                  </m:r>
+                                </m:e>
+                                <m:sub>
+                                  <m:sSub>
+                                    <m:sSubPr>
+                                      <m:ctrlPr>
+                                        <a:rPr lang="en-US" altLang="ja-JP" sz="3200" i="1" smtClean="0">
+                                          <a:latin typeface="Cambria Math" panose="02040503050406030204" pitchFamily="18" charset="0"/>
+                                        </a:rPr>
+                                      </m:ctrlPr>
+                                    </m:sSubPr>
+                                    <m:e>
+                                      <m:r>
+                                        <a:rPr lang="en-US" altLang="ja-JP" sz="3200" b="0" i="1" smtClean="0">
+                                          <a:latin typeface="Cambria Math" panose="02040503050406030204" pitchFamily="18" charset="0"/>
+                                        </a:rPr>
+                                        <m:t>𝑢𝑝</m:t>
+                                      </m:r>
+                                    </m:e>
+                                    <m:sub>
+                                      <m:r>
+                                        <a:rPr lang="en-US" altLang="ja-JP" sz="3200" b="0" i="1" smtClean="0">
+                                          <a:latin typeface="Cambria Math" panose="02040503050406030204" pitchFamily="18" charset="0"/>
+                                        </a:rPr>
+                                        <m:t>𝑛</m:t>
+                                      </m:r>
+                                    </m:sub>
+                                  </m:sSub>
+                                </m:sub>
+                              </m:sSub>
+                              <m:d>
+                                <m:dPr>
+                                  <m:ctrlPr>
+                                    <a:rPr lang="en-US" altLang="ja-JP" sz="3200" i="1">
+                                      <a:latin typeface="Cambria Math" panose="02040503050406030204" pitchFamily="18" charset="0"/>
+                                    </a:rPr>
+                                  </m:ctrlPr>
+                                </m:dPr>
+                                <m:e>
+                                  <m:r>
+                                    <a:rPr lang="en-US" altLang="ja-JP" sz="3200" i="1">
+                                      <a:latin typeface="Cambria Math" panose="02040503050406030204" pitchFamily="18" charset="0"/>
+                                    </a:rPr>
+                                    <m:t>𝑡</m:t>
+                                  </m:r>
+                                </m:e>
+                              </m:d>
+                            </m:e>
+                          </m:d>
+                        </m:e>
+                        <m:sub>
+                          <m:r>
+                            <a:rPr kumimoji="1" lang="en-US" altLang="ja-JP" sz="3200" b="0" i="1" smtClean="0">
+                              <a:latin typeface="Cambria Math" panose="02040503050406030204" pitchFamily="18" charset="0"/>
+                            </a:rPr>
+                            <m:t>𝑖𝑗</m:t>
+                          </m:r>
+                        </m:sub>
+                      </m:sSub>
+                    </m:oMath>
+                  </a14:m>
+                  <a:r>
+                    <a:rPr kumimoji="1" lang="en-US" altLang="ja-JP" sz="3200" i="1" dirty="0" smtClean="0">
+                      <a:latin typeface="Times New Roman" panose="02020603050405020304" pitchFamily="18" charset="0"/>
+                      <a:ea typeface="HGPｺﾞｼｯｸM" panose="020B0600000000000000" pitchFamily="50" charset="-128"/>
+                    </a:rPr>
+                    <a:t>=</a:t>
+                  </a:r>
+                  <a:endParaRPr kumimoji="1" lang="ja-JP" altLang="en-US" sz="3200" i="1" dirty="0">
+                    <a:latin typeface="Times New Roman" panose="02020603050405020304" pitchFamily="18" charset="0"/>
+                    <a:ea typeface="HGPｺﾞｼｯｸM" panose="020B0600000000000000" pitchFamily="50" charset="-128"/>
+                  </a:endParaRPr>
+                </a:p>
+              </p:txBody>
+            </p:sp>
+          </mc:Choice>
+          <mc:Fallback xmlns="">
+            <p:sp>
+              <p:nvSpPr>
+                <p:cNvPr id="6" name="テキスト ボックス 5"/>
+                <p:cNvSpPr txBox="1">
+                  <a:spLocks noRot="1" noChangeAspect="1" noMove="1" noResize="1" noEditPoints="1" noAdjustHandles="1" noChangeArrowheads="1" noChangeShapeType="1" noTextEdit="1"/>
+                </p:cNvSpPr>
+                <p:nvPr/>
+              </p:nvSpPr>
+              <p:spPr>
+                <a:xfrm>
+                  <a:off x="1576831" y="2090639"/>
+                  <a:ext cx="3603368" cy="787331"/>
+                </a:xfrm>
+                <a:prstGeom prst="rect">
+                  <a:avLst/>
+                </a:prstGeom>
+                <a:blipFill>
+                  <a:blip r:embed="rId2"/>
+                  <a:stretch>
+                    <a:fillRect t="-6977" b="-2326"/>
+                  </a:stretch>
+                </a:blipFill>
+              </p:spPr>
+              <p:txBody>
+                <a:bodyPr/>
+                <a:lstStyle/>
+                <a:p>
+                  <a:r>
+                    <a:rPr lang="ja-JP" altLang="en-US">
+                      <a:noFill/>
+                    </a:rPr>
+                    <a:t> </a:t>
+                  </a:r>
+                </a:p>
+              </p:txBody>
+            </p:sp>
+          </mc:Fallback>
+        </mc:AlternateContent>
+        <p:sp>
+          <p:nvSpPr>
+            <p:cNvPr id="4" name="左中かっこ 3"/>
+            <p:cNvSpPr/>
+            <p:nvPr/>
+          </p:nvSpPr>
+          <p:spPr>
+            <a:xfrm>
+              <a:off x="4021281" y="1663040"/>
+              <a:ext cx="627529" cy="1499953"/>
+            </a:xfrm>
+            <a:prstGeom prst="leftBrace">
+              <a:avLst/>
+            </a:prstGeom>
+            <a:ln w="38100"/>
+          </p:spPr>
+          <p:style>
+            <a:lnRef idx="1">
+              <a:schemeClr val="dk1"/>
+            </a:lnRef>
+            <a:fillRef idx="0">
+              <a:schemeClr val="dk1"/>
+            </a:fillRef>
+            <a:effectRef idx="0">
+              <a:schemeClr val="dk1"/>
+            </a:effectRef>
+            <a:fontRef idx="minor">
+              <a:schemeClr val="tx1"/>
+            </a:fontRef>
+          </p:style>
+          <p:txBody>
+            <a:bodyPr rtlCol="0" anchor="ctr"/>
+            <a:lstStyle/>
+            <a:p>
+              <a:pPr algn="ctr"/>
+              <a:endParaRPr kumimoji="1" lang="ja-JP" altLang="en-US" i="1">
+                <a:latin typeface="Times New Roman" panose="02020603050405020304" pitchFamily="18" charset="0"/>
+                <a:ea typeface="HGPｺﾞｼｯｸM" panose="020B0600000000000000" pitchFamily="50" charset="-128"/>
+              </a:endParaRPr>
+            </a:p>
+          </p:txBody>
+        </p:sp>
+        <mc:AlternateContent xmlns:mc="http://schemas.openxmlformats.org/markup-compatibility/2006" xmlns:a14="http://schemas.microsoft.com/office/drawing/2010/main">
+          <mc:Choice Requires="a14">
+            <p:sp>
+              <p:nvSpPr>
+                <p:cNvPr id="5" name="テキスト ボックス 4"/>
+                <p:cNvSpPr txBox="1"/>
+                <p:nvPr/>
+              </p:nvSpPr>
+              <p:spPr>
+                <a:xfrm>
+                  <a:off x="4541400" y="1784035"/>
+                  <a:ext cx="5684779" cy="648447"/>
+                </a:xfrm>
+                <a:prstGeom prst="rect">
+                  <a:avLst/>
+                </a:prstGeom>
+                <a:noFill/>
+              </p:spPr>
+              <p:txBody>
+                <a:bodyPr wrap="square" rtlCol="0">
+                  <a:spAutoFit/>
+                </a:bodyPr>
+                <a:lstStyle/>
+                <a:p>
+                  <a:r>
+                    <a:rPr lang="en-US" altLang="ja-JP" sz="2800" i="1" dirty="0" smtClean="0">
+                      <a:latin typeface="Times New Roman" panose="02020603050405020304" pitchFamily="18" charset="0"/>
+                      <a:ea typeface="HGPｺﾞｼｯｸM" panose="020B0600000000000000" pitchFamily="50" charset="-128"/>
+                    </a:rPr>
+                    <a:t>1</a:t>
+                  </a:r>
+                  <a:r>
+                    <a:rPr lang="en-US" altLang="ja-JP" sz="2800" i="1" dirty="0" smtClean="0">
+                      <a:solidFill>
+                        <a:schemeClr val="tx1"/>
+                      </a:solidFill>
+                      <a:latin typeface="Times New Roman" panose="02020603050405020304" pitchFamily="18" charset="0"/>
+                      <a:ea typeface="HGPｺﾞｼｯｸM" panose="020B0600000000000000" pitchFamily="50" charset="-128"/>
+                    </a:rPr>
+                    <a:t> </a:t>
+                  </a:r>
+                  <a:r>
+                    <a:rPr kumimoji="1" lang="en-US" altLang="ja-JP" sz="2800" i="1" dirty="0" smtClean="0">
+                      <a:solidFill>
+                        <a:schemeClr val="tx1"/>
+                      </a:solidFill>
+                      <a:latin typeface="Times New Roman" panose="02020603050405020304" pitchFamily="18" charset="0"/>
+                      <a:ea typeface="HGPｺﾞｼｯｸM" panose="020B0600000000000000" pitchFamily="50" charset="-128"/>
+                    </a:rPr>
+                    <a:t>  if </a:t>
+                  </a:r>
+                  <a14:m>
+                    <m:oMath xmlns:m="http://schemas.openxmlformats.org/officeDocument/2006/math">
+                      <m:sSub>
+                        <m:sSubPr>
+                          <m:ctrlPr>
+                            <a:rPr kumimoji="1" lang="en-US" altLang="ja-JP" sz="2800" i="1" smtClean="0">
+                              <a:solidFill>
+                                <a:schemeClr val="tx1"/>
+                              </a:solidFill>
+                              <a:latin typeface="Cambria Math" panose="02040503050406030204" pitchFamily="18" charset="0"/>
+                            </a:rPr>
+                          </m:ctrlPr>
+                        </m:sSubPr>
+                        <m:e>
+                          <m:sSub>
+                            <m:sSubPr>
+                              <m:ctrlPr>
+                                <a:rPr lang="en-US" altLang="ja-JP" sz="2800" i="1" dirty="0" smtClean="0">
+                                  <a:solidFill>
+                                    <a:schemeClr val="tx1"/>
+                                  </a:solidFill>
+                                  <a:latin typeface="Cambria Math" panose="02040503050406030204" pitchFamily="18" charset="0"/>
+                                  <a:ea typeface="HGPｺﾞｼｯｸM" panose="020B0600000000000000" pitchFamily="50" charset="-128"/>
+                                </a:rPr>
+                              </m:ctrlPr>
+                            </m:sSubPr>
+                            <m:e>
+                              <m:r>
+                                <a:rPr lang="en-US" altLang="ja-JP" sz="2800" b="0" i="1" dirty="0" smtClean="0">
+                                  <a:solidFill>
+                                    <a:schemeClr val="tx1"/>
+                                  </a:solidFill>
+                                  <a:latin typeface="Cambria Math" panose="02040503050406030204" pitchFamily="18" charset="0"/>
+                                  <a:ea typeface="HGPｺﾞｼｯｸM" panose="020B0600000000000000" pitchFamily="50" charset="-128"/>
+                                </a:rPr>
+                                <m:t>𝑃</m:t>
+                              </m:r>
+                            </m:e>
+                            <m:sub>
+                              <m:r>
+                                <a:rPr lang="en-US" altLang="ja-JP" sz="2800" b="0" i="1" dirty="0" smtClean="0">
+                                  <a:solidFill>
+                                    <a:schemeClr val="tx1"/>
+                                  </a:solidFill>
+                                  <a:latin typeface="Cambria Math" panose="02040503050406030204" pitchFamily="18" charset="0"/>
+                                  <a:ea typeface="HGPｺﾞｼｯｸM" panose="020B0600000000000000" pitchFamily="50" charset="-128"/>
+                                </a:rPr>
+                                <m:t>𝑛</m:t>
+                              </m:r>
+                            </m:sub>
+                          </m:sSub>
+                          <m:r>
+                            <m:rPr>
+                              <m:nor/>
+                            </m:rPr>
+                            <a:rPr lang="en-US" altLang="ja-JP" sz="2800" i="1" dirty="0">
+                              <a:solidFill>
+                                <a:schemeClr val="tx1"/>
+                              </a:solidFill>
+                              <a:latin typeface="Times New Roman" panose="02020603050405020304" pitchFamily="18" charset="0"/>
+                              <a:ea typeface="HGPｺﾞｼｯｸM" panose="020B0600000000000000" pitchFamily="50" charset="-128"/>
+                            </a:rPr>
+                            <m:t>(</m:t>
+                          </m:r>
+                          <m:r>
+                            <m:rPr>
+                              <m:nor/>
+                            </m:rPr>
+                            <a:rPr lang="en-US" altLang="ja-JP" sz="2800" i="1" dirty="0">
+                              <a:solidFill>
+                                <a:schemeClr val="tx1"/>
+                              </a:solidFill>
+                              <a:latin typeface="Times New Roman" panose="02020603050405020304" pitchFamily="18" charset="0"/>
+                              <a:ea typeface="HGPｺﾞｼｯｸM" panose="020B0600000000000000" pitchFamily="50" charset="-128"/>
+                            </a:rPr>
+                            <m:t>t</m:t>
+                          </m:r>
+                          <m:r>
+                            <m:rPr>
+                              <m:nor/>
+                            </m:rPr>
+                            <a:rPr lang="en-US" altLang="ja-JP" sz="2800" i="1" dirty="0">
+                              <a:solidFill>
+                                <a:schemeClr val="tx1"/>
+                              </a:solidFill>
+                              <a:latin typeface="Times New Roman" panose="02020603050405020304" pitchFamily="18" charset="0"/>
+                              <a:ea typeface="HGPｺﾞｼｯｸM" panose="020B0600000000000000" pitchFamily="50" charset="-128"/>
+                            </a:rPr>
+                            <m:t>)</m:t>
+                          </m:r>
+                        </m:e>
+                        <m:sub>
+                          <m:r>
+                            <m:rPr>
+                              <m:nor/>
+                            </m:rPr>
+                            <a:rPr lang="en-US" altLang="ja-JP" sz="2800" i="1" dirty="0">
+                              <a:solidFill>
+                                <a:schemeClr val="tx1"/>
+                              </a:solidFill>
+                              <a:latin typeface="Times New Roman" panose="02020603050405020304" pitchFamily="18" charset="0"/>
+                              <a:ea typeface="HGPｺﾞｼｯｸM" panose="020B0600000000000000" pitchFamily="50" charset="-128"/>
+                            </a:rPr>
+                            <m:t>ij</m:t>
+                          </m:r>
+                        </m:sub>
+                      </m:sSub>
+                      <m:r>
+                        <a:rPr lang="en-US" altLang="ja-JP" sz="2800" i="1" dirty="0" smtClean="0">
+                          <a:solidFill>
+                            <a:schemeClr val="tx1"/>
+                          </a:solidFill>
+                          <a:latin typeface="Cambria Math" panose="02040503050406030204" pitchFamily="18" charset="0"/>
+                          <a:ea typeface="Cambria Math" panose="02040503050406030204" pitchFamily="18" charset="0"/>
+                        </a:rPr>
+                        <m:t>∙</m:t>
+                      </m:r>
+                    </m:oMath>
+                  </a14:m>
+                  <a:r>
+                    <a:rPr kumimoji="1" lang="en-US" altLang="ja-JP" sz="2800" i="1" dirty="0" smtClean="0">
+                      <a:solidFill>
+                        <a:schemeClr val="tx1"/>
+                      </a:solidFill>
+                      <a:latin typeface="Times New Roman" panose="02020603050405020304" pitchFamily="18" charset="0"/>
+                      <a:ea typeface="HGPｺﾞｼｯｸM" panose="020B0600000000000000" pitchFamily="50" charset="-128"/>
+                    </a:rPr>
+                    <a:t> </a:t>
+                  </a:r>
+                  <a14:m>
+                    <m:oMath xmlns:m="http://schemas.openxmlformats.org/officeDocument/2006/math">
+                      <m:sSub>
+                        <m:sSubPr>
+                          <m:ctrlPr>
+                            <a:rPr kumimoji="1" lang="en-US" altLang="ja-JP" sz="2800" i="1" smtClean="0">
+                              <a:solidFill>
+                                <a:schemeClr val="tx1"/>
+                              </a:solidFill>
+                              <a:latin typeface="Cambria Math" panose="02040503050406030204" pitchFamily="18" charset="0"/>
+                            </a:rPr>
+                          </m:ctrlPr>
+                        </m:sSubPr>
+                        <m:e>
+                          <m:sSub>
+                            <m:sSubPr>
+                              <m:ctrlPr>
+                                <a:rPr kumimoji="1" lang="en-US" altLang="ja-JP" sz="2800" i="1" smtClean="0">
+                                  <a:solidFill>
+                                    <a:schemeClr val="tx1"/>
+                                  </a:solidFill>
+                                  <a:latin typeface="Cambria Math" panose="02040503050406030204" pitchFamily="18" charset="0"/>
+                                </a:rPr>
+                              </m:ctrlPr>
+                            </m:sSubPr>
+                            <m:e>
+                              <m:r>
+                                <a:rPr kumimoji="1" lang="en-US" altLang="ja-JP" sz="2800" b="0" i="1" smtClean="0">
+                                  <a:solidFill>
+                                    <a:schemeClr val="tx1"/>
+                                  </a:solidFill>
+                                  <a:latin typeface="Cambria Math" panose="02040503050406030204" pitchFamily="18" charset="0"/>
+                                </a:rPr>
+                                <m:t>𝑃</m:t>
+                              </m:r>
+                            </m:e>
+                            <m:sub>
+                              <m:r>
+                                <a:rPr kumimoji="1" lang="en-US" altLang="ja-JP" sz="2800" b="0" i="1" smtClean="0">
+                                  <a:solidFill>
+                                    <a:schemeClr val="tx1"/>
+                                  </a:solidFill>
+                                  <a:latin typeface="Cambria Math" panose="02040503050406030204" pitchFamily="18" charset="0"/>
+                                </a:rPr>
+                                <m:t>𝑛</m:t>
+                              </m:r>
+                            </m:sub>
+                          </m:sSub>
+                          <m:r>
+                            <m:rPr>
+                              <m:nor/>
+                            </m:rPr>
+                            <a:rPr lang="en-US" altLang="ja-JP" sz="2800" i="1" dirty="0">
+                              <a:solidFill>
+                                <a:schemeClr val="tx1"/>
+                              </a:solidFill>
+                              <a:latin typeface="Times New Roman" panose="02020603050405020304" pitchFamily="18" charset="0"/>
+                              <a:ea typeface="HGPｺﾞｼｯｸM" panose="020B0600000000000000" pitchFamily="50" charset="-128"/>
+                            </a:rPr>
+                            <m:t>(</m:t>
+                          </m:r>
+                          <m:r>
+                            <m:rPr>
+                              <m:nor/>
+                            </m:rPr>
+                            <a:rPr lang="en-US" altLang="ja-JP" sz="2800" i="1" dirty="0">
+                              <a:solidFill>
+                                <a:schemeClr val="tx1"/>
+                              </a:solidFill>
+                              <a:latin typeface="Times New Roman" panose="02020603050405020304" pitchFamily="18" charset="0"/>
+                              <a:ea typeface="HGPｺﾞｼｯｸM" panose="020B0600000000000000" pitchFamily="50" charset="-128"/>
+                            </a:rPr>
+                            <m:t>t</m:t>
+                          </m:r>
+                          <m:r>
+                            <m:rPr>
+                              <m:nor/>
+                            </m:rPr>
+                            <a:rPr lang="en-US" altLang="ja-JP" sz="2800" i="1" dirty="0">
+                              <a:solidFill>
+                                <a:schemeClr val="tx1"/>
+                              </a:solidFill>
+                              <a:latin typeface="Times New Roman" panose="02020603050405020304" pitchFamily="18" charset="0"/>
+                              <a:ea typeface="HGPｺﾞｼｯｸM" panose="020B0600000000000000" pitchFamily="50" charset="-128"/>
+                            </a:rPr>
+                            <m:t>−1)</m:t>
+                          </m:r>
+                        </m:e>
+                        <m:sub>
+                          <m:r>
+                            <m:rPr>
+                              <m:nor/>
+                            </m:rPr>
+                            <a:rPr lang="en-US" altLang="ja-JP" sz="2800" i="1" dirty="0">
+                              <a:solidFill>
+                                <a:schemeClr val="tx1"/>
+                              </a:solidFill>
+                              <a:latin typeface="Times New Roman" panose="02020603050405020304" pitchFamily="18" charset="0"/>
+                              <a:ea typeface="HGPｺﾞｼｯｸM" panose="020B0600000000000000" pitchFamily="50" charset="-128"/>
+                            </a:rPr>
+                            <m:t>(</m:t>
+                          </m:r>
+                          <m:r>
+                            <m:rPr>
+                              <m:nor/>
+                            </m:rPr>
+                            <a:rPr lang="en-US" altLang="ja-JP" sz="2800" i="1" dirty="0">
+                              <a:solidFill>
+                                <a:schemeClr val="tx1"/>
+                              </a:solidFill>
+                              <a:latin typeface="Times New Roman" panose="02020603050405020304" pitchFamily="18" charset="0"/>
+                              <a:ea typeface="HGPｺﾞｼｯｸM" panose="020B0600000000000000" pitchFamily="50" charset="-128"/>
+                            </a:rPr>
+                            <m:t>i</m:t>
+                          </m:r>
+                          <m:r>
+                            <m:rPr>
+                              <m:nor/>
+                            </m:rPr>
+                            <a:rPr lang="en-US" altLang="ja-JP" sz="2800" b="0" i="1" dirty="0" smtClean="0">
+                              <a:solidFill>
+                                <a:schemeClr val="tx1"/>
+                              </a:solidFill>
+                              <a:latin typeface="Times New Roman" panose="02020603050405020304" pitchFamily="18" charset="0"/>
+                              <a:ea typeface="HGPｺﾞｼｯｸM" panose="020B0600000000000000" pitchFamily="50" charset="-128"/>
+                            </a:rPr>
+                            <m:t>+</m:t>
+                          </m:r>
+                          <m:r>
+                            <m:rPr>
+                              <m:nor/>
+                            </m:rPr>
+                            <a:rPr lang="en-US" altLang="ja-JP" sz="2800" i="1" dirty="0">
+                              <a:solidFill>
+                                <a:schemeClr val="tx1"/>
+                              </a:solidFill>
+                              <a:latin typeface="Times New Roman" panose="02020603050405020304" pitchFamily="18" charset="0"/>
+                              <a:ea typeface="HGPｺﾞｼｯｸM" panose="020B0600000000000000" pitchFamily="50" charset="-128"/>
+                            </a:rPr>
+                            <m:t>1)</m:t>
+                          </m:r>
+                          <m:r>
+                            <m:rPr>
+                              <m:nor/>
+                            </m:rPr>
+                            <a:rPr lang="en-US" altLang="ja-JP" sz="2800" i="1" dirty="0">
+                              <a:solidFill>
+                                <a:schemeClr val="tx1"/>
+                              </a:solidFill>
+                              <a:latin typeface="Times New Roman" panose="02020603050405020304" pitchFamily="18" charset="0"/>
+                              <a:ea typeface="HGPｺﾞｼｯｸM" panose="020B0600000000000000" pitchFamily="50" charset="-128"/>
+                            </a:rPr>
+                            <m:t>j</m:t>
+                          </m:r>
+                        </m:sub>
+                      </m:sSub>
+                    </m:oMath>
+                  </a14:m>
+                  <a:r>
+                    <a:rPr kumimoji="1" lang="en-US" altLang="ja-JP" sz="2800" i="1" dirty="0" smtClean="0">
+                      <a:solidFill>
+                        <a:schemeClr val="tx1"/>
+                      </a:solidFill>
+                      <a:latin typeface="Times New Roman" panose="02020603050405020304" pitchFamily="18" charset="0"/>
+                      <a:ea typeface="HGPｺﾞｼｯｸM" panose="020B0600000000000000" pitchFamily="50" charset="-128"/>
+                    </a:rPr>
+                    <a:t> </a:t>
+                  </a:r>
+                  <a:r>
+                    <a:rPr kumimoji="1" lang="ja-JP" altLang="en-US" sz="2800" i="1" dirty="0" smtClean="0">
+                      <a:solidFill>
+                        <a:schemeClr val="tx1"/>
+                      </a:solidFill>
+                      <a:latin typeface="Times New Roman" panose="02020603050405020304" pitchFamily="18" charset="0"/>
+                      <a:ea typeface="HGPｺﾞｼｯｸM" panose="020B0600000000000000" pitchFamily="50" charset="-128"/>
+                    </a:rPr>
+                    <a:t>≠</a:t>
+                  </a:r>
+                  <a:r>
+                    <a:rPr kumimoji="1" lang="en-US" altLang="ja-JP" sz="2800" i="1" dirty="0" smtClean="0">
+                      <a:solidFill>
+                        <a:schemeClr val="tx1"/>
+                      </a:solidFill>
+                      <a:latin typeface="Times New Roman" panose="02020603050405020304" pitchFamily="18" charset="0"/>
+                      <a:ea typeface="HGPｺﾞｼｯｸM" panose="020B0600000000000000" pitchFamily="50" charset="-128"/>
+                    </a:rPr>
+                    <a:t> 0</a:t>
+                  </a:r>
+                  <a:endParaRPr kumimoji="1" lang="en-US" altLang="ja-JP" sz="2800" b="0" i="1" dirty="0" smtClean="0">
+                    <a:solidFill>
+                      <a:schemeClr val="tx1"/>
+                    </a:solidFill>
+                    <a:latin typeface="Times New Roman" panose="02020603050405020304" pitchFamily="18" charset="0"/>
+                    <a:ea typeface="HGPｺﾞｼｯｸM" panose="020B0600000000000000" pitchFamily="50" charset="-128"/>
+                  </a:endParaRPr>
+                </a:p>
+              </p:txBody>
+            </p:sp>
+          </mc:Choice>
+          <mc:Fallback xmlns="">
+            <p:sp>
+              <p:nvSpPr>
+                <p:cNvPr id="11" name="テキスト ボックス 10"/>
+                <p:cNvSpPr txBox="1">
+                  <a:spLocks noRot="1" noChangeAspect="1" noMove="1" noResize="1" noEditPoints="1" noAdjustHandles="1" noChangeArrowheads="1" noChangeShapeType="1" noTextEdit="1"/>
+                </p:cNvSpPr>
+                <p:nvPr/>
+              </p:nvSpPr>
+              <p:spPr>
+                <a:xfrm>
+                  <a:off x="4541400" y="1784035"/>
+                  <a:ext cx="5684779" cy="648447"/>
+                </a:xfrm>
+                <a:prstGeom prst="rect">
+                  <a:avLst/>
+                </a:prstGeom>
+                <a:blipFill>
+                  <a:blip r:embed="rId3"/>
+                  <a:stretch>
+                    <a:fillRect l="-2253" t="-10377" b="-6604"/>
+                  </a:stretch>
+                </a:blipFill>
+              </p:spPr>
+              <p:txBody>
+                <a:bodyPr/>
+                <a:lstStyle/>
+                <a:p>
+                  <a:r>
+                    <a:rPr lang="ja-JP" altLang="en-US">
+                      <a:noFill/>
+                    </a:rPr>
+                    <a:t> </a:t>
+                  </a:r>
+                </a:p>
+              </p:txBody>
+            </p:sp>
+          </mc:Fallback>
+        </mc:AlternateContent>
+        <p:sp>
+          <p:nvSpPr>
+            <p:cNvPr id="6" name="テキスト ボックス 5"/>
+            <p:cNvSpPr txBox="1"/>
+            <p:nvPr/>
+          </p:nvSpPr>
+          <p:spPr>
+            <a:xfrm>
+              <a:off x="4541400" y="2536127"/>
+              <a:ext cx="4392706" cy="523220"/>
+            </a:xfrm>
+            <a:prstGeom prst="rect">
+              <a:avLst/>
+            </a:prstGeom>
+            <a:noFill/>
+          </p:spPr>
+          <p:txBody>
+            <a:bodyPr wrap="square" rtlCol="0">
+              <a:spAutoFit/>
+            </a:bodyPr>
+            <a:lstStyle/>
+            <a:p>
+              <a:r>
+                <a:rPr lang="en-US" altLang="ja-JP" sz="2800" i="1" dirty="0">
+                  <a:latin typeface="Times New Roman" panose="02020603050405020304" pitchFamily="18" charset="0"/>
+                  <a:ea typeface="HGPｺﾞｼｯｸM" panose="020B0600000000000000" pitchFamily="50" charset="-128"/>
+                </a:rPr>
+                <a:t>0</a:t>
+              </a:r>
+              <a:r>
+                <a:rPr lang="en-US" altLang="ja-JP" sz="2800" i="1" dirty="0" smtClean="0">
+                  <a:latin typeface="Times New Roman" panose="02020603050405020304" pitchFamily="18" charset="0"/>
+                  <a:ea typeface="HGPｺﾞｼｯｸM" panose="020B0600000000000000" pitchFamily="50" charset="-128"/>
+                </a:rPr>
+                <a:t> </a:t>
+              </a:r>
+              <a:r>
+                <a:rPr kumimoji="1" lang="en-US" altLang="ja-JP" sz="2800" i="1" dirty="0" smtClean="0">
+                  <a:latin typeface="Times New Roman" panose="02020603050405020304" pitchFamily="18" charset="0"/>
+                  <a:ea typeface="HGPｺﾞｼｯｸM" panose="020B0600000000000000" pitchFamily="50" charset="-128"/>
+                </a:rPr>
+                <a:t>  otherwise</a:t>
+              </a:r>
+              <a:endParaRPr kumimoji="1" lang="en-US" altLang="ja-JP" sz="2800" b="0" i="1" dirty="0" smtClean="0">
+                <a:latin typeface="Times New Roman" panose="02020603050405020304" pitchFamily="18" charset="0"/>
+                <a:ea typeface="HGPｺﾞｼｯｸM" panose="020B0600000000000000" pitchFamily="50" charset="-128"/>
+              </a:endParaRPr>
+            </a:p>
+          </p:txBody>
+        </p:sp>
+      </p:grpSp>
+      <p:grpSp>
+        <p:nvGrpSpPr>
+          <p:cNvPr id="7" name="グループ化 6"/>
+          <p:cNvGrpSpPr/>
+          <p:nvPr/>
+        </p:nvGrpSpPr>
+        <p:grpSpPr>
+          <a:xfrm>
+            <a:off x="1246540" y="1898783"/>
+            <a:ext cx="9110524" cy="1455840"/>
+            <a:chOff x="1115655" y="1663040"/>
+            <a:chExt cx="9110524" cy="1499953"/>
+          </a:xfrm>
+        </p:grpSpPr>
+        <mc:AlternateContent xmlns:mc="http://schemas.openxmlformats.org/markup-compatibility/2006">
+          <mc:Choice xmlns:a14="http://schemas.microsoft.com/office/drawing/2010/main" Requires="a14">
+            <p:sp>
+              <p:nvSpPr>
+                <p:cNvPr id="8" name="テキスト ボックス 7"/>
+                <p:cNvSpPr txBox="1"/>
+                <p:nvPr/>
+              </p:nvSpPr>
+              <p:spPr>
+                <a:xfrm>
+                  <a:off x="1115655" y="2065383"/>
+                  <a:ext cx="3603368" cy="811188"/>
+                </a:xfrm>
+                <a:prstGeom prst="rect">
+                  <a:avLst/>
+                </a:prstGeom>
+                <a:noFill/>
+              </p:spPr>
+              <p:txBody>
+                <a:bodyPr wrap="square" rtlCol="0">
+                  <a:spAutoFit/>
+                </a:bodyPr>
+                <a:lstStyle/>
+                <a:p>
+                  <a14:m>
+                    <m:oMath xmlns:m="http://schemas.openxmlformats.org/officeDocument/2006/math">
+                      <m:sSub>
+                        <m:sSubPr>
+                          <m:ctrlPr>
+                            <a:rPr kumimoji="1" lang="en-US" altLang="ja-JP" sz="3200" i="1" smtClean="0">
+                              <a:latin typeface="Cambria Math" panose="02040503050406030204" pitchFamily="18" charset="0"/>
+                            </a:rPr>
+                          </m:ctrlPr>
+                        </m:sSubPr>
+                        <m:e>
+                          <m:d>
+                            <m:dPr>
+                              <m:begChr m:val="["/>
+                              <m:endChr m:val="]"/>
+                              <m:ctrlPr>
+                                <a:rPr lang="en-US" altLang="ja-JP" sz="3200" i="1">
+                                  <a:latin typeface="Cambria Math" panose="02040503050406030204" pitchFamily="18" charset="0"/>
+                                </a:rPr>
+                              </m:ctrlPr>
+                            </m:dPr>
+                            <m:e>
+                              <m:sSub>
+                                <m:sSubPr>
+                                  <m:ctrlPr>
+                                    <a:rPr lang="en-US" altLang="ja-JP" sz="3200" i="1" smtClean="0">
+                                      <a:latin typeface="Cambria Math" panose="02040503050406030204" pitchFamily="18" charset="0"/>
+                                    </a:rPr>
+                                  </m:ctrlPr>
+                                </m:sSubPr>
+                                <m:e>
+                                  <m:r>
+                                    <a:rPr lang="en-US" altLang="ja-JP" sz="3200" b="0" i="1" smtClean="0">
+                                      <a:latin typeface="Cambria Math" panose="02040503050406030204" pitchFamily="18" charset="0"/>
+                                    </a:rPr>
+                                    <m:t>𝑃</m:t>
+                                  </m:r>
+                                </m:e>
+                                <m:sub>
+                                  <m:sSub>
+                                    <m:sSubPr>
+                                      <m:ctrlPr>
+                                        <a:rPr lang="en-US" altLang="ja-JP" sz="3200" i="1" smtClean="0">
+                                          <a:latin typeface="Cambria Math" panose="02040503050406030204" pitchFamily="18" charset="0"/>
+                                        </a:rPr>
+                                      </m:ctrlPr>
+                                    </m:sSubPr>
+                                    <m:e>
+                                      <m:r>
+                                        <a:rPr lang="en-US" altLang="ja-JP" sz="3200" b="0" i="1" smtClean="0">
+                                          <a:latin typeface="Cambria Math" panose="02040503050406030204" pitchFamily="18" charset="0"/>
+                                        </a:rPr>
+                                        <m:t>𝑑𝑜𝑤𝑛</m:t>
+                                      </m:r>
+                                    </m:e>
+                                    <m:sub>
+                                      <m:r>
+                                        <a:rPr lang="en-US" altLang="ja-JP" sz="3200" b="0" i="1" smtClean="0">
+                                          <a:latin typeface="Cambria Math" panose="02040503050406030204" pitchFamily="18" charset="0"/>
+                                        </a:rPr>
+                                        <m:t>𝑛</m:t>
+                                      </m:r>
+                                    </m:sub>
+                                  </m:sSub>
+                                </m:sub>
+                              </m:sSub>
+                              <m:d>
+                                <m:dPr>
+                                  <m:ctrlPr>
+                                    <a:rPr lang="en-US" altLang="ja-JP" sz="3200" i="1">
+                                      <a:latin typeface="Cambria Math" panose="02040503050406030204" pitchFamily="18" charset="0"/>
+                                    </a:rPr>
+                                  </m:ctrlPr>
+                                </m:dPr>
+                                <m:e>
+                                  <m:r>
+                                    <a:rPr lang="en-US" altLang="ja-JP" sz="3200" i="1">
+                                      <a:latin typeface="Cambria Math" panose="02040503050406030204" pitchFamily="18" charset="0"/>
+                                    </a:rPr>
+                                    <m:t>𝑡</m:t>
+                                  </m:r>
+                                </m:e>
+                              </m:d>
+                            </m:e>
+                          </m:d>
+                        </m:e>
+                        <m:sub>
+                          <m:r>
+                            <a:rPr kumimoji="1" lang="en-US" altLang="ja-JP" sz="3200" b="0" i="1" smtClean="0">
+                              <a:latin typeface="Cambria Math" panose="02040503050406030204" pitchFamily="18" charset="0"/>
+                            </a:rPr>
+                            <m:t>𝑖𝑗</m:t>
+                          </m:r>
+                        </m:sub>
+                      </m:sSub>
+                    </m:oMath>
+                  </a14:m>
+                  <a:r>
+                    <a:rPr kumimoji="1" lang="en-US" altLang="ja-JP" sz="3200" i="1" dirty="0" smtClean="0">
+                      <a:latin typeface="Times New Roman" panose="02020603050405020304" pitchFamily="18" charset="0"/>
+                      <a:ea typeface="HGPｺﾞｼｯｸM" panose="020B0600000000000000" pitchFamily="50" charset="-128"/>
+                    </a:rPr>
+                    <a:t>=</a:t>
+                  </a:r>
+                  <a:endParaRPr kumimoji="1" lang="ja-JP" altLang="en-US" sz="3200" i="1" dirty="0">
+                    <a:latin typeface="Times New Roman" panose="02020603050405020304" pitchFamily="18" charset="0"/>
+                    <a:ea typeface="HGPｺﾞｼｯｸM" panose="020B0600000000000000" pitchFamily="50" charset="-128"/>
+                  </a:endParaRPr>
+                </a:p>
+              </p:txBody>
+            </p:sp>
+          </mc:Choice>
+          <mc:Fallback>
+            <p:sp>
+              <p:nvSpPr>
+                <p:cNvPr id="8" name="テキスト ボックス 7"/>
+                <p:cNvSpPr txBox="1">
+                  <a:spLocks noRot="1" noChangeAspect="1" noMove="1" noResize="1" noEditPoints="1" noAdjustHandles="1" noChangeArrowheads="1" noChangeShapeType="1" noTextEdit="1"/>
+                </p:cNvSpPr>
+                <p:nvPr/>
+              </p:nvSpPr>
+              <p:spPr>
+                <a:xfrm>
+                  <a:off x="1115655" y="2065383"/>
+                  <a:ext cx="3603368" cy="811188"/>
+                </a:xfrm>
+                <a:prstGeom prst="rect">
+                  <a:avLst/>
+                </a:prstGeom>
+                <a:blipFill>
+                  <a:blip r:embed="rId4"/>
+                  <a:stretch>
+                    <a:fillRect t="-6977" b="-2326"/>
+                  </a:stretch>
+                </a:blipFill>
+              </p:spPr>
+              <p:txBody>
+                <a:bodyPr/>
+                <a:lstStyle/>
+                <a:p>
+                  <a:r>
+                    <a:rPr lang="ja-JP" altLang="en-US">
+                      <a:noFill/>
+                    </a:rPr>
+                    <a:t> </a:t>
+                  </a:r>
+                </a:p>
+              </p:txBody>
+            </p:sp>
+          </mc:Fallback>
+        </mc:AlternateContent>
+        <p:sp>
+          <p:nvSpPr>
+            <p:cNvPr id="9" name="左中かっこ 8"/>
+            <p:cNvSpPr/>
+            <p:nvPr/>
+          </p:nvSpPr>
+          <p:spPr>
+            <a:xfrm>
+              <a:off x="4021281" y="1663040"/>
+              <a:ext cx="627529" cy="1499953"/>
+            </a:xfrm>
+            <a:prstGeom prst="leftBrace">
+              <a:avLst/>
+            </a:prstGeom>
+            <a:ln w="38100"/>
+          </p:spPr>
+          <p:style>
+            <a:lnRef idx="1">
+              <a:schemeClr val="dk1"/>
+            </a:lnRef>
+            <a:fillRef idx="0">
+              <a:schemeClr val="dk1"/>
+            </a:fillRef>
+            <a:effectRef idx="0">
+              <a:schemeClr val="dk1"/>
+            </a:effectRef>
+            <a:fontRef idx="minor">
+              <a:schemeClr val="tx1"/>
+            </a:fontRef>
+          </p:style>
+          <p:txBody>
+            <a:bodyPr rtlCol="0" anchor="ctr"/>
+            <a:lstStyle/>
+            <a:p>
+              <a:pPr algn="ctr"/>
+              <a:endParaRPr kumimoji="1" lang="ja-JP" altLang="en-US" i="1">
+                <a:latin typeface="Times New Roman" panose="02020603050405020304" pitchFamily="18" charset="0"/>
+                <a:ea typeface="HGPｺﾞｼｯｸM" panose="020B0600000000000000" pitchFamily="50" charset="-128"/>
+              </a:endParaRPr>
+            </a:p>
+          </p:txBody>
+        </p:sp>
+        <mc:AlternateContent xmlns:mc="http://schemas.openxmlformats.org/markup-compatibility/2006">
+          <mc:Choice xmlns:a14="http://schemas.microsoft.com/office/drawing/2010/main" Requires="a14">
+            <p:sp>
+              <p:nvSpPr>
+                <p:cNvPr id="10" name="テキスト ボックス 9"/>
+                <p:cNvSpPr txBox="1"/>
+                <p:nvPr/>
+              </p:nvSpPr>
+              <p:spPr>
+                <a:xfrm>
+                  <a:off x="4541400" y="1784035"/>
+                  <a:ext cx="5684779" cy="648447"/>
+                </a:xfrm>
+                <a:prstGeom prst="rect">
+                  <a:avLst/>
+                </a:prstGeom>
+                <a:noFill/>
+              </p:spPr>
+              <p:txBody>
+                <a:bodyPr wrap="square" rtlCol="0">
+                  <a:spAutoFit/>
+                </a:bodyPr>
+                <a:lstStyle/>
+                <a:p>
+                  <a:r>
+                    <a:rPr lang="en-US" altLang="ja-JP" sz="2800" i="1" dirty="0" smtClean="0">
+                      <a:latin typeface="Times New Roman" panose="02020603050405020304" pitchFamily="18" charset="0"/>
+                      <a:ea typeface="HGPｺﾞｼｯｸM" panose="020B0600000000000000" pitchFamily="50" charset="-128"/>
+                    </a:rPr>
+                    <a:t>1</a:t>
+                  </a:r>
+                  <a:r>
+                    <a:rPr lang="en-US" altLang="ja-JP" sz="2800" i="1" dirty="0" smtClean="0">
+                      <a:solidFill>
+                        <a:schemeClr val="tx1"/>
+                      </a:solidFill>
+                      <a:latin typeface="Times New Roman" panose="02020603050405020304" pitchFamily="18" charset="0"/>
+                      <a:ea typeface="HGPｺﾞｼｯｸM" panose="020B0600000000000000" pitchFamily="50" charset="-128"/>
+                    </a:rPr>
+                    <a:t> </a:t>
+                  </a:r>
+                  <a:r>
+                    <a:rPr kumimoji="1" lang="en-US" altLang="ja-JP" sz="2800" i="1" dirty="0" smtClean="0">
+                      <a:solidFill>
+                        <a:schemeClr val="tx1"/>
+                      </a:solidFill>
+                      <a:latin typeface="Times New Roman" panose="02020603050405020304" pitchFamily="18" charset="0"/>
+                      <a:ea typeface="HGPｺﾞｼｯｸM" panose="020B0600000000000000" pitchFamily="50" charset="-128"/>
+                    </a:rPr>
+                    <a:t>  if </a:t>
+                  </a:r>
+                  <a14:m>
+                    <m:oMath xmlns:m="http://schemas.openxmlformats.org/officeDocument/2006/math">
+                      <m:sSub>
+                        <m:sSubPr>
+                          <m:ctrlPr>
+                            <a:rPr kumimoji="1" lang="en-US" altLang="ja-JP" sz="2800" i="1" smtClean="0">
+                              <a:solidFill>
+                                <a:schemeClr val="tx1"/>
+                              </a:solidFill>
+                              <a:latin typeface="Cambria Math" panose="02040503050406030204" pitchFamily="18" charset="0"/>
+                            </a:rPr>
+                          </m:ctrlPr>
+                        </m:sSubPr>
+                        <m:e>
+                          <m:sSub>
+                            <m:sSubPr>
+                              <m:ctrlPr>
+                                <a:rPr lang="en-US" altLang="ja-JP" sz="2800" i="1" dirty="0" smtClean="0">
+                                  <a:solidFill>
+                                    <a:schemeClr val="tx1"/>
+                                  </a:solidFill>
+                                  <a:latin typeface="Cambria Math" panose="02040503050406030204" pitchFamily="18" charset="0"/>
+                                  <a:ea typeface="HGPｺﾞｼｯｸM" panose="020B0600000000000000" pitchFamily="50" charset="-128"/>
+                                </a:rPr>
+                              </m:ctrlPr>
+                            </m:sSubPr>
+                            <m:e>
+                              <m:r>
+                                <a:rPr lang="en-US" altLang="ja-JP" sz="2800" b="0" i="1" dirty="0" smtClean="0">
+                                  <a:solidFill>
+                                    <a:schemeClr val="tx1"/>
+                                  </a:solidFill>
+                                  <a:latin typeface="Cambria Math" panose="02040503050406030204" pitchFamily="18" charset="0"/>
+                                  <a:ea typeface="HGPｺﾞｼｯｸM" panose="020B0600000000000000" pitchFamily="50" charset="-128"/>
+                                </a:rPr>
+                                <m:t>𝑃</m:t>
+                              </m:r>
+                            </m:e>
+                            <m:sub>
+                              <m:r>
+                                <a:rPr lang="en-US" altLang="ja-JP" sz="2800" b="0" i="1" dirty="0" smtClean="0">
+                                  <a:solidFill>
+                                    <a:schemeClr val="tx1"/>
+                                  </a:solidFill>
+                                  <a:latin typeface="Cambria Math" panose="02040503050406030204" pitchFamily="18" charset="0"/>
+                                  <a:ea typeface="HGPｺﾞｼｯｸM" panose="020B0600000000000000" pitchFamily="50" charset="-128"/>
+                                </a:rPr>
+                                <m:t>𝑛</m:t>
+                              </m:r>
+                            </m:sub>
+                          </m:sSub>
+                          <m:r>
+                            <m:rPr>
+                              <m:nor/>
+                            </m:rPr>
+                            <a:rPr lang="en-US" altLang="ja-JP" sz="2800" i="1" dirty="0">
+                              <a:solidFill>
+                                <a:schemeClr val="tx1"/>
+                              </a:solidFill>
+                              <a:latin typeface="Times New Roman" panose="02020603050405020304" pitchFamily="18" charset="0"/>
+                              <a:ea typeface="HGPｺﾞｼｯｸM" panose="020B0600000000000000" pitchFamily="50" charset="-128"/>
+                            </a:rPr>
+                            <m:t>(</m:t>
+                          </m:r>
+                          <m:r>
+                            <m:rPr>
+                              <m:nor/>
+                            </m:rPr>
+                            <a:rPr lang="en-US" altLang="ja-JP" sz="2800" i="1" dirty="0">
+                              <a:solidFill>
+                                <a:schemeClr val="tx1"/>
+                              </a:solidFill>
+                              <a:latin typeface="Times New Roman" panose="02020603050405020304" pitchFamily="18" charset="0"/>
+                              <a:ea typeface="HGPｺﾞｼｯｸM" panose="020B0600000000000000" pitchFamily="50" charset="-128"/>
+                            </a:rPr>
+                            <m:t>t</m:t>
+                          </m:r>
+                          <m:r>
+                            <m:rPr>
+                              <m:nor/>
+                            </m:rPr>
+                            <a:rPr lang="en-US" altLang="ja-JP" sz="2800" i="1" dirty="0">
+                              <a:solidFill>
+                                <a:schemeClr val="tx1"/>
+                              </a:solidFill>
+                              <a:latin typeface="Times New Roman" panose="02020603050405020304" pitchFamily="18" charset="0"/>
+                              <a:ea typeface="HGPｺﾞｼｯｸM" panose="020B0600000000000000" pitchFamily="50" charset="-128"/>
+                            </a:rPr>
+                            <m:t>)</m:t>
+                          </m:r>
+                        </m:e>
+                        <m:sub>
+                          <m:r>
+                            <m:rPr>
+                              <m:nor/>
+                            </m:rPr>
+                            <a:rPr lang="en-US" altLang="ja-JP" sz="2800" i="1" dirty="0">
+                              <a:solidFill>
+                                <a:schemeClr val="tx1"/>
+                              </a:solidFill>
+                              <a:latin typeface="Times New Roman" panose="02020603050405020304" pitchFamily="18" charset="0"/>
+                              <a:ea typeface="HGPｺﾞｼｯｸM" panose="020B0600000000000000" pitchFamily="50" charset="-128"/>
+                            </a:rPr>
+                            <m:t>ij</m:t>
+                          </m:r>
+                        </m:sub>
+                      </m:sSub>
+                      <m:r>
+                        <a:rPr lang="en-US" altLang="ja-JP" sz="2800" i="1" dirty="0" smtClean="0">
+                          <a:solidFill>
+                            <a:schemeClr val="tx1"/>
+                          </a:solidFill>
+                          <a:latin typeface="Cambria Math" panose="02040503050406030204" pitchFamily="18" charset="0"/>
+                          <a:ea typeface="Cambria Math" panose="02040503050406030204" pitchFamily="18" charset="0"/>
+                        </a:rPr>
+                        <m:t>∙</m:t>
+                      </m:r>
+                    </m:oMath>
+                  </a14:m>
+                  <a:r>
+                    <a:rPr kumimoji="1" lang="en-US" altLang="ja-JP" sz="2800" i="1" dirty="0" smtClean="0">
+                      <a:solidFill>
+                        <a:schemeClr val="tx1"/>
+                      </a:solidFill>
+                      <a:latin typeface="Times New Roman" panose="02020603050405020304" pitchFamily="18" charset="0"/>
+                      <a:ea typeface="HGPｺﾞｼｯｸM" panose="020B0600000000000000" pitchFamily="50" charset="-128"/>
+                    </a:rPr>
+                    <a:t> </a:t>
+                  </a:r>
+                  <a14:m>
+                    <m:oMath xmlns:m="http://schemas.openxmlformats.org/officeDocument/2006/math">
+                      <m:sSub>
+                        <m:sSubPr>
+                          <m:ctrlPr>
+                            <a:rPr kumimoji="1" lang="en-US" altLang="ja-JP" sz="2800" i="1" smtClean="0">
+                              <a:solidFill>
+                                <a:schemeClr val="tx1"/>
+                              </a:solidFill>
+                              <a:latin typeface="Cambria Math" panose="02040503050406030204" pitchFamily="18" charset="0"/>
+                            </a:rPr>
+                          </m:ctrlPr>
+                        </m:sSubPr>
+                        <m:e>
+                          <m:sSub>
+                            <m:sSubPr>
+                              <m:ctrlPr>
+                                <a:rPr kumimoji="1" lang="en-US" altLang="ja-JP" sz="2800" i="1" smtClean="0">
+                                  <a:solidFill>
+                                    <a:schemeClr val="tx1"/>
+                                  </a:solidFill>
+                                  <a:latin typeface="Cambria Math" panose="02040503050406030204" pitchFamily="18" charset="0"/>
+                                </a:rPr>
+                              </m:ctrlPr>
+                            </m:sSubPr>
+                            <m:e>
+                              <m:r>
+                                <a:rPr kumimoji="1" lang="en-US" altLang="ja-JP" sz="2800" b="0" i="1" smtClean="0">
+                                  <a:solidFill>
+                                    <a:schemeClr val="tx1"/>
+                                  </a:solidFill>
+                                  <a:latin typeface="Cambria Math" panose="02040503050406030204" pitchFamily="18" charset="0"/>
+                                </a:rPr>
+                                <m:t>𝑃</m:t>
+                              </m:r>
+                            </m:e>
+                            <m:sub>
+                              <m:r>
+                                <a:rPr kumimoji="1" lang="en-US" altLang="ja-JP" sz="2800" b="0" i="1" smtClean="0">
+                                  <a:solidFill>
+                                    <a:schemeClr val="tx1"/>
+                                  </a:solidFill>
+                                  <a:latin typeface="Cambria Math" panose="02040503050406030204" pitchFamily="18" charset="0"/>
+                                </a:rPr>
+                                <m:t>𝑛</m:t>
+                              </m:r>
+                            </m:sub>
+                          </m:sSub>
+                          <m:r>
+                            <m:rPr>
+                              <m:nor/>
+                            </m:rPr>
+                            <a:rPr lang="en-US" altLang="ja-JP" sz="2800" i="1" dirty="0">
+                              <a:solidFill>
+                                <a:schemeClr val="tx1"/>
+                              </a:solidFill>
+                              <a:latin typeface="Times New Roman" panose="02020603050405020304" pitchFamily="18" charset="0"/>
+                              <a:ea typeface="HGPｺﾞｼｯｸM" panose="020B0600000000000000" pitchFamily="50" charset="-128"/>
+                            </a:rPr>
+                            <m:t>(</m:t>
+                          </m:r>
+                          <m:r>
+                            <m:rPr>
+                              <m:nor/>
+                            </m:rPr>
+                            <a:rPr lang="en-US" altLang="ja-JP" sz="2800" i="1" dirty="0">
+                              <a:solidFill>
+                                <a:schemeClr val="tx1"/>
+                              </a:solidFill>
+                              <a:latin typeface="Times New Roman" panose="02020603050405020304" pitchFamily="18" charset="0"/>
+                              <a:ea typeface="HGPｺﾞｼｯｸM" panose="020B0600000000000000" pitchFamily="50" charset="-128"/>
+                            </a:rPr>
+                            <m:t>t</m:t>
+                          </m:r>
+                          <m:r>
+                            <m:rPr>
+                              <m:nor/>
+                            </m:rPr>
+                            <a:rPr lang="en-US" altLang="ja-JP" sz="2800" i="1" dirty="0">
+                              <a:solidFill>
+                                <a:schemeClr val="tx1"/>
+                              </a:solidFill>
+                              <a:latin typeface="Times New Roman" panose="02020603050405020304" pitchFamily="18" charset="0"/>
+                              <a:ea typeface="HGPｺﾞｼｯｸM" panose="020B0600000000000000" pitchFamily="50" charset="-128"/>
+                            </a:rPr>
+                            <m:t>−1)</m:t>
+                          </m:r>
+                        </m:e>
+                        <m:sub>
+                          <m:r>
+                            <m:rPr>
+                              <m:nor/>
+                            </m:rPr>
+                            <a:rPr lang="en-US" altLang="ja-JP" sz="2800" i="1" dirty="0">
+                              <a:solidFill>
+                                <a:schemeClr val="tx1"/>
+                              </a:solidFill>
+                              <a:latin typeface="Times New Roman" panose="02020603050405020304" pitchFamily="18" charset="0"/>
+                              <a:ea typeface="HGPｺﾞｼｯｸM" panose="020B0600000000000000" pitchFamily="50" charset="-128"/>
+                            </a:rPr>
+                            <m:t>(</m:t>
+                          </m:r>
+                          <m:r>
+                            <m:rPr>
+                              <m:nor/>
+                            </m:rPr>
+                            <a:rPr lang="en-US" altLang="ja-JP" sz="2800" i="1" dirty="0">
+                              <a:solidFill>
+                                <a:schemeClr val="tx1"/>
+                              </a:solidFill>
+                              <a:latin typeface="Times New Roman" panose="02020603050405020304" pitchFamily="18" charset="0"/>
+                              <a:ea typeface="HGPｺﾞｼｯｸM" panose="020B0600000000000000" pitchFamily="50" charset="-128"/>
+                            </a:rPr>
+                            <m:t>i</m:t>
+                          </m:r>
+                          <m:r>
+                            <m:rPr>
+                              <m:nor/>
+                            </m:rPr>
+                            <a:rPr lang="en-US" altLang="ja-JP" sz="2800" i="1" dirty="0">
+                              <a:latin typeface="Times New Roman" panose="02020603050405020304" pitchFamily="18" charset="0"/>
+                              <a:ea typeface="HGPｺﾞｼｯｸM" panose="020B0600000000000000" pitchFamily="50" charset="-128"/>
+                            </a:rPr>
+                            <m:t>−</m:t>
+                          </m:r>
+                          <m:r>
+                            <m:rPr>
+                              <m:nor/>
+                            </m:rPr>
+                            <a:rPr lang="en-US" altLang="ja-JP" sz="2800" i="1" dirty="0">
+                              <a:solidFill>
+                                <a:schemeClr val="tx1"/>
+                              </a:solidFill>
+                              <a:latin typeface="Times New Roman" panose="02020603050405020304" pitchFamily="18" charset="0"/>
+                              <a:ea typeface="HGPｺﾞｼｯｸM" panose="020B0600000000000000" pitchFamily="50" charset="-128"/>
+                            </a:rPr>
+                            <m:t>1)</m:t>
+                          </m:r>
+                          <m:r>
+                            <m:rPr>
+                              <m:nor/>
+                            </m:rPr>
+                            <a:rPr lang="en-US" altLang="ja-JP" sz="2800" i="1" dirty="0">
+                              <a:solidFill>
+                                <a:schemeClr val="tx1"/>
+                              </a:solidFill>
+                              <a:latin typeface="Times New Roman" panose="02020603050405020304" pitchFamily="18" charset="0"/>
+                              <a:ea typeface="HGPｺﾞｼｯｸM" panose="020B0600000000000000" pitchFamily="50" charset="-128"/>
+                            </a:rPr>
+                            <m:t>j</m:t>
+                          </m:r>
+                        </m:sub>
+                      </m:sSub>
+                    </m:oMath>
+                  </a14:m>
+                  <a:r>
+                    <a:rPr kumimoji="1" lang="en-US" altLang="ja-JP" sz="2800" i="1" dirty="0" smtClean="0">
+                      <a:solidFill>
+                        <a:schemeClr val="tx1"/>
+                      </a:solidFill>
+                      <a:latin typeface="Times New Roman" panose="02020603050405020304" pitchFamily="18" charset="0"/>
+                      <a:ea typeface="HGPｺﾞｼｯｸM" panose="020B0600000000000000" pitchFamily="50" charset="-128"/>
+                    </a:rPr>
+                    <a:t> </a:t>
+                  </a:r>
+                  <a:r>
+                    <a:rPr kumimoji="1" lang="ja-JP" altLang="en-US" sz="2800" i="1" dirty="0" smtClean="0">
+                      <a:solidFill>
+                        <a:schemeClr val="tx1"/>
+                      </a:solidFill>
+                      <a:latin typeface="Times New Roman" panose="02020603050405020304" pitchFamily="18" charset="0"/>
+                      <a:ea typeface="HGPｺﾞｼｯｸM" panose="020B0600000000000000" pitchFamily="50" charset="-128"/>
+                    </a:rPr>
+                    <a:t>≠</a:t>
+                  </a:r>
+                  <a:r>
+                    <a:rPr kumimoji="1" lang="en-US" altLang="ja-JP" sz="2800" i="1" dirty="0" smtClean="0">
+                      <a:solidFill>
+                        <a:schemeClr val="tx1"/>
+                      </a:solidFill>
+                      <a:latin typeface="Times New Roman" panose="02020603050405020304" pitchFamily="18" charset="0"/>
+                      <a:ea typeface="HGPｺﾞｼｯｸM" panose="020B0600000000000000" pitchFamily="50" charset="-128"/>
+                    </a:rPr>
+                    <a:t> 0</a:t>
+                  </a:r>
+                  <a:endParaRPr kumimoji="1" lang="en-US" altLang="ja-JP" sz="2800" b="0" i="1" dirty="0" smtClean="0">
+                    <a:solidFill>
+                      <a:schemeClr val="tx1"/>
+                    </a:solidFill>
+                    <a:latin typeface="Times New Roman" panose="02020603050405020304" pitchFamily="18" charset="0"/>
+                    <a:ea typeface="HGPｺﾞｼｯｸM" panose="020B0600000000000000" pitchFamily="50" charset="-128"/>
+                  </a:endParaRPr>
+                </a:p>
+              </p:txBody>
+            </p:sp>
+          </mc:Choice>
+          <mc:Fallback>
+            <p:sp>
+              <p:nvSpPr>
+                <p:cNvPr id="10" name="テキスト ボックス 9"/>
+                <p:cNvSpPr txBox="1">
+                  <a:spLocks noRot="1" noChangeAspect="1" noMove="1" noResize="1" noEditPoints="1" noAdjustHandles="1" noChangeArrowheads="1" noChangeShapeType="1" noTextEdit="1"/>
+                </p:cNvSpPr>
+                <p:nvPr/>
+              </p:nvSpPr>
+              <p:spPr>
+                <a:xfrm>
+                  <a:off x="4541400" y="1784035"/>
+                  <a:ext cx="5684779" cy="648447"/>
+                </a:xfrm>
+                <a:prstGeom prst="rect">
+                  <a:avLst/>
+                </a:prstGeom>
+                <a:blipFill>
+                  <a:blip r:embed="rId5"/>
+                  <a:stretch>
+                    <a:fillRect l="-2144" t="-10680" b="-9709"/>
+                  </a:stretch>
+                </a:blipFill>
+              </p:spPr>
+              <p:txBody>
+                <a:bodyPr/>
+                <a:lstStyle/>
+                <a:p>
+                  <a:r>
+                    <a:rPr lang="ja-JP" altLang="en-US">
+                      <a:noFill/>
+                    </a:rPr>
+                    <a:t> </a:t>
+                  </a:r>
+                </a:p>
+              </p:txBody>
+            </p:sp>
+          </mc:Fallback>
+        </mc:AlternateContent>
+        <p:sp>
+          <p:nvSpPr>
+            <p:cNvPr id="11" name="テキスト ボックス 10"/>
+            <p:cNvSpPr txBox="1"/>
+            <p:nvPr/>
+          </p:nvSpPr>
+          <p:spPr>
+            <a:xfrm>
+              <a:off x="4541400" y="2536127"/>
+              <a:ext cx="4392706" cy="523220"/>
+            </a:xfrm>
+            <a:prstGeom prst="rect">
+              <a:avLst/>
+            </a:prstGeom>
+            <a:noFill/>
+          </p:spPr>
+          <p:txBody>
+            <a:bodyPr wrap="square" rtlCol="0">
+              <a:spAutoFit/>
+            </a:bodyPr>
+            <a:lstStyle/>
+            <a:p>
+              <a:r>
+                <a:rPr lang="en-US" altLang="ja-JP" sz="2800" i="1" dirty="0">
+                  <a:latin typeface="Times New Roman" panose="02020603050405020304" pitchFamily="18" charset="0"/>
+                  <a:ea typeface="HGPｺﾞｼｯｸM" panose="020B0600000000000000" pitchFamily="50" charset="-128"/>
+                </a:rPr>
+                <a:t>0</a:t>
+              </a:r>
+              <a:r>
+                <a:rPr lang="en-US" altLang="ja-JP" sz="2800" i="1" dirty="0" smtClean="0">
+                  <a:latin typeface="Times New Roman" panose="02020603050405020304" pitchFamily="18" charset="0"/>
+                  <a:ea typeface="HGPｺﾞｼｯｸM" panose="020B0600000000000000" pitchFamily="50" charset="-128"/>
+                </a:rPr>
+                <a:t> </a:t>
+              </a:r>
+              <a:r>
+                <a:rPr kumimoji="1" lang="en-US" altLang="ja-JP" sz="2800" i="1" dirty="0" smtClean="0">
+                  <a:latin typeface="Times New Roman" panose="02020603050405020304" pitchFamily="18" charset="0"/>
+                  <a:ea typeface="HGPｺﾞｼｯｸM" panose="020B0600000000000000" pitchFamily="50" charset="-128"/>
+                </a:rPr>
+                <a:t>  otherwise</a:t>
+              </a:r>
+              <a:endParaRPr kumimoji="1" lang="en-US" altLang="ja-JP" sz="2800" b="0" i="1" dirty="0" smtClean="0">
+                <a:latin typeface="Times New Roman" panose="02020603050405020304" pitchFamily="18" charset="0"/>
+                <a:ea typeface="HGPｺﾞｼｯｸM" panose="020B0600000000000000" pitchFamily="50" charset="-128"/>
+              </a:endParaRPr>
+            </a:p>
+          </p:txBody>
+        </p:sp>
+      </p:grpSp>
+      <p:grpSp>
+        <p:nvGrpSpPr>
+          <p:cNvPr id="12" name="グループ化 11"/>
+          <p:cNvGrpSpPr/>
+          <p:nvPr/>
+        </p:nvGrpSpPr>
+        <p:grpSpPr>
+          <a:xfrm>
+            <a:off x="1246540" y="3489044"/>
+            <a:ext cx="9110524" cy="1455840"/>
+            <a:chOff x="1115655" y="1663040"/>
+            <a:chExt cx="9110524" cy="1499953"/>
+          </a:xfrm>
+        </p:grpSpPr>
+        <mc:AlternateContent xmlns:mc="http://schemas.openxmlformats.org/markup-compatibility/2006">
+          <mc:Choice xmlns:a14="http://schemas.microsoft.com/office/drawing/2010/main" Requires="a14">
+            <p:sp>
+              <p:nvSpPr>
+                <p:cNvPr id="13" name="テキスト ボックス 12"/>
+                <p:cNvSpPr txBox="1"/>
+                <p:nvPr/>
+              </p:nvSpPr>
+              <p:spPr>
+                <a:xfrm>
+                  <a:off x="1115655" y="2073914"/>
+                  <a:ext cx="3603368" cy="811188"/>
+                </a:xfrm>
+                <a:prstGeom prst="rect">
+                  <a:avLst/>
+                </a:prstGeom>
+                <a:noFill/>
+              </p:spPr>
+              <p:txBody>
+                <a:bodyPr wrap="square" rtlCol="0">
+                  <a:spAutoFit/>
+                </a:bodyPr>
+                <a:lstStyle/>
+                <a:p>
+                  <a14:m>
+                    <m:oMath xmlns:m="http://schemas.openxmlformats.org/officeDocument/2006/math">
+                      <m:sSub>
+                        <m:sSubPr>
+                          <m:ctrlPr>
+                            <a:rPr kumimoji="1" lang="en-US" altLang="ja-JP" sz="3200" i="1" smtClean="0">
+                              <a:latin typeface="Cambria Math" panose="02040503050406030204" pitchFamily="18" charset="0"/>
+                            </a:rPr>
+                          </m:ctrlPr>
+                        </m:sSubPr>
+                        <m:e>
+                          <m:d>
+                            <m:dPr>
+                              <m:begChr m:val="["/>
+                              <m:endChr m:val="]"/>
+                              <m:ctrlPr>
+                                <a:rPr lang="en-US" altLang="ja-JP" sz="3200" i="1">
+                                  <a:latin typeface="Cambria Math" panose="02040503050406030204" pitchFamily="18" charset="0"/>
+                                </a:rPr>
+                              </m:ctrlPr>
+                            </m:dPr>
+                            <m:e>
+                              <m:sSub>
+                                <m:sSubPr>
+                                  <m:ctrlPr>
+                                    <a:rPr lang="en-US" altLang="ja-JP" sz="3200" i="1" smtClean="0">
+                                      <a:latin typeface="Cambria Math" panose="02040503050406030204" pitchFamily="18" charset="0"/>
+                                    </a:rPr>
+                                  </m:ctrlPr>
+                                </m:sSubPr>
+                                <m:e>
+                                  <m:r>
+                                    <a:rPr lang="en-US" altLang="ja-JP" sz="3200" b="0" i="1" smtClean="0">
+                                      <a:latin typeface="Cambria Math" panose="02040503050406030204" pitchFamily="18" charset="0"/>
+                                    </a:rPr>
+                                    <m:t>𝑃</m:t>
+                                  </m:r>
+                                </m:e>
+                                <m:sub>
+                                  <m:sSub>
+                                    <m:sSubPr>
+                                      <m:ctrlPr>
+                                        <a:rPr lang="en-US" altLang="ja-JP" sz="3200" i="1" smtClean="0">
+                                          <a:latin typeface="Cambria Math" panose="02040503050406030204" pitchFamily="18" charset="0"/>
+                                        </a:rPr>
+                                      </m:ctrlPr>
+                                    </m:sSubPr>
+                                    <m:e>
+                                      <m:r>
+                                        <a:rPr lang="en-US" altLang="ja-JP" sz="3200" b="0" i="1" smtClean="0">
+                                          <a:latin typeface="Cambria Math" panose="02040503050406030204" pitchFamily="18" charset="0"/>
+                                        </a:rPr>
+                                        <m:t>𝑟𝑖𝑔h𝑡</m:t>
+                                      </m:r>
+                                    </m:e>
+                                    <m:sub>
+                                      <m:r>
+                                        <a:rPr lang="en-US" altLang="ja-JP" sz="3200" b="0" i="1" smtClean="0">
+                                          <a:latin typeface="Cambria Math" panose="02040503050406030204" pitchFamily="18" charset="0"/>
+                                        </a:rPr>
+                                        <m:t>𝑛</m:t>
+                                      </m:r>
+                                    </m:sub>
+                                  </m:sSub>
+                                </m:sub>
+                              </m:sSub>
+                              <m:d>
+                                <m:dPr>
+                                  <m:ctrlPr>
+                                    <a:rPr lang="en-US" altLang="ja-JP" sz="3200" i="1">
+                                      <a:latin typeface="Cambria Math" panose="02040503050406030204" pitchFamily="18" charset="0"/>
+                                    </a:rPr>
+                                  </m:ctrlPr>
+                                </m:dPr>
+                                <m:e>
+                                  <m:r>
+                                    <a:rPr lang="en-US" altLang="ja-JP" sz="3200" i="1">
+                                      <a:latin typeface="Cambria Math" panose="02040503050406030204" pitchFamily="18" charset="0"/>
+                                    </a:rPr>
+                                    <m:t>𝑡</m:t>
+                                  </m:r>
+                                </m:e>
+                              </m:d>
+                            </m:e>
+                          </m:d>
+                        </m:e>
+                        <m:sub>
+                          <m:r>
+                            <a:rPr kumimoji="1" lang="en-US" altLang="ja-JP" sz="3200" b="0" i="1" smtClean="0">
+                              <a:latin typeface="Cambria Math" panose="02040503050406030204" pitchFamily="18" charset="0"/>
+                            </a:rPr>
+                            <m:t>𝑖𝑗</m:t>
+                          </m:r>
+                        </m:sub>
+                      </m:sSub>
+                    </m:oMath>
+                  </a14:m>
+                  <a:r>
+                    <a:rPr kumimoji="1" lang="en-US" altLang="ja-JP" sz="3200" i="1" dirty="0" smtClean="0">
+                      <a:latin typeface="Times New Roman" panose="02020603050405020304" pitchFamily="18" charset="0"/>
+                      <a:ea typeface="HGPｺﾞｼｯｸM" panose="020B0600000000000000" pitchFamily="50" charset="-128"/>
+                    </a:rPr>
+                    <a:t>=</a:t>
+                  </a:r>
+                  <a:endParaRPr kumimoji="1" lang="ja-JP" altLang="en-US" sz="3200" i="1" dirty="0">
+                    <a:latin typeface="Times New Roman" panose="02020603050405020304" pitchFamily="18" charset="0"/>
+                    <a:ea typeface="HGPｺﾞｼｯｸM" panose="020B0600000000000000" pitchFamily="50" charset="-128"/>
+                  </a:endParaRPr>
+                </a:p>
+              </p:txBody>
+            </p:sp>
+          </mc:Choice>
+          <mc:Fallback>
+            <p:sp>
+              <p:nvSpPr>
+                <p:cNvPr id="13" name="テキスト ボックス 12"/>
+                <p:cNvSpPr txBox="1">
+                  <a:spLocks noRot="1" noChangeAspect="1" noMove="1" noResize="1" noEditPoints="1" noAdjustHandles="1" noChangeArrowheads="1" noChangeShapeType="1" noTextEdit="1"/>
+                </p:cNvSpPr>
+                <p:nvPr/>
+              </p:nvSpPr>
+              <p:spPr>
+                <a:xfrm>
+                  <a:off x="1115655" y="2073914"/>
+                  <a:ext cx="3603368" cy="811188"/>
+                </a:xfrm>
+                <a:prstGeom prst="rect">
+                  <a:avLst/>
+                </a:prstGeom>
+                <a:blipFill>
+                  <a:blip r:embed="rId6"/>
+                  <a:stretch>
+                    <a:fillRect t="-6977" b="-2326"/>
+                  </a:stretch>
+                </a:blipFill>
+              </p:spPr>
+              <p:txBody>
+                <a:bodyPr/>
+                <a:lstStyle/>
+                <a:p>
+                  <a:r>
+                    <a:rPr lang="ja-JP" altLang="en-US">
+                      <a:noFill/>
+                    </a:rPr>
+                    <a:t> </a:t>
+                  </a:r>
+                </a:p>
+              </p:txBody>
+            </p:sp>
+          </mc:Fallback>
+        </mc:AlternateContent>
+        <p:sp>
+          <p:nvSpPr>
+            <p:cNvPr id="14" name="左中かっこ 13"/>
+            <p:cNvSpPr/>
+            <p:nvPr/>
+          </p:nvSpPr>
+          <p:spPr>
+            <a:xfrm>
+              <a:off x="4021281" y="1663040"/>
+              <a:ext cx="627529" cy="1499953"/>
+            </a:xfrm>
+            <a:prstGeom prst="leftBrace">
+              <a:avLst/>
+            </a:prstGeom>
+            <a:ln w="38100"/>
+          </p:spPr>
+          <p:style>
+            <a:lnRef idx="1">
+              <a:schemeClr val="dk1"/>
+            </a:lnRef>
+            <a:fillRef idx="0">
+              <a:schemeClr val="dk1"/>
+            </a:fillRef>
+            <a:effectRef idx="0">
+              <a:schemeClr val="dk1"/>
+            </a:effectRef>
+            <a:fontRef idx="minor">
+              <a:schemeClr val="tx1"/>
+            </a:fontRef>
+          </p:style>
+          <p:txBody>
+            <a:bodyPr rtlCol="0" anchor="ctr"/>
+            <a:lstStyle/>
+            <a:p>
+              <a:pPr algn="ctr"/>
+              <a:endParaRPr kumimoji="1" lang="ja-JP" altLang="en-US" i="1">
+                <a:latin typeface="Times New Roman" panose="02020603050405020304" pitchFamily="18" charset="0"/>
+                <a:ea typeface="HGPｺﾞｼｯｸM" panose="020B0600000000000000" pitchFamily="50" charset="-128"/>
+              </a:endParaRPr>
+            </a:p>
+          </p:txBody>
+        </p:sp>
+        <mc:AlternateContent xmlns:mc="http://schemas.openxmlformats.org/markup-compatibility/2006">
+          <mc:Choice xmlns:a14="http://schemas.microsoft.com/office/drawing/2010/main" Requires="a14">
+            <p:sp>
+              <p:nvSpPr>
+                <p:cNvPr id="15" name="テキスト ボックス 14"/>
+                <p:cNvSpPr txBox="1"/>
+                <p:nvPr/>
+              </p:nvSpPr>
+              <p:spPr>
+                <a:xfrm>
+                  <a:off x="4541400" y="1784035"/>
+                  <a:ext cx="5684779" cy="646096"/>
+                </a:xfrm>
+                <a:prstGeom prst="rect">
+                  <a:avLst/>
+                </a:prstGeom>
+                <a:noFill/>
+              </p:spPr>
+              <p:txBody>
+                <a:bodyPr wrap="square" rtlCol="0">
+                  <a:spAutoFit/>
+                </a:bodyPr>
+                <a:lstStyle/>
+                <a:p>
+                  <a:r>
+                    <a:rPr lang="en-US" altLang="ja-JP" sz="2800" i="1" dirty="0" smtClean="0">
+                      <a:latin typeface="Times New Roman" panose="02020603050405020304" pitchFamily="18" charset="0"/>
+                      <a:ea typeface="HGPｺﾞｼｯｸM" panose="020B0600000000000000" pitchFamily="50" charset="-128"/>
+                    </a:rPr>
+                    <a:t>1</a:t>
+                  </a:r>
+                  <a:r>
+                    <a:rPr lang="en-US" altLang="ja-JP" sz="2800" i="1" dirty="0" smtClean="0">
+                      <a:solidFill>
+                        <a:schemeClr val="tx1"/>
+                      </a:solidFill>
+                      <a:latin typeface="Times New Roman" panose="02020603050405020304" pitchFamily="18" charset="0"/>
+                      <a:ea typeface="HGPｺﾞｼｯｸM" panose="020B0600000000000000" pitchFamily="50" charset="-128"/>
+                    </a:rPr>
+                    <a:t> </a:t>
+                  </a:r>
+                  <a:r>
+                    <a:rPr kumimoji="1" lang="en-US" altLang="ja-JP" sz="2800" i="1" dirty="0" smtClean="0">
+                      <a:solidFill>
+                        <a:schemeClr val="tx1"/>
+                      </a:solidFill>
+                      <a:latin typeface="Times New Roman" panose="02020603050405020304" pitchFamily="18" charset="0"/>
+                      <a:ea typeface="HGPｺﾞｼｯｸM" panose="020B0600000000000000" pitchFamily="50" charset="-128"/>
+                    </a:rPr>
+                    <a:t>  if </a:t>
+                  </a:r>
+                  <a14:m>
+                    <m:oMath xmlns:m="http://schemas.openxmlformats.org/officeDocument/2006/math">
+                      <m:sSub>
+                        <m:sSubPr>
+                          <m:ctrlPr>
+                            <a:rPr kumimoji="1" lang="en-US" altLang="ja-JP" sz="2800" i="1" smtClean="0">
+                              <a:solidFill>
+                                <a:schemeClr val="tx1"/>
+                              </a:solidFill>
+                              <a:latin typeface="Cambria Math" panose="02040503050406030204" pitchFamily="18" charset="0"/>
+                            </a:rPr>
+                          </m:ctrlPr>
+                        </m:sSubPr>
+                        <m:e>
+                          <m:sSub>
+                            <m:sSubPr>
+                              <m:ctrlPr>
+                                <a:rPr lang="en-US" altLang="ja-JP" sz="2800" i="1" dirty="0" smtClean="0">
+                                  <a:solidFill>
+                                    <a:schemeClr val="tx1"/>
+                                  </a:solidFill>
+                                  <a:latin typeface="Cambria Math" panose="02040503050406030204" pitchFamily="18" charset="0"/>
+                                  <a:ea typeface="HGPｺﾞｼｯｸM" panose="020B0600000000000000" pitchFamily="50" charset="-128"/>
+                                </a:rPr>
+                              </m:ctrlPr>
+                            </m:sSubPr>
+                            <m:e>
+                              <m:r>
+                                <a:rPr lang="en-US" altLang="ja-JP" sz="2800" b="0" i="1" dirty="0" smtClean="0">
+                                  <a:solidFill>
+                                    <a:schemeClr val="tx1"/>
+                                  </a:solidFill>
+                                  <a:latin typeface="Cambria Math" panose="02040503050406030204" pitchFamily="18" charset="0"/>
+                                  <a:ea typeface="HGPｺﾞｼｯｸM" panose="020B0600000000000000" pitchFamily="50" charset="-128"/>
+                                </a:rPr>
+                                <m:t>𝑃</m:t>
+                              </m:r>
+                            </m:e>
+                            <m:sub>
+                              <m:r>
+                                <a:rPr lang="en-US" altLang="ja-JP" sz="2800" b="0" i="1" dirty="0" smtClean="0">
+                                  <a:solidFill>
+                                    <a:schemeClr val="tx1"/>
+                                  </a:solidFill>
+                                  <a:latin typeface="Cambria Math" panose="02040503050406030204" pitchFamily="18" charset="0"/>
+                                  <a:ea typeface="HGPｺﾞｼｯｸM" panose="020B0600000000000000" pitchFamily="50" charset="-128"/>
+                                </a:rPr>
+                                <m:t>𝑛</m:t>
+                              </m:r>
+                            </m:sub>
+                          </m:sSub>
+                          <m:r>
+                            <m:rPr>
+                              <m:nor/>
+                            </m:rPr>
+                            <a:rPr lang="en-US" altLang="ja-JP" sz="2800" i="1" dirty="0">
+                              <a:solidFill>
+                                <a:schemeClr val="tx1"/>
+                              </a:solidFill>
+                              <a:latin typeface="Times New Roman" panose="02020603050405020304" pitchFamily="18" charset="0"/>
+                              <a:ea typeface="HGPｺﾞｼｯｸM" panose="020B0600000000000000" pitchFamily="50" charset="-128"/>
+                            </a:rPr>
+                            <m:t>(</m:t>
+                          </m:r>
+                          <m:r>
+                            <m:rPr>
+                              <m:nor/>
+                            </m:rPr>
+                            <a:rPr lang="en-US" altLang="ja-JP" sz="2800" i="1" dirty="0">
+                              <a:solidFill>
+                                <a:schemeClr val="tx1"/>
+                              </a:solidFill>
+                              <a:latin typeface="Times New Roman" panose="02020603050405020304" pitchFamily="18" charset="0"/>
+                              <a:ea typeface="HGPｺﾞｼｯｸM" panose="020B0600000000000000" pitchFamily="50" charset="-128"/>
+                            </a:rPr>
+                            <m:t>t</m:t>
+                          </m:r>
+                          <m:r>
+                            <m:rPr>
+                              <m:nor/>
+                            </m:rPr>
+                            <a:rPr lang="en-US" altLang="ja-JP" sz="2800" i="1" dirty="0">
+                              <a:solidFill>
+                                <a:schemeClr val="tx1"/>
+                              </a:solidFill>
+                              <a:latin typeface="Times New Roman" panose="02020603050405020304" pitchFamily="18" charset="0"/>
+                              <a:ea typeface="HGPｺﾞｼｯｸM" panose="020B0600000000000000" pitchFamily="50" charset="-128"/>
+                            </a:rPr>
+                            <m:t>)</m:t>
+                          </m:r>
+                        </m:e>
+                        <m:sub>
+                          <m:r>
+                            <m:rPr>
+                              <m:nor/>
+                            </m:rPr>
+                            <a:rPr lang="en-US" altLang="ja-JP" sz="2800" i="1" dirty="0">
+                              <a:solidFill>
+                                <a:schemeClr val="tx1"/>
+                              </a:solidFill>
+                              <a:latin typeface="Times New Roman" panose="02020603050405020304" pitchFamily="18" charset="0"/>
+                              <a:ea typeface="HGPｺﾞｼｯｸM" panose="020B0600000000000000" pitchFamily="50" charset="-128"/>
+                            </a:rPr>
+                            <m:t>ij</m:t>
+                          </m:r>
+                        </m:sub>
+                      </m:sSub>
+                      <m:r>
+                        <a:rPr lang="en-US" altLang="ja-JP" sz="2800" i="1" dirty="0" smtClean="0">
+                          <a:solidFill>
+                            <a:schemeClr val="tx1"/>
+                          </a:solidFill>
+                          <a:latin typeface="Cambria Math" panose="02040503050406030204" pitchFamily="18" charset="0"/>
+                          <a:ea typeface="Cambria Math" panose="02040503050406030204" pitchFamily="18" charset="0"/>
+                        </a:rPr>
+                        <m:t>∙</m:t>
+                      </m:r>
+                    </m:oMath>
+                  </a14:m>
+                  <a:r>
+                    <a:rPr kumimoji="1" lang="en-US" altLang="ja-JP" sz="2800" i="1" dirty="0" smtClean="0">
+                      <a:solidFill>
+                        <a:schemeClr val="tx1"/>
+                      </a:solidFill>
+                      <a:latin typeface="Times New Roman" panose="02020603050405020304" pitchFamily="18" charset="0"/>
+                      <a:ea typeface="HGPｺﾞｼｯｸM" panose="020B0600000000000000" pitchFamily="50" charset="-128"/>
+                    </a:rPr>
+                    <a:t> </a:t>
+                  </a:r>
+                  <a14:m>
+                    <m:oMath xmlns:m="http://schemas.openxmlformats.org/officeDocument/2006/math">
+                      <m:sSub>
+                        <m:sSubPr>
+                          <m:ctrlPr>
+                            <a:rPr kumimoji="1" lang="en-US" altLang="ja-JP" sz="2800" i="1" smtClean="0">
+                              <a:solidFill>
+                                <a:schemeClr val="tx1"/>
+                              </a:solidFill>
+                              <a:latin typeface="Cambria Math" panose="02040503050406030204" pitchFamily="18" charset="0"/>
+                            </a:rPr>
+                          </m:ctrlPr>
+                        </m:sSubPr>
+                        <m:e>
+                          <m:sSub>
+                            <m:sSubPr>
+                              <m:ctrlPr>
+                                <a:rPr kumimoji="1" lang="en-US" altLang="ja-JP" sz="2800" i="1" smtClean="0">
+                                  <a:solidFill>
+                                    <a:schemeClr val="tx1"/>
+                                  </a:solidFill>
+                                  <a:latin typeface="Cambria Math" panose="02040503050406030204" pitchFamily="18" charset="0"/>
+                                </a:rPr>
+                              </m:ctrlPr>
+                            </m:sSubPr>
+                            <m:e>
+                              <m:r>
+                                <a:rPr kumimoji="1" lang="en-US" altLang="ja-JP" sz="2800" b="0" i="1" smtClean="0">
+                                  <a:solidFill>
+                                    <a:schemeClr val="tx1"/>
+                                  </a:solidFill>
+                                  <a:latin typeface="Cambria Math" panose="02040503050406030204" pitchFamily="18" charset="0"/>
+                                </a:rPr>
+                                <m:t>𝑃</m:t>
+                              </m:r>
+                            </m:e>
+                            <m:sub>
+                              <m:r>
+                                <a:rPr kumimoji="1" lang="en-US" altLang="ja-JP" sz="2800" b="0" i="1" smtClean="0">
+                                  <a:solidFill>
+                                    <a:schemeClr val="tx1"/>
+                                  </a:solidFill>
+                                  <a:latin typeface="Cambria Math" panose="02040503050406030204" pitchFamily="18" charset="0"/>
+                                </a:rPr>
+                                <m:t>𝑛</m:t>
+                              </m:r>
+                            </m:sub>
+                          </m:sSub>
+                          <m:r>
+                            <m:rPr>
+                              <m:nor/>
+                            </m:rPr>
+                            <a:rPr lang="en-US" altLang="ja-JP" sz="2800" i="1" dirty="0">
+                              <a:solidFill>
+                                <a:schemeClr val="tx1"/>
+                              </a:solidFill>
+                              <a:latin typeface="Times New Roman" panose="02020603050405020304" pitchFamily="18" charset="0"/>
+                              <a:ea typeface="HGPｺﾞｼｯｸM" panose="020B0600000000000000" pitchFamily="50" charset="-128"/>
+                            </a:rPr>
+                            <m:t>(</m:t>
+                          </m:r>
+                          <m:r>
+                            <m:rPr>
+                              <m:nor/>
+                            </m:rPr>
+                            <a:rPr lang="en-US" altLang="ja-JP" sz="2800" i="1" dirty="0">
+                              <a:solidFill>
+                                <a:schemeClr val="tx1"/>
+                              </a:solidFill>
+                              <a:latin typeface="Times New Roman" panose="02020603050405020304" pitchFamily="18" charset="0"/>
+                              <a:ea typeface="HGPｺﾞｼｯｸM" panose="020B0600000000000000" pitchFamily="50" charset="-128"/>
+                            </a:rPr>
+                            <m:t>t</m:t>
+                          </m:r>
+                          <m:r>
+                            <m:rPr>
+                              <m:nor/>
+                            </m:rPr>
+                            <a:rPr lang="en-US" altLang="ja-JP" sz="2800" i="1" dirty="0">
+                              <a:solidFill>
+                                <a:schemeClr val="tx1"/>
+                              </a:solidFill>
+                              <a:latin typeface="Times New Roman" panose="02020603050405020304" pitchFamily="18" charset="0"/>
+                              <a:ea typeface="HGPｺﾞｼｯｸM" panose="020B0600000000000000" pitchFamily="50" charset="-128"/>
+                            </a:rPr>
+                            <m:t>−1)</m:t>
+                          </m:r>
+                        </m:e>
+                        <m:sub>
+                          <m:r>
+                            <m:rPr>
+                              <m:nor/>
+                            </m:rPr>
+                            <a:rPr lang="en-US" altLang="ja-JP" sz="2800" i="1" dirty="0">
+                              <a:solidFill>
+                                <a:schemeClr val="tx1"/>
+                              </a:solidFill>
+                              <a:latin typeface="Times New Roman" panose="02020603050405020304" pitchFamily="18" charset="0"/>
+                              <a:ea typeface="HGPｺﾞｼｯｸM" panose="020B0600000000000000" pitchFamily="50" charset="-128"/>
+                            </a:rPr>
+                            <m:t>i</m:t>
+                          </m:r>
+                          <m:r>
+                            <m:rPr>
+                              <m:nor/>
+                            </m:rPr>
+                            <a:rPr lang="en-US" altLang="ja-JP" sz="2800" b="0" i="1" dirty="0" smtClean="0">
+                              <a:solidFill>
+                                <a:schemeClr val="tx1"/>
+                              </a:solidFill>
+                              <a:latin typeface="Times New Roman" panose="02020603050405020304" pitchFamily="18" charset="0"/>
+                              <a:ea typeface="HGPｺﾞｼｯｸM" panose="020B0600000000000000" pitchFamily="50" charset="-128"/>
+                            </a:rPr>
+                            <m:t>(</m:t>
+                          </m:r>
+                          <m:r>
+                            <m:rPr>
+                              <m:nor/>
+                            </m:rPr>
+                            <a:rPr lang="en-US" altLang="ja-JP" sz="2800" i="1" dirty="0">
+                              <a:solidFill>
+                                <a:schemeClr val="tx1"/>
+                              </a:solidFill>
+                              <a:latin typeface="Times New Roman" panose="02020603050405020304" pitchFamily="18" charset="0"/>
+                              <a:ea typeface="HGPｺﾞｼｯｸM" panose="020B0600000000000000" pitchFamily="50" charset="-128"/>
+                            </a:rPr>
+                            <m:t>j</m:t>
+                          </m:r>
+                          <m:r>
+                            <a:rPr lang="en-US" altLang="ja-JP" sz="2800" i="1" dirty="0" smtClean="0">
+                              <a:solidFill>
+                                <a:schemeClr val="tx1"/>
+                              </a:solidFill>
+                              <a:latin typeface="Cambria Math" panose="02040503050406030204" pitchFamily="18" charset="0"/>
+                              <a:ea typeface="Cambria Math" panose="02040503050406030204" pitchFamily="18" charset="0"/>
+                            </a:rPr>
+                            <m:t>−</m:t>
+                          </m:r>
+                          <m:r>
+                            <m:rPr>
+                              <m:nor/>
+                            </m:rPr>
+                            <a:rPr lang="en-US" altLang="ja-JP" sz="2800" b="0" i="1" dirty="0" smtClean="0">
+                              <a:solidFill>
+                                <a:schemeClr val="tx1"/>
+                              </a:solidFill>
+                              <a:latin typeface="Cambria Math" panose="02040503050406030204" pitchFamily="18" charset="0"/>
+                              <a:ea typeface="Cambria Math" panose="02040503050406030204" pitchFamily="18" charset="0"/>
+                            </a:rPr>
+                            <m:t>1</m:t>
+                          </m:r>
+                          <m:r>
+                            <m:rPr>
+                              <m:nor/>
+                            </m:rPr>
+                            <a:rPr lang="en-US" altLang="ja-JP" sz="2800" b="0" i="1" dirty="0" smtClean="0">
+                              <a:solidFill>
+                                <a:schemeClr val="tx1"/>
+                              </a:solidFill>
+                              <a:latin typeface="Times New Roman" panose="02020603050405020304" pitchFamily="18" charset="0"/>
+                              <a:ea typeface="HGPｺﾞｼｯｸM" panose="020B0600000000000000" pitchFamily="50" charset="-128"/>
+                            </a:rPr>
+                            <m:t>)</m:t>
+                          </m:r>
+                        </m:sub>
+                      </m:sSub>
+                    </m:oMath>
+                  </a14:m>
+                  <a:r>
+                    <a:rPr kumimoji="1" lang="en-US" altLang="ja-JP" sz="2800" i="1" dirty="0" smtClean="0">
+                      <a:solidFill>
+                        <a:schemeClr val="tx1"/>
+                      </a:solidFill>
+                      <a:latin typeface="Times New Roman" panose="02020603050405020304" pitchFamily="18" charset="0"/>
+                      <a:ea typeface="HGPｺﾞｼｯｸM" panose="020B0600000000000000" pitchFamily="50" charset="-128"/>
+                    </a:rPr>
+                    <a:t> </a:t>
+                  </a:r>
+                  <a:r>
+                    <a:rPr kumimoji="1" lang="ja-JP" altLang="en-US" sz="2800" i="1" dirty="0" smtClean="0">
+                      <a:solidFill>
+                        <a:schemeClr val="tx1"/>
+                      </a:solidFill>
+                      <a:latin typeface="Times New Roman" panose="02020603050405020304" pitchFamily="18" charset="0"/>
+                      <a:ea typeface="HGPｺﾞｼｯｸM" panose="020B0600000000000000" pitchFamily="50" charset="-128"/>
+                    </a:rPr>
+                    <a:t>≠</a:t>
+                  </a:r>
+                  <a:r>
+                    <a:rPr kumimoji="1" lang="en-US" altLang="ja-JP" sz="2800" i="1" dirty="0" smtClean="0">
+                      <a:solidFill>
+                        <a:schemeClr val="tx1"/>
+                      </a:solidFill>
+                      <a:latin typeface="Times New Roman" panose="02020603050405020304" pitchFamily="18" charset="0"/>
+                      <a:ea typeface="HGPｺﾞｼｯｸM" panose="020B0600000000000000" pitchFamily="50" charset="-128"/>
+                    </a:rPr>
+                    <a:t> 0</a:t>
+                  </a:r>
+                  <a:endParaRPr kumimoji="1" lang="en-US" altLang="ja-JP" sz="2800" b="0" i="1" dirty="0" smtClean="0">
+                    <a:solidFill>
+                      <a:schemeClr val="tx1"/>
+                    </a:solidFill>
+                    <a:latin typeface="Times New Roman" panose="02020603050405020304" pitchFamily="18" charset="0"/>
+                    <a:ea typeface="HGPｺﾞｼｯｸM" panose="020B0600000000000000" pitchFamily="50" charset="-128"/>
+                  </a:endParaRPr>
+                </a:p>
+              </p:txBody>
+            </p:sp>
+          </mc:Choice>
+          <mc:Fallback>
+            <p:sp>
+              <p:nvSpPr>
+                <p:cNvPr id="15" name="テキスト ボックス 14"/>
+                <p:cNvSpPr txBox="1">
+                  <a:spLocks noRot="1" noChangeAspect="1" noMove="1" noResize="1" noEditPoints="1" noAdjustHandles="1" noChangeArrowheads="1" noChangeShapeType="1" noTextEdit="1"/>
+                </p:cNvSpPr>
+                <p:nvPr/>
+              </p:nvSpPr>
+              <p:spPr>
+                <a:xfrm>
+                  <a:off x="4541400" y="1784035"/>
+                  <a:ext cx="5684779" cy="646096"/>
+                </a:xfrm>
+                <a:prstGeom prst="rect">
+                  <a:avLst/>
+                </a:prstGeom>
+                <a:blipFill>
+                  <a:blip r:embed="rId7"/>
+                  <a:stretch>
+                    <a:fillRect l="-2144" t="-10784" b="-10784"/>
+                  </a:stretch>
+                </a:blipFill>
+              </p:spPr>
+              <p:txBody>
+                <a:bodyPr/>
+                <a:lstStyle/>
+                <a:p>
+                  <a:r>
+                    <a:rPr lang="ja-JP" altLang="en-US">
+                      <a:noFill/>
+                    </a:rPr>
+                    <a:t> </a:t>
+                  </a:r>
+                </a:p>
+              </p:txBody>
+            </p:sp>
+          </mc:Fallback>
+        </mc:AlternateContent>
+        <p:sp>
+          <p:nvSpPr>
+            <p:cNvPr id="16" name="テキスト ボックス 15"/>
+            <p:cNvSpPr txBox="1"/>
+            <p:nvPr/>
+          </p:nvSpPr>
+          <p:spPr>
+            <a:xfrm>
+              <a:off x="4541400" y="2536127"/>
+              <a:ext cx="4392706" cy="523220"/>
+            </a:xfrm>
+            <a:prstGeom prst="rect">
+              <a:avLst/>
+            </a:prstGeom>
+            <a:noFill/>
+          </p:spPr>
+          <p:txBody>
+            <a:bodyPr wrap="square" rtlCol="0">
+              <a:spAutoFit/>
+            </a:bodyPr>
+            <a:lstStyle/>
+            <a:p>
+              <a:r>
+                <a:rPr lang="en-US" altLang="ja-JP" sz="2800" i="1" dirty="0">
+                  <a:latin typeface="Times New Roman" panose="02020603050405020304" pitchFamily="18" charset="0"/>
+                  <a:ea typeface="HGPｺﾞｼｯｸM" panose="020B0600000000000000" pitchFamily="50" charset="-128"/>
+                </a:rPr>
+                <a:t>0</a:t>
+              </a:r>
+              <a:r>
+                <a:rPr lang="en-US" altLang="ja-JP" sz="2800" i="1" dirty="0" smtClean="0">
+                  <a:latin typeface="Times New Roman" panose="02020603050405020304" pitchFamily="18" charset="0"/>
+                  <a:ea typeface="HGPｺﾞｼｯｸM" panose="020B0600000000000000" pitchFamily="50" charset="-128"/>
+                </a:rPr>
+                <a:t> </a:t>
+              </a:r>
+              <a:r>
+                <a:rPr kumimoji="1" lang="en-US" altLang="ja-JP" sz="2800" i="1" dirty="0" smtClean="0">
+                  <a:latin typeface="Times New Roman" panose="02020603050405020304" pitchFamily="18" charset="0"/>
+                  <a:ea typeface="HGPｺﾞｼｯｸM" panose="020B0600000000000000" pitchFamily="50" charset="-128"/>
+                </a:rPr>
+                <a:t>  otherwise</a:t>
+              </a:r>
+              <a:endParaRPr kumimoji="1" lang="en-US" altLang="ja-JP" sz="2800" b="0" i="1" dirty="0" smtClean="0">
+                <a:latin typeface="Times New Roman" panose="02020603050405020304" pitchFamily="18" charset="0"/>
+                <a:ea typeface="HGPｺﾞｼｯｸM" panose="020B0600000000000000" pitchFamily="50" charset="-128"/>
+              </a:endParaRPr>
+            </a:p>
+          </p:txBody>
+        </p:sp>
+      </p:grpSp>
+      <p:grpSp>
+        <p:nvGrpSpPr>
+          <p:cNvPr id="17" name="グループ化 16"/>
+          <p:cNvGrpSpPr/>
+          <p:nvPr/>
+        </p:nvGrpSpPr>
+        <p:grpSpPr>
+          <a:xfrm>
+            <a:off x="1707716" y="5071353"/>
+            <a:ext cx="8649348" cy="1455840"/>
+            <a:chOff x="1576831" y="1663040"/>
+            <a:chExt cx="8649348" cy="1499953"/>
+          </a:xfrm>
+        </p:grpSpPr>
+        <mc:AlternateContent xmlns:mc="http://schemas.openxmlformats.org/markup-compatibility/2006">
+          <mc:Choice xmlns:a14="http://schemas.microsoft.com/office/drawing/2010/main" Requires="a14">
+            <p:sp>
+              <p:nvSpPr>
+                <p:cNvPr id="18" name="テキスト ボックス 17"/>
+                <p:cNvSpPr txBox="1"/>
+                <p:nvPr/>
+              </p:nvSpPr>
+              <p:spPr>
+                <a:xfrm>
+                  <a:off x="1576831" y="2090638"/>
+                  <a:ext cx="3603368" cy="811188"/>
+                </a:xfrm>
+                <a:prstGeom prst="rect">
+                  <a:avLst/>
+                </a:prstGeom>
+                <a:noFill/>
+              </p:spPr>
+              <p:txBody>
+                <a:bodyPr wrap="square" rtlCol="0">
+                  <a:spAutoFit/>
+                </a:bodyPr>
+                <a:lstStyle/>
+                <a:p>
+                  <a14:m>
+                    <m:oMath xmlns:m="http://schemas.openxmlformats.org/officeDocument/2006/math">
+                      <m:sSub>
+                        <m:sSubPr>
+                          <m:ctrlPr>
+                            <a:rPr kumimoji="1" lang="en-US" altLang="ja-JP" sz="3200" i="1" smtClean="0">
+                              <a:latin typeface="Cambria Math" panose="02040503050406030204" pitchFamily="18" charset="0"/>
+                            </a:rPr>
+                          </m:ctrlPr>
+                        </m:sSubPr>
+                        <m:e>
+                          <m:d>
+                            <m:dPr>
+                              <m:begChr m:val="["/>
+                              <m:endChr m:val="]"/>
+                              <m:ctrlPr>
+                                <a:rPr lang="en-US" altLang="ja-JP" sz="3200" i="1">
+                                  <a:latin typeface="Cambria Math" panose="02040503050406030204" pitchFamily="18" charset="0"/>
+                                </a:rPr>
+                              </m:ctrlPr>
+                            </m:dPr>
+                            <m:e>
+                              <m:sSub>
+                                <m:sSubPr>
+                                  <m:ctrlPr>
+                                    <a:rPr lang="en-US" altLang="ja-JP" sz="3200" i="1" smtClean="0">
+                                      <a:latin typeface="Cambria Math" panose="02040503050406030204" pitchFamily="18" charset="0"/>
+                                    </a:rPr>
+                                  </m:ctrlPr>
+                                </m:sSubPr>
+                                <m:e>
+                                  <m:r>
+                                    <a:rPr lang="en-US" altLang="ja-JP" sz="3200" b="0" i="1" smtClean="0">
+                                      <a:latin typeface="Cambria Math" panose="02040503050406030204" pitchFamily="18" charset="0"/>
+                                    </a:rPr>
+                                    <m:t>𝑃</m:t>
+                                  </m:r>
+                                </m:e>
+                                <m:sub>
+                                  <m:sSub>
+                                    <m:sSubPr>
+                                      <m:ctrlPr>
+                                        <a:rPr lang="en-US" altLang="ja-JP" sz="3200" i="1" smtClean="0">
+                                          <a:latin typeface="Cambria Math" panose="02040503050406030204" pitchFamily="18" charset="0"/>
+                                        </a:rPr>
+                                      </m:ctrlPr>
+                                    </m:sSubPr>
+                                    <m:e>
+                                      <m:r>
+                                        <a:rPr lang="en-US" altLang="ja-JP" sz="3200" b="0" i="1" smtClean="0">
+                                          <a:latin typeface="Cambria Math" panose="02040503050406030204" pitchFamily="18" charset="0"/>
+                                        </a:rPr>
+                                        <m:t>𝑙𝑒𝑓𝑡</m:t>
+                                      </m:r>
+                                    </m:e>
+                                    <m:sub>
+                                      <m:r>
+                                        <a:rPr lang="en-US" altLang="ja-JP" sz="3200" b="0" i="1" smtClean="0">
+                                          <a:latin typeface="Cambria Math" panose="02040503050406030204" pitchFamily="18" charset="0"/>
+                                        </a:rPr>
+                                        <m:t>𝑛</m:t>
+                                      </m:r>
+                                    </m:sub>
+                                  </m:sSub>
+                                </m:sub>
+                              </m:sSub>
+                              <m:d>
+                                <m:dPr>
+                                  <m:ctrlPr>
+                                    <a:rPr lang="en-US" altLang="ja-JP" sz="3200" i="1">
+                                      <a:latin typeface="Cambria Math" panose="02040503050406030204" pitchFamily="18" charset="0"/>
+                                    </a:rPr>
+                                  </m:ctrlPr>
+                                </m:dPr>
+                                <m:e>
+                                  <m:r>
+                                    <a:rPr lang="en-US" altLang="ja-JP" sz="3200" i="1">
+                                      <a:latin typeface="Cambria Math" panose="02040503050406030204" pitchFamily="18" charset="0"/>
+                                    </a:rPr>
+                                    <m:t>𝑡</m:t>
+                                  </m:r>
+                                </m:e>
+                              </m:d>
+                            </m:e>
+                          </m:d>
+                        </m:e>
+                        <m:sub>
+                          <m:r>
+                            <a:rPr kumimoji="1" lang="en-US" altLang="ja-JP" sz="3200" b="0" i="1" smtClean="0">
+                              <a:latin typeface="Cambria Math" panose="02040503050406030204" pitchFamily="18" charset="0"/>
+                            </a:rPr>
+                            <m:t>𝑖𝑗</m:t>
+                          </m:r>
+                        </m:sub>
+                      </m:sSub>
+                    </m:oMath>
+                  </a14:m>
+                  <a:r>
+                    <a:rPr kumimoji="1" lang="en-US" altLang="ja-JP" sz="3200" i="1" dirty="0" smtClean="0">
+                      <a:latin typeface="Times New Roman" panose="02020603050405020304" pitchFamily="18" charset="0"/>
+                      <a:ea typeface="HGPｺﾞｼｯｸM" panose="020B0600000000000000" pitchFamily="50" charset="-128"/>
+                    </a:rPr>
+                    <a:t>=</a:t>
+                  </a:r>
+                  <a:endParaRPr kumimoji="1" lang="ja-JP" altLang="en-US" sz="3200" i="1" dirty="0">
+                    <a:latin typeface="Times New Roman" panose="02020603050405020304" pitchFamily="18" charset="0"/>
+                    <a:ea typeface="HGPｺﾞｼｯｸM" panose="020B0600000000000000" pitchFamily="50" charset="-128"/>
+                  </a:endParaRPr>
+                </a:p>
+              </p:txBody>
+            </p:sp>
+          </mc:Choice>
+          <mc:Fallback>
+            <p:sp>
+              <p:nvSpPr>
+                <p:cNvPr id="18" name="テキスト ボックス 17"/>
+                <p:cNvSpPr txBox="1">
+                  <a:spLocks noRot="1" noChangeAspect="1" noMove="1" noResize="1" noEditPoints="1" noAdjustHandles="1" noChangeArrowheads="1" noChangeShapeType="1" noTextEdit="1"/>
+                </p:cNvSpPr>
+                <p:nvPr/>
+              </p:nvSpPr>
+              <p:spPr>
+                <a:xfrm>
+                  <a:off x="1576831" y="2090638"/>
+                  <a:ext cx="3603368" cy="811188"/>
+                </a:xfrm>
+                <a:prstGeom prst="rect">
+                  <a:avLst/>
+                </a:prstGeom>
+                <a:blipFill>
+                  <a:blip r:embed="rId8"/>
+                  <a:stretch>
+                    <a:fillRect t="-6977" b="-2326"/>
+                  </a:stretch>
+                </a:blipFill>
+              </p:spPr>
+              <p:txBody>
+                <a:bodyPr/>
+                <a:lstStyle/>
+                <a:p>
+                  <a:r>
+                    <a:rPr lang="ja-JP" altLang="en-US">
+                      <a:noFill/>
+                    </a:rPr>
+                    <a:t> </a:t>
+                  </a:r>
+                </a:p>
+              </p:txBody>
+            </p:sp>
+          </mc:Fallback>
+        </mc:AlternateContent>
+        <p:sp>
+          <p:nvSpPr>
+            <p:cNvPr id="19" name="左中かっこ 18"/>
+            <p:cNvSpPr/>
+            <p:nvPr/>
+          </p:nvSpPr>
+          <p:spPr>
+            <a:xfrm>
+              <a:off x="4021281" y="1663040"/>
+              <a:ext cx="627529" cy="1499953"/>
+            </a:xfrm>
+            <a:prstGeom prst="leftBrace">
+              <a:avLst/>
+            </a:prstGeom>
+            <a:ln w="38100"/>
+          </p:spPr>
+          <p:style>
+            <a:lnRef idx="1">
+              <a:schemeClr val="dk1"/>
+            </a:lnRef>
+            <a:fillRef idx="0">
+              <a:schemeClr val="dk1"/>
+            </a:fillRef>
+            <a:effectRef idx="0">
+              <a:schemeClr val="dk1"/>
+            </a:effectRef>
+            <a:fontRef idx="minor">
+              <a:schemeClr val="tx1"/>
+            </a:fontRef>
+          </p:style>
+          <p:txBody>
+            <a:bodyPr rtlCol="0" anchor="ctr"/>
+            <a:lstStyle/>
+            <a:p>
+              <a:pPr algn="ctr"/>
+              <a:endParaRPr kumimoji="1" lang="ja-JP" altLang="en-US" i="1">
+                <a:latin typeface="Times New Roman" panose="02020603050405020304" pitchFamily="18" charset="0"/>
+                <a:ea typeface="HGPｺﾞｼｯｸM" panose="020B0600000000000000" pitchFamily="50" charset="-128"/>
+              </a:endParaRPr>
+            </a:p>
+          </p:txBody>
+        </p:sp>
+        <mc:AlternateContent xmlns:mc="http://schemas.openxmlformats.org/markup-compatibility/2006">
+          <mc:Choice xmlns:a14="http://schemas.microsoft.com/office/drawing/2010/main" Requires="a14">
+            <p:sp>
+              <p:nvSpPr>
+                <p:cNvPr id="20" name="テキスト ボックス 19"/>
+                <p:cNvSpPr txBox="1"/>
+                <p:nvPr/>
+              </p:nvSpPr>
+              <p:spPr>
+                <a:xfrm>
+                  <a:off x="4541400" y="1784035"/>
+                  <a:ext cx="5684779" cy="648447"/>
+                </a:xfrm>
+                <a:prstGeom prst="rect">
+                  <a:avLst/>
+                </a:prstGeom>
+                <a:noFill/>
+              </p:spPr>
+              <p:txBody>
+                <a:bodyPr wrap="square" rtlCol="0">
+                  <a:spAutoFit/>
+                </a:bodyPr>
+                <a:lstStyle/>
+                <a:p>
+                  <a:r>
+                    <a:rPr lang="en-US" altLang="ja-JP" sz="2800" i="1" dirty="0" smtClean="0">
+                      <a:latin typeface="Times New Roman" panose="02020603050405020304" pitchFamily="18" charset="0"/>
+                      <a:ea typeface="HGPｺﾞｼｯｸM" panose="020B0600000000000000" pitchFamily="50" charset="-128"/>
+                    </a:rPr>
+                    <a:t>1</a:t>
+                  </a:r>
+                  <a:r>
+                    <a:rPr lang="en-US" altLang="ja-JP" sz="2800" i="1" dirty="0" smtClean="0">
+                      <a:solidFill>
+                        <a:schemeClr val="tx1"/>
+                      </a:solidFill>
+                      <a:latin typeface="Times New Roman" panose="02020603050405020304" pitchFamily="18" charset="0"/>
+                      <a:ea typeface="HGPｺﾞｼｯｸM" panose="020B0600000000000000" pitchFamily="50" charset="-128"/>
+                    </a:rPr>
+                    <a:t> </a:t>
+                  </a:r>
+                  <a:r>
+                    <a:rPr kumimoji="1" lang="en-US" altLang="ja-JP" sz="2800" i="1" dirty="0" smtClean="0">
+                      <a:solidFill>
+                        <a:schemeClr val="tx1"/>
+                      </a:solidFill>
+                      <a:latin typeface="Times New Roman" panose="02020603050405020304" pitchFamily="18" charset="0"/>
+                      <a:ea typeface="HGPｺﾞｼｯｸM" panose="020B0600000000000000" pitchFamily="50" charset="-128"/>
+                    </a:rPr>
+                    <a:t>  if </a:t>
+                  </a:r>
+                  <a14:m>
+                    <m:oMath xmlns:m="http://schemas.openxmlformats.org/officeDocument/2006/math">
+                      <m:sSub>
+                        <m:sSubPr>
+                          <m:ctrlPr>
+                            <a:rPr kumimoji="1" lang="en-US" altLang="ja-JP" sz="2800" i="1" smtClean="0">
+                              <a:solidFill>
+                                <a:schemeClr val="tx1"/>
+                              </a:solidFill>
+                              <a:latin typeface="Cambria Math" panose="02040503050406030204" pitchFamily="18" charset="0"/>
+                            </a:rPr>
+                          </m:ctrlPr>
+                        </m:sSubPr>
+                        <m:e>
+                          <m:sSub>
+                            <m:sSubPr>
+                              <m:ctrlPr>
+                                <a:rPr lang="en-US" altLang="ja-JP" sz="2800" i="1" dirty="0" smtClean="0">
+                                  <a:solidFill>
+                                    <a:schemeClr val="tx1"/>
+                                  </a:solidFill>
+                                  <a:latin typeface="Cambria Math" panose="02040503050406030204" pitchFamily="18" charset="0"/>
+                                  <a:ea typeface="HGPｺﾞｼｯｸM" panose="020B0600000000000000" pitchFamily="50" charset="-128"/>
+                                </a:rPr>
+                              </m:ctrlPr>
+                            </m:sSubPr>
+                            <m:e>
+                              <m:r>
+                                <a:rPr lang="en-US" altLang="ja-JP" sz="2800" b="0" i="1" dirty="0" smtClean="0">
+                                  <a:solidFill>
+                                    <a:schemeClr val="tx1"/>
+                                  </a:solidFill>
+                                  <a:latin typeface="Cambria Math" panose="02040503050406030204" pitchFamily="18" charset="0"/>
+                                  <a:ea typeface="HGPｺﾞｼｯｸM" panose="020B0600000000000000" pitchFamily="50" charset="-128"/>
+                                </a:rPr>
+                                <m:t>𝑃</m:t>
+                              </m:r>
+                            </m:e>
+                            <m:sub>
+                              <m:r>
+                                <a:rPr lang="en-US" altLang="ja-JP" sz="2800" b="0" i="1" dirty="0" smtClean="0">
+                                  <a:solidFill>
+                                    <a:schemeClr val="tx1"/>
+                                  </a:solidFill>
+                                  <a:latin typeface="Cambria Math" panose="02040503050406030204" pitchFamily="18" charset="0"/>
+                                  <a:ea typeface="HGPｺﾞｼｯｸM" panose="020B0600000000000000" pitchFamily="50" charset="-128"/>
+                                </a:rPr>
+                                <m:t>𝑛</m:t>
+                              </m:r>
+                            </m:sub>
+                          </m:sSub>
+                          <m:r>
+                            <m:rPr>
+                              <m:nor/>
+                            </m:rPr>
+                            <a:rPr lang="en-US" altLang="ja-JP" sz="2800" i="1" dirty="0">
+                              <a:solidFill>
+                                <a:schemeClr val="tx1"/>
+                              </a:solidFill>
+                              <a:latin typeface="Times New Roman" panose="02020603050405020304" pitchFamily="18" charset="0"/>
+                              <a:ea typeface="HGPｺﾞｼｯｸM" panose="020B0600000000000000" pitchFamily="50" charset="-128"/>
+                            </a:rPr>
+                            <m:t>(</m:t>
+                          </m:r>
+                          <m:r>
+                            <m:rPr>
+                              <m:nor/>
+                            </m:rPr>
+                            <a:rPr lang="en-US" altLang="ja-JP" sz="2800" i="1" dirty="0">
+                              <a:solidFill>
+                                <a:schemeClr val="tx1"/>
+                              </a:solidFill>
+                              <a:latin typeface="Times New Roman" panose="02020603050405020304" pitchFamily="18" charset="0"/>
+                              <a:ea typeface="HGPｺﾞｼｯｸM" panose="020B0600000000000000" pitchFamily="50" charset="-128"/>
+                            </a:rPr>
+                            <m:t>t</m:t>
+                          </m:r>
+                          <m:r>
+                            <m:rPr>
+                              <m:nor/>
+                            </m:rPr>
+                            <a:rPr lang="en-US" altLang="ja-JP" sz="2800" i="1" dirty="0">
+                              <a:solidFill>
+                                <a:schemeClr val="tx1"/>
+                              </a:solidFill>
+                              <a:latin typeface="Times New Roman" panose="02020603050405020304" pitchFamily="18" charset="0"/>
+                              <a:ea typeface="HGPｺﾞｼｯｸM" panose="020B0600000000000000" pitchFamily="50" charset="-128"/>
+                            </a:rPr>
+                            <m:t>)</m:t>
+                          </m:r>
+                        </m:e>
+                        <m:sub>
+                          <m:r>
+                            <m:rPr>
+                              <m:nor/>
+                            </m:rPr>
+                            <a:rPr lang="en-US" altLang="ja-JP" sz="2800" i="1" dirty="0">
+                              <a:solidFill>
+                                <a:schemeClr val="tx1"/>
+                              </a:solidFill>
+                              <a:latin typeface="Times New Roman" panose="02020603050405020304" pitchFamily="18" charset="0"/>
+                              <a:ea typeface="HGPｺﾞｼｯｸM" panose="020B0600000000000000" pitchFamily="50" charset="-128"/>
+                            </a:rPr>
+                            <m:t>ij</m:t>
+                          </m:r>
+                        </m:sub>
+                      </m:sSub>
+                      <m:r>
+                        <a:rPr lang="en-US" altLang="ja-JP" sz="2800" i="1" dirty="0" smtClean="0">
+                          <a:solidFill>
+                            <a:schemeClr val="tx1"/>
+                          </a:solidFill>
+                          <a:latin typeface="Cambria Math" panose="02040503050406030204" pitchFamily="18" charset="0"/>
+                          <a:ea typeface="Cambria Math" panose="02040503050406030204" pitchFamily="18" charset="0"/>
+                        </a:rPr>
+                        <m:t>∙</m:t>
+                      </m:r>
+                    </m:oMath>
+                  </a14:m>
+                  <a:r>
+                    <a:rPr kumimoji="1" lang="en-US" altLang="ja-JP" sz="2800" i="1" dirty="0" smtClean="0">
+                      <a:solidFill>
+                        <a:schemeClr val="tx1"/>
+                      </a:solidFill>
+                      <a:latin typeface="Times New Roman" panose="02020603050405020304" pitchFamily="18" charset="0"/>
+                      <a:ea typeface="HGPｺﾞｼｯｸM" panose="020B0600000000000000" pitchFamily="50" charset="-128"/>
+                    </a:rPr>
+                    <a:t> </a:t>
+                  </a:r>
+                  <a14:m>
+                    <m:oMath xmlns:m="http://schemas.openxmlformats.org/officeDocument/2006/math">
+                      <m:sSub>
+                        <m:sSubPr>
+                          <m:ctrlPr>
+                            <a:rPr kumimoji="1" lang="en-US" altLang="ja-JP" sz="2800" i="1" smtClean="0">
+                              <a:solidFill>
+                                <a:schemeClr val="tx1"/>
+                              </a:solidFill>
+                              <a:latin typeface="Cambria Math" panose="02040503050406030204" pitchFamily="18" charset="0"/>
+                            </a:rPr>
+                          </m:ctrlPr>
+                        </m:sSubPr>
+                        <m:e>
+                          <m:sSub>
+                            <m:sSubPr>
+                              <m:ctrlPr>
+                                <a:rPr kumimoji="1" lang="en-US" altLang="ja-JP" sz="2800" i="1" smtClean="0">
+                                  <a:solidFill>
+                                    <a:schemeClr val="tx1"/>
+                                  </a:solidFill>
+                                  <a:latin typeface="Cambria Math" panose="02040503050406030204" pitchFamily="18" charset="0"/>
+                                </a:rPr>
+                              </m:ctrlPr>
+                            </m:sSubPr>
+                            <m:e>
+                              <m:r>
+                                <a:rPr kumimoji="1" lang="en-US" altLang="ja-JP" sz="2800" b="0" i="1" smtClean="0">
+                                  <a:solidFill>
+                                    <a:schemeClr val="tx1"/>
+                                  </a:solidFill>
+                                  <a:latin typeface="Cambria Math" panose="02040503050406030204" pitchFamily="18" charset="0"/>
+                                </a:rPr>
+                                <m:t>𝑃</m:t>
+                              </m:r>
+                            </m:e>
+                            <m:sub>
+                              <m:r>
+                                <a:rPr kumimoji="1" lang="en-US" altLang="ja-JP" sz="2800" b="0" i="1" smtClean="0">
+                                  <a:solidFill>
+                                    <a:schemeClr val="tx1"/>
+                                  </a:solidFill>
+                                  <a:latin typeface="Cambria Math" panose="02040503050406030204" pitchFamily="18" charset="0"/>
+                                </a:rPr>
+                                <m:t>𝑛</m:t>
+                              </m:r>
+                            </m:sub>
+                          </m:sSub>
+                          <m:r>
+                            <m:rPr>
+                              <m:nor/>
+                            </m:rPr>
+                            <a:rPr lang="en-US" altLang="ja-JP" sz="2800" i="1" dirty="0">
+                              <a:solidFill>
+                                <a:schemeClr val="tx1"/>
+                              </a:solidFill>
+                              <a:latin typeface="Times New Roman" panose="02020603050405020304" pitchFamily="18" charset="0"/>
+                              <a:ea typeface="HGPｺﾞｼｯｸM" panose="020B0600000000000000" pitchFamily="50" charset="-128"/>
+                            </a:rPr>
+                            <m:t>(</m:t>
+                          </m:r>
+                          <m:r>
+                            <m:rPr>
+                              <m:nor/>
+                            </m:rPr>
+                            <a:rPr lang="en-US" altLang="ja-JP" sz="2800" i="1" dirty="0">
+                              <a:solidFill>
+                                <a:schemeClr val="tx1"/>
+                              </a:solidFill>
+                              <a:latin typeface="Times New Roman" panose="02020603050405020304" pitchFamily="18" charset="0"/>
+                              <a:ea typeface="HGPｺﾞｼｯｸM" panose="020B0600000000000000" pitchFamily="50" charset="-128"/>
+                            </a:rPr>
+                            <m:t>t</m:t>
+                          </m:r>
+                          <m:r>
+                            <m:rPr>
+                              <m:nor/>
+                            </m:rPr>
+                            <a:rPr lang="en-US" altLang="ja-JP" sz="2800" i="1" dirty="0">
+                              <a:solidFill>
+                                <a:schemeClr val="tx1"/>
+                              </a:solidFill>
+                              <a:latin typeface="Times New Roman" panose="02020603050405020304" pitchFamily="18" charset="0"/>
+                              <a:ea typeface="HGPｺﾞｼｯｸM" panose="020B0600000000000000" pitchFamily="50" charset="-128"/>
+                            </a:rPr>
+                            <m:t>−1)</m:t>
+                          </m:r>
+                        </m:e>
+                        <m:sub>
+                          <m:r>
+                            <m:rPr>
+                              <m:nor/>
+                            </m:rPr>
+                            <a:rPr lang="en-US" altLang="ja-JP" sz="2800" i="1" dirty="0">
+                              <a:solidFill>
+                                <a:schemeClr val="tx1"/>
+                              </a:solidFill>
+                              <a:latin typeface="Times New Roman" panose="02020603050405020304" pitchFamily="18" charset="0"/>
+                              <a:ea typeface="HGPｺﾞｼｯｸM" panose="020B0600000000000000" pitchFamily="50" charset="-128"/>
+                            </a:rPr>
+                            <m:t>i</m:t>
+                          </m:r>
+                          <m:r>
+                            <m:rPr>
+                              <m:nor/>
+                            </m:rPr>
+                            <a:rPr lang="en-US" altLang="ja-JP" sz="2800" b="0" i="1" dirty="0" smtClean="0">
+                              <a:solidFill>
+                                <a:schemeClr val="tx1"/>
+                              </a:solidFill>
+                              <a:latin typeface="Times New Roman" panose="02020603050405020304" pitchFamily="18" charset="0"/>
+                              <a:ea typeface="HGPｺﾞｼｯｸM" panose="020B0600000000000000" pitchFamily="50" charset="-128"/>
+                            </a:rPr>
+                            <m:t>(</m:t>
+                          </m:r>
+                          <m:r>
+                            <m:rPr>
+                              <m:nor/>
+                            </m:rPr>
+                            <a:rPr lang="en-US" altLang="ja-JP" sz="2800" i="1" dirty="0">
+                              <a:solidFill>
+                                <a:schemeClr val="tx1"/>
+                              </a:solidFill>
+                              <a:latin typeface="Times New Roman" panose="02020603050405020304" pitchFamily="18" charset="0"/>
+                              <a:ea typeface="HGPｺﾞｼｯｸM" panose="020B0600000000000000" pitchFamily="50" charset="-128"/>
+                            </a:rPr>
+                            <m:t>j</m:t>
+                          </m:r>
+                          <m:r>
+                            <m:rPr>
+                              <m:nor/>
+                            </m:rPr>
+                            <a:rPr lang="en-US" altLang="ja-JP" sz="2800" b="0" i="1" dirty="0" smtClean="0">
+                              <a:solidFill>
+                                <a:schemeClr val="tx1"/>
+                              </a:solidFill>
+                              <a:latin typeface="Times New Roman" panose="02020603050405020304" pitchFamily="18" charset="0"/>
+                              <a:ea typeface="HGPｺﾞｼｯｸM" panose="020B0600000000000000" pitchFamily="50" charset="-128"/>
+                            </a:rPr>
+                            <m:t>+1)</m:t>
+                          </m:r>
+                        </m:sub>
+                      </m:sSub>
+                    </m:oMath>
+                  </a14:m>
+                  <a:r>
+                    <a:rPr kumimoji="1" lang="en-US" altLang="ja-JP" sz="2800" i="1" dirty="0" smtClean="0">
+                      <a:solidFill>
+                        <a:schemeClr val="tx1"/>
+                      </a:solidFill>
+                      <a:latin typeface="Times New Roman" panose="02020603050405020304" pitchFamily="18" charset="0"/>
+                      <a:ea typeface="HGPｺﾞｼｯｸM" panose="020B0600000000000000" pitchFamily="50" charset="-128"/>
+                    </a:rPr>
+                    <a:t> </a:t>
+                  </a:r>
+                  <a:r>
+                    <a:rPr kumimoji="1" lang="ja-JP" altLang="en-US" sz="2800" i="1" dirty="0" smtClean="0">
+                      <a:solidFill>
+                        <a:schemeClr val="tx1"/>
+                      </a:solidFill>
+                      <a:latin typeface="Times New Roman" panose="02020603050405020304" pitchFamily="18" charset="0"/>
+                      <a:ea typeface="HGPｺﾞｼｯｸM" panose="020B0600000000000000" pitchFamily="50" charset="-128"/>
+                    </a:rPr>
+                    <a:t>≠</a:t>
+                  </a:r>
+                  <a:r>
+                    <a:rPr kumimoji="1" lang="en-US" altLang="ja-JP" sz="2800" i="1" dirty="0" smtClean="0">
+                      <a:solidFill>
+                        <a:schemeClr val="tx1"/>
+                      </a:solidFill>
+                      <a:latin typeface="Times New Roman" panose="02020603050405020304" pitchFamily="18" charset="0"/>
+                      <a:ea typeface="HGPｺﾞｼｯｸM" panose="020B0600000000000000" pitchFamily="50" charset="-128"/>
+                    </a:rPr>
+                    <a:t> 0</a:t>
+                  </a:r>
+                  <a:endParaRPr kumimoji="1" lang="en-US" altLang="ja-JP" sz="2800" b="0" i="1" dirty="0" smtClean="0">
+                    <a:solidFill>
+                      <a:schemeClr val="tx1"/>
+                    </a:solidFill>
+                    <a:latin typeface="Times New Roman" panose="02020603050405020304" pitchFamily="18" charset="0"/>
+                    <a:ea typeface="HGPｺﾞｼｯｸM" panose="020B0600000000000000" pitchFamily="50" charset="-128"/>
+                  </a:endParaRPr>
+                </a:p>
+              </p:txBody>
+            </p:sp>
+          </mc:Choice>
+          <mc:Fallback>
+            <p:sp>
+              <p:nvSpPr>
+                <p:cNvPr id="20" name="テキスト ボックス 19"/>
+                <p:cNvSpPr txBox="1">
+                  <a:spLocks noRot="1" noChangeAspect="1" noMove="1" noResize="1" noEditPoints="1" noAdjustHandles="1" noChangeArrowheads="1" noChangeShapeType="1" noTextEdit="1"/>
+                </p:cNvSpPr>
+                <p:nvPr/>
+              </p:nvSpPr>
+              <p:spPr>
+                <a:xfrm>
+                  <a:off x="4541400" y="1784035"/>
+                  <a:ext cx="5684779" cy="648447"/>
+                </a:xfrm>
+                <a:prstGeom prst="rect">
+                  <a:avLst/>
+                </a:prstGeom>
+                <a:blipFill>
+                  <a:blip r:embed="rId9"/>
+                  <a:stretch>
+                    <a:fillRect l="-2144" t="-9709" b="-9709"/>
+                  </a:stretch>
+                </a:blipFill>
+              </p:spPr>
+              <p:txBody>
+                <a:bodyPr/>
+                <a:lstStyle/>
+                <a:p>
+                  <a:r>
+                    <a:rPr lang="ja-JP" altLang="en-US">
+                      <a:noFill/>
+                    </a:rPr>
+                    <a:t> </a:t>
+                  </a:r>
+                </a:p>
+              </p:txBody>
+            </p:sp>
+          </mc:Fallback>
+        </mc:AlternateContent>
+        <p:sp>
+          <p:nvSpPr>
+            <p:cNvPr id="21" name="テキスト ボックス 20"/>
+            <p:cNvSpPr txBox="1"/>
+            <p:nvPr/>
+          </p:nvSpPr>
+          <p:spPr>
+            <a:xfrm>
+              <a:off x="4541400" y="2536127"/>
+              <a:ext cx="4392706" cy="523220"/>
+            </a:xfrm>
+            <a:prstGeom prst="rect">
+              <a:avLst/>
+            </a:prstGeom>
+            <a:noFill/>
+          </p:spPr>
+          <p:txBody>
+            <a:bodyPr wrap="square" rtlCol="0">
+              <a:spAutoFit/>
+            </a:bodyPr>
+            <a:lstStyle/>
+            <a:p>
+              <a:r>
+                <a:rPr lang="en-US" altLang="ja-JP" sz="2800" i="1" dirty="0">
+                  <a:latin typeface="Times New Roman" panose="02020603050405020304" pitchFamily="18" charset="0"/>
+                  <a:ea typeface="HGPｺﾞｼｯｸM" panose="020B0600000000000000" pitchFamily="50" charset="-128"/>
+                </a:rPr>
+                <a:t>0</a:t>
+              </a:r>
+              <a:r>
+                <a:rPr lang="en-US" altLang="ja-JP" sz="2800" i="1" dirty="0" smtClean="0">
+                  <a:latin typeface="Times New Roman" panose="02020603050405020304" pitchFamily="18" charset="0"/>
+                  <a:ea typeface="HGPｺﾞｼｯｸM" panose="020B0600000000000000" pitchFamily="50" charset="-128"/>
+                </a:rPr>
+                <a:t> </a:t>
+              </a:r>
+              <a:r>
+                <a:rPr kumimoji="1" lang="en-US" altLang="ja-JP" sz="2800" i="1" dirty="0" smtClean="0">
+                  <a:latin typeface="Times New Roman" panose="02020603050405020304" pitchFamily="18" charset="0"/>
+                  <a:ea typeface="HGPｺﾞｼｯｸM" panose="020B0600000000000000" pitchFamily="50" charset="-128"/>
+                </a:rPr>
+                <a:t>  otherwise</a:t>
+              </a:r>
+              <a:endParaRPr kumimoji="1" lang="en-US" altLang="ja-JP" sz="2800" b="0" i="1" dirty="0" smtClean="0">
+                <a:latin typeface="Times New Roman" panose="02020603050405020304" pitchFamily="18" charset="0"/>
+                <a:ea typeface="HGPｺﾞｼｯｸM" panose="020B0600000000000000" pitchFamily="50" charset="-128"/>
+              </a:endParaRPr>
+            </a:p>
+          </p:txBody>
+        </p:sp>
+      </p:grpSp>
+    </p:spTree>
+    <p:extLst>
+      <p:ext uri="{BB962C8B-B14F-4D97-AF65-F5344CB8AC3E}">
+        <p14:creationId xmlns:p14="http://schemas.microsoft.com/office/powerpoint/2010/main" val="2268318749"/>
+      </p:ext>
+    </p:extLst>
+  </p:cSld>
+  <p:clrMapOvr>
+    <a:masterClrMapping/>
+  </p:clrMapOvr>
+</p:sld>
+</file>
+
+<file path=ppt/slides/slide14.xml><?xml version="1.0" encoding="utf-8"?>
+<p:sld xmlns:a="http://schemas.openxmlformats.org/drawingml/2006/main" xmlns:r="http://schemas.openxmlformats.org/officeDocument/2006/relationships" xmlns:p="http://schemas.openxmlformats.org/presentationml/2006/main">
+  <p:cSld>
+    <p:spTree>
+      <p:nvGrpSpPr>
+        <p:cNvPr id="1" name=""/>
+        <p:cNvGrpSpPr/>
+        <p:nvPr/>
+      </p:nvGrpSpPr>
+      <p:grpSpPr>
+        <a:xfrm>
+          <a:off x="0" y="0"/>
+          <a:ext cx="0" cy="0"/>
+          <a:chOff x="0" y="0"/>
+          <a:chExt cx="0" cy="0"/>
+        </a:xfrm>
+      </p:grpSpPr>
       <p:sp>
         <p:nvSpPr>
           <p:cNvPr id="7" name="タイトル 6"/>
@@ -12972,7 +15797,7 @@
 </p:sld>
 </file>
 
-<file path=ppt/slides/slide14.xml><?xml version="1.0" encoding="utf-8"?>
+<file path=ppt/slides/slide15.xml><?xml version="1.0" encoding="utf-8"?>
 <p:sld xmlns:a="http://schemas.openxmlformats.org/drawingml/2006/main" xmlns:r="http://schemas.openxmlformats.org/officeDocument/2006/relationships" xmlns:p="http://schemas.openxmlformats.org/presentationml/2006/main">
   <p:cSld>
     <p:spTree>
@@ -15725,7 +18550,7 @@
 </p:sld>
 </file>
 
-<file path=ppt/slides/slide15.xml><?xml version="1.0" encoding="utf-8"?>
+<file path=ppt/slides/slide16.xml><?xml version="1.0" encoding="utf-8"?>
 <p:sld xmlns:a="http://schemas.openxmlformats.org/drawingml/2006/main" xmlns:r="http://schemas.openxmlformats.org/officeDocument/2006/relationships" xmlns:p="http://schemas.openxmlformats.org/presentationml/2006/main">
   <p:cSld>
     <p:spTree>
@@ -23632,49 +26457,49 @@
                 <a:gridCol w="720000">
                   <a:extLst>
                     <a:ext uri="{9D8B030D-6E8A-4147-A177-3AD203B41FA5}">
-                      <a16:colId xmlns:a16="http://schemas.microsoft.com/office/drawing/2014/main" xmlns="" val="2385125368"/>
+                      <a16:colId xmlns:a16="http://schemas.microsoft.com/office/drawing/2014/main" val="2385125368"/>
                     </a:ext>
                   </a:extLst>
                 </a:gridCol>
                 <a:gridCol w="720000">
                   <a:extLst>
                     <a:ext uri="{9D8B030D-6E8A-4147-A177-3AD203B41FA5}">
-                      <a16:colId xmlns:a16="http://schemas.microsoft.com/office/drawing/2014/main" xmlns="" val="2599857777"/>
+                      <a16:colId xmlns:a16="http://schemas.microsoft.com/office/drawing/2014/main" val="2599857777"/>
                     </a:ext>
                   </a:extLst>
                 </a:gridCol>
                 <a:gridCol w="720000">
                   <a:extLst>
                     <a:ext uri="{9D8B030D-6E8A-4147-A177-3AD203B41FA5}">
-                      <a16:colId xmlns:a16="http://schemas.microsoft.com/office/drawing/2014/main" xmlns="" val="4293876959"/>
+                      <a16:colId xmlns:a16="http://schemas.microsoft.com/office/drawing/2014/main" val="4293876959"/>
                     </a:ext>
                   </a:extLst>
                 </a:gridCol>
                 <a:gridCol w="720000">
                   <a:extLst>
                     <a:ext uri="{9D8B030D-6E8A-4147-A177-3AD203B41FA5}">
-                      <a16:colId xmlns:a16="http://schemas.microsoft.com/office/drawing/2014/main" xmlns="" val="185903597"/>
+                      <a16:colId xmlns:a16="http://schemas.microsoft.com/office/drawing/2014/main" val="185903597"/>
                     </a:ext>
                   </a:extLst>
                 </a:gridCol>
                 <a:gridCol w="720000">
                   <a:extLst>
                     <a:ext uri="{9D8B030D-6E8A-4147-A177-3AD203B41FA5}">
-                      <a16:colId xmlns:a16="http://schemas.microsoft.com/office/drawing/2014/main" xmlns="" val="967980824"/>
+                      <a16:colId xmlns:a16="http://schemas.microsoft.com/office/drawing/2014/main" val="967980824"/>
                     </a:ext>
                   </a:extLst>
                 </a:gridCol>
                 <a:gridCol w="720000">
                   <a:extLst>
                     <a:ext uri="{9D8B030D-6E8A-4147-A177-3AD203B41FA5}">
-                      <a16:colId xmlns:a16="http://schemas.microsoft.com/office/drawing/2014/main" xmlns="" val="3107065488"/>
+                      <a16:colId xmlns:a16="http://schemas.microsoft.com/office/drawing/2014/main" val="3107065488"/>
                     </a:ext>
                   </a:extLst>
                 </a:gridCol>
                 <a:gridCol w="720000">
                   <a:extLst>
                     <a:ext uri="{9D8B030D-6E8A-4147-A177-3AD203B41FA5}">
-                      <a16:colId xmlns:a16="http://schemas.microsoft.com/office/drawing/2014/main" xmlns="" val="1277420439"/>
+                      <a16:colId xmlns:a16="http://schemas.microsoft.com/office/drawing/2014/main" val="1277420439"/>
                     </a:ext>
                   </a:extLst>
                 </a:gridCol>
@@ -24200,7 +27025,7 @@
                 </a:tc>
                 <a:extLst>
                   <a:ext uri="{0D108BD9-81ED-4DB2-BD59-A6C34878D82A}">
-                    <a16:rowId xmlns:a16="http://schemas.microsoft.com/office/drawing/2014/main" xmlns="" val="584487917"/>
+                    <a16:rowId xmlns:a16="http://schemas.microsoft.com/office/drawing/2014/main" val="584487917"/>
                   </a:ext>
                 </a:extLst>
               </a:tr>
@@ -24725,7 +27550,7 @@
                 </a:tc>
                 <a:extLst>
                   <a:ext uri="{0D108BD9-81ED-4DB2-BD59-A6C34878D82A}">
-                    <a16:rowId xmlns:a16="http://schemas.microsoft.com/office/drawing/2014/main" xmlns="" val="1863994553"/>
+                    <a16:rowId xmlns:a16="http://schemas.microsoft.com/office/drawing/2014/main" val="1863994553"/>
                   </a:ext>
                 </a:extLst>
               </a:tr>
@@ -25228,7 +28053,7 @@
                 </a:tc>
                 <a:extLst>
                   <a:ext uri="{0D108BD9-81ED-4DB2-BD59-A6C34878D82A}">
-                    <a16:rowId xmlns:a16="http://schemas.microsoft.com/office/drawing/2014/main" xmlns="" val="2813642046"/>
+                    <a16:rowId xmlns:a16="http://schemas.microsoft.com/office/drawing/2014/main" val="2813642046"/>
                   </a:ext>
                 </a:extLst>
               </a:tr>
@@ -25720,7 +28545,7 @@
                 </a:tc>
                 <a:extLst>
                   <a:ext uri="{0D108BD9-81ED-4DB2-BD59-A6C34878D82A}">
-                    <a16:rowId xmlns:a16="http://schemas.microsoft.com/office/drawing/2014/main" xmlns="" val="2056728271"/>
+                    <a16:rowId xmlns:a16="http://schemas.microsoft.com/office/drawing/2014/main" val="2056728271"/>
                   </a:ext>
                 </a:extLst>
               </a:tr>
@@ -26234,7 +29059,7 @@
                 </a:tc>
                 <a:extLst>
                   <a:ext uri="{0D108BD9-81ED-4DB2-BD59-A6C34878D82A}">
-                    <a16:rowId xmlns:a16="http://schemas.microsoft.com/office/drawing/2014/main" xmlns="" val="2613689561"/>
+                    <a16:rowId xmlns:a16="http://schemas.microsoft.com/office/drawing/2014/main" val="2613689561"/>
                   </a:ext>
                 </a:extLst>
               </a:tr>
@@ -26759,7 +29584,7 @@
                 </a:tc>
                 <a:extLst>
                   <a:ext uri="{0D108BD9-81ED-4DB2-BD59-A6C34878D82A}">
-                    <a16:rowId xmlns:a16="http://schemas.microsoft.com/office/drawing/2014/main" xmlns="" val="1320574715"/>
+                    <a16:rowId xmlns:a16="http://schemas.microsoft.com/office/drawing/2014/main" val="1320574715"/>
                   </a:ext>
                 </a:extLst>
               </a:tr>
@@ -26887,49 +29712,49 @@
                     <a:gridCol w="720000">
                       <a:extLst>
                         <a:ext uri="{9D8B030D-6E8A-4147-A177-3AD203B41FA5}">
-                          <a16:colId xmlns:a16="http://schemas.microsoft.com/office/drawing/2014/main" xmlns="" val="849826274"/>
+                          <a16:colId xmlns:a16="http://schemas.microsoft.com/office/drawing/2014/main" val="849826274"/>
                         </a:ext>
                       </a:extLst>
                     </a:gridCol>
                     <a:gridCol w="720000">
                       <a:extLst>
                         <a:ext uri="{9D8B030D-6E8A-4147-A177-3AD203B41FA5}">
-                          <a16:colId xmlns:a16="http://schemas.microsoft.com/office/drawing/2014/main" xmlns="" val="3122597115"/>
+                          <a16:colId xmlns:a16="http://schemas.microsoft.com/office/drawing/2014/main" val="3122597115"/>
                         </a:ext>
                       </a:extLst>
                     </a:gridCol>
                     <a:gridCol w="720000">
                       <a:extLst>
                         <a:ext uri="{9D8B030D-6E8A-4147-A177-3AD203B41FA5}">
-                          <a16:colId xmlns:a16="http://schemas.microsoft.com/office/drawing/2014/main" xmlns="" val="2119792792"/>
+                          <a16:colId xmlns:a16="http://schemas.microsoft.com/office/drawing/2014/main" val="2119792792"/>
                         </a:ext>
                       </a:extLst>
                     </a:gridCol>
                     <a:gridCol w="720000">
                       <a:extLst>
                         <a:ext uri="{9D8B030D-6E8A-4147-A177-3AD203B41FA5}">
-                          <a16:colId xmlns:a16="http://schemas.microsoft.com/office/drawing/2014/main" xmlns="" val="3054159046"/>
+                          <a16:colId xmlns:a16="http://schemas.microsoft.com/office/drawing/2014/main" val="3054159046"/>
                         </a:ext>
                       </a:extLst>
                     </a:gridCol>
                     <a:gridCol w="720000">
                       <a:extLst>
                         <a:ext uri="{9D8B030D-6E8A-4147-A177-3AD203B41FA5}">
-                          <a16:colId xmlns:a16="http://schemas.microsoft.com/office/drawing/2014/main" xmlns="" val="1335098707"/>
+                          <a16:colId xmlns:a16="http://schemas.microsoft.com/office/drawing/2014/main" val="1335098707"/>
                         </a:ext>
                       </a:extLst>
                     </a:gridCol>
                     <a:gridCol w="720000">
                       <a:extLst>
                         <a:ext uri="{9D8B030D-6E8A-4147-A177-3AD203B41FA5}">
-                          <a16:colId xmlns:a16="http://schemas.microsoft.com/office/drawing/2014/main" xmlns="" val="2189793948"/>
+                          <a16:colId xmlns:a16="http://schemas.microsoft.com/office/drawing/2014/main" val="2189793948"/>
                         </a:ext>
                       </a:extLst>
                     </a:gridCol>
                     <a:gridCol w="720000">
                       <a:extLst>
                         <a:ext uri="{9D8B030D-6E8A-4147-A177-3AD203B41FA5}">
-                          <a16:colId xmlns:a16="http://schemas.microsoft.com/office/drawing/2014/main" xmlns="" val="4073850615"/>
+                          <a16:colId xmlns:a16="http://schemas.microsoft.com/office/drawing/2014/main" val="4073850615"/>
                         </a:ext>
                       </a:extLst>
                     </a:gridCol>
@@ -28014,7 +30839,7 @@
                     </a:tc>
                     <a:extLst>
                       <a:ext uri="{0D108BD9-81ED-4DB2-BD59-A6C34878D82A}">
-                        <a16:rowId xmlns:a16="http://schemas.microsoft.com/office/drawing/2014/main" xmlns="" val="2282192497"/>
+                        <a16:rowId xmlns:a16="http://schemas.microsoft.com/office/drawing/2014/main" val="2282192497"/>
                       </a:ext>
                     </a:extLst>
                   </a:tr>
@@ -29197,7 +32022,7 @@
                     </a:tc>
                     <a:extLst>
                       <a:ext uri="{0D108BD9-81ED-4DB2-BD59-A6C34878D82A}">
-                        <a16:rowId xmlns:a16="http://schemas.microsoft.com/office/drawing/2014/main" xmlns="" val="285879134"/>
+                        <a16:rowId xmlns:a16="http://schemas.microsoft.com/office/drawing/2014/main" val="285879134"/>
                       </a:ext>
                     </a:extLst>
                   </a:tr>
@@ -29825,7 +32650,7 @@
                     </a:tc>
                     <a:extLst>
                       <a:ext uri="{0D108BD9-81ED-4DB2-BD59-A6C34878D82A}">
-                        <a16:rowId xmlns:a16="http://schemas.microsoft.com/office/drawing/2014/main" xmlns="" val="1414773290"/>
+                        <a16:rowId xmlns:a16="http://schemas.microsoft.com/office/drawing/2014/main" val="1414773290"/>
                       </a:ext>
                     </a:extLst>
                   </a:tr>
@@ -30453,7 +33278,7 @@
                     </a:tc>
                     <a:extLst>
                       <a:ext uri="{0D108BD9-81ED-4DB2-BD59-A6C34878D82A}">
-                        <a16:rowId xmlns:a16="http://schemas.microsoft.com/office/drawing/2014/main" xmlns="" val="3029169098"/>
+                        <a16:rowId xmlns:a16="http://schemas.microsoft.com/office/drawing/2014/main" val="3029169098"/>
                       </a:ext>
                     </a:extLst>
                   </a:tr>
@@ -31081,7 +33906,7 @@
                     </a:tc>
                     <a:extLst>
                       <a:ext uri="{0D108BD9-81ED-4DB2-BD59-A6C34878D82A}">
-                        <a16:rowId xmlns:a16="http://schemas.microsoft.com/office/drawing/2014/main" xmlns="" val="1551467127"/>
+                        <a16:rowId xmlns:a16="http://schemas.microsoft.com/office/drawing/2014/main" val="1551467127"/>
                       </a:ext>
                     </a:extLst>
                   </a:tr>
@@ -31709,7 +34534,7 @@
                     </a:tc>
                     <a:extLst>
                       <a:ext uri="{0D108BD9-81ED-4DB2-BD59-A6C34878D82A}">
-                        <a16:rowId xmlns:a16="http://schemas.microsoft.com/office/drawing/2014/main" xmlns="" val="1957575383"/>
+                        <a16:rowId xmlns:a16="http://schemas.microsoft.com/office/drawing/2014/main" val="1957575383"/>
                       </a:ext>
                     </a:extLst>
                   </a:tr>

--- a/LplcSimulator/LplcSimulator/卒論/数理モデルv5.pptx
+++ b/LplcSimulator/LplcSimulator/卒論/数理モデルv5.pptx
@@ -17522,8 +17522,8 @@
           </p:txBody>
         </p:sp>
       </p:grpSp>
-      <mc:AlternateContent xmlns:mc="http://schemas.openxmlformats.org/markup-compatibility/2006" xmlns:a14="http://schemas.microsoft.com/office/drawing/2010/main">
-        <mc:Choice Requires="a14">
+      <mc:AlternateContent xmlns:mc="http://schemas.openxmlformats.org/markup-compatibility/2006">
+        <mc:Choice xmlns:a14="http://schemas.microsoft.com/office/drawing/2010/main" Requires="a14">
           <p:sp>
             <p:nvSpPr>
               <p:cNvPr id="22" name="テキスト ボックス 21"/>
@@ -17532,8 +17532,8 @@
             </p:nvSpPr>
             <p:spPr>
               <a:xfrm>
-                <a:off x="2056190" y="1728080"/>
-                <a:ext cx="5839455" cy="694934"/>
+                <a:off x="684170" y="1595508"/>
+                <a:ext cx="4476227" cy="694934"/>
               </a:xfrm>
               <a:prstGeom prst="rect">
                 <a:avLst/>
@@ -18036,7 +18036,7 @@
             </p:txBody>
           </p:sp>
         </mc:Choice>
-        <mc:Fallback xmlns="">
+        <mc:Fallback>
           <p:sp>
             <p:nvSpPr>
               <p:cNvPr id="22" name="テキスト ボックス 21"/>
@@ -18047,8 +18047,8 @@
             </p:nvSpPr>
             <p:spPr>
               <a:xfrm>
-                <a:off x="2056190" y="1728080"/>
-                <a:ext cx="5839455" cy="694934"/>
+                <a:off x="684170" y="1595508"/>
+                <a:ext cx="4476227" cy="694934"/>
               </a:xfrm>
               <a:prstGeom prst="rect">
                 <a:avLst/>
@@ -18510,6 +18510,447 @@
               </a:prstGeom>
               <a:blipFill>
                 <a:blip r:embed="rId8"/>
+                <a:stretch>
+                  <a:fillRect/>
+                </a:stretch>
+              </a:blipFill>
+            </p:spPr>
+            <p:txBody>
+              <a:bodyPr/>
+              <a:lstStyle/>
+              <a:p>
+                <a:r>
+                  <a:rPr lang="ja-JP" altLang="en-US">
+                    <a:noFill/>
+                  </a:rPr>
+                  <a:t> </a:t>
+                </a:r>
+              </a:p>
+            </p:txBody>
+          </p:sp>
+        </mc:Fallback>
+      </mc:AlternateContent>
+      <mc:AlternateContent xmlns:mc="http://schemas.openxmlformats.org/markup-compatibility/2006">
+        <mc:Choice xmlns:a14="http://schemas.microsoft.com/office/drawing/2010/main" Requires="a14">
+          <p:sp>
+            <p:nvSpPr>
+              <p:cNvPr id="31" name="テキスト ボックス 30"/>
+              <p:cNvSpPr txBox="1"/>
+              <p:nvPr/>
+            </p:nvSpPr>
+            <p:spPr>
+              <a:xfrm>
+                <a:off x="5466563" y="1595508"/>
+                <a:ext cx="3321387" cy="694934"/>
+              </a:xfrm>
+              <a:prstGeom prst="rect">
+                <a:avLst/>
+              </a:prstGeom>
+              <a:noFill/>
+            </p:spPr>
+            <p:txBody>
+              <a:bodyPr wrap="square" lIns="0" tIns="0" rIns="0" bIns="0" rtlCol="0">
+                <a:spAutoFit/>
+              </a:bodyPr>
+              <a:lstStyle/>
+              <a:p>
+                <a:pPr/>
+                <a14:m>
+                  <m:oMathPara xmlns:m="http://schemas.openxmlformats.org/officeDocument/2006/math">
+                    <m:oMathParaPr>
+                      <m:jc m:val="centerGroup"/>
+                    </m:oMathParaPr>
+                    <m:oMath xmlns:m="http://schemas.openxmlformats.org/officeDocument/2006/math">
+                      <m:nary>
+                        <m:naryPr>
+                          <m:ctrlPr>
+                            <a:rPr kumimoji="1" lang="en-US" altLang="ja-JP" i="1" smtClean="0">
+                              <a:solidFill>
+                                <a:schemeClr val="tx1"/>
+                              </a:solidFill>
+                              <a:latin typeface="Cambria Math" panose="02040503050406030204" pitchFamily="18" charset="0"/>
+                            </a:rPr>
+                          </m:ctrlPr>
+                        </m:naryPr>
+                        <m:sub>
+                          <m:sSub>
+                            <m:sSubPr>
+                              <m:ctrlPr>
+                                <a:rPr kumimoji="1" lang="en-US" altLang="ja-JP" i="1" smtClean="0">
+                                  <a:solidFill>
+                                    <a:schemeClr val="tx1"/>
+                                  </a:solidFill>
+                                  <a:latin typeface="Cambria Math" panose="02040503050406030204" pitchFamily="18" charset="0"/>
+                                </a:rPr>
+                              </m:ctrlPr>
+                            </m:sSubPr>
+                            <m:e>
+                              <m:r>
+                                <a:rPr kumimoji="1" lang="en-US" altLang="ja-JP" b="0" i="1" smtClean="0">
+                                  <a:solidFill>
+                                    <a:schemeClr val="tx1"/>
+                                  </a:solidFill>
+                                  <a:latin typeface="Cambria Math" panose="02040503050406030204" pitchFamily="18" charset="0"/>
+                                </a:rPr>
+                                <m:t>𝑡</m:t>
+                              </m:r>
+                            </m:e>
+                            <m:sub>
+                              <m:r>
+                                <a:rPr kumimoji="1" lang="en-US" altLang="ja-JP" b="0" i="1" smtClean="0">
+                                  <a:solidFill>
+                                    <a:schemeClr val="tx1"/>
+                                  </a:solidFill>
+                                  <a:latin typeface="Cambria Math" panose="02040503050406030204" pitchFamily="18" charset="0"/>
+                                </a:rPr>
+                                <m:t>0</m:t>
+                              </m:r>
+                            </m:sub>
+                          </m:sSub>
+                        </m:sub>
+                        <m:sup>
+                          <m:sSub>
+                            <m:sSubPr>
+                              <m:ctrlPr>
+                                <a:rPr kumimoji="1" lang="en-US" altLang="ja-JP" i="1" smtClean="0">
+                                  <a:solidFill>
+                                    <a:schemeClr val="tx1"/>
+                                  </a:solidFill>
+                                  <a:latin typeface="Cambria Math" panose="02040503050406030204" pitchFamily="18" charset="0"/>
+                                </a:rPr>
+                              </m:ctrlPr>
+                            </m:sSubPr>
+                            <m:e>
+                              <m:r>
+                                <a:rPr kumimoji="1" lang="en-US" altLang="ja-JP" b="0" i="1" smtClean="0">
+                                  <a:solidFill>
+                                    <a:schemeClr val="tx1"/>
+                                  </a:solidFill>
+                                  <a:latin typeface="Cambria Math" panose="02040503050406030204" pitchFamily="18" charset="0"/>
+                                </a:rPr>
+                                <m:t>𝑡</m:t>
+                              </m:r>
+                            </m:e>
+                            <m:sub>
+                              <m:r>
+                                <a:rPr kumimoji="1" lang="en-US" altLang="ja-JP" b="0" i="1" smtClean="0">
+                                  <a:solidFill>
+                                    <a:schemeClr val="tx1"/>
+                                  </a:solidFill>
+                                  <a:latin typeface="Cambria Math" panose="02040503050406030204" pitchFamily="18" charset="0"/>
+                                </a:rPr>
+                                <m:t>𝑛</m:t>
+                              </m:r>
+                            </m:sub>
+                          </m:sSub>
+                        </m:sup>
+                        <m:e>
+                          <m:nary>
+                            <m:naryPr>
+                              <m:chr m:val="∑"/>
+                              <m:supHide m:val="on"/>
+                              <m:ctrlPr>
+                                <a:rPr lang="ja-JP" altLang="en-US" i="1">
+                                  <a:solidFill>
+                                    <a:schemeClr val="tx1"/>
+                                  </a:solidFill>
+                                  <a:latin typeface="Cambria Math" panose="02040503050406030204" pitchFamily="18" charset="0"/>
+                                </a:rPr>
+                              </m:ctrlPr>
+                            </m:naryPr>
+                            <m:sub>
+                              <m:r>
+                                <a:rPr lang="en-US" altLang="ja-JP" i="1">
+                                  <a:solidFill>
+                                    <a:schemeClr val="tx1"/>
+                                  </a:solidFill>
+                                  <a:latin typeface="Cambria Math" panose="02040503050406030204" pitchFamily="18" charset="0"/>
+                                </a:rPr>
+                                <m:t>𝑛</m:t>
+                              </m:r>
+                              <m:r>
+                                <a:rPr lang="en-US" altLang="ja-JP" i="1">
+                                  <a:solidFill>
+                                    <a:schemeClr val="tx1"/>
+                                  </a:solidFill>
+                                  <a:latin typeface="Cambria Math" panose="02040503050406030204" pitchFamily="18" charset="0"/>
+                                  <a:ea typeface="Cambria Math" panose="02040503050406030204" pitchFamily="18" charset="0"/>
+                                </a:rPr>
+                                <m:t>∈</m:t>
+                              </m:r>
+                              <m:r>
+                                <a:rPr lang="en-US" altLang="ja-JP" i="1">
+                                  <a:solidFill>
+                                    <a:schemeClr val="tx1"/>
+                                  </a:solidFill>
+                                  <a:latin typeface="Cambria Math" panose="02040503050406030204" pitchFamily="18" charset="0"/>
+                                  <a:ea typeface="Cambria Math" panose="02040503050406030204" pitchFamily="18" charset="0"/>
+                                </a:rPr>
+                                <m:t>𝑅</m:t>
+                              </m:r>
+                            </m:sub>
+                            <m:sup/>
+                            <m:e>
+                              <m:f>
+                                <m:fPr>
+                                  <m:ctrlPr>
+                                    <a:rPr lang="en-US" altLang="ja-JP" i="1">
+                                      <a:latin typeface="Cambria Math" panose="02040503050406030204" pitchFamily="18" charset="0"/>
+                                      <a:ea typeface="Cambria Math" panose="02040503050406030204" pitchFamily="18" charset="0"/>
+                                    </a:rPr>
+                                  </m:ctrlPr>
+                                </m:fPr>
+                                <m:num>
+                                  <m:sSub>
+                                    <m:sSubPr>
+                                      <m:ctrlPr>
+                                        <a:rPr lang="en-US" altLang="ja-JP" i="1">
+                                          <a:latin typeface="Cambria Math" panose="02040503050406030204" pitchFamily="18" charset="0"/>
+                                          <a:ea typeface="Cambria Math" panose="02040503050406030204" pitchFamily="18" charset="0"/>
+                                        </a:rPr>
+                                      </m:ctrlPr>
+                                    </m:sSubPr>
+                                    <m:e>
+                                      <m:r>
+                                        <a:rPr lang="en-US" altLang="ja-JP" i="1">
+                                          <a:latin typeface="Cambria Math" panose="02040503050406030204" pitchFamily="18" charset="0"/>
+                                          <a:ea typeface="Cambria Math" panose="02040503050406030204" pitchFamily="18" charset="0"/>
+                                        </a:rPr>
+                                        <m:t>𝑆</m:t>
+                                      </m:r>
+                                    </m:e>
+                                    <m:sub>
+                                      <m:r>
+                                        <a:rPr lang="en-US" altLang="ja-JP" i="1">
+                                          <a:latin typeface="Cambria Math" panose="02040503050406030204" pitchFamily="18" charset="0"/>
+                                          <a:ea typeface="Cambria Math" panose="02040503050406030204" pitchFamily="18" charset="0"/>
+                                        </a:rPr>
+                                        <m:t>𝑛</m:t>
+                                      </m:r>
+                                    </m:sub>
+                                  </m:sSub>
+                                  <m:r>
+                                    <a:rPr lang="en-US" altLang="ja-JP" i="1">
+                                      <a:latin typeface="Cambria Math" panose="02040503050406030204" pitchFamily="18" charset="0"/>
+                                      <a:ea typeface="Cambria Math" panose="02040503050406030204" pitchFamily="18" charset="0"/>
+                                    </a:rPr>
+                                    <m:t>(</m:t>
+                                  </m:r>
+                                  <m:r>
+                                    <a:rPr lang="en-US" altLang="ja-JP" i="1">
+                                      <a:latin typeface="Cambria Math" panose="02040503050406030204" pitchFamily="18" charset="0"/>
+                                      <a:ea typeface="Cambria Math" panose="02040503050406030204" pitchFamily="18" charset="0"/>
+                                    </a:rPr>
+                                    <m:t>𝑁</m:t>
+                                  </m:r>
+                                  <m:r>
+                                    <a:rPr lang="en-US" altLang="ja-JP" i="1">
+                                      <a:latin typeface="Cambria Math" panose="02040503050406030204" pitchFamily="18" charset="0"/>
+                                      <a:ea typeface="Cambria Math" panose="02040503050406030204" pitchFamily="18" charset="0"/>
+                                    </a:rPr>
+                                    <m:t>(</m:t>
+                                  </m:r>
+                                  <m:r>
+                                    <a:rPr lang="en-US" altLang="ja-JP" i="1">
+                                      <a:latin typeface="Cambria Math" panose="02040503050406030204" pitchFamily="18" charset="0"/>
+                                      <a:ea typeface="Cambria Math" panose="02040503050406030204" pitchFamily="18" charset="0"/>
+                                    </a:rPr>
+                                    <m:t>𝑡</m:t>
+                                  </m:r>
+                                  <m:r>
+                                    <a:rPr lang="en-US" altLang="ja-JP" i="1">
+                                      <a:latin typeface="Cambria Math" panose="02040503050406030204" pitchFamily="18" charset="0"/>
+                                      <a:ea typeface="Cambria Math" panose="02040503050406030204" pitchFamily="18" charset="0"/>
+                                    </a:rPr>
+                                    <m:t>))</m:t>
+                                  </m:r>
+                                </m:num>
+                                <m:den>
+                                  <m:sSub>
+                                    <m:sSubPr>
+                                      <m:ctrlPr>
+                                        <a:rPr lang="en-US" altLang="ja-JP" i="1">
+                                          <a:latin typeface="Cambria Math" panose="02040503050406030204" pitchFamily="18" charset="0"/>
+                                          <a:ea typeface="Cambria Math" panose="02040503050406030204" pitchFamily="18" charset="0"/>
+                                        </a:rPr>
+                                      </m:ctrlPr>
+                                    </m:sSubPr>
+                                    <m:e>
+                                      <m:r>
+                                        <a:rPr lang="en-US" altLang="ja-JP" i="1">
+                                          <a:latin typeface="Cambria Math" panose="02040503050406030204" pitchFamily="18" charset="0"/>
+                                          <a:ea typeface="Cambria Math" panose="02040503050406030204" pitchFamily="18" charset="0"/>
+                                        </a:rPr>
+                                        <m:t>𝑆</m:t>
+                                      </m:r>
+                                    </m:e>
+                                    <m:sub>
+                                      <m:r>
+                                        <a:rPr lang="en-US" altLang="ja-JP" i="1">
+                                          <a:latin typeface="Cambria Math" panose="02040503050406030204" pitchFamily="18" charset="0"/>
+                                          <a:ea typeface="Cambria Math" panose="02040503050406030204" pitchFamily="18" charset="0"/>
+                                        </a:rPr>
+                                        <m:t>𝑛</m:t>
+                                      </m:r>
+                                    </m:sub>
+                                  </m:sSub>
+                                  <m:d>
+                                    <m:dPr>
+                                      <m:ctrlPr>
+                                        <a:rPr lang="en-US" altLang="ja-JP" i="1">
+                                          <a:latin typeface="Cambria Math" panose="02040503050406030204" pitchFamily="18" charset="0"/>
+                                          <a:ea typeface="Cambria Math" panose="02040503050406030204" pitchFamily="18" charset="0"/>
+                                        </a:rPr>
+                                      </m:ctrlPr>
+                                    </m:dPr>
+                                    <m:e>
+                                      <m:r>
+                                        <a:rPr lang="en-US" altLang="ja-JP" i="1">
+                                          <a:latin typeface="Cambria Math" panose="02040503050406030204" pitchFamily="18" charset="0"/>
+                                          <a:ea typeface="Cambria Math" panose="02040503050406030204" pitchFamily="18" charset="0"/>
+                                        </a:rPr>
+                                        <m:t>𝑃</m:t>
+                                      </m:r>
+                                      <m:r>
+                                        <a:rPr lang="en-US" altLang="ja-JP" i="1">
+                                          <a:latin typeface="Cambria Math" panose="02040503050406030204" pitchFamily="18" charset="0"/>
+                                          <a:ea typeface="Cambria Math" panose="02040503050406030204" pitchFamily="18" charset="0"/>
+                                        </a:rPr>
+                                        <m:t>(</m:t>
+                                      </m:r>
+                                      <m:r>
+                                        <a:rPr lang="en-US" altLang="ja-JP" i="1">
+                                          <a:latin typeface="Cambria Math" panose="02040503050406030204" pitchFamily="18" charset="0"/>
+                                          <a:ea typeface="Cambria Math" panose="02040503050406030204" pitchFamily="18" charset="0"/>
+                                        </a:rPr>
+                                        <m:t>𝑡</m:t>
+                                      </m:r>
+                                      <m:r>
+                                        <a:rPr lang="en-US" altLang="ja-JP" i="1">
+                                          <a:latin typeface="Cambria Math" panose="02040503050406030204" pitchFamily="18" charset="0"/>
+                                          <a:ea typeface="Cambria Math" panose="02040503050406030204" pitchFamily="18" charset="0"/>
+                                        </a:rPr>
+                                        <m:t>)</m:t>
+                                      </m:r>
+                                    </m:e>
+                                  </m:d>
+                                  <m:r>
+                                    <a:rPr lang="en-US" altLang="ja-JP" i="1">
+                                      <a:latin typeface="Cambria Math" panose="02040503050406030204" pitchFamily="18" charset="0"/>
+                                      <a:ea typeface="Cambria Math" panose="02040503050406030204" pitchFamily="18" charset="0"/>
+                                    </a:rPr>
+                                    <m:t>+</m:t>
+                                  </m:r>
+                                  <m:sSub>
+                                    <m:sSubPr>
+                                      <m:ctrlPr>
+                                        <a:rPr lang="en-US" altLang="ja-JP" i="1">
+                                          <a:latin typeface="Cambria Math" panose="02040503050406030204" pitchFamily="18" charset="0"/>
+                                          <a:ea typeface="Cambria Math" panose="02040503050406030204" pitchFamily="18" charset="0"/>
+                                        </a:rPr>
+                                      </m:ctrlPr>
+                                    </m:sSubPr>
+                                    <m:e>
+                                      <m:r>
+                                        <a:rPr lang="en-US" altLang="ja-JP" i="1">
+                                          <a:latin typeface="Cambria Math" panose="02040503050406030204" pitchFamily="18" charset="0"/>
+                                          <a:ea typeface="Cambria Math" panose="02040503050406030204" pitchFamily="18" charset="0"/>
+                                        </a:rPr>
+                                        <m:t>𝑆</m:t>
+                                      </m:r>
+                                    </m:e>
+                                    <m:sub>
+                                      <m:r>
+                                        <a:rPr lang="en-US" altLang="ja-JP" i="1">
+                                          <a:latin typeface="Cambria Math" panose="02040503050406030204" pitchFamily="18" charset="0"/>
+                                          <a:ea typeface="Cambria Math" panose="02040503050406030204" pitchFamily="18" charset="0"/>
+                                        </a:rPr>
+                                        <m:t>𝑛</m:t>
+                                      </m:r>
+                                    </m:sub>
+                                  </m:sSub>
+                                  <m:d>
+                                    <m:dPr>
+                                      <m:ctrlPr>
+                                        <a:rPr lang="en-US" altLang="ja-JP" i="1">
+                                          <a:latin typeface="Cambria Math" panose="02040503050406030204" pitchFamily="18" charset="0"/>
+                                          <a:ea typeface="Cambria Math" panose="02040503050406030204" pitchFamily="18" charset="0"/>
+                                        </a:rPr>
+                                      </m:ctrlPr>
+                                    </m:dPr>
+                                    <m:e>
+                                      <m:r>
+                                        <a:rPr lang="en-US" altLang="ja-JP" i="1">
+                                          <a:latin typeface="Cambria Math" panose="02040503050406030204" pitchFamily="18" charset="0"/>
+                                          <a:ea typeface="Cambria Math" panose="02040503050406030204" pitchFamily="18" charset="0"/>
+                                        </a:rPr>
+                                        <m:t>𝑁</m:t>
+                                      </m:r>
+                                      <m:d>
+                                        <m:dPr>
+                                          <m:ctrlPr>
+                                            <a:rPr lang="en-US" altLang="ja-JP" i="1">
+                                              <a:latin typeface="Cambria Math" panose="02040503050406030204" pitchFamily="18" charset="0"/>
+                                              <a:ea typeface="Cambria Math" panose="02040503050406030204" pitchFamily="18" charset="0"/>
+                                            </a:rPr>
+                                          </m:ctrlPr>
+                                        </m:dPr>
+                                        <m:e>
+                                          <m:r>
+                                            <a:rPr lang="en-US" altLang="ja-JP" i="1">
+                                              <a:latin typeface="Cambria Math" panose="02040503050406030204" pitchFamily="18" charset="0"/>
+                                              <a:ea typeface="Cambria Math" panose="02040503050406030204" pitchFamily="18" charset="0"/>
+                                            </a:rPr>
+                                            <m:t>𝑡</m:t>
+                                          </m:r>
+                                        </m:e>
+                                      </m:d>
+                                    </m:e>
+                                  </m:d>
+                                </m:den>
+                              </m:f>
+                              <m:r>
+                                <a:rPr lang="en-US" altLang="ja-JP" i="1">
+                                  <a:latin typeface="Cambria Math" panose="02040503050406030204" pitchFamily="18" charset="0"/>
+                                  <a:ea typeface="Cambria Math" panose="02040503050406030204" pitchFamily="18" charset="0"/>
+                                </a:rPr>
+                                <m:t>𝑑𝑡</m:t>
+                              </m:r>
+                            </m:e>
+                          </m:nary>
+                        </m:e>
+                      </m:nary>
+                    </m:oMath>
+                  </m:oMathPara>
+                </a14:m>
+                <a:endParaRPr kumimoji="1" lang="ja-JP" altLang="en-US" dirty="0">
+                  <a:solidFill>
+                    <a:schemeClr val="tx1"/>
+                  </a:solidFill>
+                </a:endParaRPr>
+              </a:p>
+            </p:txBody>
+          </p:sp>
+        </mc:Choice>
+        <mc:Fallback>
+          <p:sp>
+            <p:nvSpPr>
+              <p:cNvPr id="31" name="テキスト ボックス 30"/>
+              <p:cNvSpPr txBox="1">
+                <a:spLocks noRot="1" noChangeAspect="1" noMove="1" noResize="1" noEditPoints="1" noAdjustHandles="1" noChangeArrowheads="1" noChangeShapeType="1" noTextEdit="1"/>
+              </p:cNvSpPr>
+              <p:nvPr/>
+            </p:nvSpPr>
+            <p:spPr>
+              <a:xfrm>
+                <a:off x="5466563" y="1595508"/>
+                <a:ext cx="3321387" cy="694934"/>
+              </a:xfrm>
+              <a:prstGeom prst="rect">
+                <a:avLst/>
+              </a:prstGeom>
+              <a:blipFill>
+                <a:blip r:embed="rId9"/>
                 <a:stretch>
                   <a:fillRect/>
                 </a:stretch>

--- a/LplcSimulator/LplcSimulator/卒論/数理モデルv5.pptx
+++ b/LplcSimulator/LplcSimulator/卒論/数理モデルv5.pptx
@@ -258,7 +258,7 @@
           <a:p>
             <a:fld id="{04B62EDD-4951-463E-92DE-B5FB06F7687D}" type="datetimeFigureOut">
               <a:rPr kumimoji="1" lang="ja-JP" altLang="en-US" smtClean="0"/>
-              <a:t>2019/2/21</a:t>
+              <a:t>2019/2/22</a:t>
             </a:fld>
             <a:endParaRPr kumimoji="1" lang="ja-JP" altLang="en-US"/>
           </a:p>
@@ -460,7 +460,7 @@
           <a:p>
             <a:fld id="{04B62EDD-4951-463E-92DE-B5FB06F7687D}" type="datetimeFigureOut">
               <a:rPr kumimoji="1" lang="ja-JP" altLang="en-US" smtClean="0"/>
-              <a:t>2019/2/21</a:t>
+              <a:t>2019/2/22</a:t>
             </a:fld>
             <a:endParaRPr kumimoji="1" lang="ja-JP" altLang="en-US"/>
           </a:p>
@@ -672,7 +672,7 @@
           <a:p>
             <a:fld id="{04B62EDD-4951-463E-92DE-B5FB06F7687D}" type="datetimeFigureOut">
               <a:rPr kumimoji="1" lang="ja-JP" altLang="en-US" smtClean="0"/>
-              <a:t>2019/2/21</a:t>
+              <a:t>2019/2/22</a:t>
             </a:fld>
             <a:endParaRPr kumimoji="1" lang="ja-JP" altLang="en-US"/>
           </a:p>
@@ -874,7 +874,7 @@
           <a:p>
             <a:fld id="{04B62EDD-4951-463E-92DE-B5FB06F7687D}" type="datetimeFigureOut">
               <a:rPr kumimoji="1" lang="ja-JP" altLang="en-US" smtClean="0"/>
-              <a:t>2019/2/21</a:t>
+              <a:t>2019/2/22</a:t>
             </a:fld>
             <a:endParaRPr kumimoji="1" lang="ja-JP" altLang="en-US"/>
           </a:p>
@@ -1120,7 +1120,7 @@
           <a:p>
             <a:fld id="{04B62EDD-4951-463E-92DE-B5FB06F7687D}" type="datetimeFigureOut">
               <a:rPr kumimoji="1" lang="ja-JP" altLang="en-US" smtClean="0"/>
-              <a:t>2019/2/21</a:t>
+              <a:t>2019/2/22</a:t>
             </a:fld>
             <a:endParaRPr kumimoji="1" lang="ja-JP" altLang="en-US"/>
           </a:p>
@@ -1416,7 +1416,7 @@
           <a:p>
             <a:fld id="{04B62EDD-4951-463E-92DE-B5FB06F7687D}" type="datetimeFigureOut">
               <a:rPr kumimoji="1" lang="ja-JP" altLang="en-US" smtClean="0"/>
-              <a:t>2019/2/21</a:t>
+              <a:t>2019/2/22</a:t>
             </a:fld>
             <a:endParaRPr kumimoji="1" lang="ja-JP" altLang="en-US"/>
           </a:p>
@@ -1847,7 +1847,7 @@
           <a:p>
             <a:fld id="{04B62EDD-4951-463E-92DE-B5FB06F7687D}" type="datetimeFigureOut">
               <a:rPr kumimoji="1" lang="ja-JP" altLang="en-US" smtClean="0"/>
-              <a:t>2019/2/21</a:t>
+              <a:t>2019/2/22</a:t>
             </a:fld>
             <a:endParaRPr kumimoji="1" lang="ja-JP" altLang="en-US"/>
           </a:p>
@@ -1965,7 +1965,7 @@
           <a:p>
             <a:fld id="{04B62EDD-4951-463E-92DE-B5FB06F7687D}" type="datetimeFigureOut">
               <a:rPr kumimoji="1" lang="ja-JP" altLang="en-US" smtClean="0"/>
-              <a:t>2019/2/21</a:t>
+              <a:t>2019/2/22</a:t>
             </a:fld>
             <a:endParaRPr kumimoji="1" lang="ja-JP" altLang="en-US"/>
           </a:p>
@@ -2060,7 +2060,7 @@
           <a:p>
             <a:fld id="{04B62EDD-4951-463E-92DE-B5FB06F7687D}" type="datetimeFigureOut">
               <a:rPr kumimoji="1" lang="ja-JP" altLang="en-US" smtClean="0"/>
-              <a:t>2019/2/21</a:t>
+              <a:t>2019/2/22</a:t>
             </a:fld>
             <a:endParaRPr kumimoji="1" lang="ja-JP" altLang="en-US"/>
           </a:p>
@@ -2369,7 +2369,7 @@
           <a:p>
             <a:fld id="{04B62EDD-4951-463E-92DE-B5FB06F7687D}" type="datetimeFigureOut">
               <a:rPr kumimoji="1" lang="ja-JP" altLang="en-US" smtClean="0"/>
-              <a:t>2019/2/21</a:t>
+              <a:t>2019/2/22</a:t>
             </a:fld>
             <a:endParaRPr kumimoji="1" lang="ja-JP" altLang="en-US"/>
           </a:p>
@@ -2622,7 +2622,7 @@
           <a:p>
             <a:fld id="{04B62EDD-4951-463E-92DE-B5FB06F7687D}" type="datetimeFigureOut">
               <a:rPr kumimoji="1" lang="ja-JP" altLang="en-US" smtClean="0"/>
-              <a:t>2019/2/21</a:t>
+              <a:t>2019/2/22</a:t>
             </a:fld>
             <a:endParaRPr kumimoji="1" lang="ja-JP" altLang="en-US"/>
           </a:p>
@@ -2867,7 +2867,7 @@
           <a:p>
             <a:fld id="{04B62EDD-4951-463E-92DE-B5FB06F7687D}" type="datetimeFigureOut">
               <a:rPr kumimoji="1" lang="ja-JP" altLang="en-US" smtClean="0"/>
-              <a:t>2019/2/21</a:t>
+              <a:t>2019/2/22</a:t>
             </a:fld>
             <a:endParaRPr kumimoji="1" lang="ja-JP" altLang="en-US"/>
           </a:p>
@@ -4276,49 +4276,49 @@
                     <a:gridCol w="720000">
                       <a:extLst>
                         <a:ext uri="{9D8B030D-6E8A-4147-A177-3AD203B41FA5}">
-                          <a16:colId xmlns:a16="http://schemas.microsoft.com/office/drawing/2014/main" val="849826274"/>
+                          <a16:colId xmlns:a16="http://schemas.microsoft.com/office/drawing/2014/main" xmlns="" val="849826274"/>
                         </a:ext>
                       </a:extLst>
                     </a:gridCol>
                     <a:gridCol w="720000">
                       <a:extLst>
                         <a:ext uri="{9D8B030D-6E8A-4147-A177-3AD203B41FA5}">
-                          <a16:colId xmlns:a16="http://schemas.microsoft.com/office/drawing/2014/main" val="3122597115"/>
+                          <a16:colId xmlns:a16="http://schemas.microsoft.com/office/drawing/2014/main" xmlns="" val="3122597115"/>
                         </a:ext>
                       </a:extLst>
                     </a:gridCol>
                     <a:gridCol w="720000">
                       <a:extLst>
                         <a:ext uri="{9D8B030D-6E8A-4147-A177-3AD203B41FA5}">
-                          <a16:colId xmlns:a16="http://schemas.microsoft.com/office/drawing/2014/main" val="2119792792"/>
+                          <a16:colId xmlns:a16="http://schemas.microsoft.com/office/drawing/2014/main" xmlns="" val="2119792792"/>
                         </a:ext>
                       </a:extLst>
                     </a:gridCol>
                     <a:gridCol w="720000">
                       <a:extLst>
                         <a:ext uri="{9D8B030D-6E8A-4147-A177-3AD203B41FA5}">
-                          <a16:colId xmlns:a16="http://schemas.microsoft.com/office/drawing/2014/main" val="3054159046"/>
+                          <a16:colId xmlns:a16="http://schemas.microsoft.com/office/drawing/2014/main" xmlns="" val="3054159046"/>
                         </a:ext>
                       </a:extLst>
                     </a:gridCol>
                     <a:gridCol w="720000">
                       <a:extLst>
                         <a:ext uri="{9D8B030D-6E8A-4147-A177-3AD203B41FA5}">
-                          <a16:colId xmlns:a16="http://schemas.microsoft.com/office/drawing/2014/main" val="1335098707"/>
+                          <a16:colId xmlns:a16="http://schemas.microsoft.com/office/drawing/2014/main" xmlns="" val="1335098707"/>
                         </a:ext>
                       </a:extLst>
                     </a:gridCol>
                     <a:gridCol w="720000">
                       <a:extLst>
                         <a:ext uri="{9D8B030D-6E8A-4147-A177-3AD203B41FA5}">
-                          <a16:colId xmlns:a16="http://schemas.microsoft.com/office/drawing/2014/main" val="2189793948"/>
+                          <a16:colId xmlns:a16="http://schemas.microsoft.com/office/drawing/2014/main" xmlns="" val="2189793948"/>
                         </a:ext>
                       </a:extLst>
                     </a:gridCol>
                     <a:gridCol w="720000">
                       <a:extLst>
                         <a:ext uri="{9D8B030D-6E8A-4147-A177-3AD203B41FA5}">
-                          <a16:colId xmlns:a16="http://schemas.microsoft.com/office/drawing/2014/main" val="4073850615"/>
+                          <a16:colId xmlns:a16="http://schemas.microsoft.com/office/drawing/2014/main" xmlns="" val="4073850615"/>
                         </a:ext>
                       </a:extLst>
                     </a:gridCol>
@@ -5283,7 +5283,7 @@
                     </a:tc>
                     <a:extLst>
                       <a:ext uri="{0D108BD9-81ED-4DB2-BD59-A6C34878D82A}">
-                        <a16:rowId xmlns:a16="http://schemas.microsoft.com/office/drawing/2014/main" val="2282192497"/>
+                        <a16:rowId xmlns:a16="http://schemas.microsoft.com/office/drawing/2014/main" xmlns="" val="2282192497"/>
                       </a:ext>
                     </a:extLst>
                   </a:tr>
@@ -6326,7 +6326,7 @@
                     </a:tc>
                     <a:extLst>
                       <a:ext uri="{0D108BD9-81ED-4DB2-BD59-A6C34878D82A}">
-                        <a16:rowId xmlns:a16="http://schemas.microsoft.com/office/drawing/2014/main" val="285879134"/>
+                        <a16:rowId xmlns:a16="http://schemas.microsoft.com/office/drawing/2014/main" xmlns="" val="285879134"/>
                       </a:ext>
                     </a:extLst>
                   </a:tr>
@@ -6914,7 +6914,7 @@
                     </a:tc>
                     <a:extLst>
                       <a:ext uri="{0D108BD9-81ED-4DB2-BD59-A6C34878D82A}">
-                        <a16:rowId xmlns:a16="http://schemas.microsoft.com/office/drawing/2014/main" val="1414773290"/>
+                        <a16:rowId xmlns:a16="http://schemas.microsoft.com/office/drawing/2014/main" xmlns="" val="1414773290"/>
                       </a:ext>
                     </a:extLst>
                   </a:tr>
@@ -7502,7 +7502,7 @@
                     </a:tc>
                     <a:extLst>
                       <a:ext uri="{0D108BD9-81ED-4DB2-BD59-A6C34878D82A}">
-                        <a16:rowId xmlns:a16="http://schemas.microsoft.com/office/drawing/2014/main" val="3029169098"/>
+                        <a16:rowId xmlns:a16="http://schemas.microsoft.com/office/drawing/2014/main" xmlns="" val="3029169098"/>
                       </a:ext>
                     </a:extLst>
                   </a:tr>
@@ -8090,7 +8090,7 @@
                     </a:tc>
                     <a:extLst>
                       <a:ext uri="{0D108BD9-81ED-4DB2-BD59-A6C34878D82A}">
-                        <a16:rowId xmlns:a16="http://schemas.microsoft.com/office/drawing/2014/main" val="1551467127"/>
+                        <a16:rowId xmlns:a16="http://schemas.microsoft.com/office/drawing/2014/main" xmlns="" val="1551467127"/>
                       </a:ext>
                     </a:extLst>
                   </a:tr>
@@ -8678,7 +8678,7 @@
                     </a:tc>
                     <a:extLst>
                       <a:ext uri="{0D108BD9-81ED-4DB2-BD59-A6C34878D82A}">
-                        <a16:rowId xmlns:a16="http://schemas.microsoft.com/office/drawing/2014/main" val="1957575383"/>
+                        <a16:rowId xmlns:a16="http://schemas.microsoft.com/office/drawing/2014/main" xmlns="" val="1957575383"/>
                       </a:ext>
                     </a:extLst>
                   </a:tr>
@@ -13433,8 +13433,8 @@
             <a:chExt cx="9110524" cy="1499953"/>
           </a:xfrm>
         </p:grpSpPr>
-        <mc:AlternateContent xmlns:mc="http://schemas.openxmlformats.org/markup-compatibility/2006">
-          <mc:Choice xmlns:a14="http://schemas.microsoft.com/office/drawing/2010/main" Requires="a14">
+        <mc:AlternateContent xmlns:mc="http://schemas.openxmlformats.org/markup-compatibility/2006" xmlns:a14="http://schemas.microsoft.com/office/drawing/2010/main">
+          <mc:Choice Requires="a14">
             <p:sp>
               <p:nvSpPr>
                 <p:cNvPr id="8" name="テキスト ボックス 7"/>
@@ -13569,7 +13569,7 @@
               </p:txBody>
             </p:sp>
           </mc:Choice>
-          <mc:Fallback>
+          <mc:Fallback xmlns="">
             <p:sp>
               <p:nvSpPr>
                 <p:cNvPr id="8" name="テキスト ボックス 7"/>
@@ -13650,8 +13650,8 @@
             </a:p>
           </p:txBody>
         </p:sp>
-        <mc:AlternateContent xmlns:mc="http://schemas.openxmlformats.org/markup-compatibility/2006">
-          <mc:Choice xmlns:a14="http://schemas.microsoft.com/office/drawing/2010/main" Requires="a14">
+        <mc:AlternateContent xmlns:mc="http://schemas.openxmlformats.org/markup-compatibility/2006" xmlns:a14="http://schemas.microsoft.com/office/drawing/2010/main">
+          <mc:Choice Requires="a14">
             <p:sp>
               <p:nvSpPr>
                 <p:cNvPr id="10" name="テキスト ボックス 9"/>
@@ -14026,7 +14026,7 @@
               </p:txBody>
             </p:sp>
           </mc:Choice>
-          <mc:Fallback>
+          <mc:Fallback xmlns="">
             <p:sp>
               <p:nvSpPr>
                 <p:cNvPr id="10" name="テキスト ボックス 9"/>
@@ -14130,8 +14130,8 @@
             <a:chExt cx="9110524" cy="1499953"/>
           </a:xfrm>
         </p:grpSpPr>
-        <mc:AlternateContent xmlns:mc="http://schemas.openxmlformats.org/markup-compatibility/2006">
-          <mc:Choice xmlns:a14="http://schemas.microsoft.com/office/drawing/2010/main" Requires="a14">
+        <mc:AlternateContent xmlns:mc="http://schemas.openxmlformats.org/markup-compatibility/2006" xmlns:a14="http://schemas.microsoft.com/office/drawing/2010/main">
+          <mc:Choice Requires="a14">
             <p:sp>
               <p:nvSpPr>
                 <p:cNvPr id="13" name="テキスト ボックス 12"/>
@@ -14266,7 +14266,7 @@
               </p:txBody>
             </p:sp>
           </mc:Choice>
-          <mc:Fallback>
+          <mc:Fallback xmlns="">
             <p:sp>
               <p:nvSpPr>
                 <p:cNvPr id="13" name="テキスト ボックス 12"/>
@@ -14347,8 +14347,8 @@
             </a:p>
           </p:txBody>
         </p:sp>
-        <mc:AlternateContent xmlns:mc="http://schemas.openxmlformats.org/markup-compatibility/2006">
-          <mc:Choice xmlns:a14="http://schemas.microsoft.com/office/drawing/2010/main" Requires="a14">
+        <mc:AlternateContent xmlns:mc="http://schemas.openxmlformats.org/markup-compatibility/2006" xmlns:a14="http://schemas.microsoft.com/office/drawing/2010/main">
+          <mc:Choice Requires="a14">
             <p:sp>
               <p:nvSpPr>
                 <p:cNvPr id="15" name="テキスト ボックス 14"/>
@@ -14736,7 +14736,7 @@
               </p:txBody>
             </p:sp>
           </mc:Choice>
-          <mc:Fallback>
+          <mc:Fallback xmlns="">
             <p:sp>
               <p:nvSpPr>
                 <p:cNvPr id="15" name="テキスト ボックス 14"/>
@@ -14840,8 +14840,8 @@
             <a:chExt cx="8649348" cy="1499953"/>
           </a:xfrm>
         </p:grpSpPr>
-        <mc:AlternateContent xmlns:mc="http://schemas.openxmlformats.org/markup-compatibility/2006">
-          <mc:Choice xmlns:a14="http://schemas.microsoft.com/office/drawing/2010/main" Requires="a14">
+        <mc:AlternateContent xmlns:mc="http://schemas.openxmlformats.org/markup-compatibility/2006" xmlns:a14="http://schemas.microsoft.com/office/drawing/2010/main">
+          <mc:Choice Requires="a14">
             <p:sp>
               <p:nvSpPr>
                 <p:cNvPr id="18" name="テキスト ボックス 17"/>
@@ -14976,7 +14976,7 @@
               </p:txBody>
             </p:sp>
           </mc:Choice>
-          <mc:Fallback>
+          <mc:Fallback xmlns="">
             <p:sp>
               <p:nvSpPr>
                 <p:cNvPr id="18" name="テキスト ボックス 17"/>
@@ -15057,8 +15057,8 @@
             </a:p>
           </p:txBody>
         </p:sp>
-        <mc:AlternateContent xmlns:mc="http://schemas.openxmlformats.org/markup-compatibility/2006">
-          <mc:Choice xmlns:a14="http://schemas.microsoft.com/office/drawing/2010/main" Requires="a14">
+        <mc:AlternateContent xmlns:mc="http://schemas.openxmlformats.org/markup-compatibility/2006" xmlns:a14="http://schemas.microsoft.com/office/drawing/2010/main">
+          <mc:Choice Requires="a14">
             <p:sp>
               <p:nvSpPr>
                 <p:cNvPr id="20" name="テキスト ボックス 19"/>
@@ -15423,7 +15423,7 @@
               </p:txBody>
             </p:sp>
           </mc:Choice>
-          <mc:Fallback>
+          <mc:Fallback xmlns="">
             <p:sp>
               <p:nvSpPr>
                 <p:cNvPr id="20" name="テキスト ボックス 19"/>
@@ -17322,8 +17322,8 @@
             </a:p>
           </p:txBody>
         </p:sp>
-        <mc:AlternateContent xmlns:mc="http://schemas.openxmlformats.org/markup-compatibility/2006" xmlns:a14="http://schemas.microsoft.com/office/drawing/2010/main">
-          <mc:Choice Requires="a14">
+        <mc:AlternateContent xmlns:mc="http://schemas.openxmlformats.org/markup-compatibility/2006">
+          <mc:Choice xmlns:a14="http://schemas.microsoft.com/office/drawing/2010/main" Requires="a14">
             <p:sp>
               <p:nvSpPr>
                 <p:cNvPr id="28" name="テキスト ボックス 27"/>
@@ -17419,12 +17419,34 @@
                               </m:r>
                             </m:sup>
                             <m:e>
-                              <m:r>
-                                <a:rPr lang="en-US" altLang="ja-JP" sz="2800" b="0" i="1" smtClean="0">
-                                  <a:latin typeface="Cambria Math" panose="02040503050406030204" pitchFamily="18" charset="0"/>
-                                </a:rPr>
-                                <m:t>𝐴𝑛</m:t>
-                              </m:r>
+                              <m:sSub>
+                                <m:sSubPr>
+                                  <m:ctrlPr>
+                                    <a:rPr lang="en-US" altLang="ja-JP" sz="2800" b="0" i="1" smtClean="0">
+                                      <a:latin typeface="Cambria Math" panose="02040503050406030204" pitchFamily="18" charset="0"/>
+                                    </a:rPr>
+                                  </m:ctrlPr>
+                                </m:sSubPr>
+                                <m:e>
+                                  <m:r>
+                                    <m:rPr>
+                                      <m:sty m:val="p"/>
+                                    </m:rPr>
+                                    <a:rPr lang="en-US" altLang="ja-JP" sz="2800" i="1">
+                                      <a:latin typeface="Cambria Math" panose="02040503050406030204" pitchFamily="18" charset="0"/>
+                                    </a:rPr>
+                                    <m:t>A</m:t>
+                                  </m:r>
+                                </m:e>
+                                <m:sub>
+                                  <m:r>
+                                    <a:rPr lang="en-US" altLang="ja-JP" sz="2800" b="0" i="1" smtClean="0">
+                                      <a:latin typeface="Cambria Math" panose="02040503050406030204" pitchFamily="18" charset="0"/>
+                                    </a:rPr>
+                                    <m:t>𝑛</m:t>
+                                  </m:r>
+                                </m:sub>
+                              </m:sSub>
                             </m:e>
                           </m:sPre>
                         </m:e>
@@ -17446,7 +17468,7 @@
               </p:txBody>
             </p:sp>
           </mc:Choice>
-          <mc:Fallback xmlns="">
+          <mc:Fallback>
             <p:sp>
               <p:nvSpPr>
                 <p:cNvPr id="28" name="テキスト ボックス 27"/>
@@ -17466,7 +17488,7 @@
                 <a:blipFill rotWithShape="0">
                   <a:blip r:embed="rId6"/>
                   <a:stretch>
-                    <a:fillRect l="-2450" t="-6316" b="-23158"/>
+                    <a:fillRect l="-2448" t="-6316" b="-23158"/>
                   </a:stretch>
                 </a:blipFill>
               </p:spPr>
@@ -17522,8 +17544,8 @@
           </p:txBody>
         </p:sp>
       </p:grpSp>
-      <mc:AlternateContent xmlns:mc="http://schemas.openxmlformats.org/markup-compatibility/2006">
-        <mc:Choice xmlns:a14="http://schemas.microsoft.com/office/drawing/2010/main" Requires="a14">
+      <mc:AlternateContent xmlns:mc="http://schemas.openxmlformats.org/markup-compatibility/2006" xmlns:a14="http://schemas.microsoft.com/office/drawing/2010/main">
+        <mc:Choice Requires="a14">
           <p:sp>
             <p:nvSpPr>
               <p:cNvPr id="22" name="テキスト ボックス 21"/>
@@ -18036,7 +18058,7 @@
             </p:txBody>
           </p:sp>
         </mc:Choice>
-        <mc:Fallback>
+        <mc:Fallback xmlns="">
           <p:sp>
             <p:nvSpPr>
               <p:cNvPr id="22" name="テキスト ボックス 21"/>
@@ -18530,8 +18552,8 @@
           </p:sp>
         </mc:Fallback>
       </mc:AlternateContent>
-      <mc:AlternateContent xmlns:mc="http://schemas.openxmlformats.org/markup-compatibility/2006">
-        <mc:Choice xmlns:a14="http://schemas.microsoft.com/office/drawing/2010/main" Requires="a14">
+      <mc:AlternateContent xmlns:mc="http://schemas.openxmlformats.org/markup-compatibility/2006" xmlns:a14="http://schemas.microsoft.com/office/drawing/2010/main">
+        <mc:Choice Requires="a14">
           <p:sp>
             <p:nvSpPr>
               <p:cNvPr id="31" name="テキスト ボックス 30"/>
@@ -18932,7 +18954,7 @@
             </p:txBody>
           </p:sp>
         </mc:Choice>
-        <mc:Fallback>
+        <mc:Fallback xmlns="">
           <p:sp>
             <p:nvSpPr>
               <p:cNvPr id="31" name="テキスト ボックス 30"/>
@@ -26898,49 +26920,49 @@
                 <a:gridCol w="720000">
                   <a:extLst>
                     <a:ext uri="{9D8B030D-6E8A-4147-A177-3AD203B41FA5}">
-                      <a16:colId xmlns:a16="http://schemas.microsoft.com/office/drawing/2014/main" val="2385125368"/>
+                      <a16:colId xmlns:a16="http://schemas.microsoft.com/office/drawing/2014/main" xmlns="" val="2385125368"/>
                     </a:ext>
                   </a:extLst>
                 </a:gridCol>
                 <a:gridCol w="720000">
                   <a:extLst>
                     <a:ext uri="{9D8B030D-6E8A-4147-A177-3AD203B41FA5}">
-                      <a16:colId xmlns:a16="http://schemas.microsoft.com/office/drawing/2014/main" val="2599857777"/>
+                      <a16:colId xmlns:a16="http://schemas.microsoft.com/office/drawing/2014/main" xmlns="" val="2599857777"/>
                     </a:ext>
                   </a:extLst>
                 </a:gridCol>
                 <a:gridCol w="720000">
                   <a:extLst>
                     <a:ext uri="{9D8B030D-6E8A-4147-A177-3AD203B41FA5}">
-                      <a16:colId xmlns:a16="http://schemas.microsoft.com/office/drawing/2014/main" val="4293876959"/>
+                      <a16:colId xmlns:a16="http://schemas.microsoft.com/office/drawing/2014/main" xmlns="" val="4293876959"/>
                     </a:ext>
                   </a:extLst>
                 </a:gridCol>
                 <a:gridCol w="720000">
                   <a:extLst>
                     <a:ext uri="{9D8B030D-6E8A-4147-A177-3AD203B41FA5}">
-                      <a16:colId xmlns:a16="http://schemas.microsoft.com/office/drawing/2014/main" val="185903597"/>
+                      <a16:colId xmlns:a16="http://schemas.microsoft.com/office/drawing/2014/main" xmlns="" val="185903597"/>
                     </a:ext>
                   </a:extLst>
                 </a:gridCol>
                 <a:gridCol w="720000">
                   <a:extLst>
                     <a:ext uri="{9D8B030D-6E8A-4147-A177-3AD203B41FA5}">
-                      <a16:colId xmlns:a16="http://schemas.microsoft.com/office/drawing/2014/main" val="967980824"/>
+                      <a16:colId xmlns:a16="http://schemas.microsoft.com/office/drawing/2014/main" xmlns="" val="967980824"/>
                     </a:ext>
                   </a:extLst>
                 </a:gridCol>
                 <a:gridCol w="720000">
                   <a:extLst>
                     <a:ext uri="{9D8B030D-6E8A-4147-A177-3AD203B41FA5}">
-                      <a16:colId xmlns:a16="http://schemas.microsoft.com/office/drawing/2014/main" val="3107065488"/>
+                      <a16:colId xmlns:a16="http://schemas.microsoft.com/office/drawing/2014/main" xmlns="" val="3107065488"/>
                     </a:ext>
                   </a:extLst>
                 </a:gridCol>
                 <a:gridCol w="720000">
                   <a:extLst>
                     <a:ext uri="{9D8B030D-6E8A-4147-A177-3AD203B41FA5}">
-                      <a16:colId xmlns:a16="http://schemas.microsoft.com/office/drawing/2014/main" val="1277420439"/>
+                      <a16:colId xmlns:a16="http://schemas.microsoft.com/office/drawing/2014/main" xmlns="" val="1277420439"/>
                     </a:ext>
                   </a:extLst>
                 </a:gridCol>
@@ -27466,7 +27488,7 @@
                 </a:tc>
                 <a:extLst>
                   <a:ext uri="{0D108BD9-81ED-4DB2-BD59-A6C34878D82A}">
-                    <a16:rowId xmlns:a16="http://schemas.microsoft.com/office/drawing/2014/main" val="584487917"/>
+                    <a16:rowId xmlns:a16="http://schemas.microsoft.com/office/drawing/2014/main" xmlns="" val="584487917"/>
                   </a:ext>
                 </a:extLst>
               </a:tr>
@@ -27991,7 +28013,7 @@
                 </a:tc>
                 <a:extLst>
                   <a:ext uri="{0D108BD9-81ED-4DB2-BD59-A6C34878D82A}">
-                    <a16:rowId xmlns:a16="http://schemas.microsoft.com/office/drawing/2014/main" val="1863994553"/>
+                    <a16:rowId xmlns:a16="http://schemas.microsoft.com/office/drawing/2014/main" xmlns="" val="1863994553"/>
                   </a:ext>
                 </a:extLst>
               </a:tr>
@@ -28494,7 +28516,7 @@
                 </a:tc>
                 <a:extLst>
                   <a:ext uri="{0D108BD9-81ED-4DB2-BD59-A6C34878D82A}">
-                    <a16:rowId xmlns:a16="http://schemas.microsoft.com/office/drawing/2014/main" val="2813642046"/>
+                    <a16:rowId xmlns:a16="http://schemas.microsoft.com/office/drawing/2014/main" xmlns="" val="2813642046"/>
                   </a:ext>
                 </a:extLst>
               </a:tr>
@@ -28986,7 +29008,7 @@
                 </a:tc>
                 <a:extLst>
                   <a:ext uri="{0D108BD9-81ED-4DB2-BD59-A6C34878D82A}">
-                    <a16:rowId xmlns:a16="http://schemas.microsoft.com/office/drawing/2014/main" val="2056728271"/>
+                    <a16:rowId xmlns:a16="http://schemas.microsoft.com/office/drawing/2014/main" xmlns="" val="2056728271"/>
                   </a:ext>
                 </a:extLst>
               </a:tr>
@@ -29500,7 +29522,7 @@
                 </a:tc>
                 <a:extLst>
                   <a:ext uri="{0D108BD9-81ED-4DB2-BD59-A6C34878D82A}">
-                    <a16:rowId xmlns:a16="http://schemas.microsoft.com/office/drawing/2014/main" val="2613689561"/>
+                    <a16:rowId xmlns:a16="http://schemas.microsoft.com/office/drawing/2014/main" xmlns="" val="2613689561"/>
                   </a:ext>
                 </a:extLst>
               </a:tr>
@@ -30025,7 +30047,7 @@
                 </a:tc>
                 <a:extLst>
                   <a:ext uri="{0D108BD9-81ED-4DB2-BD59-A6C34878D82A}">
-                    <a16:rowId xmlns:a16="http://schemas.microsoft.com/office/drawing/2014/main" val="1320574715"/>
+                    <a16:rowId xmlns:a16="http://schemas.microsoft.com/office/drawing/2014/main" xmlns="" val="1320574715"/>
                   </a:ext>
                 </a:extLst>
               </a:tr>
@@ -30153,49 +30175,49 @@
                     <a:gridCol w="720000">
                       <a:extLst>
                         <a:ext uri="{9D8B030D-6E8A-4147-A177-3AD203B41FA5}">
-                          <a16:colId xmlns:a16="http://schemas.microsoft.com/office/drawing/2014/main" val="849826274"/>
+                          <a16:colId xmlns:a16="http://schemas.microsoft.com/office/drawing/2014/main" xmlns="" val="849826274"/>
                         </a:ext>
                       </a:extLst>
                     </a:gridCol>
                     <a:gridCol w="720000">
                       <a:extLst>
                         <a:ext uri="{9D8B030D-6E8A-4147-A177-3AD203B41FA5}">
-                          <a16:colId xmlns:a16="http://schemas.microsoft.com/office/drawing/2014/main" val="3122597115"/>
+                          <a16:colId xmlns:a16="http://schemas.microsoft.com/office/drawing/2014/main" xmlns="" val="3122597115"/>
                         </a:ext>
                       </a:extLst>
                     </a:gridCol>
                     <a:gridCol w="720000">
                       <a:extLst>
                         <a:ext uri="{9D8B030D-6E8A-4147-A177-3AD203B41FA5}">
-                          <a16:colId xmlns:a16="http://schemas.microsoft.com/office/drawing/2014/main" val="2119792792"/>
+                          <a16:colId xmlns:a16="http://schemas.microsoft.com/office/drawing/2014/main" xmlns="" val="2119792792"/>
                         </a:ext>
                       </a:extLst>
                     </a:gridCol>
                     <a:gridCol w="720000">
                       <a:extLst>
                         <a:ext uri="{9D8B030D-6E8A-4147-A177-3AD203B41FA5}">
-                          <a16:colId xmlns:a16="http://schemas.microsoft.com/office/drawing/2014/main" val="3054159046"/>
+                          <a16:colId xmlns:a16="http://schemas.microsoft.com/office/drawing/2014/main" xmlns="" val="3054159046"/>
                         </a:ext>
                       </a:extLst>
                     </a:gridCol>
                     <a:gridCol w="720000">
                       <a:extLst>
                         <a:ext uri="{9D8B030D-6E8A-4147-A177-3AD203B41FA5}">
-                          <a16:colId xmlns:a16="http://schemas.microsoft.com/office/drawing/2014/main" val="1335098707"/>
+                          <a16:colId xmlns:a16="http://schemas.microsoft.com/office/drawing/2014/main" xmlns="" val="1335098707"/>
                         </a:ext>
                       </a:extLst>
                     </a:gridCol>
                     <a:gridCol w="720000">
                       <a:extLst>
                         <a:ext uri="{9D8B030D-6E8A-4147-A177-3AD203B41FA5}">
-                          <a16:colId xmlns:a16="http://schemas.microsoft.com/office/drawing/2014/main" val="2189793948"/>
+                          <a16:colId xmlns:a16="http://schemas.microsoft.com/office/drawing/2014/main" xmlns="" val="2189793948"/>
                         </a:ext>
                       </a:extLst>
                     </a:gridCol>
                     <a:gridCol w="720000">
                       <a:extLst>
                         <a:ext uri="{9D8B030D-6E8A-4147-A177-3AD203B41FA5}">
-                          <a16:colId xmlns:a16="http://schemas.microsoft.com/office/drawing/2014/main" val="4073850615"/>
+                          <a16:colId xmlns:a16="http://schemas.microsoft.com/office/drawing/2014/main" xmlns="" val="4073850615"/>
                         </a:ext>
                       </a:extLst>
                     </a:gridCol>
@@ -31280,7 +31302,7 @@
                     </a:tc>
                     <a:extLst>
                       <a:ext uri="{0D108BD9-81ED-4DB2-BD59-A6C34878D82A}">
-                        <a16:rowId xmlns:a16="http://schemas.microsoft.com/office/drawing/2014/main" val="2282192497"/>
+                        <a16:rowId xmlns:a16="http://schemas.microsoft.com/office/drawing/2014/main" xmlns="" val="2282192497"/>
                       </a:ext>
                     </a:extLst>
                   </a:tr>
@@ -32463,7 +32485,7 @@
                     </a:tc>
                     <a:extLst>
                       <a:ext uri="{0D108BD9-81ED-4DB2-BD59-A6C34878D82A}">
-                        <a16:rowId xmlns:a16="http://schemas.microsoft.com/office/drawing/2014/main" val="285879134"/>
+                        <a16:rowId xmlns:a16="http://schemas.microsoft.com/office/drawing/2014/main" xmlns="" val="285879134"/>
                       </a:ext>
                     </a:extLst>
                   </a:tr>
@@ -33091,7 +33113,7 @@
                     </a:tc>
                     <a:extLst>
                       <a:ext uri="{0D108BD9-81ED-4DB2-BD59-A6C34878D82A}">
-                        <a16:rowId xmlns:a16="http://schemas.microsoft.com/office/drawing/2014/main" val="1414773290"/>
+                        <a16:rowId xmlns:a16="http://schemas.microsoft.com/office/drawing/2014/main" xmlns="" val="1414773290"/>
                       </a:ext>
                     </a:extLst>
                   </a:tr>
@@ -33719,7 +33741,7 @@
                     </a:tc>
                     <a:extLst>
                       <a:ext uri="{0D108BD9-81ED-4DB2-BD59-A6C34878D82A}">
-                        <a16:rowId xmlns:a16="http://schemas.microsoft.com/office/drawing/2014/main" val="3029169098"/>
+                        <a16:rowId xmlns:a16="http://schemas.microsoft.com/office/drawing/2014/main" xmlns="" val="3029169098"/>
                       </a:ext>
                     </a:extLst>
                   </a:tr>
@@ -34347,7 +34369,7 @@
                     </a:tc>
                     <a:extLst>
                       <a:ext uri="{0D108BD9-81ED-4DB2-BD59-A6C34878D82A}">
-                        <a16:rowId xmlns:a16="http://schemas.microsoft.com/office/drawing/2014/main" val="1551467127"/>
+                        <a16:rowId xmlns:a16="http://schemas.microsoft.com/office/drawing/2014/main" xmlns="" val="1551467127"/>
                       </a:ext>
                     </a:extLst>
                   </a:tr>
@@ -34975,7 +34997,7 @@
                     </a:tc>
                     <a:extLst>
                       <a:ext uri="{0D108BD9-81ED-4DB2-BD59-A6C34878D82A}">
-                        <a16:rowId xmlns:a16="http://schemas.microsoft.com/office/drawing/2014/main" val="1957575383"/>
+                        <a16:rowId xmlns:a16="http://schemas.microsoft.com/office/drawing/2014/main" xmlns="" val="1957575383"/>
                       </a:ext>
                     </a:extLst>
                   </a:tr>

--- a/LplcSimulator/LplcSimulator/卒論/数理モデルv5.pptx
+++ b/LplcSimulator/LplcSimulator/卒論/数理モデルv5.pptx
@@ -9,18 +9,19 @@
     <p:sldId id="257" r:id="rId3"/>
     <p:sldId id="258" r:id="rId4"/>
     <p:sldId id="259" r:id="rId5"/>
-    <p:sldId id="260" r:id="rId6"/>
-    <p:sldId id="261" r:id="rId7"/>
-    <p:sldId id="262" r:id="rId8"/>
-    <p:sldId id="263" r:id="rId9"/>
-    <p:sldId id="264" r:id="rId10"/>
-    <p:sldId id="265" r:id="rId11"/>
-    <p:sldId id="266" r:id="rId12"/>
-    <p:sldId id="267" r:id="rId13"/>
-    <p:sldId id="271" r:id="rId14"/>
-    <p:sldId id="268" r:id="rId15"/>
-    <p:sldId id="269" r:id="rId16"/>
-    <p:sldId id="270" r:id="rId17"/>
+    <p:sldId id="272" r:id="rId6"/>
+    <p:sldId id="260" r:id="rId7"/>
+    <p:sldId id="261" r:id="rId8"/>
+    <p:sldId id="262" r:id="rId9"/>
+    <p:sldId id="263" r:id="rId10"/>
+    <p:sldId id="264" r:id="rId11"/>
+    <p:sldId id="265" r:id="rId12"/>
+    <p:sldId id="266" r:id="rId13"/>
+    <p:sldId id="267" r:id="rId14"/>
+    <p:sldId id="271" r:id="rId15"/>
+    <p:sldId id="268" r:id="rId16"/>
+    <p:sldId id="269" r:id="rId17"/>
+    <p:sldId id="270" r:id="rId18"/>
   </p:sldIdLst>
   <p:sldSz cx="12192000" cy="6858000"/>
   <p:notesSz cx="6858000" cy="9144000"/>
@@ -258,7 +259,7 @@
           <a:p>
             <a:fld id="{04B62EDD-4951-463E-92DE-B5FB06F7687D}" type="datetimeFigureOut">
               <a:rPr kumimoji="1" lang="ja-JP" altLang="en-US" smtClean="0"/>
-              <a:t>2019/2/22</a:t>
+              <a:t>2019/2/25</a:t>
             </a:fld>
             <a:endParaRPr kumimoji="1" lang="ja-JP" altLang="en-US"/>
           </a:p>
@@ -460,7 +461,7 @@
           <a:p>
             <a:fld id="{04B62EDD-4951-463E-92DE-B5FB06F7687D}" type="datetimeFigureOut">
               <a:rPr kumimoji="1" lang="ja-JP" altLang="en-US" smtClean="0"/>
-              <a:t>2019/2/22</a:t>
+              <a:t>2019/2/25</a:t>
             </a:fld>
             <a:endParaRPr kumimoji="1" lang="ja-JP" altLang="en-US"/>
           </a:p>
@@ -672,7 +673,7 @@
           <a:p>
             <a:fld id="{04B62EDD-4951-463E-92DE-B5FB06F7687D}" type="datetimeFigureOut">
               <a:rPr kumimoji="1" lang="ja-JP" altLang="en-US" smtClean="0"/>
-              <a:t>2019/2/22</a:t>
+              <a:t>2019/2/25</a:t>
             </a:fld>
             <a:endParaRPr kumimoji="1" lang="ja-JP" altLang="en-US"/>
           </a:p>
@@ -874,7 +875,7 @@
           <a:p>
             <a:fld id="{04B62EDD-4951-463E-92DE-B5FB06F7687D}" type="datetimeFigureOut">
               <a:rPr kumimoji="1" lang="ja-JP" altLang="en-US" smtClean="0"/>
-              <a:t>2019/2/22</a:t>
+              <a:t>2019/2/25</a:t>
             </a:fld>
             <a:endParaRPr kumimoji="1" lang="ja-JP" altLang="en-US"/>
           </a:p>
@@ -1120,7 +1121,7 @@
           <a:p>
             <a:fld id="{04B62EDD-4951-463E-92DE-B5FB06F7687D}" type="datetimeFigureOut">
               <a:rPr kumimoji="1" lang="ja-JP" altLang="en-US" smtClean="0"/>
-              <a:t>2019/2/22</a:t>
+              <a:t>2019/2/25</a:t>
             </a:fld>
             <a:endParaRPr kumimoji="1" lang="ja-JP" altLang="en-US"/>
           </a:p>
@@ -1416,7 +1417,7 @@
           <a:p>
             <a:fld id="{04B62EDD-4951-463E-92DE-B5FB06F7687D}" type="datetimeFigureOut">
               <a:rPr kumimoji="1" lang="ja-JP" altLang="en-US" smtClean="0"/>
-              <a:t>2019/2/22</a:t>
+              <a:t>2019/2/25</a:t>
             </a:fld>
             <a:endParaRPr kumimoji="1" lang="ja-JP" altLang="en-US"/>
           </a:p>
@@ -1847,7 +1848,7 @@
           <a:p>
             <a:fld id="{04B62EDD-4951-463E-92DE-B5FB06F7687D}" type="datetimeFigureOut">
               <a:rPr kumimoji="1" lang="ja-JP" altLang="en-US" smtClean="0"/>
-              <a:t>2019/2/22</a:t>
+              <a:t>2019/2/25</a:t>
             </a:fld>
             <a:endParaRPr kumimoji="1" lang="ja-JP" altLang="en-US"/>
           </a:p>
@@ -1965,7 +1966,7 @@
           <a:p>
             <a:fld id="{04B62EDD-4951-463E-92DE-B5FB06F7687D}" type="datetimeFigureOut">
               <a:rPr kumimoji="1" lang="ja-JP" altLang="en-US" smtClean="0"/>
-              <a:t>2019/2/22</a:t>
+              <a:t>2019/2/25</a:t>
             </a:fld>
             <a:endParaRPr kumimoji="1" lang="ja-JP" altLang="en-US"/>
           </a:p>
@@ -2060,7 +2061,7 @@
           <a:p>
             <a:fld id="{04B62EDD-4951-463E-92DE-B5FB06F7687D}" type="datetimeFigureOut">
               <a:rPr kumimoji="1" lang="ja-JP" altLang="en-US" smtClean="0"/>
-              <a:t>2019/2/22</a:t>
+              <a:t>2019/2/25</a:t>
             </a:fld>
             <a:endParaRPr kumimoji="1" lang="ja-JP" altLang="en-US"/>
           </a:p>
@@ -2369,7 +2370,7 @@
           <a:p>
             <a:fld id="{04B62EDD-4951-463E-92DE-B5FB06F7687D}" type="datetimeFigureOut">
               <a:rPr kumimoji="1" lang="ja-JP" altLang="en-US" smtClean="0"/>
-              <a:t>2019/2/22</a:t>
+              <a:t>2019/2/25</a:t>
             </a:fld>
             <a:endParaRPr kumimoji="1" lang="ja-JP" altLang="en-US"/>
           </a:p>
@@ -2622,7 +2623,7 @@
           <a:p>
             <a:fld id="{04B62EDD-4951-463E-92DE-B5FB06F7687D}" type="datetimeFigureOut">
               <a:rPr kumimoji="1" lang="ja-JP" altLang="en-US" smtClean="0"/>
-              <a:t>2019/2/22</a:t>
+              <a:t>2019/2/25</a:t>
             </a:fld>
             <a:endParaRPr kumimoji="1" lang="ja-JP" altLang="en-US"/>
           </a:p>
@@ -2867,7 +2868,7 @@
           <a:p>
             <a:fld id="{04B62EDD-4951-463E-92DE-B5FB06F7687D}" type="datetimeFigureOut">
               <a:rPr kumimoji="1" lang="ja-JP" altLang="en-US" smtClean="0"/>
-              <a:t>2019/2/22</a:t>
+              <a:t>2019/2/25</a:t>
             </a:fld>
             <a:endParaRPr kumimoji="1" lang="ja-JP" altLang="en-US"/>
           </a:p>
@@ -3336,6 +3337,401 @@
 </file>
 
 <file path=ppt/slides/slide10.xml><?xml version="1.0" encoding="utf-8"?>
+<p:sld xmlns:a="http://schemas.openxmlformats.org/drawingml/2006/main" xmlns:r="http://schemas.openxmlformats.org/officeDocument/2006/relationships" xmlns:p="http://schemas.openxmlformats.org/presentationml/2006/main">
+  <p:cSld>
+    <p:spTree>
+      <p:nvGrpSpPr>
+        <p:cNvPr id="1" name=""/>
+        <p:cNvGrpSpPr/>
+        <p:nvPr/>
+      </p:nvGrpSpPr>
+      <p:grpSpPr>
+        <a:xfrm>
+          <a:off x="0" y="0"/>
+          <a:ext cx="0" cy="0"/>
+          <a:chOff x="0" y="0"/>
+          <a:chExt cx="0" cy="0"/>
+        </a:xfrm>
+      </p:grpSpPr>
+      <p:sp>
+        <p:nvSpPr>
+          <p:cNvPr id="2" name="タイトル 1"/>
+          <p:cNvSpPr>
+            <a:spLocks noGrp="1"/>
+          </p:cNvSpPr>
+          <p:nvPr>
+            <p:ph type="title"/>
+          </p:nvPr>
+        </p:nvSpPr>
+        <p:spPr/>
+        <p:txBody>
+          <a:bodyPr/>
+          <a:lstStyle/>
+          <a:p>
+            <a:r>
+              <a:rPr lang="en-US" altLang="ja-JP" dirty="0" smtClean="0"/>
+              <a:t>RT</a:t>
+            </a:r>
+            <a:r>
+              <a:rPr kumimoji="1" lang="ja-JP" altLang="en-US" dirty="0" smtClean="0"/>
+              <a:t>のモデル化</a:t>
+            </a:r>
+            <a:endParaRPr kumimoji="1" lang="ja-JP" altLang="en-US" dirty="0"/>
+          </a:p>
+        </p:txBody>
+      </p:sp>
+      <mc:AlternateContent xmlns:mc="http://schemas.openxmlformats.org/markup-compatibility/2006" xmlns:a14="http://schemas.microsoft.com/office/drawing/2010/main">
+        <mc:Choice Requires="a14">
+          <p:sp>
+            <p:nvSpPr>
+              <p:cNvPr id="4" name="テキスト ボックス 3"/>
+              <p:cNvSpPr txBox="1"/>
+              <p:nvPr/>
+            </p:nvSpPr>
+            <p:spPr>
+              <a:xfrm>
+                <a:off x="1365503" y="2511552"/>
+                <a:ext cx="6092819" cy="844014"/>
+              </a:xfrm>
+              <a:prstGeom prst="rect">
+                <a:avLst/>
+              </a:prstGeom>
+              <a:noFill/>
+            </p:spPr>
+            <p:txBody>
+              <a:bodyPr wrap="square" rtlCol="0">
+                <a:spAutoFit/>
+              </a:bodyPr>
+              <a:lstStyle/>
+              <a:p>
+                <a14:m>
+                  <m:oMath xmlns:m="http://schemas.openxmlformats.org/officeDocument/2006/math">
+                    <m:sSub>
+                      <m:sSubPr>
+                        <m:ctrlPr>
+                          <a:rPr lang="en-US" altLang="ja-JP" sz="4400" i="1" smtClean="0">
+                            <a:latin typeface="Cambria Math" panose="02040503050406030204" pitchFamily="18" charset="0"/>
+                          </a:rPr>
+                        </m:ctrlPr>
+                      </m:sSubPr>
+                      <m:e>
+                        <m:r>
+                          <a:rPr lang="en-US" altLang="ja-JP" sz="4400" b="0" i="1" smtClean="0">
+                            <a:latin typeface="Cambria Math" panose="02040503050406030204" pitchFamily="18" charset="0"/>
+                          </a:rPr>
+                          <m:t>𝑅</m:t>
+                        </m:r>
+                      </m:e>
+                      <m:sub>
+                        <m:r>
+                          <a:rPr lang="en-US" altLang="ja-JP" sz="4400" b="0" i="1" smtClean="0">
+                            <a:latin typeface="Cambria Math" panose="02040503050406030204" pitchFamily="18" charset="0"/>
+                          </a:rPr>
+                          <m:t>𝑛</m:t>
+                        </m:r>
+                      </m:sub>
+                    </m:sSub>
+                    <m:d>
+                      <m:dPr>
+                        <m:ctrlPr>
+                          <a:rPr lang="en-US" altLang="ja-JP" sz="4400" i="1" smtClean="0">
+                            <a:latin typeface="Cambria Math" panose="02040503050406030204" pitchFamily="18" charset="0"/>
+                          </a:rPr>
+                        </m:ctrlPr>
+                      </m:dPr>
+                      <m:e>
+                        <m:r>
+                          <a:rPr lang="en-US" altLang="ja-JP" sz="4400" b="0" i="1" smtClean="0">
+                            <a:latin typeface="Cambria Math" panose="02040503050406030204" pitchFamily="18" charset="0"/>
+                          </a:rPr>
+                          <m:t>𝑡</m:t>
+                        </m:r>
+                      </m:e>
+                    </m:d>
+                  </m:oMath>
+                </a14:m>
+                <a:r>
+                  <a:rPr kumimoji="1" lang="en-US" altLang="ja-JP" sz="4400" dirty="0" smtClean="0"/>
+                  <a:t>:=</a:t>
+                </a:r>
+                <a14:m>
+                  <m:oMath xmlns:m="http://schemas.openxmlformats.org/officeDocument/2006/math">
+                    <m:nary>
+                      <m:naryPr>
+                        <m:chr m:val="∑"/>
+                        <m:supHide m:val="on"/>
+                        <m:ctrlPr>
+                          <a:rPr kumimoji="1" lang="en-US" altLang="ja-JP" sz="4400" i="1" smtClean="0">
+                            <a:latin typeface="Cambria Math" panose="02040503050406030204" pitchFamily="18" charset="0"/>
+                          </a:rPr>
+                        </m:ctrlPr>
+                      </m:naryPr>
+                      <m:sub>
+                        <m:r>
+                          <a:rPr kumimoji="1" lang="en-US" altLang="ja-JP" sz="4400" b="0" i="1" smtClean="0">
+                            <a:latin typeface="Cambria Math" panose="02040503050406030204" pitchFamily="18" charset="0"/>
+                          </a:rPr>
+                          <m:t>𝑛</m:t>
+                        </m:r>
+                        <m:r>
+                          <a:rPr kumimoji="1" lang="en-US" altLang="ja-JP" sz="4400" b="0" i="1" smtClean="0">
+                            <a:latin typeface="Cambria Math" panose="02040503050406030204" pitchFamily="18" charset="0"/>
+                            <a:ea typeface="Cambria Math" panose="02040503050406030204" pitchFamily="18" charset="0"/>
+                          </a:rPr>
+                          <m:t>∈</m:t>
+                        </m:r>
+                        <m:sSub>
+                          <m:sSubPr>
+                            <m:ctrlPr>
+                              <a:rPr lang="en-US" altLang="ja-JP" sz="4400" i="1">
+                                <a:latin typeface="Cambria Math" panose="02040503050406030204" pitchFamily="18" charset="0"/>
+                              </a:rPr>
+                            </m:ctrlPr>
+                          </m:sSubPr>
+                          <m:e>
+                            <m:r>
+                              <a:rPr lang="en-US" altLang="ja-JP" sz="4400" i="1">
+                                <a:latin typeface="Cambria Math" panose="02040503050406030204" pitchFamily="18" charset="0"/>
+                              </a:rPr>
+                              <m:t>𝑅𝐶</m:t>
+                            </m:r>
+                          </m:e>
+                          <m:sub>
+                            <m:r>
+                              <a:rPr lang="en-US" altLang="ja-JP" sz="4400" i="1">
+                                <a:latin typeface="Cambria Math" panose="02040503050406030204" pitchFamily="18" charset="0"/>
+                              </a:rPr>
+                              <m:t>𝑛</m:t>
+                            </m:r>
+                          </m:sub>
+                        </m:sSub>
+                      </m:sub>
+                      <m:sup/>
+                      <m:e>
+                        <m:sSub>
+                          <m:sSubPr>
+                            <m:ctrlPr>
+                              <a:rPr lang="en-US" altLang="ja-JP" sz="4400" i="1" smtClean="0">
+                                <a:latin typeface="Cambria Math" panose="02040503050406030204" pitchFamily="18" charset="0"/>
+                                <a:ea typeface="Cambria Math" panose="02040503050406030204" pitchFamily="18" charset="0"/>
+                              </a:rPr>
+                            </m:ctrlPr>
+                          </m:sSubPr>
+                          <m:e>
+                            <m:r>
+                              <a:rPr lang="en-US" altLang="ja-JP" sz="4400" b="0" i="1" smtClean="0">
+                                <a:latin typeface="Cambria Math" panose="02040503050406030204" pitchFamily="18" charset="0"/>
+                                <a:ea typeface="Cambria Math" panose="02040503050406030204" pitchFamily="18" charset="0"/>
+                              </a:rPr>
+                              <m:t>𝐶</m:t>
+                            </m:r>
+                          </m:e>
+                          <m:sub>
+                            <m:r>
+                              <a:rPr lang="en-US" altLang="ja-JP" sz="4400" b="0" i="1" smtClean="0">
+                                <a:latin typeface="Cambria Math" panose="02040503050406030204" pitchFamily="18" charset="0"/>
+                                <a:ea typeface="Cambria Math" panose="02040503050406030204" pitchFamily="18" charset="0"/>
+                              </a:rPr>
+                              <m:t>𝑛</m:t>
+                            </m:r>
+                          </m:sub>
+                        </m:sSub>
+                        <m:r>
+                          <a:rPr kumimoji="1" lang="en-US" altLang="ja-JP" sz="4400" b="0" i="1" smtClean="0">
+                            <a:latin typeface="Cambria Math" panose="02040503050406030204" pitchFamily="18" charset="0"/>
+                          </a:rPr>
+                          <m:t>(</m:t>
+                        </m:r>
+                        <m:r>
+                          <a:rPr kumimoji="1" lang="en-US" altLang="ja-JP" sz="4400" b="0" i="1" smtClean="0">
+                            <a:latin typeface="Cambria Math" panose="02040503050406030204" pitchFamily="18" charset="0"/>
+                          </a:rPr>
+                          <m:t>𝑡</m:t>
+                        </m:r>
+                        <m:r>
+                          <a:rPr kumimoji="1" lang="en-US" altLang="ja-JP" sz="4400" b="0" i="1" smtClean="0">
+                            <a:latin typeface="Cambria Math" panose="02040503050406030204" pitchFamily="18" charset="0"/>
+                          </a:rPr>
+                          <m:t>)</m:t>
+                        </m:r>
+                      </m:e>
+                    </m:nary>
+                  </m:oMath>
+                </a14:m>
+                <a:endParaRPr kumimoji="1" lang="ja-JP" altLang="en-US" sz="4400" dirty="0"/>
+              </a:p>
+            </p:txBody>
+          </p:sp>
+        </mc:Choice>
+        <mc:Fallback xmlns="">
+          <p:sp>
+            <p:nvSpPr>
+              <p:cNvPr id="4" name="テキスト ボックス 3"/>
+              <p:cNvSpPr txBox="1">
+                <a:spLocks noRot="1" noChangeAspect="1" noMove="1" noResize="1" noEditPoints="1" noAdjustHandles="1" noChangeArrowheads="1" noChangeShapeType="1" noTextEdit="1"/>
+              </p:cNvSpPr>
+              <p:nvPr/>
+            </p:nvSpPr>
+            <p:spPr>
+              <a:xfrm>
+                <a:off x="1365503" y="2511552"/>
+                <a:ext cx="6092819" cy="844014"/>
+              </a:xfrm>
+              <a:prstGeom prst="rect">
+                <a:avLst/>
+              </a:prstGeom>
+              <a:blipFill>
+                <a:blip r:embed="rId2"/>
+                <a:stretch>
+                  <a:fillRect t="-12319" b="-27536"/>
+                </a:stretch>
+              </a:blipFill>
+            </p:spPr>
+            <p:txBody>
+              <a:bodyPr/>
+              <a:lstStyle/>
+              <a:p>
+                <a:r>
+                  <a:rPr lang="ja-JP" altLang="en-US">
+                    <a:noFill/>
+                  </a:rPr>
+                  <a:t> </a:t>
+                </a:r>
+              </a:p>
+            </p:txBody>
+          </p:sp>
+        </mc:Fallback>
+      </mc:AlternateContent>
+      <p:sp>
+        <p:nvSpPr>
+          <p:cNvPr id="5" name="テキスト ボックス 4"/>
+          <p:cNvSpPr txBox="1"/>
+          <p:nvPr/>
+        </p:nvSpPr>
+        <p:spPr>
+          <a:xfrm>
+            <a:off x="8575611" y="1588222"/>
+            <a:ext cx="2904565" cy="369332"/>
+          </a:xfrm>
+          <a:prstGeom prst="rect">
+            <a:avLst/>
+          </a:prstGeom>
+          <a:noFill/>
+        </p:spPr>
+        <p:txBody>
+          <a:bodyPr wrap="square" rtlCol="0">
+            <a:spAutoFit/>
+          </a:bodyPr>
+          <a:lstStyle/>
+          <a:p>
+            <a:r>
+              <a:rPr lang="ja-JP" altLang="en-US" dirty="0" smtClean="0"/>
+              <a:t>行列の足し算は定義済み</a:t>
+            </a:r>
+            <a:endParaRPr kumimoji="1" lang="ja-JP" altLang="en-US" dirty="0"/>
+          </a:p>
+        </p:txBody>
+      </p:sp>
+      <p:sp>
+        <p:nvSpPr>
+          <p:cNvPr id="6" name="テキスト ボックス 5"/>
+          <p:cNvSpPr txBox="1"/>
+          <p:nvPr/>
+        </p:nvSpPr>
+        <p:spPr>
+          <a:xfrm>
+            <a:off x="5760694" y="4354375"/>
+            <a:ext cx="4046694" cy="369332"/>
+          </a:xfrm>
+          <a:prstGeom prst="rect">
+            <a:avLst/>
+          </a:prstGeom>
+          <a:noFill/>
+        </p:spPr>
+        <p:txBody>
+          <a:bodyPr wrap="square" rtlCol="0">
+            <a:spAutoFit/>
+          </a:bodyPr>
+          <a:lstStyle/>
+          <a:p>
+            <a:r>
+              <a:rPr lang="en-US" altLang="ja-JP" dirty="0" smtClean="0"/>
+              <a:t>VSS</a:t>
+            </a:r>
+            <a:r>
+              <a:rPr lang="ja-JP" altLang="en-US" dirty="0" smtClean="0"/>
+              <a:t>に属するカメラの数はほぼ</a:t>
+            </a:r>
+            <a:r>
+              <a:rPr lang="en-US" altLang="ja-JP" dirty="0" smtClean="0"/>
+              <a:t>1</a:t>
+            </a:r>
+          </a:p>
+        </p:txBody>
+      </p:sp>
+      <p:sp>
+        <p:nvSpPr>
+          <p:cNvPr id="7" name="テキスト ボックス 6"/>
+          <p:cNvSpPr txBox="1"/>
+          <p:nvPr/>
+        </p:nvSpPr>
+        <p:spPr>
+          <a:xfrm>
+            <a:off x="5653118" y="3375443"/>
+            <a:ext cx="4046694" cy="369332"/>
+          </a:xfrm>
+          <a:prstGeom prst="rect">
+            <a:avLst/>
+          </a:prstGeom>
+          <a:noFill/>
+        </p:spPr>
+        <p:txBody>
+          <a:bodyPr wrap="square" rtlCol="0">
+            <a:spAutoFit/>
+          </a:bodyPr>
+          <a:lstStyle/>
+          <a:p>
+            <a:r>
+              <a:rPr lang="en-US" altLang="ja-JP" dirty="0" err="1" smtClean="0"/>
+              <a:t>Cn:n</a:t>
+            </a:r>
+            <a:r>
+              <a:rPr lang="ja-JP" altLang="en-US" dirty="0" smtClean="0"/>
+              <a:t>番目の</a:t>
+            </a:r>
+            <a:r>
+              <a:rPr lang="en-US" altLang="ja-JP" dirty="0" smtClean="0"/>
+              <a:t>VSS</a:t>
+            </a:r>
+            <a:r>
+              <a:rPr lang="ja-JP" altLang="en-US" dirty="0" smtClean="0"/>
+              <a:t>に属するカメラ</a:t>
+            </a:r>
+            <a:endParaRPr kumimoji="1" lang="ja-JP" altLang="en-US" dirty="0"/>
+          </a:p>
+        </p:txBody>
+      </p:sp>
+    </p:spTree>
+    <p:extLst>
+      <p:ext uri="{BB962C8B-B14F-4D97-AF65-F5344CB8AC3E}">
+        <p14:creationId xmlns:p14="http://schemas.microsoft.com/office/powerpoint/2010/main" val="1911755669"/>
+      </p:ext>
+    </p:extLst>
+  </p:cSld>
+  <p:clrMapOvr>
+    <a:masterClrMapping/>
+  </p:clrMapOvr>
+  <p:timing>
+    <p:tnLst>
+      <p:par>
+        <p:cTn id="1" dur="indefinite" restart="never" nodeType="tmRoot"/>
+      </p:par>
+    </p:tnLst>
+  </p:timing>
+</p:sld>
+</file>
+
+<file path=ppt/slides/slide11.xml><?xml version="1.0" encoding="utf-8"?>
 <p:sld xmlns:a="http://schemas.openxmlformats.org/drawingml/2006/main" xmlns:r="http://schemas.openxmlformats.org/officeDocument/2006/relationships" xmlns:p="http://schemas.openxmlformats.org/presentationml/2006/main">
   <p:cSld>
     <p:spTree>
@@ -4168,7 +4564,7 @@
 </p:sld>
 </file>
 
-<file path=ppt/slides/slide11.xml><?xml version="1.0" encoding="utf-8"?>
+<file path=ppt/slides/slide12.xml><?xml version="1.0" encoding="utf-8"?>
 <p:sld xmlns:a="http://schemas.openxmlformats.org/drawingml/2006/main" xmlns:r="http://schemas.openxmlformats.org/officeDocument/2006/relationships" xmlns:p="http://schemas.openxmlformats.org/presentationml/2006/main">
   <p:cSld>
     <p:spTree>
@@ -4276,49 +4672,49 @@
                     <a:gridCol w="720000">
                       <a:extLst>
                         <a:ext uri="{9D8B030D-6E8A-4147-A177-3AD203B41FA5}">
-                          <a16:colId xmlns:a16="http://schemas.microsoft.com/office/drawing/2014/main" xmlns="" val="849826274"/>
+                          <a16:colId xmlns="" xmlns:a16="http://schemas.microsoft.com/office/drawing/2014/main" val="849826274"/>
                         </a:ext>
                       </a:extLst>
                     </a:gridCol>
                     <a:gridCol w="720000">
                       <a:extLst>
                         <a:ext uri="{9D8B030D-6E8A-4147-A177-3AD203B41FA5}">
-                          <a16:colId xmlns:a16="http://schemas.microsoft.com/office/drawing/2014/main" xmlns="" val="3122597115"/>
+                          <a16:colId xmlns="" xmlns:a16="http://schemas.microsoft.com/office/drawing/2014/main" val="3122597115"/>
                         </a:ext>
                       </a:extLst>
                     </a:gridCol>
                     <a:gridCol w="720000">
                       <a:extLst>
                         <a:ext uri="{9D8B030D-6E8A-4147-A177-3AD203B41FA5}">
-                          <a16:colId xmlns:a16="http://schemas.microsoft.com/office/drawing/2014/main" xmlns="" val="2119792792"/>
+                          <a16:colId xmlns="" xmlns:a16="http://schemas.microsoft.com/office/drawing/2014/main" val="2119792792"/>
                         </a:ext>
                       </a:extLst>
                     </a:gridCol>
                     <a:gridCol w="720000">
                       <a:extLst>
                         <a:ext uri="{9D8B030D-6E8A-4147-A177-3AD203B41FA5}">
-                          <a16:colId xmlns:a16="http://schemas.microsoft.com/office/drawing/2014/main" xmlns="" val="3054159046"/>
+                          <a16:colId xmlns="" xmlns:a16="http://schemas.microsoft.com/office/drawing/2014/main" val="3054159046"/>
                         </a:ext>
                       </a:extLst>
                     </a:gridCol>
                     <a:gridCol w="720000">
                       <a:extLst>
                         <a:ext uri="{9D8B030D-6E8A-4147-A177-3AD203B41FA5}">
-                          <a16:colId xmlns:a16="http://schemas.microsoft.com/office/drawing/2014/main" xmlns="" val="1335098707"/>
+                          <a16:colId xmlns="" xmlns:a16="http://schemas.microsoft.com/office/drawing/2014/main" val="1335098707"/>
                         </a:ext>
                       </a:extLst>
                     </a:gridCol>
                     <a:gridCol w="720000">
                       <a:extLst>
                         <a:ext uri="{9D8B030D-6E8A-4147-A177-3AD203B41FA5}">
-                          <a16:colId xmlns:a16="http://schemas.microsoft.com/office/drawing/2014/main" xmlns="" val="2189793948"/>
+                          <a16:colId xmlns="" xmlns:a16="http://schemas.microsoft.com/office/drawing/2014/main" val="2189793948"/>
                         </a:ext>
                       </a:extLst>
                     </a:gridCol>
                     <a:gridCol w="720000">
                       <a:extLst>
                         <a:ext uri="{9D8B030D-6E8A-4147-A177-3AD203B41FA5}">
-                          <a16:colId xmlns:a16="http://schemas.microsoft.com/office/drawing/2014/main" xmlns="" val="4073850615"/>
+                          <a16:colId xmlns="" xmlns:a16="http://schemas.microsoft.com/office/drawing/2014/main" val="4073850615"/>
                         </a:ext>
                       </a:extLst>
                     </a:gridCol>
@@ -5283,7 +5679,7 @@
                     </a:tc>
                     <a:extLst>
                       <a:ext uri="{0D108BD9-81ED-4DB2-BD59-A6C34878D82A}">
-                        <a16:rowId xmlns:a16="http://schemas.microsoft.com/office/drawing/2014/main" xmlns="" val="2282192497"/>
+                        <a16:rowId xmlns="" xmlns:a16="http://schemas.microsoft.com/office/drawing/2014/main" val="2282192497"/>
                       </a:ext>
                     </a:extLst>
                   </a:tr>
@@ -6326,7 +6722,7 @@
                     </a:tc>
                     <a:extLst>
                       <a:ext uri="{0D108BD9-81ED-4DB2-BD59-A6C34878D82A}">
-                        <a16:rowId xmlns:a16="http://schemas.microsoft.com/office/drawing/2014/main" xmlns="" val="285879134"/>
+                        <a16:rowId xmlns="" xmlns:a16="http://schemas.microsoft.com/office/drawing/2014/main" val="285879134"/>
                       </a:ext>
                     </a:extLst>
                   </a:tr>
@@ -6914,7 +7310,7 @@
                     </a:tc>
                     <a:extLst>
                       <a:ext uri="{0D108BD9-81ED-4DB2-BD59-A6C34878D82A}">
-                        <a16:rowId xmlns:a16="http://schemas.microsoft.com/office/drawing/2014/main" xmlns="" val="1414773290"/>
+                        <a16:rowId xmlns="" xmlns:a16="http://schemas.microsoft.com/office/drawing/2014/main" val="1414773290"/>
                       </a:ext>
                     </a:extLst>
                   </a:tr>
@@ -7502,7 +7898,7 @@
                     </a:tc>
                     <a:extLst>
                       <a:ext uri="{0D108BD9-81ED-4DB2-BD59-A6C34878D82A}">
-                        <a16:rowId xmlns:a16="http://schemas.microsoft.com/office/drawing/2014/main" xmlns="" val="3029169098"/>
+                        <a16:rowId xmlns="" xmlns:a16="http://schemas.microsoft.com/office/drawing/2014/main" val="3029169098"/>
                       </a:ext>
                     </a:extLst>
                   </a:tr>
@@ -8090,7 +8486,7 @@
                     </a:tc>
                     <a:extLst>
                       <a:ext uri="{0D108BD9-81ED-4DB2-BD59-A6C34878D82A}">
-                        <a16:rowId xmlns:a16="http://schemas.microsoft.com/office/drawing/2014/main" xmlns="" val="1551467127"/>
+                        <a16:rowId xmlns="" xmlns:a16="http://schemas.microsoft.com/office/drawing/2014/main" val="1551467127"/>
                       </a:ext>
                     </a:extLst>
                   </a:tr>
@@ -8678,7 +9074,7 @@
                     </a:tc>
                     <a:extLst>
                       <a:ext uri="{0D108BD9-81ED-4DB2-BD59-A6C34878D82A}">
-                        <a16:rowId xmlns:a16="http://schemas.microsoft.com/office/drawing/2014/main" xmlns="" val="1957575383"/>
+                        <a16:rowId xmlns="" xmlns:a16="http://schemas.microsoft.com/office/drawing/2014/main" val="1957575383"/>
                       </a:ext>
                     </a:extLst>
                   </a:tr>
@@ -10582,7 +10978,7 @@
 </p:sld>
 </file>
 
-<file path=ppt/slides/slide12.xml><?xml version="1.0" encoding="utf-8"?>
+<file path=ppt/slides/slide13.xml><?xml version="1.0" encoding="utf-8"?>
 <p:sld xmlns:a="http://schemas.openxmlformats.org/drawingml/2006/main" xmlns:r="http://schemas.openxmlformats.org/officeDocument/2006/relationships" xmlns:p="http://schemas.openxmlformats.org/presentationml/2006/main">
   <p:cSld>
     <p:spTree>
@@ -12702,7 +13098,7 @@
 </p:sld>
 </file>
 
-<file path=ppt/slides/slide13.xml><?xml version="1.0" encoding="utf-8"?>
+<file path=ppt/slides/slide14.xml><?xml version="1.0" encoding="utf-8"?>
 <p:sld xmlns:a="http://schemas.openxmlformats.org/drawingml/2006/main" xmlns:r="http://schemas.openxmlformats.org/officeDocument/2006/relationships" xmlns:p="http://schemas.openxmlformats.org/presentationml/2006/main">
   <p:cSld>
     <p:spTree>
@@ -15526,7 +15922,7 @@
 </p:sld>
 </file>
 
-<file path=ppt/slides/slide14.xml><?xml version="1.0" encoding="utf-8"?>
+<file path=ppt/slides/slide15.xml><?xml version="1.0" encoding="utf-8"?>
 <p:sld xmlns:a="http://schemas.openxmlformats.org/drawingml/2006/main" xmlns:r="http://schemas.openxmlformats.org/officeDocument/2006/relationships" xmlns:p="http://schemas.openxmlformats.org/presentationml/2006/main">
   <p:cSld>
     <p:spTree>
@@ -15797,7 +16193,7 @@
 </p:sld>
 </file>
 
-<file path=ppt/slides/slide15.xml><?xml version="1.0" encoding="utf-8"?>
+<file path=ppt/slides/slide16.xml><?xml version="1.0" encoding="utf-8"?>
 <p:sld xmlns:a="http://schemas.openxmlformats.org/drawingml/2006/main" xmlns:r="http://schemas.openxmlformats.org/officeDocument/2006/relationships" xmlns:p="http://schemas.openxmlformats.org/presentationml/2006/main">
   <p:cSld>
     <p:spTree>
@@ -17322,8 +17718,8 @@
             </a:p>
           </p:txBody>
         </p:sp>
-        <mc:AlternateContent xmlns:mc="http://schemas.openxmlformats.org/markup-compatibility/2006">
-          <mc:Choice xmlns:a14="http://schemas.microsoft.com/office/drawing/2010/main" Requires="a14">
+        <mc:AlternateContent xmlns:mc="http://schemas.openxmlformats.org/markup-compatibility/2006" xmlns:a14="http://schemas.microsoft.com/office/drawing/2010/main">
+          <mc:Choice Requires="a14">
             <p:sp>
               <p:nvSpPr>
                 <p:cNvPr id="28" name="テキスト ボックス 27"/>
@@ -17468,7 +17864,7 @@
               </p:txBody>
             </p:sp>
           </mc:Choice>
-          <mc:Fallback>
+          <mc:Fallback xmlns="">
             <p:sp>
               <p:nvSpPr>
                 <p:cNvPr id="28" name="テキスト ボックス 27"/>
@@ -19013,7 +19409,7 @@
 </p:sld>
 </file>
 
-<file path=ppt/slides/slide16.xml><?xml version="1.0" encoding="utf-8"?>
+<file path=ppt/slides/slide17.xml><?xml version="1.0" encoding="utf-8"?>
 <p:sld xmlns:a="http://schemas.openxmlformats.org/drawingml/2006/main" xmlns:r="http://schemas.openxmlformats.org/officeDocument/2006/relationships" xmlns:p="http://schemas.openxmlformats.org/presentationml/2006/main">
   <p:cSld>
     <p:spTree>
@@ -19522,162 +19918,1262 @@
       </p:grpSpPr>
       <p:grpSp>
         <p:nvGrpSpPr>
-          <p:cNvPr id="2" name="グループ化 1"/>
+          <p:cNvPr id="12" name="グループ化 11"/>
           <p:cNvGrpSpPr/>
           <p:nvPr/>
         </p:nvGrpSpPr>
         <p:grpSpPr>
           <a:xfrm>
-            <a:off x="316992" y="335684"/>
-            <a:ext cx="11460892" cy="5497136"/>
-            <a:chOff x="316992" y="335684"/>
-            <a:chExt cx="11460892" cy="5497136"/>
+            <a:off x="76758" y="335684"/>
+            <a:ext cx="11615370" cy="5883714"/>
+            <a:chOff x="76758" y="335684"/>
+            <a:chExt cx="11615370" cy="5883714"/>
           </a:xfrm>
         </p:grpSpPr>
-        <p:cxnSp>
-          <p:nvCxnSpPr>
-            <p:cNvPr id="3" name="直線コネクタ 2"/>
-            <p:cNvCxnSpPr/>
-            <p:nvPr/>
-          </p:nvCxnSpPr>
-          <p:spPr>
-            <a:xfrm>
-              <a:off x="414528" y="1207008"/>
-              <a:ext cx="11119104" cy="0"/>
-            </a:xfrm>
-            <a:prstGeom prst="line">
-              <a:avLst/>
-            </a:prstGeom>
-          </p:spPr>
-          <p:style>
-            <a:lnRef idx="1">
-              <a:schemeClr val="dk1"/>
-            </a:lnRef>
-            <a:fillRef idx="0">
-              <a:schemeClr val="dk1"/>
-            </a:fillRef>
-            <a:effectRef idx="0">
-              <a:schemeClr val="dk1"/>
-            </a:effectRef>
-            <a:fontRef idx="minor">
-              <a:schemeClr val="tx1"/>
-            </a:fontRef>
-          </p:style>
-        </p:cxnSp>
-        <p:cxnSp>
-          <p:nvCxnSpPr>
-            <p:cNvPr id="4" name="直線コネクタ 3"/>
-            <p:cNvCxnSpPr/>
-            <p:nvPr/>
-          </p:nvCxnSpPr>
-          <p:spPr>
-            <a:xfrm>
-              <a:off x="438912" y="2718816"/>
-              <a:ext cx="11253216" cy="0"/>
-            </a:xfrm>
-            <a:prstGeom prst="line">
-              <a:avLst/>
-            </a:prstGeom>
-          </p:spPr>
-          <p:style>
-            <a:lnRef idx="1">
-              <a:schemeClr val="dk1"/>
-            </a:lnRef>
-            <a:fillRef idx="0">
-              <a:schemeClr val="dk1"/>
-            </a:fillRef>
-            <a:effectRef idx="0">
-              <a:schemeClr val="dk1"/>
-            </a:effectRef>
-            <a:fontRef idx="minor">
-              <a:schemeClr val="tx1"/>
-            </a:fontRef>
-          </p:style>
-        </p:cxnSp>
-        <p:sp>
-          <p:nvSpPr>
-            <p:cNvPr id="39" name="テキスト ボックス 38"/>
-            <p:cNvSpPr txBox="1"/>
-            <p:nvPr/>
-          </p:nvSpPr>
-          <p:spPr>
-            <a:xfrm>
-              <a:off x="316992" y="837676"/>
-              <a:ext cx="2596896" cy="369332"/>
-            </a:xfrm>
-            <a:prstGeom prst="rect">
-              <a:avLst/>
-            </a:prstGeom>
-            <a:noFill/>
-          </p:spPr>
-          <p:txBody>
-            <a:bodyPr wrap="square" rtlCol="0">
-              <a:spAutoFit/>
-            </a:bodyPr>
-            <a:lstStyle/>
-            <a:p>
-              <a:r>
-                <a:rPr kumimoji="1" lang="ja-JP" altLang="en-US" dirty="0" smtClean="0"/>
-                <a:t>パブリックネット</a:t>
-              </a:r>
-              <a:endParaRPr kumimoji="1" lang="ja-JP" altLang="en-US" dirty="0"/>
-            </a:p>
-          </p:txBody>
-        </p:sp>
-        <p:sp>
-          <p:nvSpPr>
-            <p:cNvPr id="40" name="テキスト ボックス 39"/>
-            <p:cNvSpPr txBox="1"/>
-            <p:nvPr/>
-          </p:nvSpPr>
-          <p:spPr>
-            <a:xfrm>
-              <a:off x="316992" y="2349483"/>
-              <a:ext cx="2596896" cy="369332"/>
-            </a:xfrm>
-            <a:prstGeom prst="rect">
-              <a:avLst/>
-            </a:prstGeom>
-            <a:noFill/>
-          </p:spPr>
-          <p:txBody>
-            <a:bodyPr wrap="square" rtlCol="0">
-              <a:spAutoFit/>
-            </a:bodyPr>
-            <a:lstStyle/>
-            <a:p>
-              <a:r>
-                <a:rPr kumimoji="1" lang="ja-JP" altLang="en-US" dirty="0" smtClean="0"/>
-                <a:t>エッジ</a:t>
-              </a:r>
-              <a:endParaRPr kumimoji="1" lang="ja-JP" altLang="en-US" dirty="0"/>
-            </a:p>
-          </p:txBody>
-        </p:sp>
         <p:grpSp>
           <p:nvGrpSpPr>
-            <p:cNvPr id="44" name="グループ化 43"/>
+            <p:cNvPr id="11" name="グループ化 10"/>
             <p:cNvGrpSpPr/>
             <p:nvPr/>
           </p:nvGrpSpPr>
           <p:grpSpPr>
             <a:xfrm>
-              <a:off x="5280115" y="335684"/>
-              <a:ext cx="1387930" cy="833278"/>
-              <a:chOff x="5712354" y="2150072"/>
-              <a:chExt cx="4050771" cy="2431980"/>
+              <a:off x="236302" y="335684"/>
+              <a:ext cx="11455826" cy="5883714"/>
+              <a:chOff x="236302" y="335684"/>
+              <a:chExt cx="11455826" cy="5883714"/>
             </a:xfrm>
           </p:grpSpPr>
+          <p:cxnSp>
+            <p:nvCxnSpPr>
+              <p:cNvPr id="3" name="直線コネクタ 2"/>
+              <p:cNvCxnSpPr/>
+              <p:nvPr/>
+            </p:nvCxnSpPr>
+            <p:spPr>
+              <a:xfrm>
+                <a:off x="414528" y="1207008"/>
+                <a:ext cx="11119104" cy="0"/>
+              </a:xfrm>
+              <a:prstGeom prst="line">
+                <a:avLst/>
+              </a:prstGeom>
+            </p:spPr>
+            <p:style>
+              <a:lnRef idx="1">
+                <a:schemeClr val="dk1"/>
+              </a:lnRef>
+              <a:fillRef idx="0">
+                <a:schemeClr val="dk1"/>
+              </a:fillRef>
+              <a:effectRef idx="0">
+                <a:schemeClr val="dk1"/>
+              </a:effectRef>
+              <a:fontRef idx="minor">
+                <a:schemeClr val="tx1"/>
+              </a:fontRef>
+            </p:style>
+          </p:cxnSp>
+          <p:cxnSp>
+            <p:nvCxnSpPr>
+              <p:cNvPr id="4" name="直線コネクタ 3"/>
+              <p:cNvCxnSpPr/>
+              <p:nvPr/>
+            </p:nvCxnSpPr>
+            <p:spPr>
+              <a:xfrm>
+                <a:off x="438912" y="2718816"/>
+                <a:ext cx="11253216" cy="0"/>
+              </a:xfrm>
+              <a:prstGeom prst="line">
+                <a:avLst/>
+              </a:prstGeom>
+            </p:spPr>
+            <p:style>
+              <a:lnRef idx="1">
+                <a:schemeClr val="dk1"/>
+              </a:lnRef>
+              <a:fillRef idx="0">
+                <a:schemeClr val="dk1"/>
+              </a:fillRef>
+              <a:effectRef idx="0">
+                <a:schemeClr val="dk1"/>
+              </a:effectRef>
+              <a:fontRef idx="minor">
+                <a:schemeClr val="tx1"/>
+              </a:fontRef>
+            </p:style>
+          </p:cxnSp>
+          <p:sp>
+            <p:nvSpPr>
+              <p:cNvPr id="39" name="テキスト ボックス 38"/>
+              <p:cNvSpPr txBox="1"/>
+              <p:nvPr/>
+            </p:nvSpPr>
+            <p:spPr>
+              <a:xfrm>
+                <a:off x="316992" y="837676"/>
+                <a:ext cx="2948638" cy="369332"/>
+              </a:xfrm>
+              <a:prstGeom prst="rect">
+                <a:avLst/>
+              </a:prstGeom>
+              <a:noFill/>
+            </p:spPr>
+            <p:txBody>
+              <a:bodyPr wrap="square" rtlCol="0">
+                <a:spAutoFit/>
+              </a:bodyPr>
+              <a:lstStyle/>
+              <a:p>
+                <a:r>
+                  <a:rPr kumimoji="1" lang="ja-JP" altLang="en-US" dirty="0" smtClean="0"/>
+                  <a:t>パブリックネットワーク</a:t>
+                </a:r>
+                <a:endParaRPr kumimoji="1" lang="ja-JP" altLang="en-US" dirty="0"/>
+              </a:p>
+            </p:txBody>
+          </p:sp>
+          <p:grpSp>
+            <p:nvGrpSpPr>
+              <p:cNvPr id="44" name="グループ化 43"/>
+              <p:cNvGrpSpPr/>
+              <p:nvPr/>
+            </p:nvGrpSpPr>
+            <p:grpSpPr>
+              <a:xfrm>
+                <a:off x="5280115" y="335684"/>
+                <a:ext cx="1387930" cy="833278"/>
+                <a:chOff x="5712354" y="2150072"/>
+                <a:chExt cx="4050771" cy="2431980"/>
+              </a:xfrm>
+            </p:grpSpPr>
+            <p:pic>
+              <p:nvPicPr>
+                <p:cNvPr id="45" name="Picture 8" descr="サーバのイラスト（1台）"/>
+                <p:cNvPicPr>
+                  <a:picLocks noChangeAspect="1" noChangeArrowheads="1"/>
+                </p:cNvPicPr>
+                <p:nvPr/>
+              </p:nvPicPr>
+              <p:blipFill>
+                <a:blip r:embed="rId2" cstate="print">
+                  <a:extLst>
+                    <a:ext uri="{28A0092B-C50C-407E-A947-70E740481C1C}">
+                      <a14:useLocalDpi xmlns:a14="http://schemas.microsoft.com/office/drawing/2010/main" val="0"/>
+                    </a:ext>
+                  </a:extLst>
+                </a:blip>
+                <a:srcRect/>
+                <a:stretch>
+                  <a:fillRect/>
+                </a:stretch>
+              </p:blipFill>
+              <p:spPr bwMode="auto">
+                <a:xfrm>
+                  <a:off x="6387042" y="2150072"/>
+                  <a:ext cx="1714500" cy="1714500"/>
+                </a:xfrm>
+                <a:prstGeom prst="rect">
+                  <a:avLst/>
+                </a:prstGeom>
+                <a:noFill/>
+                <a:extLst>
+                  <a:ext uri="{909E8E84-426E-40DD-AFC4-6F175D3DCCD1}">
+                    <a14:hiddenFill xmlns:a14="http://schemas.microsoft.com/office/drawing/2010/main">
+                      <a:solidFill>
+                        <a:srgbClr val="FFFFFF"/>
+                      </a:solidFill>
+                    </a14:hiddenFill>
+                  </a:ext>
+                </a:extLst>
+              </p:spPr>
+            </p:pic>
+            <p:pic>
+              <p:nvPicPr>
+                <p:cNvPr id="46" name="Picture 6" descr="雲のイラスト"/>
+                <p:cNvPicPr>
+                  <a:picLocks noChangeAspect="1" noChangeArrowheads="1"/>
+                </p:cNvPicPr>
+                <p:nvPr/>
+              </p:nvPicPr>
+              <p:blipFill rotWithShape="1">
+                <a:blip r:embed="rId3">
+                  <a:extLst>
+                    <a:ext uri="{28A0092B-C50C-407E-A947-70E740481C1C}">
+                      <a14:useLocalDpi xmlns:a14="http://schemas.microsoft.com/office/drawing/2010/main" val="0"/>
+                    </a:ext>
+                  </a:extLst>
+                </a:blip>
+                <a:srcRect b="57768"/>
+                <a:stretch/>
+              </p:blipFill>
+              <p:spPr bwMode="auto">
+                <a:xfrm>
+                  <a:off x="5712354" y="2871327"/>
+                  <a:ext cx="4050771" cy="1710725"/>
+                </a:xfrm>
+                <a:prstGeom prst="rect">
+                  <a:avLst/>
+                </a:prstGeom>
+                <a:noFill/>
+                <a:extLst>
+                  <a:ext uri="{909E8E84-426E-40DD-AFC4-6F175D3DCCD1}">
+                    <a14:hiddenFill xmlns:a14="http://schemas.microsoft.com/office/drawing/2010/main">
+                      <a:solidFill>
+                        <a:srgbClr val="FFFFFF"/>
+                      </a:solidFill>
+                    </a14:hiddenFill>
+                  </a:ext>
+                </a:extLst>
+              </p:spPr>
+            </p:pic>
+          </p:grpSp>
+          <p:cxnSp>
+            <p:nvCxnSpPr>
+              <p:cNvPr id="95" name="直線矢印コネクタ 94"/>
+              <p:cNvCxnSpPr/>
+              <p:nvPr/>
+            </p:nvCxnSpPr>
+            <p:spPr>
+              <a:xfrm flipH="1" flipV="1">
+                <a:off x="6907121" y="1288448"/>
+                <a:ext cx="4428903" cy="2361540"/>
+              </a:xfrm>
+              <a:prstGeom prst="straightConnector1">
+                <a:avLst/>
+              </a:prstGeom>
+              <a:ln w="76200" cmpd="sng">
+                <a:tailEnd type="triangle" w="lg" len="lg"/>
+              </a:ln>
+            </p:spPr>
+            <p:style>
+              <a:lnRef idx="1">
+                <a:schemeClr val="dk1"/>
+              </a:lnRef>
+              <a:fillRef idx="0">
+                <a:schemeClr val="dk1"/>
+              </a:fillRef>
+              <a:effectRef idx="0">
+                <a:schemeClr val="dk1"/>
+              </a:effectRef>
+              <a:fontRef idx="minor">
+                <a:schemeClr val="tx1"/>
+              </a:fontRef>
+            </p:style>
+          </p:cxnSp>
+          <p:cxnSp>
+            <p:nvCxnSpPr>
+              <p:cNvPr id="98" name="直線矢印コネクタ 97"/>
+              <p:cNvCxnSpPr/>
+              <p:nvPr/>
+            </p:nvCxnSpPr>
+            <p:spPr>
+              <a:xfrm flipH="1" flipV="1">
+                <a:off x="6464600" y="1268620"/>
+                <a:ext cx="2856939" cy="2381369"/>
+              </a:xfrm>
+              <a:prstGeom prst="straightConnector1">
+                <a:avLst/>
+              </a:prstGeom>
+              <a:ln w="76200" cmpd="sng">
+                <a:tailEnd type="triangle" w="lg" len="lg"/>
+              </a:ln>
+            </p:spPr>
+            <p:style>
+              <a:lnRef idx="1">
+                <a:schemeClr val="dk1"/>
+              </a:lnRef>
+              <a:fillRef idx="0">
+                <a:schemeClr val="dk1"/>
+              </a:fillRef>
+              <a:effectRef idx="0">
+                <a:schemeClr val="dk1"/>
+              </a:effectRef>
+              <a:fontRef idx="minor">
+                <a:schemeClr val="tx1"/>
+              </a:fontRef>
+            </p:style>
+          </p:cxnSp>
+          <p:cxnSp>
+            <p:nvCxnSpPr>
+              <p:cNvPr id="99" name="直線矢印コネクタ 98"/>
+              <p:cNvCxnSpPr/>
+              <p:nvPr/>
+            </p:nvCxnSpPr>
+            <p:spPr>
+              <a:xfrm flipH="1" flipV="1">
+                <a:off x="6034774" y="1274982"/>
+                <a:ext cx="1951405" cy="2375006"/>
+              </a:xfrm>
+              <a:prstGeom prst="straightConnector1">
+                <a:avLst/>
+              </a:prstGeom>
+              <a:ln w="76200" cmpd="sng">
+                <a:tailEnd type="triangle" w="lg" len="lg"/>
+              </a:ln>
+            </p:spPr>
+            <p:style>
+              <a:lnRef idx="1">
+                <a:schemeClr val="dk1"/>
+              </a:lnRef>
+              <a:fillRef idx="0">
+                <a:schemeClr val="dk1"/>
+              </a:fillRef>
+              <a:effectRef idx="0">
+                <a:schemeClr val="dk1"/>
+              </a:effectRef>
+              <a:fontRef idx="minor">
+                <a:schemeClr val="tx1"/>
+              </a:fontRef>
+            </p:style>
+          </p:cxnSp>
+          <p:cxnSp>
+            <p:nvCxnSpPr>
+              <p:cNvPr id="101" name="直線矢印コネクタ 100"/>
+              <p:cNvCxnSpPr/>
+              <p:nvPr/>
+            </p:nvCxnSpPr>
+            <p:spPr>
+              <a:xfrm flipV="1">
+                <a:off x="5663923" y="1257431"/>
+                <a:ext cx="106566" cy="2392557"/>
+              </a:xfrm>
+              <a:prstGeom prst="straightConnector1">
+                <a:avLst/>
+              </a:prstGeom>
+              <a:ln w="76200" cmpd="sng">
+                <a:tailEnd type="triangle" w="lg" len="lg"/>
+              </a:ln>
+            </p:spPr>
+            <p:style>
+              <a:lnRef idx="1">
+                <a:schemeClr val="dk1"/>
+              </a:lnRef>
+              <a:fillRef idx="0">
+                <a:schemeClr val="dk1"/>
+              </a:fillRef>
+              <a:effectRef idx="0">
+                <a:schemeClr val="dk1"/>
+              </a:effectRef>
+              <a:fontRef idx="minor">
+                <a:schemeClr val="tx1"/>
+              </a:fontRef>
+            </p:style>
+          </p:cxnSp>
+          <p:cxnSp>
+            <p:nvCxnSpPr>
+              <p:cNvPr id="103" name="直線矢印コネクタ 102"/>
+              <p:cNvCxnSpPr/>
+              <p:nvPr/>
+            </p:nvCxnSpPr>
+            <p:spPr>
+              <a:xfrm flipV="1">
+                <a:off x="2921006" y="1274982"/>
+                <a:ext cx="2386812" cy="2375007"/>
+              </a:xfrm>
+              <a:prstGeom prst="straightConnector1">
+                <a:avLst/>
+              </a:prstGeom>
+              <a:ln w="76200" cmpd="sng">
+                <a:tailEnd type="triangle" w="lg" len="lg"/>
+              </a:ln>
+            </p:spPr>
+            <p:style>
+              <a:lnRef idx="1">
+                <a:schemeClr val="dk1"/>
+              </a:lnRef>
+              <a:fillRef idx="0">
+                <a:schemeClr val="dk1"/>
+              </a:fillRef>
+              <a:effectRef idx="0">
+                <a:schemeClr val="dk1"/>
+              </a:effectRef>
+              <a:fontRef idx="minor">
+                <a:schemeClr val="tx1"/>
+              </a:fontRef>
+            </p:style>
+          </p:cxnSp>
+          <p:cxnSp>
+            <p:nvCxnSpPr>
+              <p:cNvPr id="112" name="直線コネクタ 111"/>
+              <p:cNvCxnSpPr/>
+              <p:nvPr/>
+            </p:nvCxnSpPr>
+            <p:spPr>
+              <a:xfrm>
+                <a:off x="316992" y="4303776"/>
+                <a:ext cx="11362944" cy="0"/>
+              </a:xfrm>
+              <a:prstGeom prst="line">
+                <a:avLst/>
+              </a:prstGeom>
+            </p:spPr>
+            <p:style>
+              <a:lnRef idx="1">
+                <a:schemeClr val="dk1"/>
+              </a:lnRef>
+              <a:fillRef idx="0">
+                <a:schemeClr val="dk1"/>
+              </a:fillRef>
+              <a:effectRef idx="0">
+                <a:schemeClr val="dk1"/>
+              </a:effectRef>
+              <a:fontRef idx="minor">
+                <a:schemeClr val="tx1"/>
+              </a:fontRef>
+            </p:style>
+          </p:cxnSp>
+          <p:cxnSp>
+            <p:nvCxnSpPr>
+              <p:cNvPr id="113" name="直線コネクタ 112"/>
+              <p:cNvCxnSpPr/>
+              <p:nvPr/>
+            </p:nvCxnSpPr>
+            <p:spPr>
+              <a:xfrm>
+                <a:off x="609600" y="5815584"/>
+                <a:ext cx="10984992" cy="0"/>
+              </a:xfrm>
+              <a:prstGeom prst="line">
+                <a:avLst/>
+              </a:prstGeom>
+            </p:spPr>
+            <p:style>
+              <a:lnRef idx="1">
+                <a:schemeClr val="dk1"/>
+              </a:lnRef>
+              <a:fillRef idx="0">
+                <a:schemeClr val="dk1"/>
+              </a:fillRef>
+              <a:effectRef idx="0">
+                <a:schemeClr val="dk1"/>
+              </a:effectRef>
+              <a:fontRef idx="minor">
+                <a:schemeClr val="tx1"/>
+              </a:fontRef>
+            </p:style>
+          </p:cxnSp>
+          <p:sp>
+            <p:nvSpPr>
+              <p:cNvPr id="115" name="テキスト ボックス 114"/>
+              <p:cNvSpPr txBox="1"/>
+              <p:nvPr/>
+            </p:nvSpPr>
+            <p:spPr>
+              <a:xfrm>
+                <a:off x="276704" y="5850066"/>
+                <a:ext cx="2596896" cy="369332"/>
+              </a:xfrm>
+              <a:prstGeom prst="rect">
+                <a:avLst/>
+              </a:prstGeom>
+              <a:noFill/>
+            </p:spPr>
+            <p:txBody>
+              <a:bodyPr wrap="square" rtlCol="0">
+                <a:spAutoFit/>
+              </a:bodyPr>
+              <a:lstStyle/>
+              <a:p>
+                <a:r>
+                  <a:rPr lang="ja-JP" altLang="en-US" dirty="0" smtClean="0"/>
+                  <a:t>サービス有効</a:t>
+                </a:r>
+                <a:r>
+                  <a:rPr lang="ja-JP" altLang="en-US" dirty="0"/>
+                  <a:t>範囲</a:t>
+                </a:r>
+                <a:endParaRPr kumimoji="1" lang="ja-JP" altLang="en-US" dirty="0"/>
+              </a:p>
+            </p:txBody>
+          </p:sp>
+          <p:grpSp>
+            <p:nvGrpSpPr>
+              <p:cNvPr id="116" name="グループ化 115"/>
+              <p:cNvGrpSpPr/>
+              <p:nvPr/>
+            </p:nvGrpSpPr>
+            <p:grpSpPr>
+              <a:xfrm>
+                <a:off x="2466845" y="4960375"/>
+                <a:ext cx="715900" cy="810016"/>
+                <a:chOff x="1332577" y="3645685"/>
+                <a:chExt cx="1337471" cy="1513301"/>
+              </a:xfrm>
+            </p:grpSpPr>
+            <p:pic>
+              <p:nvPicPr>
+                <p:cNvPr id="117" name="Picture 2" descr="サーバのイラスト（1台）"/>
+                <p:cNvPicPr>
+                  <a:picLocks noChangeAspect="1" noChangeArrowheads="1"/>
+                </p:cNvPicPr>
+                <p:nvPr/>
+              </p:nvPicPr>
+              <p:blipFill>
+                <a:blip r:embed="rId4" cstate="print">
+                  <a:extLst>
+                    <a:ext uri="{28A0092B-C50C-407E-A947-70E740481C1C}">
+                      <a14:useLocalDpi xmlns:a14="http://schemas.microsoft.com/office/drawing/2010/main" val="0"/>
+                    </a:ext>
+                  </a:extLst>
+                </a:blip>
+                <a:srcRect/>
+                <a:stretch>
+                  <a:fillRect/>
+                </a:stretch>
+              </p:blipFill>
+              <p:spPr bwMode="auto">
+                <a:xfrm>
+                  <a:off x="1696870" y="3645685"/>
+                  <a:ext cx="973178" cy="973178"/>
+                </a:xfrm>
+                <a:prstGeom prst="rect">
+                  <a:avLst/>
+                </a:prstGeom>
+                <a:noFill/>
+                <a:extLst>
+                  <a:ext uri="{909E8E84-426E-40DD-AFC4-6F175D3DCCD1}">
+                    <a14:hiddenFill xmlns:a14="http://schemas.microsoft.com/office/drawing/2010/main">
+                      <a:solidFill>
+                        <a:srgbClr val="FFFFFF"/>
+                      </a:solidFill>
+                    </a14:hiddenFill>
+                  </a:ext>
+                </a:extLst>
+              </p:spPr>
+            </p:pic>
+            <p:pic>
+              <p:nvPicPr>
+                <p:cNvPr id="118" name="Picture 4" descr="ドーム形の防犯カメラのイラスト"/>
+                <p:cNvPicPr>
+                  <a:picLocks noChangeAspect="1" noChangeArrowheads="1"/>
+                </p:cNvPicPr>
+                <p:nvPr/>
+              </p:nvPicPr>
+              <p:blipFill>
+                <a:blip r:embed="rId5" cstate="print">
+                  <a:extLst>
+                    <a:ext uri="{28A0092B-C50C-407E-A947-70E740481C1C}">
+                      <a14:useLocalDpi xmlns:a14="http://schemas.microsoft.com/office/drawing/2010/main" val="0"/>
+                    </a:ext>
+                  </a:extLst>
+                </a:blip>
+                <a:srcRect/>
+                <a:stretch>
+                  <a:fillRect/>
+                </a:stretch>
+              </p:blipFill>
+              <p:spPr bwMode="auto">
+                <a:xfrm>
+                  <a:off x="1332577" y="4222658"/>
+                  <a:ext cx="936328" cy="936328"/>
+                </a:xfrm>
+                <a:prstGeom prst="rect">
+                  <a:avLst/>
+                </a:prstGeom>
+                <a:noFill/>
+                <a:extLst>
+                  <a:ext uri="{909E8E84-426E-40DD-AFC4-6F175D3DCCD1}">
+                    <a14:hiddenFill xmlns:a14="http://schemas.microsoft.com/office/drawing/2010/main">
+                      <a:solidFill>
+                        <a:srgbClr val="FFFFFF"/>
+                      </a:solidFill>
+                    </a14:hiddenFill>
+                  </a:ext>
+                </a:extLst>
+              </p:spPr>
+            </p:pic>
+          </p:grpSp>
+          <p:grpSp>
+            <p:nvGrpSpPr>
+              <p:cNvPr id="120" name="グループ化 119"/>
+              <p:cNvGrpSpPr/>
+              <p:nvPr/>
+            </p:nvGrpSpPr>
+            <p:grpSpPr>
+              <a:xfrm>
+                <a:off x="3917693" y="4960375"/>
+                <a:ext cx="715900" cy="810016"/>
+                <a:chOff x="1332577" y="3645685"/>
+                <a:chExt cx="1337471" cy="1513301"/>
+              </a:xfrm>
+            </p:grpSpPr>
+            <p:pic>
+              <p:nvPicPr>
+                <p:cNvPr id="121" name="Picture 2" descr="サーバのイラスト（1台）"/>
+                <p:cNvPicPr>
+                  <a:picLocks noChangeAspect="1" noChangeArrowheads="1"/>
+                </p:cNvPicPr>
+                <p:nvPr/>
+              </p:nvPicPr>
+              <p:blipFill>
+                <a:blip r:embed="rId4" cstate="print">
+                  <a:extLst>
+                    <a:ext uri="{28A0092B-C50C-407E-A947-70E740481C1C}">
+                      <a14:useLocalDpi xmlns:a14="http://schemas.microsoft.com/office/drawing/2010/main" val="0"/>
+                    </a:ext>
+                  </a:extLst>
+                </a:blip>
+                <a:srcRect/>
+                <a:stretch>
+                  <a:fillRect/>
+                </a:stretch>
+              </p:blipFill>
+              <p:spPr bwMode="auto">
+                <a:xfrm>
+                  <a:off x="1696870" y="3645685"/>
+                  <a:ext cx="973178" cy="973178"/>
+                </a:xfrm>
+                <a:prstGeom prst="rect">
+                  <a:avLst/>
+                </a:prstGeom>
+                <a:noFill/>
+                <a:extLst>
+                  <a:ext uri="{909E8E84-426E-40DD-AFC4-6F175D3DCCD1}">
+                    <a14:hiddenFill xmlns:a14="http://schemas.microsoft.com/office/drawing/2010/main">
+                      <a:solidFill>
+                        <a:srgbClr val="FFFFFF"/>
+                      </a:solidFill>
+                    </a14:hiddenFill>
+                  </a:ext>
+                </a:extLst>
+              </p:spPr>
+            </p:pic>
+            <p:pic>
+              <p:nvPicPr>
+                <p:cNvPr id="122" name="Picture 4" descr="ドーム形の防犯カメラのイラスト"/>
+                <p:cNvPicPr>
+                  <a:picLocks noChangeAspect="1" noChangeArrowheads="1"/>
+                </p:cNvPicPr>
+                <p:nvPr/>
+              </p:nvPicPr>
+              <p:blipFill>
+                <a:blip r:embed="rId5" cstate="print">
+                  <a:extLst>
+                    <a:ext uri="{28A0092B-C50C-407E-A947-70E740481C1C}">
+                      <a14:useLocalDpi xmlns:a14="http://schemas.microsoft.com/office/drawing/2010/main" val="0"/>
+                    </a:ext>
+                  </a:extLst>
+                </a:blip>
+                <a:srcRect/>
+                <a:stretch>
+                  <a:fillRect/>
+                </a:stretch>
+              </p:blipFill>
+              <p:spPr bwMode="auto">
+                <a:xfrm>
+                  <a:off x="1332577" y="4222658"/>
+                  <a:ext cx="936328" cy="936328"/>
+                </a:xfrm>
+                <a:prstGeom prst="rect">
+                  <a:avLst/>
+                </a:prstGeom>
+                <a:noFill/>
+                <a:extLst>
+                  <a:ext uri="{909E8E84-426E-40DD-AFC4-6F175D3DCCD1}">
+                    <a14:hiddenFill xmlns:a14="http://schemas.microsoft.com/office/drawing/2010/main">
+                      <a:solidFill>
+                        <a:srgbClr val="FFFFFF"/>
+                      </a:solidFill>
+                    </a14:hiddenFill>
+                  </a:ext>
+                </a:extLst>
+              </p:spPr>
+            </p:pic>
+          </p:grpSp>
+          <p:grpSp>
+            <p:nvGrpSpPr>
+              <p:cNvPr id="124" name="グループ化 123"/>
+              <p:cNvGrpSpPr/>
+              <p:nvPr/>
+            </p:nvGrpSpPr>
+            <p:grpSpPr>
+              <a:xfrm>
+                <a:off x="5443721" y="4960375"/>
+                <a:ext cx="715900" cy="810016"/>
+                <a:chOff x="1332577" y="3645685"/>
+                <a:chExt cx="1337471" cy="1513301"/>
+              </a:xfrm>
+            </p:grpSpPr>
+            <p:pic>
+              <p:nvPicPr>
+                <p:cNvPr id="125" name="Picture 2" descr="サーバのイラスト（1台）"/>
+                <p:cNvPicPr>
+                  <a:picLocks noChangeAspect="1" noChangeArrowheads="1"/>
+                </p:cNvPicPr>
+                <p:nvPr/>
+              </p:nvPicPr>
+              <p:blipFill>
+                <a:blip r:embed="rId4" cstate="print">
+                  <a:extLst>
+                    <a:ext uri="{28A0092B-C50C-407E-A947-70E740481C1C}">
+                      <a14:useLocalDpi xmlns:a14="http://schemas.microsoft.com/office/drawing/2010/main" val="0"/>
+                    </a:ext>
+                  </a:extLst>
+                </a:blip>
+                <a:srcRect/>
+                <a:stretch>
+                  <a:fillRect/>
+                </a:stretch>
+              </p:blipFill>
+              <p:spPr bwMode="auto">
+                <a:xfrm>
+                  <a:off x="1696870" y="3645685"/>
+                  <a:ext cx="973178" cy="973178"/>
+                </a:xfrm>
+                <a:prstGeom prst="rect">
+                  <a:avLst/>
+                </a:prstGeom>
+                <a:noFill/>
+                <a:extLst>
+                  <a:ext uri="{909E8E84-426E-40DD-AFC4-6F175D3DCCD1}">
+                    <a14:hiddenFill xmlns:a14="http://schemas.microsoft.com/office/drawing/2010/main">
+                      <a:solidFill>
+                        <a:srgbClr val="FFFFFF"/>
+                      </a:solidFill>
+                    </a14:hiddenFill>
+                  </a:ext>
+                </a:extLst>
+              </p:spPr>
+            </p:pic>
+            <p:pic>
+              <p:nvPicPr>
+                <p:cNvPr id="126" name="Picture 4" descr="ドーム形の防犯カメラのイラスト"/>
+                <p:cNvPicPr>
+                  <a:picLocks noChangeAspect="1" noChangeArrowheads="1"/>
+                </p:cNvPicPr>
+                <p:nvPr/>
+              </p:nvPicPr>
+              <p:blipFill>
+                <a:blip r:embed="rId5" cstate="print">
+                  <a:extLst>
+                    <a:ext uri="{28A0092B-C50C-407E-A947-70E740481C1C}">
+                      <a14:useLocalDpi xmlns:a14="http://schemas.microsoft.com/office/drawing/2010/main" val="0"/>
+                    </a:ext>
+                  </a:extLst>
+                </a:blip>
+                <a:srcRect/>
+                <a:stretch>
+                  <a:fillRect/>
+                </a:stretch>
+              </p:blipFill>
+              <p:spPr bwMode="auto">
+                <a:xfrm>
+                  <a:off x="1332577" y="4222658"/>
+                  <a:ext cx="936328" cy="936328"/>
+                </a:xfrm>
+                <a:prstGeom prst="rect">
+                  <a:avLst/>
+                </a:prstGeom>
+                <a:noFill/>
+                <a:extLst>
+                  <a:ext uri="{909E8E84-426E-40DD-AFC4-6F175D3DCCD1}">
+                    <a14:hiddenFill xmlns:a14="http://schemas.microsoft.com/office/drawing/2010/main">
+                      <a:solidFill>
+                        <a:srgbClr val="FFFFFF"/>
+                      </a:solidFill>
+                    </a14:hiddenFill>
+                  </a:ext>
+                </a:extLst>
+              </p:spPr>
+            </p:pic>
+          </p:grpSp>
+          <p:grpSp>
+            <p:nvGrpSpPr>
+              <p:cNvPr id="128" name="グループ化 127"/>
+              <p:cNvGrpSpPr/>
+              <p:nvPr/>
+            </p:nvGrpSpPr>
+            <p:grpSpPr>
+              <a:xfrm>
+                <a:off x="6589769" y="4960375"/>
+                <a:ext cx="715900" cy="810016"/>
+                <a:chOff x="1332577" y="3645685"/>
+                <a:chExt cx="1337471" cy="1513301"/>
+              </a:xfrm>
+            </p:grpSpPr>
+            <p:pic>
+              <p:nvPicPr>
+                <p:cNvPr id="129" name="Picture 2" descr="サーバのイラスト（1台）"/>
+                <p:cNvPicPr>
+                  <a:picLocks noChangeAspect="1" noChangeArrowheads="1"/>
+                </p:cNvPicPr>
+                <p:nvPr/>
+              </p:nvPicPr>
+              <p:blipFill>
+                <a:blip r:embed="rId4" cstate="print">
+                  <a:extLst>
+                    <a:ext uri="{28A0092B-C50C-407E-A947-70E740481C1C}">
+                      <a14:useLocalDpi xmlns:a14="http://schemas.microsoft.com/office/drawing/2010/main" val="0"/>
+                    </a:ext>
+                  </a:extLst>
+                </a:blip>
+                <a:srcRect/>
+                <a:stretch>
+                  <a:fillRect/>
+                </a:stretch>
+              </p:blipFill>
+              <p:spPr bwMode="auto">
+                <a:xfrm>
+                  <a:off x="1696870" y="3645685"/>
+                  <a:ext cx="973178" cy="973178"/>
+                </a:xfrm>
+                <a:prstGeom prst="rect">
+                  <a:avLst/>
+                </a:prstGeom>
+                <a:noFill/>
+                <a:extLst>
+                  <a:ext uri="{909E8E84-426E-40DD-AFC4-6F175D3DCCD1}">
+                    <a14:hiddenFill xmlns:a14="http://schemas.microsoft.com/office/drawing/2010/main">
+                      <a:solidFill>
+                        <a:srgbClr val="FFFFFF"/>
+                      </a:solidFill>
+                    </a14:hiddenFill>
+                  </a:ext>
+                </a:extLst>
+              </p:spPr>
+            </p:pic>
+            <p:pic>
+              <p:nvPicPr>
+                <p:cNvPr id="130" name="Picture 4" descr="ドーム形の防犯カメラのイラスト"/>
+                <p:cNvPicPr>
+                  <a:picLocks noChangeAspect="1" noChangeArrowheads="1"/>
+                </p:cNvPicPr>
+                <p:nvPr/>
+              </p:nvPicPr>
+              <p:blipFill>
+                <a:blip r:embed="rId5" cstate="print">
+                  <a:extLst>
+                    <a:ext uri="{28A0092B-C50C-407E-A947-70E740481C1C}">
+                      <a14:useLocalDpi xmlns:a14="http://schemas.microsoft.com/office/drawing/2010/main" val="0"/>
+                    </a:ext>
+                  </a:extLst>
+                </a:blip>
+                <a:srcRect/>
+                <a:stretch>
+                  <a:fillRect/>
+                </a:stretch>
+              </p:blipFill>
+              <p:spPr bwMode="auto">
+                <a:xfrm>
+                  <a:off x="1332577" y="4222658"/>
+                  <a:ext cx="936328" cy="936328"/>
+                </a:xfrm>
+                <a:prstGeom prst="rect">
+                  <a:avLst/>
+                </a:prstGeom>
+                <a:noFill/>
+                <a:extLst>
+                  <a:ext uri="{909E8E84-426E-40DD-AFC4-6F175D3DCCD1}">
+                    <a14:hiddenFill xmlns:a14="http://schemas.microsoft.com/office/drawing/2010/main">
+                      <a:solidFill>
+                        <a:srgbClr val="FFFFFF"/>
+                      </a:solidFill>
+                    </a14:hiddenFill>
+                  </a:ext>
+                </a:extLst>
+              </p:spPr>
+            </p:pic>
+          </p:grpSp>
+          <p:grpSp>
+            <p:nvGrpSpPr>
+              <p:cNvPr id="132" name="グループ化 131"/>
+              <p:cNvGrpSpPr/>
+              <p:nvPr/>
+            </p:nvGrpSpPr>
+            <p:grpSpPr>
+              <a:xfrm>
+                <a:off x="7773157" y="4960375"/>
+                <a:ext cx="715900" cy="810016"/>
+                <a:chOff x="1332577" y="3645685"/>
+                <a:chExt cx="1337471" cy="1513301"/>
+              </a:xfrm>
+            </p:grpSpPr>
+            <p:pic>
+              <p:nvPicPr>
+                <p:cNvPr id="133" name="Picture 2" descr="サーバのイラスト（1台）"/>
+                <p:cNvPicPr>
+                  <a:picLocks noChangeAspect="1" noChangeArrowheads="1"/>
+                </p:cNvPicPr>
+                <p:nvPr/>
+              </p:nvPicPr>
+              <p:blipFill>
+                <a:blip r:embed="rId4" cstate="print">
+                  <a:extLst>
+                    <a:ext uri="{28A0092B-C50C-407E-A947-70E740481C1C}">
+                      <a14:useLocalDpi xmlns:a14="http://schemas.microsoft.com/office/drawing/2010/main" val="0"/>
+                    </a:ext>
+                  </a:extLst>
+                </a:blip>
+                <a:srcRect/>
+                <a:stretch>
+                  <a:fillRect/>
+                </a:stretch>
+              </p:blipFill>
+              <p:spPr bwMode="auto">
+                <a:xfrm>
+                  <a:off x="1696870" y="3645685"/>
+                  <a:ext cx="973178" cy="973178"/>
+                </a:xfrm>
+                <a:prstGeom prst="rect">
+                  <a:avLst/>
+                </a:prstGeom>
+                <a:noFill/>
+                <a:extLst>
+                  <a:ext uri="{909E8E84-426E-40DD-AFC4-6F175D3DCCD1}">
+                    <a14:hiddenFill xmlns:a14="http://schemas.microsoft.com/office/drawing/2010/main">
+                      <a:solidFill>
+                        <a:srgbClr val="FFFFFF"/>
+                      </a:solidFill>
+                    </a14:hiddenFill>
+                  </a:ext>
+                </a:extLst>
+              </p:spPr>
+            </p:pic>
+            <p:pic>
+              <p:nvPicPr>
+                <p:cNvPr id="134" name="Picture 4" descr="ドーム形の防犯カメラのイラスト"/>
+                <p:cNvPicPr>
+                  <a:picLocks noChangeAspect="1" noChangeArrowheads="1"/>
+                </p:cNvPicPr>
+                <p:nvPr/>
+              </p:nvPicPr>
+              <p:blipFill>
+                <a:blip r:embed="rId5" cstate="print">
+                  <a:extLst>
+                    <a:ext uri="{28A0092B-C50C-407E-A947-70E740481C1C}">
+                      <a14:useLocalDpi xmlns:a14="http://schemas.microsoft.com/office/drawing/2010/main" val="0"/>
+                    </a:ext>
+                  </a:extLst>
+                </a:blip>
+                <a:srcRect/>
+                <a:stretch>
+                  <a:fillRect/>
+                </a:stretch>
+              </p:blipFill>
+              <p:spPr bwMode="auto">
+                <a:xfrm>
+                  <a:off x="1332577" y="4222658"/>
+                  <a:ext cx="936328" cy="936328"/>
+                </a:xfrm>
+                <a:prstGeom prst="rect">
+                  <a:avLst/>
+                </a:prstGeom>
+                <a:noFill/>
+                <a:extLst>
+                  <a:ext uri="{909E8E84-426E-40DD-AFC4-6F175D3DCCD1}">
+                    <a14:hiddenFill xmlns:a14="http://schemas.microsoft.com/office/drawing/2010/main">
+                      <a:solidFill>
+                        <a:srgbClr val="FFFFFF"/>
+                      </a:solidFill>
+                    </a14:hiddenFill>
+                  </a:ext>
+                </a:extLst>
+              </p:spPr>
+            </p:pic>
+          </p:grpSp>
+          <p:grpSp>
+            <p:nvGrpSpPr>
+              <p:cNvPr id="136" name="グループ化 135"/>
+              <p:cNvGrpSpPr/>
+              <p:nvPr/>
+            </p:nvGrpSpPr>
+            <p:grpSpPr>
+              <a:xfrm>
+                <a:off x="9028169" y="4960375"/>
+                <a:ext cx="715900" cy="810016"/>
+                <a:chOff x="1332577" y="3645685"/>
+                <a:chExt cx="1337471" cy="1513301"/>
+              </a:xfrm>
+            </p:grpSpPr>
+            <p:pic>
+              <p:nvPicPr>
+                <p:cNvPr id="137" name="Picture 2" descr="サーバのイラスト（1台）"/>
+                <p:cNvPicPr>
+                  <a:picLocks noChangeAspect="1" noChangeArrowheads="1"/>
+                </p:cNvPicPr>
+                <p:nvPr/>
+              </p:nvPicPr>
+              <p:blipFill>
+                <a:blip r:embed="rId4" cstate="print">
+                  <a:extLst>
+                    <a:ext uri="{28A0092B-C50C-407E-A947-70E740481C1C}">
+                      <a14:useLocalDpi xmlns:a14="http://schemas.microsoft.com/office/drawing/2010/main" val="0"/>
+                    </a:ext>
+                  </a:extLst>
+                </a:blip>
+                <a:srcRect/>
+                <a:stretch>
+                  <a:fillRect/>
+                </a:stretch>
+              </p:blipFill>
+              <p:spPr bwMode="auto">
+                <a:xfrm>
+                  <a:off x="1696870" y="3645685"/>
+                  <a:ext cx="973178" cy="973178"/>
+                </a:xfrm>
+                <a:prstGeom prst="rect">
+                  <a:avLst/>
+                </a:prstGeom>
+                <a:noFill/>
+                <a:extLst>
+                  <a:ext uri="{909E8E84-426E-40DD-AFC4-6F175D3DCCD1}">
+                    <a14:hiddenFill xmlns:a14="http://schemas.microsoft.com/office/drawing/2010/main">
+                      <a:solidFill>
+                        <a:srgbClr val="FFFFFF"/>
+                      </a:solidFill>
+                    </a14:hiddenFill>
+                  </a:ext>
+                </a:extLst>
+              </p:spPr>
+            </p:pic>
+            <p:pic>
+              <p:nvPicPr>
+                <p:cNvPr id="138" name="Picture 4" descr="ドーム形の防犯カメラのイラスト"/>
+                <p:cNvPicPr>
+                  <a:picLocks noChangeAspect="1" noChangeArrowheads="1"/>
+                </p:cNvPicPr>
+                <p:nvPr/>
+              </p:nvPicPr>
+              <p:blipFill>
+                <a:blip r:embed="rId5" cstate="print">
+                  <a:extLst>
+                    <a:ext uri="{28A0092B-C50C-407E-A947-70E740481C1C}">
+                      <a14:useLocalDpi xmlns:a14="http://schemas.microsoft.com/office/drawing/2010/main" val="0"/>
+                    </a:ext>
+                  </a:extLst>
+                </a:blip>
+                <a:srcRect/>
+                <a:stretch>
+                  <a:fillRect/>
+                </a:stretch>
+              </p:blipFill>
+              <p:spPr bwMode="auto">
+                <a:xfrm>
+                  <a:off x="1332577" y="4222658"/>
+                  <a:ext cx="936328" cy="936328"/>
+                </a:xfrm>
+                <a:prstGeom prst="rect">
+                  <a:avLst/>
+                </a:prstGeom>
+                <a:noFill/>
+                <a:extLst>
+                  <a:ext uri="{909E8E84-426E-40DD-AFC4-6F175D3DCCD1}">
+                    <a14:hiddenFill xmlns:a14="http://schemas.microsoft.com/office/drawing/2010/main">
+                      <a:solidFill>
+                        <a:srgbClr val="FFFFFF"/>
+                      </a:solidFill>
+                    </a14:hiddenFill>
+                  </a:ext>
+                </a:extLst>
+              </p:spPr>
+            </p:pic>
+          </p:grpSp>
+          <p:grpSp>
+            <p:nvGrpSpPr>
+              <p:cNvPr id="140" name="グループ化 139"/>
+              <p:cNvGrpSpPr/>
+              <p:nvPr/>
+            </p:nvGrpSpPr>
+            <p:grpSpPr>
+              <a:xfrm>
+                <a:off x="9966953" y="4960375"/>
+                <a:ext cx="715900" cy="810016"/>
+                <a:chOff x="1332577" y="3645685"/>
+                <a:chExt cx="1337471" cy="1513301"/>
+              </a:xfrm>
+            </p:grpSpPr>
+            <p:pic>
+              <p:nvPicPr>
+                <p:cNvPr id="141" name="Picture 2" descr="サーバのイラスト（1台）"/>
+                <p:cNvPicPr>
+                  <a:picLocks noChangeAspect="1" noChangeArrowheads="1"/>
+                </p:cNvPicPr>
+                <p:nvPr/>
+              </p:nvPicPr>
+              <p:blipFill>
+                <a:blip r:embed="rId4" cstate="print">
+                  <a:extLst>
+                    <a:ext uri="{28A0092B-C50C-407E-A947-70E740481C1C}">
+                      <a14:useLocalDpi xmlns:a14="http://schemas.microsoft.com/office/drawing/2010/main" val="0"/>
+                    </a:ext>
+                  </a:extLst>
+                </a:blip>
+                <a:srcRect/>
+                <a:stretch>
+                  <a:fillRect/>
+                </a:stretch>
+              </p:blipFill>
+              <p:spPr bwMode="auto">
+                <a:xfrm>
+                  <a:off x="1696870" y="3645685"/>
+                  <a:ext cx="973178" cy="973178"/>
+                </a:xfrm>
+                <a:prstGeom prst="rect">
+                  <a:avLst/>
+                </a:prstGeom>
+                <a:noFill/>
+                <a:extLst>
+                  <a:ext uri="{909E8E84-426E-40DD-AFC4-6F175D3DCCD1}">
+                    <a14:hiddenFill xmlns:a14="http://schemas.microsoft.com/office/drawing/2010/main">
+                      <a:solidFill>
+                        <a:srgbClr val="FFFFFF"/>
+                      </a:solidFill>
+                    </a14:hiddenFill>
+                  </a:ext>
+                </a:extLst>
+              </p:spPr>
+            </p:pic>
+            <p:pic>
+              <p:nvPicPr>
+                <p:cNvPr id="142" name="Picture 4" descr="ドーム形の防犯カメラのイラスト"/>
+                <p:cNvPicPr>
+                  <a:picLocks noChangeAspect="1" noChangeArrowheads="1"/>
+                </p:cNvPicPr>
+                <p:nvPr/>
+              </p:nvPicPr>
+              <p:blipFill>
+                <a:blip r:embed="rId5" cstate="print">
+                  <a:extLst>
+                    <a:ext uri="{28A0092B-C50C-407E-A947-70E740481C1C}">
+                      <a14:useLocalDpi xmlns:a14="http://schemas.microsoft.com/office/drawing/2010/main" val="0"/>
+                    </a:ext>
+                  </a:extLst>
+                </a:blip>
+                <a:srcRect/>
+                <a:stretch>
+                  <a:fillRect/>
+                </a:stretch>
+              </p:blipFill>
+              <p:spPr bwMode="auto">
+                <a:xfrm>
+                  <a:off x="1332577" y="4222658"/>
+                  <a:ext cx="936328" cy="936328"/>
+                </a:xfrm>
+                <a:prstGeom prst="rect">
+                  <a:avLst/>
+                </a:prstGeom>
+                <a:noFill/>
+                <a:extLst>
+                  <a:ext uri="{909E8E84-426E-40DD-AFC4-6F175D3DCCD1}">
+                    <a14:hiddenFill xmlns:a14="http://schemas.microsoft.com/office/drawing/2010/main">
+                      <a:solidFill>
+                        <a:srgbClr val="FFFFFF"/>
+                      </a:solidFill>
+                    </a14:hiddenFill>
+                  </a:ext>
+                </a:extLst>
+              </p:spPr>
+            </p:pic>
+          </p:grpSp>
+          <p:grpSp>
+            <p:nvGrpSpPr>
+              <p:cNvPr id="144" name="グループ化 143"/>
+              <p:cNvGrpSpPr/>
+              <p:nvPr/>
+            </p:nvGrpSpPr>
+            <p:grpSpPr>
+              <a:xfrm>
+                <a:off x="10883798" y="4960375"/>
+                <a:ext cx="715900" cy="810016"/>
+                <a:chOff x="1332577" y="3645685"/>
+                <a:chExt cx="1337471" cy="1513301"/>
+              </a:xfrm>
+            </p:grpSpPr>
+            <p:pic>
+              <p:nvPicPr>
+                <p:cNvPr id="145" name="Picture 2" descr="サーバのイラスト（1台）"/>
+                <p:cNvPicPr>
+                  <a:picLocks noChangeAspect="1" noChangeArrowheads="1"/>
+                </p:cNvPicPr>
+                <p:nvPr/>
+              </p:nvPicPr>
+              <p:blipFill>
+                <a:blip r:embed="rId4" cstate="print">
+                  <a:extLst>
+                    <a:ext uri="{28A0092B-C50C-407E-A947-70E740481C1C}">
+                      <a14:useLocalDpi xmlns:a14="http://schemas.microsoft.com/office/drawing/2010/main" val="0"/>
+                    </a:ext>
+                  </a:extLst>
+                </a:blip>
+                <a:srcRect/>
+                <a:stretch>
+                  <a:fillRect/>
+                </a:stretch>
+              </p:blipFill>
+              <p:spPr bwMode="auto">
+                <a:xfrm>
+                  <a:off x="1696870" y="3645685"/>
+                  <a:ext cx="973178" cy="973178"/>
+                </a:xfrm>
+                <a:prstGeom prst="rect">
+                  <a:avLst/>
+                </a:prstGeom>
+                <a:noFill/>
+                <a:extLst>
+                  <a:ext uri="{909E8E84-426E-40DD-AFC4-6F175D3DCCD1}">
+                    <a14:hiddenFill xmlns:a14="http://schemas.microsoft.com/office/drawing/2010/main">
+                      <a:solidFill>
+                        <a:srgbClr val="FFFFFF"/>
+                      </a:solidFill>
+                    </a14:hiddenFill>
+                  </a:ext>
+                </a:extLst>
+              </p:spPr>
+            </p:pic>
+            <p:pic>
+              <p:nvPicPr>
+                <p:cNvPr id="146" name="Picture 4" descr="ドーム形の防犯カメラのイラスト"/>
+                <p:cNvPicPr>
+                  <a:picLocks noChangeAspect="1" noChangeArrowheads="1"/>
+                </p:cNvPicPr>
+                <p:nvPr/>
+              </p:nvPicPr>
+              <p:blipFill>
+                <a:blip r:embed="rId5" cstate="print">
+                  <a:extLst>
+                    <a:ext uri="{28A0092B-C50C-407E-A947-70E740481C1C}">
+                      <a14:useLocalDpi xmlns:a14="http://schemas.microsoft.com/office/drawing/2010/main" val="0"/>
+                    </a:ext>
+                  </a:extLst>
+                </a:blip>
+                <a:srcRect/>
+                <a:stretch>
+                  <a:fillRect/>
+                </a:stretch>
+              </p:blipFill>
+              <p:spPr bwMode="auto">
+                <a:xfrm>
+                  <a:off x="1332577" y="4222658"/>
+                  <a:ext cx="936328" cy="936328"/>
+                </a:xfrm>
+                <a:prstGeom prst="rect">
+                  <a:avLst/>
+                </a:prstGeom>
+                <a:noFill/>
+                <a:extLst>
+                  <a:ext uri="{909E8E84-426E-40DD-AFC4-6F175D3DCCD1}">
+                    <a14:hiddenFill xmlns:a14="http://schemas.microsoft.com/office/drawing/2010/main">
+                      <a:solidFill>
+                        <a:srgbClr val="FFFFFF"/>
+                      </a:solidFill>
+                    </a14:hiddenFill>
+                  </a:ext>
+                </a:extLst>
+              </p:spPr>
+            </p:pic>
+          </p:grpSp>
           <p:pic>
             <p:nvPicPr>
-              <p:cNvPr id="45" name="Picture 8" descr="サーバのイラスト（1台）"/>
+              <p:cNvPr id="148" name="Picture 2" descr="Wi-Fi無線ルーターのイラスト"/>
               <p:cNvPicPr>
                 <a:picLocks noChangeAspect="1" noChangeArrowheads="1"/>
               </p:cNvPicPr>
               <p:nvPr/>
             </p:nvPicPr>
             <p:blipFill>
-              <a:blip r:embed="rId2" cstate="print">
+              <a:blip r:embed="rId6" cstate="print">
                 <a:extLst>
                   <a:ext uri="{28A0092B-C50C-407E-A947-70E740481C1C}">
                     <a14:useLocalDpi xmlns:a14="http://schemas.microsoft.com/office/drawing/2010/main" val="0"/>
@@ -19691,8 +21187,8 @@
             </p:blipFill>
             <p:spPr bwMode="auto">
               <a:xfrm>
-                <a:off x="6387042" y="2150072"/>
-                <a:ext cx="1714500" cy="1714500"/>
+                <a:off x="2483652" y="3574662"/>
+                <a:ext cx="699093" cy="699093"/>
               </a:xfrm>
               <a:prstGeom prst="rect">
                 <a:avLst/>
@@ -19711,427 +21207,14 @@
           </p:pic>
           <p:pic>
             <p:nvPicPr>
-              <p:cNvPr id="46" name="Picture 6" descr="雲のイラスト"/>
-              <p:cNvPicPr>
-                <a:picLocks noChangeAspect="1" noChangeArrowheads="1"/>
-              </p:cNvPicPr>
-              <p:nvPr/>
-            </p:nvPicPr>
-            <p:blipFill rotWithShape="1">
-              <a:blip r:embed="rId3">
-                <a:extLst>
-                  <a:ext uri="{28A0092B-C50C-407E-A947-70E740481C1C}">
-                    <a14:useLocalDpi xmlns:a14="http://schemas.microsoft.com/office/drawing/2010/main" val="0"/>
-                  </a:ext>
-                </a:extLst>
-              </a:blip>
-              <a:srcRect b="57768"/>
-              <a:stretch/>
-            </p:blipFill>
-            <p:spPr bwMode="auto">
-              <a:xfrm>
-                <a:off x="5712354" y="2871327"/>
-                <a:ext cx="4050771" cy="1710725"/>
-              </a:xfrm>
-              <a:prstGeom prst="rect">
-                <a:avLst/>
-              </a:prstGeom>
-              <a:noFill/>
-              <a:extLst>
-                <a:ext uri="{909E8E84-426E-40DD-AFC4-6F175D3DCCD1}">
-                  <a14:hiddenFill xmlns:a14="http://schemas.microsoft.com/office/drawing/2010/main">
-                    <a:solidFill>
-                      <a:srgbClr val="FFFFFF"/>
-                    </a:solidFill>
-                  </a14:hiddenFill>
-                </a:ext>
-              </a:extLst>
-            </p:spPr>
-          </p:pic>
-        </p:grpSp>
-        <p:cxnSp>
-          <p:nvCxnSpPr>
-            <p:cNvPr id="95" name="直線矢印コネクタ 94"/>
-            <p:cNvCxnSpPr/>
-            <p:nvPr/>
-          </p:nvCxnSpPr>
-          <p:spPr>
-            <a:xfrm flipH="1" flipV="1">
-              <a:off x="6373668" y="1022342"/>
-              <a:ext cx="4962355" cy="2627646"/>
-            </a:xfrm>
-            <a:prstGeom prst="straightConnector1">
-              <a:avLst/>
-            </a:prstGeom>
-            <a:ln w="76200" cmpd="sng">
-              <a:tailEnd type="triangle" w="lg" len="lg"/>
-            </a:ln>
-          </p:spPr>
-          <p:style>
-            <a:lnRef idx="1">
-              <a:schemeClr val="dk1"/>
-            </a:lnRef>
-            <a:fillRef idx="0">
-              <a:schemeClr val="dk1"/>
-            </a:fillRef>
-            <a:effectRef idx="0">
-              <a:schemeClr val="dk1"/>
-            </a:effectRef>
-            <a:fontRef idx="minor">
-              <a:schemeClr val="tx1"/>
-            </a:fontRef>
-          </p:style>
-        </p:cxnSp>
-        <p:cxnSp>
-          <p:nvCxnSpPr>
-            <p:cNvPr id="98" name="直線矢印コネクタ 97"/>
-            <p:cNvCxnSpPr/>
-            <p:nvPr/>
-          </p:nvCxnSpPr>
-          <p:spPr>
-            <a:xfrm flipH="1" flipV="1">
-              <a:off x="6337807" y="1170255"/>
-              <a:ext cx="2983731" cy="2479733"/>
-            </a:xfrm>
-            <a:prstGeom prst="straightConnector1">
-              <a:avLst/>
-            </a:prstGeom>
-            <a:ln w="76200" cmpd="sng">
-              <a:tailEnd type="triangle" w="lg" len="lg"/>
-            </a:ln>
-          </p:spPr>
-          <p:style>
-            <a:lnRef idx="1">
-              <a:schemeClr val="dk1"/>
-            </a:lnRef>
-            <a:fillRef idx="0">
-              <a:schemeClr val="dk1"/>
-            </a:fillRef>
-            <a:effectRef idx="0">
-              <a:schemeClr val="dk1"/>
-            </a:effectRef>
-            <a:fontRef idx="minor">
-              <a:schemeClr val="tx1"/>
-            </a:fontRef>
-          </p:style>
-        </p:cxnSp>
-        <p:cxnSp>
-          <p:nvCxnSpPr>
-            <p:cNvPr id="99" name="直線矢印コネクタ 98"/>
-            <p:cNvCxnSpPr/>
-            <p:nvPr/>
-          </p:nvCxnSpPr>
-          <p:spPr>
-            <a:xfrm flipH="1" flipV="1">
-              <a:off x="6159621" y="1022342"/>
-              <a:ext cx="1826558" cy="2627646"/>
-            </a:xfrm>
-            <a:prstGeom prst="straightConnector1">
-              <a:avLst/>
-            </a:prstGeom>
-            <a:ln w="76200" cmpd="sng">
-              <a:tailEnd type="triangle" w="lg" len="lg"/>
-            </a:ln>
-          </p:spPr>
-          <p:style>
-            <a:lnRef idx="1">
-              <a:schemeClr val="dk1"/>
-            </a:lnRef>
-            <a:fillRef idx="0">
-              <a:schemeClr val="dk1"/>
-            </a:fillRef>
-            <a:effectRef idx="0">
-              <a:schemeClr val="dk1"/>
-            </a:effectRef>
-            <a:fontRef idx="minor">
-              <a:schemeClr val="tx1"/>
-            </a:fontRef>
-          </p:style>
-        </p:cxnSp>
-        <p:cxnSp>
-          <p:nvCxnSpPr>
-            <p:cNvPr id="101" name="直線矢印コネクタ 100"/>
-            <p:cNvCxnSpPr/>
-            <p:nvPr/>
-          </p:nvCxnSpPr>
-          <p:spPr>
-            <a:xfrm flipV="1">
-              <a:off x="5663923" y="1022342"/>
-              <a:ext cx="226811" cy="2627646"/>
-            </a:xfrm>
-            <a:prstGeom prst="straightConnector1">
-              <a:avLst/>
-            </a:prstGeom>
-            <a:ln w="76200" cmpd="sng">
-              <a:tailEnd type="triangle" w="lg" len="lg"/>
-            </a:ln>
-          </p:spPr>
-          <p:style>
-            <a:lnRef idx="1">
-              <a:schemeClr val="dk1"/>
-            </a:lnRef>
-            <a:fillRef idx="0">
-              <a:schemeClr val="dk1"/>
-            </a:fillRef>
-            <a:effectRef idx="0">
-              <a:schemeClr val="dk1"/>
-            </a:effectRef>
-            <a:fontRef idx="minor">
-              <a:schemeClr val="tx1"/>
-            </a:fontRef>
-          </p:style>
-        </p:cxnSp>
-        <p:cxnSp>
-          <p:nvCxnSpPr>
-            <p:cNvPr id="103" name="直線矢印コネクタ 102"/>
-            <p:cNvCxnSpPr/>
-            <p:nvPr/>
-          </p:nvCxnSpPr>
-          <p:spPr>
-            <a:xfrm flipV="1">
-              <a:off x="2921006" y="923129"/>
-              <a:ext cx="2583994" cy="2726859"/>
-            </a:xfrm>
-            <a:prstGeom prst="straightConnector1">
-              <a:avLst/>
-            </a:prstGeom>
-            <a:ln w="76200" cmpd="sng">
-              <a:tailEnd type="triangle" w="lg" len="lg"/>
-            </a:ln>
-          </p:spPr>
-          <p:style>
-            <a:lnRef idx="1">
-              <a:schemeClr val="dk1"/>
-            </a:lnRef>
-            <a:fillRef idx="0">
-              <a:schemeClr val="dk1"/>
-            </a:fillRef>
-            <a:effectRef idx="0">
-              <a:schemeClr val="dk1"/>
-            </a:effectRef>
-            <a:fontRef idx="minor">
-              <a:schemeClr val="tx1"/>
-            </a:fontRef>
-          </p:style>
-        </p:cxnSp>
-        <p:sp>
-          <p:nvSpPr>
-            <p:cNvPr id="110" name="楕円 109"/>
-            <p:cNvSpPr/>
-            <p:nvPr/>
-          </p:nvSpPr>
-          <p:spPr>
-            <a:xfrm>
-              <a:off x="6259475" y="337634"/>
-              <a:ext cx="1068997" cy="615677"/>
-            </a:xfrm>
-            <a:prstGeom prst="ellipse">
-              <a:avLst/>
-            </a:prstGeom>
-          </p:spPr>
-          <p:style>
-            <a:lnRef idx="1">
-              <a:schemeClr val="accent2"/>
-            </a:lnRef>
-            <a:fillRef idx="2">
-              <a:schemeClr val="accent2"/>
-            </a:fillRef>
-            <a:effectRef idx="1">
-              <a:schemeClr val="accent2"/>
-            </a:effectRef>
-            <a:fontRef idx="minor">
-              <a:schemeClr val="dk1"/>
-            </a:fontRef>
-          </p:style>
-          <p:txBody>
-            <a:bodyPr rtlCol="0" anchor="ctr"/>
-            <a:lstStyle/>
-            <a:p>
-              <a:pPr algn="ctr"/>
-              <a:r>
-                <a:rPr kumimoji="1" lang="ja-JP" altLang="en-US" dirty="0" smtClean="0">
-                  <a:ln w="0"/>
-                  <a:solidFill>
-                    <a:schemeClr val="tx1"/>
-                  </a:solidFill>
-                  <a:effectLst>
-                    <a:outerShdw blurRad="38100" dist="19050" dir="2700000" algn="tl" rotWithShape="0">
-                      <a:schemeClr val="dk1">
-                        <a:alpha val="40000"/>
-                      </a:schemeClr>
-                    </a:outerShdw>
-                  </a:effectLst>
-                </a:rPr>
-                <a:t>計算</a:t>
-              </a:r>
-              <a:endParaRPr kumimoji="1" lang="ja-JP" altLang="en-US" dirty="0">
-                <a:ln w="0"/>
-                <a:solidFill>
-                  <a:schemeClr val="tx1"/>
-                </a:solidFill>
-                <a:effectLst>
-                  <a:outerShdw blurRad="38100" dist="19050" dir="2700000" algn="tl" rotWithShape="0">
-                    <a:schemeClr val="dk1">
-                      <a:alpha val="40000"/>
-                    </a:schemeClr>
-                  </a:outerShdw>
-                </a:effectLst>
-              </a:endParaRPr>
-            </a:p>
-          </p:txBody>
-        </p:sp>
-        <p:cxnSp>
-          <p:nvCxnSpPr>
-            <p:cNvPr id="112" name="直線コネクタ 111"/>
-            <p:cNvCxnSpPr/>
-            <p:nvPr/>
-          </p:nvCxnSpPr>
-          <p:spPr>
-            <a:xfrm>
-              <a:off x="316992" y="4303776"/>
-              <a:ext cx="11362944" cy="0"/>
-            </a:xfrm>
-            <a:prstGeom prst="line">
-              <a:avLst/>
-            </a:prstGeom>
-          </p:spPr>
-          <p:style>
-            <a:lnRef idx="1">
-              <a:schemeClr val="dk1"/>
-            </a:lnRef>
-            <a:fillRef idx="0">
-              <a:schemeClr val="dk1"/>
-            </a:fillRef>
-            <a:effectRef idx="0">
-              <a:schemeClr val="dk1"/>
-            </a:effectRef>
-            <a:fontRef idx="minor">
-              <a:schemeClr val="tx1"/>
-            </a:fontRef>
-          </p:style>
-        </p:cxnSp>
-        <p:cxnSp>
-          <p:nvCxnSpPr>
-            <p:cNvPr id="113" name="直線コネクタ 112"/>
-            <p:cNvCxnSpPr/>
-            <p:nvPr/>
-          </p:nvCxnSpPr>
-          <p:spPr>
-            <a:xfrm>
-              <a:off x="609600" y="5815584"/>
-              <a:ext cx="10984992" cy="0"/>
-            </a:xfrm>
-            <a:prstGeom prst="line">
-              <a:avLst/>
-            </a:prstGeom>
-          </p:spPr>
-          <p:style>
-            <a:lnRef idx="1">
-              <a:schemeClr val="dk1"/>
-            </a:lnRef>
-            <a:fillRef idx="0">
-              <a:schemeClr val="dk1"/>
-            </a:fillRef>
-            <a:effectRef idx="0">
-              <a:schemeClr val="dk1"/>
-            </a:effectRef>
-            <a:fontRef idx="minor">
-              <a:schemeClr val="tx1"/>
-            </a:fontRef>
-          </p:style>
-        </p:cxnSp>
-        <p:sp>
-          <p:nvSpPr>
-            <p:cNvPr id="114" name="テキスト ボックス 113"/>
-            <p:cNvSpPr txBox="1"/>
-            <p:nvPr/>
-          </p:nvSpPr>
-          <p:spPr>
-            <a:xfrm>
-              <a:off x="316992" y="3979638"/>
-              <a:ext cx="2596896" cy="369332"/>
-            </a:xfrm>
-            <a:prstGeom prst="rect">
-              <a:avLst/>
-            </a:prstGeom>
-            <a:noFill/>
-          </p:spPr>
-          <p:txBody>
-            <a:bodyPr wrap="square" rtlCol="0">
-              <a:spAutoFit/>
-            </a:bodyPr>
-            <a:lstStyle/>
-            <a:p>
-              <a:r>
-                <a:rPr lang="ja-JP" altLang="en-US" dirty="0" smtClean="0"/>
-                <a:t>サービス有効</a:t>
-              </a:r>
-              <a:r>
-                <a:rPr lang="ja-JP" altLang="en-US" dirty="0"/>
-                <a:t>範囲</a:t>
-              </a:r>
-              <a:endParaRPr kumimoji="1" lang="ja-JP" altLang="en-US" dirty="0"/>
-            </a:p>
-          </p:txBody>
-        </p:sp>
-        <p:sp>
-          <p:nvSpPr>
-            <p:cNvPr id="115" name="テキスト ボックス 114"/>
-            <p:cNvSpPr txBox="1"/>
-            <p:nvPr/>
-          </p:nvSpPr>
-          <p:spPr>
-            <a:xfrm>
-              <a:off x="316992" y="5463488"/>
-              <a:ext cx="2596896" cy="369332"/>
-            </a:xfrm>
-            <a:prstGeom prst="rect">
-              <a:avLst/>
-            </a:prstGeom>
-            <a:noFill/>
-          </p:spPr>
-          <p:txBody>
-            <a:bodyPr wrap="square" rtlCol="0">
-              <a:spAutoFit/>
-            </a:bodyPr>
-            <a:lstStyle/>
-            <a:p>
-              <a:r>
-                <a:rPr lang="ja-JP" altLang="en-US" dirty="0" smtClean="0"/>
-                <a:t>サービス有効</a:t>
-              </a:r>
-              <a:r>
-                <a:rPr lang="ja-JP" altLang="en-US" dirty="0"/>
-                <a:t>範囲</a:t>
-              </a:r>
-              <a:endParaRPr kumimoji="1" lang="ja-JP" altLang="en-US" dirty="0"/>
-            </a:p>
-          </p:txBody>
-        </p:sp>
-        <p:grpSp>
-          <p:nvGrpSpPr>
-            <p:cNvPr id="116" name="グループ化 115"/>
-            <p:cNvGrpSpPr/>
-            <p:nvPr/>
-          </p:nvGrpSpPr>
-          <p:grpSpPr>
-            <a:xfrm>
-              <a:off x="2466845" y="4960375"/>
-              <a:ext cx="894086" cy="810016"/>
-              <a:chOff x="1332577" y="3645685"/>
-              <a:chExt cx="1670364" cy="1513301"/>
-            </a:xfrm>
-          </p:grpSpPr>
-          <p:pic>
-            <p:nvPicPr>
-              <p:cNvPr id="117" name="Picture 2" descr="サーバのイラスト（1台）"/>
+              <p:cNvPr id="149" name="Picture 2" descr="Wi-Fi無線ルーターのイラスト"/>
               <p:cNvPicPr>
                 <a:picLocks noChangeAspect="1" noChangeArrowheads="1"/>
               </p:cNvPicPr>
               <p:nvPr/>
             </p:nvPicPr>
             <p:blipFill>
-              <a:blip r:embed="rId4" cstate="print">
+              <a:blip r:embed="rId6" cstate="print">
                 <a:extLst>
                   <a:ext uri="{28A0092B-C50C-407E-A947-70E740481C1C}">
                     <a14:useLocalDpi xmlns:a14="http://schemas.microsoft.com/office/drawing/2010/main" val="0"/>
@@ -20145,8 +21228,8 @@
             </p:blipFill>
             <p:spPr bwMode="auto">
               <a:xfrm>
-                <a:off x="1696870" y="3645685"/>
-                <a:ext cx="973178" cy="973178"/>
+                <a:off x="5399638" y="3574662"/>
+                <a:ext cx="699093" cy="699093"/>
               </a:xfrm>
               <a:prstGeom prst="rect">
                 <a:avLst/>
@@ -20165,14 +21248,14 @@
           </p:pic>
           <p:pic>
             <p:nvPicPr>
-              <p:cNvPr id="118" name="Picture 4" descr="ドーム形の防犯カメラのイラスト"/>
+              <p:cNvPr id="150" name="Picture 2" descr="Wi-Fi無線ルーターのイラスト"/>
               <p:cNvPicPr>
                 <a:picLocks noChangeAspect="1" noChangeArrowheads="1"/>
               </p:cNvPicPr>
               <p:nvPr/>
             </p:nvPicPr>
             <p:blipFill>
-              <a:blip r:embed="rId5" cstate="print">
+              <a:blip r:embed="rId6" cstate="print">
                 <a:extLst>
                   <a:ext uri="{28A0092B-C50C-407E-A947-70E740481C1C}">
                     <a14:useLocalDpi xmlns:a14="http://schemas.microsoft.com/office/drawing/2010/main" val="0"/>
@@ -20186,106 +21269,8 @@
             </p:blipFill>
             <p:spPr bwMode="auto">
               <a:xfrm>
-                <a:off x="1332577" y="4222658"/>
-                <a:ext cx="936328" cy="936328"/>
-              </a:xfrm>
-              <a:prstGeom prst="rect">
-                <a:avLst/>
-              </a:prstGeom>
-              <a:noFill/>
-              <a:extLst>
-                <a:ext uri="{909E8E84-426E-40DD-AFC4-6F175D3DCCD1}">
-                  <a14:hiddenFill xmlns:a14="http://schemas.microsoft.com/office/drawing/2010/main">
-                    <a:solidFill>
-                      <a:srgbClr val="FFFFFF"/>
-                    </a:solidFill>
-                  </a14:hiddenFill>
-                </a:ext>
-              </a:extLst>
-            </p:spPr>
-          </p:pic>
-          <p:sp>
-            <p:nvSpPr>
-              <p:cNvPr id="119" name="楕円 118"/>
-              <p:cNvSpPr/>
-              <p:nvPr/>
-            </p:nvSpPr>
-            <p:spPr>
-              <a:xfrm>
-                <a:off x="1909726" y="4094046"/>
-                <a:ext cx="1093215" cy="628370"/>
-              </a:xfrm>
-              <a:prstGeom prst="ellipse">
-                <a:avLst/>
-              </a:prstGeom>
-            </p:spPr>
-            <p:style>
-              <a:lnRef idx="1">
-                <a:schemeClr val="accent4"/>
-              </a:lnRef>
-              <a:fillRef idx="2">
-                <a:schemeClr val="accent4"/>
-              </a:fillRef>
-              <a:effectRef idx="1">
-                <a:schemeClr val="accent4"/>
-              </a:effectRef>
-              <a:fontRef idx="minor">
-                <a:schemeClr val="dk1"/>
-              </a:fontRef>
-            </p:style>
-            <p:txBody>
-              <a:bodyPr rtlCol="0" anchor="ctr"/>
-              <a:lstStyle/>
-              <a:p>
-                <a:pPr algn="ctr"/>
-                <a:r>
-                  <a:rPr lang="en-US" altLang="ja-JP" sz="900" dirty="0"/>
-                  <a:t>VSS</a:t>
-                </a:r>
-                <a:endParaRPr kumimoji="1" lang="ja-JP" altLang="en-US" sz="2400" dirty="0"/>
-              </a:p>
-            </p:txBody>
-          </p:sp>
-        </p:grpSp>
-        <p:grpSp>
-          <p:nvGrpSpPr>
-            <p:cNvPr id="120" name="グループ化 119"/>
-            <p:cNvGrpSpPr/>
-            <p:nvPr/>
-          </p:nvGrpSpPr>
-          <p:grpSpPr>
-            <a:xfrm>
-              <a:off x="3917693" y="4960375"/>
-              <a:ext cx="894086" cy="810016"/>
-              <a:chOff x="1332577" y="3645685"/>
-              <a:chExt cx="1670364" cy="1513301"/>
-            </a:xfrm>
-          </p:grpSpPr>
-          <p:pic>
-            <p:nvPicPr>
-              <p:cNvPr id="121" name="Picture 2" descr="サーバのイラスト（1台）"/>
-              <p:cNvPicPr>
-                <a:picLocks noChangeAspect="1" noChangeArrowheads="1"/>
-              </p:cNvPicPr>
-              <p:nvPr/>
-            </p:nvPicPr>
-            <p:blipFill>
-              <a:blip r:embed="rId4" cstate="print">
-                <a:extLst>
-                  <a:ext uri="{28A0092B-C50C-407E-A947-70E740481C1C}">
-                    <a14:useLocalDpi xmlns:a14="http://schemas.microsoft.com/office/drawing/2010/main" val="0"/>
-                  </a:ext>
-                </a:extLst>
-              </a:blip>
-              <a:srcRect/>
-              <a:stretch>
-                <a:fillRect/>
-              </a:stretch>
-            </p:blipFill>
-            <p:spPr bwMode="auto">
-              <a:xfrm>
-                <a:off x="1696870" y="3645685"/>
-                <a:ext cx="973178" cy="973178"/>
+                <a:off x="7676218" y="3574662"/>
+                <a:ext cx="699093" cy="699093"/>
               </a:xfrm>
               <a:prstGeom prst="rect">
                 <a:avLst/>
@@ -20304,14 +21289,14 @@
           </p:pic>
           <p:pic>
             <p:nvPicPr>
-              <p:cNvPr id="122" name="Picture 4" descr="ドーム形の防犯カメラのイラスト"/>
+              <p:cNvPr id="151" name="Picture 2" descr="Wi-Fi無線ルーターのイラスト"/>
               <p:cNvPicPr>
                 <a:picLocks noChangeAspect="1" noChangeArrowheads="1"/>
               </p:cNvPicPr>
               <p:nvPr/>
             </p:nvPicPr>
             <p:blipFill>
-              <a:blip r:embed="rId5" cstate="print">
+              <a:blip r:embed="rId6" cstate="print">
                 <a:extLst>
                   <a:ext uri="{28A0092B-C50C-407E-A947-70E740481C1C}">
                     <a14:useLocalDpi xmlns:a14="http://schemas.microsoft.com/office/drawing/2010/main" val="0"/>
@@ -20325,106 +21310,8 @@
             </p:blipFill>
             <p:spPr bwMode="auto">
               <a:xfrm>
-                <a:off x="1332577" y="4222658"/>
-                <a:ext cx="936328" cy="936328"/>
-              </a:xfrm>
-              <a:prstGeom prst="rect">
-                <a:avLst/>
-              </a:prstGeom>
-              <a:noFill/>
-              <a:extLst>
-                <a:ext uri="{909E8E84-426E-40DD-AFC4-6F175D3DCCD1}">
-                  <a14:hiddenFill xmlns:a14="http://schemas.microsoft.com/office/drawing/2010/main">
-                    <a:solidFill>
-                      <a:srgbClr val="FFFFFF"/>
-                    </a:solidFill>
-                  </a14:hiddenFill>
-                </a:ext>
-              </a:extLst>
-            </p:spPr>
-          </p:pic>
-          <p:sp>
-            <p:nvSpPr>
-              <p:cNvPr id="123" name="楕円 122"/>
-              <p:cNvSpPr/>
-              <p:nvPr/>
-            </p:nvSpPr>
-            <p:spPr>
-              <a:xfrm>
-                <a:off x="1909726" y="4094046"/>
-                <a:ext cx="1093215" cy="628370"/>
-              </a:xfrm>
-              <a:prstGeom prst="ellipse">
-                <a:avLst/>
-              </a:prstGeom>
-            </p:spPr>
-            <p:style>
-              <a:lnRef idx="1">
-                <a:schemeClr val="accent4"/>
-              </a:lnRef>
-              <a:fillRef idx="2">
-                <a:schemeClr val="accent4"/>
-              </a:fillRef>
-              <a:effectRef idx="1">
-                <a:schemeClr val="accent4"/>
-              </a:effectRef>
-              <a:fontRef idx="minor">
-                <a:schemeClr val="dk1"/>
-              </a:fontRef>
-            </p:style>
-            <p:txBody>
-              <a:bodyPr rtlCol="0" anchor="ctr"/>
-              <a:lstStyle/>
-              <a:p>
-                <a:pPr algn="ctr"/>
-                <a:r>
-                  <a:rPr lang="en-US" altLang="ja-JP" sz="900" dirty="0"/>
-                  <a:t>VSS</a:t>
-                </a:r>
-                <a:endParaRPr kumimoji="1" lang="ja-JP" altLang="en-US" sz="2400" dirty="0"/>
-              </a:p>
-            </p:txBody>
-          </p:sp>
-        </p:grpSp>
-        <p:grpSp>
-          <p:nvGrpSpPr>
-            <p:cNvPr id="124" name="グループ化 123"/>
-            <p:cNvGrpSpPr/>
-            <p:nvPr/>
-          </p:nvGrpSpPr>
-          <p:grpSpPr>
-            <a:xfrm>
-              <a:off x="5443721" y="4960375"/>
-              <a:ext cx="894086" cy="810016"/>
-              <a:chOff x="1332577" y="3645685"/>
-              <a:chExt cx="1670364" cy="1513301"/>
-            </a:xfrm>
-          </p:grpSpPr>
-          <p:pic>
-            <p:nvPicPr>
-              <p:cNvPr id="125" name="Picture 2" descr="サーバのイラスト（1台）"/>
-              <p:cNvPicPr>
-                <a:picLocks noChangeAspect="1" noChangeArrowheads="1"/>
-              </p:cNvPicPr>
-              <p:nvPr/>
-            </p:nvPicPr>
-            <p:blipFill>
-              <a:blip r:embed="rId4" cstate="print">
-                <a:extLst>
-                  <a:ext uri="{28A0092B-C50C-407E-A947-70E740481C1C}">
-                    <a14:useLocalDpi xmlns:a14="http://schemas.microsoft.com/office/drawing/2010/main" val="0"/>
-                  </a:ext>
-                </a:extLst>
-              </a:blip>
-              <a:srcRect/>
-              <a:stretch>
-                <a:fillRect/>
-              </a:stretch>
-            </p:blipFill>
-            <p:spPr bwMode="auto">
-              <a:xfrm>
-                <a:off x="1696870" y="3645685"/>
-                <a:ext cx="973178" cy="973178"/>
+                <a:off x="9044976" y="3574662"/>
+                <a:ext cx="699093" cy="699093"/>
               </a:xfrm>
               <a:prstGeom prst="rect">
                 <a:avLst/>
@@ -20443,14 +21330,14 @@
           </p:pic>
           <p:pic>
             <p:nvPicPr>
-              <p:cNvPr id="126" name="Picture 4" descr="ドーム形の防犯カメラのイラスト"/>
+              <p:cNvPr id="152" name="Picture 2" descr="Wi-Fi無線ルーターのイラスト"/>
               <p:cNvPicPr>
                 <a:picLocks noChangeAspect="1" noChangeArrowheads="1"/>
               </p:cNvPicPr>
               <p:nvPr/>
             </p:nvPicPr>
             <p:blipFill>
-              <a:blip r:embed="rId5" cstate="print">
+              <a:blip r:embed="rId6" cstate="print">
                 <a:extLst>
                   <a:ext uri="{28A0092B-C50C-407E-A947-70E740481C1C}">
                     <a14:useLocalDpi xmlns:a14="http://schemas.microsoft.com/office/drawing/2010/main" val="0"/>
@@ -20464,8 +21351,8 @@
             </p:blipFill>
             <p:spPr bwMode="auto">
               <a:xfrm>
-                <a:off x="1332577" y="4222658"/>
-                <a:ext cx="936328" cy="936328"/>
+                <a:off x="10993035" y="3574662"/>
+                <a:ext cx="699093" cy="699093"/>
               </a:xfrm>
               <a:prstGeom prst="rect">
                 <a:avLst/>
@@ -20482,959 +21369,353 @@
               </a:extLst>
             </p:spPr>
           </p:pic>
+          <p:cxnSp>
+            <p:nvCxnSpPr>
+              <p:cNvPr id="154" name="直線矢印コネクタ 153"/>
+              <p:cNvCxnSpPr>
+                <a:endCxn id="148" idx="2"/>
+              </p:cNvCxnSpPr>
+              <p:nvPr/>
+            </p:nvCxnSpPr>
+            <p:spPr>
+              <a:xfrm flipH="1" flipV="1">
+                <a:off x="2833199" y="4273755"/>
+                <a:ext cx="80803" cy="889433"/>
+              </a:xfrm>
+              <a:prstGeom prst="straightConnector1">
+                <a:avLst/>
+              </a:prstGeom>
+              <a:ln w="76200" cmpd="sng">
+                <a:tailEnd type="triangle" w="lg" len="lg"/>
+              </a:ln>
+            </p:spPr>
+            <p:style>
+              <a:lnRef idx="1">
+                <a:schemeClr val="dk1"/>
+              </a:lnRef>
+              <a:fillRef idx="0">
+                <a:schemeClr val="dk1"/>
+              </a:fillRef>
+              <a:effectRef idx="0">
+                <a:schemeClr val="dk1"/>
+              </a:effectRef>
+              <a:fontRef idx="minor">
+                <a:schemeClr val="tx1"/>
+              </a:fontRef>
+            </p:style>
+          </p:cxnSp>
+          <p:cxnSp>
+            <p:nvCxnSpPr>
+              <p:cNvPr id="155" name="直線矢印コネクタ 154"/>
+              <p:cNvCxnSpPr/>
+              <p:nvPr/>
+            </p:nvCxnSpPr>
+            <p:spPr>
+              <a:xfrm flipH="1" flipV="1">
+                <a:off x="3149313" y="4303776"/>
+                <a:ext cx="1223827" cy="847033"/>
+              </a:xfrm>
+              <a:prstGeom prst="straightConnector1">
+                <a:avLst/>
+              </a:prstGeom>
+              <a:ln w="76200" cmpd="sng">
+                <a:tailEnd type="triangle" w="lg" len="lg"/>
+              </a:ln>
+            </p:spPr>
+            <p:style>
+              <a:lnRef idx="1">
+                <a:schemeClr val="dk1"/>
+              </a:lnRef>
+              <a:fillRef idx="0">
+                <a:schemeClr val="dk1"/>
+              </a:fillRef>
+              <a:effectRef idx="0">
+                <a:schemeClr val="dk1"/>
+              </a:effectRef>
+              <a:fontRef idx="minor">
+                <a:schemeClr val="tx1"/>
+              </a:fontRef>
+            </p:style>
+          </p:cxnSp>
+          <p:cxnSp>
+            <p:nvCxnSpPr>
+              <p:cNvPr id="156" name="直線矢印コネクタ 155"/>
+              <p:cNvCxnSpPr>
+                <a:endCxn id="149" idx="2"/>
+              </p:cNvCxnSpPr>
+              <p:nvPr/>
+            </p:nvCxnSpPr>
+            <p:spPr>
+              <a:xfrm flipH="1" flipV="1">
+                <a:off x="5749185" y="4273755"/>
+                <a:ext cx="72769" cy="765812"/>
+              </a:xfrm>
+              <a:prstGeom prst="straightConnector1">
+                <a:avLst/>
+              </a:prstGeom>
+              <a:ln w="76200" cmpd="sng">
+                <a:tailEnd type="triangle" w="lg" len="lg"/>
+              </a:ln>
+            </p:spPr>
+            <p:style>
+              <a:lnRef idx="1">
+                <a:schemeClr val="dk1"/>
+              </a:lnRef>
+              <a:fillRef idx="0">
+                <a:schemeClr val="dk1"/>
+              </a:fillRef>
+              <a:effectRef idx="0">
+                <a:schemeClr val="dk1"/>
+              </a:effectRef>
+              <a:fontRef idx="minor">
+                <a:schemeClr val="tx1"/>
+              </a:fontRef>
+            </p:style>
+          </p:cxnSp>
+          <p:cxnSp>
+            <p:nvCxnSpPr>
+              <p:cNvPr id="157" name="直線矢印コネクタ 156"/>
+              <p:cNvCxnSpPr/>
+              <p:nvPr/>
+            </p:nvCxnSpPr>
+            <p:spPr>
+              <a:xfrm flipH="1" flipV="1">
+                <a:off x="5914029" y="4376222"/>
+                <a:ext cx="1101143" cy="716939"/>
+              </a:xfrm>
+              <a:prstGeom prst="straightConnector1">
+                <a:avLst/>
+              </a:prstGeom>
+              <a:ln w="76200" cmpd="sng">
+                <a:tailEnd type="triangle" w="lg" len="lg"/>
+              </a:ln>
+            </p:spPr>
+            <p:style>
+              <a:lnRef idx="1">
+                <a:schemeClr val="dk1"/>
+              </a:lnRef>
+              <a:fillRef idx="0">
+                <a:schemeClr val="dk1"/>
+              </a:fillRef>
+              <a:effectRef idx="0">
+                <a:schemeClr val="dk1"/>
+              </a:effectRef>
+              <a:fontRef idx="minor">
+                <a:schemeClr val="tx1"/>
+              </a:fontRef>
+            </p:style>
+          </p:cxnSp>
+          <p:cxnSp>
+            <p:nvCxnSpPr>
+              <p:cNvPr id="158" name="直線矢印コネクタ 157"/>
+              <p:cNvCxnSpPr/>
+              <p:nvPr/>
+            </p:nvCxnSpPr>
+            <p:spPr>
+              <a:xfrm flipH="1" flipV="1">
+                <a:off x="7975334" y="4423263"/>
+                <a:ext cx="334073" cy="669898"/>
+              </a:xfrm>
+              <a:prstGeom prst="straightConnector1">
+                <a:avLst/>
+              </a:prstGeom>
+              <a:ln w="76200" cmpd="sng">
+                <a:tailEnd type="triangle" w="lg" len="lg"/>
+              </a:ln>
+            </p:spPr>
+            <p:style>
+              <a:lnRef idx="1">
+                <a:schemeClr val="dk1"/>
+              </a:lnRef>
+              <a:fillRef idx="0">
+                <a:schemeClr val="dk1"/>
+              </a:fillRef>
+              <a:effectRef idx="0">
+                <a:schemeClr val="dk1"/>
+              </a:effectRef>
+              <a:fontRef idx="minor">
+                <a:schemeClr val="tx1"/>
+              </a:fontRef>
+            </p:style>
+          </p:cxnSp>
+          <p:cxnSp>
+            <p:nvCxnSpPr>
+              <p:cNvPr id="159" name="直線矢印コネクタ 158"/>
+              <p:cNvCxnSpPr/>
+              <p:nvPr/>
+            </p:nvCxnSpPr>
+            <p:spPr>
+              <a:xfrm flipH="1" flipV="1">
+                <a:off x="9449219" y="4376222"/>
+                <a:ext cx="29898" cy="743836"/>
+              </a:xfrm>
+              <a:prstGeom prst="straightConnector1">
+                <a:avLst/>
+              </a:prstGeom>
+              <a:ln w="76200" cmpd="sng">
+                <a:tailEnd type="triangle" w="lg" len="lg"/>
+              </a:ln>
+            </p:spPr>
+            <p:style>
+              <a:lnRef idx="1">
+                <a:schemeClr val="dk1"/>
+              </a:lnRef>
+              <a:fillRef idx="0">
+                <a:schemeClr val="dk1"/>
+              </a:fillRef>
+              <a:effectRef idx="0">
+                <a:schemeClr val="dk1"/>
+              </a:effectRef>
+              <a:fontRef idx="minor">
+                <a:schemeClr val="tx1"/>
+              </a:fontRef>
+            </p:style>
+          </p:cxnSp>
+          <p:cxnSp>
+            <p:nvCxnSpPr>
+              <p:cNvPr id="160" name="直線矢印コネクタ 159"/>
+              <p:cNvCxnSpPr/>
+              <p:nvPr/>
+            </p:nvCxnSpPr>
+            <p:spPr>
+              <a:xfrm flipV="1">
+                <a:off x="10478175" y="4348970"/>
+                <a:ext cx="600616" cy="771088"/>
+              </a:xfrm>
+              <a:prstGeom prst="straightConnector1">
+                <a:avLst/>
+              </a:prstGeom>
+              <a:ln w="76200" cmpd="sng">
+                <a:tailEnd type="triangle" w="lg" len="lg"/>
+              </a:ln>
+            </p:spPr>
+            <p:style>
+              <a:lnRef idx="1">
+                <a:schemeClr val="dk1"/>
+              </a:lnRef>
+              <a:fillRef idx="0">
+                <a:schemeClr val="dk1"/>
+              </a:fillRef>
+              <a:effectRef idx="0">
+                <a:schemeClr val="dk1"/>
+              </a:effectRef>
+              <a:fontRef idx="minor">
+                <a:schemeClr val="tx1"/>
+              </a:fontRef>
+            </p:style>
+          </p:cxnSp>
+          <p:cxnSp>
+            <p:nvCxnSpPr>
+              <p:cNvPr id="161" name="直線矢印コネクタ 160"/>
+              <p:cNvCxnSpPr/>
+              <p:nvPr/>
+            </p:nvCxnSpPr>
+            <p:spPr>
+              <a:xfrm flipH="1" flipV="1">
+                <a:off x="11250159" y="4230624"/>
+                <a:ext cx="80803" cy="889433"/>
+              </a:xfrm>
+              <a:prstGeom prst="straightConnector1">
+                <a:avLst/>
+              </a:prstGeom>
+              <a:ln w="76200" cmpd="sng">
+                <a:tailEnd type="triangle" w="lg" len="lg"/>
+              </a:ln>
+            </p:spPr>
+            <p:style>
+              <a:lnRef idx="1">
+                <a:schemeClr val="dk1"/>
+              </a:lnRef>
+              <a:fillRef idx="0">
+                <a:schemeClr val="dk1"/>
+              </a:fillRef>
+              <a:effectRef idx="0">
+                <a:schemeClr val="dk1"/>
+              </a:effectRef>
+              <a:fontRef idx="minor">
+                <a:schemeClr val="tx1"/>
+              </a:fontRef>
+            </p:style>
+          </p:cxnSp>
           <p:sp>
             <p:nvSpPr>
-              <p:cNvPr id="127" name="楕円 126"/>
-              <p:cNvSpPr/>
+              <p:cNvPr id="66" name="テキスト ボックス 65"/>
+              <p:cNvSpPr txBox="1"/>
               <p:nvPr/>
             </p:nvSpPr>
             <p:spPr>
               <a:xfrm>
-                <a:off x="1909726" y="4094046"/>
-                <a:ext cx="1093215" cy="628370"/>
-              </a:xfrm>
-              <a:prstGeom prst="ellipse">
-                <a:avLst/>
-              </a:prstGeom>
-            </p:spPr>
-            <p:style>
-              <a:lnRef idx="1">
-                <a:schemeClr val="accent4"/>
-              </a:lnRef>
-              <a:fillRef idx="2">
-                <a:schemeClr val="accent4"/>
-              </a:fillRef>
-              <a:effectRef idx="1">
-                <a:schemeClr val="accent4"/>
-              </a:effectRef>
-              <a:fontRef idx="minor">
-                <a:schemeClr val="dk1"/>
-              </a:fontRef>
-            </p:style>
-            <p:txBody>
-              <a:bodyPr rtlCol="0" anchor="ctr"/>
-              <a:lstStyle/>
-              <a:p>
-                <a:pPr algn="ctr"/>
-                <a:r>
-                  <a:rPr lang="en-US" altLang="ja-JP" sz="900" dirty="0"/>
-                  <a:t>VSS</a:t>
-                </a:r>
-                <a:endParaRPr kumimoji="1" lang="ja-JP" altLang="en-US" sz="2400" dirty="0"/>
-              </a:p>
-            </p:txBody>
-          </p:sp>
-        </p:grpSp>
-        <p:grpSp>
-          <p:nvGrpSpPr>
-            <p:cNvPr id="128" name="グループ化 127"/>
-            <p:cNvGrpSpPr/>
-            <p:nvPr/>
-          </p:nvGrpSpPr>
-          <p:grpSpPr>
-            <a:xfrm>
-              <a:off x="6589769" y="4960375"/>
-              <a:ext cx="894086" cy="810016"/>
-              <a:chOff x="1332577" y="3645685"/>
-              <a:chExt cx="1670364" cy="1513301"/>
-            </a:xfrm>
-          </p:grpSpPr>
-          <p:pic>
-            <p:nvPicPr>
-              <p:cNvPr id="129" name="Picture 2" descr="サーバのイラスト（1台）"/>
-              <p:cNvPicPr>
-                <a:picLocks noChangeAspect="1" noChangeArrowheads="1"/>
-              </p:cNvPicPr>
-              <p:nvPr/>
-            </p:nvPicPr>
-            <p:blipFill>
-              <a:blip r:embed="rId4" cstate="print">
-                <a:extLst>
-                  <a:ext uri="{28A0092B-C50C-407E-A947-70E740481C1C}">
-                    <a14:useLocalDpi xmlns:a14="http://schemas.microsoft.com/office/drawing/2010/main" val="0"/>
-                  </a:ext>
-                </a:extLst>
-              </a:blip>
-              <a:srcRect/>
-              <a:stretch>
-                <a:fillRect/>
-              </a:stretch>
-            </p:blipFill>
-            <p:spPr bwMode="auto">
-              <a:xfrm>
-                <a:off x="1696870" y="3645685"/>
-                <a:ext cx="973178" cy="973178"/>
+                <a:off x="236302" y="5420783"/>
+                <a:ext cx="2596896" cy="369332"/>
               </a:xfrm>
               <a:prstGeom prst="rect">
                 <a:avLst/>
               </a:prstGeom>
               <a:noFill/>
-              <a:extLst>
-                <a:ext uri="{909E8E84-426E-40DD-AFC4-6F175D3DCCD1}">
-                  <a14:hiddenFill xmlns:a14="http://schemas.microsoft.com/office/drawing/2010/main">
-                    <a:solidFill>
-                      <a:srgbClr val="FFFFFF"/>
-                    </a:solidFill>
-                  </a14:hiddenFill>
-                </a:ext>
-              </a:extLst>
             </p:spPr>
-          </p:pic>
-          <p:pic>
-            <p:nvPicPr>
-              <p:cNvPr id="130" name="Picture 4" descr="ドーム形の防犯カメラのイラスト"/>
-              <p:cNvPicPr>
-                <a:picLocks noChangeAspect="1" noChangeArrowheads="1"/>
-              </p:cNvPicPr>
+            <p:txBody>
+              <a:bodyPr wrap="square" rtlCol="0">
+                <a:spAutoFit/>
+              </a:bodyPr>
+              <a:lstStyle/>
+              <a:p>
+                <a:r>
+                  <a:rPr lang="ja-JP" altLang="en-US" dirty="0" smtClean="0"/>
+                  <a:t>ネットワークカメラ</a:t>
+                </a:r>
+                <a:endParaRPr kumimoji="1" lang="ja-JP" altLang="en-US" dirty="0"/>
+              </a:p>
+            </p:txBody>
+          </p:sp>
+          <p:sp>
+            <p:nvSpPr>
+              <p:cNvPr id="5" name="テキスト ボックス 4"/>
+              <p:cNvSpPr txBox="1"/>
               <p:nvPr/>
-            </p:nvPicPr>
-            <p:blipFill>
-              <a:blip r:embed="rId5" cstate="print">
-                <a:extLst>
-                  <a:ext uri="{28A0092B-C50C-407E-A947-70E740481C1C}">
-                    <a14:useLocalDpi xmlns:a14="http://schemas.microsoft.com/office/drawing/2010/main" val="0"/>
-                  </a:ext>
-                </a:extLst>
-              </a:blip>
-              <a:srcRect/>
-              <a:stretch>
-                <a:fillRect/>
-              </a:stretch>
-            </p:blipFill>
-            <p:spPr bwMode="auto">
+            </p:nvSpPr>
+            <p:spPr>
               <a:xfrm>
-                <a:off x="1332577" y="4222658"/>
-                <a:ext cx="936328" cy="936328"/>
+                <a:off x="6035121" y="567231"/>
+                <a:ext cx="1338411" cy="367087"/>
               </a:xfrm>
               <a:prstGeom prst="rect">
                 <a:avLst/>
               </a:prstGeom>
-              <a:noFill/>
-              <a:extLst>
-                <a:ext uri="{909E8E84-426E-40DD-AFC4-6F175D3DCCD1}">
-                  <a14:hiddenFill xmlns:a14="http://schemas.microsoft.com/office/drawing/2010/main">
-                    <a:solidFill>
-                      <a:srgbClr val="FFFFFF"/>
-                    </a:solidFill>
-                  </a14:hiddenFill>
-                </a:ext>
-              </a:extLst>
+              <a:solidFill>
+                <a:schemeClr val="bg1"/>
+              </a:solidFill>
+              <a:ln w="28575">
+                <a:solidFill>
+                  <a:schemeClr val="accent2"/>
+                </a:solidFill>
+              </a:ln>
             </p:spPr>
-          </p:pic>
-          <p:sp>
-            <p:nvSpPr>
-              <p:cNvPr id="131" name="楕円 130"/>
-              <p:cNvSpPr/>
-              <p:nvPr/>
-            </p:nvSpPr>
-            <p:spPr>
-              <a:xfrm>
-                <a:off x="1909726" y="4094046"/>
-                <a:ext cx="1093215" cy="628370"/>
-              </a:xfrm>
-              <a:prstGeom prst="ellipse">
-                <a:avLst/>
-              </a:prstGeom>
-            </p:spPr>
-            <p:style>
-              <a:lnRef idx="1">
-                <a:schemeClr val="accent4"/>
-              </a:lnRef>
-              <a:fillRef idx="2">
-                <a:schemeClr val="accent4"/>
-              </a:fillRef>
-              <a:effectRef idx="1">
-                <a:schemeClr val="accent4"/>
-              </a:effectRef>
-              <a:fontRef idx="minor">
-                <a:schemeClr val="dk1"/>
-              </a:fontRef>
-            </p:style>
             <p:txBody>
-              <a:bodyPr rtlCol="0" anchor="ctr"/>
+              <a:bodyPr wrap="square" rtlCol="0">
+                <a:spAutoFit/>
+              </a:bodyPr>
               <a:lstStyle/>
               <a:p>
                 <a:pPr algn="ctr"/>
                 <a:r>
-                  <a:rPr lang="en-US" altLang="ja-JP" sz="900" dirty="0"/>
-                  <a:t>VSS</a:t>
+                  <a:rPr kumimoji="1" lang="ja-JP" altLang="en-US" dirty="0" smtClean="0"/>
+                  <a:t>計算ノード</a:t>
                 </a:r>
-                <a:endParaRPr kumimoji="1" lang="ja-JP" altLang="en-US" sz="2400" dirty="0"/>
+                <a:endParaRPr kumimoji="1" lang="ja-JP" altLang="en-US" dirty="0"/>
               </a:p>
             </p:txBody>
           </p:sp>
         </p:grpSp>
-        <p:grpSp>
-          <p:nvGrpSpPr>
-            <p:cNvPr id="132" name="グループ化 131"/>
-            <p:cNvGrpSpPr/>
-            <p:nvPr/>
-          </p:nvGrpSpPr>
-          <p:grpSpPr>
-            <a:xfrm>
-              <a:off x="7773157" y="4960375"/>
-              <a:ext cx="894086" cy="810016"/>
-              <a:chOff x="1332577" y="3645685"/>
-              <a:chExt cx="1670364" cy="1513301"/>
-            </a:xfrm>
-          </p:grpSpPr>
-          <p:pic>
-            <p:nvPicPr>
-              <p:cNvPr id="133" name="Picture 2" descr="サーバのイラスト（1台）"/>
-              <p:cNvPicPr>
-                <a:picLocks noChangeAspect="1" noChangeArrowheads="1"/>
-              </p:cNvPicPr>
-              <p:nvPr/>
-            </p:nvPicPr>
-            <p:blipFill>
-              <a:blip r:embed="rId4" cstate="print">
-                <a:extLst>
-                  <a:ext uri="{28A0092B-C50C-407E-A947-70E740481C1C}">
-                    <a14:useLocalDpi xmlns:a14="http://schemas.microsoft.com/office/drawing/2010/main" val="0"/>
-                  </a:ext>
-                </a:extLst>
-              </a:blip>
-              <a:srcRect/>
-              <a:stretch>
-                <a:fillRect/>
-              </a:stretch>
-            </p:blipFill>
-            <p:spPr bwMode="auto">
-              <a:xfrm>
-                <a:off x="1696870" y="3645685"/>
-                <a:ext cx="973178" cy="973178"/>
-              </a:xfrm>
-              <a:prstGeom prst="rect">
-                <a:avLst/>
-              </a:prstGeom>
-              <a:noFill/>
-              <a:extLst>
-                <a:ext uri="{909E8E84-426E-40DD-AFC4-6F175D3DCCD1}">
-                  <a14:hiddenFill xmlns:a14="http://schemas.microsoft.com/office/drawing/2010/main">
-                    <a:solidFill>
-                      <a:srgbClr val="FFFFFF"/>
-                    </a:solidFill>
-                  </a14:hiddenFill>
-                </a:ext>
-              </a:extLst>
-            </p:spPr>
-          </p:pic>
-          <p:pic>
-            <p:nvPicPr>
-              <p:cNvPr id="134" name="Picture 4" descr="ドーム形の防犯カメラのイラスト"/>
-              <p:cNvPicPr>
-                <a:picLocks noChangeAspect="1" noChangeArrowheads="1"/>
-              </p:cNvPicPr>
-              <p:nvPr/>
-            </p:nvPicPr>
-            <p:blipFill>
-              <a:blip r:embed="rId5" cstate="print">
-                <a:extLst>
-                  <a:ext uri="{28A0092B-C50C-407E-A947-70E740481C1C}">
-                    <a14:useLocalDpi xmlns:a14="http://schemas.microsoft.com/office/drawing/2010/main" val="0"/>
-                  </a:ext>
-                </a:extLst>
-              </a:blip>
-              <a:srcRect/>
-              <a:stretch>
-                <a:fillRect/>
-              </a:stretch>
-            </p:blipFill>
-            <p:spPr bwMode="auto">
-              <a:xfrm>
-                <a:off x="1332577" y="4222658"/>
-                <a:ext cx="936328" cy="936328"/>
-              </a:xfrm>
-              <a:prstGeom prst="rect">
-                <a:avLst/>
-              </a:prstGeom>
-              <a:noFill/>
-              <a:extLst>
-                <a:ext uri="{909E8E84-426E-40DD-AFC4-6F175D3DCCD1}">
-                  <a14:hiddenFill xmlns:a14="http://schemas.microsoft.com/office/drawing/2010/main">
-                    <a:solidFill>
-                      <a:srgbClr val="FFFFFF"/>
-                    </a:solidFill>
-                  </a14:hiddenFill>
-                </a:ext>
-              </a:extLst>
-            </p:spPr>
-          </p:pic>
-          <p:sp>
-            <p:nvSpPr>
-              <p:cNvPr id="135" name="楕円 134"/>
-              <p:cNvSpPr/>
-              <p:nvPr/>
-            </p:nvSpPr>
-            <p:spPr>
-              <a:xfrm>
-                <a:off x="1909726" y="4094046"/>
-                <a:ext cx="1093215" cy="628370"/>
-              </a:xfrm>
-              <a:prstGeom prst="ellipse">
-                <a:avLst/>
-              </a:prstGeom>
-            </p:spPr>
-            <p:style>
-              <a:lnRef idx="1">
-                <a:schemeClr val="accent4"/>
-              </a:lnRef>
-              <a:fillRef idx="2">
-                <a:schemeClr val="accent4"/>
-              </a:fillRef>
-              <a:effectRef idx="1">
-                <a:schemeClr val="accent4"/>
-              </a:effectRef>
-              <a:fontRef idx="minor">
-                <a:schemeClr val="dk1"/>
-              </a:fontRef>
-            </p:style>
-            <p:txBody>
-              <a:bodyPr rtlCol="0" anchor="ctr"/>
-              <a:lstStyle/>
-              <a:p>
-                <a:pPr algn="ctr"/>
-                <a:r>
-                  <a:rPr lang="en-US" altLang="ja-JP" sz="900" dirty="0"/>
-                  <a:t>VSS</a:t>
-                </a:r>
-                <a:endParaRPr kumimoji="1" lang="ja-JP" altLang="en-US" sz="2400" dirty="0"/>
-              </a:p>
-            </p:txBody>
-          </p:sp>
-        </p:grpSp>
-        <p:grpSp>
-          <p:nvGrpSpPr>
-            <p:cNvPr id="136" name="グループ化 135"/>
-            <p:cNvGrpSpPr/>
-            <p:nvPr/>
-          </p:nvGrpSpPr>
-          <p:grpSpPr>
-            <a:xfrm>
-              <a:off x="9028169" y="4960375"/>
-              <a:ext cx="894086" cy="810016"/>
-              <a:chOff x="1332577" y="3645685"/>
-              <a:chExt cx="1670364" cy="1513301"/>
-            </a:xfrm>
-          </p:grpSpPr>
-          <p:pic>
-            <p:nvPicPr>
-              <p:cNvPr id="137" name="Picture 2" descr="サーバのイラスト（1台）"/>
-              <p:cNvPicPr>
-                <a:picLocks noChangeAspect="1" noChangeArrowheads="1"/>
-              </p:cNvPicPr>
-              <p:nvPr/>
-            </p:nvPicPr>
-            <p:blipFill>
-              <a:blip r:embed="rId4" cstate="print">
-                <a:extLst>
-                  <a:ext uri="{28A0092B-C50C-407E-A947-70E740481C1C}">
-                    <a14:useLocalDpi xmlns:a14="http://schemas.microsoft.com/office/drawing/2010/main" val="0"/>
-                  </a:ext>
-                </a:extLst>
-              </a:blip>
-              <a:srcRect/>
-              <a:stretch>
-                <a:fillRect/>
-              </a:stretch>
-            </p:blipFill>
-            <p:spPr bwMode="auto">
-              <a:xfrm>
-                <a:off x="1696870" y="3645685"/>
-                <a:ext cx="973178" cy="973178"/>
-              </a:xfrm>
-              <a:prstGeom prst="rect">
-                <a:avLst/>
-              </a:prstGeom>
-              <a:noFill/>
-              <a:extLst>
-                <a:ext uri="{909E8E84-426E-40DD-AFC4-6F175D3DCCD1}">
-                  <a14:hiddenFill xmlns:a14="http://schemas.microsoft.com/office/drawing/2010/main">
-                    <a:solidFill>
-                      <a:srgbClr val="FFFFFF"/>
-                    </a:solidFill>
-                  </a14:hiddenFill>
-                </a:ext>
-              </a:extLst>
-            </p:spPr>
-          </p:pic>
-          <p:pic>
-            <p:nvPicPr>
-              <p:cNvPr id="138" name="Picture 4" descr="ドーム形の防犯カメラのイラスト"/>
-              <p:cNvPicPr>
-                <a:picLocks noChangeAspect="1" noChangeArrowheads="1"/>
-              </p:cNvPicPr>
-              <p:nvPr/>
-            </p:nvPicPr>
-            <p:blipFill>
-              <a:blip r:embed="rId5" cstate="print">
-                <a:extLst>
-                  <a:ext uri="{28A0092B-C50C-407E-A947-70E740481C1C}">
-                    <a14:useLocalDpi xmlns:a14="http://schemas.microsoft.com/office/drawing/2010/main" val="0"/>
-                  </a:ext>
-                </a:extLst>
-              </a:blip>
-              <a:srcRect/>
-              <a:stretch>
-                <a:fillRect/>
-              </a:stretch>
-            </p:blipFill>
-            <p:spPr bwMode="auto">
-              <a:xfrm>
-                <a:off x="1332577" y="4222658"/>
-                <a:ext cx="936328" cy="936328"/>
-              </a:xfrm>
-              <a:prstGeom prst="rect">
-                <a:avLst/>
-              </a:prstGeom>
-              <a:noFill/>
-              <a:extLst>
-                <a:ext uri="{909E8E84-426E-40DD-AFC4-6F175D3DCCD1}">
-                  <a14:hiddenFill xmlns:a14="http://schemas.microsoft.com/office/drawing/2010/main">
-                    <a:solidFill>
-                      <a:srgbClr val="FFFFFF"/>
-                    </a:solidFill>
-                  </a14:hiddenFill>
-                </a:ext>
-              </a:extLst>
-            </p:spPr>
-          </p:pic>
-          <p:sp>
-            <p:nvSpPr>
-              <p:cNvPr id="139" name="楕円 138"/>
-              <p:cNvSpPr/>
-              <p:nvPr/>
-            </p:nvSpPr>
-            <p:spPr>
-              <a:xfrm>
-                <a:off x="1909726" y="4094046"/>
-                <a:ext cx="1093215" cy="628370"/>
-              </a:xfrm>
-              <a:prstGeom prst="ellipse">
-                <a:avLst/>
-              </a:prstGeom>
-            </p:spPr>
-            <p:style>
-              <a:lnRef idx="1">
-                <a:schemeClr val="accent4"/>
-              </a:lnRef>
-              <a:fillRef idx="2">
-                <a:schemeClr val="accent4"/>
-              </a:fillRef>
-              <a:effectRef idx="1">
-                <a:schemeClr val="accent4"/>
-              </a:effectRef>
-              <a:fontRef idx="minor">
-                <a:schemeClr val="dk1"/>
-              </a:fontRef>
-            </p:style>
-            <p:txBody>
-              <a:bodyPr rtlCol="0" anchor="ctr"/>
-              <a:lstStyle/>
-              <a:p>
-                <a:pPr algn="ctr"/>
-                <a:r>
-                  <a:rPr lang="en-US" altLang="ja-JP" sz="900" dirty="0"/>
-                  <a:t>VSS</a:t>
-                </a:r>
-                <a:endParaRPr kumimoji="1" lang="ja-JP" altLang="en-US" sz="2400" dirty="0"/>
-              </a:p>
-            </p:txBody>
-          </p:sp>
-        </p:grpSp>
-        <p:grpSp>
-          <p:nvGrpSpPr>
-            <p:cNvPr id="140" name="グループ化 139"/>
-            <p:cNvGrpSpPr/>
-            <p:nvPr/>
-          </p:nvGrpSpPr>
-          <p:grpSpPr>
-            <a:xfrm>
-              <a:off x="9966953" y="4960375"/>
-              <a:ext cx="894086" cy="810016"/>
-              <a:chOff x="1332577" y="3645685"/>
-              <a:chExt cx="1670364" cy="1513301"/>
-            </a:xfrm>
-          </p:grpSpPr>
-          <p:pic>
-            <p:nvPicPr>
-              <p:cNvPr id="141" name="Picture 2" descr="サーバのイラスト（1台）"/>
-              <p:cNvPicPr>
-                <a:picLocks noChangeAspect="1" noChangeArrowheads="1"/>
-              </p:cNvPicPr>
-              <p:nvPr/>
-            </p:nvPicPr>
-            <p:blipFill>
-              <a:blip r:embed="rId4" cstate="print">
-                <a:extLst>
-                  <a:ext uri="{28A0092B-C50C-407E-A947-70E740481C1C}">
-                    <a14:useLocalDpi xmlns:a14="http://schemas.microsoft.com/office/drawing/2010/main" val="0"/>
-                  </a:ext>
-                </a:extLst>
-              </a:blip>
-              <a:srcRect/>
-              <a:stretch>
-                <a:fillRect/>
-              </a:stretch>
-            </p:blipFill>
-            <p:spPr bwMode="auto">
-              <a:xfrm>
-                <a:off x="1696870" y="3645685"/>
-                <a:ext cx="973178" cy="973178"/>
-              </a:xfrm>
-              <a:prstGeom prst="rect">
-                <a:avLst/>
-              </a:prstGeom>
-              <a:noFill/>
-              <a:extLst>
-                <a:ext uri="{909E8E84-426E-40DD-AFC4-6F175D3DCCD1}">
-                  <a14:hiddenFill xmlns:a14="http://schemas.microsoft.com/office/drawing/2010/main">
-                    <a:solidFill>
-                      <a:srgbClr val="FFFFFF"/>
-                    </a:solidFill>
-                  </a14:hiddenFill>
-                </a:ext>
-              </a:extLst>
-            </p:spPr>
-          </p:pic>
-          <p:pic>
-            <p:nvPicPr>
-              <p:cNvPr id="142" name="Picture 4" descr="ドーム形の防犯カメラのイラスト"/>
-              <p:cNvPicPr>
-                <a:picLocks noChangeAspect="1" noChangeArrowheads="1"/>
-              </p:cNvPicPr>
-              <p:nvPr/>
-            </p:nvPicPr>
-            <p:blipFill>
-              <a:blip r:embed="rId5" cstate="print">
-                <a:extLst>
-                  <a:ext uri="{28A0092B-C50C-407E-A947-70E740481C1C}">
-                    <a14:useLocalDpi xmlns:a14="http://schemas.microsoft.com/office/drawing/2010/main" val="0"/>
-                  </a:ext>
-                </a:extLst>
-              </a:blip>
-              <a:srcRect/>
-              <a:stretch>
-                <a:fillRect/>
-              </a:stretch>
-            </p:blipFill>
-            <p:spPr bwMode="auto">
-              <a:xfrm>
-                <a:off x="1332577" y="4222658"/>
-                <a:ext cx="936328" cy="936328"/>
-              </a:xfrm>
-              <a:prstGeom prst="rect">
-                <a:avLst/>
-              </a:prstGeom>
-              <a:noFill/>
-              <a:extLst>
-                <a:ext uri="{909E8E84-426E-40DD-AFC4-6F175D3DCCD1}">
-                  <a14:hiddenFill xmlns:a14="http://schemas.microsoft.com/office/drawing/2010/main">
-                    <a:solidFill>
-                      <a:srgbClr val="FFFFFF"/>
-                    </a:solidFill>
-                  </a14:hiddenFill>
-                </a:ext>
-              </a:extLst>
-            </p:spPr>
-          </p:pic>
-          <p:sp>
-            <p:nvSpPr>
-              <p:cNvPr id="143" name="楕円 142"/>
-              <p:cNvSpPr/>
-              <p:nvPr/>
-            </p:nvSpPr>
-            <p:spPr>
-              <a:xfrm>
-                <a:off x="1909726" y="4094046"/>
-                <a:ext cx="1093215" cy="628370"/>
-              </a:xfrm>
-              <a:prstGeom prst="ellipse">
-                <a:avLst/>
-              </a:prstGeom>
-            </p:spPr>
-            <p:style>
-              <a:lnRef idx="1">
-                <a:schemeClr val="accent4"/>
-              </a:lnRef>
-              <a:fillRef idx="2">
-                <a:schemeClr val="accent4"/>
-              </a:fillRef>
-              <a:effectRef idx="1">
-                <a:schemeClr val="accent4"/>
-              </a:effectRef>
-              <a:fontRef idx="minor">
-                <a:schemeClr val="dk1"/>
-              </a:fontRef>
-            </p:style>
-            <p:txBody>
-              <a:bodyPr rtlCol="0" anchor="ctr"/>
-              <a:lstStyle/>
-              <a:p>
-                <a:pPr algn="ctr"/>
-                <a:r>
-                  <a:rPr lang="en-US" altLang="ja-JP" sz="900" dirty="0"/>
-                  <a:t>VSS</a:t>
-                </a:r>
-                <a:endParaRPr kumimoji="1" lang="ja-JP" altLang="en-US" sz="2400" dirty="0"/>
-              </a:p>
-            </p:txBody>
-          </p:sp>
-        </p:grpSp>
-        <p:grpSp>
-          <p:nvGrpSpPr>
-            <p:cNvPr id="144" name="グループ化 143"/>
-            <p:cNvGrpSpPr/>
-            <p:nvPr/>
-          </p:nvGrpSpPr>
-          <p:grpSpPr>
-            <a:xfrm>
-              <a:off x="10883798" y="4960375"/>
-              <a:ext cx="894086" cy="810016"/>
-              <a:chOff x="1332577" y="3645685"/>
-              <a:chExt cx="1670364" cy="1513301"/>
-            </a:xfrm>
-          </p:grpSpPr>
-          <p:pic>
-            <p:nvPicPr>
-              <p:cNvPr id="145" name="Picture 2" descr="サーバのイラスト（1台）"/>
-              <p:cNvPicPr>
-                <a:picLocks noChangeAspect="1" noChangeArrowheads="1"/>
-              </p:cNvPicPr>
-              <p:nvPr/>
-            </p:nvPicPr>
-            <p:blipFill>
-              <a:blip r:embed="rId4" cstate="print">
-                <a:extLst>
-                  <a:ext uri="{28A0092B-C50C-407E-A947-70E740481C1C}">
-                    <a14:useLocalDpi xmlns:a14="http://schemas.microsoft.com/office/drawing/2010/main" val="0"/>
-                  </a:ext>
-                </a:extLst>
-              </a:blip>
-              <a:srcRect/>
-              <a:stretch>
-                <a:fillRect/>
-              </a:stretch>
-            </p:blipFill>
-            <p:spPr bwMode="auto">
-              <a:xfrm>
-                <a:off x="1696870" y="3645685"/>
-                <a:ext cx="973178" cy="973178"/>
-              </a:xfrm>
-              <a:prstGeom prst="rect">
-                <a:avLst/>
-              </a:prstGeom>
-              <a:noFill/>
-              <a:extLst>
-                <a:ext uri="{909E8E84-426E-40DD-AFC4-6F175D3DCCD1}">
-                  <a14:hiddenFill xmlns:a14="http://schemas.microsoft.com/office/drawing/2010/main">
-                    <a:solidFill>
-                      <a:srgbClr val="FFFFFF"/>
-                    </a:solidFill>
-                  </a14:hiddenFill>
-                </a:ext>
-              </a:extLst>
-            </p:spPr>
-          </p:pic>
-          <p:pic>
-            <p:nvPicPr>
-              <p:cNvPr id="146" name="Picture 4" descr="ドーム形の防犯カメラのイラスト"/>
-              <p:cNvPicPr>
-                <a:picLocks noChangeAspect="1" noChangeArrowheads="1"/>
-              </p:cNvPicPr>
-              <p:nvPr/>
-            </p:nvPicPr>
-            <p:blipFill>
-              <a:blip r:embed="rId5" cstate="print">
-                <a:extLst>
-                  <a:ext uri="{28A0092B-C50C-407E-A947-70E740481C1C}">
-                    <a14:useLocalDpi xmlns:a14="http://schemas.microsoft.com/office/drawing/2010/main" val="0"/>
-                  </a:ext>
-                </a:extLst>
-              </a:blip>
-              <a:srcRect/>
-              <a:stretch>
-                <a:fillRect/>
-              </a:stretch>
-            </p:blipFill>
-            <p:spPr bwMode="auto">
-              <a:xfrm>
-                <a:off x="1332577" y="4222658"/>
-                <a:ext cx="936328" cy="936328"/>
-              </a:xfrm>
-              <a:prstGeom prst="rect">
-                <a:avLst/>
-              </a:prstGeom>
-              <a:noFill/>
-              <a:extLst>
-                <a:ext uri="{909E8E84-426E-40DD-AFC4-6F175D3DCCD1}">
-                  <a14:hiddenFill xmlns:a14="http://schemas.microsoft.com/office/drawing/2010/main">
-                    <a:solidFill>
-                      <a:srgbClr val="FFFFFF"/>
-                    </a:solidFill>
-                  </a14:hiddenFill>
-                </a:ext>
-              </a:extLst>
-            </p:spPr>
-          </p:pic>
-          <p:sp>
-            <p:nvSpPr>
-              <p:cNvPr id="147" name="楕円 146"/>
-              <p:cNvSpPr/>
-              <p:nvPr/>
-            </p:nvSpPr>
-            <p:spPr>
-              <a:xfrm>
-                <a:off x="1909726" y="4094046"/>
-                <a:ext cx="1093215" cy="628370"/>
-              </a:xfrm>
-              <a:prstGeom prst="ellipse">
-                <a:avLst/>
-              </a:prstGeom>
-            </p:spPr>
-            <p:style>
-              <a:lnRef idx="1">
-                <a:schemeClr val="accent4"/>
-              </a:lnRef>
-              <a:fillRef idx="2">
-                <a:schemeClr val="accent4"/>
-              </a:fillRef>
-              <a:effectRef idx="1">
-                <a:schemeClr val="accent4"/>
-              </a:effectRef>
-              <a:fontRef idx="minor">
-                <a:schemeClr val="dk1"/>
-              </a:fontRef>
-            </p:style>
-            <p:txBody>
-              <a:bodyPr rtlCol="0" anchor="ctr"/>
-              <a:lstStyle/>
-              <a:p>
-                <a:pPr algn="ctr"/>
-                <a:r>
-                  <a:rPr lang="en-US" altLang="ja-JP" sz="900" dirty="0"/>
-                  <a:t>VSS</a:t>
-                </a:r>
-                <a:endParaRPr kumimoji="1" lang="ja-JP" altLang="en-US" sz="2400" dirty="0"/>
-              </a:p>
-            </p:txBody>
-          </p:sp>
-        </p:grpSp>
-        <p:pic>
-          <p:nvPicPr>
-            <p:cNvPr id="148" name="Picture 2" descr="Wi-Fi無線ルーターのイラスト"/>
-            <p:cNvPicPr>
-              <a:picLocks noChangeAspect="1" noChangeArrowheads="1"/>
-            </p:cNvPicPr>
-            <p:nvPr/>
-          </p:nvPicPr>
-          <p:blipFill>
-            <a:blip r:embed="rId6" cstate="print">
-              <a:extLst>
-                <a:ext uri="{28A0092B-C50C-407E-A947-70E740481C1C}">
-                  <a14:useLocalDpi xmlns:a14="http://schemas.microsoft.com/office/drawing/2010/main" val="0"/>
-                </a:ext>
-              </a:extLst>
-            </a:blip>
-            <a:srcRect/>
-            <a:stretch>
-              <a:fillRect/>
-            </a:stretch>
-          </p:blipFill>
-          <p:spPr bwMode="auto">
-            <a:xfrm>
-              <a:off x="2483652" y="3574662"/>
-              <a:ext cx="699093" cy="699093"/>
-            </a:xfrm>
-            <a:prstGeom prst="rect">
-              <a:avLst/>
-            </a:prstGeom>
-            <a:noFill/>
-            <a:extLst>
-              <a:ext uri="{909E8E84-426E-40DD-AFC4-6F175D3DCCD1}">
-                <a14:hiddenFill xmlns:a14="http://schemas.microsoft.com/office/drawing/2010/main">
-                  <a:solidFill>
-                    <a:srgbClr val="FFFFFF"/>
-                  </a:solidFill>
-                </a14:hiddenFill>
-              </a:ext>
-            </a:extLst>
-          </p:spPr>
-        </p:pic>
-        <p:pic>
-          <p:nvPicPr>
-            <p:cNvPr id="149" name="Picture 2" descr="Wi-Fi無線ルーターのイラスト"/>
-            <p:cNvPicPr>
-              <a:picLocks noChangeAspect="1" noChangeArrowheads="1"/>
-            </p:cNvPicPr>
-            <p:nvPr/>
-          </p:nvPicPr>
-          <p:blipFill>
-            <a:blip r:embed="rId6" cstate="print">
-              <a:extLst>
-                <a:ext uri="{28A0092B-C50C-407E-A947-70E740481C1C}">
-                  <a14:useLocalDpi xmlns:a14="http://schemas.microsoft.com/office/drawing/2010/main" val="0"/>
-                </a:ext>
-              </a:extLst>
-            </a:blip>
-            <a:srcRect/>
-            <a:stretch>
-              <a:fillRect/>
-            </a:stretch>
-          </p:blipFill>
-          <p:spPr bwMode="auto">
-            <a:xfrm>
-              <a:off x="5399638" y="3574662"/>
-              <a:ext cx="699093" cy="699093"/>
-            </a:xfrm>
-            <a:prstGeom prst="rect">
-              <a:avLst/>
-            </a:prstGeom>
-            <a:noFill/>
-            <a:extLst>
-              <a:ext uri="{909E8E84-426E-40DD-AFC4-6F175D3DCCD1}">
-                <a14:hiddenFill xmlns:a14="http://schemas.microsoft.com/office/drawing/2010/main">
-                  <a:solidFill>
-                    <a:srgbClr val="FFFFFF"/>
-                  </a:solidFill>
-                </a14:hiddenFill>
-              </a:ext>
-            </a:extLst>
-          </p:spPr>
-        </p:pic>
-        <p:pic>
-          <p:nvPicPr>
-            <p:cNvPr id="150" name="Picture 2" descr="Wi-Fi無線ルーターのイラスト"/>
-            <p:cNvPicPr>
-              <a:picLocks noChangeAspect="1" noChangeArrowheads="1"/>
-            </p:cNvPicPr>
-            <p:nvPr/>
-          </p:nvPicPr>
-          <p:blipFill>
-            <a:blip r:embed="rId6" cstate="print">
-              <a:extLst>
-                <a:ext uri="{28A0092B-C50C-407E-A947-70E740481C1C}">
-                  <a14:useLocalDpi xmlns:a14="http://schemas.microsoft.com/office/drawing/2010/main" val="0"/>
-                </a:ext>
-              </a:extLst>
-            </a:blip>
-            <a:srcRect/>
-            <a:stretch>
-              <a:fillRect/>
-            </a:stretch>
-          </p:blipFill>
-          <p:spPr bwMode="auto">
-            <a:xfrm>
-              <a:off x="7676218" y="3574662"/>
-              <a:ext cx="699093" cy="699093"/>
-            </a:xfrm>
-            <a:prstGeom prst="rect">
-              <a:avLst/>
-            </a:prstGeom>
-            <a:noFill/>
-            <a:extLst>
-              <a:ext uri="{909E8E84-426E-40DD-AFC4-6F175D3DCCD1}">
-                <a14:hiddenFill xmlns:a14="http://schemas.microsoft.com/office/drawing/2010/main">
-                  <a:solidFill>
-                    <a:srgbClr val="FFFFFF"/>
-                  </a:solidFill>
-                </a14:hiddenFill>
-              </a:ext>
-            </a:extLst>
-          </p:spPr>
-        </p:pic>
-        <p:pic>
-          <p:nvPicPr>
-            <p:cNvPr id="151" name="Picture 2" descr="Wi-Fi無線ルーターのイラスト"/>
-            <p:cNvPicPr>
-              <a:picLocks noChangeAspect="1" noChangeArrowheads="1"/>
-            </p:cNvPicPr>
-            <p:nvPr/>
-          </p:nvPicPr>
-          <p:blipFill>
-            <a:blip r:embed="rId6" cstate="print">
-              <a:extLst>
-                <a:ext uri="{28A0092B-C50C-407E-A947-70E740481C1C}">
-                  <a14:useLocalDpi xmlns:a14="http://schemas.microsoft.com/office/drawing/2010/main" val="0"/>
-                </a:ext>
-              </a:extLst>
-            </a:blip>
-            <a:srcRect/>
-            <a:stretch>
-              <a:fillRect/>
-            </a:stretch>
-          </p:blipFill>
-          <p:spPr bwMode="auto">
-            <a:xfrm>
-              <a:off x="9044976" y="3574662"/>
-              <a:ext cx="699093" cy="699093"/>
-            </a:xfrm>
-            <a:prstGeom prst="rect">
-              <a:avLst/>
-            </a:prstGeom>
-            <a:noFill/>
-            <a:extLst>
-              <a:ext uri="{909E8E84-426E-40DD-AFC4-6F175D3DCCD1}">
-                <a14:hiddenFill xmlns:a14="http://schemas.microsoft.com/office/drawing/2010/main">
-                  <a:solidFill>
-                    <a:srgbClr val="FFFFFF"/>
-                  </a:solidFill>
-                </a14:hiddenFill>
-              </a:ext>
-            </a:extLst>
-          </p:spPr>
-        </p:pic>
-        <p:pic>
-          <p:nvPicPr>
-            <p:cNvPr id="152" name="Picture 2" descr="Wi-Fi無線ルーターのイラスト"/>
-            <p:cNvPicPr>
-              <a:picLocks noChangeAspect="1" noChangeArrowheads="1"/>
-            </p:cNvPicPr>
-            <p:nvPr/>
-          </p:nvPicPr>
-          <p:blipFill>
-            <a:blip r:embed="rId6" cstate="print">
-              <a:extLst>
-                <a:ext uri="{28A0092B-C50C-407E-A947-70E740481C1C}">
-                  <a14:useLocalDpi xmlns:a14="http://schemas.microsoft.com/office/drawing/2010/main" val="0"/>
-                </a:ext>
-              </a:extLst>
-            </a:blip>
-            <a:srcRect/>
-            <a:stretch>
-              <a:fillRect/>
-            </a:stretch>
-          </p:blipFill>
-          <p:spPr bwMode="auto">
-            <a:xfrm>
-              <a:off x="10993035" y="3574662"/>
-              <a:ext cx="699093" cy="699093"/>
-            </a:xfrm>
-            <a:prstGeom prst="rect">
-              <a:avLst/>
-            </a:prstGeom>
-            <a:noFill/>
-            <a:extLst>
-              <a:ext uri="{909E8E84-426E-40DD-AFC4-6F175D3DCCD1}">
-                <a14:hiddenFill xmlns:a14="http://schemas.microsoft.com/office/drawing/2010/main">
-                  <a:solidFill>
-                    <a:srgbClr val="FFFFFF"/>
-                  </a:solidFill>
-                </a14:hiddenFill>
-              </a:ext>
-            </a:extLst>
-          </p:spPr>
-        </p:pic>
         <p:sp>
           <p:nvSpPr>
-            <p:cNvPr id="153" name="テキスト ボックス 152"/>
+            <p:cNvPr id="75" name="テキスト ボックス 74"/>
             <p:cNvSpPr txBox="1"/>
             <p:nvPr/>
           </p:nvSpPr>
           <p:spPr>
             <a:xfrm>
-              <a:off x="757031" y="3292856"/>
-              <a:ext cx="2596896" cy="369332"/>
+              <a:off x="76758" y="3619399"/>
+              <a:ext cx="2596896" cy="646331"/>
             </a:xfrm>
             <a:prstGeom prst="rect">
               <a:avLst/>
@@ -21447,286 +21728,27 @@
             </a:bodyPr>
             <a:lstStyle/>
             <a:p>
+              <a:pPr algn="ctr"/>
               <a:r>
-                <a:rPr lang="en-US" altLang="ja-JP" dirty="0" smtClean="0"/>
-                <a:t>VSS</a:t>
+                <a:rPr lang="ja-JP" altLang="en-US" dirty="0" smtClean="0"/>
+                <a:t>無線アクセスポイント</a:t>
+              </a:r>
+              <a:endParaRPr lang="en-US" altLang="ja-JP" dirty="0" smtClean="0"/>
+            </a:p>
+            <a:p>
+              <a:pPr algn="ctr"/>
+              <a:r>
+                <a:rPr lang="ja-JP" altLang="en-US" dirty="0"/>
+                <a:t>機能</a:t>
               </a:r>
               <a:r>
                 <a:rPr lang="ja-JP" altLang="en-US" dirty="0" smtClean="0"/>
-                <a:t>情報提供サーバ</a:t>
+                <a:t>を持つルータ</a:t>
               </a:r>
               <a:endParaRPr kumimoji="1" lang="ja-JP" altLang="en-US" dirty="0"/>
             </a:p>
           </p:txBody>
         </p:sp>
-        <p:cxnSp>
-          <p:nvCxnSpPr>
-            <p:cNvPr id="154" name="直線矢印コネクタ 153"/>
-            <p:cNvCxnSpPr>
-              <a:endCxn id="148" idx="2"/>
-            </p:cNvCxnSpPr>
-            <p:nvPr/>
-          </p:nvCxnSpPr>
-          <p:spPr>
-            <a:xfrm flipH="1" flipV="1">
-              <a:off x="2833199" y="4273755"/>
-              <a:ext cx="80803" cy="889433"/>
-            </a:xfrm>
-            <a:prstGeom prst="straightConnector1">
-              <a:avLst/>
-            </a:prstGeom>
-            <a:ln w="76200" cmpd="sng">
-              <a:tailEnd type="triangle" w="lg" len="lg"/>
-            </a:ln>
-          </p:spPr>
-          <p:style>
-            <a:lnRef idx="1">
-              <a:schemeClr val="dk1"/>
-            </a:lnRef>
-            <a:fillRef idx="0">
-              <a:schemeClr val="dk1"/>
-            </a:fillRef>
-            <a:effectRef idx="0">
-              <a:schemeClr val="dk1"/>
-            </a:effectRef>
-            <a:fontRef idx="minor">
-              <a:schemeClr val="tx1"/>
-            </a:fontRef>
-          </p:style>
-        </p:cxnSp>
-        <p:cxnSp>
-          <p:nvCxnSpPr>
-            <p:cNvPr id="155" name="直線矢印コネクタ 154"/>
-            <p:cNvCxnSpPr/>
-            <p:nvPr/>
-          </p:nvCxnSpPr>
-          <p:spPr>
-            <a:xfrm flipH="1" flipV="1">
-              <a:off x="3149313" y="4303776"/>
-              <a:ext cx="1223827" cy="847033"/>
-            </a:xfrm>
-            <a:prstGeom prst="straightConnector1">
-              <a:avLst/>
-            </a:prstGeom>
-            <a:ln w="76200" cmpd="sng">
-              <a:tailEnd type="triangle" w="lg" len="lg"/>
-            </a:ln>
-          </p:spPr>
-          <p:style>
-            <a:lnRef idx="1">
-              <a:schemeClr val="dk1"/>
-            </a:lnRef>
-            <a:fillRef idx="0">
-              <a:schemeClr val="dk1"/>
-            </a:fillRef>
-            <a:effectRef idx="0">
-              <a:schemeClr val="dk1"/>
-            </a:effectRef>
-            <a:fontRef idx="minor">
-              <a:schemeClr val="tx1"/>
-            </a:fontRef>
-          </p:style>
-        </p:cxnSp>
-        <p:cxnSp>
-          <p:nvCxnSpPr>
-            <p:cNvPr id="156" name="直線矢印コネクタ 155"/>
-            <p:cNvCxnSpPr>
-              <a:endCxn id="149" idx="2"/>
-            </p:cNvCxnSpPr>
-            <p:nvPr/>
-          </p:nvCxnSpPr>
-          <p:spPr>
-            <a:xfrm flipH="1" flipV="1">
-              <a:off x="5749185" y="4273755"/>
-              <a:ext cx="72769" cy="765812"/>
-            </a:xfrm>
-            <a:prstGeom prst="straightConnector1">
-              <a:avLst/>
-            </a:prstGeom>
-            <a:ln w="76200" cmpd="sng">
-              <a:tailEnd type="triangle" w="lg" len="lg"/>
-            </a:ln>
-          </p:spPr>
-          <p:style>
-            <a:lnRef idx="1">
-              <a:schemeClr val="dk1"/>
-            </a:lnRef>
-            <a:fillRef idx="0">
-              <a:schemeClr val="dk1"/>
-            </a:fillRef>
-            <a:effectRef idx="0">
-              <a:schemeClr val="dk1"/>
-            </a:effectRef>
-            <a:fontRef idx="minor">
-              <a:schemeClr val="tx1"/>
-            </a:fontRef>
-          </p:style>
-        </p:cxnSp>
-        <p:cxnSp>
-          <p:nvCxnSpPr>
-            <p:cNvPr id="157" name="直線矢印コネクタ 156"/>
-            <p:cNvCxnSpPr/>
-            <p:nvPr/>
-          </p:nvCxnSpPr>
-          <p:spPr>
-            <a:xfrm flipH="1" flipV="1">
-              <a:off x="5914029" y="4376222"/>
-              <a:ext cx="1101143" cy="716939"/>
-            </a:xfrm>
-            <a:prstGeom prst="straightConnector1">
-              <a:avLst/>
-            </a:prstGeom>
-            <a:ln w="76200" cmpd="sng">
-              <a:tailEnd type="triangle" w="lg" len="lg"/>
-            </a:ln>
-          </p:spPr>
-          <p:style>
-            <a:lnRef idx="1">
-              <a:schemeClr val="dk1"/>
-            </a:lnRef>
-            <a:fillRef idx="0">
-              <a:schemeClr val="dk1"/>
-            </a:fillRef>
-            <a:effectRef idx="0">
-              <a:schemeClr val="dk1"/>
-            </a:effectRef>
-            <a:fontRef idx="minor">
-              <a:schemeClr val="tx1"/>
-            </a:fontRef>
-          </p:style>
-        </p:cxnSp>
-        <p:cxnSp>
-          <p:nvCxnSpPr>
-            <p:cNvPr id="158" name="直線矢印コネクタ 157"/>
-            <p:cNvCxnSpPr/>
-            <p:nvPr/>
-          </p:nvCxnSpPr>
-          <p:spPr>
-            <a:xfrm flipH="1" flipV="1">
-              <a:off x="7975334" y="4423263"/>
-              <a:ext cx="334073" cy="669898"/>
-            </a:xfrm>
-            <a:prstGeom prst="straightConnector1">
-              <a:avLst/>
-            </a:prstGeom>
-            <a:ln w="76200" cmpd="sng">
-              <a:tailEnd type="triangle" w="lg" len="lg"/>
-            </a:ln>
-          </p:spPr>
-          <p:style>
-            <a:lnRef idx="1">
-              <a:schemeClr val="dk1"/>
-            </a:lnRef>
-            <a:fillRef idx="0">
-              <a:schemeClr val="dk1"/>
-            </a:fillRef>
-            <a:effectRef idx="0">
-              <a:schemeClr val="dk1"/>
-            </a:effectRef>
-            <a:fontRef idx="minor">
-              <a:schemeClr val="tx1"/>
-            </a:fontRef>
-          </p:style>
-        </p:cxnSp>
-        <p:cxnSp>
-          <p:nvCxnSpPr>
-            <p:cNvPr id="159" name="直線矢印コネクタ 158"/>
-            <p:cNvCxnSpPr/>
-            <p:nvPr/>
-          </p:nvCxnSpPr>
-          <p:spPr>
-            <a:xfrm flipH="1" flipV="1">
-              <a:off x="9449219" y="4376222"/>
-              <a:ext cx="29898" cy="743836"/>
-            </a:xfrm>
-            <a:prstGeom prst="straightConnector1">
-              <a:avLst/>
-            </a:prstGeom>
-            <a:ln w="76200" cmpd="sng">
-              <a:tailEnd type="triangle" w="lg" len="lg"/>
-            </a:ln>
-          </p:spPr>
-          <p:style>
-            <a:lnRef idx="1">
-              <a:schemeClr val="dk1"/>
-            </a:lnRef>
-            <a:fillRef idx="0">
-              <a:schemeClr val="dk1"/>
-            </a:fillRef>
-            <a:effectRef idx="0">
-              <a:schemeClr val="dk1"/>
-            </a:effectRef>
-            <a:fontRef idx="minor">
-              <a:schemeClr val="tx1"/>
-            </a:fontRef>
-          </p:style>
-        </p:cxnSp>
-        <p:cxnSp>
-          <p:nvCxnSpPr>
-            <p:cNvPr id="160" name="直線矢印コネクタ 159"/>
-            <p:cNvCxnSpPr/>
-            <p:nvPr/>
-          </p:nvCxnSpPr>
-          <p:spPr>
-            <a:xfrm flipV="1">
-              <a:off x="10478175" y="4348970"/>
-              <a:ext cx="600616" cy="771088"/>
-            </a:xfrm>
-            <a:prstGeom prst="straightConnector1">
-              <a:avLst/>
-            </a:prstGeom>
-            <a:ln w="76200" cmpd="sng">
-              <a:tailEnd type="triangle" w="lg" len="lg"/>
-            </a:ln>
-          </p:spPr>
-          <p:style>
-            <a:lnRef idx="1">
-              <a:schemeClr val="dk1"/>
-            </a:lnRef>
-            <a:fillRef idx="0">
-              <a:schemeClr val="dk1"/>
-            </a:fillRef>
-            <a:effectRef idx="0">
-              <a:schemeClr val="dk1"/>
-            </a:effectRef>
-            <a:fontRef idx="minor">
-              <a:schemeClr val="tx1"/>
-            </a:fontRef>
-          </p:style>
-        </p:cxnSp>
-        <p:cxnSp>
-          <p:nvCxnSpPr>
-            <p:cNvPr id="161" name="直線矢印コネクタ 160"/>
-            <p:cNvCxnSpPr/>
-            <p:nvPr/>
-          </p:nvCxnSpPr>
-          <p:spPr>
-            <a:xfrm flipH="1" flipV="1">
-              <a:off x="11250159" y="4230624"/>
-              <a:ext cx="80803" cy="889433"/>
-            </a:xfrm>
-            <a:prstGeom prst="straightConnector1">
-              <a:avLst/>
-            </a:prstGeom>
-            <a:ln w="76200" cmpd="sng">
-              <a:tailEnd type="triangle" w="lg" len="lg"/>
-            </a:ln>
-          </p:spPr>
-          <p:style>
-            <a:lnRef idx="1">
-              <a:schemeClr val="dk1"/>
-            </a:lnRef>
-            <a:fillRef idx="0">
-              <a:schemeClr val="dk1"/>
-            </a:fillRef>
-            <a:effectRef idx="0">
-              <a:schemeClr val="dk1"/>
-            </a:effectRef>
-            <a:fontRef idx="minor">
-              <a:schemeClr val="tx1"/>
-            </a:fontRef>
-          </p:style>
-        </p:cxnSp>
       </p:grpSp>
     </p:spTree>
     <p:extLst>
@@ -26571,6 +26593,1841 @@
           <a:chExt cx="0" cy="0"/>
         </a:xfrm>
       </p:grpSpPr>
+      <p:grpSp>
+        <p:nvGrpSpPr>
+          <p:cNvPr id="2" name="グループ化 1"/>
+          <p:cNvGrpSpPr/>
+          <p:nvPr/>
+        </p:nvGrpSpPr>
+        <p:grpSpPr>
+          <a:xfrm>
+            <a:off x="76758" y="335684"/>
+            <a:ext cx="11615370" cy="5883714"/>
+            <a:chOff x="76758" y="335684"/>
+            <a:chExt cx="11615370" cy="5883714"/>
+          </a:xfrm>
+        </p:grpSpPr>
+        <p:cxnSp>
+          <p:nvCxnSpPr>
+            <p:cNvPr id="3" name="直線コネクタ 2"/>
+            <p:cNvCxnSpPr/>
+            <p:nvPr/>
+          </p:nvCxnSpPr>
+          <p:spPr>
+            <a:xfrm>
+              <a:off x="414528" y="1207008"/>
+              <a:ext cx="11119104" cy="0"/>
+            </a:xfrm>
+            <a:prstGeom prst="line">
+              <a:avLst/>
+            </a:prstGeom>
+          </p:spPr>
+          <p:style>
+            <a:lnRef idx="1">
+              <a:schemeClr val="dk1"/>
+            </a:lnRef>
+            <a:fillRef idx="0">
+              <a:schemeClr val="dk1"/>
+            </a:fillRef>
+            <a:effectRef idx="0">
+              <a:schemeClr val="dk1"/>
+            </a:effectRef>
+            <a:fontRef idx="minor">
+              <a:schemeClr val="tx1"/>
+            </a:fontRef>
+          </p:style>
+        </p:cxnSp>
+        <p:cxnSp>
+          <p:nvCxnSpPr>
+            <p:cNvPr id="4" name="直線コネクタ 3"/>
+            <p:cNvCxnSpPr/>
+            <p:nvPr/>
+          </p:nvCxnSpPr>
+          <p:spPr>
+            <a:xfrm>
+              <a:off x="438912" y="2718816"/>
+              <a:ext cx="11253216" cy="0"/>
+            </a:xfrm>
+            <a:prstGeom prst="line">
+              <a:avLst/>
+            </a:prstGeom>
+          </p:spPr>
+          <p:style>
+            <a:lnRef idx="1">
+              <a:schemeClr val="dk1"/>
+            </a:lnRef>
+            <a:fillRef idx="0">
+              <a:schemeClr val="dk1"/>
+            </a:fillRef>
+            <a:effectRef idx="0">
+              <a:schemeClr val="dk1"/>
+            </a:effectRef>
+            <a:fontRef idx="minor">
+              <a:schemeClr val="tx1"/>
+            </a:fontRef>
+          </p:style>
+        </p:cxnSp>
+        <p:sp>
+          <p:nvSpPr>
+            <p:cNvPr id="39" name="テキスト ボックス 38"/>
+            <p:cNvSpPr txBox="1"/>
+            <p:nvPr/>
+          </p:nvSpPr>
+          <p:spPr>
+            <a:xfrm>
+              <a:off x="316992" y="837676"/>
+              <a:ext cx="2948638" cy="369332"/>
+            </a:xfrm>
+            <a:prstGeom prst="rect">
+              <a:avLst/>
+            </a:prstGeom>
+            <a:noFill/>
+          </p:spPr>
+          <p:txBody>
+            <a:bodyPr wrap="square" rtlCol="0">
+              <a:spAutoFit/>
+            </a:bodyPr>
+            <a:lstStyle/>
+            <a:p>
+              <a:r>
+                <a:rPr kumimoji="1" lang="ja-JP" altLang="en-US" dirty="0" smtClean="0"/>
+                <a:t>パブリックネットワーク</a:t>
+              </a:r>
+              <a:endParaRPr kumimoji="1" lang="ja-JP" altLang="en-US" dirty="0"/>
+            </a:p>
+          </p:txBody>
+        </p:sp>
+        <p:grpSp>
+          <p:nvGrpSpPr>
+            <p:cNvPr id="44" name="グループ化 43"/>
+            <p:cNvGrpSpPr/>
+            <p:nvPr/>
+          </p:nvGrpSpPr>
+          <p:grpSpPr>
+            <a:xfrm>
+              <a:off x="5280115" y="335684"/>
+              <a:ext cx="1387930" cy="833278"/>
+              <a:chOff x="5712354" y="2150072"/>
+              <a:chExt cx="4050771" cy="2431980"/>
+            </a:xfrm>
+          </p:grpSpPr>
+          <p:pic>
+            <p:nvPicPr>
+              <p:cNvPr id="45" name="Picture 8" descr="サーバのイラスト（1台）"/>
+              <p:cNvPicPr>
+                <a:picLocks noChangeAspect="1" noChangeArrowheads="1"/>
+              </p:cNvPicPr>
+              <p:nvPr/>
+            </p:nvPicPr>
+            <p:blipFill>
+              <a:blip r:embed="rId2" cstate="print">
+                <a:extLst>
+                  <a:ext uri="{28A0092B-C50C-407E-A947-70E740481C1C}">
+                    <a14:useLocalDpi xmlns:a14="http://schemas.microsoft.com/office/drawing/2010/main" val="0"/>
+                  </a:ext>
+                </a:extLst>
+              </a:blip>
+              <a:srcRect/>
+              <a:stretch>
+                <a:fillRect/>
+              </a:stretch>
+            </p:blipFill>
+            <p:spPr bwMode="auto">
+              <a:xfrm>
+                <a:off x="6387042" y="2150072"/>
+                <a:ext cx="1714500" cy="1714500"/>
+              </a:xfrm>
+              <a:prstGeom prst="rect">
+                <a:avLst/>
+              </a:prstGeom>
+              <a:noFill/>
+              <a:extLst>
+                <a:ext uri="{909E8E84-426E-40DD-AFC4-6F175D3DCCD1}">
+                  <a14:hiddenFill xmlns:a14="http://schemas.microsoft.com/office/drawing/2010/main">
+                    <a:solidFill>
+                      <a:srgbClr val="FFFFFF"/>
+                    </a:solidFill>
+                  </a14:hiddenFill>
+                </a:ext>
+              </a:extLst>
+            </p:spPr>
+          </p:pic>
+          <p:pic>
+            <p:nvPicPr>
+              <p:cNvPr id="46" name="Picture 6" descr="雲のイラスト"/>
+              <p:cNvPicPr>
+                <a:picLocks noChangeAspect="1" noChangeArrowheads="1"/>
+              </p:cNvPicPr>
+              <p:nvPr/>
+            </p:nvPicPr>
+            <p:blipFill rotWithShape="1">
+              <a:blip r:embed="rId3">
+                <a:extLst>
+                  <a:ext uri="{28A0092B-C50C-407E-A947-70E740481C1C}">
+                    <a14:useLocalDpi xmlns:a14="http://schemas.microsoft.com/office/drawing/2010/main" val="0"/>
+                  </a:ext>
+                </a:extLst>
+              </a:blip>
+              <a:srcRect b="57768"/>
+              <a:stretch/>
+            </p:blipFill>
+            <p:spPr bwMode="auto">
+              <a:xfrm>
+                <a:off x="5712354" y="2871327"/>
+                <a:ext cx="4050771" cy="1710725"/>
+              </a:xfrm>
+              <a:prstGeom prst="rect">
+                <a:avLst/>
+              </a:prstGeom>
+              <a:noFill/>
+              <a:extLst>
+                <a:ext uri="{909E8E84-426E-40DD-AFC4-6F175D3DCCD1}">
+                  <a14:hiddenFill xmlns:a14="http://schemas.microsoft.com/office/drawing/2010/main">
+                    <a:solidFill>
+                      <a:srgbClr val="FFFFFF"/>
+                    </a:solidFill>
+                  </a14:hiddenFill>
+                </a:ext>
+              </a:extLst>
+            </p:spPr>
+          </p:pic>
+        </p:grpSp>
+        <p:cxnSp>
+          <p:nvCxnSpPr>
+            <p:cNvPr id="112" name="直線コネクタ 111"/>
+            <p:cNvCxnSpPr/>
+            <p:nvPr/>
+          </p:nvCxnSpPr>
+          <p:spPr>
+            <a:xfrm>
+              <a:off x="316992" y="4303776"/>
+              <a:ext cx="11362944" cy="0"/>
+            </a:xfrm>
+            <a:prstGeom prst="line">
+              <a:avLst/>
+            </a:prstGeom>
+          </p:spPr>
+          <p:style>
+            <a:lnRef idx="1">
+              <a:schemeClr val="dk1"/>
+            </a:lnRef>
+            <a:fillRef idx="0">
+              <a:schemeClr val="dk1"/>
+            </a:fillRef>
+            <a:effectRef idx="0">
+              <a:schemeClr val="dk1"/>
+            </a:effectRef>
+            <a:fontRef idx="minor">
+              <a:schemeClr val="tx1"/>
+            </a:fontRef>
+          </p:style>
+        </p:cxnSp>
+        <p:cxnSp>
+          <p:nvCxnSpPr>
+            <p:cNvPr id="113" name="直線コネクタ 112"/>
+            <p:cNvCxnSpPr/>
+            <p:nvPr/>
+          </p:nvCxnSpPr>
+          <p:spPr>
+            <a:xfrm>
+              <a:off x="609600" y="5815584"/>
+              <a:ext cx="10984992" cy="0"/>
+            </a:xfrm>
+            <a:prstGeom prst="line">
+              <a:avLst/>
+            </a:prstGeom>
+          </p:spPr>
+          <p:style>
+            <a:lnRef idx="1">
+              <a:schemeClr val="dk1"/>
+            </a:lnRef>
+            <a:fillRef idx="0">
+              <a:schemeClr val="dk1"/>
+            </a:fillRef>
+            <a:effectRef idx="0">
+              <a:schemeClr val="dk1"/>
+            </a:effectRef>
+            <a:fontRef idx="minor">
+              <a:schemeClr val="tx1"/>
+            </a:fontRef>
+          </p:style>
+        </p:cxnSp>
+        <p:sp>
+          <p:nvSpPr>
+            <p:cNvPr id="115" name="テキスト ボックス 114"/>
+            <p:cNvSpPr txBox="1"/>
+            <p:nvPr/>
+          </p:nvSpPr>
+          <p:spPr>
+            <a:xfrm>
+              <a:off x="276704" y="5850066"/>
+              <a:ext cx="2596896" cy="369332"/>
+            </a:xfrm>
+            <a:prstGeom prst="rect">
+              <a:avLst/>
+            </a:prstGeom>
+            <a:noFill/>
+          </p:spPr>
+          <p:txBody>
+            <a:bodyPr wrap="square" rtlCol="0">
+              <a:spAutoFit/>
+            </a:bodyPr>
+            <a:lstStyle/>
+            <a:p>
+              <a:r>
+                <a:rPr lang="ja-JP" altLang="en-US" dirty="0" smtClean="0"/>
+                <a:t>サービス有効</a:t>
+              </a:r>
+              <a:r>
+                <a:rPr lang="ja-JP" altLang="en-US" dirty="0"/>
+                <a:t>範囲</a:t>
+              </a:r>
+              <a:endParaRPr kumimoji="1" lang="ja-JP" altLang="en-US" dirty="0"/>
+            </a:p>
+          </p:txBody>
+        </p:sp>
+        <p:grpSp>
+          <p:nvGrpSpPr>
+            <p:cNvPr id="116" name="グループ化 115"/>
+            <p:cNvGrpSpPr/>
+            <p:nvPr/>
+          </p:nvGrpSpPr>
+          <p:grpSpPr>
+            <a:xfrm>
+              <a:off x="2466845" y="4960375"/>
+              <a:ext cx="715900" cy="810016"/>
+              <a:chOff x="1332577" y="3645685"/>
+              <a:chExt cx="1337471" cy="1513301"/>
+            </a:xfrm>
+          </p:grpSpPr>
+          <p:pic>
+            <p:nvPicPr>
+              <p:cNvPr id="117" name="Picture 2" descr="サーバのイラスト（1台）"/>
+              <p:cNvPicPr>
+                <a:picLocks noChangeAspect="1" noChangeArrowheads="1"/>
+              </p:cNvPicPr>
+              <p:nvPr/>
+            </p:nvPicPr>
+            <p:blipFill>
+              <a:blip r:embed="rId4" cstate="print">
+                <a:extLst>
+                  <a:ext uri="{28A0092B-C50C-407E-A947-70E740481C1C}">
+                    <a14:useLocalDpi xmlns:a14="http://schemas.microsoft.com/office/drawing/2010/main" val="0"/>
+                  </a:ext>
+                </a:extLst>
+              </a:blip>
+              <a:srcRect/>
+              <a:stretch>
+                <a:fillRect/>
+              </a:stretch>
+            </p:blipFill>
+            <p:spPr bwMode="auto">
+              <a:xfrm>
+                <a:off x="1696870" y="3645685"/>
+                <a:ext cx="973178" cy="973178"/>
+              </a:xfrm>
+              <a:prstGeom prst="rect">
+                <a:avLst/>
+              </a:prstGeom>
+              <a:noFill/>
+              <a:extLst>
+                <a:ext uri="{909E8E84-426E-40DD-AFC4-6F175D3DCCD1}">
+                  <a14:hiddenFill xmlns:a14="http://schemas.microsoft.com/office/drawing/2010/main">
+                    <a:solidFill>
+                      <a:srgbClr val="FFFFFF"/>
+                    </a:solidFill>
+                  </a14:hiddenFill>
+                </a:ext>
+              </a:extLst>
+            </p:spPr>
+          </p:pic>
+          <p:pic>
+            <p:nvPicPr>
+              <p:cNvPr id="118" name="Picture 4" descr="ドーム形の防犯カメラのイラスト"/>
+              <p:cNvPicPr>
+                <a:picLocks noChangeAspect="1" noChangeArrowheads="1"/>
+              </p:cNvPicPr>
+              <p:nvPr/>
+            </p:nvPicPr>
+            <p:blipFill>
+              <a:blip r:embed="rId5" cstate="print">
+                <a:extLst>
+                  <a:ext uri="{28A0092B-C50C-407E-A947-70E740481C1C}">
+                    <a14:useLocalDpi xmlns:a14="http://schemas.microsoft.com/office/drawing/2010/main" val="0"/>
+                  </a:ext>
+                </a:extLst>
+              </a:blip>
+              <a:srcRect/>
+              <a:stretch>
+                <a:fillRect/>
+              </a:stretch>
+            </p:blipFill>
+            <p:spPr bwMode="auto">
+              <a:xfrm>
+                <a:off x="1332577" y="4222658"/>
+                <a:ext cx="936328" cy="936328"/>
+              </a:xfrm>
+              <a:prstGeom prst="rect">
+                <a:avLst/>
+              </a:prstGeom>
+              <a:noFill/>
+              <a:extLst>
+                <a:ext uri="{909E8E84-426E-40DD-AFC4-6F175D3DCCD1}">
+                  <a14:hiddenFill xmlns:a14="http://schemas.microsoft.com/office/drawing/2010/main">
+                    <a:solidFill>
+                      <a:srgbClr val="FFFFFF"/>
+                    </a:solidFill>
+                  </a14:hiddenFill>
+                </a:ext>
+              </a:extLst>
+            </p:spPr>
+          </p:pic>
+        </p:grpSp>
+        <p:grpSp>
+          <p:nvGrpSpPr>
+            <p:cNvPr id="120" name="グループ化 119"/>
+            <p:cNvGrpSpPr/>
+            <p:nvPr/>
+          </p:nvGrpSpPr>
+          <p:grpSpPr>
+            <a:xfrm>
+              <a:off x="3917693" y="4960375"/>
+              <a:ext cx="715900" cy="810016"/>
+              <a:chOff x="1332577" y="3645685"/>
+              <a:chExt cx="1337471" cy="1513301"/>
+            </a:xfrm>
+          </p:grpSpPr>
+          <p:pic>
+            <p:nvPicPr>
+              <p:cNvPr id="121" name="Picture 2" descr="サーバのイラスト（1台）"/>
+              <p:cNvPicPr>
+                <a:picLocks noChangeAspect="1" noChangeArrowheads="1"/>
+              </p:cNvPicPr>
+              <p:nvPr/>
+            </p:nvPicPr>
+            <p:blipFill>
+              <a:blip r:embed="rId4" cstate="print">
+                <a:extLst>
+                  <a:ext uri="{28A0092B-C50C-407E-A947-70E740481C1C}">
+                    <a14:useLocalDpi xmlns:a14="http://schemas.microsoft.com/office/drawing/2010/main" val="0"/>
+                  </a:ext>
+                </a:extLst>
+              </a:blip>
+              <a:srcRect/>
+              <a:stretch>
+                <a:fillRect/>
+              </a:stretch>
+            </p:blipFill>
+            <p:spPr bwMode="auto">
+              <a:xfrm>
+                <a:off x="1696870" y="3645685"/>
+                <a:ext cx="973178" cy="973178"/>
+              </a:xfrm>
+              <a:prstGeom prst="rect">
+                <a:avLst/>
+              </a:prstGeom>
+              <a:noFill/>
+              <a:extLst>
+                <a:ext uri="{909E8E84-426E-40DD-AFC4-6F175D3DCCD1}">
+                  <a14:hiddenFill xmlns:a14="http://schemas.microsoft.com/office/drawing/2010/main">
+                    <a:solidFill>
+                      <a:srgbClr val="FFFFFF"/>
+                    </a:solidFill>
+                  </a14:hiddenFill>
+                </a:ext>
+              </a:extLst>
+            </p:spPr>
+          </p:pic>
+          <p:pic>
+            <p:nvPicPr>
+              <p:cNvPr id="122" name="Picture 4" descr="ドーム形の防犯カメラのイラスト"/>
+              <p:cNvPicPr>
+                <a:picLocks noChangeAspect="1" noChangeArrowheads="1"/>
+              </p:cNvPicPr>
+              <p:nvPr/>
+            </p:nvPicPr>
+            <p:blipFill>
+              <a:blip r:embed="rId5" cstate="print">
+                <a:extLst>
+                  <a:ext uri="{28A0092B-C50C-407E-A947-70E740481C1C}">
+                    <a14:useLocalDpi xmlns:a14="http://schemas.microsoft.com/office/drawing/2010/main" val="0"/>
+                  </a:ext>
+                </a:extLst>
+              </a:blip>
+              <a:srcRect/>
+              <a:stretch>
+                <a:fillRect/>
+              </a:stretch>
+            </p:blipFill>
+            <p:spPr bwMode="auto">
+              <a:xfrm>
+                <a:off x="1332577" y="4222658"/>
+                <a:ext cx="936328" cy="936328"/>
+              </a:xfrm>
+              <a:prstGeom prst="rect">
+                <a:avLst/>
+              </a:prstGeom>
+              <a:noFill/>
+              <a:extLst>
+                <a:ext uri="{909E8E84-426E-40DD-AFC4-6F175D3DCCD1}">
+                  <a14:hiddenFill xmlns:a14="http://schemas.microsoft.com/office/drawing/2010/main">
+                    <a:solidFill>
+                      <a:srgbClr val="FFFFFF"/>
+                    </a:solidFill>
+                  </a14:hiddenFill>
+                </a:ext>
+              </a:extLst>
+            </p:spPr>
+          </p:pic>
+        </p:grpSp>
+        <p:grpSp>
+          <p:nvGrpSpPr>
+            <p:cNvPr id="124" name="グループ化 123"/>
+            <p:cNvGrpSpPr/>
+            <p:nvPr/>
+          </p:nvGrpSpPr>
+          <p:grpSpPr>
+            <a:xfrm>
+              <a:off x="5443721" y="4960375"/>
+              <a:ext cx="715900" cy="810016"/>
+              <a:chOff x="1332577" y="3645685"/>
+              <a:chExt cx="1337471" cy="1513301"/>
+            </a:xfrm>
+          </p:grpSpPr>
+          <p:pic>
+            <p:nvPicPr>
+              <p:cNvPr id="125" name="Picture 2" descr="サーバのイラスト（1台）"/>
+              <p:cNvPicPr>
+                <a:picLocks noChangeAspect="1" noChangeArrowheads="1"/>
+              </p:cNvPicPr>
+              <p:nvPr/>
+            </p:nvPicPr>
+            <p:blipFill>
+              <a:blip r:embed="rId4" cstate="print">
+                <a:extLst>
+                  <a:ext uri="{28A0092B-C50C-407E-A947-70E740481C1C}">
+                    <a14:useLocalDpi xmlns:a14="http://schemas.microsoft.com/office/drawing/2010/main" val="0"/>
+                  </a:ext>
+                </a:extLst>
+              </a:blip>
+              <a:srcRect/>
+              <a:stretch>
+                <a:fillRect/>
+              </a:stretch>
+            </p:blipFill>
+            <p:spPr bwMode="auto">
+              <a:xfrm>
+                <a:off x="1696870" y="3645685"/>
+                <a:ext cx="973178" cy="973178"/>
+              </a:xfrm>
+              <a:prstGeom prst="rect">
+                <a:avLst/>
+              </a:prstGeom>
+              <a:noFill/>
+              <a:extLst>
+                <a:ext uri="{909E8E84-426E-40DD-AFC4-6F175D3DCCD1}">
+                  <a14:hiddenFill xmlns:a14="http://schemas.microsoft.com/office/drawing/2010/main">
+                    <a:solidFill>
+                      <a:srgbClr val="FFFFFF"/>
+                    </a:solidFill>
+                  </a14:hiddenFill>
+                </a:ext>
+              </a:extLst>
+            </p:spPr>
+          </p:pic>
+          <p:pic>
+            <p:nvPicPr>
+              <p:cNvPr id="126" name="Picture 4" descr="ドーム形の防犯カメラのイラスト"/>
+              <p:cNvPicPr>
+                <a:picLocks noChangeAspect="1" noChangeArrowheads="1"/>
+              </p:cNvPicPr>
+              <p:nvPr/>
+            </p:nvPicPr>
+            <p:blipFill>
+              <a:blip r:embed="rId5" cstate="print">
+                <a:extLst>
+                  <a:ext uri="{28A0092B-C50C-407E-A947-70E740481C1C}">
+                    <a14:useLocalDpi xmlns:a14="http://schemas.microsoft.com/office/drawing/2010/main" val="0"/>
+                  </a:ext>
+                </a:extLst>
+              </a:blip>
+              <a:srcRect/>
+              <a:stretch>
+                <a:fillRect/>
+              </a:stretch>
+            </p:blipFill>
+            <p:spPr bwMode="auto">
+              <a:xfrm>
+                <a:off x="1332577" y="4222658"/>
+                <a:ext cx="936328" cy="936328"/>
+              </a:xfrm>
+              <a:prstGeom prst="rect">
+                <a:avLst/>
+              </a:prstGeom>
+              <a:noFill/>
+              <a:extLst>
+                <a:ext uri="{909E8E84-426E-40DD-AFC4-6F175D3DCCD1}">
+                  <a14:hiddenFill xmlns:a14="http://schemas.microsoft.com/office/drawing/2010/main">
+                    <a:solidFill>
+                      <a:srgbClr val="FFFFFF"/>
+                    </a:solidFill>
+                  </a14:hiddenFill>
+                </a:ext>
+              </a:extLst>
+            </p:spPr>
+          </p:pic>
+        </p:grpSp>
+        <p:grpSp>
+          <p:nvGrpSpPr>
+            <p:cNvPr id="128" name="グループ化 127"/>
+            <p:cNvGrpSpPr/>
+            <p:nvPr/>
+          </p:nvGrpSpPr>
+          <p:grpSpPr>
+            <a:xfrm>
+              <a:off x="6589769" y="4960375"/>
+              <a:ext cx="715900" cy="810016"/>
+              <a:chOff x="1332577" y="3645685"/>
+              <a:chExt cx="1337471" cy="1513301"/>
+            </a:xfrm>
+          </p:grpSpPr>
+          <p:pic>
+            <p:nvPicPr>
+              <p:cNvPr id="129" name="Picture 2" descr="サーバのイラスト（1台）"/>
+              <p:cNvPicPr>
+                <a:picLocks noChangeAspect="1" noChangeArrowheads="1"/>
+              </p:cNvPicPr>
+              <p:nvPr/>
+            </p:nvPicPr>
+            <p:blipFill>
+              <a:blip r:embed="rId4" cstate="print">
+                <a:extLst>
+                  <a:ext uri="{28A0092B-C50C-407E-A947-70E740481C1C}">
+                    <a14:useLocalDpi xmlns:a14="http://schemas.microsoft.com/office/drawing/2010/main" val="0"/>
+                  </a:ext>
+                </a:extLst>
+              </a:blip>
+              <a:srcRect/>
+              <a:stretch>
+                <a:fillRect/>
+              </a:stretch>
+            </p:blipFill>
+            <p:spPr bwMode="auto">
+              <a:xfrm>
+                <a:off x="1696870" y="3645685"/>
+                <a:ext cx="973178" cy="973178"/>
+              </a:xfrm>
+              <a:prstGeom prst="rect">
+                <a:avLst/>
+              </a:prstGeom>
+              <a:noFill/>
+              <a:extLst>
+                <a:ext uri="{909E8E84-426E-40DD-AFC4-6F175D3DCCD1}">
+                  <a14:hiddenFill xmlns:a14="http://schemas.microsoft.com/office/drawing/2010/main">
+                    <a:solidFill>
+                      <a:srgbClr val="FFFFFF"/>
+                    </a:solidFill>
+                  </a14:hiddenFill>
+                </a:ext>
+              </a:extLst>
+            </p:spPr>
+          </p:pic>
+          <p:pic>
+            <p:nvPicPr>
+              <p:cNvPr id="130" name="Picture 4" descr="ドーム形の防犯カメラのイラスト"/>
+              <p:cNvPicPr>
+                <a:picLocks noChangeAspect="1" noChangeArrowheads="1"/>
+              </p:cNvPicPr>
+              <p:nvPr/>
+            </p:nvPicPr>
+            <p:blipFill>
+              <a:blip r:embed="rId5" cstate="print">
+                <a:extLst>
+                  <a:ext uri="{28A0092B-C50C-407E-A947-70E740481C1C}">
+                    <a14:useLocalDpi xmlns:a14="http://schemas.microsoft.com/office/drawing/2010/main" val="0"/>
+                  </a:ext>
+                </a:extLst>
+              </a:blip>
+              <a:srcRect/>
+              <a:stretch>
+                <a:fillRect/>
+              </a:stretch>
+            </p:blipFill>
+            <p:spPr bwMode="auto">
+              <a:xfrm>
+                <a:off x="1332577" y="4222658"/>
+                <a:ext cx="936328" cy="936328"/>
+              </a:xfrm>
+              <a:prstGeom prst="rect">
+                <a:avLst/>
+              </a:prstGeom>
+              <a:noFill/>
+              <a:extLst>
+                <a:ext uri="{909E8E84-426E-40DD-AFC4-6F175D3DCCD1}">
+                  <a14:hiddenFill xmlns:a14="http://schemas.microsoft.com/office/drawing/2010/main">
+                    <a:solidFill>
+                      <a:srgbClr val="FFFFFF"/>
+                    </a:solidFill>
+                  </a14:hiddenFill>
+                </a:ext>
+              </a:extLst>
+            </p:spPr>
+          </p:pic>
+        </p:grpSp>
+        <p:grpSp>
+          <p:nvGrpSpPr>
+            <p:cNvPr id="132" name="グループ化 131"/>
+            <p:cNvGrpSpPr/>
+            <p:nvPr/>
+          </p:nvGrpSpPr>
+          <p:grpSpPr>
+            <a:xfrm>
+              <a:off x="7773157" y="4960375"/>
+              <a:ext cx="715900" cy="810016"/>
+              <a:chOff x="1332577" y="3645685"/>
+              <a:chExt cx="1337471" cy="1513301"/>
+            </a:xfrm>
+          </p:grpSpPr>
+          <p:pic>
+            <p:nvPicPr>
+              <p:cNvPr id="133" name="Picture 2" descr="サーバのイラスト（1台）"/>
+              <p:cNvPicPr>
+                <a:picLocks noChangeAspect="1" noChangeArrowheads="1"/>
+              </p:cNvPicPr>
+              <p:nvPr/>
+            </p:nvPicPr>
+            <p:blipFill>
+              <a:blip r:embed="rId4" cstate="print">
+                <a:extLst>
+                  <a:ext uri="{28A0092B-C50C-407E-A947-70E740481C1C}">
+                    <a14:useLocalDpi xmlns:a14="http://schemas.microsoft.com/office/drawing/2010/main" val="0"/>
+                  </a:ext>
+                </a:extLst>
+              </a:blip>
+              <a:srcRect/>
+              <a:stretch>
+                <a:fillRect/>
+              </a:stretch>
+            </p:blipFill>
+            <p:spPr bwMode="auto">
+              <a:xfrm>
+                <a:off x="1696870" y="3645685"/>
+                <a:ext cx="973178" cy="973178"/>
+              </a:xfrm>
+              <a:prstGeom prst="rect">
+                <a:avLst/>
+              </a:prstGeom>
+              <a:noFill/>
+              <a:extLst>
+                <a:ext uri="{909E8E84-426E-40DD-AFC4-6F175D3DCCD1}">
+                  <a14:hiddenFill xmlns:a14="http://schemas.microsoft.com/office/drawing/2010/main">
+                    <a:solidFill>
+                      <a:srgbClr val="FFFFFF"/>
+                    </a:solidFill>
+                  </a14:hiddenFill>
+                </a:ext>
+              </a:extLst>
+            </p:spPr>
+          </p:pic>
+          <p:pic>
+            <p:nvPicPr>
+              <p:cNvPr id="134" name="Picture 4" descr="ドーム形の防犯カメラのイラスト"/>
+              <p:cNvPicPr>
+                <a:picLocks noChangeAspect="1" noChangeArrowheads="1"/>
+              </p:cNvPicPr>
+              <p:nvPr/>
+            </p:nvPicPr>
+            <p:blipFill>
+              <a:blip r:embed="rId5" cstate="print">
+                <a:extLst>
+                  <a:ext uri="{28A0092B-C50C-407E-A947-70E740481C1C}">
+                    <a14:useLocalDpi xmlns:a14="http://schemas.microsoft.com/office/drawing/2010/main" val="0"/>
+                  </a:ext>
+                </a:extLst>
+              </a:blip>
+              <a:srcRect/>
+              <a:stretch>
+                <a:fillRect/>
+              </a:stretch>
+            </p:blipFill>
+            <p:spPr bwMode="auto">
+              <a:xfrm>
+                <a:off x="1332577" y="4222658"/>
+                <a:ext cx="936328" cy="936328"/>
+              </a:xfrm>
+              <a:prstGeom prst="rect">
+                <a:avLst/>
+              </a:prstGeom>
+              <a:noFill/>
+              <a:extLst>
+                <a:ext uri="{909E8E84-426E-40DD-AFC4-6F175D3DCCD1}">
+                  <a14:hiddenFill xmlns:a14="http://schemas.microsoft.com/office/drawing/2010/main">
+                    <a:solidFill>
+                      <a:srgbClr val="FFFFFF"/>
+                    </a:solidFill>
+                  </a14:hiddenFill>
+                </a:ext>
+              </a:extLst>
+            </p:spPr>
+          </p:pic>
+        </p:grpSp>
+        <p:grpSp>
+          <p:nvGrpSpPr>
+            <p:cNvPr id="136" name="グループ化 135"/>
+            <p:cNvGrpSpPr/>
+            <p:nvPr/>
+          </p:nvGrpSpPr>
+          <p:grpSpPr>
+            <a:xfrm>
+              <a:off x="9028169" y="4960375"/>
+              <a:ext cx="715900" cy="810016"/>
+              <a:chOff x="1332577" y="3645685"/>
+              <a:chExt cx="1337471" cy="1513301"/>
+            </a:xfrm>
+          </p:grpSpPr>
+          <p:pic>
+            <p:nvPicPr>
+              <p:cNvPr id="137" name="Picture 2" descr="サーバのイラスト（1台）"/>
+              <p:cNvPicPr>
+                <a:picLocks noChangeAspect="1" noChangeArrowheads="1"/>
+              </p:cNvPicPr>
+              <p:nvPr/>
+            </p:nvPicPr>
+            <p:blipFill>
+              <a:blip r:embed="rId4" cstate="print">
+                <a:extLst>
+                  <a:ext uri="{28A0092B-C50C-407E-A947-70E740481C1C}">
+                    <a14:useLocalDpi xmlns:a14="http://schemas.microsoft.com/office/drawing/2010/main" val="0"/>
+                  </a:ext>
+                </a:extLst>
+              </a:blip>
+              <a:srcRect/>
+              <a:stretch>
+                <a:fillRect/>
+              </a:stretch>
+            </p:blipFill>
+            <p:spPr bwMode="auto">
+              <a:xfrm>
+                <a:off x="1696870" y="3645685"/>
+                <a:ext cx="973178" cy="973178"/>
+              </a:xfrm>
+              <a:prstGeom prst="rect">
+                <a:avLst/>
+              </a:prstGeom>
+              <a:noFill/>
+              <a:extLst>
+                <a:ext uri="{909E8E84-426E-40DD-AFC4-6F175D3DCCD1}">
+                  <a14:hiddenFill xmlns:a14="http://schemas.microsoft.com/office/drawing/2010/main">
+                    <a:solidFill>
+                      <a:srgbClr val="FFFFFF"/>
+                    </a:solidFill>
+                  </a14:hiddenFill>
+                </a:ext>
+              </a:extLst>
+            </p:spPr>
+          </p:pic>
+          <p:pic>
+            <p:nvPicPr>
+              <p:cNvPr id="138" name="Picture 4" descr="ドーム形の防犯カメラのイラスト"/>
+              <p:cNvPicPr>
+                <a:picLocks noChangeAspect="1" noChangeArrowheads="1"/>
+              </p:cNvPicPr>
+              <p:nvPr/>
+            </p:nvPicPr>
+            <p:blipFill>
+              <a:blip r:embed="rId5" cstate="print">
+                <a:extLst>
+                  <a:ext uri="{28A0092B-C50C-407E-A947-70E740481C1C}">
+                    <a14:useLocalDpi xmlns:a14="http://schemas.microsoft.com/office/drawing/2010/main" val="0"/>
+                  </a:ext>
+                </a:extLst>
+              </a:blip>
+              <a:srcRect/>
+              <a:stretch>
+                <a:fillRect/>
+              </a:stretch>
+            </p:blipFill>
+            <p:spPr bwMode="auto">
+              <a:xfrm>
+                <a:off x="1332577" y="4222658"/>
+                <a:ext cx="936328" cy="936328"/>
+              </a:xfrm>
+              <a:prstGeom prst="rect">
+                <a:avLst/>
+              </a:prstGeom>
+              <a:noFill/>
+              <a:extLst>
+                <a:ext uri="{909E8E84-426E-40DD-AFC4-6F175D3DCCD1}">
+                  <a14:hiddenFill xmlns:a14="http://schemas.microsoft.com/office/drawing/2010/main">
+                    <a:solidFill>
+                      <a:srgbClr val="FFFFFF"/>
+                    </a:solidFill>
+                  </a14:hiddenFill>
+                </a:ext>
+              </a:extLst>
+            </p:spPr>
+          </p:pic>
+        </p:grpSp>
+        <p:grpSp>
+          <p:nvGrpSpPr>
+            <p:cNvPr id="140" name="グループ化 139"/>
+            <p:cNvGrpSpPr/>
+            <p:nvPr/>
+          </p:nvGrpSpPr>
+          <p:grpSpPr>
+            <a:xfrm>
+              <a:off x="9966953" y="4960375"/>
+              <a:ext cx="715900" cy="810016"/>
+              <a:chOff x="1332577" y="3645685"/>
+              <a:chExt cx="1337471" cy="1513301"/>
+            </a:xfrm>
+          </p:grpSpPr>
+          <p:pic>
+            <p:nvPicPr>
+              <p:cNvPr id="141" name="Picture 2" descr="サーバのイラスト（1台）"/>
+              <p:cNvPicPr>
+                <a:picLocks noChangeAspect="1" noChangeArrowheads="1"/>
+              </p:cNvPicPr>
+              <p:nvPr/>
+            </p:nvPicPr>
+            <p:blipFill>
+              <a:blip r:embed="rId4" cstate="print">
+                <a:extLst>
+                  <a:ext uri="{28A0092B-C50C-407E-A947-70E740481C1C}">
+                    <a14:useLocalDpi xmlns:a14="http://schemas.microsoft.com/office/drawing/2010/main" val="0"/>
+                  </a:ext>
+                </a:extLst>
+              </a:blip>
+              <a:srcRect/>
+              <a:stretch>
+                <a:fillRect/>
+              </a:stretch>
+            </p:blipFill>
+            <p:spPr bwMode="auto">
+              <a:xfrm>
+                <a:off x="1696870" y="3645685"/>
+                <a:ext cx="973178" cy="973178"/>
+              </a:xfrm>
+              <a:prstGeom prst="rect">
+                <a:avLst/>
+              </a:prstGeom>
+              <a:noFill/>
+              <a:extLst>
+                <a:ext uri="{909E8E84-426E-40DD-AFC4-6F175D3DCCD1}">
+                  <a14:hiddenFill xmlns:a14="http://schemas.microsoft.com/office/drawing/2010/main">
+                    <a:solidFill>
+                      <a:srgbClr val="FFFFFF"/>
+                    </a:solidFill>
+                  </a14:hiddenFill>
+                </a:ext>
+              </a:extLst>
+            </p:spPr>
+          </p:pic>
+          <p:pic>
+            <p:nvPicPr>
+              <p:cNvPr id="142" name="Picture 4" descr="ドーム形の防犯カメラのイラスト"/>
+              <p:cNvPicPr>
+                <a:picLocks noChangeAspect="1" noChangeArrowheads="1"/>
+              </p:cNvPicPr>
+              <p:nvPr/>
+            </p:nvPicPr>
+            <p:blipFill>
+              <a:blip r:embed="rId5" cstate="print">
+                <a:extLst>
+                  <a:ext uri="{28A0092B-C50C-407E-A947-70E740481C1C}">
+                    <a14:useLocalDpi xmlns:a14="http://schemas.microsoft.com/office/drawing/2010/main" val="0"/>
+                  </a:ext>
+                </a:extLst>
+              </a:blip>
+              <a:srcRect/>
+              <a:stretch>
+                <a:fillRect/>
+              </a:stretch>
+            </p:blipFill>
+            <p:spPr bwMode="auto">
+              <a:xfrm>
+                <a:off x="1332577" y="4222658"/>
+                <a:ext cx="936328" cy="936328"/>
+              </a:xfrm>
+              <a:prstGeom prst="rect">
+                <a:avLst/>
+              </a:prstGeom>
+              <a:noFill/>
+              <a:extLst>
+                <a:ext uri="{909E8E84-426E-40DD-AFC4-6F175D3DCCD1}">
+                  <a14:hiddenFill xmlns:a14="http://schemas.microsoft.com/office/drawing/2010/main">
+                    <a:solidFill>
+                      <a:srgbClr val="FFFFFF"/>
+                    </a:solidFill>
+                  </a14:hiddenFill>
+                </a:ext>
+              </a:extLst>
+            </p:spPr>
+          </p:pic>
+        </p:grpSp>
+        <p:grpSp>
+          <p:nvGrpSpPr>
+            <p:cNvPr id="144" name="グループ化 143"/>
+            <p:cNvGrpSpPr/>
+            <p:nvPr/>
+          </p:nvGrpSpPr>
+          <p:grpSpPr>
+            <a:xfrm>
+              <a:off x="10883798" y="4960375"/>
+              <a:ext cx="715900" cy="810016"/>
+              <a:chOff x="1332577" y="3645685"/>
+              <a:chExt cx="1337471" cy="1513301"/>
+            </a:xfrm>
+          </p:grpSpPr>
+          <p:pic>
+            <p:nvPicPr>
+              <p:cNvPr id="145" name="Picture 2" descr="サーバのイラスト（1台）"/>
+              <p:cNvPicPr>
+                <a:picLocks noChangeAspect="1" noChangeArrowheads="1"/>
+              </p:cNvPicPr>
+              <p:nvPr/>
+            </p:nvPicPr>
+            <p:blipFill>
+              <a:blip r:embed="rId4" cstate="print">
+                <a:extLst>
+                  <a:ext uri="{28A0092B-C50C-407E-A947-70E740481C1C}">
+                    <a14:useLocalDpi xmlns:a14="http://schemas.microsoft.com/office/drawing/2010/main" val="0"/>
+                  </a:ext>
+                </a:extLst>
+              </a:blip>
+              <a:srcRect/>
+              <a:stretch>
+                <a:fillRect/>
+              </a:stretch>
+            </p:blipFill>
+            <p:spPr bwMode="auto">
+              <a:xfrm>
+                <a:off x="1696870" y="3645685"/>
+                <a:ext cx="973178" cy="973178"/>
+              </a:xfrm>
+              <a:prstGeom prst="rect">
+                <a:avLst/>
+              </a:prstGeom>
+              <a:noFill/>
+              <a:extLst>
+                <a:ext uri="{909E8E84-426E-40DD-AFC4-6F175D3DCCD1}">
+                  <a14:hiddenFill xmlns:a14="http://schemas.microsoft.com/office/drawing/2010/main">
+                    <a:solidFill>
+                      <a:srgbClr val="FFFFFF"/>
+                    </a:solidFill>
+                  </a14:hiddenFill>
+                </a:ext>
+              </a:extLst>
+            </p:spPr>
+          </p:pic>
+          <p:pic>
+            <p:nvPicPr>
+              <p:cNvPr id="146" name="Picture 4" descr="ドーム形の防犯カメラのイラスト"/>
+              <p:cNvPicPr>
+                <a:picLocks noChangeAspect="1" noChangeArrowheads="1"/>
+              </p:cNvPicPr>
+              <p:nvPr/>
+            </p:nvPicPr>
+            <p:blipFill>
+              <a:blip r:embed="rId5" cstate="print">
+                <a:extLst>
+                  <a:ext uri="{28A0092B-C50C-407E-A947-70E740481C1C}">
+                    <a14:useLocalDpi xmlns:a14="http://schemas.microsoft.com/office/drawing/2010/main" val="0"/>
+                  </a:ext>
+                </a:extLst>
+              </a:blip>
+              <a:srcRect/>
+              <a:stretch>
+                <a:fillRect/>
+              </a:stretch>
+            </p:blipFill>
+            <p:spPr bwMode="auto">
+              <a:xfrm>
+                <a:off x="1332577" y="4222658"/>
+                <a:ext cx="936328" cy="936328"/>
+              </a:xfrm>
+              <a:prstGeom prst="rect">
+                <a:avLst/>
+              </a:prstGeom>
+              <a:noFill/>
+              <a:extLst>
+                <a:ext uri="{909E8E84-426E-40DD-AFC4-6F175D3DCCD1}">
+                  <a14:hiddenFill xmlns:a14="http://schemas.microsoft.com/office/drawing/2010/main">
+                    <a:solidFill>
+                      <a:srgbClr val="FFFFFF"/>
+                    </a:solidFill>
+                  </a14:hiddenFill>
+                </a:ext>
+              </a:extLst>
+            </p:spPr>
+          </p:pic>
+        </p:grpSp>
+        <p:pic>
+          <p:nvPicPr>
+            <p:cNvPr id="148" name="Picture 2" descr="Wi-Fi無線ルーターのイラスト"/>
+            <p:cNvPicPr>
+              <a:picLocks noChangeAspect="1" noChangeArrowheads="1"/>
+            </p:cNvPicPr>
+            <p:nvPr/>
+          </p:nvPicPr>
+          <p:blipFill>
+            <a:blip r:embed="rId6" cstate="print">
+              <a:extLst>
+                <a:ext uri="{28A0092B-C50C-407E-A947-70E740481C1C}">
+                  <a14:useLocalDpi xmlns:a14="http://schemas.microsoft.com/office/drawing/2010/main" val="0"/>
+                </a:ext>
+              </a:extLst>
+            </a:blip>
+            <a:srcRect/>
+            <a:stretch>
+              <a:fillRect/>
+            </a:stretch>
+          </p:blipFill>
+          <p:spPr bwMode="auto">
+            <a:xfrm>
+              <a:off x="2483652" y="3574662"/>
+              <a:ext cx="699093" cy="699093"/>
+            </a:xfrm>
+            <a:prstGeom prst="rect">
+              <a:avLst/>
+            </a:prstGeom>
+            <a:noFill/>
+            <a:extLst>
+              <a:ext uri="{909E8E84-426E-40DD-AFC4-6F175D3DCCD1}">
+                <a14:hiddenFill xmlns:a14="http://schemas.microsoft.com/office/drawing/2010/main">
+                  <a:solidFill>
+                    <a:srgbClr val="FFFFFF"/>
+                  </a:solidFill>
+                </a14:hiddenFill>
+              </a:ext>
+            </a:extLst>
+          </p:spPr>
+        </p:pic>
+        <p:pic>
+          <p:nvPicPr>
+            <p:cNvPr id="149" name="Picture 2" descr="Wi-Fi無線ルーターのイラスト"/>
+            <p:cNvPicPr>
+              <a:picLocks noChangeAspect="1" noChangeArrowheads="1"/>
+            </p:cNvPicPr>
+            <p:nvPr/>
+          </p:nvPicPr>
+          <p:blipFill>
+            <a:blip r:embed="rId6" cstate="print">
+              <a:extLst>
+                <a:ext uri="{28A0092B-C50C-407E-A947-70E740481C1C}">
+                  <a14:useLocalDpi xmlns:a14="http://schemas.microsoft.com/office/drawing/2010/main" val="0"/>
+                </a:ext>
+              </a:extLst>
+            </a:blip>
+            <a:srcRect/>
+            <a:stretch>
+              <a:fillRect/>
+            </a:stretch>
+          </p:blipFill>
+          <p:spPr bwMode="auto">
+            <a:xfrm>
+              <a:off x="5399638" y="3574662"/>
+              <a:ext cx="699093" cy="699093"/>
+            </a:xfrm>
+            <a:prstGeom prst="rect">
+              <a:avLst/>
+            </a:prstGeom>
+            <a:noFill/>
+            <a:extLst>
+              <a:ext uri="{909E8E84-426E-40DD-AFC4-6F175D3DCCD1}">
+                <a14:hiddenFill xmlns:a14="http://schemas.microsoft.com/office/drawing/2010/main">
+                  <a:solidFill>
+                    <a:srgbClr val="FFFFFF"/>
+                  </a:solidFill>
+                </a14:hiddenFill>
+              </a:ext>
+            </a:extLst>
+          </p:spPr>
+        </p:pic>
+        <p:pic>
+          <p:nvPicPr>
+            <p:cNvPr id="150" name="Picture 2" descr="Wi-Fi無線ルーターのイラスト"/>
+            <p:cNvPicPr>
+              <a:picLocks noChangeAspect="1" noChangeArrowheads="1"/>
+            </p:cNvPicPr>
+            <p:nvPr/>
+          </p:nvPicPr>
+          <p:blipFill>
+            <a:blip r:embed="rId6" cstate="print">
+              <a:extLst>
+                <a:ext uri="{28A0092B-C50C-407E-A947-70E740481C1C}">
+                  <a14:useLocalDpi xmlns:a14="http://schemas.microsoft.com/office/drawing/2010/main" val="0"/>
+                </a:ext>
+              </a:extLst>
+            </a:blip>
+            <a:srcRect/>
+            <a:stretch>
+              <a:fillRect/>
+            </a:stretch>
+          </p:blipFill>
+          <p:spPr bwMode="auto">
+            <a:xfrm>
+              <a:off x="7676218" y="3574662"/>
+              <a:ext cx="699093" cy="699093"/>
+            </a:xfrm>
+            <a:prstGeom prst="rect">
+              <a:avLst/>
+            </a:prstGeom>
+            <a:noFill/>
+            <a:extLst>
+              <a:ext uri="{909E8E84-426E-40DD-AFC4-6F175D3DCCD1}">
+                <a14:hiddenFill xmlns:a14="http://schemas.microsoft.com/office/drawing/2010/main">
+                  <a:solidFill>
+                    <a:srgbClr val="FFFFFF"/>
+                  </a:solidFill>
+                </a14:hiddenFill>
+              </a:ext>
+            </a:extLst>
+          </p:spPr>
+        </p:pic>
+        <p:pic>
+          <p:nvPicPr>
+            <p:cNvPr id="151" name="Picture 2" descr="Wi-Fi無線ルーターのイラスト"/>
+            <p:cNvPicPr>
+              <a:picLocks noChangeAspect="1" noChangeArrowheads="1"/>
+            </p:cNvPicPr>
+            <p:nvPr/>
+          </p:nvPicPr>
+          <p:blipFill>
+            <a:blip r:embed="rId6" cstate="print">
+              <a:extLst>
+                <a:ext uri="{28A0092B-C50C-407E-A947-70E740481C1C}">
+                  <a14:useLocalDpi xmlns:a14="http://schemas.microsoft.com/office/drawing/2010/main" val="0"/>
+                </a:ext>
+              </a:extLst>
+            </a:blip>
+            <a:srcRect/>
+            <a:stretch>
+              <a:fillRect/>
+            </a:stretch>
+          </p:blipFill>
+          <p:spPr bwMode="auto">
+            <a:xfrm>
+              <a:off x="9044976" y="3574662"/>
+              <a:ext cx="699093" cy="699093"/>
+            </a:xfrm>
+            <a:prstGeom prst="rect">
+              <a:avLst/>
+            </a:prstGeom>
+            <a:noFill/>
+            <a:extLst>
+              <a:ext uri="{909E8E84-426E-40DD-AFC4-6F175D3DCCD1}">
+                <a14:hiddenFill xmlns:a14="http://schemas.microsoft.com/office/drawing/2010/main">
+                  <a:solidFill>
+                    <a:srgbClr val="FFFFFF"/>
+                  </a:solidFill>
+                </a14:hiddenFill>
+              </a:ext>
+            </a:extLst>
+          </p:spPr>
+        </p:pic>
+        <p:pic>
+          <p:nvPicPr>
+            <p:cNvPr id="152" name="Picture 2" descr="Wi-Fi無線ルーターのイラスト"/>
+            <p:cNvPicPr>
+              <a:picLocks noChangeAspect="1" noChangeArrowheads="1"/>
+            </p:cNvPicPr>
+            <p:nvPr/>
+          </p:nvPicPr>
+          <p:blipFill>
+            <a:blip r:embed="rId6" cstate="print">
+              <a:extLst>
+                <a:ext uri="{28A0092B-C50C-407E-A947-70E740481C1C}">
+                  <a14:useLocalDpi xmlns:a14="http://schemas.microsoft.com/office/drawing/2010/main" val="0"/>
+                </a:ext>
+              </a:extLst>
+            </a:blip>
+            <a:srcRect/>
+            <a:stretch>
+              <a:fillRect/>
+            </a:stretch>
+          </p:blipFill>
+          <p:spPr bwMode="auto">
+            <a:xfrm>
+              <a:off x="10993035" y="3574662"/>
+              <a:ext cx="699093" cy="699093"/>
+            </a:xfrm>
+            <a:prstGeom prst="rect">
+              <a:avLst/>
+            </a:prstGeom>
+            <a:noFill/>
+            <a:extLst>
+              <a:ext uri="{909E8E84-426E-40DD-AFC4-6F175D3DCCD1}">
+                <a14:hiddenFill xmlns:a14="http://schemas.microsoft.com/office/drawing/2010/main">
+                  <a:solidFill>
+                    <a:srgbClr val="FFFFFF"/>
+                  </a:solidFill>
+                </a14:hiddenFill>
+              </a:ext>
+            </a:extLst>
+          </p:spPr>
+        </p:pic>
+        <p:cxnSp>
+          <p:nvCxnSpPr>
+            <p:cNvPr id="154" name="直線矢印コネクタ 153"/>
+            <p:cNvCxnSpPr>
+              <a:endCxn id="148" idx="2"/>
+            </p:cNvCxnSpPr>
+            <p:nvPr/>
+          </p:nvCxnSpPr>
+          <p:spPr>
+            <a:xfrm flipH="1" flipV="1">
+              <a:off x="2833199" y="4273755"/>
+              <a:ext cx="80803" cy="889433"/>
+            </a:xfrm>
+            <a:prstGeom prst="straightConnector1">
+              <a:avLst/>
+            </a:prstGeom>
+            <a:ln w="76200" cmpd="sng">
+              <a:tailEnd type="triangle" w="lg" len="lg"/>
+            </a:ln>
+          </p:spPr>
+          <p:style>
+            <a:lnRef idx="1">
+              <a:schemeClr val="dk1"/>
+            </a:lnRef>
+            <a:fillRef idx="0">
+              <a:schemeClr val="dk1"/>
+            </a:fillRef>
+            <a:effectRef idx="0">
+              <a:schemeClr val="dk1"/>
+            </a:effectRef>
+            <a:fontRef idx="minor">
+              <a:schemeClr val="tx1"/>
+            </a:fontRef>
+          </p:style>
+        </p:cxnSp>
+        <p:cxnSp>
+          <p:nvCxnSpPr>
+            <p:cNvPr id="155" name="直線矢印コネクタ 154"/>
+            <p:cNvCxnSpPr/>
+            <p:nvPr/>
+          </p:nvCxnSpPr>
+          <p:spPr>
+            <a:xfrm flipH="1" flipV="1">
+              <a:off x="3149313" y="4303776"/>
+              <a:ext cx="1223827" cy="847033"/>
+            </a:xfrm>
+            <a:prstGeom prst="straightConnector1">
+              <a:avLst/>
+            </a:prstGeom>
+            <a:ln w="76200" cmpd="sng">
+              <a:tailEnd type="triangle" w="lg" len="lg"/>
+            </a:ln>
+          </p:spPr>
+          <p:style>
+            <a:lnRef idx="1">
+              <a:schemeClr val="dk1"/>
+            </a:lnRef>
+            <a:fillRef idx="0">
+              <a:schemeClr val="dk1"/>
+            </a:fillRef>
+            <a:effectRef idx="0">
+              <a:schemeClr val="dk1"/>
+            </a:effectRef>
+            <a:fontRef idx="minor">
+              <a:schemeClr val="tx1"/>
+            </a:fontRef>
+          </p:style>
+        </p:cxnSp>
+        <p:cxnSp>
+          <p:nvCxnSpPr>
+            <p:cNvPr id="156" name="直線矢印コネクタ 155"/>
+            <p:cNvCxnSpPr>
+              <a:endCxn id="149" idx="2"/>
+            </p:cNvCxnSpPr>
+            <p:nvPr/>
+          </p:nvCxnSpPr>
+          <p:spPr>
+            <a:xfrm flipH="1" flipV="1">
+              <a:off x="5749185" y="4273755"/>
+              <a:ext cx="72769" cy="765812"/>
+            </a:xfrm>
+            <a:prstGeom prst="straightConnector1">
+              <a:avLst/>
+            </a:prstGeom>
+            <a:ln w="76200" cmpd="sng">
+              <a:tailEnd type="triangle" w="lg" len="lg"/>
+            </a:ln>
+          </p:spPr>
+          <p:style>
+            <a:lnRef idx="1">
+              <a:schemeClr val="dk1"/>
+            </a:lnRef>
+            <a:fillRef idx="0">
+              <a:schemeClr val="dk1"/>
+            </a:fillRef>
+            <a:effectRef idx="0">
+              <a:schemeClr val="dk1"/>
+            </a:effectRef>
+            <a:fontRef idx="minor">
+              <a:schemeClr val="tx1"/>
+            </a:fontRef>
+          </p:style>
+        </p:cxnSp>
+        <p:cxnSp>
+          <p:nvCxnSpPr>
+            <p:cNvPr id="157" name="直線矢印コネクタ 156"/>
+            <p:cNvCxnSpPr/>
+            <p:nvPr/>
+          </p:nvCxnSpPr>
+          <p:spPr>
+            <a:xfrm flipH="1" flipV="1">
+              <a:off x="5914029" y="4376222"/>
+              <a:ext cx="1101143" cy="716939"/>
+            </a:xfrm>
+            <a:prstGeom prst="straightConnector1">
+              <a:avLst/>
+            </a:prstGeom>
+            <a:ln w="76200" cmpd="sng">
+              <a:tailEnd type="triangle" w="lg" len="lg"/>
+            </a:ln>
+          </p:spPr>
+          <p:style>
+            <a:lnRef idx="1">
+              <a:schemeClr val="dk1"/>
+            </a:lnRef>
+            <a:fillRef idx="0">
+              <a:schemeClr val="dk1"/>
+            </a:fillRef>
+            <a:effectRef idx="0">
+              <a:schemeClr val="dk1"/>
+            </a:effectRef>
+            <a:fontRef idx="minor">
+              <a:schemeClr val="tx1"/>
+            </a:fontRef>
+          </p:style>
+        </p:cxnSp>
+        <p:cxnSp>
+          <p:nvCxnSpPr>
+            <p:cNvPr id="158" name="直線矢印コネクタ 157"/>
+            <p:cNvCxnSpPr/>
+            <p:nvPr/>
+          </p:nvCxnSpPr>
+          <p:spPr>
+            <a:xfrm flipH="1" flipV="1">
+              <a:off x="7975334" y="4423263"/>
+              <a:ext cx="334073" cy="669898"/>
+            </a:xfrm>
+            <a:prstGeom prst="straightConnector1">
+              <a:avLst/>
+            </a:prstGeom>
+            <a:ln w="76200" cmpd="sng">
+              <a:tailEnd type="triangle" w="lg" len="lg"/>
+            </a:ln>
+          </p:spPr>
+          <p:style>
+            <a:lnRef idx="1">
+              <a:schemeClr val="dk1"/>
+            </a:lnRef>
+            <a:fillRef idx="0">
+              <a:schemeClr val="dk1"/>
+            </a:fillRef>
+            <a:effectRef idx="0">
+              <a:schemeClr val="dk1"/>
+            </a:effectRef>
+            <a:fontRef idx="minor">
+              <a:schemeClr val="tx1"/>
+            </a:fontRef>
+          </p:style>
+        </p:cxnSp>
+        <p:cxnSp>
+          <p:nvCxnSpPr>
+            <p:cNvPr id="159" name="直線矢印コネクタ 158"/>
+            <p:cNvCxnSpPr/>
+            <p:nvPr/>
+          </p:nvCxnSpPr>
+          <p:spPr>
+            <a:xfrm flipH="1" flipV="1">
+              <a:off x="9449219" y="4376222"/>
+              <a:ext cx="29898" cy="743836"/>
+            </a:xfrm>
+            <a:prstGeom prst="straightConnector1">
+              <a:avLst/>
+            </a:prstGeom>
+            <a:ln w="76200" cmpd="sng">
+              <a:tailEnd type="triangle" w="lg" len="lg"/>
+            </a:ln>
+          </p:spPr>
+          <p:style>
+            <a:lnRef idx="1">
+              <a:schemeClr val="dk1"/>
+            </a:lnRef>
+            <a:fillRef idx="0">
+              <a:schemeClr val="dk1"/>
+            </a:fillRef>
+            <a:effectRef idx="0">
+              <a:schemeClr val="dk1"/>
+            </a:effectRef>
+            <a:fontRef idx="minor">
+              <a:schemeClr val="tx1"/>
+            </a:fontRef>
+          </p:style>
+        </p:cxnSp>
+        <p:cxnSp>
+          <p:nvCxnSpPr>
+            <p:cNvPr id="160" name="直線矢印コネクタ 159"/>
+            <p:cNvCxnSpPr/>
+            <p:nvPr/>
+          </p:nvCxnSpPr>
+          <p:spPr>
+            <a:xfrm flipV="1">
+              <a:off x="10478175" y="4348970"/>
+              <a:ext cx="600616" cy="771088"/>
+            </a:xfrm>
+            <a:prstGeom prst="straightConnector1">
+              <a:avLst/>
+            </a:prstGeom>
+            <a:ln w="76200" cmpd="sng">
+              <a:tailEnd type="triangle" w="lg" len="lg"/>
+            </a:ln>
+          </p:spPr>
+          <p:style>
+            <a:lnRef idx="1">
+              <a:schemeClr val="dk1"/>
+            </a:lnRef>
+            <a:fillRef idx="0">
+              <a:schemeClr val="dk1"/>
+            </a:fillRef>
+            <a:effectRef idx="0">
+              <a:schemeClr val="dk1"/>
+            </a:effectRef>
+            <a:fontRef idx="minor">
+              <a:schemeClr val="tx1"/>
+            </a:fontRef>
+          </p:style>
+        </p:cxnSp>
+        <p:cxnSp>
+          <p:nvCxnSpPr>
+            <p:cNvPr id="161" name="直線矢印コネクタ 160"/>
+            <p:cNvCxnSpPr/>
+            <p:nvPr/>
+          </p:nvCxnSpPr>
+          <p:spPr>
+            <a:xfrm flipH="1" flipV="1">
+              <a:off x="11250159" y="4230624"/>
+              <a:ext cx="80803" cy="889433"/>
+            </a:xfrm>
+            <a:prstGeom prst="straightConnector1">
+              <a:avLst/>
+            </a:prstGeom>
+            <a:ln w="76200" cmpd="sng">
+              <a:tailEnd type="triangle" w="lg" len="lg"/>
+            </a:ln>
+          </p:spPr>
+          <p:style>
+            <a:lnRef idx="1">
+              <a:schemeClr val="dk1"/>
+            </a:lnRef>
+            <a:fillRef idx="0">
+              <a:schemeClr val="dk1"/>
+            </a:fillRef>
+            <a:effectRef idx="0">
+              <a:schemeClr val="dk1"/>
+            </a:effectRef>
+            <a:fontRef idx="minor">
+              <a:schemeClr val="tx1"/>
+            </a:fontRef>
+          </p:style>
+        </p:cxnSp>
+        <p:sp>
+          <p:nvSpPr>
+            <p:cNvPr id="66" name="テキスト ボックス 65"/>
+            <p:cNvSpPr txBox="1"/>
+            <p:nvPr/>
+          </p:nvSpPr>
+          <p:spPr>
+            <a:xfrm>
+              <a:off x="236302" y="5420783"/>
+              <a:ext cx="2596896" cy="369332"/>
+            </a:xfrm>
+            <a:prstGeom prst="rect">
+              <a:avLst/>
+            </a:prstGeom>
+            <a:noFill/>
+          </p:spPr>
+          <p:txBody>
+            <a:bodyPr wrap="square" rtlCol="0">
+              <a:spAutoFit/>
+            </a:bodyPr>
+            <a:lstStyle/>
+            <a:p>
+              <a:r>
+                <a:rPr lang="ja-JP" altLang="en-US" dirty="0" smtClean="0"/>
+                <a:t>ネットワークカメラ</a:t>
+              </a:r>
+              <a:endParaRPr kumimoji="1" lang="ja-JP" altLang="en-US" dirty="0"/>
+            </a:p>
+          </p:txBody>
+        </p:sp>
+        <p:sp>
+          <p:nvSpPr>
+            <p:cNvPr id="67" name="テキスト ボックス 66"/>
+            <p:cNvSpPr txBox="1"/>
+            <p:nvPr/>
+          </p:nvSpPr>
+          <p:spPr>
+            <a:xfrm>
+              <a:off x="76758" y="3619399"/>
+              <a:ext cx="2596896" cy="646331"/>
+            </a:xfrm>
+            <a:prstGeom prst="rect">
+              <a:avLst/>
+            </a:prstGeom>
+            <a:noFill/>
+          </p:spPr>
+          <p:txBody>
+            <a:bodyPr wrap="square" rtlCol="0">
+              <a:spAutoFit/>
+            </a:bodyPr>
+            <a:lstStyle/>
+            <a:p>
+              <a:pPr algn="ctr"/>
+              <a:r>
+                <a:rPr lang="ja-JP" altLang="en-US" dirty="0" smtClean="0"/>
+                <a:t>無線アクセスポイント</a:t>
+              </a:r>
+              <a:endParaRPr lang="en-US" altLang="ja-JP" dirty="0" smtClean="0"/>
+            </a:p>
+            <a:p>
+              <a:pPr algn="ctr"/>
+              <a:r>
+                <a:rPr lang="ja-JP" altLang="en-US" dirty="0"/>
+                <a:t>機能</a:t>
+              </a:r>
+              <a:r>
+                <a:rPr lang="ja-JP" altLang="en-US" dirty="0" smtClean="0"/>
+                <a:t>を持つルータ</a:t>
+              </a:r>
+              <a:endParaRPr kumimoji="1" lang="ja-JP" altLang="en-US" dirty="0"/>
+            </a:p>
+          </p:txBody>
+        </p:sp>
+        <p:cxnSp>
+          <p:nvCxnSpPr>
+            <p:cNvPr id="58" name="直線矢印コネクタ 57"/>
+            <p:cNvCxnSpPr/>
+            <p:nvPr/>
+          </p:nvCxnSpPr>
+          <p:spPr>
+            <a:xfrm flipV="1">
+              <a:off x="9366511" y="2696220"/>
+              <a:ext cx="439925" cy="1017029"/>
+            </a:xfrm>
+            <a:prstGeom prst="straightConnector1">
+              <a:avLst/>
+            </a:prstGeom>
+            <a:ln w="76200" cmpd="sng">
+              <a:tailEnd type="triangle" w="lg" len="lg"/>
+            </a:ln>
+          </p:spPr>
+          <p:style>
+            <a:lnRef idx="1">
+              <a:schemeClr val="dk1"/>
+            </a:lnRef>
+            <a:fillRef idx="0">
+              <a:schemeClr val="dk1"/>
+            </a:fillRef>
+            <a:effectRef idx="0">
+              <a:schemeClr val="dk1"/>
+            </a:effectRef>
+            <a:fontRef idx="minor">
+              <a:schemeClr val="tx1"/>
+            </a:fontRef>
+          </p:style>
+        </p:cxnSp>
+        <p:cxnSp>
+          <p:nvCxnSpPr>
+            <p:cNvPr id="59" name="直線矢印コネクタ 58"/>
+            <p:cNvCxnSpPr/>
+            <p:nvPr/>
+          </p:nvCxnSpPr>
+          <p:spPr>
+            <a:xfrm flipH="1" flipV="1">
+              <a:off x="10275880" y="2707519"/>
+              <a:ext cx="1014681" cy="1028326"/>
+            </a:xfrm>
+            <a:prstGeom prst="straightConnector1">
+              <a:avLst/>
+            </a:prstGeom>
+            <a:ln w="76200" cmpd="sng">
+              <a:tailEnd type="triangle" w="lg" len="lg"/>
+            </a:ln>
+          </p:spPr>
+          <p:style>
+            <a:lnRef idx="1">
+              <a:schemeClr val="dk1"/>
+            </a:lnRef>
+            <a:fillRef idx="0">
+              <a:schemeClr val="dk1"/>
+            </a:fillRef>
+            <a:effectRef idx="0">
+              <a:schemeClr val="dk1"/>
+            </a:effectRef>
+            <a:fontRef idx="minor">
+              <a:schemeClr val="tx1"/>
+            </a:fontRef>
+          </p:style>
+        </p:cxnSp>
+        <p:sp>
+          <p:nvSpPr>
+            <p:cNvPr id="60" name="テキスト ボックス 59"/>
+            <p:cNvSpPr txBox="1"/>
+            <p:nvPr/>
+          </p:nvSpPr>
+          <p:spPr>
+            <a:xfrm>
+              <a:off x="8189843" y="2292910"/>
+              <a:ext cx="1507531" cy="369332"/>
+            </a:xfrm>
+            <a:prstGeom prst="rect">
+              <a:avLst/>
+            </a:prstGeom>
+            <a:solidFill>
+              <a:schemeClr val="bg1"/>
+            </a:solidFill>
+            <a:ln w="28575">
+              <a:solidFill>
+                <a:schemeClr val="accent2"/>
+              </a:solidFill>
+            </a:ln>
+          </p:spPr>
+          <p:txBody>
+            <a:bodyPr wrap="square" rtlCol="0">
+              <a:spAutoFit/>
+            </a:bodyPr>
+            <a:lstStyle/>
+            <a:p>
+              <a:pPr algn="ctr"/>
+              <a:r>
+                <a:rPr kumimoji="1" lang="en-US" altLang="ja-JP" dirty="0" smtClean="0"/>
+                <a:t>LPLC</a:t>
+              </a:r>
+              <a:r>
+                <a:rPr kumimoji="1" lang="ja-JP" altLang="en-US" dirty="0" smtClean="0"/>
+                <a:t>ノード</a:t>
+              </a:r>
+              <a:endParaRPr kumimoji="1" lang="ja-JP" altLang="en-US" dirty="0"/>
+            </a:p>
+          </p:txBody>
+        </p:sp>
+        <p:cxnSp>
+          <p:nvCxnSpPr>
+            <p:cNvPr id="61" name="直線矢印コネクタ 60"/>
+            <p:cNvCxnSpPr/>
+            <p:nvPr/>
+          </p:nvCxnSpPr>
+          <p:spPr>
+            <a:xfrm flipH="1" flipV="1">
+              <a:off x="6337807" y="1069957"/>
+              <a:ext cx="3639334" cy="1176675"/>
+            </a:xfrm>
+            <a:prstGeom prst="straightConnector1">
+              <a:avLst/>
+            </a:prstGeom>
+            <a:ln w="76200" cmpd="sng">
+              <a:tailEnd type="triangle" w="lg" len="lg"/>
+            </a:ln>
+          </p:spPr>
+          <p:style>
+            <a:lnRef idx="1">
+              <a:schemeClr val="dk1"/>
+            </a:lnRef>
+            <a:fillRef idx="0">
+              <a:schemeClr val="dk1"/>
+            </a:fillRef>
+            <a:effectRef idx="0">
+              <a:schemeClr val="dk1"/>
+            </a:effectRef>
+            <a:fontRef idx="minor">
+              <a:schemeClr val="tx1"/>
+            </a:fontRef>
+          </p:style>
+        </p:cxnSp>
+        <p:pic>
+          <p:nvPicPr>
+            <p:cNvPr id="57" name="Picture 2" descr="スマホの二台持ちのイラスト（男性）"/>
+            <p:cNvPicPr>
+              <a:picLocks noChangeAspect="1" noChangeArrowheads="1"/>
+            </p:cNvPicPr>
+            <p:nvPr/>
+          </p:nvPicPr>
+          <p:blipFill>
+            <a:blip r:embed="rId7">
+              <a:extLst>
+                <a:ext uri="{28A0092B-C50C-407E-A947-70E740481C1C}">
+                  <a14:useLocalDpi xmlns:a14="http://schemas.microsoft.com/office/drawing/2010/main" val="0"/>
+                </a:ext>
+              </a:extLst>
+            </a:blip>
+            <a:srcRect/>
+            <a:stretch>
+              <a:fillRect/>
+            </a:stretch>
+          </p:blipFill>
+          <p:spPr bwMode="auto">
+            <a:xfrm>
+              <a:off x="9723942" y="1820212"/>
+              <a:ext cx="876008" cy="876008"/>
+            </a:xfrm>
+            <a:prstGeom prst="rect">
+              <a:avLst/>
+            </a:prstGeom>
+            <a:noFill/>
+            <a:extLst>
+              <a:ext uri="{909E8E84-426E-40DD-AFC4-6F175D3DCCD1}">
+                <a14:hiddenFill xmlns:a14="http://schemas.microsoft.com/office/drawing/2010/main">
+                  <a:solidFill>
+                    <a:srgbClr val="FFFFFF"/>
+                  </a:solidFill>
+                </a14:hiddenFill>
+              </a:ext>
+            </a:extLst>
+          </p:spPr>
+        </p:pic>
+      </p:grpSp>
+    </p:spTree>
+    <p:extLst>
+      <p:ext uri="{BB962C8B-B14F-4D97-AF65-F5344CB8AC3E}">
+        <p14:creationId xmlns:p14="http://schemas.microsoft.com/office/powerpoint/2010/main" val="135255456"/>
+      </p:ext>
+    </p:extLst>
+  </p:cSld>
+  <p:clrMapOvr>
+    <a:masterClrMapping/>
+  </p:clrMapOvr>
+  <p:timing>
+    <p:tnLst>
+      <p:par>
+        <p:cTn id="1" dur="indefinite" restart="never" nodeType="tmRoot"/>
+      </p:par>
+    </p:tnLst>
+  </p:timing>
+</p:sld>
+</file>
+
+<file path=ppt/slides/slide6.xml><?xml version="1.0" encoding="utf-8"?>
+<p:sld xmlns:a="http://schemas.openxmlformats.org/drawingml/2006/main" xmlns:r="http://schemas.openxmlformats.org/officeDocument/2006/relationships" xmlns:p="http://schemas.openxmlformats.org/presentationml/2006/main">
+  <p:cSld>
+    <p:spTree>
+      <p:nvGrpSpPr>
+        <p:cNvPr id="1" name=""/>
+        <p:cNvGrpSpPr/>
+        <p:nvPr/>
+      </p:nvGrpSpPr>
+      <p:grpSpPr>
+        <a:xfrm>
+          <a:off x="0" y="0"/>
+          <a:ext cx="0" cy="0"/>
+          <a:chOff x="0" y="0"/>
+          <a:chExt cx="0" cy="0"/>
+        </a:xfrm>
+      </p:grpSpPr>
       <p:sp>
         <p:nvSpPr>
           <p:cNvPr id="2" name="タイトル 1"/>
@@ -26697,7 +28554,7 @@
 </p:sld>
 </file>
 
-<file path=ppt/slides/slide6.xml><?xml version="1.0" encoding="utf-8"?>
+<file path=ppt/slides/slide7.xml><?xml version="1.0" encoding="utf-8"?>
 <p:sld xmlns:a="http://schemas.openxmlformats.org/drawingml/2006/main" xmlns:r="http://schemas.openxmlformats.org/officeDocument/2006/relationships" xmlns:p="http://schemas.openxmlformats.org/presentationml/2006/main">
   <p:cSld>
     <p:spTree>
@@ -26806,7 +28663,7 @@
 </p:sld>
 </file>
 
-<file path=ppt/slides/slide7.xml><?xml version="1.0" encoding="utf-8"?>
+<file path=ppt/slides/slide8.xml><?xml version="1.0" encoding="utf-8"?>
 <p:sld xmlns:a="http://schemas.openxmlformats.org/drawingml/2006/main" xmlns:r="http://schemas.openxmlformats.org/officeDocument/2006/relationships" xmlns:p="http://schemas.openxmlformats.org/presentationml/2006/main">
   <p:cSld>
     <p:spTree>
@@ -26920,49 +28777,49 @@
                 <a:gridCol w="720000">
                   <a:extLst>
                     <a:ext uri="{9D8B030D-6E8A-4147-A177-3AD203B41FA5}">
-                      <a16:colId xmlns:a16="http://schemas.microsoft.com/office/drawing/2014/main" xmlns="" val="2385125368"/>
+                      <a16:colId xmlns="" xmlns:a16="http://schemas.microsoft.com/office/drawing/2014/main" val="2385125368"/>
                     </a:ext>
                   </a:extLst>
                 </a:gridCol>
                 <a:gridCol w="720000">
                   <a:extLst>
                     <a:ext uri="{9D8B030D-6E8A-4147-A177-3AD203B41FA5}">
-                      <a16:colId xmlns:a16="http://schemas.microsoft.com/office/drawing/2014/main" xmlns="" val="2599857777"/>
+                      <a16:colId xmlns="" xmlns:a16="http://schemas.microsoft.com/office/drawing/2014/main" val="2599857777"/>
                     </a:ext>
                   </a:extLst>
                 </a:gridCol>
                 <a:gridCol w="720000">
                   <a:extLst>
                     <a:ext uri="{9D8B030D-6E8A-4147-A177-3AD203B41FA5}">
-                      <a16:colId xmlns:a16="http://schemas.microsoft.com/office/drawing/2014/main" xmlns="" val="4293876959"/>
+                      <a16:colId xmlns="" xmlns:a16="http://schemas.microsoft.com/office/drawing/2014/main" val="4293876959"/>
                     </a:ext>
                   </a:extLst>
                 </a:gridCol>
                 <a:gridCol w="720000">
                   <a:extLst>
                     <a:ext uri="{9D8B030D-6E8A-4147-A177-3AD203B41FA5}">
-                      <a16:colId xmlns:a16="http://schemas.microsoft.com/office/drawing/2014/main" xmlns="" val="185903597"/>
+                      <a16:colId xmlns="" xmlns:a16="http://schemas.microsoft.com/office/drawing/2014/main" val="185903597"/>
                     </a:ext>
                   </a:extLst>
                 </a:gridCol>
                 <a:gridCol w="720000">
                   <a:extLst>
                     <a:ext uri="{9D8B030D-6E8A-4147-A177-3AD203B41FA5}">
-                      <a16:colId xmlns:a16="http://schemas.microsoft.com/office/drawing/2014/main" xmlns="" val="967980824"/>
+                      <a16:colId xmlns="" xmlns:a16="http://schemas.microsoft.com/office/drawing/2014/main" val="967980824"/>
                     </a:ext>
                   </a:extLst>
                 </a:gridCol>
                 <a:gridCol w="720000">
                   <a:extLst>
                     <a:ext uri="{9D8B030D-6E8A-4147-A177-3AD203B41FA5}">
-                      <a16:colId xmlns:a16="http://schemas.microsoft.com/office/drawing/2014/main" xmlns="" val="3107065488"/>
+                      <a16:colId xmlns="" xmlns:a16="http://schemas.microsoft.com/office/drawing/2014/main" val="3107065488"/>
                     </a:ext>
                   </a:extLst>
                 </a:gridCol>
                 <a:gridCol w="720000">
                   <a:extLst>
                     <a:ext uri="{9D8B030D-6E8A-4147-A177-3AD203B41FA5}">
-                      <a16:colId xmlns:a16="http://schemas.microsoft.com/office/drawing/2014/main" xmlns="" val="1277420439"/>
+                      <a16:colId xmlns="" xmlns:a16="http://schemas.microsoft.com/office/drawing/2014/main" val="1277420439"/>
                     </a:ext>
                   </a:extLst>
                 </a:gridCol>
@@ -27488,7 +29345,7 @@
                 </a:tc>
                 <a:extLst>
                   <a:ext uri="{0D108BD9-81ED-4DB2-BD59-A6C34878D82A}">
-                    <a16:rowId xmlns:a16="http://schemas.microsoft.com/office/drawing/2014/main" xmlns="" val="584487917"/>
+                    <a16:rowId xmlns="" xmlns:a16="http://schemas.microsoft.com/office/drawing/2014/main" val="584487917"/>
                   </a:ext>
                 </a:extLst>
               </a:tr>
@@ -28013,7 +29870,7 @@
                 </a:tc>
                 <a:extLst>
                   <a:ext uri="{0D108BD9-81ED-4DB2-BD59-A6C34878D82A}">
-                    <a16:rowId xmlns:a16="http://schemas.microsoft.com/office/drawing/2014/main" xmlns="" val="1863994553"/>
+                    <a16:rowId xmlns="" xmlns:a16="http://schemas.microsoft.com/office/drawing/2014/main" val="1863994553"/>
                   </a:ext>
                 </a:extLst>
               </a:tr>
@@ -28516,7 +30373,7 @@
                 </a:tc>
                 <a:extLst>
                   <a:ext uri="{0D108BD9-81ED-4DB2-BD59-A6C34878D82A}">
-                    <a16:rowId xmlns:a16="http://schemas.microsoft.com/office/drawing/2014/main" xmlns="" val="2813642046"/>
+                    <a16:rowId xmlns="" xmlns:a16="http://schemas.microsoft.com/office/drawing/2014/main" val="2813642046"/>
                   </a:ext>
                 </a:extLst>
               </a:tr>
@@ -29008,7 +30865,7 @@
                 </a:tc>
                 <a:extLst>
                   <a:ext uri="{0D108BD9-81ED-4DB2-BD59-A6C34878D82A}">
-                    <a16:rowId xmlns:a16="http://schemas.microsoft.com/office/drawing/2014/main" xmlns="" val="2056728271"/>
+                    <a16:rowId xmlns="" xmlns:a16="http://schemas.microsoft.com/office/drawing/2014/main" val="2056728271"/>
                   </a:ext>
                 </a:extLst>
               </a:tr>
@@ -29522,7 +31379,7 @@
                 </a:tc>
                 <a:extLst>
                   <a:ext uri="{0D108BD9-81ED-4DB2-BD59-A6C34878D82A}">
-                    <a16:rowId xmlns:a16="http://schemas.microsoft.com/office/drawing/2014/main" xmlns="" val="2613689561"/>
+                    <a16:rowId xmlns="" xmlns:a16="http://schemas.microsoft.com/office/drawing/2014/main" val="2613689561"/>
                   </a:ext>
                 </a:extLst>
               </a:tr>
@@ -30047,7 +31904,7 @@
                 </a:tc>
                 <a:extLst>
                   <a:ext uri="{0D108BD9-81ED-4DB2-BD59-A6C34878D82A}">
-                    <a16:rowId xmlns:a16="http://schemas.microsoft.com/office/drawing/2014/main" xmlns="" val="1320574715"/>
+                    <a16:rowId xmlns="" xmlns:a16="http://schemas.microsoft.com/office/drawing/2014/main" val="1320574715"/>
                   </a:ext>
                 </a:extLst>
               </a:tr>
@@ -30075,7 +31932,7 @@
 </p:sld>
 </file>
 
-<file path=ppt/slides/slide8.xml><?xml version="1.0" encoding="utf-8"?>
+<file path=ppt/slides/slide9.xml><?xml version="1.0" encoding="utf-8"?>
 <p:sld xmlns:a="http://schemas.openxmlformats.org/drawingml/2006/main" xmlns:r="http://schemas.openxmlformats.org/officeDocument/2006/relationships" xmlns:p="http://schemas.openxmlformats.org/presentationml/2006/main">
   <p:cSld>
     <p:spTree>
@@ -30175,49 +32032,49 @@
                     <a:gridCol w="720000">
                       <a:extLst>
                         <a:ext uri="{9D8B030D-6E8A-4147-A177-3AD203B41FA5}">
-                          <a16:colId xmlns:a16="http://schemas.microsoft.com/office/drawing/2014/main" xmlns="" val="849826274"/>
+                          <a16:colId xmlns="" xmlns:a16="http://schemas.microsoft.com/office/drawing/2014/main" val="849826274"/>
                         </a:ext>
                       </a:extLst>
                     </a:gridCol>
                     <a:gridCol w="720000">
                       <a:extLst>
                         <a:ext uri="{9D8B030D-6E8A-4147-A177-3AD203B41FA5}">
-                          <a16:colId xmlns:a16="http://schemas.microsoft.com/office/drawing/2014/main" xmlns="" val="3122597115"/>
+                          <a16:colId xmlns="" xmlns:a16="http://schemas.microsoft.com/office/drawing/2014/main" val="3122597115"/>
                         </a:ext>
                       </a:extLst>
                     </a:gridCol>
                     <a:gridCol w="720000">
                       <a:extLst>
                         <a:ext uri="{9D8B030D-6E8A-4147-A177-3AD203B41FA5}">
-                          <a16:colId xmlns:a16="http://schemas.microsoft.com/office/drawing/2014/main" xmlns="" val="2119792792"/>
+                          <a16:colId xmlns="" xmlns:a16="http://schemas.microsoft.com/office/drawing/2014/main" val="2119792792"/>
                         </a:ext>
                       </a:extLst>
                     </a:gridCol>
                     <a:gridCol w="720000">
                       <a:extLst>
                         <a:ext uri="{9D8B030D-6E8A-4147-A177-3AD203B41FA5}">
-                          <a16:colId xmlns:a16="http://schemas.microsoft.com/office/drawing/2014/main" xmlns="" val="3054159046"/>
+                          <a16:colId xmlns="" xmlns:a16="http://schemas.microsoft.com/office/drawing/2014/main" val="3054159046"/>
                         </a:ext>
                       </a:extLst>
                     </a:gridCol>
                     <a:gridCol w="720000">
                       <a:extLst>
                         <a:ext uri="{9D8B030D-6E8A-4147-A177-3AD203B41FA5}">
-                          <a16:colId xmlns:a16="http://schemas.microsoft.com/office/drawing/2014/main" xmlns="" val="1335098707"/>
+                          <a16:colId xmlns="" xmlns:a16="http://schemas.microsoft.com/office/drawing/2014/main" val="1335098707"/>
                         </a:ext>
                       </a:extLst>
                     </a:gridCol>
                     <a:gridCol w="720000">
                       <a:extLst>
                         <a:ext uri="{9D8B030D-6E8A-4147-A177-3AD203B41FA5}">
-                          <a16:colId xmlns:a16="http://schemas.microsoft.com/office/drawing/2014/main" xmlns="" val="2189793948"/>
+                          <a16:colId xmlns="" xmlns:a16="http://schemas.microsoft.com/office/drawing/2014/main" val="2189793948"/>
                         </a:ext>
                       </a:extLst>
                     </a:gridCol>
                     <a:gridCol w="720000">
                       <a:extLst>
                         <a:ext uri="{9D8B030D-6E8A-4147-A177-3AD203B41FA5}">
-                          <a16:colId xmlns:a16="http://schemas.microsoft.com/office/drawing/2014/main" xmlns="" val="4073850615"/>
+                          <a16:colId xmlns="" xmlns:a16="http://schemas.microsoft.com/office/drawing/2014/main" val="4073850615"/>
                         </a:ext>
                       </a:extLst>
                     </a:gridCol>
@@ -31302,7 +33159,7 @@
                     </a:tc>
                     <a:extLst>
                       <a:ext uri="{0D108BD9-81ED-4DB2-BD59-A6C34878D82A}">
-                        <a16:rowId xmlns:a16="http://schemas.microsoft.com/office/drawing/2014/main" xmlns="" val="2282192497"/>
+                        <a16:rowId xmlns="" xmlns:a16="http://schemas.microsoft.com/office/drawing/2014/main" val="2282192497"/>
                       </a:ext>
                     </a:extLst>
                   </a:tr>
@@ -32485,7 +34342,7 @@
                     </a:tc>
                     <a:extLst>
                       <a:ext uri="{0D108BD9-81ED-4DB2-BD59-A6C34878D82A}">
-                        <a16:rowId xmlns:a16="http://schemas.microsoft.com/office/drawing/2014/main" xmlns="" val="285879134"/>
+                        <a16:rowId xmlns="" xmlns:a16="http://schemas.microsoft.com/office/drawing/2014/main" val="285879134"/>
                       </a:ext>
                     </a:extLst>
                   </a:tr>
@@ -33113,7 +34970,7 @@
                     </a:tc>
                     <a:extLst>
                       <a:ext uri="{0D108BD9-81ED-4DB2-BD59-A6C34878D82A}">
-                        <a16:rowId xmlns:a16="http://schemas.microsoft.com/office/drawing/2014/main" xmlns="" val="1414773290"/>
+                        <a16:rowId xmlns="" xmlns:a16="http://schemas.microsoft.com/office/drawing/2014/main" val="1414773290"/>
                       </a:ext>
                     </a:extLst>
                   </a:tr>
@@ -33741,7 +35598,7 @@
                     </a:tc>
                     <a:extLst>
                       <a:ext uri="{0D108BD9-81ED-4DB2-BD59-A6C34878D82A}">
-                        <a16:rowId xmlns:a16="http://schemas.microsoft.com/office/drawing/2014/main" xmlns="" val="3029169098"/>
+                        <a16:rowId xmlns="" xmlns:a16="http://schemas.microsoft.com/office/drawing/2014/main" val="3029169098"/>
                       </a:ext>
                     </a:extLst>
                   </a:tr>
@@ -34369,7 +36226,7 @@
                     </a:tc>
                     <a:extLst>
                       <a:ext uri="{0D108BD9-81ED-4DB2-BD59-A6C34878D82A}">
-                        <a16:rowId xmlns:a16="http://schemas.microsoft.com/office/drawing/2014/main" xmlns="" val="1551467127"/>
+                        <a16:rowId xmlns="" xmlns:a16="http://schemas.microsoft.com/office/drawing/2014/main" val="1551467127"/>
                       </a:ext>
                     </a:extLst>
                   </a:tr>
@@ -34997,7 +36854,7 @@
                     </a:tc>
                     <a:extLst>
                       <a:ext uri="{0D108BD9-81ED-4DB2-BD59-A6C34878D82A}">
-                        <a16:rowId xmlns:a16="http://schemas.microsoft.com/office/drawing/2014/main" xmlns="" val="1957575383"/>
+                        <a16:rowId xmlns="" xmlns:a16="http://schemas.microsoft.com/office/drawing/2014/main" val="1957575383"/>
                       </a:ext>
                     </a:extLst>
                   </a:tr>
@@ -37109,401 +38966,6 @@
 </p:sld>
 </file>
 
-<file path=ppt/slides/slide9.xml><?xml version="1.0" encoding="utf-8"?>
-<p:sld xmlns:a="http://schemas.openxmlformats.org/drawingml/2006/main" xmlns:r="http://schemas.openxmlformats.org/officeDocument/2006/relationships" xmlns:p="http://schemas.openxmlformats.org/presentationml/2006/main">
-  <p:cSld>
-    <p:spTree>
-      <p:nvGrpSpPr>
-        <p:cNvPr id="1" name=""/>
-        <p:cNvGrpSpPr/>
-        <p:nvPr/>
-      </p:nvGrpSpPr>
-      <p:grpSpPr>
-        <a:xfrm>
-          <a:off x="0" y="0"/>
-          <a:ext cx="0" cy="0"/>
-          <a:chOff x="0" y="0"/>
-          <a:chExt cx="0" cy="0"/>
-        </a:xfrm>
-      </p:grpSpPr>
-      <p:sp>
-        <p:nvSpPr>
-          <p:cNvPr id="2" name="タイトル 1"/>
-          <p:cNvSpPr>
-            <a:spLocks noGrp="1"/>
-          </p:cNvSpPr>
-          <p:nvPr>
-            <p:ph type="title"/>
-          </p:nvPr>
-        </p:nvSpPr>
-        <p:spPr/>
-        <p:txBody>
-          <a:bodyPr/>
-          <a:lstStyle/>
-          <a:p>
-            <a:r>
-              <a:rPr lang="en-US" altLang="ja-JP" dirty="0" smtClean="0"/>
-              <a:t>RT</a:t>
-            </a:r>
-            <a:r>
-              <a:rPr kumimoji="1" lang="ja-JP" altLang="en-US" dirty="0" smtClean="0"/>
-              <a:t>のモデル化</a:t>
-            </a:r>
-            <a:endParaRPr kumimoji="1" lang="ja-JP" altLang="en-US" dirty="0"/>
-          </a:p>
-        </p:txBody>
-      </p:sp>
-      <mc:AlternateContent xmlns:mc="http://schemas.openxmlformats.org/markup-compatibility/2006" xmlns:a14="http://schemas.microsoft.com/office/drawing/2010/main">
-        <mc:Choice Requires="a14">
-          <p:sp>
-            <p:nvSpPr>
-              <p:cNvPr id="4" name="テキスト ボックス 3"/>
-              <p:cNvSpPr txBox="1"/>
-              <p:nvPr/>
-            </p:nvSpPr>
-            <p:spPr>
-              <a:xfrm>
-                <a:off x="1365503" y="2511552"/>
-                <a:ext cx="6092819" cy="844014"/>
-              </a:xfrm>
-              <a:prstGeom prst="rect">
-                <a:avLst/>
-              </a:prstGeom>
-              <a:noFill/>
-            </p:spPr>
-            <p:txBody>
-              <a:bodyPr wrap="square" rtlCol="0">
-                <a:spAutoFit/>
-              </a:bodyPr>
-              <a:lstStyle/>
-              <a:p>
-                <a14:m>
-                  <m:oMath xmlns:m="http://schemas.openxmlformats.org/officeDocument/2006/math">
-                    <m:sSub>
-                      <m:sSubPr>
-                        <m:ctrlPr>
-                          <a:rPr lang="en-US" altLang="ja-JP" sz="4400" i="1" smtClean="0">
-                            <a:latin typeface="Cambria Math" panose="02040503050406030204" pitchFamily="18" charset="0"/>
-                          </a:rPr>
-                        </m:ctrlPr>
-                      </m:sSubPr>
-                      <m:e>
-                        <m:r>
-                          <a:rPr lang="en-US" altLang="ja-JP" sz="4400" b="0" i="1" smtClean="0">
-                            <a:latin typeface="Cambria Math" panose="02040503050406030204" pitchFamily="18" charset="0"/>
-                          </a:rPr>
-                          <m:t>𝑅</m:t>
-                        </m:r>
-                      </m:e>
-                      <m:sub>
-                        <m:r>
-                          <a:rPr lang="en-US" altLang="ja-JP" sz="4400" b="0" i="1" smtClean="0">
-                            <a:latin typeface="Cambria Math" panose="02040503050406030204" pitchFamily="18" charset="0"/>
-                          </a:rPr>
-                          <m:t>𝑛</m:t>
-                        </m:r>
-                      </m:sub>
-                    </m:sSub>
-                    <m:d>
-                      <m:dPr>
-                        <m:ctrlPr>
-                          <a:rPr lang="en-US" altLang="ja-JP" sz="4400" i="1" smtClean="0">
-                            <a:latin typeface="Cambria Math" panose="02040503050406030204" pitchFamily="18" charset="0"/>
-                          </a:rPr>
-                        </m:ctrlPr>
-                      </m:dPr>
-                      <m:e>
-                        <m:r>
-                          <a:rPr lang="en-US" altLang="ja-JP" sz="4400" b="0" i="1" smtClean="0">
-                            <a:latin typeface="Cambria Math" panose="02040503050406030204" pitchFamily="18" charset="0"/>
-                          </a:rPr>
-                          <m:t>𝑡</m:t>
-                        </m:r>
-                      </m:e>
-                    </m:d>
-                  </m:oMath>
-                </a14:m>
-                <a:r>
-                  <a:rPr kumimoji="1" lang="en-US" altLang="ja-JP" sz="4400" dirty="0" smtClean="0"/>
-                  <a:t>:=</a:t>
-                </a:r>
-                <a14:m>
-                  <m:oMath xmlns:m="http://schemas.openxmlformats.org/officeDocument/2006/math">
-                    <m:nary>
-                      <m:naryPr>
-                        <m:chr m:val="∑"/>
-                        <m:supHide m:val="on"/>
-                        <m:ctrlPr>
-                          <a:rPr kumimoji="1" lang="en-US" altLang="ja-JP" sz="4400" i="1" smtClean="0">
-                            <a:latin typeface="Cambria Math" panose="02040503050406030204" pitchFamily="18" charset="0"/>
-                          </a:rPr>
-                        </m:ctrlPr>
-                      </m:naryPr>
-                      <m:sub>
-                        <m:r>
-                          <a:rPr kumimoji="1" lang="en-US" altLang="ja-JP" sz="4400" b="0" i="1" smtClean="0">
-                            <a:latin typeface="Cambria Math" panose="02040503050406030204" pitchFamily="18" charset="0"/>
-                          </a:rPr>
-                          <m:t>𝑛</m:t>
-                        </m:r>
-                        <m:r>
-                          <a:rPr kumimoji="1" lang="en-US" altLang="ja-JP" sz="4400" b="0" i="1" smtClean="0">
-                            <a:latin typeface="Cambria Math" panose="02040503050406030204" pitchFamily="18" charset="0"/>
-                            <a:ea typeface="Cambria Math" panose="02040503050406030204" pitchFamily="18" charset="0"/>
-                          </a:rPr>
-                          <m:t>∈</m:t>
-                        </m:r>
-                        <m:sSub>
-                          <m:sSubPr>
-                            <m:ctrlPr>
-                              <a:rPr lang="en-US" altLang="ja-JP" sz="4400" i="1">
-                                <a:latin typeface="Cambria Math" panose="02040503050406030204" pitchFamily="18" charset="0"/>
-                              </a:rPr>
-                            </m:ctrlPr>
-                          </m:sSubPr>
-                          <m:e>
-                            <m:r>
-                              <a:rPr lang="en-US" altLang="ja-JP" sz="4400" i="1">
-                                <a:latin typeface="Cambria Math" panose="02040503050406030204" pitchFamily="18" charset="0"/>
-                              </a:rPr>
-                              <m:t>𝑅𝐶</m:t>
-                            </m:r>
-                          </m:e>
-                          <m:sub>
-                            <m:r>
-                              <a:rPr lang="en-US" altLang="ja-JP" sz="4400" i="1">
-                                <a:latin typeface="Cambria Math" panose="02040503050406030204" pitchFamily="18" charset="0"/>
-                              </a:rPr>
-                              <m:t>𝑛</m:t>
-                            </m:r>
-                          </m:sub>
-                        </m:sSub>
-                      </m:sub>
-                      <m:sup/>
-                      <m:e>
-                        <m:sSub>
-                          <m:sSubPr>
-                            <m:ctrlPr>
-                              <a:rPr lang="en-US" altLang="ja-JP" sz="4400" i="1" smtClean="0">
-                                <a:latin typeface="Cambria Math" panose="02040503050406030204" pitchFamily="18" charset="0"/>
-                                <a:ea typeface="Cambria Math" panose="02040503050406030204" pitchFamily="18" charset="0"/>
-                              </a:rPr>
-                            </m:ctrlPr>
-                          </m:sSubPr>
-                          <m:e>
-                            <m:r>
-                              <a:rPr lang="en-US" altLang="ja-JP" sz="4400" b="0" i="1" smtClean="0">
-                                <a:latin typeface="Cambria Math" panose="02040503050406030204" pitchFamily="18" charset="0"/>
-                                <a:ea typeface="Cambria Math" panose="02040503050406030204" pitchFamily="18" charset="0"/>
-                              </a:rPr>
-                              <m:t>𝐶</m:t>
-                            </m:r>
-                          </m:e>
-                          <m:sub>
-                            <m:r>
-                              <a:rPr lang="en-US" altLang="ja-JP" sz="4400" b="0" i="1" smtClean="0">
-                                <a:latin typeface="Cambria Math" panose="02040503050406030204" pitchFamily="18" charset="0"/>
-                                <a:ea typeface="Cambria Math" panose="02040503050406030204" pitchFamily="18" charset="0"/>
-                              </a:rPr>
-                              <m:t>𝑛</m:t>
-                            </m:r>
-                          </m:sub>
-                        </m:sSub>
-                        <m:r>
-                          <a:rPr kumimoji="1" lang="en-US" altLang="ja-JP" sz="4400" b="0" i="1" smtClean="0">
-                            <a:latin typeface="Cambria Math" panose="02040503050406030204" pitchFamily="18" charset="0"/>
-                          </a:rPr>
-                          <m:t>(</m:t>
-                        </m:r>
-                        <m:r>
-                          <a:rPr kumimoji="1" lang="en-US" altLang="ja-JP" sz="4400" b="0" i="1" smtClean="0">
-                            <a:latin typeface="Cambria Math" panose="02040503050406030204" pitchFamily="18" charset="0"/>
-                          </a:rPr>
-                          <m:t>𝑡</m:t>
-                        </m:r>
-                        <m:r>
-                          <a:rPr kumimoji="1" lang="en-US" altLang="ja-JP" sz="4400" b="0" i="1" smtClean="0">
-                            <a:latin typeface="Cambria Math" panose="02040503050406030204" pitchFamily="18" charset="0"/>
-                          </a:rPr>
-                          <m:t>)</m:t>
-                        </m:r>
-                      </m:e>
-                    </m:nary>
-                  </m:oMath>
-                </a14:m>
-                <a:endParaRPr kumimoji="1" lang="ja-JP" altLang="en-US" sz="4400" dirty="0"/>
-              </a:p>
-            </p:txBody>
-          </p:sp>
-        </mc:Choice>
-        <mc:Fallback xmlns="">
-          <p:sp>
-            <p:nvSpPr>
-              <p:cNvPr id="4" name="テキスト ボックス 3"/>
-              <p:cNvSpPr txBox="1">
-                <a:spLocks noRot="1" noChangeAspect="1" noMove="1" noResize="1" noEditPoints="1" noAdjustHandles="1" noChangeArrowheads="1" noChangeShapeType="1" noTextEdit="1"/>
-              </p:cNvSpPr>
-              <p:nvPr/>
-            </p:nvSpPr>
-            <p:spPr>
-              <a:xfrm>
-                <a:off x="1365503" y="2511552"/>
-                <a:ext cx="6092819" cy="844014"/>
-              </a:xfrm>
-              <a:prstGeom prst="rect">
-                <a:avLst/>
-              </a:prstGeom>
-              <a:blipFill>
-                <a:blip r:embed="rId2"/>
-                <a:stretch>
-                  <a:fillRect t="-12319" b="-27536"/>
-                </a:stretch>
-              </a:blipFill>
-            </p:spPr>
-            <p:txBody>
-              <a:bodyPr/>
-              <a:lstStyle/>
-              <a:p>
-                <a:r>
-                  <a:rPr lang="ja-JP" altLang="en-US">
-                    <a:noFill/>
-                  </a:rPr>
-                  <a:t> </a:t>
-                </a:r>
-              </a:p>
-            </p:txBody>
-          </p:sp>
-        </mc:Fallback>
-      </mc:AlternateContent>
-      <p:sp>
-        <p:nvSpPr>
-          <p:cNvPr id="5" name="テキスト ボックス 4"/>
-          <p:cNvSpPr txBox="1"/>
-          <p:nvPr/>
-        </p:nvSpPr>
-        <p:spPr>
-          <a:xfrm>
-            <a:off x="8575611" y="1588222"/>
-            <a:ext cx="2904565" cy="369332"/>
-          </a:xfrm>
-          <a:prstGeom prst="rect">
-            <a:avLst/>
-          </a:prstGeom>
-          <a:noFill/>
-        </p:spPr>
-        <p:txBody>
-          <a:bodyPr wrap="square" rtlCol="0">
-            <a:spAutoFit/>
-          </a:bodyPr>
-          <a:lstStyle/>
-          <a:p>
-            <a:r>
-              <a:rPr lang="ja-JP" altLang="en-US" dirty="0" smtClean="0"/>
-              <a:t>行列の足し算は定義済み</a:t>
-            </a:r>
-            <a:endParaRPr kumimoji="1" lang="ja-JP" altLang="en-US" dirty="0"/>
-          </a:p>
-        </p:txBody>
-      </p:sp>
-      <p:sp>
-        <p:nvSpPr>
-          <p:cNvPr id="6" name="テキスト ボックス 5"/>
-          <p:cNvSpPr txBox="1"/>
-          <p:nvPr/>
-        </p:nvSpPr>
-        <p:spPr>
-          <a:xfrm>
-            <a:off x="5760694" y="4354375"/>
-            <a:ext cx="4046694" cy="369332"/>
-          </a:xfrm>
-          <a:prstGeom prst="rect">
-            <a:avLst/>
-          </a:prstGeom>
-          <a:noFill/>
-        </p:spPr>
-        <p:txBody>
-          <a:bodyPr wrap="square" rtlCol="0">
-            <a:spAutoFit/>
-          </a:bodyPr>
-          <a:lstStyle/>
-          <a:p>
-            <a:r>
-              <a:rPr lang="en-US" altLang="ja-JP" dirty="0" smtClean="0"/>
-              <a:t>VSS</a:t>
-            </a:r>
-            <a:r>
-              <a:rPr lang="ja-JP" altLang="en-US" dirty="0" smtClean="0"/>
-              <a:t>に属するカメラの数はほぼ</a:t>
-            </a:r>
-            <a:r>
-              <a:rPr lang="en-US" altLang="ja-JP" dirty="0" smtClean="0"/>
-              <a:t>1</a:t>
-            </a:r>
-          </a:p>
-        </p:txBody>
-      </p:sp>
-      <p:sp>
-        <p:nvSpPr>
-          <p:cNvPr id="7" name="テキスト ボックス 6"/>
-          <p:cNvSpPr txBox="1"/>
-          <p:nvPr/>
-        </p:nvSpPr>
-        <p:spPr>
-          <a:xfrm>
-            <a:off x="5653118" y="3375443"/>
-            <a:ext cx="4046694" cy="369332"/>
-          </a:xfrm>
-          <a:prstGeom prst="rect">
-            <a:avLst/>
-          </a:prstGeom>
-          <a:noFill/>
-        </p:spPr>
-        <p:txBody>
-          <a:bodyPr wrap="square" rtlCol="0">
-            <a:spAutoFit/>
-          </a:bodyPr>
-          <a:lstStyle/>
-          <a:p>
-            <a:r>
-              <a:rPr lang="en-US" altLang="ja-JP" dirty="0" err="1" smtClean="0"/>
-              <a:t>Cn:n</a:t>
-            </a:r>
-            <a:r>
-              <a:rPr lang="ja-JP" altLang="en-US" dirty="0" smtClean="0"/>
-              <a:t>番目の</a:t>
-            </a:r>
-            <a:r>
-              <a:rPr lang="en-US" altLang="ja-JP" dirty="0" smtClean="0"/>
-              <a:t>VSS</a:t>
-            </a:r>
-            <a:r>
-              <a:rPr lang="ja-JP" altLang="en-US" dirty="0" smtClean="0"/>
-              <a:t>に属するカメラ</a:t>
-            </a:r>
-            <a:endParaRPr kumimoji="1" lang="ja-JP" altLang="en-US" dirty="0"/>
-          </a:p>
-        </p:txBody>
-      </p:sp>
-    </p:spTree>
-    <p:extLst>
-      <p:ext uri="{BB962C8B-B14F-4D97-AF65-F5344CB8AC3E}">
-        <p14:creationId xmlns:p14="http://schemas.microsoft.com/office/powerpoint/2010/main" val="1911755669"/>
-      </p:ext>
-    </p:extLst>
-  </p:cSld>
-  <p:clrMapOvr>
-    <a:masterClrMapping/>
-  </p:clrMapOvr>
-  <p:timing>
-    <p:tnLst>
-      <p:par>
-        <p:cTn id="1" dur="indefinite" restart="never" nodeType="tmRoot"/>
-      </p:par>
-    </p:tnLst>
-  </p:timing>
-</p:sld>
-</file>
-
 <file path=ppt/theme/theme1.xml><?xml version="1.0" encoding="utf-8"?>
 <a:theme xmlns:a="http://schemas.openxmlformats.org/drawingml/2006/main" name="Office テーマ">
   <a:themeElements>
